--- a/Project2/EDA_LendingClub_Slides - Project 2.pptx
+++ b/Project2/EDA_LendingClub_Slides - Project 2.pptx
@@ -5,7 +5,7 @@
     <p:sldMasterId id="2147483648" r:id="rId1"/>
   </p:sldMasterIdLst>
   <p:notesMasterIdLst>
-    <p:notesMasterId r:id="rId20"/>
+    <p:notesMasterId r:id="rId28"/>
   </p:notesMasterIdLst>
   <p:sldIdLst>
     <p:sldId id="257" r:id="rId2"/>
@@ -17,15 +17,23 @@
     <p:sldId id="296" r:id="rId8"/>
     <p:sldId id="297" r:id="rId9"/>
     <p:sldId id="298" r:id="rId10"/>
-    <p:sldId id="268" r:id="rId11"/>
-    <p:sldId id="273" r:id="rId12"/>
-    <p:sldId id="274" r:id="rId13"/>
-    <p:sldId id="275" r:id="rId14"/>
-    <p:sldId id="281" r:id="rId15"/>
-    <p:sldId id="299" r:id="rId16"/>
-    <p:sldId id="300" r:id="rId17"/>
-    <p:sldId id="301" r:id="rId18"/>
-    <p:sldId id="263" r:id="rId19"/>
+    <p:sldId id="302" r:id="rId11"/>
+    <p:sldId id="268" r:id="rId12"/>
+    <p:sldId id="273" r:id="rId13"/>
+    <p:sldId id="274" r:id="rId14"/>
+    <p:sldId id="275" r:id="rId15"/>
+    <p:sldId id="281" r:id="rId16"/>
+    <p:sldId id="299" r:id="rId17"/>
+    <p:sldId id="303" r:id="rId18"/>
+    <p:sldId id="304" r:id="rId19"/>
+    <p:sldId id="305" r:id="rId20"/>
+    <p:sldId id="306" r:id="rId21"/>
+    <p:sldId id="307" r:id="rId22"/>
+    <p:sldId id="308" r:id="rId23"/>
+    <p:sldId id="309" r:id="rId24"/>
+    <p:sldId id="300" r:id="rId25"/>
+    <p:sldId id="301" r:id="rId26"/>
+    <p:sldId id="263" r:id="rId27"/>
   </p:sldIdLst>
   <p:sldSz cx="12192000" cy="6858000"/>
   <p:notesSz cx="6858000" cy="9144000"/>
@@ -214,7 +222,7 @@
           <a:p>
             <a:fld id="{48CCDE1B-485C-4B2F-BE21-3D867E8608CA}" type="datetimeFigureOut">
               <a:rPr lang="en-US" smtClean="0"/>
-              <a:t>12/9/2022</a:t>
+              <a:t>12/10/2022</a:t>
             </a:fld>
             <a:endParaRPr lang="en-US"/>
           </a:p>
@@ -964,19 +972,7 @@
           <a:bodyPr/>
           <a:lstStyle/>
           <a:p>
-            <a:r>
-              <a:rPr lang="en-US" dirty="0"/>
-              <a:t>From this we can see that about 13.2% of borrowers who met the credit underwriting criteria did not fully pay, while for the borrowers who did not meet the credit underwriting criteria about 27.8% did not fully pay.</a:t>
-            </a:r>
-          </a:p>
-          <a:p>
             <a:endParaRPr lang="en-US" dirty="0"/>
-          </a:p>
-          <a:p>
-            <a:r>
-              <a:rPr lang="en-US" dirty="0"/>
-              <a:t>This indicates borrowers who did not meet the credit underwriting criteria were almost twice as likely to be default on their loans than those who did meet the criteria. For comparison, default rates on loans from commercial banks for the same period as our dataset averaged 4.48%, with a maximum default rate of 7.49% default rate towards the end of 2009, according to the St. Louis Federal Reserve Bank.</a:t>
-            </a:r>
           </a:p>
         </p:txBody>
       </p:sp>
@@ -997,7 +993,187 @@
           <a:p>
             <a:fld id="{6B053770-FD16-42CB-98BB-967786CBD56A}" type="slidenum">
               <a:rPr lang="en-US" smtClean="0"/>
+              <a:t>9</a:t>
+            </a:fld>
+            <a:endParaRPr lang="en-US"/>
+          </a:p>
+        </p:txBody>
+      </p:sp>
+    </p:spTree>
+    <p:extLst>
+      <p:ext uri="{BB962C8B-B14F-4D97-AF65-F5344CB8AC3E}">
+        <p14:creationId xmlns:p14="http://schemas.microsoft.com/office/powerpoint/2010/main" val="2153594973"/>
+      </p:ext>
+    </p:extLst>
+  </p:cSld>
+  <p:clrMapOvr>
+    <a:masterClrMapping/>
+  </p:clrMapOvr>
+</p:notes>
+</file>
+
+<file path=ppt/notesSlides/notesSlide5.xml><?xml version="1.0" encoding="utf-8"?>
+<p:notes xmlns:a="http://schemas.openxmlformats.org/drawingml/2006/main" xmlns:r="http://schemas.openxmlformats.org/officeDocument/2006/relationships" xmlns:p="http://schemas.openxmlformats.org/presentationml/2006/main">
+  <p:cSld>
+    <p:spTree>
+      <p:nvGrpSpPr>
+        <p:cNvPr id="1" name=""/>
+        <p:cNvGrpSpPr/>
+        <p:nvPr/>
+      </p:nvGrpSpPr>
+      <p:grpSpPr>
+        <a:xfrm>
+          <a:off x="0" y="0"/>
+          <a:ext cx="0" cy="0"/>
+          <a:chOff x="0" y="0"/>
+          <a:chExt cx="0" cy="0"/>
+        </a:xfrm>
+      </p:grpSpPr>
+      <p:sp>
+        <p:nvSpPr>
+          <p:cNvPr id="2" name="Slide Image Placeholder 1"/>
+          <p:cNvSpPr>
+            <a:spLocks noGrp="1" noRot="1" noChangeAspect="1"/>
+          </p:cNvSpPr>
+          <p:nvPr>
+            <p:ph type="sldImg"/>
+          </p:nvPr>
+        </p:nvSpPr>
+        <p:spPr/>
+      </p:sp>
+      <p:sp>
+        <p:nvSpPr>
+          <p:cNvPr id="3" name="Notes Placeholder 2"/>
+          <p:cNvSpPr>
+            <a:spLocks noGrp="1"/>
+          </p:cNvSpPr>
+          <p:nvPr>
+            <p:ph type="body" idx="1"/>
+          </p:nvPr>
+        </p:nvSpPr>
+        <p:spPr/>
+        <p:txBody>
+          <a:bodyPr/>
+          <a:lstStyle/>
+          <a:p>
+            <a:endParaRPr lang="en-US" dirty="0"/>
+          </a:p>
+        </p:txBody>
+      </p:sp>
+      <p:sp>
+        <p:nvSpPr>
+          <p:cNvPr id="4" name="Slide Number Placeholder 3"/>
+          <p:cNvSpPr>
+            <a:spLocks noGrp="1"/>
+          </p:cNvSpPr>
+          <p:nvPr>
+            <p:ph type="sldNum" sz="quarter" idx="5"/>
+          </p:nvPr>
+        </p:nvSpPr>
+        <p:spPr/>
+        <p:txBody>
+          <a:bodyPr/>
+          <a:lstStyle/>
+          <a:p>
+            <a:fld id="{6B053770-FD16-42CB-98BB-967786CBD56A}" type="slidenum">
+              <a:rPr lang="en-US" smtClean="0"/>
               <a:t>10</a:t>
+            </a:fld>
+            <a:endParaRPr lang="en-US"/>
+          </a:p>
+        </p:txBody>
+      </p:sp>
+    </p:spTree>
+    <p:extLst>
+      <p:ext uri="{BB962C8B-B14F-4D97-AF65-F5344CB8AC3E}">
+        <p14:creationId xmlns:p14="http://schemas.microsoft.com/office/powerpoint/2010/main" val="3715633435"/>
+      </p:ext>
+    </p:extLst>
+  </p:cSld>
+  <p:clrMapOvr>
+    <a:masterClrMapping/>
+  </p:clrMapOvr>
+</p:notes>
+</file>
+
+<file path=ppt/notesSlides/notesSlide6.xml><?xml version="1.0" encoding="utf-8"?>
+<p:notes xmlns:a="http://schemas.openxmlformats.org/drawingml/2006/main" xmlns:r="http://schemas.openxmlformats.org/officeDocument/2006/relationships" xmlns:p="http://schemas.openxmlformats.org/presentationml/2006/main">
+  <p:cSld>
+    <p:spTree>
+      <p:nvGrpSpPr>
+        <p:cNvPr id="1" name=""/>
+        <p:cNvGrpSpPr/>
+        <p:nvPr/>
+      </p:nvGrpSpPr>
+      <p:grpSpPr>
+        <a:xfrm>
+          <a:off x="0" y="0"/>
+          <a:ext cx="0" cy="0"/>
+          <a:chOff x="0" y="0"/>
+          <a:chExt cx="0" cy="0"/>
+        </a:xfrm>
+      </p:grpSpPr>
+      <p:sp>
+        <p:nvSpPr>
+          <p:cNvPr id="2" name="Slide Image Placeholder 1"/>
+          <p:cNvSpPr>
+            <a:spLocks noGrp="1" noRot="1" noChangeAspect="1"/>
+          </p:cNvSpPr>
+          <p:nvPr>
+            <p:ph type="sldImg"/>
+          </p:nvPr>
+        </p:nvSpPr>
+        <p:spPr/>
+      </p:sp>
+      <p:sp>
+        <p:nvSpPr>
+          <p:cNvPr id="3" name="Notes Placeholder 2"/>
+          <p:cNvSpPr>
+            <a:spLocks noGrp="1"/>
+          </p:cNvSpPr>
+          <p:nvPr>
+            <p:ph type="body" idx="1"/>
+          </p:nvPr>
+        </p:nvSpPr>
+        <p:spPr/>
+        <p:txBody>
+          <a:bodyPr/>
+          <a:lstStyle/>
+          <a:p>
+            <a:r>
+              <a:rPr lang="en-US" dirty="0"/>
+              <a:t>From this we can see that about 13.2% of borrowers who met the credit underwriting criteria did not fully pay, while for the borrowers who did not meet the credit underwriting criteria about 27.8% did not fully pay.</a:t>
+            </a:r>
+          </a:p>
+          <a:p>
+            <a:endParaRPr lang="en-US" dirty="0"/>
+          </a:p>
+          <a:p>
+            <a:r>
+              <a:rPr lang="en-US" dirty="0"/>
+              <a:t>This indicates borrowers who did not meet the credit underwriting criteria were almost twice as likely to be default on their loans than those who did meet the criteria. For comparison, default rates on loans from commercial banks for the same period as our dataset averaged 4.48%, with a maximum default rate of 7.49% default rate towards the end of 2009, according to the St. Louis Federal Reserve Bank.</a:t>
+            </a:r>
+          </a:p>
+        </p:txBody>
+      </p:sp>
+      <p:sp>
+        <p:nvSpPr>
+          <p:cNvPr id="4" name="Slide Number Placeholder 3"/>
+          <p:cNvSpPr>
+            <a:spLocks noGrp="1"/>
+          </p:cNvSpPr>
+          <p:nvPr>
+            <p:ph type="sldNum" sz="quarter" idx="5"/>
+          </p:nvPr>
+        </p:nvSpPr>
+        <p:spPr/>
+        <p:txBody>
+          <a:bodyPr/>
+          <a:lstStyle/>
+          <a:p>
+            <a:fld id="{6B053770-FD16-42CB-98BB-967786CBD56A}" type="slidenum">
+              <a:rPr lang="en-US" smtClean="0"/>
+              <a:t>11</a:t>
             </a:fld>
             <a:endParaRPr lang="en-US"/>
           </a:p>
@@ -1163,7 +1339,7 @@
           <a:p>
             <a:fld id="{995EAC03-283E-463E-BE2A-0031DB3AD91B}" type="datetimeFigureOut">
               <a:rPr lang="en-US" smtClean="0"/>
-              <a:t>12/9/2022</a:t>
+              <a:t>12/10/2022</a:t>
             </a:fld>
             <a:endParaRPr lang="en-US"/>
           </a:p>
@@ -1361,7 +1537,7 @@
           <a:p>
             <a:fld id="{995EAC03-283E-463E-BE2A-0031DB3AD91B}" type="datetimeFigureOut">
               <a:rPr lang="en-US" smtClean="0"/>
-              <a:t>12/9/2022</a:t>
+              <a:t>12/10/2022</a:t>
             </a:fld>
             <a:endParaRPr lang="en-US"/>
           </a:p>
@@ -1569,7 +1745,7 @@
           <a:p>
             <a:fld id="{995EAC03-283E-463E-BE2A-0031DB3AD91B}" type="datetimeFigureOut">
               <a:rPr lang="en-US" smtClean="0"/>
-              <a:t>12/9/2022</a:t>
+              <a:t>12/10/2022</a:t>
             </a:fld>
             <a:endParaRPr lang="en-US"/>
           </a:p>
@@ -1767,7 +1943,7 @@
           <a:p>
             <a:fld id="{995EAC03-283E-463E-BE2A-0031DB3AD91B}" type="datetimeFigureOut">
               <a:rPr lang="en-US" smtClean="0"/>
-              <a:t>12/9/2022</a:t>
+              <a:t>12/10/2022</a:t>
             </a:fld>
             <a:endParaRPr lang="en-US"/>
           </a:p>
@@ -2042,7 +2218,7 @@
           <a:p>
             <a:fld id="{995EAC03-283E-463E-BE2A-0031DB3AD91B}" type="datetimeFigureOut">
               <a:rPr lang="en-US" smtClean="0"/>
-              <a:t>12/9/2022</a:t>
+              <a:t>12/10/2022</a:t>
             </a:fld>
             <a:endParaRPr lang="en-US"/>
           </a:p>
@@ -2307,7 +2483,7 @@
           <a:p>
             <a:fld id="{995EAC03-283E-463E-BE2A-0031DB3AD91B}" type="datetimeFigureOut">
               <a:rPr lang="en-US" smtClean="0"/>
-              <a:t>12/9/2022</a:t>
+              <a:t>12/10/2022</a:t>
             </a:fld>
             <a:endParaRPr lang="en-US"/>
           </a:p>
@@ -2719,7 +2895,7 @@
           <a:p>
             <a:fld id="{995EAC03-283E-463E-BE2A-0031DB3AD91B}" type="datetimeFigureOut">
               <a:rPr lang="en-US" smtClean="0"/>
-              <a:t>12/9/2022</a:t>
+              <a:t>12/10/2022</a:t>
             </a:fld>
             <a:endParaRPr lang="en-US"/>
           </a:p>
@@ -2860,7 +3036,7 @@
           <a:p>
             <a:fld id="{995EAC03-283E-463E-BE2A-0031DB3AD91B}" type="datetimeFigureOut">
               <a:rPr lang="en-US" smtClean="0"/>
-              <a:t>12/9/2022</a:t>
+              <a:t>12/10/2022</a:t>
             </a:fld>
             <a:endParaRPr lang="en-US"/>
           </a:p>
@@ -2973,7 +3149,7 @@
           <a:p>
             <a:fld id="{995EAC03-283E-463E-BE2A-0031DB3AD91B}" type="datetimeFigureOut">
               <a:rPr lang="en-US" smtClean="0"/>
-              <a:t>12/9/2022</a:t>
+              <a:t>12/10/2022</a:t>
             </a:fld>
             <a:endParaRPr lang="en-US"/>
           </a:p>
@@ -3284,7 +3460,7 @@
           <a:p>
             <a:fld id="{995EAC03-283E-463E-BE2A-0031DB3AD91B}" type="datetimeFigureOut">
               <a:rPr lang="en-US" smtClean="0"/>
-              <a:t>12/9/2022</a:t>
+              <a:t>12/10/2022</a:t>
             </a:fld>
             <a:endParaRPr lang="en-US"/>
           </a:p>
@@ -3572,7 +3748,7 @@
           <a:p>
             <a:fld id="{995EAC03-283E-463E-BE2A-0031DB3AD91B}" type="datetimeFigureOut">
               <a:rPr lang="en-US" smtClean="0"/>
-              <a:t>12/9/2022</a:t>
+              <a:t>12/10/2022</a:t>
             </a:fld>
             <a:endParaRPr lang="en-US"/>
           </a:p>
@@ -3813,7 +3989,7 @@
           <a:p>
             <a:fld id="{995EAC03-283E-463E-BE2A-0031DB3AD91B}" type="datetimeFigureOut">
               <a:rPr lang="en-US" smtClean="0"/>
-              <a:t>12/9/2022</a:t>
+              <a:t>12/10/2022</a:t>
             </a:fld>
             <a:endParaRPr lang="en-US"/>
           </a:p>
@@ -5590,6 +5766,248 @@
                   <a:srgbClr val="002060"/>
                 </a:solidFill>
               </a:rPr>
+              <a:t>Classification Tree – ROC Curve</a:t>
+            </a:r>
+          </a:p>
+        </p:txBody>
+      </p:sp>
+      <p:cxnSp>
+        <p:nvCxnSpPr>
+          <p:cNvPr id="9" name="Straight Connector 8">
+            <a:extLst>
+              <a:ext uri="{FF2B5EF4-FFF2-40B4-BE49-F238E27FC236}">
+                <a16:creationId xmlns:a16="http://schemas.microsoft.com/office/drawing/2014/main" id="{450EE6D2-7381-B11A-A20A-0D5D0904DD35}"/>
+              </a:ext>
+            </a:extLst>
+          </p:cNvPr>
+          <p:cNvCxnSpPr>
+            <a:cxnSpLocks/>
+          </p:cNvCxnSpPr>
+          <p:nvPr/>
+        </p:nvCxnSpPr>
+        <p:spPr>
+          <a:xfrm>
+            <a:off x="757647" y="1332033"/>
+            <a:ext cx="10659291" cy="0"/>
+          </a:xfrm>
+          <a:prstGeom prst="line">
+            <a:avLst/>
+          </a:prstGeom>
+          <a:ln w="57150">
+            <a:solidFill>
+              <a:srgbClr val="002060"/>
+            </a:solidFill>
+          </a:ln>
+        </p:spPr>
+        <p:style>
+          <a:lnRef idx="1">
+            <a:schemeClr val="accent1"/>
+          </a:lnRef>
+          <a:fillRef idx="0">
+            <a:schemeClr val="accent1"/>
+          </a:fillRef>
+          <a:effectRef idx="0">
+            <a:schemeClr val="accent1"/>
+          </a:effectRef>
+          <a:fontRef idx="minor">
+            <a:schemeClr val="tx1"/>
+          </a:fontRef>
+        </p:style>
+      </p:cxnSp>
+      <p:pic>
+        <p:nvPicPr>
+          <p:cNvPr id="4" name="Picture 3" descr="A picture containing chart&#10;&#10;Description automatically generated">
+            <a:extLst>
+              <a:ext uri="{FF2B5EF4-FFF2-40B4-BE49-F238E27FC236}">
+                <a16:creationId xmlns:a16="http://schemas.microsoft.com/office/drawing/2014/main" id="{42D988EC-5A0B-5693-5FAE-64380A8B7603}"/>
+              </a:ext>
+            </a:extLst>
+          </p:cNvPr>
+          <p:cNvPicPr>
+            <a:picLocks noChangeAspect="1"/>
+          </p:cNvPicPr>
+          <p:nvPr/>
+        </p:nvPicPr>
+        <p:blipFill>
+          <a:blip r:embed="rId4">
+            <a:extLst>
+              <a:ext uri="{28A0092B-C50C-407E-A947-70E740481C1C}">
+                <a14:useLocalDpi xmlns:a14="http://schemas.microsoft.com/office/drawing/2010/main" val="0"/>
+              </a:ext>
+            </a:extLst>
+          </a:blip>
+          <a:stretch>
+            <a:fillRect/>
+          </a:stretch>
+        </p:blipFill>
+        <p:spPr>
+          <a:xfrm>
+            <a:off x="2738999" y="1520901"/>
+            <a:ext cx="6400847" cy="4572033"/>
+          </a:xfrm>
+          <a:prstGeom prst="rect">
+            <a:avLst/>
+          </a:prstGeom>
+        </p:spPr>
+      </p:pic>
+      <p:sp>
+        <p:nvSpPr>
+          <p:cNvPr id="8" name="TextBox 7">
+            <a:extLst>
+              <a:ext uri="{FF2B5EF4-FFF2-40B4-BE49-F238E27FC236}">
+                <a16:creationId xmlns:a16="http://schemas.microsoft.com/office/drawing/2014/main" id="{2DBF58F3-7E65-6D50-C337-8940DA3DC74A}"/>
+              </a:ext>
+            </a:extLst>
+          </p:cNvPr>
+          <p:cNvSpPr txBox="1"/>
+          <p:nvPr/>
+        </p:nvSpPr>
+        <p:spPr>
+          <a:xfrm>
+            <a:off x="5215828" y="6281803"/>
+            <a:ext cx="1447191" cy="369332"/>
+          </a:xfrm>
+          <a:prstGeom prst="rect">
+            <a:avLst/>
+          </a:prstGeom>
+          <a:noFill/>
+        </p:spPr>
+        <p:txBody>
+          <a:bodyPr wrap="none" rtlCol="0">
+            <a:spAutoFit/>
+          </a:bodyPr>
+          <a:lstStyle/>
+          <a:p>
+            <a:r>
+              <a:rPr lang="en-US" dirty="0"/>
+              <a:t>ROC = 0.8774</a:t>
+            </a:r>
+          </a:p>
+        </p:txBody>
+      </p:sp>
+    </p:spTree>
+    <p:extLst>
+      <p:ext uri="{BB962C8B-B14F-4D97-AF65-F5344CB8AC3E}">
+        <p14:creationId xmlns:p14="http://schemas.microsoft.com/office/powerpoint/2010/main" val="306524005"/>
+      </p:ext>
+    </p:extLst>
+  </p:cSld>
+  <p:clrMapOvr>
+    <a:masterClrMapping/>
+  </p:clrMapOvr>
+</p:sld>
+</file>
+
+<file path=ppt/slides/slide11.xml><?xml version="1.0" encoding="utf-8"?>
+<p:sld xmlns:a="http://schemas.openxmlformats.org/drawingml/2006/main" xmlns:r="http://schemas.openxmlformats.org/officeDocument/2006/relationships" xmlns:p="http://schemas.openxmlformats.org/presentationml/2006/main">
+  <p:cSld>
+    <p:spTree>
+      <p:nvGrpSpPr>
+        <p:cNvPr id="1" name=""/>
+        <p:cNvGrpSpPr/>
+        <p:nvPr/>
+      </p:nvGrpSpPr>
+      <p:grpSpPr>
+        <a:xfrm>
+          <a:off x="0" y="0"/>
+          <a:ext cx="0" cy="0"/>
+          <a:chOff x="0" y="0"/>
+          <a:chExt cx="0" cy="0"/>
+        </a:xfrm>
+      </p:grpSpPr>
+      <p:pic>
+        <p:nvPicPr>
+          <p:cNvPr id="5" name="Picture 4">
+            <a:extLst>
+              <a:ext uri="{FF2B5EF4-FFF2-40B4-BE49-F238E27FC236}">
+                <a16:creationId xmlns:a16="http://schemas.microsoft.com/office/drawing/2014/main" id="{558453F9-F3C1-EDA3-6D83-43170A158A07}"/>
+              </a:ext>
+            </a:extLst>
+          </p:cNvPr>
+          <p:cNvPicPr>
+            <a:picLocks noChangeAspect="1"/>
+          </p:cNvPicPr>
+          <p:nvPr/>
+        </p:nvPicPr>
+        <p:blipFill rotWithShape="1">
+          <a:blip r:embed="rId3"/>
+          <a:srcRect t="10770" r="84371" b="20000"/>
+          <a:stretch/>
+        </p:blipFill>
+        <p:spPr>
+          <a:xfrm>
+            <a:off x="0" y="0"/>
+            <a:ext cx="1073997" cy="1175657"/>
+          </a:xfrm>
+          <a:prstGeom prst="rect">
+            <a:avLst/>
+          </a:prstGeom>
+        </p:spPr>
+      </p:pic>
+      <p:pic>
+        <p:nvPicPr>
+          <p:cNvPr id="6" name="Picture 5">
+            <a:extLst>
+              <a:ext uri="{FF2B5EF4-FFF2-40B4-BE49-F238E27FC236}">
+                <a16:creationId xmlns:a16="http://schemas.microsoft.com/office/drawing/2014/main" id="{CE1484BB-74DC-9E65-B32D-BE5FE2E385CD}"/>
+              </a:ext>
+            </a:extLst>
+          </p:cNvPr>
+          <p:cNvPicPr>
+            <a:picLocks noChangeAspect="1"/>
+          </p:cNvPicPr>
+          <p:nvPr/>
+        </p:nvPicPr>
+        <p:blipFill rotWithShape="1">
+          <a:blip r:embed="rId3"/>
+          <a:srcRect l="15172"/>
+          <a:stretch/>
+        </p:blipFill>
+        <p:spPr>
+          <a:xfrm>
+            <a:off x="9949987" y="0"/>
+            <a:ext cx="2242014" cy="653143"/>
+          </a:xfrm>
+          <a:prstGeom prst="rect">
+            <a:avLst/>
+          </a:prstGeom>
+        </p:spPr>
+      </p:pic>
+      <p:sp>
+        <p:nvSpPr>
+          <p:cNvPr id="7" name="TextBox 6">
+            <a:extLst>
+              <a:ext uri="{FF2B5EF4-FFF2-40B4-BE49-F238E27FC236}">
+                <a16:creationId xmlns:a16="http://schemas.microsoft.com/office/drawing/2014/main" id="{9EECCCD9-8AD5-9916-BC29-771066C9EE70}"/>
+              </a:ext>
+            </a:extLst>
+          </p:cNvPr>
+          <p:cNvSpPr txBox="1"/>
+          <p:nvPr/>
+        </p:nvSpPr>
+        <p:spPr>
+          <a:xfrm>
+            <a:off x="1" y="470259"/>
+            <a:ext cx="12192000" cy="861774"/>
+          </a:xfrm>
+          <a:prstGeom prst="rect">
+            <a:avLst/>
+          </a:prstGeom>
+          <a:noFill/>
+        </p:spPr>
+        <p:txBody>
+          <a:bodyPr wrap="square" rtlCol="0">
+            <a:spAutoFit/>
+          </a:bodyPr>
+          <a:lstStyle/>
+          <a:p>
+            <a:pPr algn="ctr"/>
+            <a:r>
+              <a:rPr lang="en-US" sz="5000" b="1" dirty="0">
+                <a:solidFill>
+                  <a:srgbClr val="002060"/>
+                </a:solidFill>
+              </a:rPr>
               <a:t>Classification Tree – Application</a:t>
             </a:r>
           </a:p>
@@ -6031,213 +6449,6 @@
 </p:sld>
 </file>
 
-<file path=ppt/slides/slide11.xml><?xml version="1.0" encoding="utf-8"?>
-<p:sld xmlns:a="http://schemas.openxmlformats.org/drawingml/2006/main" xmlns:r="http://schemas.openxmlformats.org/officeDocument/2006/relationships" xmlns:p="http://schemas.openxmlformats.org/presentationml/2006/main">
-  <p:cSld>
-    <p:spTree>
-      <p:nvGrpSpPr>
-        <p:cNvPr id="1" name=""/>
-        <p:cNvGrpSpPr/>
-        <p:nvPr/>
-      </p:nvGrpSpPr>
-      <p:grpSpPr>
-        <a:xfrm>
-          <a:off x="0" y="0"/>
-          <a:ext cx="0" cy="0"/>
-          <a:chOff x="0" y="0"/>
-          <a:chExt cx="0" cy="0"/>
-        </a:xfrm>
-      </p:grpSpPr>
-      <p:pic>
-        <p:nvPicPr>
-          <p:cNvPr id="5" name="Picture 4">
-            <a:extLst>
-              <a:ext uri="{FF2B5EF4-FFF2-40B4-BE49-F238E27FC236}">
-                <a16:creationId xmlns:a16="http://schemas.microsoft.com/office/drawing/2014/main" id="{558453F9-F3C1-EDA3-6D83-43170A158A07}"/>
-              </a:ext>
-            </a:extLst>
-          </p:cNvPr>
-          <p:cNvPicPr>
-            <a:picLocks noChangeAspect="1"/>
-          </p:cNvPicPr>
-          <p:nvPr/>
-        </p:nvPicPr>
-        <p:blipFill rotWithShape="1">
-          <a:blip r:embed="rId2"/>
-          <a:srcRect t="10770" r="84371" b="20000"/>
-          <a:stretch/>
-        </p:blipFill>
-        <p:spPr>
-          <a:xfrm>
-            <a:off x="0" y="0"/>
-            <a:ext cx="1073997" cy="1175657"/>
-          </a:xfrm>
-          <a:prstGeom prst="rect">
-            <a:avLst/>
-          </a:prstGeom>
-        </p:spPr>
-      </p:pic>
-      <p:pic>
-        <p:nvPicPr>
-          <p:cNvPr id="6" name="Picture 5">
-            <a:extLst>
-              <a:ext uri="{FF2B5EF4-FFF2-40B4-BE49-F238E27FC236}">
-                <a16:creationId xmlns:a16="http://schemas.microsoft.com/office/drawing/2014/main" id="{CE1484BB-74DC-9E65-B32D-BE5FE2E385CD}"/>
-              </a:ext>
-            </a:extLst>
-          </p:cNvPr>
-          <p:cNvPicPr>
-            <a:picLocks noChangeAspect="1"/>
-          </p:cNvPicPr>
-          <p:nvPr/>
-        </p:nvPicPr>
-        <p:blipFill rotWithShape="1">
-          <a:blip r:embed="rId2"/>
-          <a:srcRect l="15172"/>
-          <a:stretch/>
-        </p:blipFill>
-        <p:spPr>
-          <a:xfrm>
-            <a:off x="9949987" y="0"/>
-            <a:ext cx="2242014" cy="653143"/>
-          </a:xfrm>
-          <a:prstGeom prst="rect">
-            <a:avLst/>
-          </a:prstGeom>
-        </p:spPr>
-      </p:pic>
-      <p:sp>
-        <p:nvSpPr>
-          <p:cNvPr id="7" name="TextBox 6">
-            <a:extLst>
-              <a:ext uri="{FF2B5EF4-FFF2-40B4-BE49-F238E27FC236}">
-                <a16:creationId xmlns:a16="http://schemas.microsoft.com/office/drawing/2014/main" id="{9EECCCD9-8AD5-9916-BC29-771066C9EE70}"/>
-              </a:ext>
-            </a:extLst>
-          </p:cNvPr>
-          <p:cNvSpPr txBox="1"/>
-          <p:nvPr/>
-        </p:nvSpPr>
-        <p:spPr>
-          <a:xfrm>
-            <a:off x="1" y="470259"/>
-            <a:ext cx="12192000" cy="861774"/>
-          </a:xfrm>
-          <a:prstGeom prst="rect">
-            <a:avLst/>
-          </a:prstGeom>
-          <a:noFill/>
-        </p:spPr>
-        <p:txBody>
-          <a:bodyPr wrap="square" rtlCol="0">
-            <a:spAutoFit/>
-          </a:bodyPr>
-          <a:lstStyle/>
-          <a:p>
-            <a:pPr algn="ctr"/>
-            <a:r>
-              <a:rPr lang="en-US" sz="5000" b="1" dirty="0">
-                <a:solidFill>
-                  <a:srgbClr val="002060"/>
-                </a:solidFill>
-              </a:rPr>
-              <a:t>Simple Linear Regression – 1 of 4 (replace)</a:t>
-            </a:r>
-          </a:p>
-        </p:txBody>
-      </p:sp>
-      <p:cxnSp>
-        <p:nvCxnSpPr>
-          <p:cNvPr id="9" name="Straight Connector 8">
-            <a:extLst>
-              <a:ext uri="{FF2B5EF4-FFF2-40B4-BE49-F238E27FC236}">
-                <a16:creationId xmlns:a16="http://schemas.microsoft.com/office/drawing/2014/main" id="{450EE6D2-7381-B11A-A20A-0D5D0904DD35}"/>
-              </a:ext>
-            </a:extLst>
-          </p:cNvPr>
-          <p:cNvCxnSpPr>
-            <a:cxnSpLocks/>
-          </p:cNvCxnSpPr>
-          <p:nvPr/>
-        </p:nvCxnSpPr>
-        <p:spPr>
-          <a:xfrm>
-            <a:off x="757647" y="1332033"/>
-            <a:ext cx="10659291" cy="0"/>
-          </a:xfrm>
-          <a:prstGeom prst="line">
-            <a:avLst/>
-          </a:prstGeom>
-          <a:ln w="57150">
-            <a:solidFill>
-              <a:srgbClr val="002060"/>
-            </a:solidFill>
-          </a:ln>
-        </p:spPr>
-        <p:style>
-          <a:lnRef idx="1">
-            <a:schemeClr val="accent1"/>
-          </a:lnRef>
-          <a:fillRef idx="0">
-            <a:schemeClr val="accent1"/>
-          </a:fillRef>
-          <a:effectRef idx="0">
-            <a:schemeClr val="accent1"/>
-          </a:effectRef>
-          <a:fontRef idx="minor">
-            <a:schemeClr val="tx1"/>
-          </a:fontRef>
-        </p:style>
-      </p:cxnSp>
-      <p:pic>
-        <p:nvPicPr>
-          <p:cNvPr id="3" name="Picture 2" descr="Chart, scatter chart&#10;&#10;Description automatically generated">
-            <a:extLst>
-              <a:ext uri="{FF2B5EF4-FFF2-40B4-BE49-F238E27FC236}">
-                <a16:creationId xmlns:a16="http://schemas.microsoft.com/office/drawing/2014/main" id="{0A0D98A2-1CB5-BBD8-B706-27E15AC1D6CC}"/>
-              </a:ext>
-            </a:extLst>
-          </p:cNvPr>
-          <p:cNvPicPr>
-            <a:picLocks noChangeAspect="1"/>
-          </p:cNvPicPr>
-          <p:nvPr/>
-        </p:nvPicPr>
-        <p:blipFill>
-          <a:blip r:embed="rId3">
-            <a:extLst>
-              <a:ext uri="{28A0092B-C50C-407E-A947-70E740481C1C}">
-                <a14:useLocalDpi xmlns:a14="http://schemas.microsoft.com/office/drawing/2010/main" val="0"/>
-              </a:ext>
-            </a:extLst>
-          </a:blip>
-          <a:stretch>
-            <a:fillRect/>
-          </a:stretch>
-        </p:blipFill>
-        <p:spPr>
-          <a:xfrm>
-            <a:off x="2246811" y="1371600"/>
-            <a:ext cx="7680961" cy="5486400"/>
-          </a:xfrm>
-          <a:prstGeom prst="rect">
-            <a:avLst/>
-          </a:prstGeom>
-        </p:spPr>
-      </p:pic>
-    </p:spTree>
-    <p:extLst>
-      <p:ext uri="{BB962C8B-B14F-4D97-AF65-F5344CB8AC3E}">
-        <p14:creationId xmlns:p14="http://schemas.microsoft.com/office/powerpoint/2010/main" val="3440039680"/>
-      </p:ext>
-    </p:extLst>
-  </p:cSld>
-  <p:clrMapOvr>
-    <a:masterClrMapping/>
-  </p:clrMapOvr>
-</p:sld>
-</file>
-
 <file path=ppt/slides/slide12.xml><?xml version="1.0" encoding="utf-8"?>
 <p:sld xmlns:a="http://schemas.openxmlformats.org/drawingml/2006/main" xmlns:r="http://schemas.openxmlformats.org/officeDocument/2006/relationships" xmlns:p="http://schemas.openxmlformats.org/presentationml/2006/main">
   <p:cSld>
@@ -6328,7 +6539,7 @@
         <p:spPr>
           <a:xfrm>
             <a:off x="1" y="470259"/>
-            <a:ext cx="12192000" cy="1631216"/>
+            <a:ext cx="12192000" cy="861774"/>
           </a:xfrm>
           <a:prstGeom prst="rect">
             <a:avLst/>
@@ -6348,16 +6559,8 @@
                   <a:srgbClr val="002060"/>
                 </a:solidFill>
               </a:rPr>
-              <a:t>Simple Linear Regression – 2 of 4 (replace)</a:t>
-            </a:r>
-          </a:p>
-          <a:p>
-            <a:pPr algn="ctr"/>
-            <a:endParaRPr lang="en-US" sz="5000" b="1" dirty="0">
-              <a:solidFill>
-                <a:srgbClr val="002060"/>
-              </a:solidFill>
-            </a:endParaRPr>
+              <a:t>Simple Linear Regression – 1 of 4</a:t>
+            </a:r>
           </a:p>
         </p:txBody>
       </p:sp>
@@ -6406,10 +6609,10 @@
       </p:cxnSp>
       <p:pic>
         <p:nvPicPr>
-          <p:cNvPr id="3" name="Picture 2" descr="Chart, scatter chart&#10;&#10;Description automatically generated">
-            <a:extLst>
-              <a:ext uri="{FF2B5EF4-FFF2-40B4-BE49-F238E27FC236}">
-                <a16:creationId xmlns:a16="http://schemas.microsoft.com/office/drawing/2014/main" id="{2B610CC7-5A9F-1088-D327-F48002BFB30E}"/>
+          <p:cNvPr id="4" name="Picture 3" descr="Chart&#10;&#10;Description automatically generated">
+            <a:extLst>
+              <a:ext uri="{FF2B5EF4-FFF2-40B4-BE49-F238E27FC236}">
+                <a16:creationId xmlns:a16="http://schemas.microsoft.com/office/drawing/2014/main" id="{336BB0A6-4E7B-92E8-12B8-999E4E319221}"/>
               </a:ext>
             </a:extLst>
           </p:cNvPr>
@@ -6432,8 +6635,8 @@
         </p:blipFill>
         <p:spPr>
           <a:xfrm>
-            <a:off x="2255519" y="1371600"/>
-            <a:ext cx="7680961" cy="5486400"/>
+            <a:off x="2895576" y="1631498"/>
+            <a:ext cx="6400847" cy="4572033"/>
           </a:xfrm>
           <a:prstGeom prst="rect">
             <a:avLst/>
@@ -6443,7 +6646,7 @@
     </p:spTree>
     <p:extLst>
       <p:ext uri="{BB962C8B-B14F-4D97-AF65-F5344CB8AC3E}">
-        <p14:creationId xmlns:p14="http://schemas.microsoft.com/office/powerpoint/2010/main" val="2315470928"/>
+        <p14:creationId xmlns:p14="http://schemas.microsoft.com/office/powerpoint/2010/main" val="3440039680"/>
       </p:ext>
     </p:extLst>
   </p:cSld>
@@ -6563,7 +6766,7 @@
                   <a:srgbClr val="002060"/>
                 </a:solidFill>
               </a:rPr>
-              <a:t>Simple Linear Regression – 3 of 4 (replace)</a:t>
+              <a:t>Simple Linear Regression – 2 of 4</a:t>
             </a:r>
           </a:p>
           <a:p>
@@ -6621,10 +6824,10 @@
       </p:cxnSp>
       <p:pic>
         <p:nvPicPr>
-          <p:cNvPr id="8" name="Picture 7" descr="Chart, scatter chart&#10;&#10;Description automatically generated">
-            <a:extLst>
-              <a:ext uri="{FF2B5EF4-FFF2-40B4-BE49-F238E27FC236}">
-                <a16:creationId xmlns:a16="http://schemas.microsoft.com/office/drawing/2014/main" id="{E481E6C7-2F7B-6761-EC7E-00E453B1EB96}"/>
+          <p:cNvPr id="4" name="Picture 3" descr="Chart&#10;&#10;Description automatically generated">
+            <a:extLst>
+              <a:ext uri="{FF2B5EF4-FFF2-40B4-BE49-F238E27FC236}">
+                <a16:creationId xmlns:a16="http://schemas.microsoft.com/office/drawing/2014/main" id="{5A3932E9-DD2F-078D-9A68-45C09A76AC7A}"/>
               </a:ext>
             </a:extLst>
           </p:cNvPr>
@@ -6647,8 +6850,8 @@
         </p:blipFill>
         <p:spPr>
           <a:xfrm>
-            <a:off x="2246811" y="1371600"/>
-            <a:ext cx="7680961" cy="5486400"/>
+            <a:off x="2895576" y="1575131"/>
+            <a:ext cx="6400847" cy="4572033"/>
           </a:xfrm>
           <a:prstGeom prst="rect">
             <a:avLst/>
@@ -6658,7 +6861,7 @@
     </p:spTree>
     <p:extLst>
       <p:ext uri="{BB962C8B-B14F-4D97-AF65-F5344CB8AC3E}">
-        <p14:creationId xmlns:p14="http://schemas.microsoft.com/office/powerpoint/2010/main" val="3135211236"/>
+        <p14:creationId xmlns:p14="http://schemas.microsoft.com/office/powerpoint/2010/main" val="2315470928"/>
       </p:ext>
     </p:extLst>
   </p:cSld>
@@ -6778,12 +6981,12 @@
                   <a:srgbClr val="002060"/>
                 </a:solidFill>
               </a:rPr>
-              <a:t>Simple Linear Regression – 4 of 4 (replace)</a:t>
+              <a:t>Simple Linear Regression – 3 of 4</a:t>
             </a:r>
           </a:p>
           <a:p>
             <a:pPr algn="ctr"/>
-            <a:endParaRPr lang="en-US" sz="5000" dirty="0">
+            <a:endParaRPr lang="en-US" sz="5000" b="1" dirty="0">
               <a:solidFill>
                 <a:srgbClr val="002060"/>
               </a:solidFill>
@@ -6839,7 +7042,7 @@
           <p:cNvPr id="3" name="Picture 2" descr="Chart, scatter chart&#10;&#10;Description automatically generated">
             <a:extLst>
               <a:ext uri="{FF2B5EF4-FFF2-40B4-BE49-F238E27FC236}">
-                <a16:creationId xmlns:a16="http://schemas.microsoft.com/office/drawing/2014/main" id="{70188D01-A2E2-4A9E-D02B-C5CE8708E5E5}"/>
+                <a16:creationId xmlns:a16="http://schemas.microsoft.com/office/drawing/2014/main" id="{7317D386-6C38-EFF7-DF24-BD7C25BBE381}"/>
               </a:ext>
             </a:extLst>
           </p:cNvPr>
@@ -6862,8 +7065,8 @@
         </p:blipFill>
         <p:spPr>
           <a:xfrm>
-            <a:off x="2255519" y="1371600"/>
-            <a:ext cx="7680961" cy="5486400"/>
+            <a:off x="2886868" y="1815708"/>
+            <a:ext cx="6400847" cy="4572033"/>
           </a:xfrm>
           <a:prstGeom prst="rect">
             <a:avLst/>
@@ -6873,7 +7076,7 @@
     </p:spTree>
     <p:extLst>
       <p:ext uri="{BB962C8B-B14F-4D97-AF65-F5344CB8AC3E}">
-        <p14:creationId xmlns:p14="http://schemas.microsoft.com/office/powerpoint/2010/main" val="1087057766"/>
+        <p14:creationId xmlns:p14="http://schemas.microsoft.com/office/powerpoint/2010/main" val="3135211236"/>
       </p:ext>
     </p:extLst>
   </p:cSld>
@@ -6993,7 +7196,7 @@
                   <a:srgbClr val="002060"/>
                 </a:solidFill>
               </a:rPr>
-              <a:t>Logistic Regression</a:t>
+              <a:t>Simple Linear Regression – 4 of 4</a:t>
             </a:r>
           </a:p>
           <a:p>
@@ -7049,10 +7252,46 @@
           </a:fontRef>
         </p:style>
       </p:cxnSp>
+      <p:pic>
+        <p:nvPicPr>
+          <p:cNvPr id="4" name="Picture 3" descr="Chart&#10;&#10;Description automatically generated">
+            <a:extLst>
+              <a:ext uri="{FF2B5EF4-FFF2-40B4-BE49-F238E27FC236}">
+                <a16:creationId xmlns:a16="http://schemas.microsoft.com/office/drawing/2014/main" id="{E53D5306-5BA2-B775-84A4-9AC0440B1EA7}"/>
+              </a:ext>
+            </a:extLst>
+          </p:cNvPr>
+          <p:cNvPicPr>
+            <a:picLocks noChangeAspect="1"/>
+          </p:cNvPicPr>
+          <p:nvPr/>
+        </p:nvPicPr>
+        <p:blipFill>
+          <a:blip r:embed="rId3">
+            <a:extLst>
+              <a:ext uri="{28A0092B-C50C-407E-A947-70E740481C1C}">
+                <a14:useLocalDpi xmlns:a14="http://schemas.microsoft.com/office/drawing/2010/main" val="0"/>
+              </a:ext>
+            </a:extLst>
+          </a:blip>
+          <a:stretch>
+            <a:fillRect/>
+          </a:stretch>
+        </p:blipFill>
+        <p:spPr>
+          <a:xfrm>
+            <a:off x="2886868" y="1815708"/>
+            <a:ext cx="6400847" cy="4572033"/>
+          </a:xfrm>
+          <a:prstGeom prst="rect">
+            <a:avLst/>
+          </a:prstGeom>
+        </p:spPr>
+      </p:pic>
     </p:spTree>
     <p:extLst>
       <p:ext uri="{BB962C8B-B14F-4D97-AF65-F5344CB8AC3E}">
-        <p14:creationId xmlns:p14="http://schemas.microsoft.com/office/powerpoint/2010/main" val="4029267829"/>
+        <p14:creationId xmlns:p14="http://schemas.microsoft.com/office/powerpoint/2010/main" val="1087057766"/>
       </p:ext>
     </p:extLst>
   </p:cSld>
@@ -7172,7 +7411,7 @@
                   <a:srgbClr val="002060"/>
                 </a:solidFill>
               </a:rPr>
-              <a:t>Multiple Linear Regression</a:t>
+              <a:t>Logistic Regression – Credit Policy</a:t>
             </a:r>
           </a:p>
           <a:p>
@@ -7228,10 +7467,46 @@
           </a:fontRef>
         </p:style>
       </p:cxnSp>
+      <p:pic>
+        <p:nvPicPr>
+          <p:cNvPr id="3" name="Picture 2" descr="Chart&#10;&#10;Description automatically generated">
+            <a:extLst>
+              <a:ext uri="{FF2B5EF4-FFF2-40B4-BE49-F238E27FC236}">
+                <a16:creationId xmlns:a16="http://schemas.microsoft.com/office/drawing/2014/main" id="{8B33217A-198E-C50A-6DDE-8BD6434B97BC}"/>
+              </a:ext>
+            </a:extLst>
+          </p:cNvPr>
+          <p:cNvPicPr>
+            <a:picLocks noChangeAspect="1"/>
+          </p:cNvPicPr>
+          <p:nvPr/>
+        </p:nvPicPr>
+        <p:blipFill>
+          <a:blip r:embed="rId3">
+            <a:extLst>
+              <a:ext uri="{28A0092B-C50C-407E-A947-70E740481C1C}">
+                <a14:useLocalDpi xmlns:a14="http://schemas.microsoft.com/office/drawing/2010/main" val="0"/>
+              </a:ext>
+            </a:extLst>
+          </a:blip>
+          <a:stretch>
+            <a:fillRect/>
+          </a:stretch>
+        </p:blipFill>
+        <p:spPr>
+          <a:xfrm>
+            <a:off x="2886868" y="1687866"/>
+            <a:ext cx="6400847" cy="4572033"/>
+          </a:xfrm>
+          <a:prstGeom prst="rect">
+            <a:avLst/>
+          </a:prstGeom>
+        </p:spPr>
+      </p:pic>
     </p:spTree>
     <p:extLst>
       <p:ext uri="{BB962C8B-B14F-4D97-AF65-F5344CB8AC3E}">
-        <p14:creationId xmlns:p14="http://schemas.microsoft.com/office/powerpoint/2010/main" val="1460743001"/>
+        <p14:creationId xmlns:p14="http://schemas.microsoft.com/office/powerpoint/2010/main" val="4029267829"/>
       </p:ext>
     </p:extLst>
   </p:cSld>
@@ -7351,7 +7626,7 @@
                   <a:srgbClr val="002060"/>
                 </a:solidFill>
               </a:rPr>
-              <a:t>Lasso Regression</a:t>
+              <a:t>Logistic Regression – Credit Policy</a:t>
             </a:r>
           </a:p>
           <a:p>
@@ -7407,10 +7682,40 @@
           </a:fontRef>
         </p:style>
       </p:cxnSp>
+      <p:pic>
+        <p:nvPicPr>
+          <p:cNvPr id="4" name="Picture 3">
+            <a:extLst>
+              <a:ext uri="{FF2B5EF4-FFF2-40B4-BE49-F238E27FC236}">
+                <a16:creationId xmlns:a16="http://schemas.microsoft.com/office/drawing/2014/main" id="{A19AD511-4FD6-9E60-078C-B38E84FA4D7F}"/>
+              </a:ext>
+            </a:extLst>
+          </p:cNvPr>
+          <p:cNvPicPr>
+            <a:picLocks noChangeAspect="1"/>
+          </p:cNvPicPr>
+          <p:nvPr/>
+        </p:nvPicPr>
+        <p:blipFill>
+          <a:blip r:embed="rId3"/>
+          <a:stretch>
+            <a:fillRect/>
+          </a:stretch>
+        </p:blipFill>
+        <p:spPr>
+          <a:xfrm>
+            <a:off x="3880351" y="0"/>
+            <a:ext cx="4046424" cy="6858000"/>
+          </a:xfrm>
+          <a:prstGeom prst="rect">
+            <a:avLst/>
+          </a:prstGeom>
+        </p:spPr>
+      </p:pic>
     </p:spTree>
     <p:extLst>
       <p:ext uri="{BB962C8B-B14F-4D97-AF65-F5344CB8AC3E}">
-        <p14:creationId xmlns:p14="http://schemas.microsoft.com/office/powerpoint/2010/main" val="1893722804"/>
+        <p14:creationId xmlns:p14="http://schemas.microsoft.com/office/powerpoint/2010/main" val="697410562"/>
       </p:ext>
     </p:extLst>
   </p:cSld>
@@ -7423,14 +7728,6 @@
 <file path=ppt/slides/slide18.xml><?xml version="1.0" encoding="utf-8"?>
 <p:sld xmlns:a="http://schemas.openxmlformats.org/drawingml/2006/main" xmlns:r="http://schemas.openxmlformats.org/officeDocument/2006/relationships" xmlns:p="http://schemas.openxmlformats.org/presentationml/2006/main">
   <p:cSld>
-    <p:bg>
-      <p:bgPr>
-        <a:solidFill>
-          <a:srgbClr val="103B5E"/>
-        </a:solidFill>
-        <a:effectLst/>
-      </p:bgPr>
-    </p:bg>
     <p:spTree>
       <p:nvGrpSpPr>
         <p:cNvPr id="1" name=""/>
@@ -7445,12 +7742,70 @@
           <a:chExt cx="0" cy="0"/>
         </a:xfrm>
       </p:grpSpPr>
+      <p:pic>
+        <p:nvPicPr>
+          <p:cNvPr id="5" name="Picture 4">
+            <a:extLst>
+              <a:ext uri="{FF2B5EF4-FFF2-40B4-BE49-F238E27FC236}">
+                <a16:creationId xmlns:a16="http://schemas.microsoft.com/office/drawing/2014/main" id="{558453F9-F3C1-EDA3-6D83-43170A158A07}"/>
+              </a:ext>
+            </a:extLst>
+          </p:cNvPr>
+          <p:cNvPicPr>
+            <a:picLocks noChangeAspect="1"/>
+          </p:cNvPicPr>
+          <p:nvPr/>
+        </p:nvPicPr>
+        <p:blipFill rotWithShape="1">
+          <a:blip r:embed="rId2"/>
+          <a:srcRect t="10770" r="84371" b="20000"/>
+          <a:stretch/>
+        </p:blipFill>
+        <p:spPr>
+          <a:xfrm>
+            <a:off x="0" y="0"/>
+            <a:ext cx="1073997" cy="1175657"/>
+          </a:xfrm>
+          <a:prstGeom prst="rect">
+            <a:avLst/>
+          </a:prstGeom>
+        </p:spPr>
+      </p:pic>
+      <p:pic>
+        <p:nvPicPr>
+          <p:cNvPr id="6" name="Picture 5">
+            <a:extLst>
+              <a:ext uri="{FF2B5EF4-FFF2-40B4-BE49-F238E27FC236}">
+                <a16:creationId xmlns:a16="http://schemas.microsoft.com/office/drawing/2014/main" id="{CE1484BB-74DC-9E65-B32D-BE5FE2E385CD}"/>
+              </a:ext>
+            </a:extLst>
+          </p:cNvPr>
+          <p:cNvPicPr>
+            <a:picLocks noChangeAspect="1"/>
+          </p:cNvPicPr>
+          <p:nvPr/>
+        </p:nvPicPr>
+        <p:blipFill rotWithShape="1">
+          <a:blip r:embed="rId2"/>
+          <a:srcRect l="15172"/>
+          <a:stretch/>
+        </p:blipFill>
+        <p:spPr>
+          <a:xfrm>
+            <a:off x="9949987" y="0"/>
+            <a:ext cx="2242014" cy="653143"/>
+          </a:xfrm>
+          <a:prstGeom prst="rect">
+            <a:avLst/>
+          </a:prstGeom>
+        </p:spPr>
+      </p:pic>
       <p:sp>
         <p:nvSpPr>
-          <p:cNvPr id="32" name="TextBox 31">
-            <a:extLst>
-              <a:ext uri="{FF2B5EF4-FFF2-40B4-BE49-F238E27FC236}">
-                <a16:creationId xmlns:a16="http://schemas.microsoft.com/office/drawing/2014/main" id="{0426EA6E-8DCD-68BB-CC42-016432ED85F5}"/>
+          <p:cNvPr id="7" name="TextBox 6">
+            <a:extLst>
+              <a:ext uri="{FF2B5EF4-FFF2-40B4-BE49-F238E27FC236}">
+                <a16:creationId xmlns:a16="http://schemas.microsoft.com/office/drawing/2014/main" id="{9EECCCD9-8AD5-9916-BC29-771066C9EE70}"/>
               </a:ext>
             </a:extLst>
           </p:cNvPr>
@@ -7459,8 +7814,8 @@
         </p:nvSpPr>
         <p:spPr>
           <a:xfrm>
-            <a:off x="0" y="2367155"/>
-            <a:ext cx="12192001" cy="1015663"/>
+            <a:off x="1" y="470259"/>
+            <a:ext cx="12192000" cy="1631216"/>
           </a:xfrm>
           <a:prstGeom prst="rect">
             <a:avLst/>
@@ -7475,20 +7830,316 @@
           <a:p>
             <a:pPr algn="ctr"/>
             <a:r>
-              <a:rPr lang="en-US" sz="6000" dirty="0">
+              <a:rPr lang="en-US" sz="5000" b="1" dirty="0">
                 <a:solidFill>
-                  <a:schemeClr val="bg1"/>
+                  <a:srgbClr val="002060"/>
                 </a:solidFill>
               </a:rPr>
-              <a:t>Questions?</a:t>
-            </a:r>
+              <a:t>Logistic Regression – Credit Policy</a:t>
+            </a:r>
+          </a:p>
+          <a:p>
+            <a:pPr algn="ctr"/>
+            <a:endParaRPr lang="en-US" sz="5000" dirty="0">
+              <a:solidFill>
+                <a:srgbClr val="002060"/>
+              </a:solidFill>
+            </a:endParaRPr>
           </a:p>
         </p:txBody>
       </p:sp>
+      <p:cxnSp>
+        <p:nvCxnSpPr>
+          <p:cNvPr id="9" name="Straight Connector 8">
+            <a:extLst>
+              <a:ext uri="{FF2B5EF4-FFF2-40B4-BE49-F238E27FC236}">
+                <a16:creationId xmlns:a16="http://schemas.microsoft.com/office/drawing/2014/main" id="{450EE6D2-7381-B11A-A20A-0D5D0904DD35}"/>
+              </a:ext>
+            </a:extLst>
+          </p:cNvPr>
+          <p:cNvCxnSpPr>
+            <a:cxnSpLocks/>
+          </p:cNvCxnSpPr>
+          <p:nvPr/>
+        </p:nvCxnSpPr>
+        <p:spPr>
+          <a:xfrm>
+            <a:off x="757647" y="1332033"/>
+            <a:ext cx="10659291" cy="0"/>
+          </a:xfrm>
+          <a:prstGeom prst="line">
+            <a:avLst/>
+          </a:prstGeom>
+          <a:ln w="57150">
+            <a:solidFill>
+              <a:srgbClr val="002060"/>
+            </a:solidFill>
+          </a:ln>
+        </p:spPr>
+        <p:style>
+          <a:lnRef idx="1">
+            <a:schemeClr val="accent1"/>
+          </a:lnRef>
+          <a:fillRef idx="0">
+            <a:schemeClr val="accent1"/>
+          </a:fillRef>
+          <a:effectRef idx="0">
+            <a:schemeClr val="accent1"/>
+          </a:effectRef>
+          <a:fontRef idx="minor">
+            <a:schemeClr val="tx1"/>
+          </a:fontRef>
+        </p:style>
+      </p:cxnSp>
+      <p:pic>
+        <p:nvPicPr>
+          <p:cNvPr id="3" name="Picture 2">
+            <a:extLst>
+              <a:ext uri="{FF2B5EF4-FFF2-40B4-BE49-F238E27FC236}">
+                <a16:creationId xmlns:a16="http://schemas.microsoft.com/office/drawing/2014/main" id="{DFA50187-4266-8085-0DA9-50A85EB54D17}"/>
+              </a:ext>
+            </a:extLst>
+          </p:cNvPr>
+          <p:cNvPicPr>
+            <a:picLocks noChangeAspect="1"/>
+          </p:cNvPicPr>
+          <p:nvPr/>
+        </p:nvPicPr>
+        <p:blipFill>
+          <a:blip r:embed="rId3"/>
+          <a:stretch>
+            <a:fillRect/>
+          </a:stretch>
+        </p:blipFill>
+        <p:spPr>
+          <a:xfrm>
+            <a:off x="4082946" y="2870464"/>
+            <a:ext cx="4026107" cy="1530429"/>
+          </a:xfrm>
+          <a:prstGeom prst="rect">
+            <a:avLst/>
+          </a:prstGeom>
+        </p:spPr>
+      </p:pic>
     </p:spTree>
     <p:extLst>
       <p:ext uri="{BB962C8B-B14F-4D97-AF65-F5344CB8AC3E}">
-        <p14:creationId xmlns:p14="http://schemas.microsoft.com/office/powerpoint/2010/main" val="1924305025"/>
+        <p14:creationId xmlns:p14="http://schemas.microsoft.com/office/powerpoint/2010/main" val="3046938398"/>
+      </p:ext>
+    </p:extLst>
+  </p:cSld>
+  <p:clrMapOvr>
+    <a:masterClrMapping/>
+  </p:clrMapOvr>
+</p:sld>
+</file>
+
+<file path=ppt/slides/slide19.xml><?xml version="1.0" encoding="utf-8"?>
+<p:sld xmlns:a="http://schemas.openxmlformats.org/drawingml/2006/main" xmlns:r="http://schemas.openxmlformats.org/officeDocument/2006/relationships" xmlns:p="http://schemas.openxmlformats.org/presentationml/2006/main">
+  <p:cSld>
+    <p:spTree>
+      <p:nvGrpSpPr>
+        <p:cNvPr id="1" name=""/>
+        <p:cNvGrpSpPr/>
+        <p:nvPr/>
+      </p:nvGrpSpPr>
+      <p:grpSpPr>
+        <a:xfrm>
+          <a:off x="0" y="0"/>
+          <a:ext cx="0" cy="0"/>
+          <a:chOff x="0" y="0"/>
+          <a:chExt cx="0" cy="0"/>
+        </a:xfrm>
+      </p:grpSpPr>
+      <p:pic>
+        <p:nvPicPr>
+          <p:cNvPr id="5" name="Picture 4">
+            <a:extLst>
+              <a:ext uri="{FF2B5EF4-FFF2-40B4-BE49-F238E27FC236}">
+                <a16:creationId xmlns:a16="http://schemas.microsoft.com/office/drawing/2014/main" id="{558453F9-F3C1-EDA3-6D83-43170A158A07}"/>
+              </a:ext>
+            </a:extLst>
+          </p:cNvPr>
+          <p:cNvPicPr>
+            <a:picLocks noChangeAspect="1"/>
+          </p:cNvPicPr>
+          <p:nvPr/>
+        </p:nvPicPr>
+        <p:blipFill rotWithShape="1">
+          <a:blip r:embed="rId2"/>
+          <a:srcRect t="10770" r="84371" b="20000"/>
+          <a:stretch/>
+        </p:blipFill>
+        <p:spPr>
+          <a:xfrm>
+            <a:off x="0" y="0"/>
+            <a:ext cx="1073997" cy="1175657"/>
+          </a:xfrm>
+          <a:prstGeom prst="rect">
+            <a:avLst/>
+          </a:prstGeom>
+        </p:spPr>
+      </p:pic>
+      <p:pic>
+        <p:nvPicPr>
+          <p:cNvPr id="6" name="Picture 5">
+            <a:extLst>
+              <a:ext uri="{FF2B5EF4-FFF2-40B4-BE49-F238E27FC236}">
+                <a16:creationId xmlns:a16="http://schemas.microsoft.com/office/drawing/2014/main" id="{CE1484BB-74DC-9E65-B32D-BE5FE2E385CD}"/>
+              </a:ext>
+            </a:extLst>
+          </p:cNvPr>
+          <p:cNvPicPr>
+            <a:picLocks noChangeAspect="1"/>
+          </p:cNvPicPr>
+          <p:nvPr/>
+        </p:nvPicPr>
+        <p:blipFill rotWithShape="1">
+          <a:blip r:embed="rId2"/>
+          <a:srcRect l="15172"/>
+          <a:stretch/>
+        </p:blipFill>
+        <p:spPr>
+          <a:xfrm>
+            <a:off x="9949987" y="0"/>
+            <a:ext cx="2242014" cy="653143"/>
+          </a:xfrm>
+          <a:prstGeom prst="rect">
+            <a:avLst/>
+          </a:prstGeom>
+        </p:spPr>
+      </p:pic>
+      <p:sp>
+        <p:nvSpPr>
+          <p:cNvPr id="7" name="TextBox 6">
+            <a:extLst>
+              <a:ext uri="{FF2B5EF4-FFF2-40B4-BE49-F238E27FC236}">
+                <a16:creationId xmlns:a16="http://schemas.microsoft.com/office/drawing/2014/main" id="{9EECCCD9-8AD5-9916-BC29-771066C9EE70}"/>
+              </a:ext>
+            </a:extLst>
+          </p:cNvPr>
+          <p:cNvSpPr txBox="1"/>
+          <p:nvPr/>
+        </p:nvSpPr>
+        <p:spPr>
+          <a:xfrm>
+            <a:off x="1" y="470259"/>
+            <a:ext cx="12192000" cy="1631216"/>
+          </a:xfrm>
+          <a:prstGeom prst="rect">
+            <a:avLst/>
+          </a:prstGeom>
+          <a:noFill/>
+        </p:spPr>
+        <p:txBody>
+          <a:bodyPr wrap="square" rtlCol="0">
+            <a:spAutoFit/>
+          </a:bodyPr>
+          <a:lstStyle/>
+          <a:p>
+            <a:pPr algn="ctr"/>
+            <a:r>
+              <a:rPr lang="en-US" sz="5000" b="1" dirty="0">
+                <a:solidFill>
+                  <a:srgbClr val="002060"/>
+                </a:solidFill>
+              </a:rPr>
+              <a:t>Logistic Regression – Credit Policy</a:t>
+            </a:r>
+          </a:p>
+          <a:p>
+            <a:pPr algn="ctr"/>
+            <a:endParaRPr lang="en-US" sz="5000" dirty="0">
+              <a:solidFill>
+                <a:srgbClr val="002060"/>
+              </a:solidFill>
+            </a:endParaRPr>
+          </a:p>
+        </p:txBody>
+      </p:sp>
+      <p:cxnSp>
+        <p:nvCxnSpPr>
+          <p:cNvPr id="9" name="Straight Connector 8">
+            <a:extLst>
+              <a:ext uri="{FF2B5EF4-FFF2-40B4-BE49-F238E27FC236}">
+                <a16:creationId xmlns:a16="http://schemas.microsoft.com/office/drawing/2014/main" id="{450EE6D2-7381-B11A-A20A-0D5D0904DD35}"/>
+              </a:ext>
+            </a:extLst>
+          </p:cNvPr>
+          <p:cNvCxnSpPr>
+            <a:cxnSpLocks/>
+          </p:cNvCxnSpPr>
+          <p:nvPr/>
+        </p:nvCxnSpPr>
+        <p:spPr>
+          <a:xfrm>
+            <a:off x="757647" y="1332033"/>
+            <a:ext cx="10659291" cy="0"/>
+          </a:xfrm>
+          <a:prstGeom prst="line">
+            <a:avLst/>
+          </a:prstGeom>
+          <a:ln w="57150">
+            <a:solidFill>
+              <a:srgbClr val="002060"/>
+            </a:solidFill>
+          </a:ln>
+        </p:spPr>
+        <p:style>
+          <a:lnRef idx="1">
+            <a:schemeClr val="accent1"/>
+          </a:lnRef>
+          <a:fillRef idx="0">
+            <a:schemeClr val="accent1"/>
+          </a:fillRef>
+          <a:effectRef idx="0">
+            <a:schemeClr val="accent1"/>
+          </a:effectRef>
+          <a:fontRef idx="minor">
+            <a:schemeClr val="tx1"/>
+          </a:fontRef>
+        </p:style>
+      </p:cxnSp>
+      <p:pic>
+        <p:nvPicPr>
+          <p:cNvPr id="4" name="Picture 3" descr="A picture containing chart&#10;&#10;Description automatically generated">
+            <a:extLst>
+              <a:ext uri="{FF2B5EF4-FFF2-40B4-BE49-F238E27FC236}">
+                <a16:creationId xmlns:a16="http://schemas.microsoft.com/office/drawing/2014/main" id="{EF9E986C-AE26-C3CC-4D6A-0FB74A5C0283}"/>
+              </a:ext>
+            </a:extLst>
+          </p:cNvPr>
+          <p:cNvPicPr>
+            <a:picLocks noChangeAspect="1"/>
+          </p:cNvPicPr>
+          <p:nvPr/>
+        </p:nvPicPr>
+        <p:blipFill>
+          <a:blip r:embed="rId3">
+            <a:extLst>
+              <a:ext uri="{28A0092B-C50C-407E-A947-70E740481C1C}">
+                <a14:useLocalDpi xmlns:a14="http://schemas.microsoft.com/office/drawing/2010/main" val="0"/>
+              </a:ext>
+            </a:extLst>
+          </a:blip>
+          <a:stretch>
+            <a:fillRect/>
+          </a:stretch>
+        </p:blipFill>
+        <p:spPr>
+          <a:xfrm>
+            <a:off x="2886868" y="1731706"/>
+            <a:ext cx="6400847" cy="4572033"/>
+          </a:xfrm>
+          <a:prstGeom prst="rect">
+            <a:avLst/>
+          </a:prstGeom>
+        </p:spPr>
+      </p:pic>
+    </p:spTree>
+    <p:extLst>
+      <p:ext uri="{BB962C8B-B14F-4D97-AF65-F5344CB8AC3E}">
+        <p14:creationId xmlns:p14="http://schemas.microsoft.com/office/powerpoint/2010/main" val="4040338310"/>
       </p:ext>
     </p:extLst>
   </p:cSld>
@@ -7744,6 +8395,1290 @@
     <p:extLst>
       <p:ext uri="{BB962C8B-B14F-4D97-AF65-F5344CB8AC3E}">
         <p14:creationId xmlns:p14="http://schemas.microsoft.com/office/powerpoint/2010/main" val="654429940"/>
+      </p:ext>
+    </p:extLst>
+  </p:cSld>
+  <p:clrMapOvr>
+    <a:masterClrMapping/>
+  </p:clrMapOvr>
+</p:sld>
+</file>
+
+<file path=ppt/slides/slide20.xml><?xml version="1.0" encoding="utf-8"?>
+<p:sld xmlns:a="http://schemas.openxmlformats.org/drawingml/2006/main" xmlns:r="http://schemas.openxmlformats.org/officeDocument/2006/relationships" xmlns:p="http://schemas.openxmlformats.org/presentationml/2006/main">
+  <p:cSld>
+    <p:spTree>
+      <p:nvGrpSpPr>
+        <p:cNvPr id="1" name=""/>
+        <p:cNvGrpSpPr/>
+        <p:nvPr/>
+      </p:nvGrpSpPr>
+      <p:grpSpPr>
+        <a:xfrm>
+          <a:off x="0" y="0"/>
+          <a:ext cx="0" cy="0"/>
+          <a:chOff x="0" y="0"/>
+          <a:chExt cx="0" cy="0"/>
+        </a:xfrm>
+      </p:grpSpPr>
+      <p:pic>
+        <p:nvPicPr>
+          <p:cNvPr id="5" name="Picture 4">
+            <a:extLst>
+              <a:ext uri="{FF2B5EF4-FFF2-40B4-BE49-F238E27FC236}">
+                <a16:creationId xmlns:a16="http://schemas.microsoft.com/office/drawing/2014/main" id="{558453F9-F3C1-EDA3-6D83-43170A158A07}"/>
+              </a:ext>
+            </a:extLst>
+          </p:cNvPr>
+          <p:cNvPicPr>
+            <a:picLocks noChangeAspect="1"/>
+          </p:cNvPicPr>
+          <p:nvPr/>
+        </p:nvPicPr>
+        <p:blipFill rotWithShape="1">
+          <a:blip r:embed="rId2"/>
+          <a:srcRect t="10770" r="84371" b="20000"/>
+          <a:stretch/>
+        </p:blipFill>
+        <p:spPr>
+          <a:xfrm>
+            <a:off x="0" y="0"/>
+            <a:ext cx="1073997" cy="1175657"/>
+          </a:xfrm>
+          <a:prstGeom prst="rect">
+            <a:avLst/>
+          </a:prstGeom>
+        </p:spPr>
+      </p:pic>
+      <p:pic>
+        <p:nvPicPr>
+          <p:cNvPr id="6" name="Picture 5">
+            <a:extLst>
+              <a:ext uri="{FF2B5EF4-FFF2-40B4-BE49-F238E27FC236}">
+                <a16:creationId xmlns:a16="http://schemas.microsoft.com/office/drawing/2014/main" id="{CE1484BB-74DC-9E65-B32D-BE5FE2E385CD}"/>
+              </a:ext>
+            </a:extLst>
+          </p:cNvPr>
+          <p:cNvPicPr>
+            <a:picLocks noChangeAspect="1"/>
+          </p:cNvPicPr>
+          <p:nvPr/>
+        </p:nvPicPr>
+        <p:blipFill rotWithShape="1">
+          <a:blip r:embed="rId2"/>
+          <a:srcRect l="15172"/>
+          <a:stretch/>
+        </p:blipFill>
+        <p:spPr>
+          <a:xfrm>
+            <a:off x="9949987" y="0"/>
+            <a:ext cx="2242014" cy="653143"/>
+          </a:xfrm>
+          <a:prstGeom prst="rect">
+            <a:avLst/>
+          </a:prstGeom>
+        </p:spPr>
+      </p:pic>
+      <p:sp>
+        <p:nvSpPr>
+          <p:cNvPr id="7" name="TextBox 6">
+            <a:extLst>
+              <a:ext uri="{FF2B5EF4-FFF2-40B4-BE49-F238E27FC236}">
+                <a16:creationId xmlns:a16="http://schemas.microsoft.com/office/drawing/2014/main" id="{9EECCCD9-8AD5-9916-BC29-771066C9EE70}"/>
+              </a:ext>
+            </a:extLst>
+          </p:cNvPr>
+          <p:cNvSpPr txBox="1"/>
+          <p:nvPr/>
+        </p:nvSpPr>
+        <p:spPr>
+          <a:xfrm>
+            <a:off x="1" y="470259"/>
+            <a:ext cx="12192000" cy="1631216"/>
+          </a:xfrm>
+          <a:prstGeom prst="rect">
+            <a:avLst/>
+          </a:prstGeom>
+          <a:noFill/>
+        </p:spPr>
+        <p:txBody>
+          <a:bodyPr wrap="square" rtlCol="0">
+            <a:spAutoFit/>
+          </a:bodyPr>
+          <a:lstStyle/>
+          <a:p>
+            <a:pPr algn="ctr"/>
+            <a:r>
+              <a:rPr lang="en-US" sz="5000" b="1" dirty="0">
+                <a:solidFill>
+                  <a:srgbClr val="002060"/>
+                </a:solidFill>
+              </a:rPr>
+              <a:t>Logistic Regression – Not Fully Paid</a:t>
+            </a:r>
+          </a:p>
+          <a:p>
+            <a:pPr algn="ctr"/>
+            <a:endParaRPr lang="en-US" sz="5000" dirty="0">
+              <a:solidFill>
+                <a:srgbClr val="002060"/>
+              </a:solidFill>
+            </a:endParaRPr>
+          </a:p>
+        </p:txBody>
+      </p:sp>
+      <p:cxnSp>
+        <p:nvCxnSpPr>
+          <p:cNvPr id="9" name="Straight Connector 8">
+            <a:extLst>
+              <a:ext uri="{FF2B5EF4-FFF2-40B4-BE49-F238E27FC236}">
+                <a16:creationId xmlns:a16="http://schemas.microsoft.com/office/drawing/2014/main" id="{450EE6D2-7381-B11A-A20A-0D5D0904DD35}"/>
+              </a:ext>
+            </a:extLst>
+          </p:cNvPr>
+          <p:cNvCxnSpPr>
+            <a:cxnSpLocks/>
+          </p:cNvCxnSpPr>
+          <p:nvPr/>
+        </p:nvCxnSpPr>
+        <p:spPr>
+          <a:xfrm>
+            <a:off x="757647" y="1332033"/>
+            <a:ext cx="10659291" cy="0"/>
+          </a:xfrm>
+          <a:prstGeom prst="line">
+            <a:avLst/>
+          </a:prstGeom>
+          <a:ln w="57150">
+            <a:solidFill>
+              <a:srgbClr val="002060"/>
+            </a:solidFill>
+          </a:ln>
+        </p:spPr>
+        <p:style>
+          <a:lnRef idx="1">
+            <a:schemeClr val="accent1"/>
+          </a:lnRef>
+          <a:fillRef idx="0">
+            <a:schemeClr val="accent1"/>
+          </a:fillRef>
+          <a:effectRef idx="0">
+            <a:schemeClr val="accent1"/>
+          </a:effectRef>
+          <a:fontRef idx="minor">
+            <a:schemeClr val="tx1"/>
+          </a:fontRef>
+        </p:style>
+      </p:cxnSp>
+      <p:pic>
+        <p:nvPicPr>
+          <p:cNvPr id="4" name="Picture 3" descr="Chart&#10;&#10;Description automatically generated">
+            <a:extLst>
+              <a:ext uri="{FF2B5EF4-FFF2-40B4-BE49-F238E27FC236}">
+                <a16:creationId xmlns:a16="http://schemas.microsoft.com/office/drawing/2014/main" id="{3DD92608-18D5-CA21-C822-95D4C9B7F6A7}"/>
+              </a:ext>
+            </a:extLst>
+          </p:cNvPr>
+          <p:cNvPicPr>
+            <a:picLocks noChangeAspect="1"/>
+          </p:cNvPicPr>
+          <p:nvPr/>
+        </p:nvPicPr>
+        <p:blipFill>
+          <a:blip r:embed="rId3">
+            <a:extLst>
+              <a:ext uri="{28A0092B-C50C-407E-A947-70E740481C1C}">
+                <a14:useLocalDpi xmlns:a14="http://schemas.microsoft.com/office/drawing/2010/main" val="0"/>
+              </a:ext>
+            </a:extLst>
+          </a:blip>
+          <a:stretch>
+            <a:fillRect/>
+          </a:stretch>
+        </p:blipFill>
+        <p:spPr>
+          <a:xfrm>
+            <a:off x="2886868" y="1675339"/>
+            <a:ext cx="6400847" cy="4572033"/>
+          </a:xfrm>
+          <a:prstGeom prst="rect">
+            <a:avLst/>
+          </a:prstGeom>
+        </p:spPr>
+      </p:pic>
+    </p:spTree>
+    <p:extLst>
+      <p:ext uri="{BB962C8B-B14F-4D97-AF65-F5344CB8AC3E}">
+        <p14:creationId xmlns:p14="http://schemas.microsoft.com/office/powerpoint/2010/main" val="2792606219"/>
+      </p:ext>
+    </p:extLst>
+  </p:cSld>
+  <p:clrMapOvr>
+    <a:masterClrMapping/>
+  </p:clrMapOvr>
+</p:sld>
+</file>
+
+<file path=ppt/slides/slide21.xml><?xml version="1.0" encoding="utf-8"?>
+<p:sld xmlns:a="http://schemas.openxmlformats.org/drawingml/2006/main" xmlns:r="http://schemas.openxmlformats.org/officeDocument/2006/relationships" xmlns:p="http://schemas.openxmlformats.org/presentationml/2006/main">
+  <p:cSld>
+    <p:spTree>
+      <p:nvGrpSpPr>
+        <p:cNvPr id="1" name=""/>
+        <p:cNvGrpSpPr/>
+        <p:nvPr/>
+      </p:nvGrpSpPr>
+      <p:grpSpPr>
+        <a:xfrm>
+          <a:off x="0" y="0"/>
+          <a:ext cx="0" cy="0"/>
+          <a:chOff x="0" y="0"/>
+          <a:chExt cx="0" cy="0"/>
+        </a:xfrm>
+      </p:grpSpPr>
+      <p:pic>
+        <p:nvPicPr>
+          <p:cNvPr id="5" name="Picture 4">
+            <a:extLst>
+              <a:ext uri="{FF2B5EF4-FFF2-40B4-BE49-F238E27FC236}">
+                <a16:creationId xmlns:a16="http://schemas.microsoft.com/office/drawing/2014/main" id="{558453F9-F3C1-EDA3-6D83-43170A158A07}"/>
+              </a:ext>
+            </a:extLst>
+          </p:cNvPr>
+          <p:cNvPicPr>
+            <a:picLocks noChangeAspect="1"/>
+          </p:cNvPicPr>
+          <p:nvPr/>
+        </p:nvPicPr>
+        <p:blipFill rotWithShape="1">
+          <a:blip r:embed="rId2"/>
+          <a:srcRect t="10770" r="84371" b="20000"/>
+          <a:stretch/>
+        </p:blipFill>
+        <p:spPr>
+          <a:xfrm>
+            <a:off x="0" y="0"/>
+            <a:ext cx="1073997" cy="1175657"/>
+          </a:xfrm>
+          <a:prstGeom prst="rect">
+            <a:avLst/>
+          </a:prstGeom>
+        </p:spPr>
+      </p:pic>
+      <p:pic>
+        <p:nvPicPr>
+          <p:cNvPr id="6" name="Picture 5">
+            <a:extLst>
+              <a:ext uri="{FF2B5EF4-FFF2-40B4-BE49-F238E27FC236}">
+                <a16:creationId xmlns:a16="http://schemas.microsoft.com/office/drawing/2014/main" id="{CE1484BB-74DC-9E65-B32D-BE5FE2E385CD}"/>
+              </a:ext>
+            </a:extLst>
+          </p:cNvPr>
+          <p:cNvPicPr>
+            <a:picLocks noChangeAspect="1"/>
+          </p:cNvPicPr>
+          <p:nvPr/>
+        </p:nvPicPr>
+        <p:blipFill rotWithShape="1">
+          <a:blip r:embed="rId2"/>
+          <a:srcRect l="15172"/>
+          <a:stretch/>
+        </p:blipFill>
+        <p:spPr>
+          <a:xfrm>
+            <a:off x="9949987" y="0"/>
+            <a:ext cx="2242014" cy="653143"/>
+          </a:xfrm>
+          <a:prstGeom prst="rect">
+            <a:avLst/>
+          </a:prstGeom>
+        </p:spPr>
+      </p:pic>
+      <p:sp>
+        <p:nvSpPr>
+          <p:cNvPr id="7" name="TextBox 6">
+            <a:extLst>
+              <a:ext uri="{FF2B5EF4-FFF2-40B4-BE49-F238E27FC236}">
+                <a16:creationId xmlns:a16="http://schemas.microsoft.com/office/drawing/2014/main" id="{9EECCCD9-8AD5-9916-BC29-771066C9EE70}"/>
+              </a:ext>
+            </a:extLst>
+          </p:cNvPr>
+          <p:cNvSpPr txBox="1"/>
+          <p:nvPr/>
+        </p:nvSpPr>
+        <p:spPr>
+          <a:xfrm>
+            <a:off x="1" y="470259"/>
+            <a:ext cx="12192000" cy="1631216"/>
+          </a:xfrm>
+          <a:prstGeom prst="rect">
+            <a:avLst/>
+          </a:prstGeom>
+          <a:noFill/>
+        </p:spPr>
+        <p:txBody>
+          <a:bodyPr wrap="square" rtlCol="0">
+            <a:spAutoFit/>
+          </a:bodyPr>
+          <a:lstStyle/>
+          <a:p>
+            <a:pPr algn="ctr"/>
+            <a:r>
+              <a:rPr lang="en-US" sz="5000" b="1" dirty="0">
+                <a:solidFill>
+                  <a:srgbClr val="002060"/>
+                </a:solidFill>
+              </a:rPr>
+              <a:t>Logistic Regression – Credit Policy</a:t>
+            </a:r>
+          </a:p>
+          <a:p>
+            <a:pPr algn="ctr"/>
+            <a:endParaRPr lang="en-US" sz="5000" dirty="0">
+              <a:solidFill>
+                <a:srgbClr val="002060"/>
+              </a:solidFill>
+            </a:endParaRPr>
+          </a:p>
+        </p:txBody>
+      </p:sp>
+      <p:cxnSp>
+        <p:nvCxnSpPr>
+          <p:cNvPr id="9" name="Straight Connector 8">
+            <a:extLst>
+              <a:ext uri="{FF2B5EF4-FFF2-40B4-BE49-F238E27FC236}">
+                <a16:creationId xmlns:a16="http://schemas.microsoft.com/office/drawing/2014/main" id="{450EE6D2-7381-B11A-A20A-0D5D0904DD35}"/>
+              </a:ext>
+            </a:extLst>
+          </p:cNvPr>
+          <p:cNvCxnSpPr>
+            <a:cxnSpLocks/>
+          </p:cNvCxnSpPr>
+          <p:nvPr/>
+        </p:nvCxnSpPr>
+        <p:spPr>
+          <a:xfrm>
+            <a:off x="757647" y="1332033"/>
+            <a:ext cx="10659291" cy="0"/>
+          </a:xfrm>
+          <a:prstGeom prst="line">
+            <a:avLst/>
+          </a:prstGeom>
+          <a:ln w="57150">
+            <a:solidFill>
+              <a:srgbClr val="002060"/>
+            </a:solidFill>
+          </a:ln>
+        </p:spPr>
+        <p:style>
+          <a:lnRef idx="1">
+            <a:schemeClr val="accent1"/>
+          </a:lnRef>
+          <a:fillRef idx="0">
+            <a:schemeClr val="accent1"/>
+          </a:fillRef>
+          <a:effectRef idx="0">
+            <a:schemeClr val="accent1"/>
+          </a:effectRef>
+          <a:fontRef idx="minor">
+            <a:schemeClr val="tx1"/>
+          </a:fontRef>
+        </p:style>
+      </p:cxnSp>
+      <p:pic>
+        <p:nvPicPr>
+          <p:cNvPr id="3" name="Picture 2">
+            <a:extLst>
+              <a:ext uri="{FF2B5EF4-FFF2-40B4-BE49-F238E27FC236}">
+                <a16:creationId xmlns:a16="http://schemas.microsoft.com/office/drawing/2014/main" id="{5E04EC06-9E56-D09A-5B08-5A1E2A1021D8}"/>
+              </a:ext>
+            </a:extLst>
+          </p:cNvPr>
+          <p:cNvPicPr>
+            <a:picLocks noChangeAspect="1"/>
+          </p:cNvPicPr>
+          <p:nvPr/>
+        </p:nvPicPr>
+        <p:blipFill>
+          <a:blip r:embed="rId3"/>
+          <a:stretch>
+            <a:fillRect/>
+          </a:stretch>
+        </p:blipFill>
+        <p:spPr>
+          <a:xfrm>
+            <a:off x="4176747" y="0"/>
+            <a:ext cx="3838506" cy="6858000"/>
+          </a:xfrm>
+          <a:prstGeom prst="rect">
+            <a:avLst/>
+          </a:prstGeom>
+        </p:spPr>
+      </p:pic>
+    </p:spTree>
+    <p:extLst>
+      <p:ext uri="{BB962C8B-B14F-4D97-AF65-F5344CB8AC3E}">
+        <p14:creationId xmlns:p14="http://schemas.microsoft.com/office/powerpoint/2010/main" val="2538059948"/>
+      </p:ext>
+    </p:extLst>
+  </p:cSld>
+  <p:clrMapOvr>
+    <a:masterClrMapping/>
+  </p:clrMapOvr>
+</p:sld>
+</file>
+
+<file path=ppt/slides/slide22.xml><?xml version="1.0" encoding="utf-8"?>
+<p:sld xmlns:a="http://schemas.openxmlformats.org/drawingml/2006/main" xmlns:r="http://schemas.openxmlformats.org/officeDocument/2006/relationships" xmlns:p="http://schemas.openxmlformats.org/presentationml/2006/main">
+  <p:cSld>
+    <p:spTree>
+      <p:nvGrpSpPr>
+        <p:cNvPr id="1" name=""/>
+        <p:cNvGrpSpPr/>
+        <p:nvPr/>
+      </p:nvGrpSpPr>
+      <p:grpSpPr>
+        <a:xfrm>
+          <a:off x="0" y="0"/>
+          <a:ext cx="0" cy="0"/>
+          <a:chOff x="0" y="0"/>
+          <a:chExt cx="0" cy="0"/>
+        </a:xfrm>
+      </p:grpSpPr>
+      <p:pic>
+        <p:nvPicPr>
+          <p:cNvPr id="5" name="Picture 4">
+            <a:extLst>
+              <a:ext uri="{FF2B5EF4-FFF2-40B4-BE49-F238E27FC236}">
+                <a16:creationId xmlns:a16="http://schemas.microsoft.com/office/drawing/2014/main" id="{558453F9-F3C1-EDA3-6D83-43170A158A07}"/>
+              </a:ext>
+            </a:extLst>
+          </p:cNvPr>
+          <p:cNvPicPr>
+            <a:picLocks noChangeAspect="1"/>
+          </p:cNvPicPr>
+          <p:nvPr/>
+        </p:nvPicPr>
+        <p:blipFill rotWithShape="1">
+          <a:blip r:embed="rId2"/>
+          <a:srcRect t="10770" r="84371" b="20000"/>
+          <a:stretch/>
+        </p:blipFill>
+        <p:spPr>
+          <a:xfrm>
+            <a:off x="0" y="0"/>
+            <a:ext cx="1073997" cy="1175657"/>
+          </a:xfrm>
+          <a:prstGeom prst="rect">
+            <a:avLst/>
+          </a:prstGeom>
+        </p:spPr>
+      </p:pic>
+      <p:pic>
+        <p:nvPicPr>
+          <p:cNvPr id="6" name="Picture 5">
+            <a:extLst>
+              <a:ext uri="{FF2B5EF4-FFF2-40B4-BE49-F238E27FC236}">
+                <a16:creationId xmlns:a16="http://schemas.microsoft.com/office/drawing/2014/main" id="{CE1484BB-74DC-9E65-B32D-BE5FE2E385CD}"/>
+              </a:ext>
+            </a:extLst>
+          </p:cNvPr>
+          <p:cNvPicPr>
+            <a:picLocks noChangeAspect="1"/>
+          </p:cNvPicPr>
+          <p:nvPr/>
+        </p:nvPicPr>
+        <p:blipFill rotWithShape="1">
+          <a:blip r:embed="rId2"/>
+          <a:srcRect l="15172"/>
+          <a:stretch/>
+        </p:blipFill>
+        <p:spPr>
+          <a:xfrm>
+            <a:off x="9949987" y="0"/>
+            <a:ext cx="2242014" cy="653143"/>
+          </a:xfrm>
+          <a:prstGeom prst="rect">
+            <a:avLst/>
+          </a:prstGeom>
+        </p:spPr>
+      </p:pic>
+      <p:sp>
+        <p:nvSpPr>
+          <p:cNvPr id="7" name="TextBox 6">
+            <a:extLst>
+              <a:ext uri="{FF2B5EF4-FFF2-40B4-BE49-F238E27FC236}">
+                <a16:creationId xmlns:a16="http://schemas.microsoft.com/office/drawing/2014/main" id="{9EECCCD9-8AD5-9916-BC29-771066C9EE70}"/>
+              </a:ext>
+            </a:extLst>
+          </p:cNvPr>
+          <p:cNvSpPr txBox="1"/>
+          <p:nvPr/>
+        </p:nvSpPr>
+        <p:spPr>
+          <a:xfrm>
+            <a:off x="1" y="470259"/>
+            <a:ext cx="12192000" cy="1631216"/>
+          </a:xfrm>
+          <a:prstGeom prst="rect">
+            <a:avLst/>
+          </a:prstGeom>
+          <a:noFill/>
+        </p:spPr>
+        <p:txBody>
+          <a:bodyPr wrap="square" rtlCol="0">
+            <a:spAutoFit/>
+          </a:bodyPr>
+          <a:lstStyle/>
+          <a:p>
+            <a:pPr algn="ctr"/>
+            <a:r>
+              <a:rPr lang="en-US" sz="5000" b="1" dirty="0">
+                <a:solidFill>
+                  <a:srgbClr val="002060"/>
+                </a:solidFill>
+              </a:rPr>
+              <a:t>Logistic Regression – Credit Policy</a:t>
+            </a:r>
+          </a:p>
+          <a:p>
+            <a:pPr algn="ctr"/>
+            <a:endParaRPr lang="en-US" sz="5000" dirty="0">
+              <a:solidFill>
+                <a:srgbClr val="002060"/>
+              </a:solidFill>
+            </a:endParaRPr>
+          </a:p>
+        </p:txBody>
+      </p:sp>
+      <p:cxnSp>
+        <p:nvCxnSpPr>
+          <p:cNvPr id="9" name="Straight Connector 8">
+            <a:extLst>
+              <a:ext uri="{FF2B5EF4-FFF2-40B4-BE49-F238E27FC236}">
+                <a16:creationId xmlns:a16="http://schemas.microsoft.com/office/drawing/2014/main" id="{450EE6D2-7381-B11A-A20A-0D5D0904DD35}"/>
+              </a:ext>
+            </a:extLst>
+          </p:cNvPr>
+          <p:cNvCxnSpPr>
+            <a:cxnSpLocks/>
+          </p:cNvCxnSpPr>
+          <p:nvPr/>
+        </p:nvCxnSpPr>
+        <p:spPr>
+          <a:xfrm>
+            <a:off x="757647" y="1332033"/>
+            <a:ext cx="10659291" cy="0"/>
+          </a:xfrm>
+          <a:prstGeom prst="line">
+            <a:avLst/>
+          </a:prstGeom>
+          <a:ln w="57150">
+            <a:solidFill>
+              <a:srgbClr val="002060"/>
+            </a:solidFill>
+          </a:ln>
+        </p:spPr>
+        <p:style>
+          <a:lnRef idx="1">
+            <a:schemeClr val="accent1"/>
+          </a:lnRef>
+          <a:fillRef idx="0">
+            <a:schemeClr val="accent1"/>
+          </a:fillRef>
+          <a:effectRef idx="0">
+            <a:schemeClr val="accent1"/>
+          </a:effectRef>
+          <a:fontRef idx="minor">
+            <a:schemeClr val="tx1"/>
+          </a:fontRef>
+        </p:style>
+      </p:cxnSp>
+      <p:pic>
+        <p:nvPicPr>
+          <p:cNvPr id="4" name="Picture 3">
+            <a:extLst>
+              <a:ext uri="{FF2B5EF4-FFF2-40B4-BE49-F238E27FC236}">
+                <a16:creationId xmlns:a16="http://schemas.microsoft.com/office/drawing/2014/main" id="{9C3A0CD7-3E13-B5E8-39AC-7218AE83F9A2}"/>
+              </a:ext>
+            </a:extLst>
+          </p:cNvPr>
+          <p:cNvPicPr>
+            <a:picLocks noChangeAspect="1"/>
+          </p:cNvPicPr>
+          <p:nvPr/>
+        </p:nvPicPr>
+        <p:blipFill>
+          <a:blip r:embed="rId3"/>
+          <a:stretch>
+            <a:fillRect/>
+          </a:stretch>
+        </p:blipFill>
+        <p:spPr>
+          <a:xfrm>
+            <a:off x="4083764" y="2571734"/>
+            <a:ext cx="4007056" cy="1663786"/>
+          </a:xfrm>
+          <a:prstGeom prst="rect">
+            <a:avLst/>
+          </a:prstGeom>
+        </p:spPr>
+      </p:pic>
+    </p:spTree>
+    <p:extLst>
+      <p:ext uri="{BB962C8B-B14F-4D97-AF65-F5344CB8AC3E}">
+        <p14:creationId xmlns:p14="http://schemas.microsoft.com/office/powerpoint/2010/main" val="538577802"/>
+      </p:ext>
+    </p:extLst>
+  </p:cSld>
+  <p:clrMapOvr>
+    <a:masterClrMapping/>
+  </p:clrMapOvr>
+</p:sld>
+</file>
+
+<file path=ppt/slides/slide23.xml><?xml version="1.0" encoding="utf-8"?>
+<p:sld xmlns:a="http://schemas.openxmlformats.org/drawingml/2006/main" xmlns:r="http://schemas.openxmlformats.org/officeDocument/2006/relationships" xmlns:p="http://schemas.openxmlformats.org/presentationml/2006/main">
+  <p:cSld>
+    <p:spTree>
+      <p:nvGrpSpPr>
+        <p:cNvPr id="1" name=""/>
+        <p:cNvGrpSpPr/>
+        <p:nvPr/>
+      </p:nvGrpSpPr>
+      <p:grpSpPr>
+        <a:xfrm>
+          <a:off x="0" y="0"/>
+          <a:ext cx="0" cy="0"/>
+          <a:chOff x="0" y="0"/>
+          <a:chExt cx="0" cy="0"/>
+        </a:xfrm>
+      </p:grpSpPr>
+      <p:pic>
+        <p:nvPicPr>
+          <p:cNvPr id="5" name="Picture 4">
+            <a:extLst>
+              <a:ext uri="{FF2B5EF4-FFF2-40B4-BE49-F238E27FC236}">
+                <a16:creationId xmlns:a16="http://schemas.microsoft.com/office/drawing/2014/main" id="{558453F9-F3C1-EDA3-6D83-43170A158A07}"/>
+              </a:ext>
+            </a:extLst>
+          </p:cNvPr>
+          <p:cNvPicPr>
+            <a:picLocks noChangeAspect="1"/>
+          </p:cNvPicPr>
+          <p:nvPr/>
+        </p:nvPicPr>
+        <p:blipFill rotWithShape="1">
+          <a:blip r:embed="rId2"/>
+          <a:srcRect t="10770" r="84371" b="20000"/>
+          <a:stretch/>
+        </p:blipFill>
+        <p:spPr>
+          <a:xfrm>
+            <a:off x="0" y="0"/>
+            <a:ext cx="1073997" cy="1175657"/>
+          </a:xfrm>
+          <a:prstGeom prst="rect">
+            <a:avLst/>
+          </a:prstGeom>
+        </p:spPr>
+      </p:pic>
+      <p:pic>
+        <p:nvPicPr>
+          <p:cNvPr id="6" name="Picture 5">
+            <a:extLst>
+              <a:ext uri="{FF2B5EF4-FFF2-40B4-BE49-F238E27FC236}">
+                <a16:creationId xmlns:a16="http://schemas.microsoft.com/office/drawing/2014/main" id="{CE1484BB-74DC-9E65-B32D-BE5FE2E385CD}"/>
+              </a:ext>
+            </a:extLst>
+          </p:cNvPr>
+          <p:cNvPicPr>
+            <a:picLocks noChangeAspect="1"/>
+          </p:cNvPicPr>
+          <p:nvPr/>
+        </p:nvPicPr>
+        <p:blipFill rotWithShape="1">
+          <a:blip r:embed="rId2"/>
+          <a:srcRect l="15172"/>
+          <a:stretch/>
+        </p:blipFill>
+        <p:spPr>
+          <a:xfrm>
+            <a:off x="9949987" y="0"/>
+            <a:ext cx="2242014" cy="653143"/>
+          </a:xfrm>
+          <a:prstGeom prst="rect">
+            <a:avLst/>
+          </a:prstGeom>
+        </p:spPr>
+      </p:pic>
+      <p:sp>
+        <p:nvSpPr>
+          <p:cNvPr id="7" name="TextBox 6">
+            <a:extLst>
+              <a:ext uri="{FF2B5EF4-FFF2-40B4-BE49-F238E27FC236}">
+                <a16:creationId xmlns:a16="http://schemas.microsoft.com/office/drawing/2014/main" id="{9EECCCD9-8AD5-9916-BC29-771066C9EE70}"/>
+              </a:ext>
+            </a:extLst>
+          </p:cNvPr>
+          <p:cNvSpPr txBox="1"/>
+          <p:nvPr/>
+        </p:nvSpPr>
+        <p:spPr>
+          <a:xfrm>
+            <a:off x="1" y="470259"/>
+            <a:ext cx="12192000" cy="1631216"/>
+          </a:xfrm>
+          <a:prstGeom prst="rect">
+            <a:avLst/>
+          </a:prstGeom>
+          <a:noFill/>
+        </p:spPr>
+        <p:txBody>
+          <a:bodyPr wrap="square" rtlCol="0">
+            <a:spAutoFit/>
+          </a:bodyPr>
+          <a:lstStyle/>
+          <a:p>
+            <a:pPr algn="ctr"/>
+            <a:r>
+              <a:rPr lang="en-US" sz="5000" b="1" dirty="0">
+                <a:solidFill>
+                  <a:srgbClr val="002060"/>
+                </a:solidFill>
+              </a:rPr>
+              <a:t>Logistic Regression – Credit Policy</a:t>
+            </a:r>
+          </a:p>
+          <a:p>
+            <a:pPr algn="ctr"/>
+            <a:endParaRPr lang="en-US" sz="5000" dirty="0">
+              <a:solidFill>
+                <a:srgbClr val="002060"/>
+              </a:solidFill>
+            </a:endParaRPr>
+          </a:p>
+        </p:txBody>
+      </p:sp>
+      <p:cxnSp>
+        <p:nvCxnSpPr>
+          <p:cNvPr id="9" name="Straight Connector 8">
+            <a:extLst>
+              <a:ext uri="{FF2B5EF4-FFF2-40B4-BE49-F238E27FC236}">
+                <a16:creationId xmlns:a16="http://schemas.microsoft.com/office/drawing/2014/main" id="{450EE6D2-7381-B11A-A20A-0D5D0904DD35}"/>
+              </a:ext>
+            </a:extLst>
+          </p:cNvPr>
+          <p:cNvCxnSpPr>
+            <a:cxnSpLocks/>
+          </p:cNvCxnSpPr>
+          <p:nvPr/>
+        </p:nvCxnSpPr>
+        <p:spPr>
+          <a:xfrm>
+            <a:off x="757647" y="1332033"/>
+            <a:ext cx="10659291" cy="0"/>
+          </a:xfrm>
+          <a:prstGeom prst="line">
+            <a:avLst/>
+          </a:prstGeom>
+          <a:ln w="57150">
+            <a:solidFill>
+              <a:srgbClr val="002060"/>
+            </a:solidFill>
+          </a:ln>
+        </p:spPr>
+        <p:style>
+          <a:lnRef idx="1">
+            <a:schemeClr val="accent1"/>
+          </a:lnRef>
+          <a:fillRef idx="0">
+            <a:schemeClr val="accent1"/>
+          </a:fillRef>
+          <a:effectRef idx="0">
+            <a:schemeClr val="accent1"/>
+          </a:effectRef>
+          <a:fontRef idx="minor">
+            <a:schemeClr val="tx1"/>
+          </a:fontRef>
+        </p:style>
+      </p:cxnSp>
+      <p:pic>
+        <p:nvPicPr>
+          <p:cNvPr id="3" name="Picture 2" descr="Chart&#10;&#10;Description automatically generated">
+            <a:extLst>
+              <a:ext uri="{FF2B5EF4-FFF2-40B4-BE49-F238E27FC236}">
+                <a16:creationId xmlns:a16="http://schemas.microsoft.com/office/drawing/2014/main" id="{F8CE4281-B37D-08C2-3C7F-6F74C9EBFC21}"/>
+              </a:ext>
+            </a:extLst>
+          </p:cNvPr>
+          <p:cNvPicPr>
+            <a:picLocks noChangeAspect="1"/>
+          </p:cNvPicPr>
+          <p:nvPr/>
+        </p:nvPicPr>
+        <p:blipFill>
+          <a:blip r:embed="rId3">
+            <a:extLst>
+              <a:ext uri="{28A0092B-C50C-407E-A947-70E740481C1C}">
+                <a14:useLocalDpi xmlns:a14="http://schemas.microsoft.com/office/drawing/2010/main" val="0"/>
+              </a:ext>
+            </a:extLst>
+          </a:blip>
+          <a:stretch>
+            <a:fillRect/>
+          </a:stretch>
+        </p:blipFill>
+        <p:spPr>
+          <a:xfrm>
+            <a:off x="2895576" y="1488410"/>
+            <a:ext cx="6400847" cy="4572033"/>
+          </a:xfrm>
+          <a:prstGeom prst="rect">
+            <a:avLst/>
+          </a:prstGeom>
+        </p:spPr>
+      </p:pic>
+    </p:spTree>
+    <p:extLst>
+      <p:ext uri="{BB962C8B-B14F-4D97-AF65-F5344CB8AC3E}">
+        <p14:creationId xmlns:p14="http://schemas.microsoft.com/office/powerpoint/2010/main" val="961642784"/>
+      </p:ext>
+    </p:extLst>
+  </p:cSld>
+  <p:clrMapOvr>
+    <a:masterClrMapping/>
+  </p:clrMapOvr>
+</p:sld>
+</file>
+
+<file path=ppt/slides/slide24.xml><?xml version="1.0" encoding="utf-8"?>
+<p:sld xmlns:a="http://schemas.openxmlformats.org/drawingml/2006/main" xmlns:r="http://schemas.openxmlformats.org/officeDocument/2006/relationships" xmlns:p="http://schemas.openxmlformats.org/presentationml/2006/main">
+  <p:cSld>
+    <p:spTree>
+      <p:nvGrpSpPr>
+        <p:cNvPr id="1" name=""/>
+        <p:cNvGrpSpPr/>
+        <p:nvPr/>
+      </p:nvGrpSpPr>
+      <p:grpSpPr>
+        <a:xfrm>
+          <a:off x="0" y="0"/>
+          <a:ext cx="0" cy="0"/>
+          <a:chOff x="0" y="0"/>
+          <a:chExt cx="0" cy="0"/>
+        </a:xfrm>
+      </p:grpSpPr>
+      <p:pic>
+        <p:nvPicPr>
+          <p:cNvPr id="5" name="Picture 4">
+            <a:extLst>
+              <a:ext uri="{FF2B5EF4-FFF2-40B4-BE49-F238E27FC236}">
+                <a16:creationId xmlns:a16="http://schemas.microsoft.com/office/drawing/2014/main" id="{558453F9-F3C1-EDA3-6D83-43170A158A07}"/>
+              </a:ext>
+            </a:extLst>
+          </p:cNvPr>
+          <p:cNvPicPr>
+            <a:picLocks noChangeAspect="1"/>
+          </p:cNvPicPr>
+          <p:nvPr/>
+        </p:nvPicPr>
+        <p:blipFill rotWithShape="1">
+          <a:blip r:embed="rId2"/>
+          <a:srcRect t="10770" r="84371" b="20000"/>
+          <a:stretch/>
+        </p:blipFill>
+        <p:spPr>
+          <a:xfrm>
+            <a:off x="0" y="0"/>
+            <a:ext cx="1073997" cy="1175657"/>
+          </a:xfrm>
+          <a:prstGeom prst="rect">
+            <a:avLst/>
+          </a:prstGeom>
+        </p:spPr>
+      </p:pic>
+      <p:pic>
+        <p:nvPicPr>
+          <p:cNvPr id="6" name="Picture 5">
+            <a:extLst>
+              <a:ext uri="{FF2B5EF4-FFF2-40B4-BE49-F238E27FC236}">
+                <a16:creationId xmlns:a16="http://schemas.microsoft.com/office/drawing/2014/main" id="{CE1484BB-74DC-9E65-B32D-BE5FE2E385CD}"/>
+              </a:ext>
+            </a:extLst>
+          </p:cNvPr>
+          <p:cNvPicPr>
+            <a:picLocks noChangeAspect="1"/>
+          </p:cNvPicPr>
+          <p:nvPr/>
+        </p:nvPicPr>
+        <p:blipFill rotWithShape="1">
+          <a:blip r:embed="rId2"/>
+          <a:srcRect l="15172"/>
+          <a:stretch/>
+        </p:blipFill>
+        <p:spPr>
+          <a:xfrm>
+            <a:off x="9949987" y="0"/>
+            <a:ext cx="2242014" cy="653143"/>
+          </a:xfrm>
+          <a:prstGeom prst="rect">
+            <a:avLst/>
+          </a:prstGeom>
+        </p:spPr>
+      </p:pic>
+      <p:sp>
+        <p:nvSpPr>
+          <p:cNvPr id="7" name="TextBox 6">
+            <a:extLst>
+              <a:ext uri="{FF2B5EF4-FFF2-40B4-BE49-F238E27FC236}">
+                <a16:creationId xmlns:a16="http://schemas.microsoft.com/office/drawing/2014/main" id="{9EECCCD9-8AD5-9916-BC29-771066C9EE70}"/>
+              </a:ext>
+            </a:extLst>
+          </p:cNvPr>
+          <p:cNvSpPr txBox="1"/>
+          <p:nvPr/>
+        </p:nvSpPr>
+        <p:spPr>
+          <a:xfrm>
+            <a:off x="1" y="470259"/>
+            <a:ext cx="12192000" cy="1631216"/>
+          </a:xfrm>
+          <a:prstGeom prst="rect">
+            <a:avLst/>
+          </a:prstGeom>
+          <a:noFill/>
+        </p:spPr>
+        <p:txBody>
+          <a:bodyPr wrap="square" rtlCol="0">
+            <a:spAutoFit/>
+          </a:bodyPr>
+          <a:lstStyle/>
+          <a:p>
+            <a:pPr algn="ctr"/>
+            <a:r>
+              <a:rPr lang="en-US" sz="5000" b="1" dirty="0">
+                <a:solidFill>
+                  <a:srgbClr val="002060"/>
+                </a:solidFill>
+              </a:rPr>
+              <a:t>Multiple Linear Regression</a:t>
+            </a:r>
+          </a:p>
+          <a:p>
+            <a:pPr algn="ctr"/>
+            <a:endParaRPr lang="en-US" sz="5000" dirty="0">
+              <a:solidFill>
+                <a:srgbClr val="002060"/>
+              </a:solidFill>
+            </a:endParaRPr>
+          </a:p>
+        </p:txBody>
+      </p:sp>
+      <p:cxnSp>
+        <p:nvCxnSpPr>
+          <p:cNvPr id="9" name="Straight Connector 8">
+            <a:extLst>
+              <a:ext uri="{FF2B5EF4-FFF2-40B4-BE49-F238E27FC236}">
+                <a16:creationId xmlns:a16="http://schemas.microsoft.com/office/drawing/2014/main" id="{450EE6D2-7381-B11A-A20A-0D5D0904DD35}"/>
+              </a:ext>
+            </a:extLst>
+          </p:cNvPr>
+          <p:cNvCxnSpPr>
+            <a:cxnSpLocks/>
+          </p:cNvCxnSpPr>
+          <p:nvPr/>
+        </p:nvCxnSpPr>
+        <p:spPr>
+          <a:xfrm>
+            <a:off x="757647" y="1332033"/>
+            <a:ext cx="10659291" cy="0"/>
+          </a:xfrm>
+          <a:prstGeom prst="line">
+            <a:avLst/>
+          </a:prstGeom>
+          <a:ln w="57150">
+            <a:solidFill>
+              <a:srgbClr val="002060"/>
+            </a:solidFill>
+          </a:ln>
+        </p:spPr>
+        <p:style>
+          <a:lnRef idx="1">
+            <a:schemeClr val="accent1"/>
+          </a:lnRef>
+          <a:fillRef idx="0">
+            <a:schemeClr val="accent1"/>
+          </a:fillRef>
+          <a:effectRef idx="0">
+            <a:schemeClr val="accent1"/>
+          </a:effectRef>
+          <a:fontRef idx="minor">
+            <a:schemeClr val="tx1"/>
+          </a:fontRef>
+        </p:style>
+      </p:cxnSp>
+    </p:spTree>
+    <p:extLst>
+      <p:ext uri="{BB962C8B-B14F-4D97-AF65-F5344CB8AC3E}">
+        <p14:creationId xmlns:p14="http://schemas.microsoft.com/office/powerpoint/2010/main" val="1460743001"/>
+      </p:ext>
+    </p:extLst>
+  </p:cSld>
+  <p:clrMapOvr>
+    <a:masterClrMapping/>
+  </p:clrMapOvr>
+</p:sld>
+</file>
+
+<file path=ppt/slides/slide25.xml><?xml version="1.0" encoding="utf-8"?>
+<p:sld xmlns:a="http://schemas.openxmlformats.org/drawingml/2006/main" xmlns:r="http://schemas.openxmlformats.org/officeDocument/2006/relationships" xmlns:p="http://schemas.openxmlformats.org/presentationml/2006/main">
+  <p:cSld>
+    <p:spTree>
+      <p:nvGrpSpPr>
+        <p:cNvPr id="1" name=""/>
+        <p:cNvGrpSpPr/>
+        <p:nvPr/>
+      </p:nvGrpSpPr>
+      <p:grpSpPr>
+        <a:xfrm>
+          <a:off x="0" y="0"/>
+          <a:ext cx="0" cy="0"/>
+          <a:chOff x="0" y="0"/>
+          <a:chExt cx="0" cy="0"/>
+        </a:xfrm>
+      </p:grpSpPr>
+      <p:pic>
+        <p:nvPicPr>
+          <p:cNvPr id="5" name="Picture 4">
+            <a:extLst>
+              <a:ext uri="{FF2B5EF4-FFF2-40B4-BE49-F238E27FC236}">
+                <a16:creationId xmlns:a16="http://schemas.microsoft.com/office/drawing/2014/main" id="{558453F9-F3C1-EDA3-6D83-43170A158A07}"/>
+              </a:ext>
+            </a:extLst>
+          </p:cNvPr>
+          <p:cNvPicPr>
+            <a:picLocks noChangeAspect="1"/>
+          </p:cNvPicPr>
+          <p:nvPr/>
+        </p:nvPicPr>
+        <p:blipFill rotWithShape="1">
+          <a:blip r:embed="rId2"/>
+          <a:srcRect t="10770" r="84371" b="20000"/>
+          <a:stretch/>
+        </p:blipFill>
+        <p:spPr>
+          <a:xfrm>
+            <a:off x="0" y="0"/>
+            <a:ext cx="1073997" cy="1175657"/>
+          </a:xfrm>
+          <a:prstGeom prst="rect">
+            <a:avLst/>
+          </a:prstGeom>
+        </p:spPr>
+      </p:pic>
+      <p:pic>
+        <p:nvPicPr>
+          <p:cNvPr id="6" name="Picture 5">
+            <a:extLst>
+              <a:ext uri="{FF2B5EF4-FFF2-40B4-BE49-F238E27FC236}">
+                <a16:creationId xmlns:a16="http://schemas.microsoft.com/office/drawing/2014/main" id="{CE1484BB-74DC-9E65-B32D-BE5FE2E385CD}"/>
+              </a:ext>
+            </a:extLst>
+          </p:cNvPr>
+          <p:cNvPicPr>
+            <a:picLocks noChangeAspect="1"/>
+          </p:cNvPicPr>
+          <p:nvPr/>
+        </p:nvPicPr>
+        <p:blipFill rotWithShape="1">
+          <a:blip r:embed="rId2"/>
+          <a:srcRect l="15172"/>
+          <a:stretch/>
+        </p:blipFill>
+        <p:spPr>
+          <a:xfrm>
+            <a:off x="9949987" y="0"/>
+            <a:ext cx="2242014" cy="653143"/>
+          </a:xfrm>
+          <a:prstGeom prst="rect">
+            <a:avLst/>
+          </a:prstGeom>
+        </p:spPr>
+      </p:pic>
+      <p:sp>
+        <p:nvSpPr>
+          <p:cNvPr id="7" name="TextBox 6">
+            <a:extLst>
+              <a:ext uri="{FF2B5EF4-FFF2-40B4-BE49-F238E27FC236}">
+                <a16:creationId xmlns:a16="http://schemas.microsoft.com/office/drawing/2014/main" id="{9EECCCD9-8AD5-9916-BC29-771066C9EE70}"/>
+              </a:ext>
+            </a:extLst>
+          </p:cNvPr>
+          <p:cNvSpPr txBox="1"/>
+          <p:nvPr/>
+        </p:nvSpPr>
+        <p:spPr>
+          <a:xfrm>
+            <a:off x="1" y="470259"/>
+            <a:ext cx="12192000" cy="1631216"/>
+          </a:xfrm>
+          <a:prstGeom prst="rect">
+            <a:avLst/>
+          </a:prstGeom>
+          <a:noFill/>
+        </p:spPr>
+        <p:txBody>
+          <a:bodyPr wrap="square" rtlCol="0">
+            <a:spAutoFit/>
+          </a:bodyPr>
+          <a:lstStyle/>
+          <a:p>
+            <a:pPr algn="ctr"/>
+            <a:r>
+              <a:rPr lang="en-US" sz="5000" b="1" dirty="0">
+                <a:solidFill>
+                  <a:srgbClr val="002060"/>
+                </a:solidFill>
+              </a:rPr>
+              <a:t>Lasso Regression</a:t>
+            </a:r>
+          </a:p>
+          <a:p>
+            <a:pPr algn="ctr"/>
+            <a:endParaRPr lang="en-US" sz="5000" dirty="0">
+              <a:solidFill>
+                <a:srgbClr val="002060"/>
+              </a:solidFill>
+            </a:endParaRPr>
+          </a:p>
+        </p:txBody>
+      </p:sp>
+      <p:cxnSp>
+        <p:nvCxnSpPr>
+          <p:cNvPr id="9" name="Straight Connector 8">
+            <a:extLst>
+              <a:ext uri="{FF2B5EF4-FFF2-40B4-BE49-F238E27FC236}">
+                <a16:creationId xmlns:a16="http://schemas.microsoft.com/office/drawing/2014/main" id="{450EE6D2-7381-B11A-A20A-0D5D0904DD35}"/>
+              </a:ext>
+            </a:extLst>
+          </p:cNvPr>
+          <p:cNvCxnSpPr>
+            <a:cxnSpLocks/>
+          </p:cNvCxnSpPr>
+          <p:nvPr/>
+        </p:nvCxnSpPr>
+        <p:spPr>
+          <a:xfrm>
+            <a:off x="757647" y="1332033"/>
+            <a:ext cx="10659291" cy="0"/>
+          </a:xfrm>
+          <a:prstGeom prst="line">
+            <a:avLst/>
+          </a:prstGeom>
+          <a:ln w="57150">
+            <a:solidFill>
+              <a:srgbClr val="002060"/>
+            </a:solidFill>
+          </a:ln>
+        </p:spPr>
+        <p:style>
+          <a:lnRef idx="1">
+            <a:schemeClr val="accent1"/>
+          </a:lnRef>
+          <a:fillRef idx="0">
+            <a:schemeClr val="accent1"/>
+          </a:fillRef>
+          <a:effectRef idx="0">
+            <a:schemeClr val="accent1"/>
+          </a:effectRef>
+          <a:fontRef idx="minor">
+            <a:schemeClr val="tx1"/>
+          </a:fontRef>
+        </p:style>
+      </p:cxnSp>
+    </p:spTree>
+    <p:extLst>
+      <p:ext uri="{BB962C8B-B14F-4D97-AF65-F5344CB8AC3E}">
+        <p14:creationId xmlns:p14="http://schemas.microsoft.com/office/powerpoint/2010/main" val="1893722804"/>
+      </p:ext>
+    </p:extLst>
+  </p:cSld>
+  <p:clrMapOvr>
+    <a:masterClrMapping/>
+  </p:clrMapOvr>
+</p:sld>
+</file>
+
+<file path=ppt/slides/slide26.xml><?xml version="1.0" encoding="utf-8"?>
+<p:sld xmlns:a="http://schemas.openxmlformats.org/drawingml/2006/main" xmlns:r="http://schemas.openxmlformats.org/officeDocument/2006/relationships" xmlns:p="http://schemas.openxmlformats.org/presentationml/2006/main">
+  <p:cSld>
+    <p:bg>
+      <p:bgPr>
+        <a:solidFill>
+          <a:srgbClr val="103B5E"/>
+        </a:solidFill>
+        <a:effectLst/>
+      </p:bgPr>
+    </p:bg>
+    <p:spTree>
+      <p:nvGrpSpPr>
+        <p:cNvPr id="1" name=""/>
+        <p:cNvGrpSpPr/>
+        <p:nvPr/>
+      </p:nvGrpSpPr>
+      <p:grpSpPr>
+        <a:xfrm>
+          <a:off x="0" y="0"/>
+          <a:ext cx="0" cy="0"/>
+          <a:chOff x="0" y="0"/>
+          <a:chExt cx="0" cy="0"/>
+        </a:xfrm>
+      </p:grpSpPr>
+      <p:sp>
+        <p:nvSpPr>
+          <p:cNvPr id="32" name="TextBox 31">
+            <a:extLst>
+              <a:ext uri="{FF2B5EF4-FFF2-40B4-BE49-F238E27FC236}">
+                <a16:creationId xmlns:a16="http://schemas.microsoft.com/office/drawing/2014/main" id="{0426EA6E-8DCD-68BB-CC42-016432ED85F5}"/>
+              </a:ext>
+            </a:extLst>
+          </p:cNvPr>
+          <p:cNvSpPr txBox="1"/>
+          <p:nvPr/>
+        </p:nvSpPr>
+        <p:spPr>
+          <a:xfrm>
+            <a:off x="0" y="2367155"/>
+            <a:ext cx="12192001" cy="1015663"/>
+          </a:xfrm>
+          <a:prstGeom prst="rect">
+            <a:avLst/>
+          </a:prstGeom>
+          <a:noFill/>
+        </p:spPr>
+        <p:txBody>
+          <a:bodyPr wrap="square" rtlCol="0">
+            <a:spAutoFit/>
+          </a:bodyPr>
+          <a:lstStyle/>
+          <a:p>
+            <a:pPr algn="ctr"/>
+            <a:r>
+              <a:rPr lang="en-US" sz="6000" dirty="0">
+                <a:solidFill>
+                  <a:schemeClr val="bg1"/>
+                </a:solidFill>
+              </a:rPr>
+              <a:t>Questions?</a:t>
+            </a:r>
+          </a:p>
+        </p:txBody>
+      </p:sp>
+    </p:spTree>
+    <p:extLst>
+      <p:ext uri="{BB962C8B-B14F-4D97-AF65-F5344CB8AC3E}">
+        <p14:creationId xmlns:p14="http://schemas.microsoft.com/office/powerpoint/2010/main" val="1924305025"/>
       </p:ext>
     </p:extLst>
   </p:cSld>
@@ -9142,10 +11077,10 @@
       </p:cxnSp>
       <p:pic>
         <p:nvPicPr>
-          <p:cNvPr id="3" name="Picture 2">
-            <a:extLst>
-              <a:ext uri="{FF2B5EF4-FFF2-40B4-BE49-F238E27FC236}">
-                <a16:creationId xmlns:a16="http://schemas.microsoft.com/office/drawing/2014/main" id="{24A566D1-EDB7-3CD8-1042-3CF3AA4FAB5B}"/>
+          <p:cNvPr id="4" name="Picture 3" descr="Chart, histogram&#10;&#10;Description automatically generated">
+            <a:extLst>
+              <a:ext uri="{FF2B5EF4-FFF2-40B4-BE49-F238E27FC236}">
+                <a16:creationId xmlns:a16="http://schemas.microsoft.com/office/drawing/2014/main" id="{73CDEF51-C86E-A53A-584B-462E7F8050F3}"/>
               </a:ext>
             </a:extLst>
           </p:cNvPr>
@@ -9168,8 +11103,8 @@
         </p:blipFill>
         <p:spPr>
           <a:xfrm>
-            <a:off x="-3139" y="1612439"/>
-            <a:ext cx="6099140" cy="4796681"/>
+            <a:off x="0" y="1938386"/>
+            <a:ext cx="6291072" cy="3931920"/>
           </a:xfrm>
           <a:prstGeom prst="rect">
             <a:avLst/>
@@ -9178,10 +11113,10 @@
       </p:pic>
       <p:pic>
         <p:nvPicPr>
-          <p:cNvPr id="8" name="Picture 7">
-            <a:extLst>
-              <a:ext uri="{FF2B5EF4-FFF2-40B4-BE49-F238E27FC236}">
-                <a16:creationId xmlns:a16="http://schemas.microsoft.com/office/drawing/2014/main" id="{ECEA4425-9121-CF8E-7978-465DDB531BD0}"/>
+          <p:cNvPr id="11" name="Picture 10" descr="Chart&#10;&#10;Description automatically generated">
+            <a:extLst>
+              <a:ext uri="{FF2B5EF4-FFF2-40B4-BE49-F238E27FC236}">
+                <a16:creationId xmlns:a16="http://schemas.microsoft.com/office/drawing/2014/main" id="{4F87C4B4-1828-0C98-CD86-BD59865B512E}"/>
               </a:ext>
             </a:extLst>
           </p:cNvPr>
@@ -9204,8 +11139,8 @@
         </p:blipFill>
         <p:spPr>
           <a:xfrm>
-            <a:off x="6096000" y="1768816"/>
-            <a:ext cx="5897703" cy="4796681"/>
+            <a:off x="6377813" y="1938386"/>
+            <a:ext cx="5504688" cy="3931920"/>
           </a:xfrm>
           <a:prstGeom prst="rect">
             <a:avLst/>
@@ -9385,10 +11320,10 @@
       </p:cxnSp>
       <p:pic>
         <p:nvPicPr>
-          <p:cNvPr id="3" name="Picture 2" descr="Chart, scatter chart&#10;&#10;Description automatically generated">
-            <a:extLst>
-              <a:ext uri="{FF2B5EF4-FFF2-40B4-BE49-F238E27FC236}">
-                <a16:creationId xmlns:a16="http://schemas.microsoft.com/office/drawing/2014/main" id="{C6E00983-99EE-B176-E749-4C4E4F4FA29A}"/>
+          <p:cNvPr id="4" name="Picture 3" descr="Chart, scatter chart&#10;&#10;Description automatically generated">
+            <a:extLst>
+              <a:ext uri="{FF2B5EF4-FFF2-40B4-BE49-F238E27FC236}">
+                <a16:creationId xmlns:a16="http://schemas.microsoft.com/office/drawing/2014/main" id="{1D4185D1-B8F4-4134-6604-97A3A15B2BB3}"/>
               </a:ext>
             </a:extLst>
           </p:cNvPr>
@@ -9397,7 +11332,7 @@
           </p:cNvPicPr>
           <p:nvPr/>
         </p:nvPicPr>
-        <p:blipFill rotWithShape="1">
+        <p:blipFill>
           <a:blip r:embed="rId3">
             <a:extLst>
               <a:ext uri="{28A0092B-C50C-407E-A947-70E740481C1C}">
@@ -9405,13 +11340,14 @@
               </a:ext>
             </a:extLst>
           </a:blip>
-          <a:srcRect t="4386" r="1798" b="5489"/>
-          <a:stretch/>
+          <a:stretch>
+            <a:fillRect/>
+          </a:stretch>
         </p:blipFill>
         <p:spPr>
           <a:xfrm>
-            <a:off x="3098232" y="1371600"/>
-            <a:ext cx="5978119" cy="5486400"/>
+            <a:off x="3184385" y="1432042"/>
+            <a:ext cx="5640201" cy="5640201"/>
           </a:xfrm>
           <a:prstGeom prst="rect">
             <a:avLst/>
@@ -9760,6 +11696,42 @@
           </a:fontRef>
         </p:style>
       </p:cxnSp>
+      <p:pic>
+        <p:nvPicPr>
+          <p:cNvPr id="3" name="Picture 2" descr="Diagram&#10;&#10;Description automatically generated">
+            <a:extLst>
+              <a:ext uri="{FF2B5EF4-FFF2-40B4-BE49-F238E27FC236}">
+                <a16:creationId xmlns:a16="http://schemas.microsoft.com/office/drawing/2014/main" id="{01B57A88-251B-9A39-CD97-C0909F551BD7}"/>
+              </a:ext>
+            </a:extLst>
+          </p:cNvPr>
+          <p:cNvPicPr>
+            <a:picLocks noChangeAspect="1"/>
+          </p:cNvPicPr>
+          <p:nvPr/>
+        </p:nvPicPr>
+        <p:blipFill>
+          <a:blip r:embed="rId3">
+            <a:extLst>
+              <a:ext uri="{28A0092B-C50C-407E-A947-70E740481C1C}">
+                <a14:useLocalDpi xmlns:a14="http://schemas.microsoft.com/office/drawing/2010/main" val="0"/>
+              </a:ext>
+            </a:extLst>
+          </a:blip>
+          <a:stretch>
+            <a:fillRect/>
+          </a:stretch>
+        </p:blipFill>
+        <p:spPr>
+          <a:xfrm>
+            <a:off x="2895576" y="1731706"/>
+            <a:ext cx="6400847" cy="4572033"/>
+          </a:xfrm>
+          <a:prstGeom prst="rect">
+            <a:avLst/>
+          </a:prstGeom>
+        </p:spPr>
+      </p:pic>
     </p:spTree>
     <p:extLst>
       <p:ext uri="{BB962C8B-B14F-4D97-AF65-F5344CB8AC3E}">
@@ -9805,7 +11777,7 @@
           <p:nvPr/>
         </p:nvPicPr>
         <p:blipFill rotWithShape="1">
-          <a:blip r:embed="rId2"/>
+          <a:blip r:embed="rId3"/>
           <a:srcRect t="10770" r="84371" b="20000"/>
           <a:stretch/>
         </p:blipFill>
@@ -9834,7 +11806,7 @@
           <p:nvPr/>
         </p:nvPicPr>
         <p:blipFill rotWithShape="1">
-          <a:blip r:embed="rId2"/>
+          <a:blip r:embed="rId3"/>
           <a:srcRect l="15172"/>
           <a:stretch/>
         </p:blipFill>
@@ -9931,6 +11903,36 @@
           </a:fontRef>
         </p:style>
       </p:cxnSp>
+      <p:pic>
+        <p:nvPicPr>
+          <p:cNvPr id="3" name="Picture 2">
+            <a:extLst>
+              <a:ext uri="{FF2B5EF4-FFF2-40B4-BE49-F238E27FC236}">
+                <a16:creationId xmlns:a16="http://schemas.microsoft.com/office/drawing/2014/main" id="{53197530-2E14-923C-E337-E1922138DA0D}"/>
+              </a:ext>
+            </a:extLst>
+          </p:cNvPr>
+          <p:cNvPicPr>
+            <a:picLocks noChangeAspect="1"/>
+          </p:cNvPicPr>
+          <p:nvPr/>
+        </p:nvPicPr>
+        <p:blipFill>
+          <a:blip r:embed="rId4"/>
+          <a:stretch>
+            <a:fillRect/>
+          </a:stretch>
+        </p:blipFill>
+        <p:spPr>
+          <a:xfrm>
+            <a:off x="4216303" y="1488409"/>
+            <a:ext cx="3759393" cy="5340624"/>
+          </a:xfrm>
+          <a:prstGeom prst="rect">
+            <a:avLst/>
+          </a:prstGeom>
+        </p:spPr>
+      </p:pic>
     </p:spTree>
     <p:extLst>
       <p:ext uri="{BB962C8B-B14F-4D97-AF65-F5344CB8AC3E}">

--- a/Project2/EDA_LendingClub_Slides - Project 2.pptx
+++ b/Project2/EDA_LendingClub_Slides - Project 2.pptx
@@ -5,7 +5,7 @@
     <p:sldMasterId id="2147483648" r:id="rId1"/>
   </p:sldMasterIdLst>
   <p:notesMasterIdLst>
-    <p:notesMasterId r:id="rId28"/>
+    <p:notesMasterId r:id="rId29"/>
   </p:notesMasterIdLst>
   <p:sldIdLst>
     <p:sldId id="257" r:id="rId2"/>
@@ -14,26 +14,27 @@
     <p:sldId id="295" r:id="rId5"/>
     <p:sldId id="277" r:id="rId6"/>
     <p:sldId id="272" r:id="rId7"/>
-    <p:sldId id="296" r:id="rId8"/>
-    <p:sldId id="297" r:id="rId9"/>
-    <p:sldId id="298" r:id="rId10"/>
-    <p:sldId id="302" r:id="rId11"/>
-    <p:sldId id="268" r:id="rId12"/>
-    <p:sldId id="273" r:id="rId13"/>
-    <p:sldId id="274" r:id="rId14"/>
-    <p:sldId id="275" r:id="rId15"/>
-    <p:sldId id="281" r:id="rId16"/>
-    <p:sldId id="299" r:id="rId17"/>
-    <p:sldId id="303" r:id="rId18"/>
-    <p:sldId id="304" r:id="rId19"/>
-    <p:sldId id="305" r:id="rId20"/>
-    <p:sldId id="306" r:id="rId21"/>
-    <p:sldId id="307" r:id="rId22"/>
-    <p:sldId id="308" r:id="rId23"/>
-    <p:sldId id="309" r:id="rId24"/>
-    <p:sldId id="300" r:id="rId25"/>
-    <p:sldId id="301" r:id="rId26"/>
-    <p:sldId id="263" r:id="rId27"/>
+    <p:sldId id="310" r:id="rId8"/>
+    <p:sldId id="273" r:id="rId9"/>
+    <p:sldId id="274" r:id="rId10"/>
+    <p:sldId id="275" r:id="rId11"/>
+    <p:sldId id="281" r:id="rId12"/>
+    <p:sldId id="300" r:id="rId13"/>
+    <p:sldId id="312" r:id="rId14"/>
+    <p:sldId id="299" r:id="rId15"/>
+    <p:sldId id="303" r:id="rId16"/>
+    <p:sldId id="304" r:id="rId17"/>
+    <p:sldId id="305" r:id="rId18"/>
+    <p:sldId id="306" r:id="rId19"/>
+    <p:sldId id="307" r:id="rId20"/>
+    <p:sldId id="308" r:id="rId21"/>
+    <p:sldId id="309" r:id="rId22"/>
+    <p:sldId id="301" r:id="rId23"/>
+    <p:sldId id="297" r:id="rId24"/>
+    <p:sldId id="298" r:id="rId25"/>
+    <p:sldId id="302" r:id="rId26"/>
+    <p:sldId id="268" r:id="rId27"/>
+    <p:sldId id="263" r:id="rId28"/>
   </p:sldIdLst>
   <p:sldSz cx="12192000" cy="6858000"/>
   <p:notesSz cx="6858000" cy="9144000"/>
@@ -993,7 +994,7 @@
           <a:p>
             <a:fld id="{6B053770-FD16-42CB-98BB-967786CBD56A}" type="slidenum">
               <a:rPr lang="en-US" smtClean="0"/>
-              <a:t>9</a:t>
+              <a:t>24</a:t>
             </a:fld>
             <a:endParaRPr lang="en-US"/>
           </a:p>
@@ -1002,7 +1003,7 @@
     </p:spTree>
     <p:extLst>
       <p:ext uri="{BB962C8B-B14F-4D97-AF65-F5344CB8AC3E}">
-        <p14:creationId xmlns:p14="http://schemas.microsoft.com/office/powerpoint/2010/main" val="2153594973"/>
+        <p14:creationId xmlns:p14="http://schemas.microsoft.com/office/powerpoint/2010/main" val="2076041582"/>
       </p:ext>
     </p:extLst>
   </p:cSld>
@@ -1077,7 +1078,7 @@
           <a:p>
             <a:fld id="{6B053770-FD16-42CB-98BB-967786CBD56A}" type="slidenum">
               <a:rPr lang="en-US" smtClean="0"/>
-              <a:t>10</a:t>
+              <a:t>25</a:t>
             </a:fld>
             <a:endParaRPr lang="en-US"/>
           </a:p>
@@ -1086,7 +1087,7 @@
     </p:spTree>
     <p:extLst>
       <p:ext uri="{BB962C8B-B14F-4D97-AF65-F5344CB8AC3E}">
-        <p14:creationId xmlns:p14="http://schemas.microsoft.com/office/powerpoint/2010/main" val="3715633435"/>
+        <p14:creationId xmlns:p14="http://schemas.microsoft.com/office/powerpoint/2010/main" val="2940614858"/>
       </p:ext>
     </p:extLst>
   </p:cSld>
@@ -1173,7 +1174,7 @@
           <a:p>
             <a:fld id="{6B053770-FD16-42CB-98BB-967786CBD56A}" type="slidenum">
               <a:rPr lang="en-US" smtClean="0"/>
-              <a:t>11</a:t>
+              <a:t>26</a:t>
             </a:fld>
             <a:endParaRPr lang="en-US"/>
           </a:p>
@@ -5688,7 +5689,7 @@
           <p:nvPr/>
         </p:nvPicPr>
         <p:blipFill rotWithShape="1">
-          <a:blip r:embed="rId3"/>
+          <a:blip r:embed="rId2"/>
           <a:srcRect t="10770" r="84371" b="20000"/>
           <a:stretch/>
         </p:blipFill>
@@ -5717,7 +5718,7 @@
           <p:nvPr/>
         </p:nvPicPr>
         <p:blipFill rotWithShape="1">
-          <a:blip r:embed="rId3"/>
+          <a:blip r:embed="rId2"/>
           <a:srcRect l="15172"/>
           <a:stretch/>
         </p:blipFill>
@@ -5746,7 +5747,7 @@
         <p:spPr>
           <a:xfrm>
             <a:off x="1" y="470259"/>
-            <a:ext cx="12192000" cy="861774"/>
+            <a:ext cx="12192000" cy="1631216"/>
           </a:xfrm>
           <a:prstGeom prst="rect">
             <a:avLst/>
@@ -5766,8 +5767,16 @@
                   <a:srgbClr val="002060"/>
                 </a:solidFill>
               </a:rPr>
-              <a:t>Classification Tree – ROC Curve</a:t>
-            </a:r>
+              <a:t>Simple Linear Regression – 3 of 4</a:t>
+            </a:r>
+          </a:p>
+          <a:p>
+            <a:pPr algn="ctr"/>
+            <a:endParaRPr lang="en-US" sz="5000" b="1" dirty="0">
+              <a:solidFill>
+                <a:srgbClr val="002060"/>
+              </a:solidFill>
+            </a:endParaRPr>
           </a:p>
         </p:txBody>
       </p:sp>
@@ -5816,10 +5825,10 @@
       </p:cxnSp>
       <p:pic>
         <p:nvPicPr>
-          <p:cNvPr id="4" name="Picture 3" descr="A picture containing chart&#10;&#10;Description automatically generated">
-            <a:extLst>
-              <a:ext uri="{FF2B5EF4-FFF2-40B4-BE49-F238E27FC236}">
-                <a16:creationId xmlns:a16="http://schemas.microsoft.com/office/drawing/2014/main" id="{42D988EC-5A0B-5693-5FAE-64380A8B7603}"/>
+          <p:cNvPr id="3" name="Picture 2" descr="Chart, scatter chart&#10;&#10;Description automatically generated">
+            <a:extLst>
+              <a:ext uri="{FF2B5EF4-FFF2-40B4-BE49-F238E27FC236}">
+                <a16:creationId xmlns:a16="http://schemas.microsoft.com/office/drawing/2014/main" id="{7317D386-6C38-EFF7-DF24-BD7C25BBE381}"/>
               </a:ext>
             </a:extLst>
           </p:cNvPr>
@@ -5829,7 +5838,7 @@
           <p:nvPr/>
         </p:nvPicPr>
         <p:blipFill>
-          <a:blip r:embed="rId4">
+          <a:blip r:embed="rId3">
             <a:extLst>
               <a:ext uri="{28A0092B-C50C-407E-A947-70E740481C1C}">
                 <a14:useLocalDpi xmlns:a14="http://schemas.microsoft.com/office/drawing/2010/main" val="0"/>
@@ -5842,7 +5851,7 @@
         </p:blipFill>
         <p:spPr>
           <a:xfrm>
-            <a:off x="2738999" y="1520901"/>
+            <a:off x="2886868" y="1815708"/>
             <a:ext cx="6400847" cy="4572033"/>
           </a:xfrm>
           <a:prstGeom prst="rect">
@@ -5850,45 +5859,10 @@
           </a:prstGeom>
         </p:spPr>
       </p:pic>
-      <p:sp>
-        <p:nvSpPr>
-          <p:cNvPr id="8" name="TextBox 7">
-            <a:extLst>
-              <a:ext uri="{FF2B5EF4-FFF2-40B4-BE49-F238E27FC236}">
-                <a16:creationId xmlns:a16="http://schemas.microsoft.com/office/drawing/2014/main" id="{2DBF58F3-7E65-6D50-C337-8940DA3DC74A}"/>
-              </a:ext>
-            </a:extLst>
-          </p:cNvPr>
-          <p:cNvSpPr txBox="1"/>
-          <p:nvPr/>
-        </p:nvSpPr>
-        <p:spPr>
-          <a:xfrm>
-            <a:off x="5215828" y="6281803"/>
-            <a:ext cx="1447191" cy="369332"/>
-          </a:xfrm>
-          <a:prstGeom prst="rect">
-            <a:avLst/>
-          </a:prstGeom>
-          <a:noFill/>
-        </p:spPr>
-        <p:txBody>
-          <a:bodyPr wrap="none" rtlCol="0">
-            <a:spAutoFit/>
-          </a:bodyPr>
-          <a:lstStyle/>
-          <a:p>
-            <a:r>
-              <a:rPr lang="en-US" dirty="0"/>
-              <a:t>ROC = 0.8774</a:t>
-            </a:r>
-          </a:p>
-        </p:txBody>
-      </p:sp>
     </p:spTree>
     <p:extLst>
       <p:ext uri="{BB962C8B-B14F-4D97-AF65-F5344CB8AC3E}">
-        <p14:creationId xmlns:p14="http://schemas.microsoft.com/office/powerpoint/2010/main" val="306524005"/>
+        <p14:creationId xmlns:p14="http://schemas.microsoft.com/office/powerpoint/2010/main" val="3135211236"/>
       </p:ext>
     </p:extLst>
   </p:cSld>
@@ -5930,6 +5904,1959 @@
           <p:nvPr/>
         </p:nvPicPr>
         <p:blipFill rotWithShape="1">
+          <a:blip r:embed="rId2"/>
+          <a:srcRect t="10770" r="84371" b="20000"/>
+          <a:stretch/>
+        </p:blipFill>
+        <p:spPr>
+          <a:xfrm>
+            <a:off x="0" y="0"/>
+            <a:ext cx="1073997" cy="1175657"/>
+          </a:xfrm>
+          <a:prstGeom prst="rect">
+            <a:avLst/>
+          </a:prstGeom>
+        </p:spPr>
+      </p:pic>
+      <p:pic>
+        <p:nvPicPr>
+          <p:cNvPr id="6" name="Picture 5">
+            <a:extLst>
+              <a:ext uri="{FF2B5EF4-FFF2-40B4-BE49-F238E27FC236}">
+                <a16:creationId xmlns:a16="http://schemas.microsoft.com/office/drawing/2014/main" id="{CE1484BB-74DC-9E65-B32D-BE5FE2E385CD}"/>
+              </a:ext>
+            </a:extLst>
+          </p:cNvPr>
+          <p:cNvPicPr>
+            <a:picLocks noChangeAspect="1"/>
+          </p:cNvPicPr>
+          <p:nvPr/>
+        </p:nvPicPr>
+        <p:blipFill rotWithShape="1">
+          <a:blip r:embed="rId2"/>
+          <a:srcRect l="15172"/>
+          <a:stretch/>
+        </p:blipFill>
+        <p:spPr>
+          <a:xfrm>
+            <a:off x="9949987" y="0"/>
+            <a:ext cx="2242014" cy="653143"/>
+          </a:xfrm>
+          <a:prstGeom prst="rect">
+            <a:avLst/>
+          </a:prstGeom>
+        </p:spPr>
+      </p:pic>
+      <p:sp>
+        <p:nvSpPr>
+          <p:cNvPr id="7" name="TextBox 6">
+            <a:extLst>
+              <a:ext uri="{FF2B5EF4-FFF2-40B4-BE49-F238E27FC236}">
+                <a16:creationId xmlns:a16="http://schemas.microsoft.com/office/drawing/2014/main" id="{9EECCCD9-8AD5-9916-BC29-771066C9EE70}"/>
+              </a:ext>
+            </a:extLst>
+          </p:cNvPr>
+          <p:cNvSpPr txBox="1"/>
+          <p:nvPr/>
+        </p:nvSpPr>
+        <p:spPr>
+          <a:xfrm>
+            <a:off x="1" y="470259"/>
+            <a:ext cx="12192000" cy="1631216"/>
+          </a:xfrm>
+          <a:prstGeom prst="rect">
+            <a:avLst/>
+          </a:prstGeom>
+          <a:noFill/>
+        </p:spPr>
+        <p:txBody>
+          <a:bodyPr wrap="square" rtlCol="0">
+            <a:spAutoFit/>
+          </a:bodyPr>
+          <a:lstStyle/>
+          <a:p>
+            <a:pPr algn="ctr"/>
+            <a:r>
+              <a:rPr lang="en-US" sz="5000" b="1" dirty="0">
+                <a:solidFill>
+                  <a:srgbClr val="002060"/>
+                </a:solidFill>
+              </a:rPr>
+              <a:t>Simple Linear Regression – 4 of 4</a:t>
+            </a:r>
+          </a:p>
+          <a:p>
+            <a:pPr algn="ctr"/>
+            <a:endParaRPr lang="en-US" sz="5000" dirty="0">
+              <a:solidFill>
+                <a:srgbClr val="002060"/>
+              </a:solidFill>
+            </a:endParaRPr>
+          </a:p>
+        </p:txBody>
+      </p:sp>
+      <p:cxnSp>
+        <p:nvCxnSpPr>
+          <p:cNvPr id="9" name="Straight Connector 8">
+            <a:extLst>
+              <a:ext uri="{FF2B5EF4-FFF2-40B4-BE49-F238E27FC236}">
+                <a16:creationId xmlns:a16="http://schemas.microsoft.com/office/drawing/2014/main" id="{450EE6D2-7381-B11A-A20A-0D5D0904DD35}"/>
+              </a:ext>
+            </a:extLst>
+          </p:cNvPr>
+          <p:cNvCxnSpPr>
+            <a:cxnSpLocks/>
+          </p:cNvCxnSpPr>
+          <p:nvPr/>
+        </p:nvCxnSpPr>
+        <p:spPr>
+          <a:xfrm>
+            <a:off x="757647" y="1332033"/>
+            <a:ext cx="10659291" cy="0"/>
+          </a:xfrm>
+          <a:prstGeom prst="line">
+            <a:avLst/>
+          </a:prstGeom>
+          <a:ln w="57150">
+            <a:solidFill>
+              <a:srgbClr val="002060"/>
+            </a:solidFill>
+          </a:ln>
+        </p:spPr>
+        <p:style>
+          <a:lnRef idx="1">
+            <a:schemeClr val="accent1"/>
+          </a:lnRef>
+          <a:fillRef idx="0">
+            <a:schemeClr val="accent1"/>
+          </a:fillRef>
+          <a:effectRef idx="0">
+            <a:schemeClr val="accent1"/>
+          </a:effectRef>
+          <a:fontRef idx="minor">
+            <a:schemeClr val="tx1"/>
+          </a:fontRef>
+        </p:style>
+      </p:cxnSp>
+      <p:pic>
+        <p:nvPicPr>
+          <p:cNvPr id="4" name="Picture 3" descr="Chart&#10;&#10;Description automatically generated">
+            <a:extLst>
+              <a:ext uri="{FF2B5EF4-FFF2-40B4-BE49-F238E27FC236}">
+                <a16:creationId xmlns:a16="http://schemas.microsoft.com/office/drawing/2014/main" id="{E53D5306-5BA2-B775-84A4-9AC0440B1EA7}"/>
+              </a:ext>
+            </a:extLst>
+          </p:cNvPr>
+          <p:cNvPicPr>
+            <a:picLocks noChangeAspect="1"/>
+          </p:cNvPicPr>
+          <p:nvPr/>
+        </p:nvPicPr>
+        <p:blipFill>
+          <a:blip r:embed="rId3">
+            <a:extLst>
+              <a:ext uri="{28A0092B-C50C-407E-A947-70E740481C1C}">
+                <a14:useLocalDpi xmlns:a14="http://schemas.microsoft.com/office/drawing/2010/main" val="0"/>
+              </a:ext>
+            </a:extLst>
+          </a:blip>
+          <a:stretch>
+            <a:fillRect/>
+          </a:stretch>
+        </p:blipFill>
+        <p:spPr>
+          <a:xfrm>
+            <a:off x="2886868" y="1815708"/>
+            <a:ext cx="6400847" cy="4572033"/>
+          </a:xfrm>
+          <a:prstGeom prst="rect">
+            <a:avLst/>
+          </a:prstGeom>
+        </p:spPr>
+      </p:pic>
+    </p:spTree>
+    <p:extLst>
+      <p:ext uri="{BB962C8B-B14F-4D97-AF65-F5344CB8AC3E}">
+        <p14:creationId xmlns:p14="http://schemas.microsoft.com/office/powerpoint/2010/main" val="1087057766"/>
+      </p:ext>
+    </p:extLst>
+  </p:cSld>
+  <p:clrMapOvr>
+    <a:masterClrMapping/>
+  </p:clrMapOvr>
+</p:sld>
+</file>
+
+<file path=ppt/slides/slide12.xml><?xml version="1.0" encoding="utf-8"?>
+<p:sld xmlns:a="http://schemas.openxmlformats.org/drawingml/2006/main" xmlns:r="http://schemas.openxmlformats.org/officeDocument/2006/relationships" xmlns:p="http://schemas.openxmlformats.org/presentationml/2006/main">
+  <p:cSld>
+    <p:spTree>
+      <p:nvGrpSpPr>
+        <p:cNvPr id="1" name=""/>
+        <p:cNvGrpSpPr/>
+        <p:nvPr/>
+      </p:nvGrpSpPr>
+      <p:grpSpPr>
+        <a:xfrm>
+          <a:off x="0" y="0"/>
+          <a:ext cx="0" cy="0"/>
+          <a:chOff x="0" y="0"/>
+          <a:chExt cx="0" cy="0"/>
+        </a:xfrm>
+      </p:grpSpPr>
+      <p:pic>
+        <p:nvPicPr>
+          <p:cNvPr id="5" name="Picture 4">
+            <a:extLst>
+              <a:ext uri="{FF2B5EF4-FFF2-40B4-BE49-F238E27FC236}">
+                <a16:creationId xmlns:a16="http://schemas.microsoft.com/office/drawing/2014/main" id="{558453F9-F3C1-EDA3-6D83-43170A158A07}"/>
+              </a:ext>
+            </a:extLst>
+          </p:cNvPr>
+          <p:cNvPicPr>
+            <a:picLocks noChangeAspect="1"/>
+          </p:cNvPicPr>
+          <p:nvPr/>
+        </p:nvPicPr>
+        <p:blipFill rotWithShape="1">
+          <a:blip r:embed="rId2"/>
+          <a:srcRect t="10770" r="84371" b="20000"/>
+          <a:stretch/>
+        </p:blipFill>
+        <p:spPr>
+          <a:xfrm>
+            <a:off x="0" y="0"/>
+            <a:ext cx="1073997" cy="1175657"/>
+          </a:xfrm>
+          <a:prstGeom prst="rect">
+            <a:avLst/>
+          </a:prstGeom>
+        </p:spPr>
+      </p:pic>
+      <p:pic>
+        <p:nvPicPr>
+          <p:cNvPr id="6" name="Picture 5">
+            <a:extLst>
+              <a:ext uri="{FF2B5EF4-FFF2-40B4-BE49-F238E27FC236}">
+                <a16:creationId xmlns:a16="http://schemas.microsoft.com/office/drawing/2014/main" id="{CE1484BB-74DC-9E65-B32D-BE5FE2E385CD}"/>
+              </a:ext>
+            </a:extLst>
+          </p:cNvPr>
+          <p:cNvPicPr>
+            <a:picLocks noChangeAspect="1"/>
+          </p:cNvPicPr>
+          <p:nvPr/>
+        </p:nvPicPr>
+        <p:blipFill rotWithShape="1">
+          <a:blip r:embed="rId2"/>
+          <a:srcRect l="15172"/>
+          <a:stretch/>
+        </p:blipFill>
+        <p:spPr>
+          <a:xfrm>
+            <a:off x="9949987" y="0"/>
+            <a:ext cx="2242014" cy="653143"/>
+          </a:xfrm>
+          <a:prstGeom prst="rect">
+            <a:avLst/>
+          </a:prstGeom>
+        </p:spPr>
+      </p:pic>
+      <p:sp>
+        <p:nvSpPr>
+          <p:cNvPr id="7" name="TextBox 6">
+            <a:extLst>
+              <a:ext uri="{FF2B5EF4-FFF2-40B4-BE49-F238E27FC236}">
+                <a16:creationId xmlns:a16="http://schemas.microsoft.com/office/drawing/2014/main" id="{9EECCCD9-8AD5-9916-BC29-771066C9EE70}"/>
+              </a:ext>
+            </a:extLst>
+          </p:cNvPr>
+          <p:cNvSpPr txBox="1"/>
+          <p:nvPr/>
+        </p:nvSpPr>
+        <p:spPr>
+          <a:xfrm>
+            <a:off x="1" y="470259"/>
+            <a:ext cx="12192000" cy="1631216"/>
+          </a:xfrm>
+          <a:prstGeom prst="rect">
+            <a:avLst/>
+          </a:prstGeom>
+          <a:noFill/>
+        </p:spPr>
+        <p:txBody>
+          <a:bodyPr wrap="square" rtlCol="0">
+            <a:spAutoFit/>
+          </a:bodyPr>
+          <a:lstStyle/>
+          <a:p>
+            <a:pPr algn="ctr"/>
+            <a:r>
+              <a:rPr lang="en-US" sz="5000" b="1" dirty="0">
+                <a:solidFill>
+                  <a:srgbClr val="002060"/>
+                </a:solidFill>
+              </a:rPr>
+              <a:t>Multiple Linear Regression – Int Rate</a:t>
+            </a:r>
+          </a:p>
+          <a:p>
+            <a:pPr algn="ctr"/>
+            <a:endParaRPr lang="en-US" sz="5000" dirty="0">
+              <a:solidFill>
+                <a:srgbClr val="002060"/>
+              </a:solidFill>
+            </a:endParaRPr>
+          </a:p>
+        </p:txBody>
+      </p:sp>
+      <p:cxnSp>
+        <p:nvCxnSpPr>
+          <p:cNvPr id="9" name="Straight Connector 8">
+            <a:extLst>
+              <a:ext uri="{FF2B5EF4-FFF2-40B4-BE49-F238E27FC236}">
+                <a16:creationId xmlns:a16="http://schemas.microsoft.com/office/drawing/2014/main" id="{450EE6D2-7381-B11A-A20A-0D5D0904DD35}"/>
+              </a:ext>
+            </a:extLst>
+          </p:cNvPr>
+          <p:cNvCxnSpPr>
+            <a:cxnSpLocks/>
+          </p:cNvCxnSpPr>
+          <p:nvPr/>
+        </p:nvCxnSpPr>
+        <p:spPr>
+          <a:xfrm>
+            <a:off x="757647" y="1332033"/>
+            <a:ext cx="10659291" cy="0"/>
+          </a:xfrm>
+          <a:prstGeom prst="line">
+            <a:avLst/>
+          </a:prstGeom>
+          <a:ln w="57150">
+            <a:solidFill>
+              <a:srgbClr val="002060"/>
+            </a:solidFill>
+          </a:ln>
+        </p:spPr>
+        <p:style>
+          <a:lnRef idx="1">
+            <a:schemeClr val="accent1"/>
+          </a:lnRef>
+          <a:fillRef idx="0">
+            <a:schemeClr val="accent1"/>
+          </a:fillRef>
+          <a:effectRef idx="0">
+            <a:schemeClr val="accent1"/>
+          </a:effectRef>
+          <a:fontRef idx="minor">
+            <a:schemeClr val="tx1"/>
+          </a:fontRef>
+        </p:style>
+      </p:cxnSp>
+      <p:pic>
+        <p:nvPicPr>
+          <p:cNvPr id="3" name="Picture 2" descr="Chart&#10;&#10;Description automatically generated">
+            <a:extLst>
+              <a:ext uri="{FF2B5EF4-FFF2-40B4-BE49-F238E27FC236}">
+                <a16:creationId xmlns:a16="http://schemas.microsoft.com/office/drawing/2014/main" id="{F6CDB253-CAA7-EBD8-94BF-8A7215DCCAA1}"/>
+              </a:ext>
+            </a:extLst>
+          </p:cNvPr>
+          <p:cNvPicPr>
+            <a:picLocks noChangeAspect="1"/>
+          </p:cNvPicPr>
+          <p:nvPr/>
+        </p:nvPicPr>
+        <p:blipFill>
+          <a:blip r:embed="rId3">
+            <a:extLst>
+              <a:ext uri="{28A0092B-C50C-407E-A947-70E740481C1C}">
+                <a14:useLocalDpi xmlns:a14="http://schemas.microsoft.com/office/drawing/2010/main" val="0"/>
+              </a:ext>
+            </a:extLst>
+          </a:blip>
+          <a:stretch>
+            <a:fillRect/>
+          </a:stretch>
+        </p:blipFill>
+        <p:spPr>
+          <a:xfrm>
+            <a:off x="2886868" y="1815708"/>
+            <a:ext cx="6400847" cy="4572033"/>
+          </a:xfrm>
+          <a:prstGeom prst="rect">
+            <a:avLst/>
+          </a:prstGeom>
+        </p:spPr>
+      </p:pic>
+    </p:spTree>
+    <p:extLst>
+      <p:ext uri="{BB962C8B-B14F-4D97-AF65-F5344CB8AC3E}">
+        <p14:creationId xmlns:p14="http://schemas.microsoft.com/office/powerpoint/2010/main" val="1460743001"/>
+      </p:ext>
+    </p:extLst>
+  </p:cSld>
+  <p:clrMapOvr>
+    <a:masterClrMapping/>
+  </p:clrMapOvr>
+</p:sld>
+</file>
+
+<file path=ppt/slides/slide13.xml><?xml version="1.0" encoding="utf-8"?>
+<p:sld xmlns:a="http://schemas.openxmlformats.org/drawingml/2006/main" xmlns:r="http://schemas.openxmlformats.org/officeDocument/2006/relationships" xmlns:p="http://schemas.openxmlformats.org/presentationml/2006/main">
+  <p:cSld>
+    <p:spTree>
+      <p:nvGrpSpPr>
+        <p:cNvPr id="1" name=""/>
+        <p:cNvGrpSpPr/>
+        <p:nvPr/>
+      </p:nvGrpSpPr>
+      <p:grpSpPr>
+        <a:xfrm>
+          <a:off x="0" y="0"/>
+          <a:ext cx="0" cy="0"/>
+          <a:chOff x="0" y="0"/>
+          <a:chExt cx="0" cy="0"/>
+        </a:xfrm>
+      </p:grpSpPr>
+      <p:pic>
+        <p:nvPicPr>
+          <p:cNvPr id="5" name="Picture 4">
+            <a:extLst>
+              <a:ext uri="{FF2B5EF4-FFF2-40B4-BE49-F238E27FC236}">
+                <a16:creationId xmlns:a16="http://schemas.microsoft.com/office/drawing/2014/main" id="{558453F9-F3C1-EDA3-6D83-43170A158A07}"/>
+              </a:ext>
+            </a:extLst>
+          </p:cNvPr>
+          <p:cNvPicPr>
+            <a:picLocks noChangeAspect="1"/>
+          </p:cNvPicPr>
+          <p:nvPr/>
+        </p:nvPicPr>
+        <p:blipFill rotWithShape="1">
+          <a:blip r:embed="rId2"/>
+          <a:srcRect t="10770" r="84371" b="20000"/>
+          <a:stretch/>
+        </p:blipFill>
+        <p:spPr>
+          <a:xfrm>
+            <a:off x="0" y="0"/>
+            <a:ext cx="1073997" cy="1175657"/>
+          </a:xfrm>
+          <a:prstGeom prst="rect">
+            <a:avLst/>
+          </a:prstGeom>
+        </p:spPr>
+      </p:pic>
+      <p:pic>
+        <p:nvPicPr>
+          <p:cNvPr id="6" name="Picture 5">
+            <a:extLst>
+              <a:ext uri="{FF2B5EF4-FFF2-40B4-BE49-F238E27FC236}">
+                <a16:creationId xmlns:a16="http://schemas.microsoft.com/office/drawing/2014/main" id="{CE1484BB-74DC-9E65-B32D-BE5FE2E385CD}"/>
+              </a:ext>
+            </a:extLst>
+          </p:cNvPr>
+          <p:cNvPicPr>
+            <a:picLocks noChangeAspect="1"/>
+          </p:cNvPicPr>
+          <p:nvPr/>
+        </p:nvPicPr>
+        <p:blipFill rotWithShape="1">
+          <a:blip r:embed="rId2"/>
+          <a:srcRect l="15172"/>
+          <a:stretch/>
+        </p:blipFill>
+        <p:spPr>
+          <a:xfrm>
+            <a:off x="9949987" y="0"/>
+            <a:ext cx="2242014" cy="653143"/>
+          </a:xfrm>
+          <a:prstGeom prst="rect">
+            <a:avLst/>
+          </a:prstGeom>
+        </p:spPr>
+      </p:pic>
+      <p:sp>
+        <p:nvSpPr>
+          <p:cNvPr id="7" name="TextBox 6">
+            <a:extLst>
+              <a:ext uri="{FF2B5EF4-FFF2-40B4-BE49-F238E27FC236}">
+                <a16:creationId xmlns:a16="http://schemas.microsoft.com/office/drawing/2014/main" id="{9EECCCD9-8AD5-9916-BC29-771066C9EE70}"/>
+              </a:ext>
+            </a:extLst>
+          </p:cNvPr>
+          <p:cNvSpPr txBox="1"/>
+          <p:nvPr/>
+        </p:nvSpPr>
+        <p:spPr>
+          <a:xfrm>
+            <a:off x="1" y="470259"/>
+            <a:ext cx="12192000" cy="1631216"/>
+          </a:xfrm>
+          <a:prstGeom prst="rect">
+            <a:avLst/>
+          </a:prstGeom>
+          <a:noFill/>
+        </p:spPr>
+        <p:txBody>
+          <a:bodyPr wrap="square" rtlCol="0">
+            <a:spAutoFit/>
+          </a:bodyPr>
+          <a:lstStyle/>
+          <a:p>
+            <a:pPr algn="ctr"/>
+            <a:r>
+              <a:rPr lang="en-US" sz="5000" b="1" dirty="0">
+                <a:solidFill>
+                  <a:srgbClr val="002060"/>
+                </a:solidFill>
+              </a:rPr>
+              <a:t>Multiple Linear Regression – Int Rate</a:t>
+            </a:r>
+          </a:p>
+          <a:p>
+            <a:pPr algn="ctr"/>
+            <a:endParaRPr lang="en-US" sz="5000" dirty="0">
+              <a:solidFill>
+                <a:srgbClr val="002060"/>
+              </a:solidFill>
+            </a:endParaRPr>
+          </a:p>
+        </p:txBody>
+      </p:sp>
+      <p:cxnSp>
+        <p:nvCxnSpPr>
+          <p:cNvPr id="9" name="Straight Connector 8">
+            <a:extLst>
+              <a:ext uri="{FF2B5EF4-FFF2-40B4-BE49-F238E27FC236}">
+                <a16:creationId xmlns:a16="http://schemas.microsoft.com/office/drawing/2014/main" id="{450EE6D2-7381-B11A-A20A-0D5D0904DD35}"/>
+              </a:ext>
+            </a:extLst>
+          </p:cNvPr>
+          <p:cNvCxnSpPr>
+            <a:cxnSpLocks/>
+          </p:cNvCxnSpPr>
+          <p:nvPr/>
+        </p:nvCxnSpPr>
+        <p:spPr>
+          <a:xfrm>
+            <a:off x="757647" y="1332033"/>
+            <a:ext cx="10659291" cy="0"/>
+          </a:xfrm>
+          <a:prstGeom prst="line">
+            <a:avLst/>
+          </a:prstGeom>
+          <a:ln w="57150">
+            <a:solidFill>
+              <a:srgbClr val="002060"/>
+            </a:solidFill>
+          </a:ln>
+        </p:spPr>
+        <p:style>
+          <a:lnRef idx="1">
+            <a:schemeClr val="accent1"/>
+          </a:lnRef>
+          <a:fillRef idx="0">
+            <a:schemeClr val="accent1"/>
+          </a:fillRef>
+          <a:effectRef idx="0">
+            <a:schemeClr val="accent1"/>
+          </a:effectRef>
+          <a:fontRef idx="minor">
+            <a:schemeClr val="tx1"/>
+          </a:fontRef>
+        </p:style>
+      </p:cxnSp>
+      <p:pic>
+        <p:nvPicPr>
+          <p:cNvPr id="12" name="Picture 11" descr="Graphical user interface, diagram&#10;&#10;Description automatically generated">
+            <a:extLst>
+              <a:ext uri="{FF2B5EF4-FFF2-40B4-BE49-F238E27FC236}">
+                <a16:creationId xmlns:a16="http://schemas.microsoft.com/office/drawing/2014/main" id="{EC2630D3-9E74-B04F-8EE7-BC81D983E0E9}"/>
+              </a:ext>
+            </a:extLst>
+          </p:cNvPr>
+          <p:cNvPicPr>
+            <a:picLocks noChangeAspect="1"/>
+          </p:cNvPicPr>
+          <p:nvPr/>
+        </p:nvPicPr>
+        <p:blipFill>
+          <a:blip r:embed="rId3">
+            <a:extLst>
+              <a:ext uri="{28A0092B-C50C-407E-A947-70E740481C1C}">
+                <a14:useLocalDpi xmlns:a14="http://schemas.microsoft.com/office/drawing/2010/main" val="0"/>
+              </a:ext>
+            </a:extLst>
+          </a:blip>
+          <a:stretch>
+            <a:fillRect/>
+          </a:stretch>
+        </p:blipFill>
+        <p:spPr>
+          <a:xfrm>
+            <a:off x="138430" y="1645916"/>
+            <a:ext cx="5760720" cy="4114800"/>
+          </a:xfrm>
+          <a:prstGeom prst="rect">
+            <a:avLst/>
+          </a:prstGeom>
+        </p:spPr>
+      </p:pic>
+      <p:pic>
+        <p:nvPicPr>
+          <p:cNvPr id="14" name="Picture 13" descr="Graphical user interface, diagram&#10;&#10;Description automatically generated">
+            <a:extLst>
+              <a:ext uri="{FF2B5EF4-FFF2-40B4-BE49-F238E27FC236}">
+                <a16:creationId xmlns:a16="http://schemas.microsoft.com/office/drawing/2014/main" id="{A04D6607-55BB-A618-6534-E8044023DD55}"/>
+              </a:ext>
+            </a:extLst>
+          </p:cNvPr>
+          <p:cNvPicPr>
+            <a:picLocks noChangeAspect="1"/>
+          </p:cNvPicPr>
+          <p:nvPr/>
+        </p:nvPicPr>
+        <p:blipFill>
+          <a:blip r:embed="rId4">
+            <a:extLst>
+              <a:ext uri="{28A0092B-C50C-407E-A947-70E740481C1C}">
+                <a14:useLocalDpi xmlns:a14="http://schemas.microsoft.com/office/drawing/2010/main" val="0"/>
+              </a:ext>
+            </a:extLst>
+          </a:blip>
+          <a:stretch>
+            <a:fillRect/>
+          </a:stretch>
+        </p:blipFill>
+        <p:spPr>
+          <a:xfrm>
+            <a:off x="6292850" y="1645916"/>
+            <a:ext cx="5760720" cy="4114800"/>
+          </a:xfrm>
+          <a:prstGeom prst="rect">
+            <a:avLst/>
+          </a:prstGeom>
+        </p:spPr>
+      </p:pic>
+    </p:spTree>
+    <p:extLst>
+      <p:ext uri="{BB962C8B-B14F-4D97-AF65-F5344CB8AC3E}">
+        <p14:creationId xmlns:p14="http://schemas.microsoft.com/office/powerpoint/2010/main" val="792173886"/>
+      </p:ext>
+    </p:extLst>
+  </p:cSld>
+  <p:clrMapOvr>
+    <a:masterClrMapping/>
+  </p:clrMapOvr>
+</p:sld>
+</file>
+
+<file path=ppt/slides/slide14.xml><?xml version="1.0" encoding="utf-8"?>
+<p:sld xmlns:a="http://schemas.openxmlformats.org/drawingml/2006/main" xmlns:r="http://schemas.openxmlformats.org/officeDocument/2006/relationships" xmlns:p="http://schemas.openxmlformats.org/presentationml/2006/main">
+  <p:cSld>
+    <p:spTree>
+      <p:nvGrpSpPr>
+        <p:cNvPr id="1" name=""/>
+        <p:cNvGrpSpPr/>
+        <p:nvPr/>
+      </p:nvGrpSpPr>
+      <p:grpSpPr>
+        <a:xfrm>
+          <a:off x="0" y="0"/>
+          <a:ext cx="0" cy="0"/>
+          <a:chOff x="0" y="0"/>
+          <a:chExt cx="0" cy="0"/>
+        </a:xfrm>
+      </p:grpSpPr>
+      <p:pic>
+        <p:nvPicPr>
+          <p:cNvPr id="5" name="Picture 4">
+            <a:extLst>
+              <a:ext uri="{FF2B5EF4-FFF2-40B4-BE49-F238E27FC236}">
+                <a16:creationId xmlns:a16="http://schemas.microsoft.com/office/drawing/2014/main" id="{558453F9-F3C1-EDA3-6D83-43170A158A07}"/>
+              </a:ext>
+            </a:extLst>
+          </p:cNvPr>
+          <p:cNvPicPr>
+            <a:picLocks noChangeAspect="1"/>
+          </p:cNvPicPr>
+          <p:nvPr/>
+        </p:nvPicPr>
+        <p:blipFill rotWithShape="1">
+          <a:blip r:embed="rId2"/>
+          <a:srcRect t="10770" r="84371" b="20000"/>
+          <a:stretch/>
+        </p:blipFill>
+        <p:spPr>
+          <a:xfrm>
+            <a:off x="0" y="0"/>
+            <a:ext cx="1073997" cy="1175657"/>
+          </a:xfrm>
+          <a:prstGeom prst="rect">
+            <a:avLst/>
+          </a:prstGeom>
+        </p:spPr>
+      </p:pic>
+      <p:pic>
+        <p:nvPicPr>
+          <p:cNvPr id="6" name="Picture 5">
+            <a:extLst>
+              <a:ext uri="{FF2B5EF4-FFF2-40B4-BE49-F238E27FC236}">
+                <a16:creationId xmlns:a16="http://schemas.microsoft.com/office/drawing/2014/main" id="{CE1484BB-74DC-9E65-B32D-BE5FE2E385CD}"/>
+              </a:ext>
+            </a:extLst>
+          </p:cNvPr>
+          <p:cNvPicPr>
+            <a:picLocks noChangeAspect="1"/>
+          </p:cNvPicPr>
+          <p:nvPr/>
+        </p:nvPicPr>
+        <p:blipFill rotWithShape="1">
+          <a:blip r:embed="rId2"/>
+          <a:srcRect l="15172"/>
+          <a:stretch/>
+        </p:blipFill>
+        <p:spPr>
+          <a:xfrm>
+            <a:off x="9949987" y="0"/>
+            <a:ext cx="2242014" cy="653143"/>
+          </a:xfrm>
+          <a:prstGeom prst="rect">
+            <a:avLst/>
+          </a:prstGeom>
+        </p:spPr>
+      </p:pic>
+      <p:sp>
+        <p:nvSpPr>
+          <p:cNvPr id="7" name="TextBox 6">
+            <a:extLst>
+              <a:ext uri="{FF2B5EF4-FFF2-40B4-BE49-F238E27FC236}">
+                <a16:creationId xmlns:a16="http://schemas.microsoft.com/office/drawing/2014/main" id="{9EECCCD9-8AD5-9916-BC29-771066C9EE70}"/>
+              </a:ext>
+            </a:extLst>
+          </p:cNvPr>
+          <p:cNvSpPr txBox="1"/>
+          <p:nvPr/>
+        </p:nvSpPr>
+        <p:spPr>
+          <a:xfrm>
+            <a:off x="1" y="470259"/>
+            <a:ext cx="12192000" cy="1631216"/>
+          </a:xfrm>
+          <a:prstGeom prst="rect">
+            <a:avLst/>
+          </a:prstGeom>
+          <a:noFill/>
+        </p:spPr>
+        <p:txBody>
+          <a:bodyPr wrap="square" rtlCol="0">
+            <a:spAutoFit/>
+          </a:bodyPr>
+          <a:lstStyle/>
+          <a:p>
+            <a:pPr algn="ctr"/>
+            <a:r>
+              <a:rPr lang="en-US" sz="5000" b="1" dirty="0">
+                <a:solidFill>
+                  <a:srgbClr val="002060"/>
+                </a:solidFill>
+              </a:rPr>
+              <a:t>Logistic Regression – Credit Policy</a:t>
+            </a:r>
+          </a:p>
+          <a:p>
+            <a:pPr algn="ctr"/>
+            <a:endParaRPr lang="en-US" sz="5000" dirty="0">
+              <a:solidFill>
+                <a:srgbClr val="002060"/>
+              </a:solidFill>
+            </a:endParaRPr>
+          </a:p>
+        </p:txBody>
+      </p:sp>
+      <p:cxnSp>
+        <p:nvCxnSpPr>
+          <p:cNvPr id="9" name="Straight Connector 8">
+            <a:extLst>
+              <a:ext uri="{FF2B5EF4-FFF2-40B4-BE49-F238E27FC236}">
+                <a16:creationId xmlns:a16="http://schemas.microsoft.com/office/drawing/2014/main" id="{450EE6D2-7381-B11A-A20A-0D5D0904DD35}"/>
+              </a:ext>
+            </a:extLst>
+          </p:cNvPr>
+          <p:cNvCxnSpPr>
+            <a:cxnSpLocks/>
+          </p:cNvCxnSpPr>
+          <p:nvPr/>
+        </p:nvCxnSpPr>
+        <p:spPr>
+          <a:xfrm>
+            <a:off x="757647" y="1332033"/>
+            <a:ext cx="10659291" cy="0"/>
+          </a:xfrm>
+          <a:prstGeom prst="line">
+            <a:avLst/>
+          </a:prstGeom>
+          <a:ln w="57150">
+            <a:solidFill>
+              <a:srgbClr val="002060"/>
+            </a:solidFill>
+          </a:ln>
+        </p:spPr>
+        <p:style>
+          <a:lnRef idx="1">
+            <a:schemeClr val="accent1"/>
+          </a:lnRef>
+          <a:fillRef idx="0">
+            <a:schemeClr val="accent1"/>
+          </a:fillRef>
+          <a:effectRef idx="0">
+            <a:schemeClr val="accent1"/>
+          </a:effectRef>
+          <a:fontRef idx="minor">
+            <a:schemeClr val="tx1"/>
+          </a:fontRef>
+        </p:style>
+      </p:cxnSp>
+      <p:pic>
+        <p:nvPicPr>
+          <p:cNvPr id="3" name="Picture 2" descr="Chart&#10;&#10;Description automatically generated">
+            <a:extLst>
+              <a:ext uri="{FF2B5EF4-FFF2-40B4-BE49-F238E27FC236}">
+                <a16:creationId xmlns:a16="http://schemas.microsoft.com/office/drawing/2014/main" id="{8B33217A-198E-C50A-6DDE-8BD6434B97BC}"/>
+              </a:ext>
+            </a:extLst>
+          </p:cNvPr>
+          <p:cNvPicPr>
+            <a:picLocks noChangeAspect="1"/>
+          </p:cNvPicPr>
+          <p:nvPr/>
+        </p:nvPicPr>
+        <p:blipFill>
+          <a:blip r:embed="rId3">
+            <a:extLst>
+              <a:ext uri="{28A0092B-C50C-407E-A947-70E740481C1C}">
+                <a14:useLocalDpi xmlns:a14="http://schemas.microsoft.com/office/drawing/2010/main" val="0"/>
+              </a:ext>
+            </a:extLst>
+          </a:blip>
+          <a:stretch>
+            <a:fillRect/>
+          </a:stretch>
+        </p:blipFill>
+        <p:spPr>
+          <a:xfrm>
+            <a:off x="2886868" y="1687866"/>
+            <a:ext cx="6400847" cy="4572033"/>
+          </a:xfrm>
+          <a:prstGeom prst="rect">
+            <a:avLst/>
+          </a:prstGeom>
+        </p:spPr>
+      </p:pic>
+    </p:spTree>
+    <p:extLst>
+      <p:ext uri="{BB962C8B-B14F-4D97-AF65-F5344CB8AC3E}">
+        <p14:creationId xmlns:p14="http://schemas.microsoft.com/office/powerpoint/2010/main" val="4029267829"/>
+      </p:ext>
+    </p:extLst>
+  </p:cSld>
+  <p:clrMapOvr>
+    <a:masterClrMapping/>
+  </p:clrMapOvr>
+</p:sld>
+</file>
+
+<file path=ppt/slides/slide15.xml><?xml version="1.0" encoding="utf-8"?>
+<p:sld xmlns:a="http://schemas.openxmlformats.org/drawingml/2006/main" xmlns:r="http://schemas.openxmlformats.org/officeDocument/2006/relationships" xmlns:p="http://schemas.openxmlformats.org/presentationml/2006/main">
+  <p:cSld>
+    <p:spTree>
+      <p:nvGrpSpPr>
+        <p:cNvPr id="1" name=""/>
+        <p:cNvGrpSpPr/>
+        <p:nvPr/>
+      </p:nvGrpSpPr>
+      <p:grpSpPr>
+        <a:xfrm>
+          <a:off x="0" y="0"/>
+          <a:ext cx="0" cy="0"/>
+          <a:chOff x="0" y="0"/>
+          <a:chExt cx="0" cy="0"/>
+        </a:xfrm>
+      </p:grpSpPr>
+      <p:pic>
+        <p:nvPicPr>
+          <p:cNvPr id="5" name="Picture 4">
+            <a:extLst>
+              <a:ext uri="{FF2B5EF4-FFF2-40B4-BE49-F238E27FC236}">
+                <a16:creationId xmlns:a16="http://schemas.microsoft.com/office/drawing/2014/main" id="{558453F9-F3C1-EDA3-6D83-43170A158A07}"/>
+              </a:ext>
+            </a:extLst>
+          </p:cNvPr>
+          <p:cNvPicPr>
+            <a:picLocks noChangeAspect="1"/>
+          </p:cNvPicPr>
+          <p:nvPr/>
+        </p:nvPicPr>
+        <p:blipFill rotWithShape="1">
+          <a:blip r:embed="rId2"/>
+          <a:srcRect t="10770" r="84371" b="20000"/>
+          <a:stretch/>
+        </p:blipFill>
+        <p:spPr>
+          <a:xfrm>
+            <a:off x="0" y="0"/>
+            <a:ext cx="1073997" cy="1175657"/>
+          </a:xfrm>
+          <a:prstGeom prst="rect">
+            <a:avLst/>
+          </a:prstGeom>
+        </p:spPr>
+      </p:pic>
+      <p:pic>
+        <p:nvPicPr>
+          <p:cNvPr id="6" name="Picture 5">
+            <a:extLst>
+              <a:ext uri="{FF2B5EF4-FFF2-40B4-BE49-F238E27FC236}">
+                <a16:creationId xmlns:a16="http://schemas.microsoft.com/office/drawing/2014/main" id="{CE1484BB-74DC-9E65-B32D-BE5FE2E385CD}"/>
+              </a:ext>
+            </a:extLst>
+          </p:cNvPr>
+          <p:cNvPicPr>
+            <a:picLocks noChangeAspect="1"/>
+          </p:cNvPicPr>
+          <p:nvPr/>
+        </p:nvPicPr>
+        <p:blipFill rotWithShape="1">
+          <a:blip r:embed="rId2"/>
+          <a:srcRect l="15172"/>
+          <a:stretch/>
+        </p:blipFill>
+        <p:spPr>
+          <a:xfrm>
+            <a:off x="9949987" y="0"/>
+            <a:ext cx="2242014" cy="653143"/>
+          </a:xfrm>
+          <a:prstGeom prst="rect">
+            <a:avLst/>
+          </a:prstGeom>
+        </p:spPr>
+      </p:pic>
+      <p:sp>
+        <p:nvSpPr>
+          <p:cNvPr id="7" name="TextBox 6">
+            <a:extLst>
+              <a:ext uri="{FF2B5EF4-FFF2-40B4-BE49-F238E27FC236}">
+                <a16:creationId xmlns:a16="http://schemas.microsoft.com/office/drawing/2014/main" id="{9EECCCD9-8AD5-9916-BC29-771066C9EE70}"/>
+              </a:ext>
+            </a:extLst>
+          </p:cNvPr>
+          <p:cNvSpPr txBox="1"/>
+          <p:nvPr/>
+        </p:nvSpPr>
+        <p:spPr>
+          <a:xfrm>
+            <a:off x="1" y="470259"/>
+            <a:ext cx="12192000" cy="1631216"/>
+          </a:xfrm>
+          <a:prstGeom prst="rect">
+            <a:avLst/>
+          </a:prstGeom>
+          <a:noFill/>
+        </p:spPr>
+        <p:txBody>
+          <a:bodyPr wrap="square" rtlCol="0">
+            <a:spAutoFit/>
+          </a:bodyPr>
+          <a:lstStyle/>
+          <a:p>
+            <a:pPr algn="ctr"/>
+            <a:r>
+              <a:rPr lang="en-US" sz="5000" b="1" dirty="0">
+                <a:solidFill>
+                  <a:srgbClr val="002060"/>
+                </a:solidFill>
+              </a:rPr>
+              <a:t>Logistic Regression – Credit Policy</a:t>
+            </a:r>
+          </a:p>
+          <a:p>
+            <a:pPr algn="ctr"/>
+            <a:endParaRPr lang="en-US" sz="5000" dirty="0">
+              <a:solidFill>
+                <a:srgbClr val="002060"/>
+              </a:solidFill>
+            </a:endParaRPr>
+          </a:p>
+        </p:txBody>
+      </p:sp>
+      <p:cxnSp>
+        <p:nvCxnSpPr>
+          <p:cNvPr id="9" name="Straight Connector 8">
+            <a:extLst>
+              <a:ext uri="{FF2B5EF4-FFF2-40B4-BE49-F238E27FC236}">
+                <a16:creationId xmlns:a16="http://schemas.microsoft.com/office/drawing/2014/main" id="{450EE6D2-7381-B11A-A20A-0D5D0904DD35}"/>
+              </a:ext>
+            </a:extLst>
+          </p:cNvPr>
+          <p:cNvCxnSpPr>
+            <a:cxnSpLocks/>
+          </p:cNvCxnSpPr>
+          <p:nvPr/>
+        </p:nvCxnSpPr>
+        <p:spPr>
+          <a:xfrm>
+            <a:off x="757647" y="1332033"/>
+            <a:ext cx="10659291" cy="0"/>
+          </a:xfrm>
+          <a:prstGeom prst="line">
+            <a:avLst/>
+          </a:prstGeom>
+          <a:ln w="57150">
+            <a:solidFill>
+              <a:srgbClr val="002060"/>
+            </a:solidFill>
+          </a:ln>
+        </p:spPr>
+        <p:style>
+          <a:lnRef idx="1">
+            <a:schemeClr val="accent1"/>
+          </a:lnRef>
+          <a:fillRef idx="0">
+            <a:schemeClr val="accent1"/>
+          </a:fillRef>
+          <a:effectRef idx="0">
+            <a:schemeClr val="accent1"/>
+          </a:effectRef>
+          <a:fontRef idx="minor">
+            <a:schemeClr val="tx1"/>
+          </a:fontRef>
+        </p:style>
+      </p:cxnSp>
+      <p:pic>
+        <p:nvPicPr>
+          <p:cNvPr id="4" name="Picture 3">
+            <a:extLst>
+              <a:ext uri="{FF2B5EF4-FFF2-40B4-BE49-F238E27FC236}">
+                <a16:creationId xmlns:a16="http://schemas.microsoft.com/office/drawing/2014/main" id="{A19AD511-4FD6-9E60-078C-B38E84FA4D7F}"/>
+              </a:ext>
+            </a:extLst>
+          </p:cNvPr>
+          <p:cNvPicPr>
+            <a:picLocks noChangeAspect="1"/>
+          </p:cNvPicPr>
+          <p:nvPr/>
+        </p:nvPicPr>
+        <p:blipFill>
+          <a:blip r:embed="rId3"/>
+          <a:stretch>
+            <a:fillRect/>
+          </a:stretch>
+        </p:blipFill>
+        <p:spPr>
+          <a:xfrm>
+            <a:off x="3880351" y="0"/>
+            <a:ext cx="4046424" cy="6858000"/>
+          </a:xfrm>
+          <a:prstGeom prst="rect">
+            <a:avLst/>
+          </a:prstGeom>
+        </p:spPr>
+      </p:pic>
+    </p:spTree>
+    <p:extLst>
+      <p:ext uri="{BB962C8B-B14F-4D97-AF65-F5344CB8AC3E}">
+        <p14:creationId xmlns:p14="http://schemas.microsoft.com/office/powerpoint/2010/main" val="697410562"/>
+      </p:ext>
+    </p:extLst>
+  </p:cSld>
+  <p:clrMapOvr>
+    <a:masterClrMapping/>
+  </p:clrMapOvr>
+</p:sld>
+</file>
+
+<file path=ppt/slides/slide16.xml><?xml version="1.0" encoding="utf-8"?>
+<p:sld xmlns:a="http://schemas.openxmlformats.org/drawingml/2006/main" xmlns:r="http://schemas.openxmlformats.org/officeDocument/2006/relationships" xmlns:p="http://schemas.openxmlformats.org/presentationml/2006/main">
+  <p:cSld>
+    <p:spTree>
+      <p:nvGrpSpPr>
+        <p:cNvPr id="1" name=""/>
+        <p:cNvGrpSpPr/>
+        <p:nvPr/>
+      </p:nvGrpSpPr>
+      <p:grpSpPr>
+        <a:xfrm>
+          <a:off x="0" y="0"/>
+          <a:ext cx="0" cy="0"/>
+          <a:chOff x="0" y="0"/>
+          <a:chExt cx="0" cy="0"/>
+        </a:xfrm>
+      </p:grpSpPr>
+      <p:pic>
+        <p:nvPicPr>
+          <p:cNvPr id="5" name="Picture 4">
+            <a:extLst>
+              <a:ext uri="{FF2B5EF4-FFF2-40B4-BE49-F238E27FC236}">
+                <a16:creationId xmlns:a16="http://schemas.microsoft.com/office/drawing/2014/main" id="{558453F9-F3C1-EDA3-6D83-43170A158A07}"/>
+              </a:ext>
+            </a:extLst>
+          </p:cNvPr>
+          <p:cNvPicPr>
+            <a:picLocks noChangeAspect="1"/>
+          </p:cNvPicPr>
+          <p:nvPr/>
+        </p:nvPicPr>
+        <p:blipFill rotWithShape="1">
+          <a:blip r:embed="rId2"/>
+          <a:srcRect t="10770" r="84371" b="20000"/>
+          <a:stretch/>
+        </p:blipFill>
+        <p:spPr>
+          <a:xfrm>
+            <a:off x="0" y="0"/>
+            <a:ext cx="1073997" cy="1175657"/>
+          </a:xfrm>
+          <a:prstGeom prst="rect">
+            <a:avLst/>
+          </a:prstGeom>
+        </p:spPr>
+      </p:pic>
+      <p:pic>
+        <p:nvPicPr>
+          <p:cNvPr id="6" name="Picture 5">
+            <a:extLst>
+              <a:ext uri="{FF2B5EF4-FFF2-40B4-BE49-F238E27FC236}">
+                <a16:creationId xmlns:a16="http://schemas.microsoft.com/office/drawing/2014/main" id="{CE1484BB-74DC-9E65-B32D-BE5FE2E385CD}"/>
+              </a:ext>
+            </a:extLst>
+          </p:cNvPr>
+          <p:cNvPicPr>
+            <a:picLocks noChangeAspect="1"/>
+          </p:cNvPicPr>
+          <p:nvPr/>
+        </p:nvPicPr>
+        <p:blipFill rotWithShape="1">
+          <a:blip r:embed="rId2"/>
+          <a:srcRect l="15172"/>
+          <a:stretch/>
+        </p:blipFill>
+        <p:spPr>
+          <a:xfrm>
+            <a:off x="9949987" y="0"/>
+            <a:ext cx="2242014" cy="653143"/>
+          </a:xfrm>
+          <a:prstGeom prst="rect">
+            <a:avLst/>
+          </a:prstGeom>
+        </p:spPr>
+      </p:pic>
+      <p:sp>
+        <p:nvSpPr>
+          <p:cNvPr id="7" name="TextBox 6">
+            <a:extLst>
+              <a:ext uri="{FF2B5EF4-FFF2-40B4-BE49-F238E27FC236}">
+                <a16:creationId xmlns:a16="http://schemas.microsoft.com/office/drawing/2014/main" id="{9EECCCD9-8AD5-9916-BC29-771066C9EE70}"/>
+              </a:ext>
+            </a:extLst>
+          </p:cNvPr>
+          <p:cNvSpPr txBox="1"/>
+          <p:nvPr/>
+        </p:nvSpPr>
+        <p:spPr>
+          <a:xfrm>
+            <a:off x="1" y="470259"/>
+            <a:ext cx="12192000" cy="1631216"/>
+          </a:xfrm>
+          <a:prstGeom prst="rect">
+            <a:avLst/>
+          </a:prstGeom>
+          <a:noFill/>
+        </p:spPr>
+        <p:txBody>
+          <a:bodyPr wrap="square" rtlCol="0">
+            <a:spAutoFit/>
+          </a:bodyPr>
+          <a:lstStyle/>
+          <a:p>
+            <a:pPr algn="ctr"/>
+            <a:r>
+              <a:rPr lang="en-US" sz="5000" b="1" dirty="0">
+                <a:solidFill>
+                  <a:srgbClr val="002060"/>
+                </a:solidFill>
+              </a:rPr>
+              <a:t>Logistic Regression – Credit Policy</a:t>
+            </a:r>
+          </a:p>
+          <a:p>
+            <a:pPr algn="ctr"/>
+            <a:endParaRPr lang="en-US" sz="5000" dirty="0">
+              <a:solidFill>
+                <a:srgbClr val="002060"/>
+              </a:solidFill>
+            </a:endParaRPr>
+          </a:p>
+        </p:txBody>
+      </p:sp>
+      <p:cxnSp>
+        <p:nvCxnSpPr>
+          <p:cNvPr id="9" name="Straight Connector 8">
+            <a:extLst>
+              <a:ext uri="{FF2B5EF4-FFF2-40B4-BE49-F238E27FC236}">
+                <a16:creationId xmlns:a16="http://schemas.microsoft.com/office/drawing/2014/main" id="{450EE6D2-7381-B11A-A20A-0D5D0904DD35}"/>
+              </a:ext>
+            </a:extLst>
+          </p:cNvPr>
+          <p:cNvCxnSpPr>
+            <a:cxnSpLocks/>
+          </p:cNvCxnSpPr>
+          <p:nvPr/>
+        </p:nvCxnSpPr>
+        <p:spPr>
+          <a:xfrm>
+            <a:off x="757647" y="1332033"/>
+            <a:ext cx="10659291" cy="0"/>
+          </a:xfrm>
+          <a:prstGeom prst="line">
+            <a:avLst/>
+          </a:prstGeom>
+          <a:ln w="57150">
+            <a:solidFill>
+              <a:srgbClr val="002060"/>
+            </a:solidFill>
+          </a:ln>
+        </p:spPr>
+        <p:style>
+          <a:lnRef idx="1">
+            <a:schemeClr val="accent1"/>
+          </a:lnRef>
+          <a:fillRef idx="0">
+            <a:schemeClr val="accent1"/>
+          </a:fillRef>
+          <a:effectRef idx="0">
+            <a:schemeClr val="accent1"/>
+          </a:effectRef>
+          <a:fontRef idx="minor">
+            <a:schemeClr val="tx1"/>
+          </a:fontRef>
+        </p:style>
+      </p:cxnSp>
+      <p:pic>
+        <p:nvPicPr>
+          <p:cNvPr id="3" name="Picture 2">
+            <a:extLst>
+              <a:ext uri="{FF2B5EF4-FFF2-40B4-BE49-F238E27FC236}">
+                <a16:creationId xmlns:a16="http://schemas.microsoft.com/office/drawing/2014/main" id="{DFA50187-4266-8085-0DA9-50A85EB54D17}"/>
+              </a:ext>
+            </a:extLst>
+          </p:cNvPr>
+          <p:cNvPicPr>
+            <a:picLocks noChangeAspect="1"/>
+          </p:cNvPicPr>
+          <p:nvPr/>
+        </p:nvPicPr>
+        <p:blipFill>
+          <a:blip r:embed="rId3"/>
+          <a:stretch>
+            <a:fillRect/>
+          </a:stretch>
+        </p:blipFill>
+        <p:spPr>
+          <a:xfrm>
+            <a:off x="4082946" y="2870464"/>
+            <a:ext cx="4026107" cy="1530429"/>
+          </a:xfrm>
+          <a:prstGeom prst="rect">
+            <a:avLst/>
+          </a:prstGeom>
+        </p:spPr>
+      </p:pic>
+    </p:spTree>
+    <p:extLst>
+      <p:ext uri="{BB962C8B-B14F-4D97-AF65-F5344CB8AC3E}">
+        <p14:creationId xmlns:p14="http://schemas.microsoft.com/office/powerpoint/2010/main" val="3046938398"/>
+      </p:ext>
+    </p:extLst>
+  </p:cSld>
+  <p:clrMapOvr>
+    <a:masterClrMapping/>
+  </p:clrMapOvr>
+</p:sld>
+</file>
+
+<file path=ppt/slides/slide17.xml><?xml version="1.0" encoding="utf-8"?>
+<p:sld xmlns:a="http://schemas.openxmlformats.org/drawingml/2006/main" xmlns:r="http://schemas.openxmlformats.org/officeDocument/2006/relationships" xmlns:p="http://schemas.openxmlformats.org/presentationml/2006/main">
+  <p:cSld>
+    <p:spTree>
+      <p:nvGrpSpPr>
+        <p:cNvPr id="1" name=""/>
+        <p:cNvGrpSpPr/>
+        <p:nvPr/>
+      </p:nvGrpSpPr>
+      <p:grpSpPr>
+        <a:xfrm>
+          <a:off x="0" y="0"/>
+          <a:ext cx="0" cy="0"/>
+          <a:chOff x="0" y="0"/>
+          <a:chExt cx="0" cy="0"/>
+        </a:xfrm>
+      </p:grpSpPr>
+      <p:pic>
+        <p:nvPicPr>
+          <p:cNvPr id="5" name="Picture 4">
+            <a:extLst>
+              <a:ext uri="{FF2B5EF4-FFF2-40B4-BE49-F238E27FC236}">
+                <a16:creationId xmlns:a16="http://schemas.microsoft.com/office/drawing/2014/main" id="{558453F9-F3C1-EDA3-6D83-43170A158A07}"/>
+              </a:ext>
+            </a:extLst>
+          </p:cNvPr>
+          <p:cNvPicPr>
+            <a:picLocks noChangeAspect="1"/>
+          </p:cNvPicPr>
+          <p:nvPr/>
+        </p:nvPicPr>
+        <p:blipFill rotWithShape="1">
+          <a:blip r:embed="rId2"/>
+          <a:srcRect t="10770" r="84371" b="20000"/>
+          <a:stretch/>
+        </p:blipFill>
+        <p:spPr>
+          <a:xfrm>
+            <a:off x="0" y="0"/>
+            <a:ext cx="1073997" cy="1175657"/>
+          </a:xfrm>
+          <a:prstGeom prst="rect">
+            <a:avLst/>
+          </a:prstGeom>
+        </p:spPr>
+      </p:pic>
+      <p:pic>
+        <p:nvPicPr>
+          <p:cNvPr id="6" name="Picture 5">
+            <a:extLst>
+              <a:ext uri="{FF2B5EF4-FFF2-40B4-BE49-F238E27FC236}">
+                <a16:creationId xmlns:a16="http://schemas.microsoft.com/office/drawing/2014/main" id="{CE1484BB-74DC-9E65-B32D-BE5FE2E385CD}"/>
+              </a:ext>
+            </a:extLst>
+          </p:cNvPr>
+          <p:cNvPicPr>
+            <a:picLocks noChangeAspect="1"/>
+          </p:cNvPicPr>
+          <p:nvPr/>
+        </p:nvPicPr>
+        <p:blipFill rotWithShape="1">
+          <a:blip r:embed="rId2"/>
+          <a:srcRect l="15172"/>
+          <a:stretch/>
+        </p:blipFill>
+        <p:spPr>
+          <a:xfrm>
+            <a:off x="9949987" y="0"/>
+            <a:ext cx="2242014" cy="653143"/>
+          </a:xfrm>
+          <a:prstGeom prst="rect">
+            <a:avLst/>
+          </a:prstGeom>
+        </p:spPr>
+      </p:pic>
+      <p:sp>
+        <p:nvSpPr>
+          <p:cNvPr id="7" name="TextBox 6">
+            <a:extLst>
+              <a:ext uri="{FF2B5EF4-FFF2-40B4-BE49-F238E27FC236}">
+                <a16:creationId xmlns:a16="http://schemas.microsoft.com/office/drawing/2014/main" id="{9EECCCD9-8AD5-9916-BC29-771066C9EE70}"/>
+              </a:ext>
+            </a:extLst>
+          </p:cNvPr>
+          <p:cNvSpPr txBox="1"/>
+          <p:nvPr/>
+        </p:nvSpPr>
+        <p:spPr>
+          <a:xfrm>
+            <a:off x="1" y="470259"/>
+            <a:ext cx="12192000" cy="1631216"/>
+          </a:xfrm>
+          <a:prstGeom prst="rect">
+            <a:avLst/>
+          </a:prstGeom>
+          <a:noFill/>
+        </p:spPr>
+        <p:txBody>
+          <a:bodyPr wrap="square" rtlCol="0">
+            <a:spAutoFit/>
+          </a:bodyPr>
+          <a:lstStyle/>
+          <a:p>
+            <a:pPr algn="ctr"/>
+            <a:r>
+              <a:rPr lang="en-US" sz="5000" b="1" dirty="0">
+                <a:solidFill>
+                  <a:srgbClr val="002060"/>
+                </a:solidFill>
+              </a:rPr>
+              <a:t>Logistic Regression – Credit Policy</a:t>
+            </a:r>
+          </a:p>
+          <a:p>
+            <a:pPr algn="ctr"/>
+            <a:endParaRPr lang="en-US" sz="5000" dirty="0">
+              <a:solidFill>
+                <a:srgbClr val="002060"/>
+              </a:solidFill>
+            </a:endParaRPr>
+          </a:p>
+        </p:txBody>
+      </p:sp>
+      <p:cxnSp>
+        <p:nvCxnSpPr>
+          <p:cNvPr id="9" name="Straight Connector 8">
+            <a:extLst>
+              <a:ext uri="{FF2B5EF4-FFF2-40B4-BE49-F238E27FC236}">
+                <a16:creationId xmlns:a16="http://schemas.microsoft.com/office/drawing/2014/main" id="{450EE6D2-7381-B11A-A20A-0D5D0904DD35}"/>
+              </a:ext>
+            </a:extLst>
+          </p:cNvPr>
+          <p:cNvCxnSpPr>
+            <a:cxnSpLocks/>
+          </p:cNvCxnSpPr>
+          <p:nvPr/>
+        </p:nvCxnSpPr>
+        <p:spPr>
+          <a:xfrm>
+            <a:off x="757647" y="1332033"/>
+            <a:ext cx="10659291" cy="0"/>
+          </a:xfrm>
+          <a:prstGeom prst="line">
+            <a:avLst/>
+          </a:prstGeom>
+          <a:ln w="57150">
+            <a:solidFill>
+              <a:srgbClr val="002060"/>
+            </a:solidFill>
+          </a:ln>
+        </p:spPr>
+        <p:style>
+          <a:lnRef idx="1">
+            <a:schemeClr val="accent1"/>
+          </a:lnRef>
+          <a:fillRef idx="0">
+            <a:schemeClr val="accent1"/>
+          </a:fillRef>
+          <a:effectRef idx="0">
+            <a:schemeClr val="accent1"/>
+          </a:effectRef>
+          <a:fontRef idx="minor">
+            <a:schemeClr val="tx1"/>
+          </a:fontRef>
+        </p:style>
+      </p:cxnSp>
+      <p:pic>
+        <p:nvPicPr>
+          <p:cNvPr id="4" name="Picture 3" descr="A picture containing chart&#10;&#10;Description automatically generated">
+            <a:extLst>
+              <a:ext uri="{FF2B5EF4-FFF2-40B4-BE49-F238E27FC236}">
+                <a16:creationId xmlns:a16="http://schemas.microsoft.com/office/drawing/2014/main" id="{EF9E986C-AE26-C3CC-4D6A-0FB74A5C0283}"/>
+              </a:ext>
+            </a:extLst>
+          </p:cNvPr>
+          <p:cNvPicPr>
+            <a:picLocks noChangeAspect="1"/>
+          </p:cNvPicPr>
+          <p:nvPr/>
+        </p:nvPicPr>
+        <p:blipFill>
+          <a:blip r:embed="rId3">
+            <a:extLst>
+              <a:ext uri="{28A0092B-C50C-407E-A947-70E740481C1C}">
+                <a14:useLocalDpi xmlns:a14="http://schemas.microsoft.com/office/drawing/2010/main" val="0"/>
+              </a:ext>
+            </a:extLst>
+          </a:blip>
+          <a:stretch>
+            <a:fillRect/>
+          </a:stretch>
+        </p:blipFill>
+        <p:spPr>
+          <a:xfrm>
+            <a:off x="2886868" y="1731706"/>
+            <a:ext cx="6400847" cy="4572033"/>
+          </a:xfrm>
+          <a:prstGeom prst="rect">
+            <a:avLst/>
+          </a:prstGeom>
+        </p:spPr>
+      </p:pic>
+    </p:spTree>
+    <p:extLst>
+      <p:ext uri="{BB962C8B-B14F-4D97-AF65-F5344CB8AC3E}">
+        <p14:creationId xmlns:p14="http://schemas.microsoft.com/office/powerpoint/2010/main" val="4040338310"/>
+      </p:ext>
+    </p:extLst>
+  </p:cSld>
+  <p:clrMapOvr>
+    <a:masterClrMapping/>
+  </p:clrMapOvr>
+</p:sld>
+</file>
+
+<file path=ppt/slides/slide18.xml><?xml version="1.0" encoding="utf-8"?>
+<p:sld xmlns:a="http://schemas.openxmlformats.org/drawingml/2006/main" xmlns:r="http://schemas.openxmlformats.org/officeDocument/2006/relationships" xmlns:p="http://schemas.openxmlformats.org/presentationml/2006/main">
+  <p:cSld>
+    <p:spTree>
+      <p:nvGrpSpPr>
+        <p:cNvPr id="1" name=""/>
+        <p:cNvGrpSpPr/>
+        <p:nvPr/>
+      </p:nvGrpSpPr>
+      <p:grpSpPr>
+        <a:xfrm>
+          <a:off x="0" y="0"/>
+          <a:ext cx="0" cy="0"/>
+          <a:chOff x="0" y="0"/>
+          <a:chExt cx="0" cy="0"/>
+        </a:xfrm>
+      </p:grpSpPr>
+      <p:pic>
+        <p:nvPicPr>
+          <p:cNvPr id="5" name="Picture 4">
+            <a:extLst>
+              <a:ext uri="{FF2B5EF4-FFF2-40B4-BE49-F238E27FC236}">
+                <a16:creationId xmlns:a16="http://schemas.microsoft.com/office/drawing/2014/main" id="{558453F9-F3C1-EDA3-6D83-43170A158A07}"/>
+              </a:ext>
+            </a:extLst>
+          </p:cNvPr>
+          <p:cNvPicPr>
+            <a:picLocks noChangeAspect="1"/>
+          </p:cNvPicPr>
+          <p:nvPr/>
+        </p:nvPicPr>
+        <p:blipFill rotWithShape="1">
+          <a:blip r:embed="rId2"/>
+          <a:srcRect t="10770" r="84371" b="20000"/>
+          <a:stretch/>
+        </p:blipFill>
+        <p:spPr>
+          <a:xfrm>
+            <a:off x="0" y="0"/>
+            <a:ext cx="1073997" cy="1175657"/>
+          </a:xfrm>
+          <a:prstGeom prst="rect">
+            <a:avLst/>
+          </a:prstGeom>
+        </p:spPr>
+      </p:pic>
+      <p:pic>
+        <p:nvPicPr>
+          <p:cNvPr id="6" name="Picture 5">
+            <a:extLst>
+              <a:ext uri="{FF2B5EF4-FFF2-40B4-BE49-F238E27FC236}">
+                <a16:creationId xmlns:a16="http://schemas.microsoft.com/office/drawing/2014/main" id="{CE1484BB-74DC-9E65-B32D-BE5FE2E385CD}"/>
+              </a:ext>
+            </a:extLst>
+          </p:cNvPr>
+          <p:cNvPicPr>
+            <a:picLocks noChangeAspect="1"/>
+          </p:cNvPicPr>
+          <p:nvPr/>
+        </p:nvPicPr>
+        <p:blipFill rotWithShape="1">
+          <a:blip r:embed="rId2"/>
+          <a:srcRect l="15172"/>
+          <a:stretch/>
+        </p:blipFill>
+        <p:spPr>
+          <a:xfrm>
+            <a:off x="9949987" y="0"/>
+            <a:ext cx="2242014" cy="653143"/>
+          </a:xfrm>
+          <a:prstGeom prst="rect">
+            <a:avLst/>
+          </a:prstGeom>
+        </p:spPr>
+      </p:pic>
+      <p:sp>
+        <p:nvSpPr>
+          <p:cNvPr id="7" name="TextBox 6">
+            <a:extLst>
+              <a:ext uri="{FF2B5EF4-FFF2-40B4-BE49-F238E27FC236}">
+                <a16:creationId xmlns:a16="http://schemas.microsoft.com/office/drawing/2014/main" id="{9EECCCD9-8AD5-9916-BC29-771066C9EE70}"/>
+              </a:ext>
+            </a:extLst>
+          </p:cNvPr>
+          <p:cNvSpPr txBox="1"/>
+          <p:nvPr/>
+        </p:nvSpPr>
+        <p:spPr>
+          <a:xfrm>
+            <a:off x="1" y="470259"/>
+            <a:ext cx="12192000" cy="1631216"/>
+          </a:xfrm>
+          <a:prstGeom prst="rect">
+            <a:avLst/>
+          </a:prstGeom>
+          <a:noFill/>
+        </p:spPr>
+        <p:txBody>
+          <a:bodyPr wrap="square" rtlCol="0">
+            <a:spAutoFit/>
+          </a:bodyPr>
+          <a:lstStyle/>
+          <a:p>
+            <a:pPr algn="ctr"/>
+            <a:r>
+              <a:rPr lang="en-US" sz="5000" b="1" dirty="0">
+                <a:solidFill>
+                  <a:srgbClr val="002060"/>
+                </a:solidFill>
+              </a:rPr>
+              <a:t>Logistic Regression – Not Fully Paid</a:t>
+            </a:r>
+          </a:p>
+          <a:p>
+            <a:pPr algn="ctr"/>
+            <a:endParaRPr lang="en-US" sz="5000" dirty="0">
+              <a:solidFill>
+                <a:srgbClr val="002060"/>
+              </a:solidFill>
+            </a:endParaRPr>
+          </a:p>
+        </p:txBody>
+      </p:sp>
+      <p:cxnSp>
+        <p:nvCxnSpPr>
+          <p:cNvPr id="9" name="Straight Connector 8">
+            <a:extLst>
+              <a:ext uri="{FF2B5EF4-FFF2-40B4-BE49-F238E27FC236}">
+                <a16:creationId xmlns:a16="http://schemas.microsoft.com/office/drawing/2014/main" id="{450EE6D2-7381-B11A-A20A-0D5D0904DD35}"/>
+              </a:ext>
+            </a:extLst>
+          </p:cNvPr>
+          <p:cNvCxnSpPr>
+            <a:cxnSpLocks/>
+          </p:cNvCxnSpPr>
+          <p:nvPr/>
+        </p:nvCxnSpPr>
+        <p:spPr>
+          <a:xfrm>
+            <a:off x="757647" y="1332033"/>
+            <a:ext cx="10659291" cy="0"/>
+          </a:xfrm>
+          <a:prstGeom prst="line">
+            <a:avLst/>
+          </a:prstGeom>
+          <a:ln w="57150">
+            <a:solidFill>
+              <a:srgbClr val="002060"/>
+            </a:solidFill>
+          </a:ln>
+        </p:spPr>
+        <p:style>
+          <a:lnRef idx="1">
+            <a:schemeClr val="accent1"/>
+          </a:lnRef>
+          <a:fillRef idx="0">
+            <a:schemeClr val="accent1"/>
+          </a:fillRef>
+          <a:effectRef idx="0">
+            <a:schemeClr val="accent1"/>
+          </a:effectRef>
+          <a:fontRef idx="minor">
+            <a:schemeClr val="tx1"/>
+          </a:fontRef>
+        </p:style>
+      </p:cxnSp>
+      <p:pic>
+        <p:nvPicPr>
+          <p:cNvPr id="4" name="Picture 3" descr="Chart&#10;&#10;Description automatically generated">
+            <a:extLst>
+              <a:ext uri="{FF2B5EF4-FFF2-40B4-BE49-F238E27FC236}">
+                <a16:creationId xmlns:a16="http://schemas.microsoft.com/office/drawing/2014/main" id="{3DD92608-18D5-CA21-C822-95D4C9B7F6A7}"/>
+              </a:ext>
+            </a:extLst>
+          </p:cNvPr>
+          <p:cNvPicPr>
+            <a:picLocks noChangeAspect="1"/>
+          </p:cNvPicPr>
+          <p:nvPr/>
+        </p:nvPicPr>
+        <p:blipFill>
+          <a:blip r:embed="rId3">
+            <a:extLst>
+              <a:ext uri="{28A0092B-C50C-407E-A947-70E740481C1C}">
+                <a14:useLocalDpi xmlns:a14="http://schemas.microsoft.com/office/drawing/2010/main" val="0"/>
+              </a:ext>
+            </a:extLst>
+          </a:blip>
+          <a:stretch>
+            <a:fillRect/>
+          </a:stretch>
+        </p:blipFill>
+        <p:spPr>
+          <a:xfrm>
+            <a:off x="2886868" y="1675339"/>
+            <a:ext cx="6400847" cy="4572033"/>
+          </a:xfrm>
+          <a:prstGeom prst="rect">
+            <a:avLst/>
+          </a:prstGeom>
+        </p:spPr>
+      </p:pic>
+    </p:spTree>
+    <p:extLst>
+      <p:ext uri="{BB962C8B-B14F-4D97-AF65-F5344CB8AC3E}">
+        <p14:creationId xmlns:p14="http://schemas.microsoft.com/office/powerpoint/2010/main" val="2792606219"/>
+      </p:ext>
+    </p:extLst>
+  </p:cSld>
+  <p:clrMapOvr>
+    <a:masterClrMapping/>
+  </p:clrMapOvr>
+</p:sld>
+</file>
+
+<file path=ppt/slides/slide19.xml><?xml version="1.0" encoding="utf-8"?>
+<p:sld xmlns:a="http://schemas.openxmlformats.org/drawingml/2006/main" xmlns:r="http://schemas.openxmlformats.org/officeDocument/2006/relationships" xmlns:p="http://schemas.openxmlformats.org/presentationml/2006/main">
+  <p:cSld>
+    <p:spTree>
+      <p:nvGrpSpPr>
+        <p:cNvPr id="1" name=""/>
+        <p:cNvGrpSpPr/>
+        <p:nvPr/>
+      </p:nvGrpSpPr>
+      <p:grpSpPr>
+        <a:xfrm>
+          <a:off x="0" y="0"/>
+          <a:ext cx="0" cy="0"/>
+          <a:chOff x="0" y="0"/>
+          <a:chExt cx="0" cy="0"/>
+        </a:xfrm>
+      </p:grpSpPr>
+      <p:pic>
+        <p:nvPicPr>
+          <p:cNvPr id="5" name="Picture 4">
+            <a:extLst>
+              <a:ext uri="{FF2B5EF4-FFF2-40B4-BE49-F238E27FC236}">
+                <a16:creationId xmlns:a16="http://schemas.microsoft.com/office/drawing/2014/main" id="{558453F9-F3C1-EDA3-6D83-43170A158A07}"/>
+              </a:ext>
+            </a:extLst>
+          </p:cNvPr>
+          <p:cNvPicPr>
+            <a:picLocks noChangeAspect="1"/>
+          </p:cNvPicPr>
+          <p:nvPr/>
+        </p:nvPicPr>
+        <p:blipFill rotWithShape="1">
+          <a:blip r:embed="rId2"/>
+          <a:srcRect t="10770" r="84371" b="20000"/>
+          <a:stretch/>
+        </p:blipFill>
+        <p:spPr>
+          <a:xfrm>
+            <a:off x="0" y="0"/>
+            <a:ext cx="1073997" cy="1175657"/>
+          </a:xfrm>
+          <a:prstGeom prst="rect">
+            <a:avLst/>
+          </a:prstGeom>
+        </p:spPr>
+      </p:pic>
+      <p:pic>
+        <p:nvPicPr>
+          <p:cNvPr id="6" name="Picture 5">
+            <a:extLst>
+              <a:ext uri="{FF2B5EF4-FFF2-40B4-BE49-F238E27FC236}">
+                <a16:creationId xmlns:a16="http://schemas.microsoft.com/office/drawing/2014/main" id="{CE1484BB-74DC-9E65-B32D-BE5FE2E385CD}"/>
+              </a:ext>
+            </a:extLst>
+          </p:cNvPr>
+          <p:cNvPicPr>
+            <a:picLocks noChangeAspect="1"/>
+          </p:cNvPicPr>
+          <p:nvPr/>
+        </p:nvPicPr>
+        <p:blipFill rotWithShape="1">
+          <a:blip r:embed="rId2"/>
+          <a:srcRect l="15172"/>
+          <a:stretch/>
+        </p:blipFill>
+        <p:spPr>
+          <a:xfrm>
+            <a:off x="9949987" y="0"/>
+            <a:ext cx="2242014" cy="653143"/>
+          </a:xfrm>
+          <a:prstGeom prst="rect">
+            <a:avLst/>
+          </a:prstGeom>
+        </p:spPr>
+      </p:pic>
+      <p:sp>
+        <p:nvSpPr>
+          <p:cNvPr id="7" name="TextBox 6">
+            <a:extLst>
+              <a:ext uri="{FF2B5EF4-FFF2-40B4-BE49-F238E27FC236}">
+                <a16:creationId xmlns:a16="http://schemas.microsoft.com/office/drawing/2014/main" id="{9EECCCD9-8AD5-9916-BC29-771066C9EE70}"/>
+              </a:ext>
+            </a:extLst>
+          </p:cNvPr>
+          <p:cNvSpPr txBox="1"/>
+          <p:nvPr/>
+        </p:nvSpPr>
+        <p:spPr>
+          <a:xfrm>
+            <a:off x="1" y="470259"/>
+            <a:ext cx="12192000" cy="1631216"/>
+          </a:xfrm>
+          <a:prstGeom prst="rect">
+            <a:avLst/>
+          </a:prstGeom>
+          <a:noFill/>
+        </p:spPr>
+        <p:txBody>
+          <a:bodyPr wrap="square" rtlCol="0">
+            <a:spAutoFit/>
+          </a:bodyPr>
+          <a:lstStyle/>
+          <a:p>
+            <a:pPr algn="ctr"/>
+            <a:r>
+              <a:rPr lang="en-US" sz="5000" b="1" dirty="0">
+                <a:solidFill>
+                  <a:srgbClr val="002060"/>
+                </a:solidFill>
+              </a:rPr>
+              <a:t>Logistic Regression – Not Fully Paid</a:t>
+            </a:r>
+          </a:p>
+          <a:p>
+            <a:pPr algn="ctr"/>
+            <a:endParaRPr lang="en-US" sz="5000" dirty="0">
+              <a:solidFill>
+                <a:srgbClr val="002060"/>
+              </a:solidFill>
+            </a:endParaRPr>
+          </a:p>
+        </p:txBody>
+      </p:sp>
+      <p:cxnSp>
+        <p:nvCxnSpPr>
+          <p:cNvPr id="9" name="Straight Connector 8">
+            <a:extLst>
+              <a:ext uri="{FF2B5EF4-FFF2-40B4-BE49-F238E27FC236}">
+                <a16:creationId xmlns:a16="http://schemas.microsoft.com/office/drawing/2014/main" id="{450EE6D2-7381-B11A-A20A-0D5D0904DD35}"/>
+              </a:ext>
+            </a:extLst>
+          </p:cNvPr>
+          <p:cNvCxnSpPr>
+            <a:cxnSpLocks/>
+          </p:cNvCxnSpPr>
+          <p:nvPr/>
+        </p:nvCxnSpPr>
+        <p:spPr>
+          <a:xfrm>
+            <a:off x="757647" y="1332033"/>
+            <a:ext cx="10659291" cy="0"/>
+          </a:xfrm>
+          <a:prstGeom prst="line">
+            <a:avLst/>
+          </a:prstGeom>
+          <a:ln w="57150">
+            <a:solidFill>
+              <a:srgbClr val="002060"/>
+            </a:solidFill>
+          </a:ln>
+        </p:spPr>
+        <p:style>
+          <a:lnRef idx="1">
+            <a:schemeClr val="accent1"/>
+          </a:lnRef>
+          <a:fillRef idx="0">
+            <a:schemeClr val="accent1"/>
+          </a:fillRef>
+          <a:effectRef idx="0">
+            <a:schemeClr val="accent1"/>
+          </a:effectRef>
+          <a:fontRef idx="minor">
+            <a:schemeClr val="tx1"/>
+          </a:fontRef>
+        </p:style>
+      </p:cxnSp>
+      <p:pic>
+        <p:nvPicPr>
+          <p:cNvPr id="3" name="Picture 2">
+            <a:extLst>
+              <a:ext uri="{FF2B5EF4-FFF2-40B4-BE49-F238E27FC236}">
+                <a16:creationId xmlns:a16="http://schemas.microsoft.com/office/drawing/2014/main" id="{5E04EC06-9E56-D09A-5B08-5A1E2A1021D8}"/>
+              </a:ext>
+            </a:extLst>
+          </p:cNvPr>
+          <p:cNvPicPr>
+            <a:picLocks noChangeAspect="1"/>
+          </p:cNvPicPr>
+          <p:nvPr/>
+        </p:nvPicPr>
+        <p:blipFill>
+          <a:blip r:embed="rId3"/>
+          <a:stretch>
+            <a:fillRect/>
+          </a:stretch>
+        </p:blipFill>
+        <p:spPr>
+          <a:xfrm>
+            <a:off x="4176747" y="0"/>
+            <a:ext cx="3838506" cy="6858000"/>
+          </a:xfrm>
+          <a:prstGeom prst="rect">
+            <a:avLst/>
+          </a:prstGeom>
+        </p:spPr>
+      </p:pic>
+    </p:spTree>
+    <p:extLst>
+      <p:ext uri="{BB962C8B-B14F-4D97-AF65-F5344CB8AC3E}">
+        <p14:creationId xmlns:p14="http://schemas.microsoft.com/office/powerpoint/2010/main" val="2538059948"/>
+      </p:ext>
+    </p:extLst>
+  </p:cSld>
+  <p:clrMapOvr>
+    <a:masterClrMapping/>
+  </p:clrMapOvr>
+</p:sld>
+</file>
+
+<file path=ppt/slides/slide2.xml><?xml version="1.0" encoding="utf-8"?>
+<p:sld xmlns:a="http://schemas.openxmlformats.org/drawingml/2006/main" xmlns:r="http://schemas.openxmlformats.org/officeDocument/2006/relationships" xmlns:p="http://schemas.openxmlformats.org/presentationml/2006/main">
+  <p:cSld>
+    <p:spTree>
+      <p:nvGrpSpPr>
+        <p:cNvPr id="1" name=""/>
+        <p:cNvGrpSpPr/>
+        <p:nvPr/>
+      </p:nvGrpSpPr>
+      <p:grpSpPr>
+        <a:xfrm>
+          <a:off x="0" y="0"/>
+          <a:ext cx="0" cy="0"/>
+          <a:chOff x="0" y="0"/>
+          <a:chExt cx="0" cy="0"/>
+        </a:xfrm>
+      </p:grpSpPr>
+      <p:pic>
+        <p:nvPicPr>
+          <p:cNvPr id="5" name="Picture 4">
+            <a:extLst>
+              <a:ext uri="{FF2B5EF4-FFF2-40B4-BE49-F238E27FC236}">
+                <a16:creationId xmlns:a16="http://schemas.microsoft.com/office/drawing/2014/main" id="{558453F9-F3C1-EDA3-6D83-43170A158A07}"/>
+              </a:ext>
+            </a:extLst>
+          </p:cNvPr>
+          <p:cNvPicPr>
+            <a:picLocks noChangeAspect="1"/>
+          </p:cNvPicPr>
+          <p:nvPr/>
+        </p:nvPicPr>
+        <p:blipFill rotWithShape="1">
           <a:blip r:embed="rId3"/>
           <a:srcRect t="10770" r="84371" b="20000"/>
           <a:stretch/>
@@ -5973,12 +7900,55 @@
           </a:prstGeom>
         </p:spPr>
       </p:pic>
+      <p:cxnSp>
+        <p:nvCxnSpPr>
+          <p:cNvPr id="9" name="Straight Connector 8">
+            <a:extLst>
+              <a:ext uri="{FF2B5EF4-FFF2-40B4-BE49-F238E27FC236}">
+                <a16:creationId xmlns:a16="http://schemas.microsoft.com/office/drawing/2014/main" id="{450EE6D2-7381-B11A-A20A-0D5D0904DD35}"/>
+              </a:ext>
+            </a:extLst>
+          </p:cNvPr>
+          <p:cNvCxnSpPr>
+            <a:cxnSpLocks/>
+          </p:cNvCxnSpPr>
+          <p:nvPr/>
+        </p:nvCxnSpPr>
+        <p:spPr>
+          <a:xfrm>
+            <a:off x="757647" y="1332033"/>
+            <a:ext cx="10659291" cy="0"/>
+          </a:xfrm>
+          <a:prstGeom prst="line">
+            <a:avLst/>
+          </a:prstGeom>
+          <a:ln w="57150">
+            <a:solidFill>
+              <a:srgbClr val="002060"/>
+            </a:solidFill>
+          </a:ln>
+        </p:spPr>
+        <p:style>
+          <a:lnRef idx="1">
+            <a:schemeClr val="accent1"/>
+          </a:lnRef>
+          <a:fillRef idx="0">
+            <a:schemeClr val="accent1"/>
+          </a:fillRef>
+          <a:effectRef idx="0">
+            <a:schemeClr val="accent1"/>
+          </a:effectRef>
+          <a:fontRef idx="minor">
+            <a:schemeClr val="tx1"/>
+          </a:fontRef>
+        </p:style>
+      </p:cxnSp>
       <p:sp>
         <p:nvSpPr>
-          <p:cNvPr id="7" name="TextBox 6">
-            <a:extLst>
-              <a:ext uri="{FF2B5EF4-FFF2-40B4-BE49-F238E27FC236}">
-                <a16:creationId xmlns:a16="http://schemas.microsoft.com/office/drawing/2014/main" id="{9EECCCD9-8AD5-9916-BC29-771066C9EE70}"/>
+          <p:cNvPr id="14" name="TextBox 13">
+            <a:extLst>
+              <a:ext uri="{FF2B5EF4-FFF2-40B4-BE49-F238E27FC236}">
+                <a16:creationId xmlns:a16="http://schemas.microsoft.com/office/drawing/2014/main" id="{F8ADE235-F5DF-EA0A-3DEE-99587A10A4C3}"/>
               </a:ext>
             </a:extLst>
           </p:cNvPr>
@@ -6008,7 +7978,1507 @@
                   <a:srgbClr val="002060"/>
                 </a:solidFill>
               </a:rPr>
-              <a:t>Classification Tree – Application</a:t>
+              <a:t>What is </a:t>
+            </a:r>
+            <a:r>
+              <a:rPr lang="en-US" sz="5000" b="1" dirty="0" err="1">
+                <a:solidFill>
+                  <a:srgbClr val="002060"/>
+                </a:solidFill>
+              </a:rPr>
+              <a:t>LendingClub</a:t>
+            </a:r>
+            <a:endParaRPr lang="en-US" sz="5000" b="1" dirty="0">
+              <a:solidFill>
+                <a:srgbClr val="002060"/>
+              </a:solidFill>
+            </a:endParaRPr>
+          </a:p>
+        </p:txBody>
+      </p:sp>
+      <p:sp>
+        <p:nvSpPr>
+          <p:cNvPr id="15" name="TextBox 14">
+            <a:extLst>
+              <a:ext uri="{FF2B5EF4-FFF2-40B4-BE49-F238E27FC236}">
+                <a16:creationId xmlns:a16="http://schemas.microsoft.com/office/drawing/2014/main" id="{5FCE2831-D9D3-5E67-5843-615EC7E6B2FD}"/>
+              </a:ext>
+            </a:extLst>
+          </p:cNvPr>
+          <p:cNvSpPr txBox="1"/>
+          <p:nvPr/>
+        </p:nvSpPr>
+        <p:spPr>
+          <a:xfrm>
+            <a:off x="0" y="6627168"/>
+            <a:ext cx="5910146" cy="230832"/>
+          </a:xfrm>
+          <a:prstGeom prst="rect">
+            <a:avLst/>
+          </a:prstGeom>
+          <a:noFill/>
+        </p:spPr>
+        <p:txBody>
+          <a:bodyPr wrap="square" rtlCol="0">
+            <a:spAutoFit/>
+          </a:bodyPr>
+          <a:lstStyle/>
+          <a:p>
+            <a:r>
+              <a:rPr lang="en-US" sz="900" dirty="0">
+                <a:solidFill>
+                  <a:schemeClr val="bg1">
+                    <a:lumMod val="65000"/>
+                  </a:schemeClr>
+                </a:solidFill>
+              </a:rPr>
+              <a:t>Source: https://www.moneysmylife.com/lendingclub-review/</a:t>
+            </a:r>
+          </a:p>
+        </p:txBody>
+      </p:sp>
+      <p:pic>
+        <p:nvPicPr>
+          <p:cNvPr id="17" name="Picture 16">
+            <a:extLst>
+              <a:ext uri="{FF2B5EF4-FFF2-40B4-BE49-F238E27FC236}">
+                <a16:creationId xmlns:a16="http://schemas.microsoft.com/office/drawing/2014/main" id="{89E6F058-95B8-D239-7DA9-0F87347F6B35}"/>
+              </a:ext>
+            </a:extLst>
+          </p:cNvPr>
+          <p:cNvPicPr>
+            <a:picLocks noChangeAspect="1"/>
+          </p:cNvPicPr>
+          <p:nvPr/>
+        </p:nvPicPr>
+        <p:blipFill>
+          <a:blip r:embed="rId4"/>
+          <a:stretch>
+            <a:fillRect/>
+          </a:stretch>
+        </p:blipFill>
+        <p:spPr>
+          <a:xfrm>
+            <a:off x="766354" y="2360987"/>
+            <a:ext cx="10659292" cy="2940494"/>
+          </a:xfrm>
+          <a:prstGeom prst="rect">
+            <a:avLst/>
+          </a:prstGeom>
+        </p:spPr>
+      </p:pic>
+    </p:spTree>
+    <p:extLst>
+      <p:ext uri="{BB962C8B-B14F-4D97-AF65-F5344CB8AC3E}">
+        <p14:creationId xmlns:p14="http://schemas.microsoft.com/office/powerpoint/2010/main" val="654429940"/>
+      </p:ext>
+    </p:extLst>
+  </p:cSld>
+  <p:clrMapOvr>
+    <a:masterClrMapping/>
+  </p:clrMapOvr>
+</p:sld>
+</file>
+
+<file path=ppt/slides/slide20.xml><?xml version="1.0" encoding="utf-8"?>
+<p:sld xmlns:a="http://schemas.openxmlformats.org/drawingml/2006/main" xmlns:r="http://schemas.openxmlformats.org/officeDocument/2006/relationships" xmlns:p="http://schemas.openxmlformats.org/presentationml/2006/main">
+  <p:cSld>
+    <p:spTree>
+      <p:nvGrpSpPr>
+        <p:cNvPr id="1" name=""/>
+        <p:cNvGrpSpPr/>
+        <p:nvPr/>
+      </p:nvGrpSpPr>
+      <p:grpSpPr>
+        <a:xfrm>
+          <a:off x="0" y="0"/>
+          <a:ext cx="0" cy="0"/>
+          <a:chOff x="0" y="0"/>
+          <a:chExt cx="0" cy="0"/>
+        </a:xfrm>
+      </p:grpSpPr>
+      <p:pic>
+        <p:nvPicPr>
+          <p:cNvPr id="5" name="Picture 4">
+            <a:extLst>
+              <a:ext uri="{FF2B5EF4-FFF2-40B4-BE49-F238E27FC236}">
+                <a16:creationId xmlns:a16="http://schemas.microsoft.com/office/drawing/2014/main" id="{558453F9-F3C1-EDA3-6D83-43170A158A07}"/>
+              </a:ext>
+            </a:extLst>
+          </p:cNvPr>
+          <p:cNvPicPr>
+            <a:picLocks noChangeAspect="1"/>
+          </p:cNvPicPr>
+          <p:nvPr/>
+        </p:nvPicPr>
+        <p:blipFill rotWithShape="1">
+          <a:blip r:embed="rId2"/>
+          <a:srcRect t="10770" r="84371" b="20000"/>
+          <a:stretch/>
+        </p:blipFill>
+        <p:spPr>
+          <a:xfrm>
+            <a:off x="0" y="0"/>
+            <a:ext cx="1073997" cy="1175657"/>
+          </a:xfrm>
+          <a:prstGeom prst="rect">
+            <a:avLst/>
+          </a:prstGeom>
+        </p:spPr>
+      </p:pic>
+      <p:pic>
+        <p:nvPicPr>
+          <p:cNvPr id="6" name="Picture 5">
+            <a:extLst>
+              <a:ext uri="{FF2B5EF4-FFF2-40B4-BE49-F238E27FC236}">
+                <a16:creationId xmlns:a16="http://schemas.microsoft.com/office/drawing/2014/main" id="{CE1484BB-74DC-9E65-B32D-BE5FE2E385CD}"/>
+              </a:ext>
+            </a:extLst>
+          </p:cNvPr>
+          <p:cNvPicPr>
+            <a:picLocks noChangeAspect="1"/>
+          </p:cNvPicPr>
+          <p:nvPr/>
+        </p:nvPicPr>
+        <p:blipFill rotWithShape="1">
+          <a:blip r:embed="rId2"/>
+          <a:srcRect l="15172"/>
+          <a:stretch/>
+        </p:blipFill>
+        <p:spPr>
+          <a:xfrm>
+            <a:off x="9949987" y="0"/>
+            <a:ext cx="2242014" cy="653143"/>
+          </a:xfrm>
+          <a:prstGeom prst="rect">
+            <a:avLst/>
+          </a:prstGeom>
+        </p:spPr>
+      </p:pic>
+      <p:sp>
+        <p:nvSpPr>
+          <p:cNvPr id="7" name="TextBox 6">
+            <a:extLst>
+              <a:ext uri="{FF2B5EF4-FFF2-40B4-BE49-F238E27FC236}">
+                <a16:creationId xmlns:a16="http://schemas.microsoft.com/office/drawing/2014/main" id="{9EECCCD9-8AD5-9916-BC29-771066C9EE70}"/>
+              </a:ext>
+            </a:extLst>
+          </p:cNvPr>
+          <p:cNvSpPr txBox="1"/>
+          <p:nvPr/>
+        </p:nvSpPr>
+        <p:spPr>
+          <a:xfrm>
+            <a:off x="1" y="470259"/>
+            <a:ext cx="12192000" cy="1631216"/>
+          </a:xfrm>
+          <a:prstGeom prst="rect">
+            <a:avLst/>
+          </a:prstGeom>
+          <a:noFill/>
+        </p:spPr>
+        <p:txBody>
+          <a:bodyPr wrap="square" rtlCol="0">
+            <a:spAutoFit/>
+          </a:bodyPr>
+          <a:lstStyle/>
+          <a:p>
+            <a:pPr algn="ctr"/>
+            <a:r>
+              <a:rPr lang="en-US" sz="5000" b="1" dirty="0">
+                <a:solidFill>
+                  <a:srgbClr val="002060"/>
+                </a:solidFill>
+              </a:rPr>
+              <a:t>Logistic Regression – Not Fully Paid</a:t>
+            </a:r>
+          </a:p>
+          <a:p>
+            <a:pPr algn="ctr"/>
+            <a:endParaRPr lang="en-US" sz="5000" dirty="0">
+              <a:solidFill>
+                <a:srgbClr val="002060"/>
+              </a:solidFill>
+            </a:endParaRPr>
+          </a:p>
+        </p:txBody>
+      </p:sp>
+      <p:cxnSp>
+        <p:nvCxnSpPr>
+          <p:cNvPr id="9" name="Straight Connector 8">
+            <a:extLst>
+              <a:ext uri="{FF2B5EF4-FFF2-40B4-BE49-F238E27FC236}">
+                <a16:creationId xmlns:a16="http://schemas.microsoft.com/office/drawing/2014/main" id="{450EE6D2-7381-B11A-A20A-0D5D0904DD35}"/>
+              </a:ext>
+            </a:extLst>
+          </p:cNvPr>
+          <p:cNvCxnSpPr>
+            <a:cxnSpLocks/>
+          </p:cNvCxnSpPr>
+          <p:nvPr/>
+        </p:nvCxnSpPr>
+        <p:spPr>
+          <a:xfrm>
+            <a:off x="757647" y="1332033"/>
+            <a:ext cx="10659291" cy="0"/>
+          </a:xfrm>
+          <a:prstGeom prst="line">
+            <a:avLst/>
+          </a:prstGeom>
+          <a:ln w="57150">
+            <a:solidFill>
+              <a:srgbClr val="002060"/>
+            </a:solidFill>
+          </a:ln>
+        </p:spPr>
+        <p:style>
+          <a:lnRef idx="1">
+            <a:schemeClr val="accent1"/>
+          </a:lnRef>
+          <a:fillRef idx="0">
+            <a:schemeClr val="accent1"/>
+          </a:fillRef>
+          <a:effectRef idx="0">
+            <a:schemeClr val="accent1"/>
+          </a:effectRef>
+          <a:fontRef idx="minor">
+            <a:schemeClr val="tx1"/>
+          </a:fontRef>
+        </p:style>
+      </p:cxnSp>
+      <p:pic>
+        <p:nvPicPr>
+          <p:cNvPr id="4" name="Picture 3">
+            <a:extLst>
+              <a:ext uri="{FF2B5EF4-FFF2-40B4-BE49-F238E27FC236}">
+                <a16:creationId xmlns:a16="http://schemas.microsoft.com/office/drawing/2014/main" id="{9C3A0CD7-3E13-B5E8-39AC-7218AE83F9A2}"/>
+              </a:ext>
+            </a:extLst>
+          </p:cNvPr>
+          <p:cNvPicPr>
+            <a:picLocks noChangeAspect="1"/>
+          </p:cNvPicPr>
+          <p:nvPr/>
+        </p:nvPicPr>
+        <p:blipFill>
+          <a:blip r:embed="rId3"/>
+          <a:stretch>
+            <a:fillRect/>
+          </a:stretch>
+        </p:blipFill>
+        <p:spPr>
+          <a:xfrm>
+            <a:off x="4083764" y="2571734"/>
+            <a:ext cx="4007056" cy="1663786"/>
+          </a:xfrm>
+          <a:prstGeom prst="rect">
+            <a:avLst/>
+          </a:prstGeom>
+        </p:spPr>
+      </p:pic>
+    </p:spTree>
+    <p:extLst>
+      <p:ext uri="{BB962C8B-B14F-4D97-AF65-F5344CB8AC3E}">
+        <p14:creationId xmlns:p14="http://schemas.microsoft.com/office/powerpoint/2010/main" val="538577802"/>
+      </p:ext>
+    </p:extLst>
+  </p:cSld>
+  <p:clrMapOvr>
+    <a:masterClrMapping/>
+  </p:clrMapOvr>
+</p:sld>
+</file>
+
+<file path=ppt/slides/slide21.xml><?xml version="1.0" encoding="utf-8"?>
+<p:sld xmlns:a="http://schemas.openxmlformats.org/drawingml/2006/main" xmlns:r="http://schemas.openxmlformats.org/officeDocument/2006/relationships" xmlns:p="http://schemas.openxmlformats.org/presentationml/2006/main">
+  <p:cSld>
+    <p:spTree>
+      <p:nvGrpSpPr>
+        <p:cNvPr id="1" name=""/>
+        <p:cNvGrpSpPr/>
+        <p:nvPr/>
+      </p:nvGrpSpPr>
+      <p:grpSpPr>
+        <a:xfrm>
+          <a:off x="0" y="0"/>
+          <a:ext cx="0" cy="0"/>
+          <a:chOff x="0" y="0"/>
+          <a:chExt cx="0" cy="0"/>
+        </a:xfrm>
+      </p:grpSpPr>
+      <p:pic>
+        <p:nvPicPr>
+          <p:cNvPr id="5" name="Picture 4">
+            <a:extLst>
+              <a:ext uri="{FF2B5EF4-FFF2-40B4-BE49-F238E27FC236}">
+                <a16:creationId xmlns:a16="http://schemas.microsoft.com/office/drawing/2014/main" id="{558453F9-F3C1-EDA3-6D83-43170A158A07}"/>
+              </a:ext>
+            </a:extLst>
+          </p:cNvPr>
+          <p:cNvPicPr>
+            <a:picLocks noChangeAspect="1"/>
+          </p:cNvPicPr>
+          <p:nvPr/>
+        </p:nvPicPr>
+        <p:blipFill rotWithShape="1">
+          <a:blip r:embed="rId2"/>
+          <a:srcRect t="10770" r="84371" b="20000"/>
+          <a:stretch/>
+        </p:blipFill>
+        <p:spPr>
+          <a:xfrm>
+            <a:off x="0" y="0"/>
+            <a:ext cx="1073997" cy="1175657"/>
+          </a:xfrm>
+          <a:prstGeom prst="rect">
+            <a:avLst/>
+          </a:prstGeom>
+        </p:spPr>
+      </p:pic>
+      <p:pic>
+        <p:nvPicPr>
+          <p:cNvPr id="6" name="Picture 5">
+            <a:extLst>
+              <a:ext uri="{FF2B5EF4-FFF2-40B4-BE49-F238E27FC236}">
+                <a16:creationId xmlns:a16="http://schemas.microsoft.com/office/drawing/2014/main" id="{CE1484BB-74DC-9E65-B32D-BE5FE2E385CD}"/>
+              </a:ext>
+            </a:extLst>
+          </p:cNvPr>
+          <p:cNvPicPr>
+            <a:picLocks noChangeAspect="1"/>
+          </p:cNvPicPr>
+          <p:nvPr/>
+        </p:nvPicPr>
+        <p:blipFill rotWithShape="1">
+          <a:blip r:embed="rId2"/>
+          <a:srcRect l="15172"/>
+          <a:stretch/>
+        </p:blipFill>
+        <p:spPr>
+          <a:xfrm>
+            <a:off x="9949987" y="0"/>
+            <a:ext cx="2242014" cy="653143"/>
+          </a:xfrm>
+          <a:prstGeom prst="rect">
+            <a:avLst/>
+          </a:prstGeom>
+        </p:spPr>
+      </p:pic>
+      <p:sp>
+        <p:nvSpPr>
+          <p:cNvPr id="7" name="TextBox 6">
+            <a:extLst>
+              <a:ext uri="{FF2B5EF4-FFF2-40B4-BE49-F238E27FC236}">
+                <a16:creationId xmlns:a16="http://schemas.microsoft.com/office/drawing/2014/main" id="{9EECCCD9-8AD5-9916-BC29-771066C9EE70}"/>
+              </a:ext>
+            </a:extLst>
+          </p:cNvPr>
+          <p:cNvSpPr txBox="1"/>
+          <p:nvPr/>
+        </p:nvSpPr>
+        <p:spPr>
+          <a:xfrm>
+            <a:off x="1" y="470259"/>
+            <a:ext cx="12192000" cy="1631216"/>
+          </a:xfrm>
+          <a:prstGeom prst="rect">
+            <a:avLst/>
+          </a:prstGeom>
+          <a:noFill/>
+        </p:spPr>
+        <p:txBody>
+          <a:bodyPr wrap="square" rtlCol="0">
+            <a:spAutoFit/>
+          </a:bodyPr>
+          <a:lstStyle/>
+          <a:p>
+            <a:pPr algn="ctr"/>
+            <a:r>
+              <a:rPr lang="en-US" sz="5000" b="1" dirty="0">
+                <a:solidFill>
+                  <a:srgbClr val="002060"/>
+                </a:solidFill>
+              </a:rPr>
+              <a:t>Logistic Regression – Not Fully Paid</a:t>
+            </a:r>
+          </a:p>
+          <a:p>
+            <a:pPr algn="ctr"/>
+            <a:endParaRPr lang="en-US" sz="5000" dirty="0">
+              <a:solidFill>
+                <a:srgbClr val="002060"/>
+              </a:solidFill>
+            </a:endParaRPr>
+          </a:p>
+        </p:txBody>
+      </p:sp>
+      <p:cxnSp>
+        <p:nvCxnSpPr>
+          <p:cNvPr id="9" name="Straight Connector 8">
+            <a:extLst>
+              <a:ext uri="{FF2B5EF4-FFF2-40B4-BE49-F238E27FC236}">
+                <a16:creationId xmlns:a16="http://schemas.microsoft.com/office/drawing/2014/main" id="{450EE6D2-7381-B11A-A20A-0D5D0904DD35}"/>
+              </a:ext>
+            </a:extLst>
+          </p:cNvPr>
+          <p:cNvCxnSpPr>
+            <a:cxnSpLocks/>
+          </p:cNvCxnSpPr>
+          <p:nvPr/>
+        </p:nvCxnSpPr>
+        <p:spPr>
+          <a:xfrm>
+            <a:off x="757647" y="1332033"/>
+            <a:ext cx="10659291" cy="0"/>
+          </a:xfrm>
+          <a:prstGeom prst="line">
+            <a:avLst/>
+          </a:prstGeom>
+          <a:ln w="57150">
+            <a:solidFill>
+              <a:srgbClr val="002060"/>
+            </a:solidFill>
+          </a:ln>
+        </p:spPr>
+        <p:style>
+          <a:lnRef idx="1">
+            <a:schemeClr val="accent1"/>
+          </a:lnRef>
+          <a:fillRef idx="0">
+            <a:schemeClr val="accent1"/>
+          </a:fillRef>
+          <a:effectRef idx="0">
+            <a:schemeClr val="accent1"/>
+          </a:effectRef>
+          <a:fontRef idx="minor">
+            <a:schemeClr val="tx1"/>
+          </a:fontRef>
+        </p:style>
+      </p:cxnSp>
+      <p:pic>
+        <p:nvPicPr>
+          <p:cNvPr id="3" name="Picture 2" descr="Chart&#10;&#10;Description automatically generated">
+            <a:extLst>
+              <a:ext uri="{FF2B5EF4-FFF2-40B4-BE49-F238E27FC236}">
+                <a16:creationId xmlns:a16="http://schemas.microsoft.com/office/drawing/2014/main" id="{F8CE4281-B37D-08C2-3C7F-6F74C9EBFC21}"/>
+              </a:ext>
+            </a:extLst>
+          </p:cNvPr>
+          <p:cNvPicPr>
+            <a:picLocks noChangeAspect="1"/>
+          </p:cNvPicPr>
+          <p:nvPr/>
+        </p:nvPicPr>
+        <p:blipFill>
+          <a:blip r:embed="rId3">
+            <a:extLst>
+              <a:ext uri="{28A0092B-C50C-407E-A947-70E740481C1C}">
+                <a14:useLocalDpi xmlns:a14="http://schemas.microsoft.com/office/drawing/2010/main" val="0"/>
+              </a:ext>
+            </a:extLst>
+          </a:blip>
+          <a:stretch>
+            <a:fillRect/>
+          </a:stretch>
+        </p:blipFill>
+        <p:spPr>
+          <a:xfrm>
+            <a:off x="2895576" y="1488410"/>
+            <a:ext cx="6400847" cy="4572033"/>
+          </a:xfrm>
+          <a:prstGeom prst="rect">
+            <a:avLst/>
+          </a:prstGeom>
+        </p:spPr>
+      </p:pic>
+    </p:spTree>
+    <p:extLst>
+      <p:ext uri="{BB962C8B-B14F-4D97-AF65-F5344CB8AC3E}">
+        <p14:creationId xmlns:p14="http://schemas.microsoft.com/office/powerpoint/2010/main" val="961642784"/>
+      </p:ext>
+    </p:extLst>
+  </p:cSld>
+  <p:clrMapOvr>
+    <a:masterClrMapping/>
+  </p:clrMapOvr>
+</p:sld>
+</file>
+
+<file path=ppt/slides/slide22.xml><?xml version="1.0" encoding="utf-8"?>
+<p:sld xmlns:a="http://schemas.openxmlformats.org/drawingml/2006/main" xmlns:r="http://schemas.openxmlformats.org/officeDocument/2006/relationships" xmlns:p="http://schemas.openxmlformats.org/presentationml/2006/main">
+  <p:cSld>
+    <p:spTree>
+      <p:nvGrpSpPr>
+        <p:cNvPr id="1" name=""/>
+        <p:cNvGrpSpPr/>
+        <p:nvPr/>
+      </p:nvGrpSpPr>
+      <p:grpSpPr>
+        <a:xfrm>
+          <a:off x="0" y="0"/>
+          <a:ext cx="0" cy="0"/>
+          <a:chOff x="0" y="0"/>
+          <a:chExt cx="0" cy="0"/>
+        </a:xfrm>
+      </p:grpSpPr>
+      <p:pic>
+        <p:nvPicPr>
+          <p:cNvPr id="5" name="Picture 4">
+            <a:extLst>
+              <a:ext uri="{FF2B5EF4-FFF2-40B4-BE49-F238E27FC236}">
+                <a16:creationId xmlns:a16="http://schemas.microsoft.com/office/drawing/2014/main" id="{558453F9-F3C1-EDA3-6D83-43170A158A07}"/>
+              </a:ext>
+            </a:extLst>
+          </p:cNvPr>
+          <p:cNvPicPr>
+            <a:picLocks noChangeAspect="1"/>
+          </p:cNvPicPr>
+          <p:nvPr/>
+        </p:nvPicPr>
+        <p:blipFill rotWithShape="1">
+          <a:blip r:embed="rId2"/>
+          <a:srcRect t="10770" r="84371" b="20000"/>
+          <a:stretch/>
+        </p:blipFill>
+        <p:spPr>
+          <a:xfrm>
+            <a:off x="0" y="0"/>
+            <a:ext cx="1073997" cy="1175657"/>
+          </a:xfrm>
+          <a:prstGeom prst="rect">
+            <a:avLst/>
+          </a:prstGeom>
+        </p:spPr>
+      </p:pic>
+      <p:pic>
+        <p:nvPicPr>
+          <p:cNvPr id="6" name="Picture 5">
+            <a:extLst>
+              <a:ext uri="{FF2B5EF4-FFF2-40B4-BE49-F238E27FC236}">
+                <a16:creationId xmlns:a16="http://schemas.microsoft.com/office/drawing/2014/main" id="{CE1484BB-74DC-9E65-B32D-BE5FE2E385CD}"/>
+              </a:ext>
+            </a:extLst>
+          </p:cNvPr>
+          <p:cNvPicPr>
+            <a:picLocks noChangeAspect="1"/>
+          </p:cNvPicPr>
+          <p:nvPr/>
+        </p:nvPicPr>
+        <p:blipFill rotWithShape="1">
+          <a:blip r:embed="rId2"/>
+          <a:srcRect l="15172"/>
+          <a:stretch/>
+        </p:blipFill>
+        <p:spPr>
+          <a:xfrm>
+            <a:off x="9949987" y="0"/>
+            <a:ext cx="2242014" cy="653143"/>
+          </a:xfrm>
+          <a:prstGeom prst="rect">
+            <a:avLst/>
+          </a:prstGeom>
+        </p:spPr>
+      </p:pic>
+      <p:sp>
+        <p:nvSpPr>
+          <p:cNvPr id="7" name="TextBox 6">
+            <a:extLst>
+              <a:ext uri="{FF2B5EF4-FFF2-40B4-BE49-F238E27FC236}">
+                <a16:creationId xmlns:a16="http://schemas.microsoft.com/office/drawing/2014/main" id="{9EECCCD9-8AD5-9916-BC29-771066C9EE70}"/>
+              </a:ext>
+            </a:extLst>
+          </p:cNvPr>
+          <p:cNvSpPr txBox="1"/>
+          <p:nvPr/>
+        </p:nvSpPr>
+        <p:spPr>
+          <a:xfrm>
+            <a:off x="1" y="470259"/>
+            <a:ext cx="12192000" cy="1631216"/>
+          </a:xfrm>
+          <a:prstGeom prst="rect">
+            <a:avLst/>
+          </a:prstGeom>
+          <a:noFill/>
+        </p:spPr>
+        <p:txBody>
+          <a:bodyPr wrap="square" rtlCol="0">
+            <a:spAutoFit/>
+          </a:bodyPr>
+          <a:lstStyle/>
+          <a:p>
+            <a:pPr algn="ctr"/>
+            <a:r>
+              <a:rPr lang="en-US" sz="5000" b="1" dirty="0">
+                <a:solidFill>
+                  <a:srgbClr val="002060"/>
+                </a:solidFill>
+              </a:rPr>
+              <a:t>Lasso Regression</a:t>
+            </a:r>
+          </a:p>
+          <a:p>
+            <a:pPr algn="ctr"/>
+            <a:endParaRPr lang="en-US" sz="5000" dirty="0">
+              <a:solidFill>
+                <a:srgbClr val="002060"/>
+              </a:solidFill>
+            </a:endParaRPr>
+          </a:p>
+        </p:txBody>
+      </p:sp>
+      <p:cxnSp>
+        <p:nvCxnSpPr>
+          <p:cNvPr id="9" name="Straight Connector 8">
+            <a:extLst>
+              <a:ext uri="{FF2B5EF4-FFF2-40B4-BE49-F238E27FC236}">
+                <a16:creationId xmlns:a16="http://schemas.microsoft.com/office/drawing/2014/main" id="{450EE6D2-7381-B11A-A20A-0D5D0904DD35}"/>
+              </a:ext>
+            </a:extLst>
+          </p:cNvPr>
+          <p:cNvCxnSpPr>
+            <a:cxnSpLocks/>
+          </p:cNvCxnSpPr>
+          <p:nvPr/>
+        </p:nvCxnSpPr>
+        <p:spPr>
+          <a:xfrm>
+            <a:off x="757647" y="1332033"/>
+            <a:ext cx="10659291" cy="0"/>
+          </a:xfrm>
+          <a:prstGeom prst="line">
+            <a:avLst/>
+          </a:prstGeom>
+          <a:ln w="57150">
+            <a:solidFill>
+              <a:srgbClr val="002060"/>
+            </a:solidFill>
+          </a:ln>
+        </p:spPr>
+        <p:style>
+          <a:lnRef idx="1">
+            <a:schemeClr val="accent1"/>
+          </a:lnRef>
+          <a:fillRef idx="0">
+            <a:schemeClr val="accent1"/>
+          </a:fillRef>
+          <a:effectRef idx="0">
+            <a:schemeClr val="accent1"/>
+          </a:effectRef>
+          <a:fontRef idx="minor">
+            <a:schemeClr val="tx1"/>
+          </a:fontRef>
+        </p:style>
+      </p:cxnSp>
+    </p:spTree>
+    <p:extLst>
+      <p:ext uri="{BB962C8B-B14F-4D97-AF65-F5344CB8AC3E}">
+        <p14:creationId xmlns:p14="http://schemas.microsoft.com/office/powerpoint/2010/main" val="1893722804"/>
+      </p:ext>
+    </p:extLst>
+  </p:cSld>
+  <p:clrMapOvr>
+    <a:masterClrMapping/>
+  </p:clrMapOvr>
+</p:sld>
+</file>
+
+<file path=ppt/slides/slide23.xml><?xml version="1.0" encoding="utf-8"?>
+<p:sld xmlns:a="http://schemas.openxmlformats.org/drawingml/2006/main" xmlns:r="http://schemas.openxmlformats.org/officeDocument/2006/relationships" xmlns:p="http://schemas.openxmlformats.org/presentationml/2006/main">
+  <p:cSld>
+    <p:spTree>
+      <p:nvGrpSpPr>
+        <p:cNvPr id="1" name=""/>
+        <p:cNvGrpSpPr/>
+        <p:nvPr/>
+      </p:nvGrpSpPr>
+      <p:grpSpPr>
+        <a:xfrm>
+          <a:off x="0" y="0"/>
+          <a:ext cx="0" cy="0"/>
+          <a:chOff x="0" y="0"/>
+          <a:chExt cx="0" cy="0"/>
+        </a:xfrm>
+      </p:grpSpPr>
+      <p:pic>
+        <p:nvPicPr>
+          <p:cNvPr id="5" name="Picture 4">
+            <a:extLst>
+              <a:ext uri="{FF2B5EF4-FFF2-40B4-BE49-F238E27FC236}">
+                <a16:creationId xmlns:a16="http://schemas.microsoft.com/office/drawing/2014/main" id="{558453F9-F3C1-EDA3-6D83-43170A158A07}"/>
+              </a:ext>
+            </a:extLst>
+          </p:cNvPr>
+          <p:cNvPicPr>
+            <a:picLocks noChangeAspect="1"/>
+          </p:cNvPicPr>
+          <p:nvPr/>
+        </p:nvPicPr>
+        <p:blipFill rotWithShape="1">
+          <a:blip r:embed="rId2"/>
+          <a:srcRect t="10770" r="84371" b="20000"/>
+          <a:stretch/>
+        </p:blipFill>
+        <p:spPr>
+          <a:xfrm>
+            <a:off x="0" y="0"/>
+            <a:ext cx="1073997" cy="1175657"/>
+          </a:xfrm>
+          <a:prstGeom prst="rect">
+            <a:avLst/>
+          </a:prstGeom>
+        </p:spPr>
+      </p:pic>
+      <p:pic>
+        <p:nvPicPr>
+          <p:cNvPr id="6" name="Picture 5">
+            <a:extLst>
+              <a:ext uri="{FF2B5EF4-FFF2-40B4-BE49-F238E27FC236}">
+                <a16:creationId xmlns:a16="http://schemas.microsoft.com/office/drawing/2014/main" id="{CE1484BB-74DC-9E65-B32D-BE5FE2E385CD}"/>
+              </a:ext>
+            </a:extLst>
+          </p:cNvPr>
+          <p:cNvPicPr>
+            <a:picLocks noChangeAspect="1"/>
+          </p:cNvPicPr>
+          <p:nvPr/>
+        </p:nvPicPr>
+        <p:blipFill rotWithShape="1">
+          <a:blip r:embed="rId2"/>
+          <a:srcRect l="15172"/>
+          <a:stretch/>
+        </p:blipFill>
+        <p:spPr>
+          <a:xfrm>
+            <a:off x="9949987" y="0"/>
+            <a:ext cx="2242014" cy="653143"/>
+          </a:xfrm>
+          <a:prstGeom prst="rect">
+            <a:avLst/>
+          </a:prstGeom>
+        </p:spPr>
+      </p:pic>
+      <p:sp>
+        <p:nvSpPr>
+          <p:cNvPr id="7" name="TextBox 6">
+            <a:extLst>
+              <a:ext uri="{FF2B5EF4-FFF2-40B4-BE49-F238E27FC236}">
+                <a16:creationId xmlns:a16="http://schemas.microsoft.com/office/drawing/2014/main" id="{9EECCCD9-8AD5-9916-BC29-771066C9EE70}"/>
+              </a:ext>
+            </a:extLst>
+          </p:cNvPr>
+          <p:cNvSpPr txBox="1"/>
+          <p:nvPr/>
+        </p:nvSpPr>
+        <p:spPr>
+          <a:xfrm>
+            <a:off x="1" y="470259"/>
+            <a:ext cx="12192000" cy="861774"/>
+          </a:xfrm>
+          <a:prstGeom prst="rect">
+            <a:avLst/>
+          </a:prstGeom>
+          <a:noFill/>
+        </p:spPr>
+        <p:txBody>
+          <a:bodyPr wrap="square" rtlCol="0">
+            <a:spAutoFit/>
+          </a:bodyPr>
+          <a:lstStyle/>
+          <a:p>
+            <a:pPr algn="ctr"/>
+            <a:r>
+              <a:rPr lang="en-US" sz="5000" b="1" dirty="0">
+                <a:solidFill>
+                  <a:srgbClr val="002060"/>
+                </a:solidFill>
+              </a:rPr>
+              <a:t>Classification Tree – Visual Tree</a:t>
+            </a:r>
+          </a:p>
+        </p:txBody>
+      </p:sp>
+      <p:cxnSp>
+        <p:nvCxnSpPr>
+          <p:cNvPr id="9" name="Straight Connector 8">
+            <a:extLst>
+              <a:ext uri="{FF2B5EF4-FFF2-40B4-BE49-F238E27FC236}">
+                <a16:creationId xmlns:a16="http://schemas.microsoft.com/office/drawing/2014/main" id="{450EE6D2-7381-B11A-A20A-0D5D0904DD35}"/>
+              </a:ext>
+            </a:extLst>
+          </p:cNvPr>
+          <p:cNvCxnSpPr>
+            <a:cxnSpLocks/>
+          </p:cNvCxnSpPr>
+          <p:nvPr/>
+        </p:nvCxnSpPr>
+        <p:spPr>
+          <a:xfrm>
+            <a:off x="757647" y="1332033"/>
+            <a:ext cx="10659291" cy="0"/>
+          </a:xfrm>
+          <a:prstGeom prst="line">
+            <a:avLst/>
+          </a:prstGeom>
+          <a:ln w="57150">
+            <a:solidFill>
+              <a:srgbClr val="002060"/>
+            </a:solidFill>
+          </a:ln>
+        </p:spPr>
+        <p:style>
+          <a:lnRef idx="1">
+            <a:schemeClr val="accent1"/>
+          </a:lnRef>
+          <a:fillRef idx="0">
+            <a:schemeClr val="accent1"/>
+          </a:fillRef>
+          <a:effectRef idx="0">
+            <a:schemeClr val="accent1"/>
+          </a:effectRef>
+          <a:fontRef idx="minor">
+            <a:schemeClr val="tx1"/>
+          </a:fontRef>
+        </p:style>
+      </p:cxnSp>
+      <p:pic>
+        <p:nvPicPr>
+          <p:cNvPr id="3" name="Picture 2" descr="Diagram&#10;&#10;Description automatically generated">
+            <a:extLst>
+              <a:ext uri="{FF2B5EF4-FFF2-40B4-BE49-F238E27FC236}">
+                <a16:creationId xmlns:a16="http://schemas.microsoft.com/office/drawing/2014/main" id="{01B57A88-251B-9A39-CD97-C0909F551BD7}"/>
+              </a:ext>
+            </a:extLst>
+          </p:cNvPr>
+          <p:cNvPicPr>
+            <a:picLocks noChangeAspect="1"/>
+          </p:cNvPicPr>
+          <p:nvPr/>
+        </p:nvPicPr>
+        <p:blipFill>
+          <a:blip r:embed="rId3">
+            <a:extLst>
+              <a:ext uri="{28A0092B-C50C-407E-A947-70E740481C1C}">
+                <a14:useLocalDpi xmlns:a14="http://schemas.microsoft.com/office/drawing/2010/main" val="0"/>
+              </a:ext>
+            </a:extLst>
+          </a:blip>
+          <a:stretch>
+            <a:fillRect/>
+          </a:stretch>
+        </p:blipFill>
+        <p:spPr>
+          <a:xfrm>
+            <a:off x="2895576" y="1691011"/>
+            <a:ext cx="6400847" cy="4572033"/>
+          </a:xfrm>
+          <a:prstGeom prst="rect">
+            <a:avLst/>
+          </a:prstGeom>
+        </p:spPr>
+      </p:pic>
+      <p:sp>
+        <p:nvSpPr>
+          <p:cNvPr id="2" name="TextBox 1">
+            <a:extLst>
+              <a:ext uri="{FF2B5EF4-FFF2-40B4-BE49-F238E27FC236}">
+                <a16:creationId xmlns:a16="http://schemas.microsoft.com/office/drawing/2014/main" id="{769B97F2-949C-6AED-5947-79C707840323}"/>
+              </a:ext>
+            </a:extLst>
+          </p:cNvPr>
+          <p:cNvSpPr txBox="1"/>
+          <p:nvPr/>
+        </p:nvSpPr>
+        <p:spPr>
+          <a:xfrm>
+            <a:off x="5389344" y="6078378"/>
+            <a:ext cx="1395895" cy="369332"/>
+          </a:xfrm>
+          <a:prstGeom prst="rect">
+            <a:avLst/>
+          </a:prstGeom>
+          <a:noFill/>
+        </p:spPr>
+        <p:txBody>
+          <a:bodyPr wrap="none" rtlCol="0">
+            <a:spAutoFit/>
+          </a:bodyPr>
+          <a:lstStyle/>
+          <a:p>
+            <a:r>
+              <a:rPr lang="en-US" dirty="0"/>
+              <a:t>Kappa = 0.83</a:t>
+            </a:r>
+          </a:p>
+        </p:txBody>
+      </p:sp>
+    </p:spTree>
+    <p:extLst>
+      <p:ext uri="{BB962C8B-B14F-4D97-AF65-F5344CB8AC3E}">
+        <p14:creationId xmlns:p14="http://schemas.microsoft.com/office/powerpoint/2010/main" val="562720074"/>
+      </p:ext>
+    </p:extLst>
+  </p:cSld>
+  <p:clrMapOvr>
+    <a:masterClrMapping/>
+  </p:clrMapOvr>
+</p:sld>
+</file>
+
+<file path=ppt/slides/slide24.xml><?xml version="1.0" encoding="utf-8"?>
+<p:sld xmlns:a="http://schemas.openxmlformats.org/drawingml/2006/main" xmlns:r="http://schemas.openxmlformats.org/officeDocument/2006/relationships" xmlns:p="http://schemas.openxmlformats.org/presentationml/2006/main">
+  <p:cSld>
+    <p:spTree>
+      <p:nvGrpSpPr>
+        <p:cNvPr id="1" name=""/>
+        <p:cNvGrpSpPr/>
+        <p:nvPr/>
+      </p:nvGrpSpPr>
+      <p:grpSpPr>
+        <a:xfrm>
+          <a:off x="0" y="0"/>
+          <a:ext cx="0" cy="0"/>
+          <a:chOff x="0" y="0"/>
+          <a:chExt cx="0" cy="0"/>
+        </a:xfrm>
+      </p:grpSpPr>
+      <p:pic>
+        <p:nvPicPr>
+          <p:cNvPr id="5" name="Picture 4">
+            <a:extLst>
+              <a:ext uri="{FF2B5EF4-FFF2-40B4-BE49-F238E27FC236}">
+                <a16:creationId xmlns:a16="http://schemas.microsoft.com/office/drawing/2014/main" id="{558453F9-F3C1-EDA3-6D83-43170A158A07}"/>
+              </a:ext>
+            </a:extLst>
+          </p:cNvPr>
+          <p:cNvPicPr>
+            <a:picLocks noChangeAspect="1"/>
+          </p:cNvPicPr>
+          <p:nvPr/>
+        </p:nvPicPr>
+        <p:blipFill rotWithShape="1">
+          <a:blip r:embed="rId3"/>
+          <a:srcRect t="10770" r="84371" b="20000"/>
+          <a:stretch/>
+        </p:blipFill>
+        <p:spPr>
+          <a:xfrm>
+            <a:off x="0" y="0"/>
+            <a:ext cx="1073997" cy="1175657"/>
+          </a:xfrm>
+          <a:prstGeom prst="rect">
+            <a:avLst/>
+          </a:prstGeom>
+        </p:spPr>
+      </p:pic>
+      <p:pic>
+        <p:nvPicPr>
+          <p:cNvPr id="6" name="Picture 5">
+            <a:extLst>
+              <a:ext uri="{FF2B5EF4-FFF2-40B4-BE49-F238E27FC236}">
+                <a16:creationId xmlns:a16="http://schemas.microsoft.com/office/drawing/2014/main" id="{CE1484BB-74DC-9E65-B32D-BE5FE2E385CD}"/>
+              </a:ext>
+            </a:extLst>
+          </p:cNvPr>
+          <p:cNvPicPr>
+            <a:picLocks noChangeAspect="1"/>
+          </p:cNvPicPr>
+          <p:nvPr/>
+        </p:nvPicPr>
+        <p:blipFill rotWithShape="1">
+          <a:blip r:embed="rId3"/>
+          <a:srcRect l="15172"/>
+          <a:stretch/>
+        </p:blipFill>
+        <p:spPr>
+          <a:xfrm>
+            <a:off x="9949987" y="0"/>
+            <a:ext cx="2242014" cy="653143"/>
+          </a:xfrm>
+          <a:prstGeom prst="rect">
+            <a:avLst/>
+          </a:prstGeom>
+        </p:spPr>
+      </p:pic>
+      <p:sp>
+        <p:nvSpPr>
+          <p:cNvPr id="7" name="TextBox 6">
+            <a:extLst>
+              <a:ext uri="{FF2B5EF4-FFF2-40B4-BE49-F238E27FC236}">
+                <a16:creationId xmlns:a16="http://schemas.microsoft.com/office/drawing/2014/main" id="{9EECCCD9-8AD5-9916-BC29-771066C9EE70}"/>
+              </a:ext>
+            </a:extLst>
+          </p:cNvPr>
+          <p:cNvSpPr txBox="1"/>
+          <p:nvPr/>
+        </p:nvSpPr>
+        <p:spPr>
+          <a:xfrm>
+            <a:off x="1" y="470259"/>
+            <a:ext cx="12192000" cy="861774"/>
+          </a:xfrm>
+          <a:prstGeom prst="rect">
+            <a:avLst/>
+          </a:prstGeom>
+          <a:noFill/>
+        </p:spPr>
+        <p:txBody>
+          <a:bodyPr wrap="square" rtlCol="0">
+            <a:spAutoFit/>
+          </a:bodyPr>
+          <a:lstStyle/>
+          <a:p>
+            <a:pPr algn="ctr"/>
+            <a:r>
+              <a:rPr lang="en-US" sz="5000" b="1" dirty="0">
+                <a:solidFill>
+                  <a:srgbClr val="002060"/>
+                </a:solidFill>
+              </a:rPr>
+              <a:t>Classification Tree – Confusion Matrix</a:t>
+            </a:r>
+          </a:p>
+        </p:txBody>
+      </p:sp>
+      <p:cxnSp>
+        <p:nvCxnSpPr>
+          <p:cNvPr id="9" name="Straight Connector 8">
+            <a:extLst>
+              <a:ext uri="{FF2B5EF4-FFF2-40B4-BE49-F238E27FC236}">
+                <a16:creationId xmlns:a16="http://schemas.microsoft.com/office/drawing/2014/main" id="{450EE6D2-7381-B11A-A20A-0D5D0904DD35}"/>
+              </a:ext>
+            </a:extLst>
+          </p:cNvPr>
+          <p:cNvCxnSpPr>
+            <a:cxnSpLocks/>
+          </p:cNvCxnSpPr>
+          <p:nvPr/>
+        </p:nvCxnSpPr>
+        <p:spPr>
+          <a:xfrm>
+            <a:off x="757647" y="1332033"/>
+            <a:ext cx="10659291" cy="0"/>
+          </a:xfrm>
+          <a:prstGeom prst="line">
+            <a:avLst/>
+          </a:prstGeom>
+          <a:ln w="57150">
+            <a:solidFill>
+              <a:srgbClr val="002060"/>
+            </a:solidFill>
+          </a:ln>
+        </p:spPr>
+        <p:style>
+          <a:lnRef idx="1">
+            <a:schemeClr val="accent1"/>
+          </a:lnRef>
+          <a:fillRef idx="0">
+            <a:schemeClr val="accent1"/>
+          </a:fillRef>
+          <a:effectRef idx="0">
+            <a:schemeClr val="accent1"/>
+          </a:effectRef>
+          <a:fontRef idx="minor">
+            <a:schemeClr val="tx1"/>
+          </a:fontRef>
+        </p:style>
+      </p:cxnSp>
+      <p:pic>
+        <p:nvPicPr>
+          <p:cNvPr id="3" name="Picture 2">
+            <a:extLst>
+              <a:ext uri="{FF2B5EF4-FFF2-40B4-BE49-F238E27FC236}">
+                <a16:creationId xmlns:a16="http://schemas.microsoft.com/office/drawing/2014/main" id="{53197530-2E14-923C-E337-E1922138DA0D}"/>
+              </a:ext>
+            </a:extLst>
+          </p:cNvPr>
+          <p:cNvPicPr>
+            <a:picLocks noChangeAspect="1"/>
+          </p:cNvPicPr>
+          <p:nvPr/>
+        </p:nvPicPr>
+        <p:blipFill>
+          <a:blip r:embed="rId4"/>
+          <a:stretch>
+            <a:fillRect/>
+          </a:stretch>
+        </p:blipFill>
+        <p:spPr>
+          <a:xfrm>
+            <a:off x="4216303" y="1488409"/>
+            <a:ext cx="3759393" cy="5340624"/>
+          </a:xfrm>
+          <a:prstGeom prst="rect">
+            <a:avLst/>
+          </a:prstGeom>
+        </p:spPr>
+      </p:pic>
+    </p:spTree>
+    <p:extLst>
+      <p:ext uri="{BB962C8B-B14F-4D97-AF65-F5344CB8AC3E}">
+        <p14:creationId xmlns:p14="http://schemas.microsoft.com/office/powerpoint/2010/main" val="1751695005"/>
+      </p:ext>
+    </p:extLst>
+  </p:cSld>
+  <p:clrMapOvr>
+    <a:masterClrMapping/>
+  </p:clrMapOvr>
+</p:sld>
+</file>
+
+<file path=ppt/slides/slide25.xml><?xml version="1.0" encoding="utf-8"?>
+<p:sld xmlns:a="http://schemas.openxmlformats.org/drawingml/2006/main" xmlns:r="http://schemas.openxmlformats.org/officeDocument/2006/relationships" xmlns:p="http://schemas.openxmlformats.org/presentationml/2006/main">
+  <p:cSld>
+    <p:spTree>
+      <p:nvGrpSpPr>
+        <p:cNvPr id="1" name=""/>
+        <p:cNvGrpSpPr/>
+        <p:nvPr/>
+      </p:nvGrpSpPr>
+      <p:grpSpPr>
+        <a:xfrm>
+          <a:off x="0" y="0"/>
+          <a:ext cx="0" cy="0"/>
+          <a:chOff x="0" y="0"/>
+          <a:chExt cx="0" cy="0"/>
+        </a:xfrm>
+      </p:grpSpPr>
+      <p:pic>
+        <p:nvPicPr>
+          <p:cNvPr id="5" name="Picture 4">
+            <a:extLst>
+              <a:ext uri="{FF2B5EF4-FFF2-40B4-BE49-F238E27FC236}">
+                <a16:creationId xmlns:a16="http://schemas.microsoft.com/office/drawing/2014/main" id="{558453F9-F3C1-EDA3-6D83-43170A158A07}"/>
+              </a:ext>
+            </a:extLst>
+          </p:cNvPr>
+          <p:cNvPicPr>
+            <a:picLocks noChangeAspect="1"/>
+          </p:cNvPicPr>
+          <p:nvPr/>
+        </p:nvPicPr>
+        <p:blipFill rotWithShape="1">
+          <a:blip r:embed="rId3"/>
+          <a:srcRect t="10770" r="84371" b="20000"/>
+          <a:stretch/>
+        </p:blipFill>
+        <p:spPr>
+          <a:xfrm>
+            <a:off x="0" y="0"/>
+            <a:ext cx="1073997" cy="1175657"/>
+          </a:xfrm>
+          <a:prstGeom prst="rect">
+            <a:avLst/>
+          </a:prstGeom>
+        </p:spPr>
+      </p:pic>
+      <p:pic>
+        <p:nvPicPr>
+          <p:cNvPr id="6" name="Picture 5">
+            <a:extLst>
+              <a:ext uri="{FF2B5EF4-FFF2-40B4-BE49-F238E27FC236}">
+                <a16:creationId xmlns:a16="http://schemas.microsoft.com/office/drawing/2014/main" id="{CE1484BB-74DC-9E65-B32D-BE5FE2E385CD}"/>
+              </a:ext>
+            </a:extLst>
+          </p:cNvPr>
+          <p:cNvPicPr>
+            <a:picLocks noChangeAspect="1"/>
+          </p:cNvPicPr>
+          <p:nvPr/>
+        </p:nvPicPr>
+        <p:blipFill rotWithShape="1">
+          <a:blip r:embed="rId3"/>
+          <a:srcRect l="15172"/>
+          <a:stretch/>
+        </p:blipFill>
+        <p:spPr>
+          <a:xfrm>
+            <a:off x="9949987" y="0"/>
+            <a:ext cx="2242014" cy="653143"/>
+          </a:xfrm>
+          <a:prstGeom prst="rect">
+            <a:avLst/>
+          </a:prstGeom>
+        </p:spPr>
+      </p:pic>
+      <p:sp>
+        <p:nvSpPr>
+          <p:cNvPr id="7" name="TextBox 6">
+            <a:extLst>
+              <a:ext uri="{FF2B5EF4-FFF2-40B4-BE49-F238E27FC236}">
+                <a16:creationId xmlns:a16="http://schemas.microsoft.com/office/drawing/2014/main" id="{9EECCCD9-8AD5-9916-BC29-771066C9EE70}"/>
+              </a:ext>
+            </a:extLst>
+          </p:cNvPr>
+          <p:cNvSpPr txBox="1"/>
+          <p:nvPr/>
+        </p:nvSpPr>
+        <p:spPr>
+          <a:xfrm>
+            <a:off x="1" y="470259"/>
+            <a:ext cx="12192000" cy="861774"/>
+          </a:xfrm>
+          <a:prstGeom prst="rect">
+            <a:avLst/>
+          </a:prstGeom>
+          <a:noFill/>
+        </p:spPr>
+        <p:txBody>
+          <a:bodyPr wrap="square" rtlCol="0">
+            <a:spAutoFit/>
+          </a:bodyPr>
+          <a:lstStyle/>
+          <a:p>
+            <a:pPr algn="ctr"/>
+            <a:r>
+              <a:rPr lang="en-US" sz="5000" b="1" dirty="0">
+                <a:solidFill>
+                  <a:srgbClr val="002060"/>
+                </a:solidFill>
+              </a:rPr>
+              <a:t>Classification Tree – ROC Curve</a:t>
+            </a:r>
+          </a:p>
+        </p:txBody>
+      </p:sp>
+      <p:cxnSp>
+        <p:nvCxnSpPr>
+          <p:cNvPr id="9" name="Straight Connector 8">
+            <a:extLst>
+              <a:ext uri="{FF2B5EF4-FFF2-40B4-BE49-F238E27FC236}">
+                <a16:creationId xmlns:a16="http://schemas.microsoft.com/office/drawing/2014/main" id="{450EE6D2-7381-B11A-A20A-0D5D0904DD35}"/>
+              </a:ext>
+            </a:extLst>
+          </p:cNvPr>
+          <p:cNvCxnSpPr>
+            <a:cxnSpLocks/>
+          </p:cNvCxnSpPr>
+          <p:nvPr/>
+        </p:nvCxnSpPr>
+        <p:spPr>
+          <a:xfrm>
+            <a:off x="757647" y="1332033"/>
+            <a:ext cx="10659291" cy="0"/>
+          </a:xfrm>
+          <a:prstGeom prst="line">
+            <a:avLst/>
+          </a:prstGeom>
+          <a:ln w="57150">
+            <a:solidFill>
+              <a:srgbClr val="002060"/>
+            </a:solidFill>
+          </a:ln>
+        </p:spPr>
+        <p:style>
+          <a:lnRef idx="1">
+            <a:schemeClr val="accent1"/>
+          </a:lnRef>
+          <a:fillRef idx="0">
+            <a:schemeClr val="accent1"/>
+          </a:fillRef>
+          <a:effectRef idx="0">
+            <a:schemeClr val="accent1"/>
+          </a:effectRef>
+          <a:fontRef idx="minor">
+            <a:schemeClr val="tx1"/>
+          </a:fontRef>
+        </p:style>
+      </p:cxnSp>
+      <p:pic>
+        <p:nvPicPr>
+          <p:cNvPr id="4" name="Picture 3" descr="A picture containing chart&#10;&#10;Description automatically generated">
+            <a:extLst>
+              <a:ext uri="{FF2B5EF4-FFF2-40B4-BE49-F238E27FC236}">
+                <a16:creationId xmlns:a16="http://schemas.microsoft.com/office/drawing/2014/main" id="{42D988EC-5A0B-5693-5FAE-64380A8B7603}"/>
+              </a:ext>
+            </a:extLst>
+          </p:cNvPr>
+          <p:cNvPicPr>
+            <a:picLocks noChangeAspect="1"/>
+          </p:cNvPicPr>
+          <p:nvPr/>
+        </p:nvPicPr>
+        <p:blipFill>
+          <a:blip r:embed="rId4">
+            <a:extLst>
+              <a:ext uri="{28A0092B-C50C-407E-A947-70E740481C1C}">
+                <a14:useLocalDpi xmlns:a14="http://schemas.microsoft.com/office/drawing/2010/main" val="0"/>
+              </a:ext>
+            </a:extLst>
+          </a:blip>
+          <a:stretch>
+            <a:fillRect/>
+          </a:stretch>
+        </p:blipFill>
+        <p:spPr>
+          <a:xfrm>
+            <a:off x="2738999" y="1520901"/>
+            <a:ext cx="6400847" cy="4572033"/>
+          </a:xfrm>
+          <a:prstGeom prst="rect">
+            <a:avLst/>
+          </a:prstGeom>
+        </p:spPr>
+      </p:pic>
+      <p:sp>
+        <p:nvSpPr>
+          <p:cNvPr id="8" name="TextBox 7">
+            <a:extLst>
+              <a:ext uri="{FF2B5EF4-FFF2-40B4-BE49-F238E27FC236}">
+                <a16:creationId xmlns:a16="http://schemas.microsoft.com/office/drawing/2014/main" id="{2DBF58F3-7E65-6D50-C337-8940DA3DC74A}"/>
+              </a:ext>
+            </a:extLst>
+          </p:cNvPr>
+          <p:cNvSpPr txBox="1"/>
+          <p:nvPr/>
+        </p:nvSpPr>
+        <p:spPr>
+          <a:xfrm>
+            <a:off x="5215828" y="6281803"/>
+            <a:ext cx="1447191" cy="369332"/>
+          </a:xfrm>
+          <a:prstGeom prst="rect">
+            <a:avLst/>
+          </a:prstGeom>
+          <a:noFill/>
+        </p:spPr>
+        <p:txBody>
+          <a:bodyPr wrap="none" rtlCol="0">
+            <a:spAutoFit/>
+          </a:bodyPr>
+          <a:lstStyle/>
+          <a:p>
+            <a:r>
+              <a:rPr lang="en-US" dirty="0"/>
+              <a:t>ROC = 0.8774</a:t>
+            </a:r>
+          </a:p>
+        </p:txBody>
+      </p:sp>
+    </p:spTree>
+    <p:extLst>
+      <p:ext uri="{BB962C8B-B14F-4D97-AF65-F5344CB8AC3E}">
+        <p14:creationId xmlns:p14="http://schemas.microsoft.com/office/powerpoint/2010/main" val="1277009581"/>
+      </p:ext>
+    </p:extLst>
+  </p:cSld>
+  <p:clrMapOvr>
+    <a:masterClrMapping/>
+  </p:clrMapOvr>
+</p:sld>
+</file>
+
+<file path=ppt/slides/slide26.xml><?xml version="1.0" encoding="utf-8"?>
+<p:sld xmlns:a="http://schemas.openxmlformats.org/drawingml/2006/main" xmlns:r="http://schemas.openxmlformats.org/officeDocument/2006/relationships" xmlns:p="http://schemas.openxmlformats.org/presentationml/2006/main">
+  <p:cSld>
+    <p:spTree>
+      <p:nvGrpSpPr>
+        <p:cNvPr id="1" name=""/>
+        <p:cNvGrpSpPr/>
+        <p:nvPr/>
+      </p:nvGrpSpPr>
+      <p:grpSpPr>
+        <a:xfrm>
+          <a:off x="0" y="0"/>
+          <a:ext cx="0" cy="0"/>
+          <a:chOff x="0" y="0"/>
+          <a:chExt cx="0" cy="0"/>
+        </a:xfrm>
+      </p:grpSpPr>
+      <p:pic>
+        <p:nvPicPr>
+          <p:cNvPr id="5" name="Picture 4">
+            <a:extLst>
+              <a:ext uri="{FF2B5EF4-FFF2-40B4-BE49-F238E27FC236}">
+                <a16:creationId xmlns:a16="http://schemas.microsoft.com/office/drawing/2014/main" id="{558453F9-F3C1-EDA3-6D83-43170A158A07}"/>
+              </a:ext>
+            </a:extLst>
+          </p:cNvPr>
+          <p:cNvPicPr>
+            <a:picLocks noChangeAspect="1"/>
+          </p:cNvPicPr>
+          <p:nvPr/>
+        </p:nvPicPr>
+        <p:blipFill rotWithShape="1">
+          <a:blip r:embed="rId3"/>
+          <a:srcRect t="10770" r="84371" b="20000"/>
+          <a:stretch/>
+        </p:blipFill>
+        <p:spPr>
+          <a:xfrm>
+            <a:off x="0" y="0"/>
+            <a:ext cx="1073997" cy="1175657"/>
+          </a:xfrm>
+          <a:prstGeom prst="rect">
+            <a:avLst/>
+          </a:prstGeom>
+        </p:spPr>
+      </p:pic>
+      <p:pic>
+        <p:nvPicPr>
+          <p:cNvPr id="6" name="Picture 5">
+            <a:extLst>
+              <a:ext uri="{FF2B5EF4-FFF2-40B4-BE49-F238E27FC236}">
+                <a16:creationId xmlns:a16="http://schemas.microsoft.com/office/drawing/2014/main" id="{CE1484BB-74DC-9E65-B32D-BE5FE2E385CD}"/>
+              </a:ext>
+            </a:extLst>
+          </p:cNvPr>
+          <p:cNvPicPr>
+            <a:picLocks noChangeAspect="1"/>
+          </p:cNvPicPr>
+          <p:nvPr/>
+        </p:nvPicPr>
+        <p:blipFill rotWithShape="1">
+          <a:blip r:embed="rId3"/>
+          <a:srcRect l="15172"/>
+          <a:stretch/>
+        </p:blipFill>
+        <p:spPr>
+          <a:xfrm>
+            <a:off x="9949987" y="0"/>
+            <a:ext cx="2242014" cy="653143"/>
+          </a:xfrm>
+          <a:prstGeom prst="rect">
+            <a:avLst/>
+          </a:prstGeom>
+        </p:spPr>
+      </p:pic>
+      <p:sp>
+        <p:nvSpPr>
+          <p:cNvPr id="7" name="TextBox 6">
+            <a:extLst>
+              <a:ext uri="{FF2B5EF4-FFF2-40B4-BE49-F238E27FC236}">
+                <a16:creationId xmlns:a16="http://schemas.microsoft.com/office/drawing/2014/main" id="{9EECCCD9-8AD5-9916-BC29-771066C9EE70}"/>
+              </a:ext>
+            </a:extLst>
+          </p:cNvPr>
+          <p:cNvSpPr txBox="1"/>
+          <p:nvPr/>
+        </p:nvSpPr>
+        <p:spPr>
+          <a:xfrm>
+            <a:off x="1" y="470259"/>
+            <a:ext cx="12192000" cy="861774"/>
+          </a:xfrm>
+          <a:prstGeom prst="rect">
+            <a:avLst/>
+          </a:prstGeom>
+          <a:noFill/>
+        </p:spPr>
+        <p:txBody>
+          <a:bodyPr wrap="square" rtlCol="0">
+            <a:spAutoFit/>
+          </a:bodyPr>
+          <a:lstStyle/>
+          <a:p>
+            <a:pPr algn="ctr"/>
+            <a:r>
+              <a:rPr lang="en-US" sz="5000" b="1" dirty="0">
+                <a:solidFill>
+                  <a:srgbClr val="002060"/>
+                </a:solidFill>
+              </a:rPr>
+              <a:t>Model Application</a:t>
             </a:r>
           </a:p>
         </p:txBody>
@@ -6071,13 +9541,13 @@
           <p:nvPr>
             <p:extLst>
               <p:ext uri="{D42A27DB-BD31-4B8C-83A1-F6EECF244321}">
-                <p14:modId xmlns:p14="http://schemas.microsoft.com/office/powerpoint/2010/main" val="3080204542"/>
+                <p14:modId xmlns:p14="http://schemas.microsoft.com/office/powerpoint/2010/main" val="3331872699"/>
               </p:ext>
             </p:extLst>
           </p:nvPr>
         </p:nvGraphicFramePr>
         <p:xfrm>
-          <a:off x="2031999" y="2171624"/>
+          <a:off x="2031998" y="1803070"/>
           <a:ext cx="8128000" cy="1112520"/>
         </p:xfrm>
         <a:graphic>
@@ -6225,7 +9695,7 @@
         </p:nvSpPr>
         <p:spPr>
           <a:xfrm>
-            <a:off x="5098579" y="1802292"/>
+            <a:off x="5098578" y="1432960"/>
             <a:ext cx="1994841" cy="369332"/>
           </a:xfrm>
           <a:prstGeom prst="rect">
@@ -6261,13 +9731,13 @@
           <p:nvPr>
             <p:extLst>
               <p:ext uri="{D42A27DB-BD31-4B8C-83A1-F6EECF244321}">
-                <p14:modId xmlns:p14="http://schemas.microsoft.com/office/powerpoint/2010/main" val="3318283962"/>
+                <p14:modId xmlns:p14="http://schemas.microsoft.com/office/powerpoint/2010/main" val="1365323033"/>
               </p:ext>
             </p:extLst>
           </p:nvPr>
         </p:nvGraphicFramePr>
         <p:xfrm>
-          <a:off x="2031999" y="4755650"/>
+          <a:off x="2023292" y="3577431"/>
           <a:ext cx="8128000" cy="1112520"/>
         </p:xfrm>
         <a:graphic>
@@ -6415,8 +9885,8 @@
         </p:nvSpPr>
         <p:spPr>
           <a:xfrm>
-            <a:off x="4947447" y="4386318"/>
-            <a:ext cx="2297104" cy="369332"/>
+            <a:off x="4294062" y="3238189"/>
+            <a:ext cx="3603872" cy="369332"/>
           </a:xfrm>
           <a:prstGeom prst="rect">
             <a:avLst/>
@@ -6431,7 +9901,197 @@
           <a:p>
             <a:r>
               <a:rPr lang="en-US" dirty="0"/>
-              <a:t>Predicted Credit Policy</a:t>
+              <a:t>Decision Tree Predicted Credit Policy</a:t>
+            </a:r>
+          </a:p>
+        </p:txBody>
+      </p:sp>
+      <p:graphicFrame>
+        <p:nvGraphicFramePr>
+          <p:cNvPr id="4" name="Table 2">
+            <a:extLst>
+              <a:ext uri="{FF2B5EF4-FFF2-40B4-BE49-F238E27FC236}">
+                <a16:creationId xmlns:a16="http://schemas.microsoft.com/office/drawing/2014/main" id="{B9DBB600-19C5-AD30-FE95-F7B6B4965C9B}"/>
+              </a:ext>
+            </a:extLst>
+          </p:cNvPr>
+          <p:cNvGraphicFramePr>
+            <a:graphicFrameLocks noGrp="1"/>
+          </p:cNvGraphicFramePr>
+          <p:nvPr>
+            <p:extLst>
+              <p:ext uri="{D42A27DB-BD31-4B8C-83A1-F6EECF244321}">
+                <p14:modId xmlns:p14="http://schemas.microsoft.com/office/powerpoint/2010/main" val="1358704906"/>
+              </p:ext>
+            </p:extLst>
+          </p:nvPr>
+        </p:nvGraphicFramePr>
+        <p:xfrm>
+          <a:off x="2100536" y="5525967"/>
+          <a:ext cx="8128000" cy="1112520"/>
+        </p:xfrm>
+        <a:graphic>
+          <a:graphicData uri="http://schemas.openxmlformats.org/drawingml/2006/table">
+            <a:tbl>
+              <a:tblPr firstRow="1" bandRow="1">
+                <a:tableStyleId>{5C22544A-7EE6-4342-B048-85BDC9FD1C3A}</a:tableStyleId>
+              </a:tblPr>
+              <a:tblGrid>
+                <a:gridCol w="4064000">
+                  <a:extLst>
+                    <a:ext uri="{9D8B030D-6E8A-4147-A177-3AD203B41FA5}">
+                      <a16:colId xmlns:a16="http://schemas.microsoft.com/office/drawing/2014/main" val="510356326"/>
+                    </a:ext>
+                  </a:extLst>
+                </a:gridCol>
+                <a:gridCol w="4064000">
+                  <a:extLst>
+                    <a:ext uri="{9D8B030D-6E8A-4147-A177-3AD203B41FA5}">
+                      <a16:colId xmlns:a16="http://schemas.microsoft.com/office/drawing/2014/main" val="2332356120"/>
+                    </a:ext>
+                  </a:extLst>
+                </a:gridCol>
+              </a:tblGrid>
+              <a:tr h="370840">
+                <a:tc>
+                  <a:txBody>
+                    <a:bodyPr/>
+                    <a:lstStyle/>
+                    <a:p>
+                      <a:pPr algn="ctr"/>
+                      <a:r>
+                        <a:rPr lang="en-US" dirty="0"/>
+                        <a:t>Credit Policy</a:t>
+                      </a:r>
+                    </a:p>
+                  </a:txBody>
+                  <a:tcPr/>
+                </a:tc>
+                <a:tc>
+                  <a:txBody>
+                    <a:bodyPr/>
+                    <a:lstStyle/>
+                    <a:p>
+                      <a:pPr algn="ctr"/>
+                      <a:r>
+                        <a:rPr lang="en-US" dirty="0"/>
+                        <a:t>Percent Not Fully Paid</a:t>
+                      </a:r>
+                    </a:p>
+                  </a:txBody>
+                  <a:tcPr/>
+                </a:tc>
+                <a:extLst>
+                  <a:ext uri="{0D108BD9-81ED-4DB2-BD59-A6C34878D82A}">
+                    <a16:rowId xmlns:a16="http://schemas.microsoft.com/office/drawing/2014/main" val="2660053768"/>
+                  </a:ext>
+                </a:extLst>
+              </a:tr>
+              <a:tr h="370840">
+                <a:tc>
+                  <a:txBody>
+                    <a:bodyPr/>
+                    <a:lstStyle/>
+                    <a:p>
+                      <a:pPr algn="ctr"/>
+                      <a:r>
+                        <a:rPr lang="en-US" dirty="0"/>
+                        <a:t>Fails</a:t>
+                      </a:r>
+                    </a:p>
+                  </a:txBody>
+                  <a:tcPr/>
+                </a:tc>
+                <a:tc>
+                  <a:txBody>
+                    <a:bodyPr/>
+                    <a:lstStyle/>
+                    <a:p>
+                      <a:pPr algn="ctr"/>
+                      <a:r>
+                        <a:rPr lang="en-US" dirty="0"/>
+                        <a:t>???%</a:t>
+                      </a:r>
+                    </a:p>
+                  </a:txBody>
+                  <a:tcPr/>
+                </a:tc>
+                <a:extLst>
+                  <a:ext uri="{0D108BD9-81ED-4DB2-BD59-A6C34878D82A}">
+                    <a16:rowId xmlns:a16="http://schemas.microsoft.com/office/drawing/2014/main" val="2276347373"/>
+                  </a:ext>
+                </a:extLst>
+              </a:tr>
+              <a:tr h="370840">
+                <a:tc>
+                  <a:txBody>
+                    <a:bodyPr/>
+                    <a:lstStyle/>
+                    <a:p>
+                      <a:pPr algn="ctr"/>
+                      <a:r>
+                        <a:rPr lang="en-US" dirty="0"/>
+                        <a:t>Meets</a:t>
+                      </a:r>
+                    </a:p>
+                  </a:txBody>
+                  <a:tcPr/>
+                </a:tc>
+                <a:tc>
+                  <a:txBody>
+                    <a:bodyPr/>
+                    <a:lstStyle/>
+                    <a:p>
+                      <a:pPr algn="ctr"/>
+                      <a:r>
+                        <a:rPr lang="en-US" dirty="0"/>
+                        <a:t>???%</a:t>
+                      </a:r>
+                    </a:p>
+                  </a:txBody>
+                  <a:tcPr/>
+                </a:tc>
+                <a:extLst>
+                  <a:ext uri="{0D108BD9-81ED-4DB2-BD59-A6C34878D82A}">
+                    <a16:rowId xmlns:a16="http://schemas.microsoft.com/office/drawing/2014/main" val="295577914"/>
+                  </a:ext>
+                </a:extLst>
+              </a:tr>
+            </a:tbl>
+          </a:graphicData>
+        </a:graphic>
+      </p:graphicFrame>
+      <p:sp>
+        <p:nvSpPr>
+          <p:cNvPr id="10" name="TextBox 9">
+            <a:extLst>
+              <a:ext uri="{FF2B5EF4-FFF2-40B4-BE49-F238E27FC236}">
+                <a16:creationId xmlns:a16="http://schemas.microsoft.com/office/drawing/2014/main" id="{2906EC1C-5DE1-4CB2-9779-7C0E800CE8A8}"/>
+              </a:ext>
+            </a:extLst>
+          </p:cNvPr>
+          <p:cNvSpPr txBox="1"/>
+          <p:nvPr/>
+        </p:nvSpPr>
+        <p:spPr>
+          <a:xfrm>
+            <a:off x="4107883" y="5156634"/>
+            <a:ext cx="4113306" cy="369332"/>
+          </a:xfrm>
+          <a:prstGeom prst="rect">
+            <a:avLst/>
+          </a:prstGeom>
+          <a:noFill/>
+        </p:spPr>
+        <p:txBody>
+          <a:bodyPr wrap="none" rtlCol="0">
+            <a:spAutoFit/>
+          </a:bodyPr>
+          <a:lstStyle/>
+          <a:p>
+            <a:r>
+              <a:rPr lang="en-US" dirty="0"/>
+              <a:t>Logistic Regression Predicted Credit Policy</a:t>
             </a:r>
           </a:p>
         </p:txBody>
@@ -6449,3168 +10109,7 @@
 </p:sld>
 </file>
 
-<file path=ppt/slides/slide12.xml><?xml version="1.0" encoding="utf-8"?>
-<p:sld xmlns:a="http://schemas.openxmlformats.org/drawingml/2006/main" xmlns:r="http://schemas.openxmlformats.org/officeDocument/2006/relationships" xmlns:p="http://schemas.openxmlformats.org/presentationml/2006/main">
-  <p:cSld>
-    <p:spTree>
-      <p:nvGrpSpPr>
-        <p:cNvPr id="1" name=""/>
-        <p:cNvGrpSpPr/>
-        <p:nvPr/>
-      </p:nvGrpSpPr>
-      <p:grpSpPr>
-        <a:xfrm>
-          <a:off x="0" y="0"/>
-          <a:ext cx="0" cy="0"/>
-          <a:chOff x="0" y="0"/>
-          <a:chExt cx="0" cy="0"/>
-        </a:xfrm>
-      </p:grpSpPr>
-      <p:pic>
-        <p:nvPicPr>
-          <p:cNvPr id="5" name="Picture 4">
-            <a:extLst>
-              <a:ext uri="{FF2B5EF4-FFF2-40B4-BE49-F238E27FC236}">
-                <a16:creationId xmlns:a16="http://schemas.microsoft.com/office/drawing/2014/main" id="{558453F9-F3C1-EDA3-6D83-43170A158A07}"/>
-              </a:ext>
-            </a:extLst>
-          </p:cNvPr>
-          <p:cNvPicPr>
-            <a:picLocks noChangeAspect="1"/>
-          </p:cNvPicPr>
-          <p:nvPr/>
-        </p:nvPicPr>
-        <p:blipFill rotWithShape="1">
-          <a:blip r:embed="rId2"/>
-          <a:srcRect t="10770" r="84371" b="20000"/>
-          <a:stretch/>
-        </p:blipFill>
-        <p:spPr>
-          <a:xfrm>
-            <a:off x="0" y="0"/>
-            <a:ext cx="1073997" cy="1175657"/>
-          </a:xfrm>
-          <a:prstGeom prst="rect">
-            <a:avLst/>
-          </a:prstGeom>
-        </p:spPr>
-      </p:pic>
-      <p:pic>
-        <p:nvPicPr>
-          <p:cNvPr id="6" name="Picture 5">
-            <a:extLst>
-              <a:ext uri="{FF2B5EF4-FFF2-40B4-BE49-F238E27FC236}">
-                <a16:creationId xmlns:a16="http://schemas.microsoft.com/office/drawing/2014/main" id="{CE1484BB-74DC-9E65-B32D-BE5FE2E385CD}"/>
-              </a:ext>
-            </a:extLst>
-          </p:cNvPr>
-          <p:cNvPicPr>
-            <a:picLocks noChangeAspect="1"/>
-          </p:cNvPicPr>
-          <p:nvPr/>
-        </p:nvPicPr>
-        <p:blipFill rotWithShape="1">
-          <a:blip r:embed="rId2"/>
-          <a:srcRect l="15172"/>
-          <a:stretch/>
-        </p:blipFill>
-        <p:spPr>
-          <a:xfrm>
-            <a:off x="9949987" y="0"/>
-            <a:ext cx="2242014" cy="653143"/>
-          </a:xfrm>
-          <a:prstGeom prst="rect">
-            <a:avLst/>
-          </a:prstGeom>
-        </p:spPr>
-      </p:pic>
-      <p:sp>
-        <p:nvSpPr>
-          <p:cNvPr id="7" name="TextBox 6">
-            <a:extLst>
-              <a:ext uri="{FF2B5EF4-FFF2-40B4-BE49-F238E27FC236}">
-                <a16:creationId xmlns:a16="http://schemas.microsoft.com/office/drawing/2014/main" id="{9EECCCD9-8AD5-9916-BC29-771066C9EE70}"/>
-              </a:ext>
-            </a:extLst>
-          </p:cNvPr>
-          <p:cNvSpPr txBox="1"/>
-          <p:nvPr/>
-        </p:nvSpPr>
-        <p:spPr>
-          <a:xfrm>
-            <a:off x="1" y="470259"/>
-            <a:ext cx="12192000" cy="861774"/>
-          </a:xfrm>
-          <a:prstGeom prst="rect">
-            <a:avLst/>
-          </a:prstGeom>
-          <a:noFill/>
-        </p:spPr>
-        <p:txBody>
-          <a:bodyPr wrap="square" rtlCol="0">
-            <a:spAutoFit/>
-          </a:bodyPr>
-          <a:lstStyle/>
-          <a:p>
-            <a:pPr algn="ctr"/>
-            <a:r>
-              <a:rPr lang="en-US" sz="5000" b="1" dirty="0">
-                <a:solidFill>
-                  <a:srgbClr val="002060"/>
-                </a:solidFill>
-              </a:rPr>
-              <a:t>Simple Linear Regression – 1 of 4</a:t>
-            </a:r>
-          </a:p>
-        </p:txBody>
-      </p:sp>
-      <p:cxnSp>
-        <p:nvCxnSpPr>
-          <p:cNvPr id="9" name="Straight Connector 8">
-            <a:extLst>
-              <a:ext uri="{FF2B5EF4-FFF2-40B4-BE49-F238E27FC236}">
-                <a16:creationId xmlns:a16="http://schemas.microsoft.com/office/drawing/2014/main" id="{450EE6D2-7381-B11A-A20A-0D5D0904DD35}"/>
-              </a:ext>
-            </a:extLst>
-          </p:cNvPr>
-          <p:cNvCxnSpPr>
-            <a:cxnSpLocks/>
-          </p:cNvCxnSpPr>
-          <p:nvPr/>
-        </p:nvCxnSpPr>
-        <p:spPr>
-          <a:xfrm>
-            <a:off x="757647" y="1332033"/>
-            <a:ext cx="10659291" cy="0"/>
-          </a:xfrm>
-          <a:prstGeom prst="line">
-            <a:avLst/>
-          </a:prstGeom>
-          <a:ln w="57150">
-            <a:solidFill>
-              <a:srgbClr val="002060"/>
-            </a:solidFill>
-          </a:ln>
-        </p:spPr>
-        <p:style>
-          <a:lnRef idx="1">
-            <a:schemeClr val="accent1"/>
-          </a:lnRef>
-          <a:fillRef idx="0">
-            <a:schemeClr val="accent1"/>
-          </a:fillRef>
-          <a:effectRef idx="0">
-            <a:schemeClr val="accent1"/>
-          </a:effectRef>
-          <a:fontRef idx="minor">
-            <a:schemeClr val="tx1"/>
-          </a:fontRef>
-        </p:style>
-      </p:cxnSp>
-      <p:pic>
-        <p:nvPicPr>
-          <p:cNvPr id="4" name="Picture 3" descr="Chart&#10;&#10;Description automatically generated">
-            <a:extLst>
-              <a:ext uri="{FF2B5EF4-FFF2-40B4-BE49-F238E27FC236}">
-                <a16:creationId xmlns:a16="http://schemas.microsoft.com/office/drawing/2014/main" id="{336BB0A6-4E7B-92E8-12B8-999E4E319221}"/>
-              </a:ext>
-            </a:extLst>
-          </p:cNvPr>
-          <p:cNvPicPr>
-            <a:picLocks noChangeAspect="1"/>
-          </p:cNvPicPr>
-          <p:nvPr/>
-        </p:nvPicPr>
-        <p:blipFill>
-          <a:blip r:embed="rId3">
-            <a:extLst>
-              <a:ext uri="{28A0092B-C50C-407E-A947-70E740481C1C}">
-                <a14:useLocalDpi xmlns:a14="http://schemas.microsoft.com/office/drawing/2010/main" val="0"/>
-              </a:ext>
-            </a:extLst>
-          </a:blip>
-          <a:stretch>
-            <a:fillRect/>
-          </a:stretch>
-        </p:blipFill>
-        <p:spPr>
-          <a:xfrm>
-            <a:off x="2895576" y="1631498"/>
-            <a:ext cx="6400847" cy="4572033"/>
-          </a:xfrm>
-          <a:prstGeom prst="rect">
-            <a:avLst/>
-          </a:prstGeom>
-        </p:spPr>
-      </p:pic>
-    </p:spTree>
-    <p:extLst>
-      <p:ext uri="{BB962C8B-B14F-4D97-AF65-F5344CB8AC3E}">
-        <p14:creationId xmlns:p14="http://schemas.microsoft.com/office/powerpoint/2010/main" val="3440039680"/>
-      </p:ext>
-    </p:extLst>
-  </p:cSld>
-  <p:clrMapOvr>
-    <a:masterClrMapping/>
-  </p:clrMapOvr>
-</p:sld>
-</file>
-
-<file path=ppt/slides/slide13.xml><?xml version="1.0" encoding="utf-8"?>
-<p:sld xmlns:a="http://schemas.openxmlformats.org/drawingml/2006/main" xmlns:r="http://schemas.openxmlformats.org/officeDocument/2006/relationships" xmlns:p="http://schemas.openxmlformats.org/presentationml/2006/main">
-  <p:cSld>
-    <p:spTree>
-      <p:nvGrpSpPr>
-        <p:cNvPr id="1" name=""/>
-        <p:cNvGrpSpPr/>
-        <p:nvPr/>
-      </p:nvGrpSpPr>
-      <p:grpSpPr>
-        <a:xfrm>
-          <a:off x="0" y="0"/>
-          <a:ext cx="0" cy="0"/>
-          <a:chOff x="0" y="0"/>
-          <a:chExt cx="0" cy="0"/>
-        </a:xfrm>
-      </p:grpSpPr>
-      <p:pic>
-        <p:nvPicPr>
-          <p:cNvPr id="5" name="Picture 4">
-            <a:extLst>
-              <a:ext uri="{FF2B5EF4-FFF2-40B4-BE49-F238E27FC236}">
-                <a16:creationId xmlns:a16="http://schemas.microsoft.com/office/drawing/2014/main" id="{558453F9-F3C1-EDA3-6D83-43170A158A07}"/>
-              </a:ext>
-            </a:extLst>
-          </p:cNvPr>
-          <p:cNvPicPr>
-            <a:picLocks noChangeAspect="1"/>
-          </p:cNvPicPr>
-          <p:nvPr/>
-        </p:nvPicPr>
-        <p:blipFill rotWithShape="1">
-          <a:blip r:embed="rId2"/>
-          <a:srcRect t="10770" r="84371" b="20000"/>
-          <a:stretch/>
-        </p:blipFill>
-        <p:spPr>
-          <a:xfrm>
-            <a:off x="0" y="0"/>
-            <a:ext cx="1073997" cy="1175657"/>
-          </a:xfrm>
-          <a:prstGeom prst="rect">
-            <a:avLst/>
-          </a:prstGeom>
-        </p:spPr>
-      </p:pic>
-      <p:pic>
-        <p:nvPicPr>
-          <p:cNvPr id="6" name="Picture 5">
-            <a:extLst>
-              <a:ext uri="{FF2B5EF4-FFF2-40B4-BE49-F238E27FC236}">
-                <a16:creationId xmlns:a16="http://schemas.microsoft.com/office/drawing/2014/main" id="{CE1484BB-74DC-9E65-B32D-BE5FE2E385CD}"/>
-              </a:ext>
-            </a:extLst>
-          </p:cNvPr>
-          <p:cNvPicPr>
-            <a:picLocks noChangeAspect="1"/>
-          </p:cNvPicPr>
-          <p:nvPr/>
-        </p:nvPicPr>
-        <p:blipFill rotWithShape="1">
-          <a:blip r:embed="rId2"/>
-          <a:srcRect l="15172"/>
-          <a:stretch/>
-        </p:blipFill>
-        <p:spPr>
-          <a:xfrm>
-            <a:off x="9949987" y="0"/>
-            <a:ext cx="2242014" cy="653143"/>
-          </a:xfrm>
-          <a:prstGeom prst="rect">
-            <a:avLst/>
-          </a:prstGeom>
-        </p:spPr>
-      </p:pic>
-      <p:sp>
-        <p:nvSpPr>
-          <p:cNvPr id="7" name="TextBox 6">
-            <a:extLst>
-              <a:ext uri="{FF2B5EF4-FFF2-40B4-BE49-F238E27FC236}">
-                <a16:creationId xmlns:a16="http://schemas.microsoft.com/office/drawing/2014/main" id="{9EECCCD9-8AD5-9916-BC29-771066C9EE70}"/>
-              </a:ext>
-            </a:extLst>
-          </p:cNvPr>
-          <p:cNvSpPr txBox="1"/>
-          <p:nvPr/>
-        </p:nvSpPr>
-        <p:spPr>
-          <a:xfrm>
-            <a:off x="1" y="470259"/>
-            <a:ext cx="12192000" cy="1631216"/>
-          </a:xfrm>
-          <a:prstGeom prst="rect">
-            <a:avLst/>
-          </a:prstGeom>
-          <a:noFill/>
-        </p:spPr>
-        <p:txBody>
-          <a:bodyPr wrap="square" rtlCol="0">
-            <a:spAutoFit/>
-          </a:bodyPr>
-          <a:lstStyle/>
-          <a:p>
-            <a:pPr algn="ctr"/>
-            <a:r>
-              <a:rPr lang="en-US" sz="5000" b="1" dirty="0">
-                <a:solidFill>
-                  <a:srgbClr val="002060"/>
-                </a:solidFill>
-              </a:rPr>
-              <a:t>Simple Linear Regression – 2 of 4</a:t>
-            </a:r>
-          </a:p>
-          <a:p>
-            <a:pPr algn="ctr"/>
-            <a:endParaRPr lang="en-US" sz="5000" b="1" dirty="0">
-              <a:solidFill>
-                <a:srgbClr val="002060"/>
-              </a:solidFill>
-            </a:endParaRPr>
-          </a:p>
-        </p:txBody>
-      </p:sp>
-      <p:cxnSp>
-        <p:nvCxnSpPr>
-          <p:cNvPr id="9" name="Straight Connector 8">
-            <a:extLst>
-              <a:ext uri="{FF2B5EF4-FFF2-40B4-BE49-F238E27FC236}">
-                <a16:creationId xmlns:a16="http://schemas.microsoft.com/office/drawing/2014/main" id="{450EE6D2-7381-B11A-A20A-0D5D0904DD35}"/>
-              </a:ext>
-            </a:extLst>
-          </p:cNvPr>
-          <p:cNvCxnSpPr>
-            <a:cxnSpLocks/>
-          </p:cNvCxnSpPr>
-          <p:nvPr/>
-        </p:nvCxnSpPr>
-        <p:spPr>
-          <a:xfrm>
-            <a:off x="757647" y="1332033"/>
-            <a:ext cx="10659291" cy="0"/>
-          </a:xfrm>
-          <a:prstGeom prst="line">
-            <a:avLst/>
-          </a:prstGeom>
-          <a:ln w="57150">
-            <a:solidFill>
-              <a:srgbClr val="002060"/>
-            </a:solidFill>
-          </a:ln>
-        </p:spPr>
-        <p:style>
-          <a:lnRef idx="1">
-            <a:schemeClr val="accent1"/>
-          </a:lnRef>
-          <a:fillRef idx="0">
-            <a:schemeClr val="accent1"/>
-          </a:fillRef>
-          <a:effectRef idx="0">
-            <a:schemeClr val="accent1"/>
-          </a:effectRef>
-          <a:fontRef idx="minor">
-            <a:schemeClr val="tx1"/>
-          </a:fontRef>
-        </p:style>
-      </p:cxnSp>
-      <p:pic>
-        <p:nvPicPr>
-          <p:cNvPr id="4" name="Picture 3" descr="Chart&#10;&#10;Description automatically generated">
-            <a:extLst>
-              <a:ext uri="{FF2B5EF4-FFF2-40B4-BE49-F238E27FC236}">
-                <a16:creationId xmlns:a16="http://schemas.microsoft.com/office/drawing/2014/main" id="{5A3932E9-DD2F-078D-9A68-45C09A76AC7A}"/>
-              </a:ext>
-            </a:extLst>
-          </p:cNvPr>
-          <p:cNvPicPr>
-            <a:picLocks noChangeAspect="1"/>
-          </p:cNvPicPr>
-          <p:nvPr/>
-        </p:nvPicPr>
-        <p:blipFill>
-          <a:blip r:embed="rId3">
-            <a:extLst>
-              <a:ext uri="{28A0092B-C50C-407E-A947-70E740481C1C}">
-                <a14:useLocalDpi xmlns:a14="http://schemas.microsoft.com/office/drawing/2010/main" val="0"/>
-              </a:ext>
-            </a:extLst>
-          </a:blip>
-          <a:stretch>
-            <a:fillRect/>
-          </a:stretch>
-        </p:blipFill>
-        <p:spPr>
-          <a:xfrm>
-            <a:off x="2895576" y="1575131"/>
-            <a:ext cx="6400847" cy="4572033"/>
-          </a:xfrm>
-          <a:prstGeom prst="rect">
-            <a:avLst/>
-          </a:prstGeom>
-        </p:spPr>
-      </p:pic>
-    </p:spTree>
-    <p:extLst>
-      <p:ext uri="{BB962C8B-B14F-4D97-AF65-F5344CB8AC3E}">
-        <p14:creationId xmlns:p14="http://schemas.microsoft.com/office/powerpoint/2010/main" val="2315470928"/>
-      </p:ext>
-    </p:extLst>
-  </p:cSld>
-  <p:clrMapOvr>
-    <a:masterClrMapping/>
-  </p:clrMapOvr>
-</p:sld>
-</file>
-
-<file path=ppt/slides/slide14.xml><?xml version="1.0" encoding="utf-8"?>
-<p:sld xmlns:a="http://schemas.openxmlformats.org/drawingml/2006/main" xmlns:r="http://schemas.openxmlformats.org/officeDocument/2006/relationships" xmlns:p="http://schemas.openxmlformats.org/presentationml/2006/main">
-  <p:cSld>
-    <p:spTree>
-      <p:nvGrpSpPr>
-        <p:cNvPr id="1" name=""/>
-        <p:cNvGrpSpPr/>
-        <p:nvPr/>
-      </p:nvGrpSpPr>
-      <p:grpSpPr>
-        <a:xfrm>
-          <a:off x="0" y="0"/>
-          <a:ext cx="0" cy="0"/>
-          <a:chOff x="0" y="0"/>
-          <a:chExt cx="0" cy="0"/>
-        </a:xfrm>
-      </p:grpSpPr>
-      <p:pic>
-        <p:nvPicPr>
-          <p:cNvPr id="5" name="Picture 4">
-            <a:extLst>
-              <a:ext uri="{FF2B5EF4-FFF2-40B4-BE49-F238E27FC236}">
-                <a16:creationId xmlns:a16="http://schemas.microsoft.com/office/drawing/2014/main" id="{558453F9-F3C1-EDA3-6D83-43170A158A07}"/>
-              </a:ext>
-            </a:extLst>
-          </p:cNvPr>
-          <p:cNvPicPr>
-            <a:picLocks noChangeAspect="1"/>
-          </p:cNvPicPr>
-          <p:nvPr/>
-        </p:nvPicPr>
-        <p:blipFill rotWithShape="1">
-          <a:blip r:embed="rId2"/>
-          <a:srcRect t="10770" r="84371" b="20000"/>
-          <a:stretch/>
-        </p:blipFill>
-        <p:spPr>
-          <a:xfrm>
-            <a:off x="0" y="0"/>
-            <a:ext cx="1073997" cy="1175657"/>
-          </a:xfrm>
-          <a:prstGeom prst="rect">
-            <a:avLst/>
-          </a:prstGeom>
-        </p:spPr>
-      </p:pic>
-      <p:pic>
-        <p:nvPicPr>
-          <p:cNvPr id="6" name="Picture 5">
-            <a:extLst>
-              <a:ext uri="{FF2B5EF4-FFF2-40B4-BE49-F238E27FC236}">
-                <a16:creationId xmlns:a16="http://schemas.microsoft.com/office/drawing/2014/main" id="{CE1484BB-74DC-9E65-B32D-BE5FE2E385CD}"/>
-              </a:ext>
-            </a:extLst>
-          </p:cNvPr>
-          <p:cNvPicPr>
-            <a:picLocks noChangeAspect="1"/>
-          </p:cNvPicPr>
-          <p:nvPr/>
-        </p:nvPicPr>
-        <p:blipFill rotWithShape="1">
-          <a:blip r:embed="rId2"/>
-          <a:srcRect l="15172"/>
-          <a:stretch/>
-        </p:blipFill>
-        <p:spPr>
-          <a:xfrm>
-            <a:off x="9949987" y="0"/>
-            <a:ext cx="2242014" cy="653143"/>
-          </a:xfrm>
-          <a:prstGeom prst="rect">
-            <a:avLst/>
-          </a:prstGeom>
-        </p:spPr>
-      </p:pic>
-      <p:sp>
-        <p:nvSpPr>
-          <p:cNvPr id="7" name="TextBox 6">
-            <a:extLst>
-              <a:ext uri="{FF2B5EF4-FFF2-40B4-BE49-F238E27FC236}">
-                <a16:creationId xmlns:a16="http://schemas.microsoft.com/office/drawing/2014/main" id="{9EECCCD9-8AD5-9916-BC29-771066C9EE70}"/>
-              </a:ext>
-            </a:extLst>
-          </p:cNvPr>
-          <p:cNvSpPr txBox="1"/>
-          <p:nvPr/>
-        </p:nvSpPr>
-        <p:spPr>
-          <a:xfrm>
-            <a:off x="1" y="470259"/>
-            <a:ext cx="12192000" cy="1631216"/>
-          </a:xfrm>
-          <a:prstGeom prst="rect">
-            <a:avLst/>
-          </a:prstGeom>
-          <a:noFill/>
-        </p:spPr>
-        <p:txBody>
-          <a:bodyPr wrap="square" rtlCol="0">
-            <a:spAutoFit/>
-          </a:bodyPr>
-          <a:lstStyle/>
-          <a:p>
-            <a:pPr algn="ctr"/>
-            <a:r>
-              <a:rPr lang="en-US" sz="5000" b="1" dirty="0">
-                <a:solidFill>
-                  <a:srgbClr val="002060"/>
-                </a:solidFill>
-              </a:rPr>
-              <a:t>Simple Linear Regression – 3 of 4</a:t>
-            </a:r>
-          </a:p>
-          <a:p>
-            <a:pPr algn="ctr"/>
-            <a:endParaRPr lang="en-US" sz="5000" b="1" dirty="0">
-              <a:solidFill>
-                <a:srgbClr val="002060"/>
-              </a:solidFill>
-            </a:endParaRPr>
-          </a:p>
-        </p:txBody>
-      </p:sp>
-      <p:cxnSp>
-        <p:nvCxnSpPr>
-          <p:cNvPr id="9" name="Straight Connector 8">
-            <a:extLst>
-              <a:ext uri="{FF2B5EF4-FFF2-40B4-BE49-F238E27FC236}">
-                <a16:creationId xmlns:a16="http://schemas.microsoft.com/office/drawing/2014/main" id="{450EE6D2-7381-B11A-A20A-0D5D0904DD35}"/>
-              </a:ext>
-            </a:extLst>
-          </p:cNvPr>
-          <p:cNvCxnSpPr>
-            <a:cxnSpLocks/>
-          </p:cNvCxnSpPr>
-          <p:nvPr/>
-        </p:nvCxnSpPr>
-        <p:spPr>
-          <a:xfrm>
-            <a:off x="757647" y="1332033"/>
-            <a:ext cx="10659291" cy="0"/>
-          </a:xfrm>
-          <a:prstGeom prst="line">
-            <a:avLst/>
-          </a:prstGeom>
-          <a:ln w="57150">
-            <a:solidFill>
-              <a:srgbClr val="002060"/>
-            </a:solidFill>
-          </a:ln>
-        </p:spPr>
-        <p:style>
-          <a:lnRef idx="1">
-            <a:schemeClr val="accent1"/>
-          </a:lnRef>
-          <a:fillRef idx="0">
-            <a:schemeClr val="accent1"/>
-          </a:fillRef>
-          <a:effectRef idx="0">
-            <a:schemeClr val="accent1"/>
-          </a:effectRef>
-          <a:fontRef idx="minor">
-            <a:schemeClr val="tx1"/>
-          </a:fontRef>
-        </p:style>
-      </p:cxnSp>
-      <p:pic>
-        <p:nvPicPr>
-          <p:cNvPr id="3" name="Picture 2" descr="Chart, scatter chart&#10;&#10;Description automatically generated">
-            <a:extLst>
-              <a:ext uri="{FF2B5EF4-FFF2-40B4-BE49-F238E27FC236}">
-                <a16:creationId xmlns:a16="http://schemas.microsoft.com/office/drawing/2014/main" id="{7317D386-6C38-EFF7-DF24-BD7C25BBE381}"/>
-              </a:ext>
-            </a:extLst>
-          </p:cNvPr>
-          <p:cNvPicPr>
-            <a:picLocks noChangeAspect="1"/>
-          </p:cNvPicPr>
-          <p:nvPr/>
-        </p:nvPicPr>
-        <p:blipFill>
-          <a:blip r:embed="rId3">
-            <a:extLst>
-              <a:ext uri="{28A0092B-C50C-407E-A947-70E740481C1C}">
-                <a14:useLocalDpi xmlns:a14="http://schemas.microsoft.com/office/drawing/2010/main" val="0"/>
-              </a:ext>
-            </a:extLst>
-          </a:blip>
-          <a:stretch>
-            <a:fillRect/>
-          </a:stretch>
-        </p:blipFill>
-        <p:spPr>
-          <a:xfrm>
-            <a:off x="2886868" y="1815708"/>
-            <a:ext cx="6400847" cy="4572033"/>
-          </a:xfrm>
-          <a:prstGeom prst="rect">
-            <a:avLst/>
-          </a:prstGeom>
-        </p:spPr>
-      </p:pic>
-    </p:spTree>
-    <p:extLst>
-      <p:ext uri="{BB962C8B-B14F-4D97-AF65-F5344CB8AC3E}">
-        <p14:creationId xmlns:p14="http://schemas.microsoft.com/office/powerpoint/2010/main" val="3135211236"/>
-      </p:ext>
-    </p:extLst>
-  </p:cSld>
-  <p:clrMapOvr>
-    <a:masterClrMapping/>
-  </p:clrMapOvr>
-</p:sld>
-</file>
-
-<file path=ppt/slides/slide15.xml><?xml version="1.0" encoding="utf-8"?>
-<p:sld xmlns:a="http://schemas.openxmlformats.org/drawingml/2006/main" xmlns:r="http://schemas.openxmlformats.org/officeDocument/2006/relationships" xmlns:p="http://schemas.openxmlformats.org/presentationml/2006/main">
-  <p:cSld>
-    <p:spTree>
-      <p:nvGrpSpPr>
-        <p:cNvPr id="1" name=""/>
-        <p:cNvGrpSpPr/>
-        <p:nvPr/>
-      </p:nvGrpSpPr>
-      <p:grpSpPr>
-        <a:xfrm>
-          <a:off x="0" y="0"/>
-          <a:ext cx="0" cy="0"/>
-          <a:chOff x="0" y="0"/>
-          <a:chExt cx="0" cy="0"/>
-        </a:xfrm>
-      </p:grpSpPr>
-      <p:pic>
-        <p:nvPicPr>
-          <p:cNvPr id="5" name="Picture 4">
-            <a:extLst>
-              <a:ext uri="{FF2B5EF4-FFF2-40B4-BE49-F238E27FC236}">
-                <a16:creationId xmlns:a16="http://schemas.microsoft.com/office/drawing/2014/main" id="{558453F9-F3C1-EDA3-6D83-43170A158A07}"/>
-              </a:ext>
-            </a:extLst>
-          </p:cNvPr>
-          <p:cNvPicPr>
-            <a:picLocks noChangeAspect="1"/>
-          </p:cNvPicPr>
-          <p:nvPr/>
-        </p:nvPicPr>
-        <p:blipFill rotWithShape="1">
-          <a:blip r:embed="rId2"/>
-          <a:srcRect t="10770" r="84371" b="20000"/>
-          <a:stretch/>
-        </p:blipFill>
-        <p:spPr>
-          <a:xfrm>
-            <a:off x="0" y="0"/>
-            <a:ext cx="1073997" cy="1175657"/>
-          </a:xfrm>
-          <a:prstGeom prst="rect">
-            <a:avLst/>
-          </a:prstGeom>
-        </p:spPr>
-      </p:pic>
-      <p:pic>
-        <p:nvPicPr>
-          <p:cNvPr id="6" name="Picture 5">
-            <a:extLst>
-              <a:ext uri="{FF2B5EF4-FFF2-40B4-BE49-F238E27FC236}">
-                <a16:creationId xmlns:a16="http://schemas.microsoft.com/office/drawing/2014/main" id="{CE1484BB-74DC-9E65-B32D-BE5FE2E385CD}"/>
-              </a:ext>
-            </a:extLst>
-          </p:cNvPr>
-          <p:cNvPicPr>
-            <a:picLocks noChangeAspect="1"/>
-          </p:cNvPicPr>
-          <p:nvPr/>
-        </p:nvPicPr>
-        <p:blipFill rotWithShape="1">
-          <a:blip r:embed="rId2"/>
-          <a:srcRect l="15172"/>
-          <a:stretch/>
-        </p:blipFill>
-        <p:spPr>
-          <a:xfrm>
-            <a:off x="9949987" y="0"/>
-            <a:ext cx="2242014" cy="653143"/>
-          </a:xfrm>
-          <a:prstGeom prst="rect">
-            <a:avLst/>
-          </a:prstGeom>
-        </p:spPr>
-      </p:pic>
-      <p:sp>
-        <p:nvSpPr>
-          <p:cNvPr id="7" name="TextBox 6">
-            <a:extLst>
-              <a:ext uri="{FF2B5EF4-FFF2-40B4-BE49-F238E27FC236}">
-                <a16:creationId xmlns:a16="http://schemas.microsoft.com/office/drawing/2014/main" id="{9EECCCD9-8AD5-9916-BC29-771066C9EE70}"/>
-              </a:ext>
-            </a:extLst>
-          </p:cNvPr>
-          <p:cNvSpPr txBox="1"/>
-          <p:nvPr/>
-        </p:nvSpPr>
-        <p:spPr>
-          <a:xfrm>
-            <a:off x="1" y="470259"/>
-            <a:ext cx="12192000" cy="1631216"/>
-          </a:xfrm>
-          <a:prstGeom prst="rect">
-            <a:avLst/>
-          </a:prstGeom>
-          <a:noFill/>
-        </p:spPr>
-        <p:txBody>
-          <a:bodyPr wrap="square" rtlCol="0">
-            <a:spAutoFit/>
-          </a:bodyPr>
-          <a:lstStyle/>
-          <a:p>
-            <a:pPr algn="ctr"/>
-            <a:r>
-              <a:rPr lang="en-US" sz="5000" b="1" dirty="0">
-                <a:solidFill>
-                  <a:srgbClr val="002060"/>
-                </a:solidFill>
-              </a:rPr>
-              <a:t>Simple Linear Regression – 4 of 4</a:t>
-            </a:r>
-          </a:p>
-          <a:p>
-            <a:pPr algn="ctr"/>
-            <a:endParaRPr lang="en-US" sz="5000" dirty="0">
-              <a:solidFill>
-                <a:srgbClr val="002060"/>
-              </a:solidFill>
-            </a:endParaRPr>
-          </a:p>
-        </p:txBody>
-      </p:sp>
-      <p:cxnSp>
-        <p:nvCxnSpPr>
-          <p:cNvPr id="9" name="Straight Connector 8">
-            <a:extLst>
-              <a:ext uri="{FF2B5EF4-FFF2-40B4-BE49-F238E27FC236}">
-                <a16:creationId xmlns:a16="http://schemas.microsoft.com/office/drawing/2014/main" id="{450EE6D2-7381-B11A-A20A-0D5D0904DD35}"/>
-              </a:ext>
-            </a:extLst>
-          </p:cNvPr>
-          <p:cNvCxnSpPr>
-            <a:cxnSpLocks/>
-          </p:cNvCxnSpPr>
-          <p:nvPr/>
-        </p:nvCxnSpPr>
-        <p:spPr>
-          <a:xfrm>
-            <a:off x="757647" y="1332033"/>
-            <a:ext cx="10659291" cy="0"/>
-          </a:xfrm>
-          <a:prstGeom prst="line">
-            <a:avLst/>
-          </a:prstGeom>
-          <a:ln w="57150">
-            <a:solidFill>
-              <a:srgbClr val="002060"/>
-            </a:solidFill>
-          </a:ln>
-        </p:spPr>
-        <p:style>
-          <a:lnRef idx="1">
-            <a:schemeClr val="accent1"/>
-          </a:lnRef>
-          <a:fillRef idx="0">
-            <a:schemeClr val="accent1"/>
-          </a:fillRef>
-          <a:effectRef idx="0">
-            <a:schemeClr val="accent1"/>
-          </a:effectRef>
-          <a:fontRef idx="minor">
-            <a:schemeClr val="tx1"/>
-          </a:fontRef>
-        </p:style>
-      </p:cxnSp>
-      <p:pic>
-        <p:nvPicPr>
-          <p:cNvPr id="4" name="Picture 3" descr="Chart&#10;&#10;Description automatically generated">
-            <a:extLst>
-              <a:ext uri="{FF2B5EF4-FFF2-40B4-BE49-F238E27FC236}">
-                <a16:creationId xmlns:a16="http://schemas.microsoft.com/office/drawing/2014/main" id="{E53D5306-5BA2-B775-84A4-9AC0440B1EA7}"/>
-              </a:ext>
-            </a:extLst>
-          </p:cNvPr>
-          <p:cNvPicPr>
-            <a:picLocks noChangeAspect="1"/>
-          </p:cNvPicPr>
-          <p:nvPr/>
-        </p:nvPicPr>
-        <p:blipFill>
-          <a:blip r:embed="rId3">
-            <a:extLst>
-              <a:ext uri="{28A0092B-C50C-407E-A947-70E740481C1C}">
-                <a14:useLocalDpi xmlns:a14="http://schemas.microsoft.com/office/drawing/2010/main" val="0"/>
-              </a:ext>
-            </a:extLst>
-          </a:blip>
-          <a:stretch>
-            <a:fillRect/>
-          </a:stretch>
-        </p:blipFill>
-        <p:spPr>
-          <a:xfrm>
-            <a:off x="2886868" y="1815708"/>
-            <a:ext cx="6400847" cy="4572033"/>
-          </a:xfrm>
-          <a:prstGeom prst="rect">
-            <a:avLst/>
-          </a:prstGeom>
-        </p:spPr>
-      </p:pic>
-    </p:spTree>
-    <p:extLst>
-      <p:ext uri="{BB962C8B-B14F-4D97-AF65-F5344CB8AC3E}">
-        <p14:creationId xmlns:p14="http://schemas.microsoft.com/office/powerpoint/2010/main" val="1087057766"/>
-      </p:ext>
-    </p:extLst>
-  </p:cSld>
-  <p:clrMapOvr>
-    <a:masterClrMapping/>
-  </p:clrMapOvr>
-</p:sld>
-</file>
-
-<file path=ppt/slides/slide16.xml><?xml version="1.0" encoding="utf-8"?>
-<p:sld xmlns:a="http://schemas.openxmlformats.org/drawingml/2006/main" xmlns:r="http://schemas.openxmlformats.org/officeDocument/2006/relationships" xmlns:p="http://schemas.openxmlformats.org/presentationml/2006/main">
-  <p:cSld>
-    <p:spTree>
-      <p:nvGrpSpPr>
-        <p:cNvPr id="1" name=""/>
-        <p:cNvGrpSpPr/>
-        <p:nvPr/>
-      </p:nvGrpSpPr>
-      <p:grpSpPr>
-        <a:xfrm>
-          <a:off x="0" y="0"/>
-          <a:ext cx="0" cy="0"/>
-          <a:chOff x="0" y="0"/>
-          <a:chExt cx="0" cy="0"/>
-        </a:xfrm>
-      </p:grpSpPr>
-      <p:pic>
-        <p:nvPicPr>
-          <p:cNvPr id="5" name="Picture 4">
-            <a:extLst>
-              <a:ext uri="{FF2B5EF4-FFF2-40B4-BE49-F238E27FC236}">
-                <a16:creationId xmlns:a16="http://schemas.microsoft.com/office/drawing/2014/main" id="{558453F9-F3C1-EDA3-6D83-43170A158A07}"/>
-              </a:ext>
-            </a:extLst>
-          </p:cNvPr>
-          <p:cNvPicPr>
-            <a:picLocks noChangeAspect="1"/>
-          </p:cNvPicPr>
-          <p:nvPr/>
-        </p:nvPicPr>
-        <p:blipFill rotWithShape="1">
-          <a:blip r:embed="rId2"/>
-          <a:srcRect t="10770" r="84371" b="20000"/>
-          <a:stretch/>
-        </p:blipFill>
-        <p:spPr>
-          <a:xfrm>
-            <a:off x="0" y="0"/>
-            <a:ext cx="1073997" cy="1175657"/>
-          </a:xfrm>
-          <a:prstGeom prst="rect">
-            <a:avLst/>
-          </a:prstGeom>
-        </p:spPr>
-      </p:pic>
-      <p:pic>
-        <p:nvPicPr>
-          <p:cNvPr id="6" name="Picture 5">
-            <a:extLst>
-              <a:ext uri="{FF2B5EF4-FFF2-40B4-BE49-F238E27FC236}">
-                <a16:creationId xmlns:a16="http://schemas.microsoft.com/office/drawing/2014/main" id="{CE1484BB-74DC-9E65-B32D-BE5FE2E385CD}"/>
-              </a:ext>
-            </a:extLst>
-          </p:cNvPr>
-          <p:cNvPicPr>
-            <a:picLocks noChangeAspect="1"/>
-          </p:cNvPicPr>
-          <p:nvPr/>
-        </p:nvPicPr>
-        <p:blipFill rotWithShape="1">
-          <a:blip r:embed="rId2"/>
-          <a:srcRect l="15172"/>
-          <a:stretch/>
-        </p:blipFill>
-        <p:spPr>
-          <a:xfrm>
-            <a:off x="9949987" y="0"/>
-            <a:ext cx="2242014" cy="653143"/>
-          </a:xfrm>
-          <a:prstGeom prst="rect">
-            <a:avLst/>
-          </a:prstGeom>
-        </p:spPr>
-      </p:pic>
-      <p:sp>
-        <p:nvSpPr>
-          <p:cNvPr id="7" name="TextBox 6">
-            <a:extLst>
-              <a:ext uri="{FF2B5EF4-FFF2-40B4-BE49-F238E27FC236}">
-                <a16:creationId xmlns:a16="http://schemas.microsoft.com/office/drawing/2014/main" id="{9EECCCD9-8AD5-9916-BC29-771066C9EE70}"/>
-              </a:ext>
-            </a:extLst>
-          </p:cNvPr>
-          <p:cNvSpPr txBox="1"/>
-          <p:nvPr/>
-        </p:nvSpPr>
-        <p:spPr>
-          <a:xfrm>
-            <a:off x="1" y="470259"/>
-            <a:ext cx="12192000" cy="1631216"/>
-          </a:xfrm>
-          <a:prstGeom prst="rect">
-            <a:avLst/>
-          </a:prstGeom>
-          <a:noFill/>
-        </p:spPr>
-        <p:txBody>
-          <a:bodyPr wrap="square" rtlCol="0">
-            <a:spAutoFit/>
-          </a:bodyPr>
-          <a:lstStyle/>
-          <a:p>
-            <a:pPr algn="ctr"/>
-            <a:r>
-              <a:rPr lang="en-US" sz="5000" b="1" dirty="0">
-                <a:solidFill>
-                  <a:srgbClr val="002060"/>
-                </a:solidFill>
-              </a:rPr>
-              <a:t>Logistic Regression – Credit Policy</a:t>
-            </a:r>
-          </a:p>
-          <a:p>
-            <a:pPr algn="ctr"/>
-            <a:endParaRPr lang="en-US" sz="5000" dirty="0">
-              <a:solidFill>
-                <a:srgbClr val="002060"/>
-              </a:solidFill>
-            </a:endParaRPr>
-          </a:p>
-        </p:txBody>
-      </p:sp>
-      <p:cxnSp>
-        <p:nvCxnSpPr>
-          <p:cNvPr id="9" name="Straight Connector 8">
-            <a:extLst>
-              <a:ext uri="{FF2B5EF4-FFF2-40B4-BE49-F238E27FC236}">
-                <a16:creationId xmlns:a16="http://schemas.microsoft.com/office/drawing/2014/main" id="{450EE6D2-7381-B11A-A20A-0D5D0904DD35}"/>
-              </a:ext>
-            </a:extLst>
-          </p:cNvPr>
-          <p:cNvCxnSpPr>
-            <a:cxnSpLocks/>
-          </p:cNvCxnSpPr>
-          <p:nvPr/>
-        </p:nvCxnSpPr>
-        <p:spPr>
-          <a:xfrm>
-            <a:off x="757647" y="1332033"/>
-            <a:ext cx="10659291" cy="0"/>
-          </a:xfrm>
-          <a:prstGeom prst="line">
-            <a:avLst/>
-          </a:prstGeom>
-          <a:ln w="57150">
-            <a:solidFill>
-              <a:srgbClr val="002060"/>
-            </a:solidFill>
-          </a:ln>
-        </p:spPr>
-        <p:style>
-          <a:lnRef idx="1">
-            <a:schemeClr val="accent1"/>
-          </a:lnRef>
-          <a:fillRef idx="0">
-            <a:schemeClr val="accent1"/>
-          </a:fillRef>
-          <a:effectRef idx="0">
-            <a:schemeClr val="accent1"/>
-          </a:effectRef>
-          <a:fontRef idx="minor">
-            <a:schemeClr val="tx1"/>
-          </a:fontRef>
-        </p:style>
-      </p:cxnSp>
-      <p:pic>
-        <p:nvPicPr>
-          <p:cNvPr id="3" name="Picture 2" descr="Chart&#10;&#10;Description automatically generated">
-            <a:extLst>
-              <a:ext uri="{FF2B5EF4-FFF2-40B4-BE49-F238E27FC236}">
-                <a16:creationId xmlns:a16="http://schemas.microsoft.com/office/drawing/2014/main" id="{8B33217A-198E-C50A-6DDE-8BD6434B97BC}"/>
-              </a:ext>
-            </a:extLst>
-          </p:cNvPr>
-          <p:cNvPicPr>
-            <a:picLocks noChangeAspect="1"/>
-          </p:cNvPicPr>
-          <p:nvPr/>
-        </p:nvPicPr>
-        <p:blipFill>
-          <a:blip r:embed="rId3">
-            <a:extLst>
-              <a:ext uri="{28A0092B-C50C-407E-A947-70E740481C1C}">
-                <a14:useLocalDpi xmlns:a14="http://schemas.microsoft.com/office/drawing/2010/main" val="0"/>
-              </a:ext>
-            </a:extLst>
-          </a:blip>
-          <a:stretch>
-            <a:fillRect/>
-          </a:stretch>
-        </p:blipFill>
-        <p:spPr>
-          <a:xfrm>
-            <a:off x="2886868" y="1687866"/>
-            <a:ext cx="6400847" cy="4572033"/>
-          </a:xfrm>
-          <a:prstGeom prst="rect">
-            <a:avLst/>
-          </a:prstGeom>
-        </p:spPr>
-      </p:pic>
-    </p:spTree>
-    <p:extLst>
-      <p:ext uri="{BB962C8B-B14F-4D97-AF65-F5344CB8AC3E}">
-        <p14:creationId xmlns:p14="http://schemas.microsoft.com/office/powerpoint/2010/main" val="4029267829"/>
-      </p:ext>
-    </p:extLst>
-  </p:cSld>
-  <p:clrMapOvr>
-    <a:masterClrMapping/>
-  </p:clrMapOvr>
-</p:sld>
-</file>
-
-<file path=ppt/slides/slide17.xml><?xml version="1.0" encoding="utf-8"?>
-<p:sld xmlns:a="http://schemas.openxmlformats.org/drawingml/2006/main" xmlns:r="http://schemas.openxmlformats.org/officeDocument/2006/relationships" xmlns:p="http://schemas.openxmlformats.org/presentationml/2006/main">
-  <p:cSld>
-    <p:spTree>
-      <p:nvGrpSpPr>
-        <p:cNvPr id="1" name=""/>
-        <p:cNvGrpSpPr/>
-        <p:nvPr/>
-      </p:nvGrpSpPr>
-      <p:grpSpPr>
-        <a:xfrm>
-          <a:off x="0" y="0"/>
-          <a:ext cx="0" cy="0"/>
-          <a:chOff x="0" y="0"/>
-          <a:chExt cx="0" cy="0"/>
-        </a:xfrm>
-      </p:grpSpPr>
-      <p:pic>
-        <p:nvPicPr>
-          <p:cNvPr id="5" name="Picture 4">
-            <a:extLst>
-              <a:ext uri="{FF2B5EF4-FFF2-40B4-BE49-F238E27FC236}">
-                <a16:creationId xmlns:a16="http://schemas.microsoft.com/office/drawing/2014/main" id="{558453F9-F3C1-EDA3-6D83-43170A158A07}"/>
-              </a:ext>
-            </a:extLst>
-          </p:cNvPr>
-          <p:cNvPicPr>
-            <a:picLocks noChangeAspect="1"/>
-          </p:cNvPicPr>
-          <p:nvPr/>
-        </p:nvPicPr>
-        <p:blipFill rotWithShape="1">
-          <a:blip r:embed="rId2"/>
-          <a:srcRect t="10770" r="84371" b="20000"/>
-          <a:stretch/>
-        </p:blipFill>
-        <p:spPr>
-          <a:xfrm>
-            <a:off x="0" y="0"/>
-            <a:ext cx="1073997" cy="1175657"/>
-          </a:xfrm>
-          <a:prstGeom prst="rect">
-            <a:avLst/>
-          </a:prstGeom>
-        </p:spPr>
-      </p:pic>
-      <p:pic>
-        <p:nvPicPr>
-          <p:cNvPr id="6" name="Picture 5">
-            <a:extLst>
-              <a:ext uri="{FF2B5EF4-FFF2-40B4-BE49-F238E27FC236}">
-                <a16:creationId xmlns:a16="http://schemas.microsoft.com/office/drawing/2014/main" id="{CE1484BB-74DC-9E65-B32D-BE5FE2E385CD}"/>
-              </a:ext>
-            </a:extLst>
-          </p:cNvPr>
-          <p:cNvPicPr>
-            <a:picLocks noChangeAspect="1"/>
-          </p:cNvPicPr>
-          <p:nvPr/>
-        </p:nvPicPr>
-        <p:blipFill rotWithShape="1">
-          <a:blip r:embed="rId2"/>
-          <a:srcRect l="15172"/>
-          <a:stretch/>
-        </p:blipFill>
-        <p:spPr>
-          <a:xfrm>
-            <a:off x="9949987" y="0"/>
-            <a:ext cx="2242014" cy="653143"/>
-          </a:xfrm>
-          <a:prstGeom prst="rect">
-            <a:avLst/>
-          </a:prstGeom>
-        </p:spPr>
-      </p:pic>
-      <p:sp>
-        <p:nvSpPr>
-          <p:cNvPr id="7" name="TextBox 6">
-            <a:extLst>
-              <a:ext uri="{FF2B5EF4-FFF2-40B4-BE49-F238E27FC236}">
-                <a16:creationId xmlns:a16="http://schemas.microsoft.com/office/drawing/2014/main" id="{9EECCCD9-8AD5-9916-BC29-771066C9EE70}"/>
-              </a:ext>
-            </a:extLst>
-          </p:cNvPr>
-          <p:cNvSpPr txBox="1"/>
-          <p:nvPr/>
-        </p:nvSpPr>
-        <p:spPr>
-          <a:xfrm>
-            <a:off x="1" y="470259"/>
-            <a:ext cx="12192000" cy="1631216"/>
-          </a:xfrm>
-          <a:prstGeom prst="rect">
-            <a:avLst/>
-          </a:prstGeom>
-          <a:noFill/>
-        </p:spPr>
-        <p:txBody>
-          <a:bodyPr wrap="square" rtlCol="0">
-            <a:spAutoFit/>
-          </a:bodyPr>
-          <a:lstStyle/>
-          <a:p>
-            <a:pPr algn="ctr"/>
-            <a:r>
-              <a:rPr lang="en-US" sz="5000" b="1" dirty="0">
-                <a:solidFill>
-                  <a:srgbClr val="002060"/>
-                </a:solidFill>
-              </a:rPr>
-              <a:t>Logistic Regression – Credit Policy</a:t>
-            </a:r>
-          </a:p>
-          <a:p>
-            <a:pPr algn="ctr"/>
-            <a:endParaRPr lang="en-US" sz="5000" dirty="0">
-              <a:solidFill>
-                <a:srgbClr val="002060"/>
-              </a:solidFill>
-            </a:endParaRPr>
-          </a:p>
-        </p:txBody>
-      </p:sp>
-      <p:cxnSp>
-        <p:nvCxnSpPr>
-          <p:cNvPr id="9" name="Straight Connector 8">
-            <a:extLst>
-              <a:ext uri="{FF2B5EF4-FFF2-40B4-BE49-F238E27FC236}">
-                <a16:creationId xmlns:a16="http://schemas.microsoft.com/office/drawing/2014/main" id="{450EE6D2-7381-B11A-A20A-0D5D0904DD35}"/>
-              </a:ext>
-            </a:extLst>
-          </p:cNvPr>
-          <p:cNvCxnSpPr>
-            <a:cxnSpLocks/>
-          </p:cNvCxnSpPr>
-          <p:nvPr/>
-        </p:nvCxnSpPr>
-        <p:spPr>
-          <a:xfrm>
-            <a:off x="757647" y="1332033"/>
-            <a:ext cx="10659291" cy="0"/>
-          </a:xfrm>
-          <a:prstGeom prst="line">
-            <a:avLst/>
-          </a:prstGeom>
-          <a:ln w="57150">
-            <a:solidFill>
-              <a:srgbClr val="002060"/>
-            </a:solidFill>
-          </a:ln>
-        </p:spPr>
-        <p:style>
-          <a:lnRef idx="1">
-            <a:schemeClr val="accent1"/>
-          </a:lnRef>
-          <a:fillRef idx="0">
-            <a:schemeClr val="accent1"/>
-          </a:fillRef>
-          <a:effectRef idx="0">
-            <a:schemeClr val="accent1"/>
-          </a:effectRef>
-          <a:fontRef idx="minor">
-            <a:schemeClr val="tx1"/>
-          </a:fontRef>
-        </p:style>
-      </p:cxnSp>
-      <p:pic>
-        <p:nvPicPr>
-          <p:cNvPr id="4" name="Picture 3">
-            <a:extLst>
-              <a:ext uri="{FF2B5EF4-FFF2-40B4-BE49-F238E27FC236}">
-                <a16:creationId xmlns:a16="http://schemas.microsoft.com/office/drawing/2014/main" id="{A19AD511-4FD6-9E60-078C-B38E84FA4D7F}"/>
-              </a:ext>
-            </a:extLst>
-          </p:cNvPr>
-          <p:cNvPicPr>
-            <a:picLocks noChangeAspect="1"/>
-          </p:cNvPicPr>
-          <p:nvPr/>
-        </p:nvPicPr>
-        <p:blipFill>
-          <a:blip r:embed="rId3"/>
-          <a:stretch>
-            <a:fillRect/>
-          </a:stretch>
-        </p:blipFill>
-        <p:spPr>
-          <a:xfrm>
-            <a:off x="3880351" y="0"/>
-            <a:ext cx="4046424" cy="6858000"/>
-          </a:xfrm>
-          <a:prstGeom prst="rect">
-            <a:avLst/>
-          </a:prstGeom>
-        </p:spPr>
-      </p:pic>
-    </p:spTree>
-    <p:extLst>
-      <p:ext uri="{BB962C8B-B14F-4D97-AF65-F5344CB8AC3E}">
-        <p14:creationId xmlns:p14="http://schemas.microsoft.com/office/powerpoint/2010/main" val="697410562"/>
-      </p:ext>
-    </p:extLst>
-  </p:cSld>
-  <p:clrMapOvr>
-    <a:masterClrMapping/>
-  </p:clrMapOvr>
-</p:sld>
-</file>
-
-<file path=ppt/slides/slide18.xml><?xml version="1.0" encoding="utf-8"?>
-<p:sld xmlns:a="http://schemas.openxmlformats.org/drawingml/2006/main" xmlns:r="http://schemas.openxmlformats.org/officeDocument/2006/relationships" xmlns:p="http://schemas.openxmlformats.org/presentationml/2006/main">
-  <p:cSld>
-    <p:spTree>
-      <p:nvGrpSpPr>
-        <p:cNvPr id="1" name=""/>
-        <p:cNvGrpSpPr/>
-        <p:nvPr/>
-      </p:nvGrpSpPr>
-      <p:grpSpPr>
-        <a:xfrm>
-          <a:off x="0" y="0"/>
-          <a:ext cx="0" cy="0"/>
-          <a:chOff x="0" y="0"/>
-          <a:chExt cx="0" cy="0"/>
-        </a:xfrm>
-      </p:grpSpPr>
-      <p:pic>
-        <p:nvPicPr>
-          <p:cNvPr id="5" name="Picture 4">
-            <a:extLst>
-              <a:ext uri="{FF2B5EF4-FFF2-40B4-BE49-F238E27FC236}">
-                <a16:creationId xmlns:a16="http://schemas.microsoft.com/office/drawing/2014/main" id="{558453F9-F3C1-EDA3-6D83-43170A158A07}"/>
-              </a:ext>
-            </a:extLst>
-          </p:cNvPr>
-          <p:cNvPicPr>
-            <a:picLocks noChangeAspect="1"/>
-          </p:cNvPicPr>
-          <p:nvPr/>
-        </p:nvPicPr>
-        <p:blipFill rotWithShape="1">
-          <a:blip r:embed="rId2"/>
-          <a:srcRect t="10770" r="84371" b="20000"/>
-          <a:stretch/>
-        </p:blipFill>
-        <p:spPr>
-          <a:xfrm>
-            <a:off x="0" y="0"/>
-            <a:ext cx="1073997" cy="1175657"/>
-          </a:xfrm>
-          <a:prstGeom prst="rect">
-            <a:avLst/>
-          </a:prstGeom>
-        </p:spPr>
-      </p:pic>
-      <p:pic>
-        <p:nvPicPr>
-          <p:cNvPr id="6" name="Picture 5">
-            <a:extLst>
-              <a:ext uri="{FF2B5EF4-FFF2-40B4-BE49-F238E27FC236}">
-                <a16:creationId xmlns:a16="http://schemas.microsoft.com/office/drawing/2014/main" id="{CE1484BB-74DC-9E65-B32D-BE5FE2E385CD}"/>
-              </a:ext>
-            </a:extLst>
-          </p:cNvPr>
-          <p:cNvPicPr>
-            <a:picLocks noChangeAspect="1"/>
-          </p:cNvPicPr>
-          <p:nvPr/>
-        </p:nvPicPr>
-        <p:blipFill rotWithShape="1">
-          <a:blip r:embed="rId2"/>
-          <a:srcRect l="15172"/>
-          <a:stretch/>
-        </p:blipFill>
-        <p:spPr>
-          <a:xfrm>
-            <a:off x="9949987" y="0"/>
-            <a:ext cx="2242014" cy="653143"/>
-          </a:xfrm>
-          <a:prstGeom prst="rect">
-            <a:avLst/>
-          </a:prstGeom>
-        </p:spPr>
-      </p:pic>
-      <p:sp>
-        <p:nvSpPr>
-          <p:cNvPr id="7" name="TextBox 6">
-            <a:extLst>
-              <a:ext uri="{FF2B5EF4-FFF2-40B4-BE49-F238E27FC236}">
-                <a16:creationId xmlns:a16="http://schemas.microsoft.com/office/drawing/2014/main" id="{9EECCCD9-8AD5-9916-BC29-771066C9EE70}"/>
-              </a:ext>
-            </a:extLst>
-          </p:cNvPr>
-          <p:cNvSpPr txBox="1"/>
-          <p:nvPr/>
-        </p:nvSpPr>
-        <p:spPr>
-          <a:xfrm>
-            <a:off x="1" y="470259"/>
-            <a:ext cx="12192000" cy="1631216"/>
-          </a:xfrm>
-          <a:prstGeom prst="rect">
-            <a:avLst/>
-          </a:prstGeom>
-          <a:noFill/>
-        </p:spPr>
-        <p:txBody>
-          <a:bodyPr wrap="square" rtlCol="0">
-            <a:spAutoFit/>
-          </a:bodyPr>
-          <a:lstStyle/>
-          <a:p>
-            <a:pPr algn="ctr"/>
-            <a:r>
-              <a:rPr lang="en-US" sz="5000" b="1" dirty="0">
-                <a:solidFill>
-                  <a:srgbClr val="002060"/>
-                </a:solidFill>
-              </a:rPr>
-              <a:t>Logistic Regression – Credit Policy</a:t>
-            </a:r>
-          </a:p>
-          <a:p>
-            <a:pPr algn="ctr"/>
-            <a:endParaRPr lang="en-US" sz="5000" dirty="0">
-              <a:solidFill>
-                <a:srgbClr val="002060"/>
-              </a:solidFill>
-            </a:endParaRPr>
-          </a:p>
-        </p:txBody>
-      </p:sp>
-      <p:cxnSp>
-        <p:nvCxnSpPr>
-          <p:cNvPr id="9" name="Straight Connector 8">
-            <a:extLst>
-              <a:ext uri="{FF2B5EF4-FFF2-40B4-BE49-F238E27FC236}">
-                <a16:creationId xmlns:a16="http://schemas.microsoft.com/office/drawing/2014/main" id="{450EE6D2-7381-B11A-A20A-0D5D0904DD35}"/>
-              </a:ext>
-            </a:extLst>
-          </p:cNvPr>
-          <p:cNvCxnSpPr>
-            <a:cxnSpLocks/>
-          </p:cNvCxnSpPr>
-          <p:nvPr/>
-        </p:nvCxnSpPr>
-        <p:spPr>
-          <a:xfrm>
-            <a:off x="757647" y="1332033"/>
-            <a:ext cx="10659291" cy="0"/>
-          </a:xfrm>
-          <a:prstGeom prst="line">
-            <a:avLst/>
-          </a:prstGeom>
-          <a:ln w="57150">
-            <a:solidFill>
-              <a:srgbClr val="002060"/>
-            </a:solidFill>
-          </a:ln>
-        </p:spPr>
-        <p:style>
-          <a:lnRef idx="1">
-            <a:schemeClr val="accent1"/>
-          </a:lnRef>
-          <a:fillRef idx="0">
-            <a:schemeClr val="accent1"/>
-          </a:fillRef>
-          <a:effectRef idx="0">
-            <a:schemeClr val="accent1"/>
-          </a:effectRef>
-          <a:fontRef idx="minor">
-            <a:schemeClr val="tx1"/>
-          </a:fontRef>
-        </p:style>
-      </p:cxnSp>
-      <p:pic>
-        <p:nvPicPr>
-          <p:cNvPr id="3" name="Picture 2">
-            <a:extLst>
-              <a:ext uri="{FF2B5EF4-FFF2-40B4-BE49-F238E27FC236}">
-                <a16:creationId xmlns:a16="http://schemas.microsoft.com/office/drawing/2014/main" id="{DFA50187-4266-8085-0DA9-50A85EB54D17}"/>
-              </a:ext>
-            </a:extLst>
-          </p:cNvPr>
-          <p:cNvPicPr>
-            <a:picLocks noChangeAspect="1"/>
-          </p:cNvPicPr>
-          <p:nvPr/>
-        </p:nvPicPr>
-        <p:blipFill>
-          <a:blip r:embed="rId3"/>
-          <a:stretch>
-            <a:fillRect/>
-          </a:stretch>
-        </p:blipFill>
-        <p:spPr>
-          <a:xfrm>
-            <a:off x="4082946" y="2870464"/>
-            <a:ext cx="4026107" cy="1530429"/>
-          </a:xfrm>
-          <a:prstGeom prst="rect">
-            <a:avLst/>
-          </a:prstGeom>
-        </p:spPr>
-      </p:pic>
-    </p:spTree>
-    <p:extLst>
-      <p:ext uri="{BB962C8B-B14F-4D97-AF65-F5344CB8AC3E}">
-        <p14:creationId xmlns:p14="http://schemas.microsoft.com/office/powerpoint/2010/main" val="3046938398"/>
-      </p:ext>
-    </p:extLst>
-  </p:cSld>
-  <p:clrMapOvr>
-    <a:masterClrMapping/>
-  </p:clrMapOvr>
-</p:sld>
-</file>
-
-<file path=ppt/slides/slide19.xml><?xml version="1.0" encoding="utf-8"?>
-<p:sld xmlns:a="http://schemas.openxmlformats.org/drawingml/2006/main" xmlns:r="http://schemas.openxmlformats.org/officeDocument/2006/relationships" xmlns:p="http://schemas.openxmlformats.org/presentationml/2006/main">
-  <p:cSld>
-    <p:spTree>
-      <p:nvGrpSpPr>
-        <p:cNvPr id="1" name=""/>
-        <p:cNvGrpSpPr/>
-        <p:nvPr/>
-      </p:nvGrpSpPr>
-      <p:grpSpPr>
-        <a:xfrm>
-          <a:off x="0" y="0"/>
-          <a:ext cx="0" cy="0"/>
-          <a:chOff x="0" y="0"/>
-          <a:chExt cx="0" cy="0"/>
-        </a:xfrm>
-      </p:grpSpPr>
-      <p:pic>
-        <p:nvPicPr>
-          <p:cNvPr id="5" name="Picture 4">
-            <a:extLst>
-              <a:ext uri="{FF2B5EF4-FFF2-40B4-BE49-F238E27FC236}">
-                <a16:creationId xmlns:a16="http://schemas.microsoft.com/office/drawing/2014/main" id="{558453F9-F3C1-EDA3-6D83-43170A158A07}"/>
-              </a:ext>
-            </a:extLst>
-          </p:cNvPr>
-          <p:cNvPicPr>
-            <a:picLocks noChangeAspect="1"/>
-          </p:cNvPicPr>
-          <p:nvPr/>
-        </p:nvPicPr>
-        <p:blipFill rotWithShape="1">
-          <a:blip r:embed="rId2"/>
-          <a:srcRect t="10770" r="84371" b="20000"/>
-          <a:stretch/>
-        </p:blipFill>
-        <p:spPr>
-          <a:xfrm>
-            <a:off x="0" y="0"/>
-            <a:ext cx="1073997" cy="1175657"/>
-          </a:xfrm>
-          <a:prstGeom prst="rect">
-            <a:avLst/>
-          </a:prstGeom>
-        </p:spPr>
-      </p:pic>
-      <p:pic>
-        <p:nvPicPr>
-          <p:cNvPr id="6" name="Picture 5">
-            <a:extLst>
-              <a:ext uri="{FF2B5EF4-FFF2-40B4-BE49-F238E27FC236}">
-                <a16:creationId xmlns:a16="http://schemas.microsoft.com/office/drawing/2014/main" id="{CE1484BB-74DC-9E65-B32D-BE5FE2E385CD}"/>
-              </a:ext>
-            </a:extLst>
-          </p:cNvPr>
-          <p:cNvPicPr>
-            <a:picLocks noChangeAspect="1"/>
-          </p:cNvPicPr>
-          <p:nvPr/>
-        </p:nvPicPr>
-        <p:blipFill rotWithShape="1">
-          <a:blip r:embed="rId2"/>
-          <a:srcRect l="15172"/>
-          <a:stretch/>
-        </p:blipFill>
-        <p:spPr>
-          <a:xfrm>
-            <a:off x="9949987" y="0"/>
-            <a:ext cx="2242014" cy="653143"/>
-          </a:xfrm>
-          <a:prstGeom prst="rect">
-            <a:avLst/>
-          </a:prstGeom>
-        </p:spPr>
-      </p:pic>
-      <p:sp>
-        <p:nvSpPr>
-          <p:cNvPr id="7" name="TextBox 6">
-            <a:extLst>
-              <a:ext uri="{FF2B5EF4-FFF2-40B4-BE49-F238E27FC236}">
-                <a16:creationId xmlns:a16="http://schemas.microsoft.com/office/drawing/2014/main" id="{9EECCCD9-8AD5-9916-BC29-771066C9EE70}"/>
-              </a:ext>
-            </a:extLst>
-          </p:cNvPr>
-          <p:cNvSpPr txBox="1"/>
-          <p:nvPr/>
-        </p:nvSpPr>
-        <p:spPr>
-          <a:xfrm>
-            <a:off x="1" y="470259"/>
-            <a:ext cx="12192000" cy="1631216"/>
-          </a:xfrm>
-          <a:prstGeom prst="rect">
-            <a:avLst/>
-          </a:prstGeom>
-          <a:noFill/>
-        </p:spPr>
-        <p:txBody>
-          <a:bodyPr wrap="square" rtlCol="0">
-            <a:spAutoFit/>
-          </a:bodyPr>
-          <a:lstStyle/>
-          <a:p>
-            <a:pPr algn="ctr"/>
-            <a:r>
-              <a:rPr lang="en-US" sz="5000" b="1" dirty="0">
-                <a:solidFill>
-                  <a:srgbClr val="002060"/>
-                </a:solidFill>
-              </a:rPr>
-              <a:t>Logistic Regression – Credit Policy</a:t>
-            </a:r>
-          </a:p>
-          <a:p>
-            <a:pPr algn="ctr"/>
-            <a:endParaRPr lang="en-US" sz="5000" dirty="0">
-              <a:solidFill>
-                <a:srgbClr val="002060"/>
-              </a:solidFill>
-            </a:endParaRPr>
-          </a:p>
-        </p:txBody>
-      </p:sp>
-      <p:cxnSp>
-        <p:nvCxnSpPr>
-          <p:cNvPr id="9" name="Straight Connector 8">
-            <a:extLst>
-              <a:ext uri="{FF2B5EF4-FFF2-40B4-BE49-F238E27FC236}">
-                <a16:creationId xmlns:a16="http://schemas.microsoft.com/office/drawing/2014/main" id="{450EE6D2-7381-B11A-A20A-0D5D0904DD35}"/>
-              </a:ext>
-            </a:extLst>
-          </p:cNvPr>
-          <p:cNvCxnSpPr>
-            <a:cxnSpLocks/>
-          </p:cNvCxnSpPr>
-          <p:nvPr/>
-        </p:nvCxnSpPr>
-        <p:spPr>
-          <a:xfrm>
-            <a:off x="757647" y="1332033"/>
-            <a:ext cx="10659291" cy="0"/>
-          </a:xfrm>
-          <a:prstGeom prst="line">
-            <a:avLst/>
-          </a:prstGeom>
-          <a:ln w="57150">
-            <a:solidFill>
-              <a:srgbClr val="002060"/>
-            </a:solidFill>
-          </a:ln>
-        </p:spPr>
-        <p:style>
-          <a:lnRef idx="1">
-            <a:schemeClr val="accent1"/>
-          </a:lnRef>
-          <a:fillRef idx="0">
-            <a:schemeClr val="accent1"/>
-          </a:fillRef>
-          <a:effectRef idx="0">
-            <a:schemeClr val="accent1"/>
-          </a:effectRef>
-          <a:fontRef idx="minor">
-            <a:schemeClr val="tx1"/>
-          </a:fontRef>
-        </p:style>
-      </p:cxnSp>
-      <p:pic>
-        <p:nvPicPr>
-          <p:cNvPr id="4" name="Picture 3" descr="A picture containing chart&#10;&#10;Description automatically generated">
-            <a:extLst>
-              <a:ext uri="{FF2B5EF4-FFF2-40B4-BE49-F238E27FC236}">
-                <a16:creationId xmlns:a16="http://schemas.microsoft.com/office/drawing/2014/main" id="{EF9E986C-AE26-C3CC-4D6A-0FB74A5C0283}"/>
-              </a:ext>
-            </a:extLst>
-          </p:cNvPr>
-          <p:cNvPicPr>
-            <a:picLocks noChangeAspect="1"/>
-          </p:cNvPicPr>
-          <p:nvPr/>
-        </p:nvPicPr>
-        <p:blipFill>
-          <a:blip r:embed="rId3">
-            <a:extLst>
-              <a:ext uri="{28A0092B-C50C-407E-A947-70E740481C1C}">
-                <a14:useLocalDpi xmlns:a14="http://schemas.microsoft.com/office/drawing/2010/main" val="0"/>
-              </a:ext>
-            </a:extLst>
-          </a:blip>
-          <a:stretch>
-            <a:fillRect/>
-          </a:stretch>
-        </p:blipFill>
-        <p:spPr>
-          <a:xfrm>
-            <a:off x="2886868" y="1731706"/>
-            <a:ext cx="6400847" cy="4572033"/>
-          </a:xfrm>
-          <a:prstGeom prst="rect">
-            <a:avLst/>
-          </a:prstGeom>
-        </p:spPr>
-      </p:pic>
-    </p:spTree>
-    <p:extLst>
-      <p:ext uri="{BB962C8B-B14F-4D97-AF65-F5344CB8AC3E}">
-        <p14:creationId xmlns:p14="http://schemas.microsoft.com/office/powerpoint/2010/main" val="4040338310"/>
-      </p:ext>
-    </p:extLst>
-  </p:cSld>
-  <p:clrMapOvr>
-    <a:masterClrMapping/>
-  </p:clrMapOvr>
-</p:sld>
-</file>
-
-<file path=ppt/slides/slide2.xml><?xml version="1.0" encoding="utf-8"?>
-<p:sld xmlns:a="http://schemas.openxmlformats.org/drawingml/2006/main" xmlns:r="http://schemas.openxmlformats.org/officeDocument/2006/relationships" xmlns:p="http://schemas.openxmlformats.org/presentationml/2006/main">
-  <p:cSld>
-    <p:spTree>
-      <p:nvGrpSpPr>
-        <p:cNvPr id="1" name=""/>
-        <p:cNvGrpSpPr/>
-        <p:nvPr/>
-      </p:nvGrpSpPr>
-      <p:grpSpPr>
-        <a:xfrm>
-          <a:off x="0" y="0"/>
-          <a:ext cx="0" cy="0"/>
-          <a:chOff x="0" y="0"/>
-          <a:chExt cx="0" cy="0"/>
-        </a:xfrm>
-      </p:grpSpPr>
-      <p:pic>
-        <p:nvPicPr>
-          <p:cNvPr id="5" name="Picture 4">
-            <a:extLst>
-              <a:ext uri="{FF2B5EF4-FFF2-40B4-BE49-F238E27FC236}">
-                <a16:creationId xmlns:a16="http://schemas.microsoft.com/office/drawing/2014/main" id="{558453F9-F3C1-EDA3-6D83-43170A158A07}"/>
-              </a:ext>
-            </a:extLst>
-          </p:cNvPr>
-          <p:cNvPicPr>
-            <a:picLocks noChangeAspect="1"/>
-          </p:cNvPicPr>
-          <p:nvPr/>
-        </p:nvPicPr>
-        <p:blipFill rotWithShape="1">
-          <a:blip r:embed="rId3"/>
-          <a:srcRect t="10770" r="84371" b="20000"/>
-          <a:stretch/>
-        </p:blipFill>
-        <p:spPr>
-          <a:xfrm>
-            <a:off x="0" y="0"/>
-            <a:ext cx="1073997" cy="1175657"/>
-          </a:xfrm>
-          <a:prstGeom prst="rect">
-            <a:avLst/>
-          </a:prstGeom>
-        </p:spPr>
-      </p:pic>
-      <p:pic>
-        <p:nvPicPr>
-          <p:cNvPr id="6" name="Picture 5">
-            <a:extLst>
-              <a:ext uri="{FF2B5EF4-FFF2-40B4-BE49-F238E27FC236}">
-                <a16:creationId xmlns:a16="http://schemas.microsoft.com/office/drawing/2014/main" id="{CE1484BB-74DC-9E65-B32D-BE5FE2E385CD}"/>
-              </a:ext>
-            </a:extLst>
-          </p:cNvPr>
-          <p:cNvPicPr>
-            <a:picLocks noChangeAspect="1"/>
-          </p:cNvPicPr>
-          <p:nvPr/>
-        </p:nvPicPr>
-        <p:blipFill rotWithShape="1">
-          <a:blip r:embed="rId3"/>
-          <a:srcRect l="15172"/>
-          <a:stretch/>
-        </p:blipFill>
-        <p:spPr>
-          <a:xfrm>
-            <a:off x="9949987" y="0"/>
-            <a:ext cx="2242014" cy="653143"/>
-          </a:xfrm>
-          <a:prstGeom prst="rect">
-            <a:avLst/>
-          </a:prstGeom>
-        </p:spPr>
-      </p:pic>
-      <p:cxnSp>
-        <p:nvCxnSpPr>
-          <p:cNvPr id="9" name="Straight Connector 8">
-            <a:extLst>
-              <a:ext uri="{FF2B5EF4-FFF2-40B4-BE49-F238E27FC236}">
-                <a16:creationId xmlns:a16="http://schemas.microsoft.com/office/drawing/2014/main" id="{450EE6D2-7381-B11A-A20A-0D5D0904DD35}"/>
-              </a:ext>
-            </a:extLst>
-          </p:cNvPr>
-          <p:cNvCxnSpPr>
-            <a:cxnSpLocks/>
-          </p:cNvCxnSpPr>
-          <p:nvPr/>
-        </p:nvCxnSpPr>
-        <p:spPr>
-          <a:xfrm>
-            <a:off x="757647" y="1332033"/>
-            <a:ext cx="10659291" cy="0"/>
-          </a:xfrm>
-          <a:prstGeom prst="line">
-            <a:avLst/>
-          </a:prstGeom>
-          <a:ln w="57150">
-            <a:solidFill>
-              <a:srgbClr val="002060"/>
-            </a:solidFill>
-          </a:ln>
-        </p:spPr>
-        <p:style>
-          <a:lnRef idx="1">
-            <a:schemeClr val="accent1"/>
-          </a:lnRef>
-          <a:fillRef idx="0">
-            <a:schemeClr val="accent1"/>
-          </a:fillRef>
-          <a:effectRef idx="0">
-            <a:schemeClr val="accent1"/>
-          </a:effectRef>
-          <a:fontRef idx="minor">
-            <a:schemeClr val="tx1"/>
-          </a:fontRef>
-        </p:style>
-      </p:cxnSp>
-      <p:sp>
-        <p:nvSpPr>
-          <p:cNvPr id="14" name="TextBox 13">
-            <a:extLst>
-              <a:ext uri="{FF2B5EF4-FFF2-40B4-BE49-F238E27FC236}">
-                <a16:creationId xmlns:a16="http://schemas.microsoft.com/office/drawing/2014/main" id="{F8ADE235-F5DF-EA0A-3DEE-99587A10A4C3}"/>
-              </a:ext>
-            </a:extLst>
-          </p:cNvPr>
-          <p:cNvSpPr txBox="1"/>
-          <p:nvPr/>
-        </p:nvSpPr>
-        <p:spPr>
-          <a:xfrm>
-            <a:off x="1" y="470259"/>
-            <a:ext cx="12192000" cy="861774"/>
-          </a:xfrm>
-          <a:prstGeom prst="rect">
-            <a:avLst/>
-          </a:prstGeom>
-          <a:noFill/>
-        </p:spPr>
-        <p:txBody>
-          <a:bodyPr wrap="square" rtlCol="0">
-            <a:spAutoFit/>
-          </a:bodyPr>
-          <a:lstStyle/>
-          <a:p>
-            <a:pPr algn="ctr"/>
-            <a:r>
-              <a:rPr lang="en-US" sz="5000" b="1" dirty="0">
-                <a:solidFill>
-                  <a:srgbClr val="002060"/>
-                </a:solidFill>
-              </a:rPr>
-              <a:t>What is </a:t>
-            </a:r>
-            <a:r>
-              <a:rPr lang="en-US" sz="5000" b="1" dirty="0" err="1">
-                <a:solidFill>
-                  <a:srgbClr val="002060"/>
-                </a:solidFill>
-              </a:rPr>
-              <a:t>LendingClub</a:t>
-            </a:r>
-            <a:endParaRPr lang="en-US" sz="5000" b="1" dirty="0">
-              <a:solidFill>
-                <a:srgbClr val="002060"/>
-              </a:solidFill>
-            </a:endParaRPr>
-          </a:p>
-        </p:txBody>
-      </p:sp>
-      <p:sp>
-        <p:nvSpPr>
-          <p:cNvPr id="15" name="TextBox 14">
-            <a:extLst>
-              <a:ext uri="{FF2B5EF4-FFF2-40B4-BE49-F238E27FC236}">
-                <a16:creationId xmlns:a16="http://schemas.microsoft.com/office/drawing/2014/main" id="{5FCE2831-D9D3-5E67-5843-615EC7E6B2FD}"/>
-              </a:ext>
-            </a:extLst>
-          </p:cNvPr>
-          <p:cNvSpPr txBox="1"/>
-          <p:nvPr/>
-        </p:nvSpPr>
-        <p:spPr>
-          <a:xfrm>
-            <a:off x="0" y="6627168"/>
-            <a:ext cx="5910146" cy="230832"/>
-          </a:xfrm>
-          <a:prstGeom prst="rect">
-            <a:avLst/>
-          </a:prstGeom>
-          <a:noFill/>
-        </p:spPr>
-        <p:txBody>
-          <a:bodyPr wrap="square" rtlCol="0">
-            <a:spAutoFit/>
-          </a:bodyPr>
-          <a:lstStyle/>
-          <a:p>
-            <a:r>
-              <a:rPr lang="en-US" sz="900" dirty="0">
-                <a:solidFill>
-                  <a:schemeClr val="bg1">
-                    <a:lumMod val="65000"/>
-                  </a:schemeClr>
-                </a:solidFill>
-              </a:rPr>
-              <a:t>Source: https://www.moneysmylife.com/lendingclub-review/</a:t>
-            </a:r>
-          </a:p>
-        </p:txBody>
-      </p:sp>
-      <p:pic>
-        <p:nvPicPr>
-          <p:cNvPr id="17" name="Picture 16">
-            <a:extLst>
-              <a:ext uri="{FF2B5EF4-FFF2-40B4-BE49-F238E27FC236}">
-                <a16:creationId xmlns:a16="http://schemas.microsoft.com/office/drawing/2014/main" id="{89E6F058-95B8-D239-7DA9-0F87347F6B35}"/>
-              </a:ext>
-            </a:extLst>
-          </p:cNvPr>
-          <p:cNvPicPr>
-            <a:picLocks noChangeAspect="1"/>
-          </p:cNvPicPr>
-          <p:nvPr/>
-        </p:nvPicPr>
-        <p:blipFill>
-          <a:blip r:embed="rId4"/>
-          <a:stretch>
-            <a:fillRect/>
-          </a:stretch>
-        </p:blipFill>
-        <p:spPr>
-          <a:xfrm>
-            <a:off x="766354" y="2360987"/>
-            <a:ext cx="10659292" cy="2940494"/>
-          </a:xfrm>
-          <a:prstGeom prst="rect">
-            <a:avLst/>
-          </a:prstGeom>
-        </p:spPr>
-      </p:pic>
-    </p:spTree>
-    <p:extLst>
-      <p:ext uri="{BB962C8B-B14F-4D97-AF65-F5344CB8AC3E}">
-        <p14:creationId xmlns:p14="http://schemas.microsoft.com/office/powerpoint/2010/main" val="654429940"/>
-      </p:ext>
-    </p:extLst>
-  </p:cSld>
-  <p:clrMapOvr>
-    <a:masterClrMapping/>
-  </p:clrMapOvr>
-</p:sld>
-</file>
-
-<file path=ppt/slides/slide20.xml><?xml version="1.0" encoding="utf-8"?>
-<p:sld xmlns:a="http://schemas.openxmlformats.org/drawingml/2006/main" xmlns:r="http://schemas.openxmlformats.org/officeDocument/2006/relationships" xmlns:p="http://schemas.openxmlformats.org/presentationml/2006/main">
-  <p:cSld>
-    <p:spTree>
-      <p:nvGrpSpPr>
-        <p:cNvPr id="1" name=""/>
-        <p:cNvGrpSpPr/>
-        <p:nvPr/>
-      </p:nvGrpSpPr>
-      <p:grpSpPr>
-        <a:xfrm>
-          <a:off x="0" y="0"/>
-          <a:ext cx="0" cy="0"/>
-          <a:chOff x="0" y="0"/>
-          <a:chExt cx="0" cy="0"/>
-        </a:xfrm>
-      </p:grpSpPr>
-      <p:pic>
-        <p:nvPicPr>
-          <p:cNvPr id="5" name="Picture 4">
-            <a:extLst>
-              <a:ext uri="{FF2B5EF4-FFF2-40B4-BE49-F238E27FC236}">
-                <a16:creationId xmlns:a16="http://schemas.microsoft.com/office/drawing/2014/main" id="{558453F9-F3C1-EDA3-6D83-43170A158A07}"/>
-              </a:ext>
-            </a:extLst>
-          </p:cNvPr>
-          <p:cNvPicPr>
-            <a:picLocks noChangeAspect="1"/>
-          </p:cNvPicPr>
-          <p:nvPr/>
-        </p:nvPicPr>
-        <p:blipFill rotWithShape="1">
-          <a:blip r:embed="rId2"/>
-          <a:srcRect t="10770" r="84371" b="20000"/>
-          <a:stretch/>
-        </p:blipFill>
-        <p:spPr>
-          <a:xfrm>
-            <a:off x="0" y="0"/>
-            <a:ext cx="1073997" cy="1175657"/>
-          </a:xfrm>
-          <a:prstGeom prst="rect">
-            <a:avLst/>
-          </a:prstGeom>
-        </p:spPr>
-      </p:pic>
-      <p:pic>
-        <p:nvPicPr>
-          <p:cNvPr id="6" name="Picture 5">
-            <a:extLst>
-              <a:ext uri="{FF2B5EF4-FFF2-40B4-BE49-F238E27FC236}">
-                <a16:creationId xmlns:a16="http://schemas.microsoft.com/office/drawing/2014/main" id="{CE1484BB-74DC-9E65-B32D-BE5FE2E385CD}"/>
-              </a:ext>
-            </a:extLst>
-          </p:cNvPr>
-          <p:cNvPicPr>
-            <a:picLocks noChangeAspect="1"/>
-          </p:cNvPicPr>
-          <p:nvPr/>
-        </p:nvPicPr>
-        <p:blipFill rotWithShape="1">
-          <a:blip r:embed="rId2"/>
-          <a:srcRect l="15172"/>
-          <a:stretch/>
-        </p:blipFill>
-        <p:spPr>
-          <a:xfrm>
-            <a:off x="9949987" y="0"/>
-            <a:ext cx="2242014" cy="653143"/>
-          </a:xfrm>
-          <a:prstGeom prst="rect">
-            <a:avLst/>
-          </a:prstGeom>
-        </p:spPr>
-      </p:pic>
-      <p:sp>
-        <p:nvSpPr>
-          <p:cNvPr id="7" name="TextBox 6">
-            <a:extLst>
-              <a:ext uri="{FF2B5EF4-FFF2-40B4-BE49-F238E27FC236}">
-                <a16:creationId xmlns:a16="http://schemas.microsoft.com/office/drawing/2014/main" id="{9EECCCD9-8AD5-9916-BC29-771066C9EE70}"/>
-              </a:ext>
-            </a:extLst>
-          </p:cNvPr>
-          <p:cNvSpPr txBox="1"/>
-          <p:nvPr/>
-        </p:nvSpPr>
-        <p:spPr>
-          <a:xfrm>
-            <a:off x="1" y="470259"/>
-            <a:ext cx="12192000" cy="1631216"/>
-          </a:xfrm>
-          <a:prstGeom prst="rect">
-            <a:avLst/>
-          </a:prstGeom>
-          <a:noFill/>
-        </p:spPr>
-        <p:txBody>
-          <a:bodyPr wrap="square" rtlCol="0">
-            <a:spAutoFit/>
-          </a:bodyPr>
-          <a:lstStyle/>
-          <a:p>
-            <a:pPr algn="ctr"/>
-            <a:r>
-              <a:rPr lang="en-US" sz="5000" b="1" dirty="0">
-                <a:solidFill>
-                  <a:srgbClr val="002060"/>
-                </a:solidFill>
-              </a:rPr>
-              <a:t>Logistic Regression – Not Fully Paid</a:t>
-            </a:r>
-          </a:p>
-          <a:p>
-            <a:pPr algn="ctr"/>
-            <a:endParaRPr lang="en-US" sz="5000" dirty="0">
-              <a:solidFill>
-                <a:srgbClr val="002060"/>
-              </a:solidFill>
-            </a:endParaRPr>
-          </a:p>
-        </p:txBody>
-      </p:sp>
-      <p:cxnSp>
-        <p:nvCxnSpPr>
-          <p:cNvPr id="9" name="Straight Connector 8">
-            <a:extLst>
-              <a:ext uri="{FF2B5EF4-FFF2-40B4-BE49-F238E27FC236}">
-                <a16:creationId xmlns:a16="http://schemas.microsoft.com/office/drawing/2014/main" id="{450EE6D2-7381-B11A-A20A-0D5D0904DD35}"/>
-              </a:ext>
-            </a:extLst>
-          </p:cNvPr>
-          <p:cNvCxnSpPr>
-            <a:cxnSpLocks/>
-          </p:cNvCxnSpPr>
-          <p:nvPr/>
-        </p:nvCxnSpPr>
-        <p:spPr>
-          <a:xfrm>
-            <a:off x="757647" y="1332033"/>
-            <a:ext cx="10659291" cy="0"/>
-          </a:xfrm>
-          <a:prstGeom prst="line">
-            <a:avLst/>
-          </a:prstGeom>
-          <a:ln w="57150">
-            <a:solidFill>
-              <a:srgbClr val="002060"/>
-            </a:solidFill>
-          </a:ln>
-        </p:spPr>
-        <p:style>
-          <a:lnRef idx="1">
-            <a:schemeClr val="accent1"/>
-          </a:lnRef>
-          <a:fillRef idx="0">
-            <a:schemeClr val="accent1"/>
-          </a:fillRef>
-          <a:effectRef idx="0">
-            <a:schemeClr val="accent1"/>
-          </a:effectRef>
-          <a:fontRef idx="minor">
-            <a:schemeClr val="tx1"/>
-          </a:fontRef>
-        </p:style>
-      </p:cxnSp>
-      <p:pic>
-        <p:nvPicPr>
-          <p:cNvPr id="4" name="Picture 3" descr="Chart&#10;&#10;Description automatically generated">
-            <a:extLst>
-              <a:ext uri="{FF2B5EF4-FFF2-40B4-BE49-F238E27FC236}">
-                <a16:creationId xmlns:a16="http://schemas.microsoft.com/office/drawing/2014/main" id="{3DD92608-18D5-CA21-C822-95D4C9B7F6A7}"/>
-              </a:ext>
-            </a:extLst>
-          </p:cNvPr>
-          <p:cNvPicPr>
-            <a:picLocks noChangeAspect="1"/>
-          </p:cNvPicPr>
-          <p:nvPr/>
-        </p:nvPicPr>
-        <p:blipFill>
-          <a:blip r:embed="rId3">
-            <a:extLst>
-              <a:ext uri="{28A0092B-C50C-407E-A947-70E740481C1C}">
-                <a14:useLocalDpi xmlns:a14="http://schemas.microsoft.com/office/drawing/2010/main" val="0"/>
-              </a:ext>
-            </a:extLst>
-          </a:blip>
-          <a:stretch>
-            <a:fillRect/>
-          </a:stretch>
-        </p:blipFill>
-        <p:spPr>
-          <a:xfrm>
-            <a:off x="2886868" y="1675339"/>
-            <a:ext cx="6400847" cy="4572033"/>
-          </a:xfrm>
-          <a:prstGeom prst="rect">
-            <a:avLst/>
-          </a:prstGeom>
-        </p:spPr>
-      </p:pic>
-    </p:spTree>
-    <p:extLst>
-      <p:ext uri="{BB962C8B-B14F-4D97-AF65-F5344CB8AC3E}">
-        <p14:creationId xmlns:p14="http://schemas.microsoft.com/office/powerpoint/2010/main" val="2792606219"/>
-      </p:ext>
-    </p:extLst>
-  </p:cSld>
-  <p:clrMapOvr>
-    <a:masterClrMapping/>
-  </p:clrMapOvr>
-</p:sld>
-</file>
-
-<file path=ppt/slides/slide21.xml><?xml version="1.0" encoding="utf-8"?>
-<p:sld xmlns:a="http://schemas.openxmlformats.org/drawingml/2006/main" xmlns:r="http://schemas.openxmlformats.org/officeDocument/2006/relationships" xmlns:p="http://schemas.openxmlformats.org/presentationml/2006/main">
-  <p:cSld>
-    <p:spTree>
-      <p:nvGrpSpPr>
-        <p:cNvPr id="1" name=""/>
-        <p:cNvGrpSpPr/>
-        <p:nvPr/>
-      </p:nvGrpSpPr>
-      <p:grpSpPr>
-        <a:xfrm>
-          <a:off x="0" y="0"/>
-          <a:ext cx="0" cy="0"/>
-          <a:chOff x="0" y="0"/>
-          <a:chExt cx="0" cy="0"/>
-        </a:xfrm>
-      </p:grpSpPr>
-      <p:pic>
-        <p:nvPicPr>
-          <p:cNvPr id="5" name="Picture 4">
-            <a:extLst>
-              <a:ext uri="{FF2B5EF4-FFF2-40B4-BE49-F238E27FC236}">
-                <a16:creationId xmlns:a16="http://schemas.microsoft.com/office/drawing/2014/main" id="{558453F9-F3C1-EDA3-6D83-43170A158A07}"/>
-              </a:ext>
-            </a:extLst>
-          </p:cNvPr>
-          <p:cNvPicPr>
-            <a:picLocks noChangeAspect="1"/>
-          </p:cNvPicPr>
-          <p:nvPr/>
-        </p:nvPicPr>
-        <p:blipFill rotWithShape="1">
-          <a:blip r:embed="rId2"/>
-          <a:srcRect t="10770" r="84371" b="20000"/>
-          <a:stretch/>
-        </p:blipFill>
-        <p:spPr>
-          <a:xfrm>
-            <a:off x="0" y="0"/>
-            <a:ext cx="1073997" cy="1175657"/>
-          </a:xfrm>
-          <a:prstGeom prst="rect">
-            <a:avLst/>
-          </a:prstGeom>
-        </p:spPr>
-      </p:pic>
-      <p:pic>
-        <p:nvPicPr>
-          <p:cNvPr id="6" name="Picture 5">
-            <a:extLst>
-              <a:ext uri="{FF2B5EF4-FFF2-40B4-BE49-F238E27FC236}">
-                <a16:creationId xmlns:a16="http://schemas.microsoft.com/office/drawing/2014/main" id="{CE1484BB-74DC-9E65-B32D-BE5FE2E385CD}"/>
-              </a:ext>
-            </a:extLst>
-          </p:cNvPr>
-          <p:cNvPicPr>
-            <a:picLocks noChangeAspect="1"/>
-          </p:cNvPicPr>
-          <p:nvPr/>
-        </p:nvPicPr>
-        <p:blipFill rotWithShape="1">
-          <a:blip r:embed="rId2"/>
-          <a:srcRect l="15172"/>
-          <a:stretch/>
-        </p:blipFill>
-        <p:spPr>
-          <a:xfrm>
-            <a:off x="9949987" y="0"/>
-            <a:ext cx="2242014" cy="653143"/>
-          </a:xfrm>
-          <a:prstGeom prst="rect">
-            <a:avLst/>
-          </a:prstGeom>
-        </p:spPr>
-      </p:pic>
-      <p:sp>
-        <p:nvSpPr>
-          <p:cNvPr id="7" name="TextBox 6">
-            <a:extLst>
-              <a:ext uri="{FF2B5EF4-FFF2-40B4-BE49-F238E27FC236}">
-                <a16:creationId xmlns:a16="http://schemas.microsoft.com/office/drawing/2014/main" id="{9EECCCD9-8AD5-9916-BC29-771066C9EE70}"/>
-              </a:ext>
-            </a:extLst>
-          </p:cNvPr>
-          <p:cNvSpPr txBox="1"/>
-          <p:nvPr/>
-        </p:nvSpPr>
-        <p:spPr>
-          <a:xfrm>
-            <a:off x="1" y="470259"/>
-            <a:ext cx="12192000" cy="1631216"/>
-          </a:xfrm>
-          <a:prstGeom prst="rect">
-            <a:avLst/>
-          </a:prstGeom>
-          <a:noFill/>
-        </p:spPr>
-        <p:txBody>
-          <a:bodyPr wrap="square" rtlCol="0">
-            <a:spAutoFit/>
-          </a:bodyPr>
-          <a:lstStyle/>
-          <a:p>
-            <a:pPr algn="ctr"/>
-            <a:r>
-              <a:rPr lang="en-US" sz="5000" b="1" dirty="0">
-                <a:solidFill>
-                  <a:srgbClr val="002060"/>
-                </a:solidFill>
-              </a:rPr>
-              <a:t>Logistic Regression – Credit Policy</a:t>
-            </a:r>
-          </a:p>
-          <a:p>
-            <a:pPr algn="ctr"/>
-            <a:endParaRPr lang="en-US" sz="5000" dirty="0">
-              <a:solidFill>
-                <a:srgbClr val="002060"/>
-              </a:solidFill>
-            </a:endParaRPr>
-          </a:p>
-        </p:txBody>
-      </p:sp>
-      <p:cxnSp>
-        <p:nvCxnSpPr>
-          <p:cNvPr id="9" name="Straight Connector 8">
-            <a:extLst>
-              <a:ext uri="{FF2B5EF4-FFF2-40B4-BE49-F238E27FC236}">
-                <a16:creationId xmlns:a16="http://schemas.microsoft.com/office/drawing/2014/main" id="{450EE6D2-7381-B11A-A20A-0D5D0904DD35}"/>
-              </a:ext>
-            </a:extLst>
-          </p:cNvPr>
-          <p:cNvCxnSpPr>
-            <a:cxnSpLocks/>
-          </p:cNvCxnSpPr>
-          <p:nvPr/>
-        </p:nvCxnSpPr>
-        <p:spPr>
-          <a:xfrm>
-            <a:off x="757647" y="1332033"/>
-            <a:ext cx="10659291" cy="0"/>
-          </a:xfrm>
-          <a:prstGeom prst="line">
-            <a:avLst/>
-          </a:prstGeom>
-          <a:ln w="57150">
-            <a:solidFill>
-              <a:srgbClr val="002060"/>
-            </a:solidFill>
-          </a:ln>
-        </p:spPr>
-        <p:style>
-          <a:lnRef idx="1">
-            <a:schemeClr val="accent1"/>
-          </a:lnRef>
-          <a:fillRef idx="0">
-            <a:schemeClr val="accent1"/>
-          </a:fillRef>
-          <a:effectRef idx="0">
-            <a:schemeClr val="accent1"/>
-          </a:effectRef>
-          <a:fontRef idx="minor">
-            <a:schemeClr val="tx1"/>
-          </a:fontRef>
-        </p:style>
-      </p:cxnSp>
-      <p:pic>
-        <p:nvPicPr>
-          <p:cNvPr id="3" name="Picture 2">
-            <a:extLst>
-              <a:ext uri="{FF2B5EF4-FFF2-40B4-BE49-F238E27FC236}">
-                <a16:creationId xmlns:a16="http://schemas.microsoft.com/office/drawing/2014/main" id="{5E04EC06-9E56-D09A-5B08-5A1E2A1021D8}"/>
-              </a:ext>
-            </a:extLst>
-          </p:cNvPr>
-          <p:cNvPicPr>
-            <a:picLocks noChangeAspect="1"/>
-          </p:cNvPicPr>
-          <p:nvPr/>
-        </p:nvPicPr>
-        <p:blipFill>
-          <a:blip r:embed="rId3"/>
-          <a:stretch>
-            <a:fillRect/>
-          </a:stretch>
-        </p:blipFill>
-        <p:spPr>
-          <a:xfrm>
-            <a:off x="4176747" y="0"/>
-            <a:ext cx="3838506" cy="6858000"/>
-          </a:xfrm>
-          <a:prstGeom prst="rect">
-            <a:avLst/>
-          </a:prstGeom>
-        </p:spPr>
-      </p:pic>
-    </p:spTree>
-    <p:extLst>
-      <p:ext uri="{BB962C8B-B14F-4D97-AF65-F5344CB8AC3E}">
-        <p14:creationId xmlns:p14="http://schemas.microsoft.com/office/powerpoint/2010/main" val="2538059948"/>
-      </p:ext>
-    </p:extLst>
-  </p:cSld>
-  <p:clrMapOvr>
-    <a:masterClrMapping/>
-  </p:clrMapOvr>
-</p:sld>
-</file>
-
-<file path=ppt/slides/slide22.xml><?xml version="1.0" encoding="utf-8"?>
-<p:sld xmlns:a="http://schemas.openxmlformats.org/drawingml/2006/main" xmlns:r="http://schemas.openxmlformats.org/officeDocument/2006/relationships" xmlns:p="http://schemas.openxmlformats.org/presentationml/2006/main">
-  <p:cSld>
-    <p:spTree>
-      <p:nvGrpSpPr>
-        <p:cNvPr id="1" name=""/>
-        <p:cNvGrpSpPr/>
-        <p:nvPr/>
-      </p:nvGrpSpPr>
-      <p:grpSpPr>
-        <a:xfrm>
-          <a:off x="0" y="0"/>
-          <a:ext cx="0" cy="0"/>
-          <a:chOff x="0" y="0"/>
-          <a:chExt cx="0" cy="0"/>
-        </a:xfrm>
-      </p:grpSpPr>
-      <p:pic>
-        <p:nvPicPr>
-          <p:cNvPr id="5" name="Picture 4">
-            <a:extLst>
-              <a:ext uri="{FF2B5EF4-FFF2-40B4-BE49-F238E27FC236}">
-                <a16:creationId xmlns:a16="http://schemas.microsoft.com/office/drawing/2014/main" id="{558453F9-F3C1-EDA3-6D83-43170A158A07}"/>
-              </a:ext>
-            </a:extLst>
-          </p:cNvPr>
-          <p:cNvPicPr>
-            <a:picLocks noChangeAspect="1"/>
-          </p:cNvPicPr>
-          <p:nvPr/>
-        </p:nvPicPr>
-        <p:blipFill rotWithShape="1">
-          <a:blip r:embed="rId2"/>
-          <a:srcRect t="10770" r="84371" b="20000"/>
-          <a:stretch/>
-        </p:blipFill>
-        <p:spPr>
-          <a:xfrm>
-            <a:off x="0" y="0"/>
-            <a:ext cx="1073997" cy="1175657"/>
-          </a:xfrm>
-          <a:prstGeom prst="rect">
-            <a:avLst/>
-          </a:prstGeom>
-        </p:spPr>
-      </p:pic>
-      <p:pic>
-        <p:nvPicPr>
-          <p:cNvPr id="6" name="Picture 5">
-            <a:extLst>
-              <a:ext uri="{FF2B5EF4-FFF2-40B4-BE49-F238E27FC236}">
-                <a16:creationId xmlns:a16="http://schemas.microsoft.com/office/drawing/2014/main" id="{CE1484BB-74DC-9E65-B32D-BE5FE2E385CD}"/>
-              </a:ext>
-            </a:extLst>
-          </p:cNvPr>
-          <p:cNvPicPr>
-            <a:picLocks noChangeAspect="1"/>
-          </p:cNvPicPr>
-          <p:nvPr/>
-        </p:nvPicPr>
-        <p:blipFill rotWithShape="1">
-          <a:blip r:embed="rId2"/>
-          <a:srcRect l="15172"/>
-          <a:stretch/>
-        </p:blipFill>
-        <p:spPr>
-          <a:xfrm>
-            <a:off x="9949987" y="0"/>
-            <a:ext cx="2242014" cy="653143"/>
-          </a:xfrm>
-          <a:prstGeom prst="rect">
-            <a:avLst/>
-          </a:prstGeom>
-        </p:spPr>
-      </p:pic>
-      <p:sp>
-        <p:nvSpPr>
-          <p:cNvPr id="7" name="TextBox 6">
-            <a:extLst>
-              <a:ext uri="{FF2B5EF4-FFF2-40B4-BE49-F238E27FC236}">
-                <a16:creationId xmlns:a16="http://schemas.microsoft.com/office/drawing/2014/main" id="{9EECCCD9-8AD5-9916-BC29-771066C9EE70}"/>
-              </a:ext>
-            </a:extLst>
-          </p:cNvPr>
-          <p:cNvSpPr txBox="1"/>
-          <p:nvPr/>
-        </p:nvSpPr>
-        <p:spPr>
-          <a:xfrm>
-            <a:off x="1" y="470259"/>
-            <a:ext cx="12192000" cy="1631216"/>
-          </a:xfrm>
-          <a:prstGeom prst="rect">
-            <a:avLst/>
-          </a:prstGeom>
-          <a:noFill/>
-        </p:spPr>
-        <p:txBody>
-          <a:bodyPr wrap="square" rtlCol="0">
-            <a:spAutoFit/>
-          </a:bodyPr>
-          <a:lstStyle/>
-          <a:p>
-            <a:pPr algn="ctr"/>
-            <a:r>
-              <a:rPr lang="en-US" sz="5000" b="1" dirty="0">
-                <a:solidFill>
-                  <a:srgbClr val="002060"/>
-                </a:solidFill>
-              </a:rPr>
-              <a:t>Logistic Regression – Credit Policy</a:t>
-            </a:r>
-          </a:p>
-          <a:p>
-            <a:pPr algn="ctr"/>
-            <a:endParaRPr lang="en-US" sz="5000" dirty="0">
-              <a:solidFill>
-                <a:srgbClr val="002060"/>
-              </a:solidFill>
-            </a:endParaRPr>
-          </a:p>
-        </p:txBody>
-      </p:sp>
-      <p:cxnSp>
-        <p:nvCxnSpPr>
-          <p:cNvPr id="9" name="Straight Connector 8">
-            <a:extLst>
-              <a:ext uri="{FF2B5EF4-FFF2-40B4-BE49-F238E27FC236}">
-                <a16:creationId xmlns:a16="http://schemas.microsoft.com/office/drawing/2014/main" id="{450EE6D2-7381-B11A-A20A-0D5D0904DD35}"/>
-              </a:ext>
-            </a:extLst>
-          </p:cNvPr>
-          <p:cNvCxnSpPr>
-            <a:cxnSpLocks/>
-          </p:cNvCxnSpPr>
-          <p:nvPr/>
-        </p:nvCxnSpPr>
-        <p:spPr>
-          <a:xfrm>
-            <a:off x="757647" y="1332033"/>
-            <a:ext cx="10659291" cy="0"/>
-          </a:xfrm>
-          <a:prstGeom prst="line">
-            <a:avLst/>
-          </a:prstGeom>
-          <a:ln w="57150">
-            <a:solidFill>
-              <a:srgbClr val="002060"/>
-            </a:solidFill>
-          </a:ln>
-        </p:spPr>
-        <p:style>
-          <a:lnRef idx="1">
-            <a:schemeClr val="accent1"/>
-          </a:lnRef>
-          <a:fillRef idx="0">
-            <a:schemeClr val="accent1"/>
-          </a:fillRef>
-          <a:effectRef idx="0">
-            <a:schemeClr val="accent1"/>
-          </a:effectRef>
-          <a:fontRef idx="minor">
-            <a:schemeClr val="tx1"/>
-          </a:fontRef>
-        </p:style>
-      </p:cxnSp>
-      <p:pic>
-        <p:nvPicPr>
-          <p:cNvPr id="4" name="Picture 3">
-            <a:extLst>
-              <a:ext uri="{FF2B5EF4-FFF2-40B4-BE49-F238E27FC236}">
-                <a16:creationId xmlns:a16="http://schemas.microsoft.com/office/drawing/2014/main" id="{9C3A0CD7-3E13-B5E8-39AC-7218AE83F9A2}"/>
-              </a:ext>
-            </a:extLst>
-          </p:cNvPr>
-          <p:cNvPicPr>
-            <a:picLocks noChangeAspect="1"/>
-          </p:cNvPicPr>
-          <p:nvPr/>
-        </p:nvPicPr>
-        <p:blipFill>
-          <a:blip r:embed="rId3"/>
-          <a:stretch>
-            <a:fillRect/>
-          </a:stretch>
-        </p:blipFill>
-        <p:spPr>
-          <a:xfrm>
-            <a:off x="4083764" y="2571734"/>
-            <a:ext cx="4007056" cy="1663786"/>
-          </a:xfrm>
-          <a:prstGeom prst="rect">
-            <a:avLst/>
-          </a:prstGeom>
-        </p:spPr>
-      </p:pic>
-    </p:spTree>
-    <p:extLst>
-      <p:ext uri="{BB962C8B-B14F-4D97-AF65-F5344CB8AC3E}">
-        <p14:creationId xmlns:p14="http://schemas.microsoft.com/office/powerpoint/2010/main" val="538577802"/>
-      </p:ext>
-    </p:extLst>
-  </p:cSld>
-  <p:clrMapOvr>
-    <a:masterClrMapping/>
-  </p:clrMapOvr>
-</p:sld>
-</file>
-
-<file path=ppt/slides/slide23.xml><?xml version="1.0" encoding="utf-8"?>
-<p:sld xmlns:a="http://schemas.openxmlformats.org/drawingml/2006/main" xmlns:r="http://schemas.openxmlformats.org/officeDocument/2006/relationships" xmlns:p="http://schemas.openxmlformats.org/presentationml/2006/main">
-  <p:cSld>
-    <p:spTree>
-      <p:nvGrpSpPr>
-        <p:cNvPr id="1" name=""/>
-        <p:cNvGrpSpPr/>
-        <p:nvPr/>
-      </p:nvGrpSpPr>
-      <p:grpSpPr>
-        <a:xfrm>
-          <a:off x="0" y="0"/>
-          <a:ext cx="0" cy="0"/>
-          <a:chOff x="0" y="0"/>
-          <a:chExt cx="0" cy="0"/>
-        </a:xfrm>
-      </p:grpSpPr>
-      <p:pic>
-        <p:nvPicPr>
-          <p:cNvPr id="5" name="Picture 4">
-            <a:extLst>
-              <a:ext uri="{FF2B5EF4-FFF2-40B4-BE49-F238E27FC236}">
-                <a16:creationId xmlns:a16="http://schemas.microsoft.com/office/drawing/2014/main" id="{558453F9-F3C1-EDA3-6D83-43170A158A07}"/>
-              </a:ext>
-            </a:extLst>
-          </p:cNvPr>
-          <p:cNvPicPr>
-            <a:picLocks noChangeAspect="1"/>
-          </p:cNvPicPr>
-          <p:nvPr/>
-        </p:nvPicPr>
-        <p:blipFill rotWithShape="1">
-          <a:blip r:embed="rId2"/>
-          <a:srcRect t="10770" r="84371" b="20000"/>
-          <a:stretch/>
-        </p:blipFill>
-        <p:spPr>
-          <a:xfrm>
-            <a:off x="0" y="0"/>
-            <a:ext cx="1073997" cy="1175657"/>
-          </a:xfrm>
-          <a:prstGeom prst="rect">
-            <a:avLst/>
-          </a:prstGeom>
-        </p:spPr>
-      </p:pic>
-      <p:pic>
-        <p:nvPicPr>
-          <p:cNvPr id="6" name="Picture 5">
-            <a:extLst>
-              <a:ext uri="{FF2B5EF4-FFF2-40B4-BE49-F238E27FC236}">
-                <a16:creationId xmlns:a16="http://schemas.microsoft.com/office/drawing/2014/main" id="{CE1484BB-74DC-9E65-B32D-BE5FE2E385CD}"/>
-              </a:ext>
-            </a:extLst>
-          </p:cNvPr>
-          <p:cNvPicPr>
-            <a:picLocks noChangeAspect="1"/>
-          </p:cNvPicPr>
-          <p:nvPr/>
-        </p:nvPicPr>
-        <p:blipFill rotWithShape="1">
-          <a:blip r:embed="rId2"/>
-          <a:srcRect l="15172"/>
-          <a:stretch/>
-        </p:blipFill>
-        <p:spPr>
-          <a:xfrm>
-            <a:off x="9949987" y="0"/>
-            <a:ext cx="2242014" cy="653143"/>
-          </a:xfrm>
-          <a:prstGeom prst="rect">
-            <a:avLst/>
-          </a:prstGeom>
-        </p:spPr>
-      </p:pic>
-      <p:sp>
-        <p:nvSpPr>
-          <p:cNvPr id="7" name="TextBox 6">
-            <a:extLst>
-              <a:ext uri="{FF2B5EF4-FFF2-40B4-BE49-F238E27FC236}">
-                <a16:creationId xmlns:a16="http://schemas.microsoft.com/office/drawing/2014/main" id="{9EECCCD9-8AD5-9916-BC29-771066C9EE70}"/>
-              </a:ext>
-            </a:extLst>
-          </p:cNvPr>
-          <p:cNvSpPr txBox="1"/>
-          <p:nvPr/>
-        </p:nvSpPr>
-        <p:spPr>
-          <a:xfrm>
-            <a:off x="1" y="470259"/>
-            <a:ext cx="12192000" cy="1631216"/>
-          </a:xfrm>
-          <a:prstGeom prst="rect">
-            <a:avLst/>
-          </a:prstGeom>
-          <a:noFill/>
-        </p:spPr>
-        <p:txBody>
-          <a:bodyPr wrap="square" rtlCol="0">
-            <a:spAutoFit/>
-          </a:bodyPr>
-          <a:lstStyle/>
-          <a:p>
-            <a:pPr algn="ctr"/>
-            <a:r>
-              <a:rPr lang="en-US" sz="5000" b="1" dirty="0">
-                <a:solidFill>
-                  <a:srgbClr val="002060"/>
-                </a:solidFill>
-              </a:rPr>
-              <a:t>Logistic Regression – Credit Policy</a:t>
-            </a:r>
-          </a:p>
-          <a:p>
-            <a:pPr algn="ctr"/>
-            <a:endParaRPr lang="en-US" sz="5000" dirty="0">
-              <a:solidFill>
-                <a:srgbClr val="002060"/>
-              </a:solidFill>
-            </a:endParaRPr>
-          </a:p>
-        </p:txBody>
-      </p:sp>
-      <p:cxnSp>
-        <p:nvCxnSpPr>
-          <p:cNvPr id="9" name="Straight Connector 8">
-            <a:extLst>
-              <a:ext uri="{FF2B5EF4-FFF2-40B4-BE49-F238E27FC236}">
-                <a16:creationId xmlns:a16="http://schemas.microsoft.com/office/drawing/2014/main" id="{450EE6D2-7381-B11A-A20A-0D5D0904DD35}"/>
-              </a:ext>
-            </a:extLst>
-          </p:cNvPr>
-          <p:cNvCxnSpPr>
-            <a:cxnSpLocks/>
-          </p:cNvCxnSpPr>
-          <p:nvPr/>
-        </p:nvCxnSpPr>
-        <p:spPr>
-          <a:xfrm>
-            <a:off x="757647" y="1332033"/>
-            <a:ext cx="10659291" cy="0"/>
-          </a:xfrm>
-          <a:prstGeom prst="line">
-            <a:avLst/>
-          </a:prstGeom>
-          <a:ln w="57150">
-            <a:solidFill>
-              <a:srgbClr val="002060"/>
-            </a:solidFill>
-          </a:ln>
-        </p:spPr>
-        <p:style>
-          <a:lnRef idx="1">
-            <a:schemeClr val="accent1"/>
-          </a:lnRef>
-          <a:fillRef idx="0">
-            <a:schemeClr val="accent1"/>
-          </a:fillRef>
-          <a:effectRef idx="0">
-            <a:schemeClr val="accent1"/>
-          </a:effectRef>
-          <a:fontRef idx="minor">
-            <a:schemeClr val="tx1"/>
-          </a:fontRef>
-        </p:style>
-      </p:cxnSp>
-      <p:pic>
-        <p:nvPicPr>
-          <p:cNvPr id="3" name="Picture 2" descr="Chart&#10;&#10;Description automatically generated">
-            <a:extLst>
-              <a:ext uri="{FF2B5EF4-FFF2-40B4-BE49-F238E27FC236}">
-                <a16:creationId xmlns:a16="http://schemas.microsoft.com/office/drawing/2014/main" id="{F8CE4281-B37D-08C2-3C7F-6F74C9EBFC21}"/>
-              </a:ext>
-            </a:extLst>
-          </p:cNvPr>
-          <p:cNvPicPr>
-            <a:picLocks noChangeAspect="1"/>
-          </p:cNvPicPr>
-          <p:nvPr/>
-        </p:nvPicPr>
-        <p:blipFill>
-          <a:blip r:embed="rId3">
-            <a:extLst>
-              <a:ext uri="{28A0092B-C50C-407E-A947-70E740481C1C}">
-                <a14:useLocalDpi xmlns:a14="http://schemas.microsoft.com/office/drawing/2010/main" val="0"/>
-              </a:ext>
-            </a:extLst>
-          </a:blip>
-          <a:stretch>
-            <a:fillRect/>
-          </a:stretch>
-        </p:blipFill>
-        <p:spPr>
-          <a:xfrm>
-            <a:off x="2895576" y="1488410"/>
-            <a:ext cx="6400847" cy="4572033"/>
-          </a:xfrm>
-          <a:prstGeom prst="rect">
-            <a:avLst/>
-          </a:prstGeom>
-        </p:spPr>
-      </p:pic>
-    </p:spTree>
-    <p:extLst>
-      <p:ext uri="{BB962C8B-B14F-4D97-AF65-F5344CB8AC3E}">
-        <p14:creationId xmlns:p14="http://schemas.microsoft.com/office/powerpoint/2010/main" val="961642784"/>
-      </p:ext>
-    </p:extLst>
-  </p:cSld>
-  <p:clrMapOvr>
-    <a:masterClrMapping/>
-  </p:clrMapOvr>
-</p:sld>
-</file>
-
-<file path=ppt/slides/slide24.xml><?xml version="1.0" encoding="utf-8"?>
-<p:sld xmlns:a="http://schemas.openxmlformats.org/drawingml/2006/main" xmlns:r="http://schemas.openxmlformats.org/officeDocument/2006/relationships" xmlns:p="http://schemas.openxmlformats.org/presentationml/2006/main">
-  <p:cSld>
-    <p:spTree>
-      <p:nvGrpSpPr>
-        <p:cNvPr id="1" name=""/>
-        <p:cNvGrpSpPr/>
-        <p:nvPr/>
-      </p:nvGrpSpPr>
-      <p:grpSpPr>
-        <a:xfrm>
-          <a:off x="0" y="0"/>
-          <a:ext cx="0" cy="0"/>
-          <a:chOff x="0" y="0"/>
-          <a:chExt cx="0" cy="0"/>
-        </a:xfrm>
-      </p:grpSpPr>
-      <p:pic>
-        <p:nvPicPr>
-          <p:cNvPr id="5" name="Picture 4">
-            <a:extLst>
-              <a:ext uri="{FF2B5EF4-FFF2-40B4-BE49-F238E27FC236}">
-                <a16:creationId xmlns:a16="http://schemas.microsoft.com/office/drawing/2014/main" id="{558453F9-F3C1-EDA3-6D83-43170A158A07}"/>
-              </a:ext>
-            </a:extLst>
-          </p:cNvPr>
-          <p:cNvPicPr>
-            <a:picLocks noChangeAspect="1"/>
-          </p:cNvPicPr>
-          <p:nvPr/>
-        </p:nvPicPr>
-        <p:blipFill rotWithShape="1">
-          <a:blip r:embed="rId2"/>
-          <a:srcRect t="10770" r="84371" b="20000"/>
-          <a:stretch/>
-        </p:blipFill>
-        <p:spPr>
-          <a:xfrm>
-            <a:off x="0" y="0"/>
-            <a:ext cx="1073997" cy="1175657"/>
-          </a:xfrm>
-          <a:prstGeom prst="rect">
-            <a:avLst/>
-          </a:prstGeom>
-        </p:spPr>
-      </p:pic>
-      <p:pic>
-        <p:nvPicPr>
-          <p:cNvPr id="6" name="Picture 5">
-            <a:extLst>
-              <a:ext uri="{FF2B5EF4-FFF2-40B4-BE49-F238E27FC236}">
-                <a16:creationId xmlns:a16="http://schemas.microsoft.com/office/drawing/2014/main" id="{CE1484BB-74DC-9E65-B32D-BE5FE2E385CD}"/>
-              </a:ext>
-            </a:extLst>
-          </p:cNvPr>
-          <p:cNvPicPr>
-            <a:picLocks noChangeAspect="1"/>
-          </p:cNvPicPr>
-          <p:nvPr/>
-        </p:nvPicPr>
-        <p:blipFill rotWithShape="1">
-          <a:blip r:embed="rId2"/>
-          <a:srcRect l="15172"/>
-          <a:stretch/>
-        </p:blipFill>
-        <p:spPr>
-          <a:xfrm>
-            <a:off x="9949987" y="0"/>
-            <a:ext cx="2242014" cy="653143"/>
-          </a:xfrm>
-          <a:prstGeom prst="rect">
-            <a:avLst/>
-          </a:prstGeom>
-        </p:spPr>
-      </p:pic>
-      <p:sp>
-        <p:nvSpPr>
-          <p:cNvPr id="7" name="TextBox 6">
-            <a:extLst>
-              <a:ext uri="{FF2B5EF4-FFF2-40B4-BE49-F238E27FC236}">
-                <a16:creationId xmlns:a16="http://schemas.microsoft.com/office/drawing/2014/main" id="{9EECCCD9-8AD5-9916-BC29-771066C9EE70}"/>
-              </a:ext>
-            </a:extLst>
-          </p:cNvPr>
-          <p:cNvSpPr txBox="1"/>
-          <p:nvPr/>
-        </p:nvSpPr>
-        <p:spPr>
-          <a:xfrm>
-            <a:off x="1" y="470259"/>
-            <a:ext cx="12192000" cy="1631216"/>
-          </a:xfrm>
-          <a:prstGeom prst="rect">
-            <a:avLst/>
-          </a:prstGeom>
-          <a:noFill/>
-        </p:spPr>
-        <p:txBody>
-          <a:bodyPr wrap="square" rtlCol="0">
-            <a:spAutoFit/>
-          </a:bodyPr>
-          <a:lstStyle/>
-          <a:p>
-            <a:pPr algn="ctr"/>
-            <a:r>
-              <a:rPr lang="en-US" sz="5000" b="1" dirty="0">
-                <a:solidFill>
-                  <a:srgbClr val="002060"/>
-                </a:solidFill>
-              </a:rPr>
-              <a:t>Multiple Linear Regression</a:t>
-            </a:r>
-          </a:p>
-          <a:p>
-            <a:pPr algn="ctr"/>
-            <a:endParaRPr lang="en-US" sz="5000" dirty="0">
-              <a:solidFill>
-                <a:srgbClr val="002060"/>
-              </a:solidFill>
-            </a:endParaRPr>
-          </a:p>
-        </p:txBody>
-      </p:sp>
-      <p:cxnSp>
-        <p:nvCxnSpPr>
-          <p:cNvPr id="9" name="Straight Connector 8">
-            <a:extLst>
-              <a:ext uri="{FF2B5EF4-FFF2-40B4-BE49-F238E27FC236}">
-                <a16:creationId xmlns:a16="http://schemas.microsoft.com/office/drawing/2014/main" id="{450EE6D2-7381-B11A-A20A-0D5D0904DD35}"/>
-              </a:ext>
-            </a:extLst>
-          </p:cNvPr>
-          <p:cNvCxnSpPr>
-            <a:cxnSpLocks/>
-          </p:cNvCxnSpPr>
-          <p:nvPr/>
-        </p:nvCxnSpPr>
-        <p:spPr>
-          <a:xfrm>
-            <a:off x="757647" y="1332033"/>
-            <a:ext cx="10659291" cy="0"/>
-          </a:xfrm>
-          <a:prstGeom prst="line">
-            <a:avLst/>
-          </a:prstGeom>
-          <a:ln w="57150">
-            <a:solidFill>
-              <a:srgbClr val="002060"/>
-            </a:solidFill>
-          </a:ln>
-        </p:spPr>
-        <p:style>
-          <a:lnRef idx="1">
-            <a:schemeClr val="accent1"/>
-          </a:lnRef>
-          <a:fillRef idx="0">
-            <a:schemeClr val="accent1"/>
-          </a:fillRef>
-          <a:effectRef idx="0">
-            <a:schemeClr val="accent1"/>
-          </a:effectRef>
-          <a:fontRef idx="minor">
-            <a:schemeClr val="tx1"/>
-          </a:fontRef>
-        </p:style>
-      </p:cxnSp>
-    </p:spTree>
-    <p:extLst>
-      <p:ext uri="{BB962C8B-B14F-4D97-AF65-F5344CB8AC3E}">
-        <p14:creationId xmlns:p14="http://schemas.microsoft.com/office/powerpoint/2010/main" val="1460743001"/>
-      </p:ext>
-    </p:extLst>
-  </p:cSld>
-  <p:clrMapOvr>
-    <a:masterClrMapping/>
-  </p:clrMapOvr>
-</p:sld>
-</file>
-
-<file path=ppt/slides/slide25.xml><?xml version="1.0" encoding="utf-8"?>
-<p:sld xmlns:a="http://schemas.openxmlformats.org/drawingml/2006/main" xmlns:r="http://schemas.openxmlformats.org/officeDocument/2006/relationships" xmlns:p="http://schemas.openxmlformats.org/presentationml/2006/main">
-  <p:cSld>
-    <p:spTree>
-      <p:nvGrpSpPr>
-        <p:cNvPr id="1" name=""/>
-        <p:cNvGrpSpPr/>
-        <p:nvPr/>
-      </p:nvGrpSpPr>
-      <p:grpSpPr>
-        <a:xfrm>
-          <a:off x="0" y="0"/>
-          <a:ext cx="0" cy="0"/>
-          <a:chOff x="0" y="0"/>
-          <a:chExt cx="0" cy="0"/>
-        </a:xfrm>
-      </p:grpSpPr>
-      <p:pic>
-        <p:nvPicPr>
-          <p:cNvPr id="5" name="Picture 4">
-            <a:extLst>
-              <a:ext uri="{FF2B5EF4-FFF2-40B4-BE49-F238E27FC236}">
-                <a16:creationId xmlns:a16="http://schemas.microsoft.com/office/drawing/2014/main" id="{558453F9-F3C1-EDA3-6D83-43170A158A07}"/>
-              </a:ext>
-            </a:extLst>
-          </p:cNvPr>
-          <p:cNvPicPr>
-            <a:picLocks noChangeAspect="1"/>
-          </p:cNvPicPr>
-          <p:nvPr/>
-        </p:nvPicPr>
-        <p:blipFill rotWithShape="1">
-          <a:blip r:embed="rId2"/>
-          <a:srcRect t="10770" r="84371" b="20000"/>
-          <a:stretch/>
-        </p:blipFill>
-        <p:spPr>
-          <a:xfrm>
-            <a:off x="0" y="0"/>
-            <a:ext cx="1073997" cy="1175657"/>
-          </a:xfrm>
-          <a:prstGeom prst="rect">
-            <a:avLst/>
-          </a:prstGeom>
-        </p:spPr>
-      </p:pic>
-      <p:pic>
-        <p:nvPicPr>
-          <p:cNvPr id="6" name="Picture 5">
-            <a:extLst>
-              <a:ext uri="{FF2B5EF4-FFF2-40B4-BE49-F238E27FC236}">
-                <a16:creationId xmlns:a16="http://schemas.microsoft.com/office/drawing/2014/main" id="{CE1484BB-74DC-9E65-B32D-BE5FE2E385CD}"/>
-              </a:ext>
-            </a:extLst>
-          </p:cNvPr>
-          <p:cNvPicPr>
-            <a:picLocks noChangeAspect="1"/>
-          </p:cNvPicPr>
-          <p:nvPr/>
-        </p:nvPicPr>
-        <p:blipFill rotWithShape="1">
-          <a:blip r:embed="rId2"/>
-          <a:srcRect l="15172"/>
-          <a:stretch/>
-        </p:blipFill>
-        <p:spPr>
-          <a:xfrm>
-            <a:off x="9949987" y="0"/>
-            <a:ext cx="2242014" cy="653143"/>
-          </a:xfrm>
-          <a:prstGeom prst="rect">
-            <a:avLst/>
-          </a:prstGeom>
-        </p:spPr>
-      </p:pic>
-      <p:sp>
-        <p:nvSpPr>
-          <p:cNvPr id="7" name="TextBox 6">
-            <a:extLst>
-              <a:ext uri="{FF2B5EF4-FFF2-40B4-BE49-F238E27FC236}">
-                <a16:creationId xmlns:a16="http://schemas.microsoft.com/office/drawing/2014/main" id="{9EECCCD9-8AD5-9916-BC29-771066C9EE70}"/>
-              </a:ext>
-            </a:extLst>
-          </p:cNvPr>
-          <p:cNvSpPr txBox="1"/>
-          <p:nvPr/>
-        </p:nvSpPr>
-        <p:spPr>
-          <a:xfrm>
-            <a:off x="1" y="470259"/>
-            <a:ext cx="12192000" cy="1631216"/>
-          </a:xfrm>
-          <a:prstGeom prst="rect">
-            <a:avLst/>
-          </a:prstGeom>
-          <a:noFill/>
-        </p:spPr>
-        <p:txBody>
-          <a:bodyPr wrap="square" rtlCol="0">
-            <a:spAutoFit/>
-          </a:bodyPr>
-          <a:lstStyle/>
-          <a:p>
-            <a:pPr algn="ctr"/>
-            <a:r>
-              <a:rPr lang="en-US" sz="5000" b="1" dirty="0">
-                <a:solidFill>
-                  <a:srgbClr val="002060"/>
-                </a:solidFill>
-              </a:rPr>
-              <a:t>Lasso Regression</a:t>
-            </a:r>
-          </a:p>
-          <a:p>
-            <a:pPr algn="ctr"/>
-            <a:endParaRPr lang="en-US" sz="5000" dirty="0">
-              <a:solidFill>
-                <a:srgbClr val="002060"/>
-              </a:solidFill>
-            </a:endParaRPr>
-          </a:p>
-        </p:txBody>
-      </p:sp>
-      <p:cxnSp>
-        <p:nvCxnSpPr>
-          <p:cNvPr id="9" name="Straight Connector 8">
-            <a:extLst>
-              <a:ext uri="{FF2B5EF4-FFF2-40B4-BE49-F238E27FC236}">
-                <a16:creationId xmlns:a16="http://schemas.microsoft.com/office/drawing/2014/main" id="{450EE6D2-7381-B11A-A20A-0D5D0904DD35}"/>
-              </a:ext>
-            </a:extLst>
-          </p:cNvPr>
-          <p:cNvCxnSpPr>
-            <a:cxnSpLocks/>
-          </p:cNvCxnSpPr>
-          <p:nvPr/>
-        </p:nvCxnSpPr>
-        <p:spPr>
-          <a:xfrm>
-            <a:off x="757647" y="1332033"/>
-            <a:ext cx="10659291" cy="0"/>
-          </a:xfrm>
-          <a:prstGeom prst="line">
-            <a:avLst/>
-          </a:prstGeom>
-          <a:ln w="57150">
-            <a:solidFill>
-              <a:srgbClr val="002060"/>
-            </a:solidFill>
-          </a:ln>
-        </p:spPr>
-        <p:style>
-          <a:lnRef idx="1">
-            <a:schemeClr val="accent1"/>
-          </a:lnRef>
-          <a:fillRef idx="0">
-            <a:schemeClr val="accent1"/>
-          </a:fillRef>
-          <a:effectRef idx="0">
-            <a:schemeClr val="accent1"/>
-          </a:effectRef>
-          <a:fontRef idx="minor">
-            <a:schemeClr val="tx1"/>
-          </a:fontRef>
-        </p:style>
-      </p:cxnSp>
-    </p:spTree>
-    <p:extLst>
-      <p:ext uri="{BB962C8B-B14F-4D97-AF65-F5344CB8AC3E}">
-        <p14:creationId xmlns:p14="http://schemas.microsoft.com/office/powerpoint/2010/main" val="1893722804"/>
-      </p:ext>
-    </p:extLst>
-  </p:cSld>
-  <p:clrMapOvr>
-    <a:masterClrMapping/>
-  </p:clrMapOvr>
-</p:sld>
-</file>
-
-<file path=ppt/slides/slide26.xml><?xml version="1.0" encoding="utf-8"?>
+<file path=ppt/slides/slide27.xml><?xml version="1.0" encoding="utf-8"?>
 <p:sld xmlns:a="http://schemas.openxmlformats.org/drawingml/2006/main" xmlns:r="http://schemas.openxmlformats.org/officeDocument/2006/relationships" xmlns:p="http://schemas.openxmlformats.org/presentationml/2006/main">
   <p:cSld>
     <p:bg>
@@ -11456,7 +11955,7 @@
         </p:nvSpPr>
         <p:spPr>
           <a:xfrm>
-            <a:off x="1" y="470259"/>
+            <a:off x="0" y="470259"/>
             <a:ext cx="12192000" cy="861774"/>
           </a:xfrm>
           <a:prstGeom prst="rect">
@@ -11477,7 +11976,7 @@
                   <a:srgbClr val="002060"/>
                 </a:solidFill>
               </a:rPr>
-              <a:t>Classification Tree – Setup</a:t>
+              <a:t>SMART Question</a:t>
             </a:r>
           </a:p>
         </p:txBody>
@@ -11528,7 +12027,7 @@
     </p:spTree>
     <p:extLst>
       <p:ext uri="{BB962C8B-B14F-4D97-AF65-F5344CB8AC3E}">
-        <p14:creationId xmlns:p14="http://schemas.microsoft.com/office/powerpoint/2010/main" val="2094569713"/>
+        <p14:creationId xmlns:p14="http://schemas.microsoft.com/office/powerpoint/2010/main" val="3744051241"/>
       </p:ext>
     </p:extLst>
   </p:cSld>
@@ -11648,7 +12147,7 @@
                   <a:srgbClr val="002060"/>
                 </a:solidFill>
               </a:rPr>
-              <a:t>Classification Tree – Visual Tree</a:t>
+              <a:t>Simple Linear Regression – 1 of 4</a:t>
             </a:r>
           </a:p>
         </p:txBody>
@@ -11698,10 +12197,10 @@
       </p:cxnSp>
       <p:pic>
         <p:nvPicPr>
-          <p:cNvPr id="3" name="Picture 2" descr="Diagram&#10;&#10;Description automatically generated">
-            <a:extLst>
-              <a:ext uri="{FF2B5EF4-FFF2-40B4-BE49-F238E27FC236}">
-                <a16:creationId xmlns:a16="http://schemas.microsoft.com/office/drawing/2014/main" id="{01B57A88-251B-9A39-CD97-C0909F551BD7}"/>
+          <p:cNvPr id="4" name="Picture 3" descr="Chart&#10;&#10;Description automatically generated">
+            <a:extLst>
+              <a:ext uri="{FF2B5EF4-FFF2-40B4-BE49-F238E27FC236}">
+                <a16:creationId xmlns:a16="http://schemas.microsoft.com/office/drawing/2014/main" id="{336BB0A6-4E7B-92E8-12B8-999E4E319221}"/>
               </a:ext>
             </a:extLst>
           </p:cNvPr>
@@ -11724,7 +12223,7 @@
         </p:blipFill>
         <p:spPr>
           <a:xfrm>
-            <a:off x="2895576" y="1731706"/>
+            <a:off x="2895576" y="1631498"/>
             <a:ext cx="6400847" cy="4572033"/>
           </a:xfrm>
           <a:prstGeom prst="rect">
@@ -11735,7 +12234,7 @@
     </p:spTree>
     <p:extLst>
       <p:ext uri="{BB962C8B-B14F-4D97-AF65-F5344CB8AC3E}">
-        <p14:creationId xmlns:p14="http://schemas.microsoft.com/office/powerpoint/2010/main" val="1944888722"/>
+        <p14:creationId xmlns:p14="http://schemas.microsoft.com/office/powerpoint/2010/main" val="3440039680"/>
       </p:ext>
     </p:extLst>
   </p:cSld>
@@ -11777,7 +12276,7 @@
           <p:nvPr/>
         </p:nvPicPr>
         <p:blipFill rotWithShape="1">
-          <a:blip r:embed="rId3"/>
+          <a:blip r:embed="rId2"/>
           <a:srcRect t="10770" r="84371" b="20000"/>
           <a:stretch/>
         </p:blipFill>
@@ -11806,7 +12305,7 @@
           <p:nvPr/>
         </p:nvPicPr>
         <p:blipFill rotWithShape="1">
-          <a:blip r:embed="rId3"/>
+          <a:blip r:embed="rId2"/>
           <a:srcRect l="15172"/>
           <a:stretch/>
         </p:blipFill>
@@ -11835,7 +12334,7 @@
         <p:spPr>
           <a:xfrm>
             <a:off x="1" y="470259"/>
-            <a:ext cx="12192000" cy="861774"/>
+            <a:ext cx="12192000" cy="1631216"/>
           </a:xfrm>
           <a:prstGeom prst="rect">
             <a:avLst/>
@@ -11855,8 +12354,16 @@
                   <a:srgbClr val="002060"/>
                 </a:solidFill>
               </a:rPr>
-              <a:t>Classification Tree – Confusion Matrix</a:t>
-            </a:r>
+              <a:t>Simple Linear Regression – 2 of 4</a:t>
+            </a:r>
+          </a:p>
+          <a:p>
+            <a:pPr algn="ctr"/>
+            <a:endParaRPr lang="en-US" sz="5000" b="1" dirty="0">
+              <a:solidFill>
+                <a:srgbClr val="002060"/>
+              </a:solidFill>
+            </a:endParaRPr>
           </a:p>
         </p:txBody>
       </p:sp>
@@ -11905,10 +12412,10 @@
       </p:cxnSp>
       <p:pic>
         <p:nvPicPr>
-          <p:cNvPr id="3" name="Picture 2">
-            <a:extLst>
-              <a:ext uri="{FF2B5EF4-FFF2-40B4-BE49-F238E27FC236}">
-                <a16:creationId xmlns:a16="http://schemas.microsoft.com/office/drawing/2014/main" id="{53197530-2E14-923C-E337-E1922138DA0D}"/>
+          <p:cNvPr id="4" name="Picture 3" descr="Chart&#10;&#10;Description automatically generated">
+            <a:extLst>
+              <a:ext uri="{FF2B5EF4-FFF2-40B4-BE49-F238E27FC236}">
+                <a16:creationId xmlns:a16="http://schemas.microsoft.com/office/drawing/2014/main" id="{5A3932E9-DD2F-078D-9A68-45C09A76AC7A}"/>
               </a:ext>
             </a:extLst>
           </p:cNvPr>
@@ -11918,15 +12425,21 @@
           <p:nvPr/>
         </p:nvPicPr>
         <p:blipFill>
-          <a:blip r:embed="rId4"/>
+          <a:blip r:embed="rId3">
+            <a:extLst>
+              <a:ext uri="{28A0092B-C50C-407E-A947-70E740481C1C}">
+                <a14:useLocalDpi xmlns:a14="http://schemas.microsoft.com/office/drawing/2010/main" val="0"/>
+              </a:ext>
+            </a:extLst>
+          </a:blip>
           <a:stretch>
             <a:fillRect/>
           </a:stretch>
         </p:blipFill>
         <p:spPr>
           <a:xfrm>
-            <a:off x="4216303" y="1488409"/>
-            <a:ext cx="3759393" cy="5340624"/>
+            <a:off x="2895576" y="1575131"/>
+            <a:ext cx="6400847" cy="4572033"/>
           </a:xfrm>
           <a:prstGeom prst="rect">
             <a:avLst/>
@@ -11936,7 +12449,7 @@
     </p:spTree>
     <p:extLst>
       <p:ext uri="{BB962C8B-B14F-4D97-AF65-F5344CB8AC3E}">
-        <p14:creationId xmlns:p14="http://schemas.microsoft.com/office/powerpoint/2010/main" val="444325076"/>
+        <p14:creationId xmlns:p14="http://schemas.microsoft.com/office/powerpoint/2010/main" val="2315470928"/>
       </p:ext>
     </p:extLst>
   </p:cSld>

--- a/Project2/EDA_LendingClub_Slides - Project 2.pptx
+++ b/Project2/EDA_LendingClub_Slides - Project 2.pptx
@@ -5,7 +5,7 @@
     <p:sldMasterId id="2147483648" r:id="rId1"/>
   </p:sldMasterIdLst>
   <p:notesMasterIdLst>
-    <p:notesMasterId r:id="rId29"/>
+    <p:notesMasterId r:id="rId30"/>
   </p:notesMasterIdLst>
   <p:sldIdLst>
     <p:sldId id="257" r:id="rId2"/>
@@ -15,26 +15,27 @@
     <p:sldId id="277" r:id="rId6"/>
     <p:sldId id="272" r:id="rId7"/>
     <p:sldId id="310" r:id="rId8"/>
-    <p:sldId id="273" r:id="rId9"/>
-    <p:sldId id="274" r:id="rId10"/>
-    <p:sldId id="275" r:id="rId11"/>
-    <p:sldId id="281" r:id="rId12"/>
-    <p:sldId id="300" r:id="rId13"/>
-    <p:sldId id="312" r:id="rId14"/>
-    <p:sldId id="299" r:id="rId15"/>
-    <p:sldId id="303" r:id="rId16"/>
-    <p:sldId id="304" r:id="rId17"/>
-    <p:sldId id="305" r:id="rId18"/>
-    <p:sldId id="306" r:id="rId19"/>
-    <p:sldId id="307" r:id="rId20"/>
-    <p:sldId id="308" r:id="rId21"/>
-    <p:sldId id="309" r:id="rId22"/>
-    <p:sldId id="301" r:id="rId23"/>
-    <p:sldId id="297" r:id="rId24"/>
-    <p:sldId id="298" r:id="rId25"/>
-    <p:sldId id="302" r:id="rId26"/>
-    <p:sldId id="268" r:id="rId27"/>
-    <p:sldId id="263" r:id="rId28"/>
+    <p:sldId id="314" r:id="rId9"/>
+    <p:sldId id="273" r:id="rId10"/>
+    <p:sldId id="274" r:id="rId11"/>
+    <p:sldId id="275" r:id="rId12"/>
+    <p:sldId id="281" r:id="rId13"/>
+    <p:sldId id="300" r:id="rId14"/>
+    <p:sldId id="312" r:id="rId15"/>
+    <p:sldId id="299" r:id="rId16"/>
+    <p:sldId id="303" r:id="rId17"/>
+    <p:sldId id="304" r:id="rId18"/>
+    <p:sldId id="305" r:id="rId19"/>
+    <p:sldId id="306" r:id="rId20"/>
+    <p:sldId id="307" r:id="rId21"/>
+    <p:sldId id="308" r:id="rId22"/>
+    <p:sldId id="309" r:id="rId23"/>
+    <p:sldId id="301" r:id="rId24"/>
+    <p:sldId id="297" r:id="rId25"/>
+    <p:sldId id="298" r:id="rId26"/>
+    <p:sldId id="302" r:id="rId27"/>
+    <p:sldId id="268" r:id="rId28"/>
+    <p:sldId id="263" r:id="rId29"/>
   </p:sldIdLst>
   <p:sldSz cx="12192000" cy="6858000"/>
   <p:notesSz cx="6858000" cy="9144000"/>
@@ -973,6 +974,50 @@
           <a:bodyPr/>
           <a:lstStyle/>
           <a:p>
+            <a:pPr marL="0" marR="0" lvl="0" indent="0" algn="l" defTabSz="914400" rtl="0" eaLnBrk="1" fontAlgn="auto" latinLnBrk="0" hangingPunct="1">
+              <a:lnSpc>
+                <a:spcPct val="100000"/>
+              </a:lnSpc>
+              <a:spcBef>
+                <a:spcPts val="0"/>
+              </a:spcBef>
+              <a:spcAft>
+                <a:spcPts val="0"/>
+              </a:spcAft>
+              <a:buClrTx/>
+              <a:buSzTx/>
+              <a:buFontTx/>
+              <a:buNone/>
+              <a:tabLst/>
+              <a:defRPr/>
+            </a:pPr>
+            <a:r>
+              <a:rPr lang="en-US" dirty="0"/>
+              <a:t>Our dataset contains over 9,500 observations of loan data from </a:t>
+            </a:r>
+            <a:r>
+              <a:rPr lang="en-US" dirty="0" err="1"/>
+              <a:t>LendingClub</a:t>
+            </a:r>
+            <a:r>
+              <a:rPr lang="en-US" dirty="0"/>
+              <a:t>, the largest online platform for direct P2P lending.</a:t>
+            </a:r>
+            <a:r>
+              <a:rPr lang="en-US" baseline="30000" dirty="0">
+                <a:hlinkClick r:id="rId3"/>
+              </a:rPr>
+              <a:t>1</a:t>
+            </a:r>
+            <a:r>
+              <a:rPr lang="en-US" dirty="0"/>
+              <a:t> We believe that the timeframe of 2007 to 2015 provides the most relevant data for prospective individual investors today, particularly because it is unlikely to include a significant number of large institutional lenders.</a:t>
+            </a:r>
+          </a:p>
+          <a:p>
+            <a:endParaRPr lang="en-US" dirty="0"/>
+          </a:p>
+          <a:p>
             <a:endParaRPr lang="en-US" dirty="0"/>
           </a:p>
         </p:txBody>
@@ -992,18 +1037,78 @@
           <a:bodyPr/>
           <a:lstStyle/>
           <a:p>
-            <a:fld id="{6B053770-FD16-42CB-98BB-967786CBD56A}" type="slidenum">
-              <a:rPr lang="en-US" smtClean="0"/>
-              <a:t>24</a:t>
+            <a:pPr marL="0" marR="0" lvl="0" indent="0" algn="r" defTabSz="914400" rtl="0" eaLnBrk="1" fontAlgn="auto" latinLnBrk="0" hangingPunct="1">
+              <a:lnSpc>
+                <a:spcPct val="100000"/>
+              </a:lnSpc>
+              <a:spcBef>
+                <a:spcPts val="0"/>
+              </a:spcBef>
+              <a:spcAft>
+                <a:spcPts val="0"/>
+              </a:spcAft>
+              <a:buClrTx/>
+              <a:buSzTx/>
+              <a:buFontTx/>
+              <a:buNone/>
+              <a:tabLst/>
+              <a:defRPr/>
+            </a:pPr>
+            <a:fld id="{AC8048E5-81EE-4AB3-8E5D-5B542F46B961}" type="slidenum">
+              <a:rPr kumimoji="0" lang="en-US" sz="1200" b="0" i="0" u="none" strike="noStrike" kern="1200" cap="none" spc="0" normalizeH="0" baseline="0" noProof="0" smtClean="0">
+                <a:ln>
+                  <a:noFill/>
+                </a:ln>
+                <a:solidFill>
+                  <a:prstClr val="black"/>
+                </a:solidFill>
+                <a:effectLst/>
+                <a:uLnTx/>
+                <a:uFillTx/>
+                <a:latin typeface="Calibri" panose="020F0502020204030204"/>
+                <a:ea typeface="+mn-ea"/>
+                <a:cs typeface="+mn-cs"/>
+              </a:rPr>
+              <a:pPr marL="0" marR="0" lvl="0" indent="0" algn="r" defTabSz="914400" rtl="0" eaLnBrk="1" fontAlgn="auto" latinLnBrk="0" hangingPunct="1">
+                <a:lnSpc>
+                  <a:spcPct val="100000"/>
+                </a:lnSpc>
+                <a:spcBef>
+                  <a:spcPts val="0"/>
+                </a:spcBef>
+                <a:spcAft>
+                  <a:spcPts val="0"/>
+                </a:spcAft>
+                <a:buClrTx/>
+                <a:buSzTx/>
+                <a:buFontTx/>
+                <a:buNone/>
+                <a:tabLst/>
+                <a:defRPr/>
+              </a:pPr>
+              <a:t>8</a:t>
             </a:fld>
-            <a:endParaRPr lang="en-US"/>
+            <a:endParaRPr kumimoji="0" lang="en-US" sz="1200" b="0" i="0" u="none" strike="noStrike" kern="1200" cap="none" spc="0" normalizeH="0" baseline="0" noProof="0">
+              <a:ln>
+                <a:noFill/>
+              </a:ln>
+              <a:solidFill>
+                <a:prstClr val="black"/>
+              </a:solidFill>
+              <a:effectLst/>
+              <a:uLnTx/>
+              <a:uFillTx/>
+              <a:latin typeface="Calibri" panose="020F0502020204030204"/>
+              <a:ea typeface="+mn-ea"/>
+              <a:cs typeface="+mn-cs"/>
+            </a:endParaRPr>
           </a:p>
         </p:txBody>
       </p:sp>
     </p:spTree>
     <p:extLst>
       <p:ext uri="{BB962C8B-B14F-4D97-AF65-F5344CB8AC3E}">
-        <p14:creationId xmlns:p14="http://schemas.microsoft.com/office/powerpoint/2010/main" val="2076041582"/>
+        <p14:creationId xmlns:p14="http://schemas.microsoft.com/office/powerpoint/2010/main" val="3664429295"/>
       </p:ext>
     </p:extLst>
   </p:cSld>
@@ -1087,7 +1192,7 @@
     </p:spTree>
     <p:extLst>
       <p:ext uri="{BB962C8B-B14F-4D97-AF65-F5344CB8AC3E}">
-        <p14:creationId xmlns:p14="http://schemas.microsoft.com/office/powerpoint/2010/main" val="2940614858"/>
+        <p14:creationId xmlns:p14="http://schemas.microsoft.com/office/powerpoint/2010/main" val="2076041582"/>
       </p:ext>
     </p:extLst>
   </p:cSld>
@@ -1141,19 +1246,7 @@
           <a:bodyPr/>
           <a:lstStyle/>
           <a:p>
-            <a:r>
-              <a:rPr lang="en-US" dirty="0"/>
-              <a:t>From this we can see that about 13.2% of borrowers who met the credit underwriting criteria did not fully pay, while for the borrowers who did not meet the credit underwriting criteria about 27.8% did not fully pay.</a:t>
-            </a:r>
-          </a:p>
-          <a:p>
             <a:endParaRPr lang="en-US" dirty="0"/>
-          </a:p>
-          <a:p>
-            <a:r>
-              <a:rPr lang="en-US" dirty="0"/>
-              <a:t>This indicates borrowers who did not meet the credit underwriting criteria were almost twice as likely to be default on their loans than those who did meet the criteria. For comparison, default rates on loans from commercial banks for the same period as our dataset averaged 4.48%, with a maximum default rate of 7.49% default rate towards the end of 2009, according to the St. Louis Federal Reserve Bank.</a:t>
-            </a:r>
           </a:p>
         </p:txBody>
       </p:sp>
@@ -1175,6 +1268,102 @@
             <a:fld id="{6B053770-FD16-42CB-98BB-967786CBD56A}" type="slidenum">
               <a:rPr lang="en-US" smtClean="0"/>
               <a:t>26</a:t>
+            </a:fld>
+            <a:endParaRPr lang="en-US"/>
+          </a:p>
+        </p:txBody>
+      </p:sp>
+    </p:spTree>
+    <p:extLst>
+      <p:ext uri="{BB962C8B-B14F-4D97-AF65-F5344CB8AC3E}">
+        <p14:creationId xmlns:p14="http://schemas.microsoft.com/office/powerpoint/2010/main" val="2940614858"/>
+      </p:ext>
+    </p:extLst>
+  </p:cSld>
+  <p:clrMapOvr>
+    <a:masterClrMapping/>
+  </p:clrMapOvr>
+</p:notes>
+</file>
+
+<file path=ppt/notesSlides/notesSlide7.xml><?xml version="1.0" encoding="utf-8"?>
+<p:notes xmlns:a="http://schemas.openxmlformats.org/drawingml/2006/main" xmlns:r="http://schemas.openxmlformats.org/officeDocument/2006/relationships" xmlns:p="http://schemas.openxmlformats.org/presentationml/2006/main">
+  <p:cSld>
+    <p:spTree>
+      <p:nvGrpSpPr>
+        <p:cNvPr id="1" name=""/>
+        <p:cNvGrpSpPr/>
+        <p:nvPr/>
+      </p:nvGrpSpPr>
+      <p:grpSpPr>
+        <a:xfrm>
+          <a:off x="0" y="0"/>
+          <a:ext cx="0" cy="0"/>
+          <a:chOff x="0" y="0"/>
+          <a:chExt cx="0" cy="0"/>
+        </a:xfrm>
+      </p:grpSpPr>
+      <p:sp>
+        <p:nvSpPr>
+          <p:cNvPr id="2" name="Slide Image Placeholder 1"/>
+          <p:cNvSpPr>
+            <a:spLocks noGrp="1" noRot="1" noChangeAspect="1"/>
+          </p:cNvSpPr>
+          <p:nvPr>
+            <p:ph type="sldImg"/>
+          </p:nvPr>
+        </p:nvSpPr>
+        <p:spPr/>
+      </p:sp>
+      <p:sp>
+        <p:nvSpPr>
+          <p:cNvPr id="3" name="Notes Placeholder 2"/>
+          <p:cNvSpPr>
+            <a:spLocks noGrp="1"/>
+          </p:cNvSpPr>
+          <p:nvPr>
+            <p:ph type="body" idx="1"/>
+          </p:nvPr>
+        </p:nvSpPr>
+        <p:spPr/>
+        <p:txBody>
+          <a:bodyPr/>
+          <a:lstStyle/>
+          <a:p>
+            <a:r>
+              <a:rPr lang="en-US" dirty="0"/>
+              <a:t>From this we can see that about 13.2% of borrowers who met the credit underwriting criteria did not fully pay, while for the borrowers who did not meet the credit underwriting criteria about 27.8% did not fully pay.</a:t>
+            </a:r>
+          </a:p>
+          <a:p>
+            <a:endParaRPr lang="en-US" dirty="0"/>
+          </a:p>
+          <a:p>
+            <a:r>
+              <a:rPr lang="en-US" dirty="0"/>
+              <a:t>This indicates borrowers who did not meet the credit underwriting criteria were almost twice as likely to be default on their loans than those who did meet the criteria. For comparison, default rates on loans from commercial banks for the same period as our dataset averaged 4.48%, with a maximum default rate of 7.49% default rate towards the end of 2009, according to the St. Louis Federal Reserve Bank.</a:t>
+            </a:r>
+          </a:p>
+        </p:txBody>
+      </p:sp>
+      <p:sp>
+        <p:nvSpPr>
+          <p:cNvPr id="4" name="Slide Number Placeholder 3"/>
+          <p:cNvSpPr>
+            <a:spLocks noGrp="1"/>
+          </p:cNvSpPr>
+          <p:nvPr>
+            <p:ph type="sldNum" sz="quarter" idx="5"/>
+          </p:nvPr>
+        </p:nvSpPr>
+        <p:spPr/>
+        <p:txBody>
+          <a:bodyPr/>
+          <a:lstStyle/>
+          <a:p>
+            <a:fld id="{6B053770-FD16-42CB-98BB-967786CBD56A}" type="slidenum">
+              <a:rPr lang="en-US" smtClean="0"/>
+              <a:t>27</a:t>
             </a:fld>
             <a:endParaRPr lang="en-US"/>
           </a:p>
@@ -5767,7 +5956,7 @@
                   <a:srgbClr val="002060"/>
                 </a:solidFill>
               </a:rPr>
-              <a:t>Simple Linear Regression – 3 of 4</a:t>
+              <a:t>Simple Linear Regression – 2 of 4</a:t>
             </a:r>
           </a:p>
           <a:p>
@@ -5825,10 +6014,10 @@
       </p:cxnSp>
       <p:pic>
         <p:nvPicPr>
-          <p:cNvPr id="3" name="Picture 2" descr="Chart, scatter chart&#10;&#10;Description automatically generated">
-            <a:extLst>
-              <a:ext uri="{FF2B5EF4-FFF2-40B4-BE49-F238E27FC236}">
-                <a16:creationId xmlns:a16="http://schemas.microsoft.com/office/drawing/2014/main" id="{7317D386-6C38-EFF7-DF24-BD7C25BBE381}"/>
+          <p:cNvPr id="4" name="Picture 3" descr="Chart&#10;&#10;Description automatically generated">
+            <a:extLst>
+              <a:ext uri="{FF2B5EF4-FFF2-40B4-BE49-F238E27FC236}">
+                <a16:creationId xmlns:a16="http://schemas.microsoft.com/office/drawing/2014/main" id="{5A3932E9-DD2F-078D-9A68-45C09A76AC7A}"/>
               </a:ext>
             </a:extLst>
           </p:cNvPr>
@@ -5851,7 +6040,7 @@
         </p:blipFill>
         <p:spPr>
           <a:xfrm>
-            <a:off x="2886868" y="1815708"/>
+            <a:off x="2895576" y="1575131"/>
             <a:ext cx="6400847" cy="4572033"/>
           </a:xfrm>
           <a:prstGeom prst="rect">
@@ -5862,7 +6051,7 @@
     </p:spTree>
     <p:extLst>
       <p:ext uri="{BB962C8B-B14F-4D97-AF65-F5344CB8AC3E}">
-        <p14:creationId xmlns:p14="http://schemas.microsoft.com/office/powerpoint/2010/main" val="3135211236"/>
+        <p14:creationId xmlns:p14="http://schemas.microsoft.com/office/powerpoint/2010/main" val="2315470928"/>
       </p:ext>
     </p:extLst>
   </p:cSld>
@@ -5982,12 +6171,12 @@
                   <a:srgbClr val="002060"/>
                 </a:solidFill>
               </a:rPr>
-              <a:t>Simple Linear Regression – 4 of 4</a:t>
+              <a:t>Simple Linear Regression – 3 of 4</a:t>
             </a:r>
           </a:p>
           <a:p>
             <a:pPr algn="ctr"/>
-            <a:endParaRPr lang="en-US" sz="5000" dirty="0">
+            <a:endParaRPr lang="en-US" sz="5000" b="1" dirty="0">
               <a:solidFill>
                 <a:srgbClr val="002060"/>
               </a:solidFill>
@@ -6040,10 +6229,10 @@
       </p:cxnSp>
       <p:pic>
         <p:nvPicPr>
-          <p:cNvPr id="4" name="Picture 3" descr="Chart&#10;&#10;Description automatically generated">
-            <a:extLst>
-              <a:ext uri="{FF2B5EF4-FFF2-40B4-BE49-F238E27FC236}">
-                <a16:creationId xmlns:a16="http://schemas.microsoft.com/office/drawing/2014/main" id="{E53D5306-5BA2-B775-84A4-9AC0440B1EA7}"/>
+          <p:cNvPr id="3" name="Picture 2" descr="Chart, scatter chart&#10;&#10;Description automatically generated">
+            <a:extLst>
+              <a:ext uri="{FF2B5EF4-FFF2-40B4-BE49-F238E27FC236}">
+                <a16:creationId xmlns:a16="http://schemas.microsoft.com/office/drawing/2014/main" id="{7317D386-6C38-EFF7-DF24-BD7C25BBE381}"/>
               </a:ext>
             </a:extLst>
           </p:cNvPr>
@@ -6077,7 +6266,7 @@
     </p:spTree>
     <p:extLst>
       <p:ext uri="{BB962C8B-B14F-4D97-AF65-F5344CB8AC3E}">
-        <p14:creationId xmlns:p14="http://schemas.microsoft.com/office/powerpoint/2010/main" val="1087057766"/>
+        <p14:creationId xmlns:p14="http://schemas.microsoft.com/office/powerpoint/2010/main" val="3135211236"/>
       </p:ext>
     </p:extLst>
   </p:cSld>
@@ -6197,7 +6386,7 @@
                   <a:srgbClr val="002060"/>
                 </a:solidFill>
               </a:rPr>
-              <a:t>Multiple Linear Regression – Int Rate</a:t>
+              <a:t>Simple Linear Regression – 4 of 4</a:t>
             </a:r>
           </a:p>
           <a:p>
@@ -6255,10 +6444,10 @@
       </p:cxnSp>
       <p:pic>
         <p:nvPicPr>
-          <p:cNvPr id="3" name="Picture 2" descr="Chart&#10;&#10;Description automatically generated">
-            <a:extLst>
-              <a:ext uri="{FF2B5EF4-FFF2-40B4-BE49-F238E27FC236}">
-                <a16:creationId xmlns:a16="http://schemas.microsoft.com/office/drawing/2014/main" id="{F6CDB253-CAA7-EBD8-94BF-8A7215DCCAA1}"/>
+          <p:cNvPr id="4" name="Picture 3" descr="Chart&#10;&#10;Description automatically generated">
+            <a:extLst>
+              <a:ext uri="{FF2B5EF4-FFF2-40B4-BE49-F238E27FC236}">
+                <a16:creationId xmlns:a16="http://schemas.microsoft.com/office/drawing/2014/main" id="{E53D5306-5BA2-B775-84A4-9AC0440B1EA7}"/>
               </a:ext>
             </a:extLst>
           </p:cNvPr>
@@ -6292,7 +6481,7 @@
     </p:spTree>
     <p:extLst>
       <p:ext uri="{BB962C8B-B14F-4D97-AF65-F5344CB8AC3E}">
-        <p14:creationId xmlns:p14="http://schemas.microsoft.com/office/powerpoint/2010/main" val="1460743001"/>
+        <p14:creationId xmlns:p14="http://schemas.microsoft.com/office/powerpoint/2010/main" val="1087057766"/>
       </p:ext>
     </p:extLst>
   </p:cSld>
@@ -6470,10 +6659,10 @@
       </p:cxnSp>
       <p:pic>
         <p:nvPicPr>
-          <p:cNvPr id="12" name="Picture 11" descr="Graphical user interface, diagram&#10;&#10;Description automatically generated">
-            <a:extLst>
-              <a:ext uri="{FF2B5EF4-FFF2-40B4-BE49-F238E27FC236}">
-                <a16:creationId xmlns:a16="http://schemas.microsoft.com/office/drawing/2014/main" id="{EC2630D3-9E74-B04F-8EE7-BC81D983E0E9}"/>
+          <p:cNvPr id="3" name="Picture 2" descr="Chart&#10;&#10;Description automatically generated">
+            <a:extLst>
+              <a:ext uri="{FF2B5EF4-FFF2-40B4-BE49-F238E27FC236}">
+                <a16:creationId xmlns:a16="http://schemas.microsoft.com/office/drawing/2014/main" id="{F6CDB253-CAA7-EBD8-94BF-8A7215DCCAA1}"/>
               </a:ext>
             </a:extLst>
           </p:cNvPr>
@@ -6496,44 +6685,8 @@
         </p:blipFill>
         <p:spPr>
           <a:xfrm>
-            <a:off x="138430" y="1645916"/>
-            <a:ext cx="5760720" cy="4114800"/>
-          </a:xfrm>
-          <a:prstGeom prst="rect">
-            <a:avLst/>
-          </a:prstGeom>
-        </p:spPr>
-      </p:pic>
-      <p:pic>
-        <p:nvPicPr>
-          <p:cNvPr id="14" name="Picture 13" descr="Graphical user interface, diagram&#10;&#10;Description automatically generated">
-            <a:extLst>
-              <a:ext uri="{FF2B5EF4-FFF2-40B4-BE49-F238E27FC236}">
-                <a16:creationId xmlns:a16="http://schemas.microsoft.com/office/drawing/2014/main" id="{A04D6607-55BB-A618-6534-E8044023DD55}"/>
-              </a:ext>
-            </a:extLst>
-          </p:cNvPr>
-          <p:cNvPicPr>
-            <a:picLocks noChangeAspect="1"/>
-          </p:cNvPicPr>
-          <p:nvPr/>
-        </p:nvPicPr>
-        <p:blipFill>
-          <a:blip r:embed="rId4">
-            <a:extLst>
-              <a:ext uri="{28A0092B-C50C-407E-A947-70E740481C1C}">
-                <a14:useLocalDpi xmlns:a14="http://schemas.microsoft.com/office/drawing/2010/main" val="0"/>
-              </a:ext>
-            </a:extLst>
-          </a:blip>
-          <a:stretch>
-            <a:fillRect/>
-          </a:stretch>
-        </p:blipFill>
-        <p:spPr>
-          <a:xfrm>
-            <a:off x="6292850" y="1645916"/>
-            <a:ext cx="5760720" cy="4114800"/>
+            <a:off x="2886868" y="1815708"/>
+            <a:ext cx="6400847" cy="4572033"/>
           </a:xfrm>
           <a:prstGeom prst="rect">
             <a:avLst/>
@@ -6543,7 +6696,7 @@
     </p:spTree>
     <p:extLst>
       <p:ext uri="{BB962C8B-B14F-4D97-AF65-F5344CB8AC3E}">
-        <p14:creationId xmlns:p14="http://schemas.microsoft.com/office/powerpoint/2010/main" val="792173886"/>
+        <p14:creationId xmlns:p14="http://schemas.microsoft.com/office/powerpoint/2010/main" val="1460743001"/>
       </p:ext>
     </p:extLst>
   </p:cSld>
@@ -6663,7 +6816,7 @@
                   <a:srgbClr val="002060"/>
                 </a:solidFill>
               </a:rPr>
-              <a:t>Logistic Regression – Credit Policy</a:t>
+              <a:t>Multiple Linear Regression – Int Rate</a:t>
             </a:r>
           </a:p>
           <a:p>
@@ -6721,10 +6874,10 @@
       </p:cxnSp>
       <p:pic>
         <p:nvPicPr>
-          <p:cNvPr id="3" name="Picture 2" descr="Chart&#10;&#10;Description automatically generated">
-            <a:extLst>
-              <a:ext uri="{FF2B5EF4-FFF2-40B4-BE49-F238E27FC236}">
-                <a16:creationId xmlns:a16="http://schemas.microsoft.com/office/drawing/2014/main" id="{8B33217A-198E-C50A-6DDE-8BD6434B97BC}"/>
+          <p:cNvPr id="12" name="Picture 11" descr="Graphical user interface, diagram&#10;&#10;Description automatically generated">
+            <a:extLst>
+              <a:ext uri="{FF2B5EF4-FFF2-40B4-BE49-F238E27FC236}">
+                <a16:creationId xmlns:a16="http://schemas.microsoft.com/office/drawing/2014/main" id="{EC2630D3-9E74-B04F-8EE7-BC81D983E0E9}"/>
               </a:ext>
             </a:extLst>
           </p:cNvPr>
@@ -6747,8 +6900,44 @@
         </p:blipFill>
         <p:spPr>
           <a:xfrm>
-            <a:off x="2886868" y="1687866"/>
-            <a:ext cx="6400847" cy="4572033"/>
+            <a:off x="138430" y="1645916"/>
+            <a:ext cx="5760720" cy="4114800"/>
+          </a:xfrm>
+          <a:prstGeom prst="rect">
+            <a:avLst/>
+          </a:prstGeom>
+        </p:spPr>
+      </p:pic>
+      <p:pic>
+        <p:nvPicPr>
+          <p:cNvPr id="14" name="Picture 13" descr="Graphical user interface, diagram&#10;&#10;Description automatically generated">
+            <a:extLst>
+              <a:ext uri="{FF2B5EF4-FFF2-40B4-BE49-F238E27FC236}">
+                <a16:creationId xmlns:a16="http://schemas.microsoft.com/office/drawing/2014/main" id="{A04D6607-55BB-A618-6534-E8044023DD55}"/>
+              </a:ext>
+            </a:extLst>
+          </p:cNvPr>
+          <p:cNvPicPr>
+            <a:picLocks noChangeAspect="1"/>
+          </p:cNvPicPr>
+          <p:nvPr/>
+        </p:nvPicPr>
+        <p:blipFill>
+          <a:blip r:embed="rId4">
+            <a:extLst>
+              <a:ext uri="{28A0092B-C50C-407E-A947-70E740481C1C}">
+                <a14:useLocalDpi xmlns:a14="http://schemas.microsoft.com/office/drawing/2010/main" val="0"/>
+              </a:ext>
+            </a:extLst>
+          </a:blip>
+          <a:stretch>
+            <a:fillRect/>
+          </a:stretch>
+        </p:blipFill>
+        <p:spPr>
+          <a:xfrm>
+            <a:off x="6292850" y="1645916"/>
+            <a:ext cx="5760720" cy="4114800"/>
           </a:xfrm>
           <a:prstGeom prst="rect">
             <a:avLst/>
@@ -6758,7 +6947,7 @@
     </p:spTree>
     <p:extLst>
       <p:ext uri="{BB962C8B-B14F-4D97-AF65-F5344CB8AC3E}">
-        <p14:creationId xmlns:p14="http://schemas.microsoft.com/office/powerpoint/2010/main" val="4029267829"/>
+        <p14:creationId xmlns:p14="http://schemas.microsoft.com/office/powerpoint/2010/main" val="792173886"/>
       </p:ext>
     </p:extLst>
   </p:cSld>
@@ -6878,7 +7067,7 @@
                   <a:srgbClr val="002060"/>
                 </a:solidFill>
               </a:rPr>
-              <a:t>Logistic Regression – Credit Policy</a:t>
+              <a:t>Logistic Regression – Credit Policy (fix)</a:t>
             </a:r>
           </a:p>
           <a:p>
@@ -6936,10 +7125,10 @@
       </p:cxnSp>
       <p:pic>
         <p:nvPicPr>
-          <p:cNvPr id="4" name="Picture 3">
-            <a:extLst>
-              <a:ext uri="{FF2B5EF4-FFF2-40B4-BE49-F238E27FC236}">
-                <a16:creationId xmlns:a16="http://schemas.microsoft.com/office/drawing/2014/main" id="{A19AD511-4FD6-9E60-078C-B38E84FA4D7F}"/>
+          <p:cNvPr id="3" name="Picture 2" descr="Chart&#10;&#10;Description automatically generated">
+            <a:extLst>
+              <a:ext uri="{FF2B5EF4-FFF2-40B4-BE49-F238E27FC236}">
+                <a16:creationId xmlns:a16="http://schemas.microsoft.com/office/drawing/2014/main" id="{8B33217A-198E-C50A-6DDE-8BD6434B97BC}"/>
               </a:ext>
             </a:extLst>
           </p:cNvPr>
@@ -6949,15 +7138,21 @@
           <p:nvPr/>
         </p:nvPicPr>
         <p:blipFill>
-          <a:blip r:embed="rId3"/>
+          <a:blip r:embed="rId3">
+            <a:extLst>
+              <a:ext uri="{28A0092B-C50C-407E-A947-70E740481C1C}">
+                <a14:useLocalDpi xmlns:a14="http://schemas.microsoft.com/office/drawing/2010/main" val="0"/>
+              </a:ext>
+            </a:extLst>
+          </a:blip>
           <a:stretch>
             <a:fillRect/>
           </a:stretch>
         </p:blipFill>
         <p:spPr>
           <a:xfrm>
-            <a:off x="3880351" y="0"/>
-            <a:ext cx="4046424" cy="6858000"/>
+            <a:off x="2886868" y="1687866"/>
+            <a:ext cx="6400847" cy="4572033"/>
           </a:xfrm>
           <a:prstGeom prst="rect">
             <a:avLst/>
@@ -6967,7 +7162,7 @@
     </p:spTree>
     <p:extLst>
       <p:ext uri="{BB962C8B-B14F-4D97-AF65-F5344CB8AC3E}">
-        <p14:creationId xmlns:p14="http://schemas.microsoft.com/office/powerpoint/2010/main" val="697410562"/>
+        <p14:creationId xmlns:p14="http://schemas.microsoft.com/office/powerpoint/2010/main" val="4029267829"/>
       </p:ext>
     </p:extLst>
   </p:cSld>
@@ -7087,7 +7282,7 @@
                   <a:srgbClr val="002060"/>
                 </a:solidFill>
               </a:rPr>
-              <a:t>Logistic Regression – Credit Policy</a:t>
+              <a:t>Logistic Regression – Credit Policy (fix)</a:t>
             </a:r>
           </a:p>
           <a:p>
@@ -7145,10 +7340,10 @@
       </p:cxnSp>
       <p:pic>
         <p:nvPicPr>
-          <p:cNvPr id="3" name="Picture 2">
-            <a:extLst>
-              <a:ext uri="{FF2B5EF4-FFF2-40B4-BE49-F238E27FC236}">
-                <a16:creationId xmlns:a16="http://schemas.microsoft.com/office/drawing/2014/main" id="{DFA50187-4266-8085-0DA9-50A85EB54D17}"/>
+          <p:cNvPr id="4" name="Picture 3">
+            <a:extLst>
+              <a:ext uri="{FF2B5EF4-FFF2-40B4-BE49-F238E27FC236}">
+                <a16:creationId xmlns:a16="http://schemas.microsoft.com/office/drawing/2014/main" id="{A19AD511-4FD6-9E60-078C-B38E84FA4D7F}"/>
               </a:ext>
             </a:extLst>
           </p:cNvPr>
@@ -7165,8 +7360,8 @@
         </p:blipFill>
         <p:spPr>
           <a:xfrm>
-            <a:off x="4082946" y="2870464"/>
-            <a:ext cx="4026107" cy="1530429"/>
+            <a:off x="3880351" y="0"/>
+            <a:ext cx="4046424" cy="6858000"/>
           </a:xfrm>
           <a:prstGeom prst="rect">
             <a:avLst/>
@@ -7176,7 +7371,7 @@
     </p:spTree>
     <p:extLst>
       <p:ext uri="{BB962C8B-B14F-4D97-AF65-F5344CB8AC3E}">
-        <p14:creationId xmlns:p14="http://schemas.microsoft.com/office/powerpoint/2010/main" val="3046938398"/>
+        <p14:creationId xmlns:p14="http://schemas.microsoft.com/office/powerpoint/2010/main" val="697410562"/>
       </p:ext>
     </p:extLst>
   </p:cSld>
@@ -7296,7 +7491,7 @@
                   <a:srgbClr val="002060"/>
                 </a:solidFill>
               </a:rPr>
-              <a:t>Logistic Regression – Credit Policy</a:t>
+              <a:t>Logistic Regression – Credit Policy (fix)</a:t>
             </a:r>
           </a:p>
           <a:p>
@@ -7354,10 +7549,10 @@
       </p:cxnSp>
       <p:pic>
         <p:nvPicPr>
-          <p:cNvPr id="4" name="Picture 3" descr="A picture containing chart&#10;&#10;Description automatically generated">
-            <a:extLst>
-              <a:ext uri="{FF2B5EF4-FFF2-40B4-BE49-F238E27FC236}">
-                <a16:creationId xmlns:a16="http://schemas.microsoft.com/office/drawing/2014/main" id="{EF9E986C-AE26-C3CC-4D6A-0FB74A5C0283}"/>
+          <p:cNvPr id="3" name="Picture 2">
+            <a:extLst>
+              <a:ext uri="{FF2B5EF4-FFF2-40B4-BE49-F238E27FC236}">
+                <a16:creationId xmlns:a16="http://schemas.microsoft.com/office/drawing/2014/main" id="{DFA50187-4266-8085-0DA9-50A85EB54D17}"/>
               </a:ext>
             </a:extLst>
           </p:cNvPr>
@@ -7367,21 +7562,15 @@
           <p:nvPr/>
         </p:nvPicPr>
         <p:blipFill>
-          <a:blip r:embed="rId3">
-            <a:extLst>
-              <a:ext uri="{28A0092B-C50C-407E-A947-70E740481C1C}">
-                <a14:useLocalDpi xmlns:a14="http://schemas.microsoft.com/office/drawing/2010/main" val="0"/>
-              </a:ext>
-            </a:extLst>
-          </a:blip>
+          <a:blip r:embed="rId3"/>
           <a:stretch>
             <a:fillRect/>
           </a:stretch>
         </p:blipFill>
         <p:spPr>
           <a:xfrm>
-            <a:off x="2886868" y="1731706"/>
-            <a:ext cx="6400847" cy="4572033"/>
+            <a:off x="4082946" y="2870464"/>
+            <a:ext cx="4026107" cy="1530429"/>
           </a:xfrm>
           <a:prstGeom prst="rect">
             <a:avLst/>
@@ -7391,7 +7580,7 @@
     </p:spTree>
     <p:extLst>
       <p:ext uri="{BB962C8B-B14F-4D97-AF65-F5344CB8AC3E}">
-        <p14:creationId xmlns:p14="http://schemas.microsoft.com/office/powerpoint/2010/main" val="4040338310"/>
+        <p14:creationId xmlns:p14="http://schemas.microsoft.com/office/powerpoint/2010/main" val="3046938398"/>
       </p:ext>
     </p:extLst>
   </p:cSld>
@@ -7511,7 +7700,7 @@
                   <a:srgbClr val="002060"/>
                 </a:solidFill>
               </a:rPr>
-              <a:t>Logistic Regression – Not Fully Paid</a:t>
+              <a:t>Logistic Regression – Credit Policy (fix)</a:t>
             </a:r>
           </a:p>
           <a:p>
@@ -7569,10 +7758,10 @@
       </p:cxnSp>
       <p:pic>
         <p:nvPicPr>
-          <p:cNvPr id="4" name="Picture 3" descr="Chart&#10;&#10;Description automatically generated">
-            <a:extLst>
-              <a:ext uri="{FF2B5EF4-FFF2-40B4-BE49-F238E27FC236}">
-                <a16:creationId xmlns:a16="http://schemas.microsoft.com/office/drawing/2014/main" id="{3DD92608-18D5-CA21-C822-95D4C9B7F6A7}"/>
+          <p:cNvPr id="4" name="Picture 3" descr="A picture containing chart&#10;&#10;Description automatically generated">
+            <a:extLst>
+              <a:ext uri="{FF2B5EF4-FFF2-40B4-BE49-F238E27FC236}">
+                <a16:creationId xmlns:a16="http://schemas.microsoft.com/office/drawing/2014/main" id="{EF9E986C-AE26-C3CC-4D6A-0FB74A5C0283}"/>
               </a:ext>
             </a:extLst>
           </p:cNvPr>
@@ -7595,7 +7784,7 @@
         </p:blipFill>
         <p:spPr>
           <a:xfrm>
-            <a:off x="2886868" y="1675339"/>
+            <a:off x="2886868" y="1731706"/>
             <a:ext cx="6400847" cy="4572033"/>
           </a:xfrm>
           <a:prstGeom prst="rect">
@@ -7606,7 +7795,7 @@
     </p:spTree>
     <p:extLst>
       <p:ext uri="{BB962C8B-B14F-4D97-AF65-F5344CB8AC3E}">
-        <p14:creationId xmlns:p14="http://schemas.microsoft.com/office/powerpoint/2010/main" val="2792606219"/>
+        <p14:creationId xmlns:p14="http://schemas.microsoft.com/office/powerpoint/2010/main" val="4040338310"/>
       </p:ext>
     </p:extLst>
   </p:cSld>
@@ -7784,10 +7973,10 @@
       </p:cxnSp>
       <p:pic>
         <p:nvPicPr>
-          <p:cNvPr id="3" name="Picture 2">
-            <a:extLst>
-              <a:ext uri="{FF2B5EF4-FFF2-40B4-BE49-F238E27FC236}">
-                <a16:creationId xmlns:a16="http://schemas.microsoft.com/office/drawing/2014/main" id="{5E04EC06-9E56-D09A-5B08-5A1E2A1021D8}"/>
+          <p:cNvPr id="4" name="Picture 3" descr="Chart&#10;&#10;Description automatically generated">
+            <a:extLst>
+              <a:ext uri="{FF2B5EF4-FFF2-40B4-BE49-F238E27FC236}">
+                <a16:creationId xmlns:a16="http://schemas.microsoft.com/office/drawing/2014/main" id="{3DD92608-18D5-CA21-C822-95D4C9B7F6A7}"/>
               </a:ext>
             </a:extLst>
           </p:cNvPr>
@@ -7797,15 +7986,21 @@
           <p:nvPr/>
         </p:nvPicPr>
         <p:blipFill>
-          <a:blip r:embed="rId3"/>
+          <a:blip r:embed="rId3">
+            <a:extLst>
+              <a:ext uri="{28A0092B-C50C-407E-A947-70E740481C1C}">
+                <a14:useLocalDpi xmlns:a14="http://schemas.microsoft.com/office/drawing/2010/main" val="0"/>
+              </a:ext>
+            </a:extLst>
+          </a:blip>
           <a:stretch>
             <a:fillRect/>
           </a:stretch>
         </p:blipFill>
         <p:spPr>
           <a:xfrm>
-            <a:off x="4176747" y="0"/>
-            <a:ext cx="3838506" cy="6858000"/>
+            <a:off x="2886868" y="1675339"/>
+            <a:ext cx="6400847" cy="4572033"/>
           </a:xfrm>
           <a:prstGeom prst="rect">
             <a:avLst/>
@@ -7815,7 +8010,7 @@
     </p:spTree>
     <p:extLst>
       <p:ext uri="{BB962C8B-B14F-4D97-AF65-F5344CB8AC3E}">
-        <p14:creationId xmlns:p14="http://schemas.microsoft.com/office/powerpoint/2010/main" val="2538059948"/>
+        <p14:creationId xmlns:p14="http://schemas.microsoft.com/office/powerpoint/2010/main" val="2792606219"/>
       </p:ext>
     </p:extLst>
   </p:cSld>
@@ -8248,10 +8443,10 @@
       </p:cxnSp>
       <p:pic>
         <p:nvPicPr>
-          <p:cNvPr id="4" name="Picture 3">
-            <a:extLst>
-              <a:ext uri="{FF2B5EF4-FFF2-40B4-BE49-F238E27FC236}">
-                <a16:creationId xmlns:a16="http://schemas.microsoft.com/office/drawing/2014/main" id="{9C3A0CD7-3E13-B5E8-39AC-7218AE83F9A2}"/>
+          <p:cNvPr id="3" name="Picture 2">
+            <a:extLst>
+              <a:ext uri="{FF2B5EF4-FFF2-40B4-BE49-F238E27FC236}">
+                <a16:creationId xmlns:a16="http://schemas.microsoft.com/office/drawing/2014/main" id="{5E04EC06-9E56-D09A-5B08-5A1E2A1021D8}"/>
               </a:ext>
             </a:extLst>
           </p:cNvPr>
@@ -8268,8 +8463,8 @@
         </p:blipFill>
         <p:spPr>
           <a:xfrm>
-            <a:off x="4083764" y="2571734"/>
-            <a:ext cx="4007056" cy="1663786"/>
+            <a:off x="4176747" y="0"/>
+            <a:ext cx="3838506" cy="6858000"/>
           </a:xfrm>
           <a:prstGeom prst="rect">
             <a:avLst/>
@@ -8279,7 +8474,7 @@
     </p:spTree>
     <p:extLst>
       <p:ext uri="{BB962C8B-B14F-4D97-AF65-F5344CB8AC3E}">
-        <p14:creationId xmlns:p14="http://schemas.microsoft.com/office/powerpoint/2010/main" val="538577802"/>
+        <p14:creationId xmlns:p14="http://schemas.microsoft.com/office/powerpoint/2010/main" val="2538059948"/>
       </p:ext>
     </p:extLst>
   </p:cSld>
@@ -8457,10 +8652,10 @@
       </p:cxnSp>
       <p:pic>
         <p:nvPicPr>
-          <p:cNvPr id="3" name="Picture 2" descr="Chart&#10;&#10;Description automatically generated">
-            <a:extLst>
-              <a:ext uri="{FF2B5EF4-FFF2-40B4-BE49-F238E27FC236}">
-                <a16:creationId xmlns:a16="http://schemas.microsoft.com/office/drawing/2014/main" id="{F8CE4281-B37D-08C2-3C7F-6F74C9EBFC21}"/>
+          <p:cNvPr id="4" name="Picture 3">
+            <a:extLst>
+              <a:ext uri="{FF2B5EF4-FFF2-40B4-BE49-F238E27FC236}">
+                <a16:creationId xmlns:a16="http://schemas.microsoft.com/office/drawing/2014/main" id="{9C3A0CD7-3E13-B5E8-39AC-7218AE83F9A2}"/>
               </a:ext>
             </a:extLst>
           </p:cNvPr>
@@ -8470,21 +8665,15 @@
           <p:nvPr/>
         </p:nvPicPr>
         <p:blipFill>
-          <a:blip r:embed="rId3">
-            <a:extLst>
-              <a:ext uri="{28A0092B-C50C-407E-A947-70E740481C1C}">
-                <a14:useLocalDpi xmlns:a14="http://schemas.microsoft.com/office/drawing/2010/main" val="0"/>
-              </a:ext>
-            </a:extLst>
-          </a:blip>
+          <a:blip r:embed="rId3"/>
           <a:stretch>
             <a:fillRect/>
           </a:stretch>
         </p:blipFill>
         <p:spPr>
           <a:xfrm>
-            <a:off x="2895576" y="1488410"/>
-            <a:ext cx="6400847" cy="4572033"/>
+            <a:off x="4083764" y="2571734"/>
+            <a:ext cx="4007056" cy="1663786"/>
           </a:xfrm>
           <a:prstGeom prst="rect">
             <a:avLst/>
@@ -8494,7 +8683,7 @@
     </p:spTree>
     <p:extLst>
       <p:ext uri="{BB962C8B-B14F-4D97-AF65-F5344CB8AC3E}">
-        <p14:creationId xmlns:p14="http://schemas.microsoft.com/office/powerpoint/2010/main" val="961642784"/>
+        <p14:creationId xmlns:p14="http://schemas.microsoft.com/office/powerpoint/2010/main" val="538577802"/>
       </p:ext>
     </p:extLst>
   </p:cSld>
@@ -8614,7 +8803,7 @@
                   <a:srgbClr val="002060"/>
                 </a:solidFill>
               </a:rPr>
-              <a:t>Lasso Regression</a:t>
+              <a:t>Logistic Regression – Not Fully Paid</a:t>
             </a:r>
           </a:p>
           <a:p>
@@ -8670,10 +8859,46 @@
           </a:fontRef>
         </p:style>
       </p:cxnSp>
+      <p:pic>
+        <p:nvPicPr>
+          <p:cNvPr id="3" name="Picture 2" descr="Chart&#10;&#10;Description automatically generated">
+            <a:extLst>
+              <a:ext uri="{FF2B5EF4-FFF2-40B4-BE49-F238E27FC236}">
+                <a16:creationId xmlns:a16="http://schemas.microsoft.com/office/drawing/2014/main" id="{F8CE4281-B37D-08C2-3C7F-6F74C9EBFC21}"/>
+              </a:ext>
+            </a:extLst>
+          </p:cNvPr>
+          <p:cNvPicPr>
+            <a:picLocks noChangeAspect="1"/>
+          </p:cNvPicPr>
+          <p:nvPr/>
+        </p:nvPicPr>
+        <p:blipFill>
+          <a:blip r:embed="rId3">
+            <a:extLst>
+              <a:ext uri="{28A0092B-C50C-407E-A947-70E740481C1C}">
+                <a14:useLocalDpi xmlns:a14="http://schemas.microsoft.com/office/drawing/2010/main" val="0"/>
+              </a:ext>
+            </a:extLst>
+          </a:blip>
+          <a:stretch>
+            <a:fillRect/>
+          </a:stretch>
+        </p:blipFill>
+        <p:spPr>
+          <a:xfrm>
+            <a:off x="2895576" y="1488410"/>
+            <a:ext cx="6400847" cy="4572033"/>
+          </a:xfrm>
+          <a:prstGeom prst="rect">
+            <a:avLst/>
+          </a:prstGeom>
+        </p:spPr>
+      </p:pic>
     </p:spTree>
     <p:extLst>
       <p:ext uri="{BB962C8B-B14F-4D97-AF65-F5344CB8AC3E}">
-        <p14:creationId xmlns:p14="http://schemas.microsoft.com/office/powerpoint/2010/main" val="1893722804"/>
+        <p14:creationId xmlns:p14="http://schemas.microsoft.com/office/powerpoint/2010/main" val="961642784"/>
       </p:ext>
     </p:extLst>
   </p:cSld>
@@ -8773,7 +8998,7 @@
         <p:spPr>
           <a:xfrm>
             <a:off x="1" y="470259"/>
-            <a:ext cx="12192000" cy="861774"/>
+            <a:ext cx="12192000" cy="1631216"/>
           </a:xfrm>
           <a:prstGeom prst="rect">
             <a:avLst/>
@@ -8793,8 +9018,16 @@
                   <a:srgbClr val="002060"/>
                 </a:solidFill>
               </a:rPr>
-              <a:t>Classification Tree – Visual Tree</a:t>
-            </a:r>
+              <a:t>Lasso Regression</a:t>
+            </a:r>
+          </a:p>
+          <a:p>
+            <a:pPr algn="ctr"/>
+            <a:endParaRPr lang="en-US" sz="5000" dirty="0">
+              <a:solidFill>
+                <a:srgbClr val="002060"/>
+              </a:solidFill>
+            </a:endParaRPr>
           </a:p>
         </p:txBody>
       </p:sp>
@@ -8841,81 +9074,10 @@
           </a:fontRef>
         </p:style>
       </p:cxnSp>
-      <p:pic>
-        <p:nvPicPr>
-          <p:cNvPr id="3" name="Picture 2" descr="Diagram&#10;&#10;Description automatically generated">
-            <a:extLst>
-              <a:ext uri="{FF2B5EF4-FFF2-40B4-BE49-F238E27FC236}">
-                <a16:creationId xmlns:a16="http://schemas.microsoft.com/office/drawing/2014/main" id="{01B57A88-251B-9A39-CD97-C0909F551BD7}"/>
-              </a:ext>
-            </a:extLst>
-          </p:cNvPr>
-          <p:cNvPicPr>
-            <a:picLocks noChangeAspect="1"/>
-          </p:cNvPicPr>
-          <p:nvPr/>
-        </p:nvPicPr>
-        <p:blipFill>
-          <a:blip r:embed="rId3">
-            <a:extLst>
-              <a:ext uri="{28A0092B-C50C-407E-A947-70E740481C1C}">
-                <a14:useLocalDpi xmlns:a14="http://schemas.microsoft.com/office/drawing/2010/main" val="0"/>
-              </a:ext>
-            </a:extLst>
-          </a:blip>
-          <a:stretch>
-            <a:fillRect/>
-          </a:stretch>
-        </p:blipFill>
-        <p:spPr>
-          <a:xfrm>
-            <a:off x="2895576" y="1691011"/>
-            <a:ext cx="6400847" cy="4572033"/>
-          </a:xfrm>
-          <a:prstGeom prst="rect">
-            <a:avLst/>
-          </a:prstGeom>
-        </p:spPr>
-      </p:pic>
-      <p:sp>
-        <p:nvSpPr>
-          <p:cNvPr id="2" name="TextBox 1">
-            <a:extLst>
-              <a:ext uri="{FF2B5EF4-FFF2-40B4-BE49-F238E27FC236}">
-                <a16:creationId xmlns:a16="http://schemas.microsoft.com/office/drawing/2014/main" id="{769B97F2-949C-6AED-5947-79C707840323}"/>
-              </a:ext>
-            </a:extLst>
-          </p:cNvPr>
-          <p:cNvSpPr txBox="1"/>
-          <p:nvPr/>
-        </p:nvSpPr>
-        <p:spPr>
-          <a:xfrm>
-            <a:off x="5389344" y="6078378"/>
-            <a:ext cx="1395895" cy="369332"/>
-          </a:xfrm>
-          <a:prstGeom prst="rect">
-            <a:avLst/>
-          </a:prstGeom>
-          <a:noFill/>
-        </p:spPr>
-        <p:txBody>
-          <a:bodyPr wrap="none" rtlCol="0">
-            <a:spAutoFit/>
-          </a:bodyPr>
-          <a:lstStyle/>
-          <a:p>
-            <a:r>
-              <a:rPr lang="en-US" dirty="0"/>
-              <a:t>Kappa = 0.83</a:t>
-            </a:r>
-          </a:p>
-        </p:txBody>
-      </p:sp>
     </p:spTree>
     <p:extLst>
       <p:ext uri="{BB962C8B-B14F-4D97-AF65-F5344CB8AC3E}">
-        <p14:creationId xmlns:p14="http://schemas.microsoft.com/office/powerpoint/2010/main" val="562720074"/>
+        <p14:creationId xmlns:p14="http://schemas.microsoft.com/office/powerpoint/2010/main" val="1893722804"/>
       </p:ext>
     </p:extLst>
   </p:cSld>
@@ -8957,7 +9119,7 @@
           <p:nvPr/>
         </p:nvPicPr>
         <p:blipFill rotWithShape="1">
-          <a:blip r:embed="rId3"/>
+          <a:blip r:embed="rId2"/>
           <a:srcRect t="10770" r="84371" b="20000"/>
           <a:stretch/>
         </p:blipFill>
@@ -8986,7 +9148,7 @@
           <p:nvPr/>
         </p:nvPicPr>
         <p:blipFill rotWithShape="1">
-          <a:blip r:embed="rId3"/>
+          <a:blip r:embed="rId2"/>
           <a:srcRect l="15172"/>
           <a:stretch/>
         </p:blipFill>
@@ -9035,7 +9197,7 @@
                   <a:srgbClr val="002060"/>
                 </a:solidFill>
               </a:rPr>
-              <a:t>Classification Tree – Confusion Matrix</a:t>
+              <a:t>Classification Tree – Visual Tree</a:t>
             </a:r>
           </a:p>
         </p:txBody>
@@ -9085,10 +9247,10 @@
       </p:cxnSp>
       <p:pic>
         <p:nvPicPr>
-          <p:cNvPr id="3" name="Picture 2">
-            <a:extLst>
-              <a:ext uri="{FF2B5EF4-FFF2-40B4-BE49-F238E27FC236}">
-                <a16:creationId xmlns:a16="http://schemas.microsoft.com/office/drawing/2014/main" id="{53197530-2E14-923C-E337-E1922138DA0D}"/>
+          <p:cNvPr id="3" name="Picture 2" descr="Diagram&#10;&#10;Description automatically generated">
+            <a:extLst>
+              <a:ext uri="{FF2B5EF4-FFF2-40B4-BE49-F238E27FC236}">
+                <a16:creationId xmlns:a16="http://schemas.microsoft.com/office/drawing/2014/main" id="{01B57A88-251B-9A39-CD97-C0909F551BD7}"/>
               </a:ext>
             </a:extLst>
           </p:cNvPr>
@@ -9098,25 +9260,66 @@
           <p:nvPr/>
         </p:nvPicPr>
         <p:blipFill>
-          <a:blip r:embed="rId4"/>
+          <a:blip r:embed="rId3">
+            <a:extLst>
+              <a:ext uri="{28A0092B-C50C-407E-A947-70E740481C1C}">
+                <a14:useLocalDpi xmlns:a14="http://schemas.microsoft.com/office/drawing/2010/main" val="0"/>
+              </a:ext>
+            </a:extLst>
+          </a:blip>
           <a:stretch>
             <a:fillRect/>
           </a:stretch>
         </p:blipFill>
         <p:spPr>
           <a:xfrm>
-            <a:off x="4216303" y="1488409"/>
-            <a:ext cx="3759393" cy="5340624"/>
+            <a:off x="2895576" y="1691011"/>
+            <a:ext cx="6400847" cy="4572033"/>
           </a:xfrm>
           <a:prstGeom prst="rect">
             <a:avLst/>
           </a:prstGeom>
         </p:spPr>
       </p:pic>
+      <p:sp>
+        <p:nvSpPr>
+          <p:cNvPr id="2" name="TextBox 1">
+            <a:extLst>
+              <a:ext uri="{FF2B5EF4-FFF2-40B4-BE49-F238E27FC236}">
+                <a16:creationId xmlns:a16="http://schemas.microsoft.com/office/drawing/2014/main" id="{769B97F2-949C-6AED-5947-79C707840323}"/>
+              </a:ext>
+            </a:extLst>
+          </p:cNvPr>
+          <p:cNvSpPr txBox="1"/>
+          <p:nvPr/>
+        </p:nvSpPr>
+        <p:spPr>
+          <a:xfrm>
+            <a:off x="5389344" y="6078378"/>
+            <a:ext cx="1395895" cy="369332"/>
+          </a:xfrm>
+          <a:prstGeom prst="rect">
+            <a:avLst/>
+          </a:prstGeom>
+          <a:noFill/>
+        </p:spPr>
+        <p:txBody>
+          <a:bodyPr wrap="none" rtlCol="0">
+            <a:spAutoFit/>
+          </a:bodyPr>
+          <a:lstStyle/>
+          <a:p>
+            <a:r>
+              <a:rPr lang="en-US" dirty="0"/>
+              <a:t>Kappa = 0.83</a:t>
+            </a:r>
+          </a:p>
+        </p:txBody>
+      </p:sp>
     </p:spTree>
     <p:extLst>
       <p:ext uri="{BB962C8B-B14F-4D97-AF65-F5344CB8AC3E}">
-        <p14:creationId xmlns:p14="http://schemas.microsoft.com/office/powerpoint/2010/main" val="1751695005"/>
+        <p14:creationId xmlns:p14="http://schemas.microsoft.com/office/powerpoint/2010/main" val="562720074"/>
       </p:ext>
     </p:extLst>
   </p:cSld>
@@ -9236,6 +9439,207 @@
                   <a:srgbClr val="002060"/>
                 </a:solidFill>
               </a:rPr>
+              <a:t>Classification Tree – Confusion Matrix</a:t>
+            </a:r>
+          </a:p>
+        </p:txBody>
+      </p:sp>
+      <p:cxnSp>
+        <p:nvCxnSpPr>
+          <p:cNvPr id="9" name="Straight Connector 8">
+            <a:extLst>
+              <a:ext uri="{FF2B5EF4-FFF2-40B4-BE49-F238E27FC236}">
+                <a16:creationId xmlns:a16="http://schemas.microsoft.com/office/drawing/2014/main" id="{450EE6D2-7381-B11A-A20A-0D5D0904DD35}"/>
+              </a:ext>
+            </a:extLst>
+          </p:cNvPr>
+          <p:cNvCxnSpPr>
+            <a:cxnSpLocks/>
+          </p:cNvCxnSpPr>
+          <p:nvPr/>
+        </p:nvCxnSpPr>
+        <p:spPr>
+          <a:xfrm>
+            <a:off x="757647" y="1332033"/>
+            <a:ext cx="10659291" cy="0"/>
+          </a:xfrm>
+          <a:prstGeom prst="line">
+            <a:avLst/>
+          </a:prstGeom>
+          <a:ln w="57150">
+            <a:solidFill>
+              <a:srgbClr val="002060"/>
+            </a:solidFill>
+          </a:ln>
+        </p:spPr>
+        <p:style>
+          <a:lnRef idx="1">
+            <a:schemeClr val="accent1"/>
+          </a:lnRef>
+          <a:fillRef idx="0">
+            <a:schemeClr val="accent1"/>
+          </a:fillRef>
+          <a:effectRef idx="0">
+            <a:schemeClr val="accent1"/>
+          </a:effectRef>
+          <a:fontRef idx="minor">
+            <a:schemeClr val="tx1"/>
+          </a:fontRef>
+        </p:style>
+      </p:cxnSp>
+      <p:pic>
+        <p:nvPicPr>
+          <p:cNvPr id="3" name="Picture 2">
+            <a:extLst>
+              <a:ext uri="{FF2B5EF4-FFF2-40B4-BE49-F238E27FC236}">
+                <a16:creationId xmlns:a16="http://schemas.microsoft.com/office/drawing/2014/main" id="{53197530-2E14-923C-E337-E1922138DA0D}"/>
+              </a:ext>
+            </a:extLst>
+          </p:cNvPr>
+          <p:cNvPicPr>
+            <a:picLocks noChangeAspect="1"/>
+          </p:cNvPicPr>
+          <p:nvPr/>
+        </p:nvPicPr>
+        <p:blipFill>
+          <a:blip r:embed="rId4"/>
+          <a:stretch>
+            <a:fillRect/>
+          </a:stretch>
+        </p:blipFill>
+        <p:spPr>
+          <a:xfrm>
+            <a:off x="4216303" y="1488409"/>
+            <a:ext cx="3759393" cy="5340624"/>
+          </a:xfrm>
+          <a:prstGeom prst="rect">
+            <a:avLst/>
+          </a:prstGeom>
+        </p:spPr>
+      </p:pic>
+    </p:spTree>
+    <p:extLst>
+      <p:ext uri="{BB962C8B-B14F-4D97-AF65-F5344CB8AC3E}">
+        <p14:creationId xmlns:p14="http://schemas.microsoft.com/office/powerpoint/2010/main" val="1751695005"/>
+      </p:ext>
+    </p:extLst>
+  </p:cSld>
+  <p:clrMapOvr>
+    <a:masterClrMapping/>
+  </p:clrMapOvr>
+</p:sld>
+</file>
+
+<file path=ppt/slides/slide26.xml><?xml version="1.0" encoding="utf-8"?>
+<p:sld xmlns:a="http://schemas.openxmlformats.org/drawingml/2006/main" xmlns:r="http://schemas.openxmlformats.org/officeDocument/2006/relationships" xmlns:p="http://schemas.openxmlformats.org/presentationml/2006/main">
+  <p:cSld>
+    <p:spTree>
+      <p:nvGrpSpPr>
+        <p:cNvPr id="1" name=""/>
+        <p:cNvGrpSpPr/>
+        <p:nvPr/>
+      </p:nvGrpSpPr>
+      <p:grpSpPr>
+        <a:xfrm>
+          <a:off x="0" y="0"/>
+          <a:ext cx="0" cy="0"/>
+          <a:chOff x="0" y="0"/>
+          <a:chExt cx="0" cy="0"/>
+        </a:xfrm>
+      </p:grpSpPr>
+      <p:pic>
+        <p:nvPicPr>
+          <p:cNvPr id="5" name="Picture 4">
+            <a:extLst>
+              <a:ext uri="{FF2B5EF4-FFF2-40B4-BE49-F238E27FC236}">
+                <a16:creationId xmlns:a16="http://schemas.microsoft.com/office/drawing/2014/main" id="{558453F9-F3C1-EDA3-6D83-43170A158A07}"/>
+              </a:ext>
+            </a:extLst>
+          </p:cNvPr>
+          <p:cNvPicPr>
+            <a:picLocks noChangeAspect="1"/>
+          </p:cNvPicPr>
+          <p:nvPr/>
+        </p:nvPicPr>
+        <p:blipFill rotWithShape="1">
+          <a:blip r:embed="rId3"/>
+          <a:srcRect t="10770" r="84371" b="20000"/>
+          <a:stretch/>
+        </p:blipFill>
+        <p:spPr>
+          <a:xfrm>
+            <a:off x="0" y="0"/>
+            <a:ext cx="1073997" cy="1175657"/>
+          </a:xfrm>
+          <a:prstGeom prst="rect">
+            <a:avLst/>
+          </a:prstGeom>
+        </p:spPr>
+      </p:pic>
+      <p:pic>
+        <p:nvPicPr>
+          <p:cNvPr id="6" name="Picture 5">
+            <a:extLst>
+              <a:ext uri="{FF2B5EF4-FFF2-40B4-BE49-F238E27FC236}">
+                <a16:creationId xmlns:a16="http://schemas.microsoft.com/office/drawing/2014/main" id="{CE1484BB-74DC-9E65-B32D-BE5FE2E385CD}"/>
+              </a:ext>
+            </a:extLst>
+          </p:cNvPr>
+          <p:cNvPicPr>
+            <a:picLocks noChangeAspect="1"/>
+          </p:cNvPicPr>
+          <p:nvPr/>
+        </p:nvPicPr>
+        <p:blipFill rotWithShape="1">
+          <a:blip r:embed="rId3"/>
+          <a:srcRect l="15172"/>
+          <a:stretch/>
+        </p:blipFill>
+        <p:spPr>
+          <a:xfrm>
+            <a:off x="9949987" y="0"/>
+            <a:ext cx="2242014" cy="653143"/>
+          </a:xfrm>
+          <a:prstGeom prst="rect">
+            <a:avLst/>
+          </a:prstGeom>
+        </p:spPr>
+      </p:pic>
+      <p:sp>
+        <p:nvSpPr>
+          <p:cNvPr id="7" name="TextBox 6">
+            <a:extLst>
+              <a:ext uri="{FF2B5EF4-FFF2-40B4-BE49-F238E27FC236}">
+                <a16:creationId xmlns:a16="http://schemas.microsoft.com/office/drawing/2014/main" id="{9EECCCD9-8AD5-9916-BC29-771066C9EE70}"/>
+              </a:ext>
+            </a:extLst>
+          </p:cNvPr>
+          <p:cNvSpPr txBox="1"/>
+          <p:nvPr/>
+        </p:nvSpPr>
+        <p:spPr>
+          <a:xfrm>
+            <a:off x="1" y="470259"/>
+            <a:ext cx="12192000" cy="861774"/>
+          </a:xfrm>
+          <a:prstGeom prst="rect">
+            <a:avLst/>
+          </a:prstGeom>
+          <a:noFill/>
+        </p:spPr>
+        <p:txBody>
+          <a:bodyPr wrap="square" rtlCol="0">
+            <a:spAutoFit/>
+          </a:bodyPr>
+          <a:lstStyle/>
+          <a:p>
+            <a:pPr algn="ctr"/>
+            <a:r>
+              <a:rPr lang="en-US" sz="5000" b="1" dirty="0">
+                <a:solidFill>
+                  <a:srgbClr val="002060"/>
+                </a:solidFill>
+              </a:rPr>
               <a:t>Classification Tree – ROC Curve</a:t>
             </a:r>
           </a:p>
@@ -9368,7 +9772,7 @@
 </p:sld>
 </file>
 
-<file path=ppt/slides/slide26.xml><?xml version="1.0" encoding="utf-8"?>
+<file path=ppt/slides/slide27.xml><?xml version="1.0" encoding="utf-8"?>
 <p:sld xmlns:a="http://schemas.openxmlformats.org/drawingml/2006/main" xmlns:r="http://schemas.openxmlformats.org/officeDocument/2006/relationships" xmlns:p="http://schemas.openxmlformats.org/presentationml/2006/main">
   <p:cSld>
     <p:spTree>
@@ -10109,7 +10513,7 @@
 </p:sld>
 </file>
 
-<file path=ppt/slides/slide27.xml><?xml version="1.0" encoding="utf-8"?>
+<file path=ppt/slides/slide28.xml><?xml version="1.0" encoding="utf-8"?>
 <p:sld xmlns:a="http://schemas.openxmlformats.org/drawingml/2006/main" xmlns:r="http://schemas.openxmlformats.org/officeDocument/2006/relationships" xmlns:p="http://schemas.openxmlformats.org/presentationml/2006/main">
   <p:cSld>
     <p:bg>
@@ -11498,7 +11902,7 @@
         <p:spPr>
           <a:xfrm>
             <a:off x="1" y="470259"/>
-            <a:ext cx="12192000" cy="1631216"/>
+            <a:ext cx="12192000" cy="861774"/>
           </a:xfrm>
           <a:prstGeom prst="rect">
             <a:avLst/>
@@ -11518,16 +11922,8 @@
                   <a:srgbClr val="002060"/>
                 </a:solidFill>
               </a:rPr>
-              <a:t>EDA Review (add new graphs)</a:t>
-            </a:r>
-          </a:p>
-          <a:p>
-            <a:pPr algn="ctr"/>
-            <a:endParaRPr lang="en-US" sz="5000" b="1" dirty="0">
-              <a:solidFill>
-                <a:srgbClr val="002060"/>
-              </a:solidFill>
-            </a:endParaRPr>
+              <a:t>EDA Review</a:t>
+            </a:r>
           </a:p>
         </p:txBody>
       </p:sp>
@@ -11769,7 +12165,7 @@
                   <a:srgbClr val="002060"/>
                 </a:solidFill>
               </a:rPr>
-              <a:t>EDA – Correlation Plot (add new one)</a:t>
+              <a:t>EDA – Correlation Plot</a:t>
             </a:r>
           </a:p>
         </p:txBody>
@@ -12024,6 +12420,59 @@
           </a:fontRef>
         </p:style>
       </p:cxnSp>
+      <p:sp>
+        <p:nvSpPr>
+          <p:cNvPr id="3" name="TextBox 2">
+            <a:extLst>
+              <a:ext uri="{FF2B5EF4-FFF2-40B4-BE49-F238E27FC236}">
+                <a16:creationId xmlns:a16="http://schemas.microsoft.com/office/drawing/2014/main" id="{7776F67F-6D4D-70B9-1B6A-E8AAA1E2E294}"/>
+              </a:ext>
+            </a:extLst>
+          </p:cNvPr>
+          <p:cNvSpPr txBox="1"/>
+          <p:nvPr/>
+        </p:nvSpPr>
+        <p:spPr>
+          <a:xfrm>
+            <a:off x="3048522" y="2274838"/>
+            <a:ext cx="6097044" cy="2585323"/>
+          </a:xfrm>
+          <a:prstGeom prst="rect">
+            <a:avLst/>
+          </a:prstGeom>
+          <a:noFill/>
+        </p:spPr>
+        <p:txBody>
+          <a:bodyPr wrap="square">
+            <a:spAutoFit/>
+          </a:bodyPr>
+          <a:lstStyle/>
+          <a:p>
+            <a:r>
+              <a:rPr lang="en-US" dirty="0"/>
+              <a:t>1. What variable or variables, if any, have an impact on if the person meets the credit underwriting criteria?</a:t>
+            </a:r>
+          </a:p>
+          <a:p>
+            <a:endParaRPr lang="en-US" dirty="0"/>
+          </a:p>
+          <a:p>
+            <a:r>
+              <a:rPr lang="en-US" dirty="0"/>
+              <a:t>2. What variable or variables, if any, have an impact on if the person fully repays the loan?</a:t>
+            </a:r>
+          </a:p>
+          <a:p>
+            <a:endParaRPr lang="en-US" dirty="0"/>
+          </a:p>
+          <a:p>
+            <a:r>
+              <a:rPr lang="en-US" dirty="0"/>
+              <a:t>3. Do borrowers who meet the credit underwriting criteria have a lower chance of not fully repaying the loan? If so, how big is the difference?</a:t>
+            </a:r>
+          </a:p>
+        </p:txBody>
+      </p:sp>
     </p:spTree>
     <p:extLst>
       <p:ext uri="{BB962C8B-B14F-4D97-AF65-F5344CB8AC3E}">
@@ -12069,7 +12518,7 @@
           <p:nvPr/>
         </p:nvPicPr>
         <p:blipFill rotWithShape="1">
-          <a:blip r:embed="rId2"/>
+          <a:blip r:embed="rId3"/>
           <a:srcRect t="10770" r="84371" b="20000"/>
           <a:stretch/>
         </p:blipFill>
@@ -12098,7 +12547,7 @@
           <p:nvPr/>
         </p:nvPicPr>
         <p:blipFill rotWithShape="1">
-          <a:blip r:embed="rId2"/>
+          <a:blip r:embed="rId3"/>
           <a:srcRect l="15172"/>
           <a:stretch/>
         </p:blipFill>
@@ -12140,14 +12589,39 @@
           </a:bodyPr>
           <a:lstStyle/>
           <a:p>
-            <a:pPr algn="ctr"/>
-            <a:r>
-              <a:rPr lang="en-US" sz="5000" b="1" dirty="0">
+            <a:pPr marL="0" marR="0" lvl="0" indent="0" algn="ctr" defTabSz="914400" rtl="0" eaLnBrk="1" fontAlgn="auto" latinLnBrk="0" hangingPunct="1">
+              <a:lnSpc>
+                <a:spcPct val="100000"/>
+              </a:lnSpc>
+              <a:spcBef>
+                <a:spcPts val="0"/>
+              </a:spcBef>
+              <a:spcAft>
+                <a:spcPts val="0"/>
+              </a:spcAft>
+              <a:buClrTx/>
+              <a:buSzTx/>
+              <a:buFontTx/>
+              <a:buNone/>
+              <a:tabLst/>
+              <a:defRPr/>
+            </a:pPr>
+            <a:r>
+              <a:rPr kumimoji="0" lang="en-US" sz="5000" b="1" i="0" u="none" strike="noStrike" kern="1200" cap="none" spc="0" normalizeH="0" baseline="0" noProof="0" dirty="0">
+                <a:ln>
+                  <a:noFill/>
+                </a:ln>
                 <a:solidFill>
                   <a:srgbClr val="002060"/>
                 </a:solidFill>
+                <a:effectLst/>
+                <a:uLnTx/>
+                <a:uFillTx/>
+                <a:latin typeface="Calibri" panose="020F0502020204030204"/>
+                <a:ea typeface="+mn-ea"/>
+                <a:cs typeface="+mn-cs"/>
               </a:rPr>
-              <a:t>Simple Linear Regression – 1 of 4</a:t>
+              <a:t>Models Chosen</a:t>
             </a:r>
           </a:p>
         </p:txBody>
@@ -12195,46 +12669,242 @@
           </a:fontRef>
         </p:style>
       </p:cxnSp>
-      <p:pic>
-        <p:nvPicPr>
-          <p:cNvPr id="4" name="Picture 3" descr="Chart&#10;&#10;Description automatically generated">
-            <a:extLst>
-              <a:ext uri="{FF2B5EF4-FFF2-40B4-BE49-F238E27FC236}">
-                <a16:creationId xmlns:a16="http://schemas.microsoft.com/office/drawing/2014/main" id="{336BB0A6-4E7B-92E8-12B8-999E4E319221}"/>
-              </a:ext>
-            </a:extLst>
-          </p:cNvPr>
-          <p:cNvPicPr>
-            <a:picLocks noChangeAspect="1"/>
-          </p:cNvPicPr>
-          <p:nvPr/>
-        </p:nvPicPr>
-        <p:blipFill>
-          <a:blip r:embed="rId3">
-            <a:extLst>
-              <a:ext uri="{28A0092B-C50C-407E-A947-70E740481C1C}">
-                <a14:useLocalDpi xmlns:a14="http://schemas.microsoft.com/office/drawing/2010/main" val="0"/>
-              </a:ext>
-            </a:extLst>
-          </a:blip>
-          <a:stretch>
-            <a:fillRect/>
-          </a:stretch>
-        </p:blipFill>
-        <p:spPr>
-          <a:xfrm>
-            <a:off x="2895576" y="1631498"/>
-            <a:ext cx="6400847" cy="4572033"/>
+      <p:sp>
+        <p:nvSpPr>
+          <p:cNvPr id="2" name="TextBox 1">
+            <a:extLst>
+              <a:ext uri="{FF2B5EF4-FFF2-40B4-BE49-F238E27FC236}">
+                <a16:creationId xmlns:a16="http://schemas.microsoft.com/office/drawing/2014/main" id="{66452FBB-413E-BDEB-AB1D-F1B7DD15BB39}"/>
+              </a:ext>
+            </a:extLst>
+          </p:cNvPr>
+          <p:cNvSpPr txBox="1"/>
+          <p:nvPr/>
+        </p:nvSpPr>
+        <p:spPr>
+          <a:xfrm>
+            <a:off x="0" y="6627168"/>
+            <a:ext cx="5910146" cy="230832"/>
           </a:xfrm>
           <a:prstGeom prst="rect">
             <a:avLst/>
           </a:prstGeom>
-        </p:spPr>
-      </p:pic>
+          <a:noFill/>
+        </p:spPr>
+        <p:txBody>
+          <a:bodyPr wrap="square" rtlCol="0">
+            <a:spAutoFit/>
+          </a:bodyPr>
+          <a:lstStyle/>
+          <a:p>
+            <a:pPr marL="0" marR="0" lvl="0" indent="0" algn="l" defTabSz="914400" rtl="0" eaLnBrk="1" fontAlgn="auto" latinLnBrk="0" hangingPunct="1">
+              <a:lnSpc>
+                <a:spcPct val="100000"/>
+              </a:lnSpc>
+              <a:spcBef>
+                <a:spcPts val="0"/>
+              </a:spcBef>
+              <a:spcAft>
+                <a:spcPts val="0"/>
+              </a:spcAft>
+              <a:buClrTx/>
+              <a:buSzTx/>
+              <a:buFontTx/>
+              <a:buNone/>
+              <a:tabLst/>
+              <a:defRPr/>
+            </a:pPr>
+            <a:r>
+              <a:rPr kumimoji="0" lang="en-US" sz="900" b="0" i="0" u="none" strike="noStrike" kern="1200" cap="none" spc="0" normalizeH="0" baseline="0" noProof="0" dirty="0">
+                <a:ln>
+                  <a:noFill/>
+                </a:ln>
+                <a:solidFill>
+                  <a:prstClr val="white">
+                    <a:lumMod val="65000"/>
+                  </a:prstClr>
+                </a:solidFill>
+                <a:effectLst/>
+                <a:uLnTx/>
+                <a:uFillTx/>
+                <a:latin typeface="Calibri" panose="020F0502020204030204"/>
+                <a:ea typeface="+mn-ea"/>
+                <a:cs typeface="+mn-cs"/>
+              </a:rPr>
+              <a:t>https://www.kaggle.com/datasets/urstrulyvikas/lending-club-loan-data-analysis</a:t>
+            </a:r>
+          </a:p>
+        </p:txBody>
+      </p:sp>
+      <p:sp>
+        <p:nvSpPr>
+          <p:cNvPr id="3" name="TextBox 2">
+            <a:extLst>
+              <a:ext uri="{FF2B5EF4-FFF2-40B4-BE49-F238E27FC236}">
+                <a16:creationId xmlns:a16="http://schemas.microsoft.com/office/drawing/2014/main" id="{0DED20CC-E2E0-A93D-05C3-502D3C7DA89F}"/>
+              </a:ext>
+            </a:extLst>
+          </p:cNvPr>
+          <p:cNvSpPr txBox="1"/>
+          <p:nvPr/>
+        </p:nvSpPr>
+        <p:spPr>
+          <a:xfrm>
+            <a:off x="441781" y="1645920"/>
+            <a:ext cx="12192000" cy="1323439"/>
+          </a:xfrm>
+          <a:prstGeom prst="rect">
+            <a:avLst/>
+          </a:prstGeom>
+          <a:noFill/>
+        </p:spPr>
+        <p:txBody>
+          <a:bodyPr wrap="square" rtlCol="0">
+            <a:spAutoFit/>
+          </a:bodyPr>
+          <a:lstStyle/>
+          <a:p>
+            <a:pPr marL="342900" marR="0" lvl="0" indent="-342900" algn="l" defTabSz="914400" rtl="0" eaLnBrk="1" fontAlgn="auto" latinLnBrk="0" hangingPunct="1">
+              <a:lnSpc>
+                <a:spcPct val="100000"/>
+              </a:lnSpc>
+              <a:spcBef>
+                <a:spcPts val="0"/>
+              </a:spcBef>
+              <a:spcAft>
+                <a:spcPts val="0"/>
+              </a:spcAft>
+              <a:buClrTx/>
+              <a:buSzTx/>
+              <a:buFont typeface="Arial" panose="020B0604020202020204" pitchFamily="34" charset="0"/>
+              <a:buChar char="•"/>
+              <a:tabLst/>
+              <a:defRPr/>
+            </a:pPr>
+            <a:r>
+              <a:rPr kumimoji="0" lang="en-US" sz="2000" b="0" i="0" u="none" strike="noStrike" kern="1200" cap="none" spc="0" normalizeH="0" baseline="0" noProof="0" dirty="0">
+                <a:ln>
+                  <a:noFill/>
+                </a:ln>
+                <a:solidFill>
+                  <a:srgbClr val="002060"/>
+                </a:solidFill>
+                <a:effectLst/>
+                <a:uLnTx/>
+                <a:uFillTx/>
+                <a:latin typeface="Calibri" panose="020F0502020204030204"/>
+                <a:ea typeface="+mn-ea"/>
+                <a:cs typeface="+mn-cs"/>
+              </a:rPr>
+              <a:t>4 Simple Linear Regression</a:t>
+            </a:r>
+          </a:p>
+          <a:p>
+            <a:pPr marL="342900" marR="0" lvl="0" indent="-342900" algn="l" defTabSz="914400" rtl="0" eaLnBrk="1" fontAlgn="auto" latinLnBrk="0" hangingPunct="1">
+              <a:lnSpc>
+                <a:spcPct val="100000"/>
+              </a:lnSpc>
+              <a:spcBef>
+                <a:spcPts val="0"/>
+              </a:spcBef>
+              <a:spcAft>
+                <a:spcPts val="0"/>
+              </a:spcAft>
+              <a:buClrTx/>
+              <a:buSzTx/>
+              <a:buFont typeface="Arial" panose="020B0604020202020204" pitchFamily="34" charset="0"/>
+              <a:buChar char="•"/>
+              <a:tabLst/>
+              <a:defRPr/>
+            </a:pPr>
+            <a:r>
+              <a:rPr lang="en-US" sz="2000" dirty="0">
+                <a:solidFill>
+                  <a:srgbClr val="002060"/>
+                </a:solidFill>
+                <a:latin typeface="Calibri" panose="020F0502020204030204"/>
+              </a:rPr>
+              <a:t>1 Multiple Regression</a:t>
+            </a:r>
+          </a:p>
+          <a:p>
+            <a:pPr marL="342900" marR="0" lvl="0" indent="-342900" algn="l" defTabSz="914400" rtl="0" eaLnBrk="1" fontAlgn="auto" latinLnBrk="0" hangingPunct="1">
+              <a:lnSpc>
+                <a:spcPct val="100000"/>
+              </a:lnSpc>
+              <a:spcBef>
+                <a:spcPts val="0"/>
+              </a:spcBef>
+              <a:spcAft>
+                <a:spcPts val="0"/>
+              </a:spcAft>
+              <a:buClrTx/>
+              <a:buSzTx/>
+              <a:buFont typeface="Arial" panose="020B0604020202020204" pitchFamily="34" charset="0"/>
+              <a:buChar char="•"/>
+              <a:tabLst/>
+              <a:defRPr/>
+            </a:pPr>
+            <a:r>
+              <a:rPr kumimoji="0" lang="en-US" sz="2000" b="0" i="0" u="none" strike="noStrike" kern="1200" cap="none" spc="0" normalizeH="0" baseline="0" noProof="0" dirty="0">
+                <a:ln>
+                  <a:noFill/>
+                </a:ln>
+                <a:solidFill>
+                  <a:srgbClr val="002060"/>
+                </a:solidFill>
+                <a:effectLst/>
+                <a:uLnTx/>
+                <a:uFillTx/>
+                <a:latin typeface="Calibri" panose="020F0502020204030204"/>
+                <a:ea typeface="+mn-ea"/>
+                <a:cs typeface="+mn-cs"/>
+              </a:rPr>
+              <a:t>2 Logistic Regression</a:t>
+            </a:r>
+          </a:p>
+          <a:p>
+            <a:pPr marL="342900" marR="0" lvl="0" indent="-342900" algn="l" defTabSz="914400" rtl="0" eaLnBrk="1" fontAlgn="auto" latinLnBrk="0" hangingPunct="1">
+              <a:lnSpc>
+                <a:spcPct val="100000"/>
+              </a:lnSpc>
+              <a:spcBef>
+                <a:spcPts val="0"/>
+              </a:spcBef>
+              <a:spcAft>
+                <a:spcPts val="0"/>
+              </a:spcAft>
+              <a:buClrTx/>
+              <a:buSzTx/>
+              <a:buFont typeface="Arial" panose="020B0604020202020204" pitchFamily="34" charset="0"/>
+              <a:buChar char="•"/>
+              <a:tabLst/>
+              <a:defRPr/>
+            </a:pPr>
+            <a:r>
+              <a:rPr kumimoji="0" lang="en-US" sz="2000" b="0" i="0" u="none" strike="noStrike" kern="1200" cap="none" spc="0" normalizeH="0" baseline="0" noProof="0" dirty="0">
+                <a:ln>
+                  <a:noFill/>
+                </a:ln>
+                <a:solidFill>
+                  <a:srgbClr val="002060"/>
+                </a:solidFill>
+                <a:effectLst/>
+                <a:uLnTx/>
+                <a:uFillTx/>
+                <a:latin typeface="Calibri" panose="020F0502020204030204"/>
+                <a:ea typeface="+mn-ea"/>
+                <a:cs typeface="+mn-cs"/>
+              </a:rPr>
+              <a:t>1 or 2 Classification Trees</a:t>
+            </a:r>
+          </a:p>
+        </p:txBody>
+      </p:sp>
     </p:spTree>
     <p:extLst>
       <p:ext uri="{BB962C8B-B14F-4D97-AF65-F5344CB8AC3E}">
-        <p14:creationId xmlns:p14="http://schemas.microsoft.com/office/powerpoint/2010/main" val="3440039680"/>
+        <p14:creationId xmlns:p14="http://schemas.microsoft.com/office/powerpoint/2010/main" val="1544217905"/>
       </p:ext>
     </p:extLst>
   </p:cSld>
@@ -12334,7 +13004,7 @@
         <p:spPr>
           <a:xfrm>
             <a:off x="1" y="470259"/>
-            <a:ext cx="12192000" cy="1631216"/>
+            <a:ext cx="12192000" cy="861774"/>
           </a:xfrm>
           <a:prstGeom prst="rect">
             <a:avLst/>
@@ -12354,16 +13024,8 @@
                   <a:srgbClr val="002060"/>
                 </a:solidFill>
               </a:rPr>
-              <a:t>Simple Linear Regression – 2 of 4</a:t>
-            </a:r>
-          </a:p>
-          <a:p>
-            <a:pPr algn="ctr"/>
-            <a:endParaRPr lang="en-US" sz="5000" b="1" dirty="0">
-              <a:solidFill>
-                <a:srgbClr val="002060"/>
-              </a:solidFill>
-            </a:endParaRPr>
+              <a:t>Simple Linear Regression – 1 of 4</a:t>
+            </a:r>
           </a:p>
         </p:txBody>
       </p:sp>
@@ -12415,7 +13077,7 @@
           <p:cNvPr id="4" name="Picture 3" descr="Chart&#10;&#10;Description automatically generated">
             <a:extLst>
               <a:ext uri="{FF2B5EF4-FFF2-40B4-BE49-F238E27FC236}">
-                <a16:creationId xmlns:a16="http://schemas.microsoft.com/office/drawing/2014/main" id="{5A3932E9-DD2F-078D-9A68-45C09A76AC7A}"/>
+                <a16:creationId xmlns:a16="http://schemas.microsoft.com/office/drawing/2014/main" id="{336BB0A6-4E7B-92E8-12B8-999E4E319221}"/>
               </a:ext>
             </a:extLst>
           </p:cNvPr>
@@ -12438,7 +13100,7 @@
         </p:blipFill>
         <p:spPr>
           <a:xfrm>
-            <a:off x="2895576" y="1575131"/>
+            <a:off x="2895576" y="1631498"/>
             <a:ext cx="6400847" cy="4572033"/>
           </a:xfrm>
           <a:prstGeom prst="rect">
@@ -12449,7 +13111,7 @@
     </p:spTree>
     <p:extLst>
       <p:ext uri="{BB962C8B-B14F-4D97-AF65-F5344CB8AC3E}">
-        <p14:creationId xmlns:p14="http://schemas.microsoft.com/office/powerpoint/2010/main" val="2315470928"/>
+        <p14:creationId xmlns:p14="http://schemas.microsoft.com/office/powerpoint/2010/main" val="3440039680"/>
       </p:ext>
     </p:extLst>
   </p:cSld>

--- a/Project2/EDA_LendingClub_Slides - Project 2.pptx
+++ b/Project2/EDA_LendingClub_Slides - Project 2.pptx
@@ -5,7 +5,7 @@
     <p:sldMasterId id="2147483648" r:id="rId1"/>
   </p:sldMasterIdLst>
   <p:notesMasterIdLst>
-    <p:notesMasterId r:id="rId30"/>
+    <p:notesMasterId r:id="rId31"/>
   </p:notesMasterIdLst>
   <p:sldIdLst>
     <p:sldId id="257" r:id="rId2"/>
@@ -32,10 +32,11 @@
     <p:sldId id="309" r:id="rId23"/>
     <p:sldId id="301" r:id="rId24"/>
     <p:sldId id="297" r:id="rId25"/>
-    <p:sldId id="298" r:id="rId26"/>
-    <p:sldId id="302" r:id="rId27"/>
-    <p:sldId id="268" r:id="rId28"/>
-    <p:sldId id="263" r:id="rId29"/>
+    <p:sldId id="315" r:id="rId26"/>
+    <p:sldId id="298" r:id="rId27"/>
+    <p:sldId id="302" r:id="rId28"/>
+    <p:sldId id="268" r:id="rId29"/>
+    <p:sldId id="263" r:id="rId30"/>
   </p:sldIdLst>
   <p:sldSz cx="12192000" cy="6858000"/>
   <p:notesSz cx="6858000" cy="9144000"/>
@@ -224,7 +225,7 @@
           <a:p>
             <a:fld id="{48CCDE1B-485C-4B2F-BE21-3D867E8608CA}" type="datetimeFigureOut">
               <a:rPr lang="en-US" smtClean="0"/>
-              <a:t>12/10/2022</a:t>
+              <a:t>12/11/2022</a:t>
             </a:fld>
             <a:endParaRPr lang="en-US"/>
           </a:p>
@@ -1162,6 +1163,39 @@
           <a:bodyPr/>
           <a:lstStyle/>
           <a:p>
+            <a:r>
+              <a:rPr lang="en-US" dirty="0"/>
+              <a:t>Explain tree:</a:t>
+            </a:r>
+          </a:p>
+          <a:p>
+            <a:endParaRPr lang="en-US" dirty="0"/>
+          </a:p>
+          <a:p>
+            <a:r>
+              <a:rPr lang="en-US" dirty="0"/>
+              <a:t>Confusion Matrix:</a:t>
+            </a:r>
+          </a:p>
+          <a:p>
+            <a:r>
+              <a:rPr lang="en-US" dirty="0"/>
+              <a:t>The high area under ROC curve, sensitivity, and specificity values indicate a favorable ROC curve and a favorable model. </a:t>
+            </a:r>
+          </a:p>
+          <a:p>
+            <a:r>
+              <a:rPr lang="en-US" dirty="0"/>
+              <a:t>Based on the Kappa statistic of 0.93 we would evaluate this classifier as almost perfect agreement.</a:t>
+            </a:r>
+          </a:p>
+          <a:p>
+            <a:endParaRPr lang="en-US" dirty="0"/>
+          </a:p>
+          <a:p>
+            <a:endParaRPr lang="en-US" dirty="0"/>
+          </a:p>
+          <a:p>
             <a:endParaRPr lang="en-US" dirty="0"/>
           </a:p>
         </p:txBody>
@@ -1183,7 +1217,7 @@
           <a:p>
             <a:fld id="{6B053770-FD16-42CB-98BB-967786CBD56A}" type="slidenum">
               <a:rPr lang="en-US" smtClean="0"/>
-              <a:t>25</a:t>
+              <a:t>24</a:t>
             </a:fld>
             <a:endParaRPr lang="en-US"/>
           </a:p>
@@ -1192,7 +1226,7 @@
     </p:spTree>
     <p:extLst>
       <p:ext uri="{BB962C8B-B14F-4D97-AF65-F5344CB8AC3E}">
-        <p14:creationId xmlns:p14="http://schemas.microsoft.com/office/powerpoint/2010/main" val="2076041582"/>
+        <p14:creationId xmlns:p14="http://schemas.microsoft.com/office/powerpoint/2010/main" val="2295492974"/>
       </p:ext>
     </p:extLst>
   </p:cSld>
@@ -1246,6 +1280,54 @@
           <a:bodyPr/>
           <a:lstStyle/>
           <a:p>
+            <a:r>
+              <a:rPr lang="en-US" dirty="0"/>
+              <a:t>Explain tree:</a:t>
+            </a:r>
+          </a:p>
+          <a:p>
+            <a:endParaRPr lang="en-US" dirty="0"/>
+          </a:p>
+          <a:p>
+            <a:endParaRPr lang="en-US" dirty="0"/>
+          </a:p>
+          <a:p>
+            <a:r>
+              <a:rPr lang="en-US" dirty="0"/>
+              <a:t>Confusion Matrix:</a:t>
+            </a:r>
+          </a:p>
+          <a:p>
+            <a:endParaRPr lang="en-US" dirty="0"/>
+          </a:p>
+          <a:p>
+            <a:r>
+              <a:rPr lang="en-US" dirty="0"/>
+              <a:t>Low area under ROC curve indicates the model has little to no ability to discriminate between Paid and Unpaid classes.</a:t>
+            </a:r>
+          </a:p>
+          <a:p>
+            <a:endParaRPr lang="en-US" dirty="0"/>
+          </a:p>
+          <a:p>
+            <a:endParaRPr lang="en-US" dirty="0"/>
+          </a:p>
+          <a:p>
+            <a:r>
+              <a:rPr lang="en-US" dirty="0"/>
+              <a:t>Based on the extremely low Kappa statistic of .019, there is nearly no agreement between the predictive model and the actual data. </a:t>
+            </a:r>
+          </a:p>
+          <a:p>
+            <a:endParaRPr lang="en-US" dirty="0"/>
+          </a:p>
+          <a:p>
+            <a:endParaRPr lang="en-US" dirty="0"/>
+          </a:p>
+          <a:p>
+            <a:endParaRPr lang="en-US" dirty="0"/>
+          </a:p>
+          <a:p>
             <a:endParaRPr lang="en-US" dirty="0"/>
           </a:p>
         </p:txBody>
@@ -1267,7 +1349,7 @@
           <a:p>
             <a:fld id="{6B053770-FD16-42CB-98BB-967786CBD56A}" type="slidenum">
               <a:rPr lang="en-US" smtClean="0"/>
-              <a:t>26</a:t>
+              <a:t>25</a:t>
             </a:fld>
             <a:endParaRPr lang="en-US"/>
           </a:p>
@@ -1276,7 +1358,7 @@
     </p:spTree>
     <p:extLst>
       <p:ext uri="{BB962C8B-B14F-4D97-AF65-F5344CB8AC3E}">
-        <p14:creationId xmlns:p14="http://schemas.microsoft.com/office/powerpoint/2010/main" val="2940614858"/>
+        <p14:creationId xmlns:p14="http://schemas.microsoft.com/office/powerpoint/2010/main" val="2468590306"/>
       </p:ext>
     </p:extLst>
   </p:cSld>
@@ -1330,19 +1412,7 @@
           <a:bodyPr/>
           <a:lstStyle/>
           <a:p>
-            <a:r>
-              <a:rPr lang="en-US" dirty="0"/>
-              <a:t>From this we can see that about 13.2% of borrowers who met the credit underwriting criteria did not fully pay, while for the borrowers who did not meet the credit underwriting criteria about 27.8% did not fully pay.</a:t>
-            </a:r>
-          </a:p>
-          <a:p>
             <a:endParaRPr lang="en-US" dirty="0"/>
-          </a:p>
-          <a:p>
-            <a:r>
-              <a:rPr lang="en-US" dirty="0"/>
-              <a:t>This indicates borrowers who did not meet the credit underwriting criteria were almost twice as likely to be default on their loans than those who did meet the criteria. For comparison, default rates on loans from commercial banks for the same period as our dataset averaged 4.48%, with a maximum default rate of 7.49% default rate towards the end of 2009, according to the St. Louis Federal Reserve Bank.</a:t>
-            </a:r>
           </a:p>
         </p:txBody>
       </p:sp>
@@ -1363,7 +1433,187 @@
           <a:p>
             <a:fld id="{6B053770-FD16-42CB-98BB-967786CBD56A}" type="slidenum">
               <a:rPr lang="en-US" smtClean="0"/>
+              <a:t>26</a:t>
+            </a:fld>
+            <a:endParaRPr lang="en-US"/>
+          </a:p>
+        </p:txBody>
+      </p:sp>
+    </p:spTree>
+    <p:extLst>
+      <p:ext uri="{BB962C8B-B14F-4D97-AF65-F5344CB8AC3E}">
+        <p14:creationId xmlns:p14="http://schemas.microsoft.com/office/powerpoint/2010/main" val="2076041582"/>
+      </p:ext>
+    </p:extLst>
+  </p:cSld>
+  <p:clrMapOvr>
+    <a:masterClrMapping/>
+  </p:clrMapOvr>
+</p:notes>
+</file>
+
+<file path=ppt/notesSlides/notesSlide8.xml><?xml version="1.0" encoding="utf-8"?>
+<p:notes xmlns:a="http://schemas.openxmlformats.org/drawingml/2006/main" xmlns:r="http://schemas.openxmlformats.org/officeDocument/2006/relationships" xmlns:p="http://schemas.openxmlformats.org/presentationml/2006/main">
+  <p:cSld>
+    <p:spTree>
+      <p:nvGrpSpPr>
+        <p:cNvPr id="1" name=""/>
+        <p:cNvGrpSpPr/>
+        <p:nvPr/>
+      </p:nvGrpSpPr>
+      <p:grpSpPr>
+        <a:xfrm>
+          <a:off x="0" y="0"/>
+          <a:ext cx="0" cy="0"/>
+          <a:chOff x="0" y="0"/>
+          <a:chExt cx="0" cy="0"/>
+        </a:xfrm>
+      </p:grpSpPr>
+      <p:sp>
+        <p:nvSpPr>
+          <p:cNvPr id="2" name="Slide Image Placeholder 1"/>
+          <p:cNvSpPr>
+            <a:spLocks noGrp="1" noRot="1" noChangeAspect="1"/>
+          </p:cNvSpPr>
+          <p:nvPr>
+            <p:ph type="sldImg"/>
+          </p:nvPr>
+        </p:nvSpPr>
+        <p:spPr/>
+      </p:sp>
+      <p:sp>
+        <p:nvSpPr>
+          <p:cNvPr id="3" name="Notes Placeholder 2"/>
+          <p:cNvSpPr>
+            <a:spLocks noGrp="1"/>
+          </p:cNvSpPr>
+          <p:nvPr>
+            <p:ph type="body" idx="1"/>
+          </p:nvPr>
+        </p:nvSpPr>
+        <p:spPr/>
+        <p:txBody>
+          <a:bodyPr/>
+          <a:lstStyle/>
+          <a:p>
+            <a:endParaRPr lang="en-US" dirty="0"/>
+          </a:p>
+        </p:txBody>
+      </p:sp>
+      <p:sp>
+        <p:nvSpPr>
+          <p:cNvPr id="4" name="Slide Number Placeholder 3"/>
+          <p:cNvSpPr>
+            <a:spLocks noGrp="1"/>
+          </p:cNvSpPr>
+          <p:nvPr>
+            <p:ph type="sldNum" sz="quarter" idx="5"/>
+          </p:nvPr>
+        </p:nvSpPr>
+        <p:spPr/>
+        <p:txBody>
+          <a:bodyPr/>
+          <a:lstStyle/>
+          <a:p>
+            <a:fld id="{6B053770-FD16-42CB-98BB-967786CBD56A}" type="slidenum">
+              <a:rPr lang="en-US" smtClean="0"/>
               <a:t>27</a:t>
+            </a:fld>
+            <a:endParaRPr lang="en-US"/>
+          </a:p>
+        </p:txBody>
+      </p:sp>
+    </p:spTree>
+    <p:extLst>
+      <p:ext uri="{BB962C8B-B14F-4D97-AF65-F5344CB8AC3E}">
+        <p14:creationId xmlns:p14="http://schemas.microsoft.com/office/powerpoint/2010/main" val="2940614858"/>
+      </p:ext>
+    </p:extLst>
+  </p:cSld>
+  <p:clrMapOvr>
+    <a:masterClrMapping/>
+  </p:clrMapOvr>
+</p:notes>
+</file>
+
+<file path=ppt/notesSlides/notesSlide9.xml><?xml version="1.0" encoding="utf-8"?>
+<p:notes xmlns:a="http://schemas.openxmlformats.org/drawingml/2006/main" xmlns:r="http://schemas.openxmlformats.org/officeDocument/2006/relationships" xmlns:p="http://schemas.openxmlformats.org/presentationml/2006/main">
+  <p:cSld>
+    <p:spTree>
+      <p:nvGrpSpPr>
+        <p:cNvPr id="1" name=""/>
+        <p:cNvGrpSpPr/>
+        <p:nvPr/>
+      </p:nvGrpSpPr>
+      <p:grpSpPr>
+        <a:xfrm>
+          <a:off x="0" y="0"/>
+          <a:ext cx="0" cy="0"/>
+          <a:chOff x="0" y="0"/>
+          <a:chExt cx="0" cy="0"/>
+        </a:xfrm>
+      </p:grpSpPr>
+      <p:sp>
+        <p:nvSpPr>
+          <p:cNvPr id="2" name="Slide Image Placeholder 1"/>
+          <p:cNvSpPr>
+            <a:spLocks noGrp="1" noRot="1" noChangeAspect="1"/>
+          </p:cNvSpPr>
+          <p:nvPr>
+            <p:ph type="sldImg"/>
+          </p:nvPr>
+        </p:nvSpPr>
+        <p:spPr/>
+      </p:sp>
+      <p:sp>
+        <p:nvSpPr>
+          <p:cNvPr id="3" name="Notes Placeholder 2"/>
+          <p:cNvSpPr>
+            <a:spLocks noGrp="1"/>
+          </p:cNvSpPr>
+          <p:nvPr>
+            <p:ph type="body" idx="1"/>
+          </p:nvPr>
+        </p:nvSpPr>
+        <p:spPr/>
+        <p:txBody>
+          <a:bodyPr/>
+          <a:lstStyle/>
+          <a:p>
+            <a:r>
+              <a:rPr lang="en-US" dirty="0"/>
+              <a:t>From this we can see that about 13.2% of borrowers who met the credit underwriting criteria did not fully pay, while for the borrowers who did not meet the credit underwriting criteria about 27.8% did not fully pay.</a:t>
+            </a:r>
+          </a:p>
+          <a:p>
+            <a:endParaRPr lang="en-US" dirty="0"/>
+          </a:p>
+          <a:p>
+            <a:r>
+              <a:rPr lang="en-US" dirty="0"/>
+              <a:t>This indicates borrowers who did not meet the credit underwriting criteria were almost twice as likely to be default on their loans than those who did meet the criteria. For comparison, default rates on loans from commercial banks for the same period as our dataset averaged 4.48%, with a maximum default rate of 7.49% default rate towards the end of 2009, according to the St. Louis Federal Reserve Bank.</a:t>
+            </a:r>
+          </a:p>
+        </p:txBody>
+      </p:sp>
+      <p:sp>
+        <p:nvSpPr>
+          <p:cNvPr id="4" name="Slide Number Placeholder 3"/>
+          <p:cNvSpPr>
+            <a:spLocks noGrp="1"/>
+          </p:cNvSpPr>
+          <p:nvPr>
+            <p:ph type="sldNum" sz="quarter" idx="5"/>
+          </p:nvPr>
+        </p:nvSpPr>
+        <p:spPr/>
+        <p:txBody>
+          <a:bodyPr/>
+          <a:lstStyle/>
+          <a:p>
+            <a:fld id="{6B053770-FD16-42CB-98BB-967786CBD56A}" type="slidenum">
+              <a:rPr lang="en-US" smtClean="0"/>
+              <a:t>28</a:t>
             </a:fld>
             <a:endParaRPr lang="en-US"/>
           </a:p>
@@ -1529,7 +1779,7 @@
           <a:p>
             <a:fld id="{995EAC03-283E-463E-BE2A-0031DB3AD91B}" type="datetimeFigureOut">
               <a:rPr lang="en-US" smtClean="0"/>
-              <a:t>12/10/2022</a:t>
+              <a:t>12/11/2022</a:t>
             </a:fld>
             <a:endParaRPr lang="en-US"/>
           </a:p>
@@ -1727,7 +1977,7 @@
           <a:p>
             <a:fld id="{995EAC03-283E-463E-BE2A-0031DB3AD91B}" type="datetimeFigureOut">
               <a:rPr lang="en-US" smtClean="0"/>
-              <a:t>12/10/2022</a:t>
+              <a:t>12/11/2022</a:t>
             </a:fld>
             <a:endParaRPr lang="en-US"/>
           </a:p>
@@ -1935,7 +2185,7 @@
           <a:p>
             <a:fld id="{995EAC03-283E-463E-BE2A-0031DB3AD91B}" type="datetimeFigureOut">
               <a:rPr lang="en-US" smtClean="0"/>
-              <a:t>12/10/2022</a:t>
+              <a:t>12/11/2022</a:t>
             </a:fld>
             <a:endParaRPr lang="en-US"/>
           </a:p>
@@ -2133,7 +2383,7 @@
           <a:p>
             <a:fld id="{995EAC03-283E-463E-BE2A-0031DB3AD91B}" type="datetimeFigureOut">
               <a:rPr lang="en-US" smtClean="0"/>
-              <a:t>12/10/2022</a:t>
+              <a:t>12/11/2022</a:t>
             </a:fld>
             <a:endParaRPr lang="en-US"/>
           </a:p>
@@ -2408,7 +2658,7 @@
           <a:p>
             <a:fld id="{995EAC03-283E-463E-BE2A-0031DB3AD91B}" type="datetimeFigureOut">
               <a:rPr lang="en-US" smtClean="0"/>
-              <a:t>12/10/2022</a:t>
+              <a:t>12/11/2022</a:t>
             </a:fld>
             <a:endParaRPr lang="en-US"/>
           </a:p>
@@ -2673,7 +2923,7 @@
           <a:p>
             <a:fld id="{995EAC03-283E-463E-BE2A-0031DB3AD91B}" type="datetimeFigureOut">
               <a:rPr lang="en-US" smtClean="0"/>
-              <a:t>12/10/2022</a:t>
+              <a:t>12/11/2022</a:t>
             </a:fld>
             <a:endParaRPr lang="en-US"/>
           </a:p>
@@ -3085,7 +3335,7 @@
           <a:p>
             <a:fld id="{995EAC03-283E-463E-BE2A-0031DB3AD91B}" type="datetimeFigureOut">
               <a:rPr lang="en-US" smtClean="0"/>
-              <a:t>12/10/2022</a:t>
+              <a:t>12/11/2022</a:t>
             </a:fld>
             <a:endParaRPr lang="en-US"/>
           </a:p>
@@ -3226,7 +3476,7 @@
           <a:p>
             <a:fld id="{995EAC03-283E-463E-BE2A-0031DB3AD91B}" type="datetimeFigureOut">
               <a:rPr lang="en-US" smtClean="0"/>
-              <a:t>12/10/2022</a:t>
+              <a:t>12/11/2022</a:t>
             </a:fld>
             <a:endParaRPr lang="en-US"/>
           </a:p>
@@ -3339,7 +3589,7 @@
           <a:p>
             <a:fld id="{995EAC03-283E-463E-BE2A-0031DB3AD91B}" type="datetimeFigureOut">
               <a:rPr lang="en-US" smtClean="0"/>
-              <a:t>12/10/2022</a:t>
+              <a:t>12/11/2022</a:t>
             </a:fld>
             <a:endParaRPr lang="en-US"/>
           </a:p>
@@ -3650,7 +3900,7 @@
           <a:p>
             <a:fld id="{995EAC03-283E-463E-BE2A-0031DB3AD91B}" type="datetimeFigureOut">
               <a:rPr lang="en-US" smtClean="0"/>
-              <a:t>12/10/2022</a:t>
+              <a:t>12/11/2022</a:t>
             </a:fld>
             <a:endParaRPr lang="en-US"/>
           </a:p>
@@ -3938,7 +4188,7 @@
           <a:p>
             <a:fld id="{995EAC03-283E-463E-BE2A-0031DB3AD91B}" type="datetimeFigureOut">
               <a:rPr lang="en-US" smtClean="0"/>
-              <a:t>12/10/2022</a:t>
+              <a:t>12/11/2022</a:t>
             </a:fld>
             <a:endParaRPr lang="en-US"/>
           </a:p>
@@ -4179,7 +4429,7 @@
           <a:p>
             <a:fld id="{995EAC03-283E-463E-BE2A-0031DB3AD91B}" type="datetimeFigureOut">
               <a:rPr lang="en-US" smtClean="0"/>
-              <a:t>12/10/2022</a:t>
+              <a:t>12/11/2022</a:t>
             </a:fld>
             <a:endParaRPr lang="en-US"/>
           </a:p>
@@ -9119,7 +9369,7 @@
           <p:nvPr/>
         </p:nvPicPr>
         <p:blipFill rotWithShape="1">
-          <a:blip r:embed="rId2"/>
+          <a:blip r:embed="rId3"/>
           <a:srcRect t="10770" r="84371" b="20000"/>
           <a:stretch/>
         </p:blipFill>
@@ -9148,7 +9398,7 @@
           <p:nvPr/>
         </p:nvPicPr>
         <p:blipFill rotWithShape="1">
-          <a:blip r:embed="rId2"/>
+          <a:blip r:embed="rId3"/>
           <a:srcRect l="15172"/>
           <a:stretch/>
         </p:blipFill>
@@ -9197,7 +9447,7 @@
                   <a:srgbClr val="002060"/>
                 </a:solidFill>
               </a:rPr>
-              <a:t>Classification Tree – Visual Tree</a:t>
+              <a:t>Classification Tree – Credit Policy</a:t>
             </a:r>
           </a:p>
         </p:txBody>
@@ -9260,7 +9510,7 @@
           <p:nvPr/>
         </p:nvPicPr>
         <p:blipFill>
-          <a:blip r:embed="rId3">
+          <a:blip r:embed="rId4">
             <a:extLst>
               <a:ext uri="{28A0092B-C50C-407E-A947-70E740481C1C}">
                 <a14:useLocalDpi xmlns:a14="http://schemas.microsoft.com/office/drawing/2010/main" val="0"/>
@@ -9273,7 +9523,7 @@
         </p:blipFill>
         <p:spPr>
           <a:xfrm>
-            <a:off x="2895576" y="1691011"/>
+            <a:off x="-1239696" y="7641434"/>
             <a:ext cx="6400847" cy="4572033"/>
           </a:xfrm>
           <a:prstGeom prst="rect">
@@ -9295,8 +9545,8 @@
         </p:nvSpPr>
         <p:spPr>
           <a:xfrm>
-            <a:off x="5389344" y="6078378"/>
-            <a:ext cx="1395895" cy="369332"/>
+            <a:off x="256606" y="2187743"/>
+            <a:ext cx="4465049" cy="4185761"/>
           </a:xfrm>
           <a:prstGeom prst="rect">
             <a:avLst/>
@@ -9304,14 +9554,206 @@
           <a:noFill/>
         </p:spPr>
         <p:txBody>
-          <a:bodyPr wrap="none" rtlCol="0">
+          <a:bodyPr wrap="square" rtlCol="0">
             <a:spAutoFit/>
           </a:bodyPr>
           <a:lstStyle/>
           <a:p>
+            <a:pPr marL="285750" indent="-285750">
+              <a:buFont typeface="Arial" panose="020B0604020202020204" pitchFamily="34" charset="0"/>
+              <a:buChar char="•"/>
+            </a:pPr>
+            <a:r>
+              <a:rPr lang="en-US" sz="1900" b="1" dirty="0"/>
+              <a:t>Tree</a:t>
+            </a:r>
+          </a:p>
+          <a:p>
+            <a:pPr marL="742950" lvl="1" indent="-285750">
+              <a:buFont typeface="Arial" panose="020B0604020202020204" pitchFamily="34" charset="0"/>
+              <a:buChar char="•"/>
+            </a:pPr>
+            <a:r>
+              <a:rPr lang="en-US" sz="1900" dirty="0"/>
+              <a:t>Four variables</a:t>
+            </a:r>
+          </a:p>
+          <a:p>
+            <a:pPr marL="742950" lvl="1" indent="-285750">
+              <a:buFont typeface="Arial" panose="020B0604020202020204" pitchFamily="34" charset="0"/>
+              <a:buChar char="•"/>
+            </a:pPr>
+            <a:r>
+              <a:rPr lang="en-US" sz="1900" dirty="0"/>
+              <a:t>5 splits</a:t>
+            </a:r>
+          </a:p>
+          <a:p>
+            <a:pPr marL="742950" lvl="1" indent="-285750">
+              <a:buFont typeface="Arial" panose="020B0604020202020204" pitchFamily="34" charset="0"/>
+              <a:buChar char="•"/>
+            </a:pPr>
+            <a:endParaRPr lang="en-US" sz="1900" dirty="0"/>
+          </a:p>
+          <a:p>
+            <a:pPr marL="285750" indent="-285750">
+              <a:buFont typeface="Arial" panose="020B0604020202020204" pitchFamily="34" charset="0"/>
+              <a:buChar char="•"/>
+            </a:pPr>
+            <a:r>
+              <a:rPr lang="en-US" sz="1900" b="1" dirty="0"/>
+              <a:t>Confusion Matrix</a:t>
+            </a:r>
+          </a:p>
+          <a:p>
+            <a:pPr marL="742950" lvl="1" indent="-285750">
+              <a:buFont typeface="Arial" panose="020B0604020202020204" pitchFamily="34" charset="0"/>
+              <a:buChar char="•"/>
+            </a:pPr>
+            <a:r>
+              <a:rPr lang="en-US" sz="1900" dirty="0"/>
+              <a:t>Kappa: 0.926</a:t>
+            </a:r>
+          </a:p>
+          <a:p>
+            <a:pPr marL="742950" lvl="1" indent="-285750">
+              <a:buFont typeface="Arial" panose="020B0604020202020204" pitchFamily="34" charset="0"/>
+              <a:buChar char="•"/>
+            </a:pPr>
+            <a:r>
+              <a:rPr lang="en-US" sz="1900" dirty="0"/>
+              <a:t>Sensitivity: 0.899</a:t>
+            </a:r>
+          </a:p>
+          <a:p>
+            <a:pPr marL="742950" lvl="1" indent="-285750">
+              <a:buFont typeface="Arial" panose="020B0604020202020204" pitchFamily="34" charset="0"/>
+              <a:buChar char="•"/>
+            </a:pPr>
+            <a:r>
+              <a:rPr lang="en-US" sz="1900" dirty="0"/>
+              <a:t>Specificity: 0.997</a:t>
+            </a:r>
+          </a:p>
+          <a:p>
+            <a:pPr marL="742950" lvl="1" indent="-285750">
+              <a:buFont typeface="Arial" panose="020B0604020202020204" pitchFamily="34" charset="0"/>
+              <a:buChar char="•"/>
+            </a:pPr>
+            <a:r>
+              <a:rPr lang="en-US" sz="1900" dirty="0"/>
+              <a:t>AUC: 0.953</a:t>
+            </a:r>
+          </a:p>
+          <a:p>
+            <a:pPr marL="285750" indent="-285750">
+              <a:buFont typeface="Arial" panose="020B0604020202020204" pitchFamily="34" charset="0"/>
+              <a:buChar char="•"/>
+            </a:pPr>
+            <a:endParaRPr lang="en-US" sz="1900" dirty="0"/>
+          </a:p>
+          <a:p>
+            <a:pPr marL="285750" indent="-285750">
+              <a:buFont typeface="Arial" panose="020B0604020202020204" pitchFamily="34" charset="0"/>
+              <a:buChar char="•"/>
+            </a:pPr>
+            <a:r>
+              <a:rPr lang="en-US" sz="1900" b="1" dirty="0"/>
+              <a:t>Predictions vs Actual</a:t>
+            </a:r>
+          </a:p>
+          <a:p>
+            <a:pPr marL="742950" lvl="1" indent="-285750">
+              <a:buFont typeface="Arial" panose="020B0604020202020204" pitchFamily="34" charset="0"/>
+              <a:buChar char="•"/>
+            </a:pPr>
+            <a:r>
+              <a:rPr lang="en-US" sz="1900" dirty="0"/>
+              <a:t>1677/1868 true negatives (Fails)</a:t>
+            </a:r>
+          </a:p>
+          <a:p>
+            <a:pPr marL="742950" lvl="1" indent="-285750">
+              <a:buFont typeface="Arial" panose="020B0604020202020204" pitchFamily="34" charset="0"/>
+              <a:buChar char="•"/>
+            </a:pPr>
+            <a:r>
+              <a:rPr lang="en-US" sz="1900" dirty="0"/>
+              <a:t>7686/7710 true positives (Meets)</a:t>
+            </a:r>
+          </a:p>
+          <a:p>
+            <a:endParaRPr lang="en-US" sz="1900" dirty="0"/>
+          </a:p>
+        </p:txBody>
+      </p:sp>
+      <p:pic>
+        <p:nvPicPr>
+          <p:cNvPr id="8" name="Picture 7" descr="Diagram&#10;&#10;Description automatically generated with medium confidence">
+            <a:extLst>
+              <a:ext uri="{FF2B5EF4-FFF2-40B4-BE49-F238E27FC236}">
+                <a16:creationId xmlns:a16="http://schemas.microsoft.com/office/drawing/2014/main" id="{62EEE40D-1127-949A-7E32-45025E7A8021}"/>
+              </a:ext>
+            </a:extLst>
+          </p:cNvPr>
+          <p:cNvPicPr>
+            <a:picLocks noChangeAspect="1"/>
+          </p:cNvPicPr>
+          <p:nvPr/>
+        </p:nvPicPr>
+        <p:blipFill>
+          <a:blip r:embed="rId5">
+            <a:extLst>
+              <a:ext uri="{28A0092B-C50C-407E-A947-70E740481C1C}">
+                <a14:useLocalDpi xmlns:a14="http://schemas.microsoft.com/office/drawing/2010/main" val="0"/>
+              </a:ext>
+            </a:extLst>
+          </a:blip>
+          <a:stretch>
+            <a:fillRect/>
+          </a:stretch>
+        </p:blipFill>
+        <p:spPr>
+          <a:xfrm>
+            <a:off x="4421031" y="1391408"/>
+            <a:ext cx="7583080" cy="5416485"/>
+          </a:xfrm>
+          <a:prstGeom prst="rect">
+            <a:avLst/>
+          </a:prstGeom>
+        </p:spPr>
+      </p:pic>
+      <p:sp>
+        <p:nvSpPr>
+          <p:cNvPr id="13" name="TextBox 12">
+            <a:extLst>
+              <a:ext uri="{FF2B5EF4-FFF2-40B4-BE49-F238E27FC236}">
+                <a16:creationId xmlns:a16="http://schemas.microsoft.com/office/drawing/2014/main" id="{49BAB6AF-47C0-476A-3F2B-9D5A37330C88}"/>
+              </a:ext>
+            </a:extLst>
+          </p:cNvPr>
+          <p:cNvSpPr txBox="1"/>
+          <p:nvPr/>
+        </p:nvSpPr>
+        <p:spPr>
+          <a:xfrm>
+            <a:off x="5680881" y="7827328"/>
+            <a:ext cx="6093724" cy="1200329"/>
+          </a:xfrm>
+          <a:prstGeom prst="rect">
+            <a:avLst/>
+          </a:prstGeom>
+          <a:noFill/>
+        </p:spPr>
+        <p:txBody>
+          <a:bodyPr wrap="square">
+            <a:spAutoFit/>
+          </a:bodyPr>
+          <a:lstStyle/>
+          <a:p>
             <a:r>
               <a:rPr lang="en-US" dirty="0"/>
-              <a:t>Kappa = 0.83</a:t>
+              <a:t>The kappa coefficient measures the agreement between classification and truth values. A kappa value of 1 represents perfect agreement, while a value of 0 represents no agreement.</a:t>
             </a:r>
           </a:p>
         </p:txBody>
@@ -9439,7 +9881,7 @@
                   <a:srgbClr val="002060"/>
                 </a:solidFill>
               </a:rPr>
-              <a:t>Classification Tree – Confusion Matrix</a:t>
+              <a:t>Classification Tree – Not Fully Paid</a:t>
             </a:r>
           </a:p>
         </p:txBody>
@@ -9489,10 +9931,10 @@
       </p:cxnSp>
       <p:pic>
         <p:nvPicPr>
-          <p:cNvPr id="3" name="Picture 2">
-            <a:extLst>
-              <a:ext uri="{FF2B5EF4-FFF2-40B4-BE49-F238E27FC236}">
-                <a16:creationId xmlns:a16="http://schemas.microsoft.com/office/drawing/2014/main" id="{53197530-2E14-923C-E337-E1922138DA0D}"/>
+          <p:cNvPr id="3" name="Picture 2" descr="Diagram&#10;&#10;Description automatically generated">
+            <a:extLst>
+              <a:ext uri="{FF2B5EF4-FFF2-40B4-BE49-F238E27FC236}">
+                <a16:creationId xmlns:a16="http://schemas.microsoft.com/office/drawing/2014/main" id="{01B57A88-251B-9A39-CD97-C0909F551BD7}"/>
               </a:ext>
             </a:extLst>
           </p:cNvPr>
@@ -9502,15 +9944,258 @@
           <p:nvPr/>
         </p:nvPicPr>
         <p:blipFill>
-          <a:blip r:embed="rId4"/>
+          <a:blip r:embed="rId4">
+            <a:extLst>
+              <a:ext uri="{28A0092B-C50C-407E-A947-70E740481C1C}">
+                <a14:useLocalDpi xmlns:a14="http://schemas.microsoft.com/office/drawing/2010/main" val="0"/>
+              </a:ext>
+            </a:extLst>
+          </a:blip>
           <a:stretch>
             <a:fillRect/>
           </a:stretch>
         </p:blipFill>
         <p:spPr>
           <a:xfrm>
-            <a:off x="4216303" y="1488409"/>
-            <a:ext cx="3759393" cy="5340624"/>
+            <a:off x="-1239696" y="7641434"/>
+            <a:ext cx="6400847" cy="4572033"/>
+          </a:xfrm>
+          <a:prstGeom prst="rect">
+            <a:avLst/>
+          </a:prstGeom>
+        </p:spPr>
+      </p:pic>
+      <p:sp>
+        <p:nvSpPr>
+          <p:cNvPr id="2" name="TextBox 1">
+            <a:extLst>
+              <a:ext uri="{FF2B5EF4-FFF2-40B4-BE49-F238E27FC236}">
+                <a16:creationId xmlns:a16="http://schemas.microsoft.com/office/drawing/2014/main" id="{769B97F2-949C-6AED-5947-79C707840323}"/>
+              </a:ext>
+            </a:extLst>
+          </p:cNvPr>
+          <p:cNvSpPr txBox="1"/>
+          <p:nvPr/>
+        </p:nvSpPr>
+        <p:spPr>
+          <a:xfrm>
+            <a:off x="256606" y="2187743"/>
+            <a:ext cx="4465049" cy="4478149"/>
+          </a:xfrm>
+          <a:prstGeom prst="rect">
+            <a:avLst/>
+          </a:prstGeom>
+          <a:noFill/>
+        </p:spPr>
+        <p:txBody>
+          <a:bodyPr wrap="square" rtlCol="0">
+            <a:spAutoFit/>
+          </a:bodyPr>
+          <a:lstStyle/>
+          <a:p>
+            <a:pPr marL="285750" indent="-285750">
+              <a:buFont typeface="Arial" panose="020B0604020202020204" pitchFamily="34" charset="0"/>
+              <a:buChar char="•"/>
+            </a:pPr>
+            <a:r>
+              <a:rPr lang="en-US" sz="1900" b="1" dirty="0"/>
+              <a:t>Tree</a:t>
+            </a:r>
+          </a:p>
+          <a:p>
+            <a:pPr marL="742950" lvl="1" indent="-285750">
+              <a:buFont typeface="Arial" panose="020B0604020202020204" pitchFamily="34" charset="0"/>
+              <a:buChar char="•"/>
+            </a:pPr>
+            <a:r>
+              <a:rPr lang="en-US" sz="1900" dirty="0"/>
+              <a:t>CP forced to .001</a:t>
+            </a:r>
+          </a:p>
+          <a:p>
+            <a:pPr marL="742950" lvl="1" indent="-285750">
+              <a:buFont typeface="Arial" panose="020B0604020202020204" pitchFamily="34" charset="0"/>
+              <a:buChar char="•"/>
+            </a:pPr>
+            <a:r>
+              <a:rPr lang="en-US" sz="1900" dirty="0"/>
+              <a:t>Four variables</a:t>
+            </a:r>
+          </a:p>
+          <a:p>
+            <a:pPr marL="742950" lvl="1" indent="-285750">
+              <a:buFont typeface="Arial" panose="020B0604020202020204" pitchFamily="34" charset="0"/>
+              <a:buChar char="•"/>
+            </a:pPr>
+            <a:r>
+              <a:rPr lang="en-US" sz="1900" dirty="0"/>
+              <a:t>4 splits</a:t>
+            </a:r>
+          </a:p>
+          <a:p>
+            <a:pPr marL="742950" lvl="1" indent="-285750">
+              <a:buFont typeface="Arial" panose="020B0604020202020204" pitchFamily="34" charset="0"/>
+              <a:buChar char="•"/>
+            </a:pPr>
+            <a:endParaRPr lang="en-US" sz="1900" dirty="0"/>
+          </a:p>
+          <a:p>
+            <a:pPr marL="285750" indent="-285750">
+              <a:buFont typeface="Arial" panose="020B0604020202020204" pitchFamily="34" charset="0"/>
+              <a:buChar char="•"/>
+            </a:pPr>
+            <a:r>
+              <a:rPr lang="en-US" sz="1900" b="1" dirty="0"/>
+              <a:t>Confusion Matrix</a:t>
+            </a:r>
+          </a:p>
+          <a:p>
+            <a:pPr marL="742950" lvl="1" indent="-285750">
+              <a:buFont typeface="Arial" panose="020B0604020202020204" pitchFamily="34" charset="0"/>
+              <a:buChar char="•"/>
+            </a:pPr>
+            <a:r>
+              <a:rPr lang="en-US" sz="1900" dirty="0"/>
+              <a:t>Sensitivity: 0.999</a:t>
+            </a:r>
+          </a:p>
+          <a:p>
+            <a:pPr marL="742950" lvl="1" indent="-285750">
+              <a:buFont typeface="Arial" panose="020B0604020202020204" pitchFamily="34" charset="0"/>
+              <a:buChar char="•"/>
+            </a:pPr>
+            <a:r>
+              <a:rPr lang="en-US" sz="1900" dirty="0"/>
+              <a:t>Specificity: 0.013</a:t>
+            </a:r>
+          </a:p>
+          <a:p>
+            <a:pPr marL="742950" lvl="1" indent="-285750">
+              <a:buFont typeface="Arial" panose="020B0604020202020204" pitchFamily="34" charset="0"/>
+              <a:buChar char="•"/>
+            </a:pPr>
+            <a:r>
+              <a:rPr lang="en-US" sz="1900" dirty="0"/>
+              <a:t>AUC: 0.59</a:t>
+            </a:r>
+          </a:p>
+          <a:p>
+            <a:pPr marL="742950" lvl="1" indent="-285750">
+              <a:buFont typeface="Arial" panose="020B0604020202020204" pitchFamily="34" charset="0"/>
+              <a:buChar char="•"/>
+            </a:pPr>
+            <a:r>
+              <a:rPr lang="en-US" sz="1900" dirty="0"/>
+              <a:t>Kappa: 0.019</a:t>
+            </a:r>
+          </a:p>
+          <a:p>
+            <a:pPr marL="285750" indent="-285750">
+              <a:buFont typeface="Arial" panose="020B0604020202020204" pitchFamily="34" charset="0"/>
+              <a:buChar char="•"/>
+            </a:pPr>
+            <a:endParaRPr lang="en-US" sz="1900" dirty="0"/>
+          </a:p>
+          <a:p>
+            <a:pPr marL="285750" indent="-285750">
+              <a:buFont typeface="Arial" panose="020B0604020202020204" pitchFamily="34" charset="0"/>
+              <a:buChar char="•"/>
+            </a:pPr>
+            <a:r>
+              <a:rPr lang="en-US" sz="1900" b="1" dirty="0"/>
+              <a:t>Predictions vs Actual</a:t>
+            </a:r>
+          </a:p>
+          <a:p>
+            <a:pPr marL="742950" lvl="1" indent="-285750">
+              <a:buFont typeface="Arial" panose="020B0604020202020204" pitchFamily="34" charset="0"/>
+              <a:buChar char="•"/>
+            </a:pPr>
+            <a:r>
+              <a:rPr lang="en-US" sz="1900" dirty="0"/>
+              <a:t>1677/1868 true negatives (Fails)</a:t>
+            </a:r>
+          </a:p>
+          <a:p>
+            <a:pPr marL="742950" lvl="1" indent="-285750">
+              <a:buFont typeface="Arial" panose="020B0604020202020204" pitchFamily="34" charset="0"/>
+              <a:buChar char="•"/>
+            </a:pPr>
+            <a:r>
+              <a:rPr lang="en-US" sz="1900" dirty="0"/>
+              <a:t>7686/7710 true positives (Meets)</a:t>
+            </a:r>
+          </a:p>
+          <a:p>
+            <a:endParaRPr lang="en-US" sz="1900" dirty="0"/>
+          </a:p>
+        </p:txBody>
+      </p:sp>
+      <p:sp>
+        <p:nvSpPr>
+          <p:cNvPr id="13" name="TextBox 12">
+            <a:extLst>
+              <a:ext uri="{FF2B5EF4-FFF2-40B4-BE49-F238E27FC236}">
+                <a16:creationId xmlns:a16="http://schemas.microsoft.com/office/drawing/2014/main" id="{49BAB6AF-47C0-476A-3F2B-9D5A37330C88}"/>
+              </a:ext>
+            </a:extLst>
+          </p:cNvPr>
+          <p:cNvSpPr txBox="1"/>
+          <p:nvPr/>
+        </p:nvSpPr>
+        <p:spPr>
+          <a:xfrm>
+            <a:off x="5680881" y="7827328"/>
+            <a:ext cx="6093724" cy="1200329"/>
+          </a:xfrm>
+          <a:prstGeom prst="rect">
+            <a:avLst/>
+          </a:prstGeom>
+          <a:noFill/>
+        </p:spPr>
+        <p:txBody>
+          <a:bodyPr wrap="square">
+            <a:spAutoFit/>
+          </a:bodyPr>
+          <a:lstStyle/>
+          <a:p>
+            <a:r>
+              <a:rPr lang="en-US" dirty="0"/>
+              <a:t>The kappa coefficient measures the agreement between classification and truth values. A kappa value of 1 represents perfect agreement, while a value of 0 represents no agreement.</a:t>
+            </a:r>
+          </a:p>
+        </p:txBody>
+      </p:sp>
+      <p:pic>
+        <p:nvPicPr>
+          <p:cNvPr id="10" name="Picture 9" descr="Diagram&#10;&#10;Description automatically generated">
+            <a:extLst>
+              <a:ext uri="{FF2B5EF4-FFF2-40B4-BE49-F238E27FC236}">
+                <a16:creationId xmlns:a16="http://schemas.microsoft.com/office/drawing/2014/main" id="{0283BF2E-A5A2-36CC-3357-79E13565A520}"/>
+              </a:ext>
+            </a:extLst>
+          </p:cNvPr>
+          <p:cNvPicPr>
+            <a:picLocks noChangeAspect="1"/>
+          </p:cNvPicPr>
+          <p:nvPr/>
+        </p:nvPicPr>
+        <p:blipFill>
+          <a:blip r:embed="rId5">
+            <a:extLst>
+              <a:ext uri="{28A0092B-C50C-407E-A947-70E740481C1C}">
+                <a14:useLocalDpi xmlns:a14="http://schemas.microsoft.com/office/drawing/2010/main" val="0"/>
+              </a:ext>
+            </a:extLst>
+          </a:blip>
+          <a:stretch>
+            <a:fillRect/>
+          </a:stretch>
+        </p:blipFill>
+        <p:spPr>
+          <a:xfrm>
+            <a:off x="4845661" y="1497882"/>
+            <a:ext cx="7346339" cy="5247384"/>
           </a:xfrm>
           <a:prstGeom prst="rect">
             <a:avLst/>
@@ -9520,7 +10205,7 @@
     </p:spTree>
     <p:extLst>
       <p:ext uri="{BB962C8B-B14F-4D97-AF65-F5344CB8AC3E}">
-        <p14:creationId xmlns:p14="http://schemas.microsoft.com/office/powerpoint/2010/main" val="1751695005"/>
+        <p14:creationId xmlns:p14="http://schemas.microsoft.com/office/powerpoint/2010/main" val="3469126214"/>
       </p:ext>
     </p:extLst>
   </p:cSld>
@@ -9640,6 +10325,207 @@
                   <a:srgbClr val="002060"/>
                 </a:solidFill>
               </a:rPr>
+              <a:t>Classification Tree – Confusion Matrix</a:t>
+            </a:r>
+          </a:p>
+        </p:txBody>
+      </p:sp>
+      <p:cxnSp>
+        <p:nvCxnSpPr>
+          <p:cNvPr id="9" name="Straight Connector 8">
+            <a:extLst>
+              <a:ext uri="{FF2B5EF4-FFF2-40B4-BE49-F238E27FC236}">
+                <a16:creationId xmlns:a16="http://schemas.microsoft.com/office/drawing/2014/main" id="{450EE6D2-7381-B11A-A20A-0D5D0904DD35}"/>
+              </a:ext>
+            </a:extLst>
+          </p:cNvPr>
+          <p:cNvCxnSpPr>
+            <a:cxnSpLocks/>
+          </p:cNvCxnSpPr>
+          <p:nvPr/>
+        </p:nvCxnSpPr>
+        <p:spPr>
+          <a:xfrm>
+            <a:off x="757647" y="1332033"/>
+            <a:ext cx="10659291" cy="0"/>
+          </a:xfrm>
+          <a:prstGeom prst="line">
+            <a:avLst/>
+          </a:prstGeom>
+          <a:ln w="57150">
+            <a:solidFill>
+              <a:srgbClr val="002060"/>
+            </a:solidFill>
+          </a:ln>
+        </p:spPr>
+        <p:style>
+          <a:lnRef idx="1">
+            <a:schemeClr val="accent1"/>
+          </a:lnRef>
+          <a:fillRef idx="0">
+            <a:schemeClr val="accent1"/>
+          </a:fillRef>
+          <a:effectRef idx="0">
+            <a:schemeClr val="accent1"/>
+          </a:effectRef>
+          <a:fontRef idx="minor">
+            <a:schemeClr val="tx1"/>
+          </a:fontRef>
+        </p:style>
+      </p:cxnSp>
+      <p:pic>
+        <p:nvPicPr>
+          <p:cNvPr id="3" name="Picture 2">
+            <a:extLst>
+              <a:ext uri="{FF2B5EF4-FFF2-40B4-BE49-F238E27FC236}">
+                <a16:creationId xmlns:a16="http://schemas.microsoft.com/office/drawing/2014/main" id="{53197530-2E14-923C-E337-E1922138DA0D}"/>
+              </a:ext>
+            </a:extLst>
+          </p:cNvPr>
+          <p:cNvPicPr>
+            <a:picLocks noChangeAspect="1"/>
+          </p:cNvPicPr>
+          <p:nvPr/>
+        </p:nvPicPr>
+        <p:blipFill>
+          <a:blip r:embed="rId4"/>
+          <a:stretch>
+            <a:fillRect/>
+          </a:stretch>
+        </p:blipFill>
+        <p:spPr>
+          <a:xfrm>
+            <a:off x="4216303" y="1488409"/>
+            <a:ext cx="3759393" cy="5340624"/>
+          </a:xfrm>
+          <a:prstGeom prst="rect">
+            <a:avLst/>
+          </a:prstGeom>
+        </p:spPr>
+      </p:pic>
+    </p:spTree>
+    <p:extLst>
+      <p:ext uri="{BB962C8B-B14F-4D97-AF65-F5344CB8AC3E}">
+        <p14:creationId xmlns:p14="http://schemas.microsoft.com/office/powerpoint/2010/main" val="1751695005"/>
+      </p:ext>
+    </p:extLst>
+  </p:cSld>
+  <p:clrMapOvr>
+    <a:masterClrMapping/>
+  </p:clrMapOvr>
+</p:sld>
+</file>
+
+<file path=ppt/slides/slide27.xml><?xml version="1.0" encoding="utf-8"?>
+<p:sld xmlns:a="http://schemas.openxmlformats.org/drawingml/2006/main" xmlns:r="http://schemas.openxmlformats.org/officeDocument/2006/relationships" xmlns:p="http://schemas.openxmlformats.org/presentationml/2006/main">
+  <p:cSld>
+    <p:spTree>
+      <p:nvGrpSpPr>
+        <p:cNvPr id="1" name=""/>
+        <p:cNvGrpSpPr/>
+        <p:nvPr/>
+      </p:nvGrpSpPr>
+      <p:grpSpPr>
+        <a:xfrm>
+          <a:off x="0" y="0"/>
+          <a:ext cx="0" cy="0"/>
+          <a:chOff x="0" y="0"/>
+          <a:chExt cx="0" cy="0"/>
+        </a:xfrm>
+      </p:grpSpPr>
+      <p:pic>
+        <p:nvPicPr>
+          <p:cNvPr id="5" name="Picture 4">
+            <a:extLst>
+              <a:ext uri="{FF2B5EF4-FFF2-40B4-BE49-F238E27FC236}">
+                <a16:creationId xmlns:a16="http://schemas.microsoft.com/office/drawing/2014/main" id="{558453F9-F3C1-EDA3-6D83-43170A158A07}"/>
+              </a:ext>
+            </a:extLst>
+          </p:cNvPr>
+          <p:cNvPicPr>
+            <a:picLocks noChangeAspect="1"/>
+          </p:cNvPicPr>
+          <p:nvPr/>
+        </p:nvPicPr>
+        <p:blipFill rotWithShape="1">
+          <a:blip r:embed="rId3"/>
+          <a:srcRect t="10770" r="84371" b="20000"/>
+          <a:stretch/>
+        </p:blipFill>
+        <p:spPr>
+          <a:xfrm>
+            <a:off x="0" y="0"/>
+            <a:ext cx="1073997" cy="1175657"/>
+          </a:xfrm>
+          <a:prstGeom prst="rect">
+            <a:avLst/>
+          </a:prstGeom>
+        </p:spPr>
+      </p:pic>
+      <p:pic>
+        <p:nvPicPr>
+          <p:cNvPr id="6" name="Picture 5">
+            <a:extLst>
+              <a:ext uri="{FF2B5EF4-FFF2-40B4-BE49-F238E27FC236}">
+                <a16:creationId xmlns:a16="http://schemas.microsoft.com/office/drawing/2014/main" id="{CE1484BB-74DC-9E65-B32D-BE5FE2E385CD}"/>
+              </a:ext>
+            </a:extLst>
+          </p:cNvPr>
+          <p:cNvPicPr>
+            <a:picLocks noChangeAspect="1"/>
+          </p:cNvPicPr>
+          <p:nvPr/>
+        </p:nvPicPr>
+        <p:blipFill rotWithShape="1">
+          <a:blip r:embed="rId3"/>
+          <a:srcRect l="15172"/>
+          <a:stretch/>
+        </p:blipFill>
+        <p:spPr>
+          <a:xfrm>
+            <a:off x="9949987" y="0"/>
+            <a:ext cx="2242014" cy="653143"/>
+          </a:xfrm>
+          <a:prstGeom prst="rect">
+            <a:avLst/>
+          </a:prstGeom>
+        </p:spPr>
+      </p:pic>
+      <p:sp>
+        <p:nvSpPr>
+          <p:cNvPr id="7" name="TextBox 6">
+            <a:extLst>
+              <a:ext uri="{FF2B5EF4-FFF2-40B4-BE49-F238E27FC236}">
+                <a16:creationId xmlns:a16="http://schemas.microsoft.com/office/drawing/2014/main" id="{9EECCCD9-8AD5-9916-BC29-771066C9EE70}"/>
+              </a:ext>
+            </a:extLst>
+          </p:cNvPr>
+          <p:cNvSpPr txBox="1"/>
+          <p:nvPr/>
+        </p:nvSpPr>
+        <p:spPr>
+          <a:xfrm>
+            <a:off x="1" y="470259"/>
+            <a:ext cx="12192000" cy="861774"/>
+          </a:xfrm>
+          <a:prstGeom prst="rect">
+            <a:avLst/>
+          </a:prstGeom>
+          <a:noFill/>
+        </p:spPr>
+        <p:txBody>
+          <a:bodyPr wrap="square" rtlCol="0">
+            <a:spAutoFit/>
+          </a:bodyPr>
+          <a:lstStyle/>
+          <a:p>
+            <a:pPr algn="ctr"/>
+            <a:r>
+              <a:rPr lang="en-US" sz="5000" b="1" dirty="0">
+                <a:solidFill>
+                  <a:srgbClr val="002060"/>
+                </a:solidFill>
+              </a:rPr>
               <a:t>Classification Tree – ROC Curve</a:t>
             </a:r>
           </a:p>
@@ -9772,7 +10658,7 @@
 </p:sld>
 </file>
 
-<file path=ppt/slides/slide27.xml><?xml version="1.0" encoding="utf-8"?>
+<file path=ppt/slides/slide28.xml><?xml version="1.0" encoding="utf-8"?>
 <p:sld xmlns:a="http://schemas.openxmlformats.org/drawingml/2006/main" xmlns:r="http://schemas.openxmlformats.org/officeDocument/2006/relationships" xmlns:p="http://schemas.openxmlformats.org/presentationml/2006/main">
   <p:cSld>
     <p:spTree>
@@ -10513,7 +11399,7 @@
 </p:sld>
 </file>
 
-<file path=ppt/slides/slide28.xml><?xml version="1.0" encoding="utf-8"?>
+<file path=ppt/slides/slide29.xml><?xml version="1.0" encoding="utf-8"?>
 <p:sld xmlns:a="http://schemas.openxmlformats.org/drawingml/2006/main" xmlns:r="http://schemas.openxmlformats.org/officeDocument/2006/relationships" xmlns:p="http://schemas.openxmlformats.org/presentationml/2006/main">
   <p:cSld>
     <p:bg>

--- a/Project2/EDA_LendingClub_Slides - Project 2.pptx
+++ b/Project2/EDA_LendingClub_Slides - Project 2.pptx
@@ -5,7 +5,7 @@
     <p:sldMasterId id="2147483648" r:id="rId1"/>
   </p:sldMasterIdLst>
   <p:notesMasterIdLst>
-    <p:notesMasterId r:id="rId31"/>
+    <p:notesMasterId r:id="rId29"/>
   </p:notesMasterIdLst>
   <p:sldIdLst>
     <p:sldId id="257" r:id="rId2"/>
@@ -33,10 +33,8 @@
     <p:sldId id="301" r:id="rId24"/>
     <p:sldId id="297" r:id="rId25"/>
     <p:sldId id="315" r:id="rId26"/>
-    <p:sldId id="298" r:id="rId27"/>
-    <p:sldId id="302" r:id="rId28"/>
-    <p:sldId id="268" r:id="rId29"/>
-    <p:sldId id="263" r:id="rId30"/>
+    <p:sldId id="268" r:id="rId27"/>
+    <p:sldId id="263" r:id="rId28"/>
   </p:sldIdLst>
   <p:sldSz cx="12192000" cy="6858000"/>
   <p:notesSz cx="6858000" cy="9144000"/>
@@ -1163,39 +1161,6 @@
           <a:bodyPr/>
           <a:lstStyle/>
           <a:p>
-            <a:r>
-              <a:rPr lang="en-US" dirty="0"/>
-              <a:t>Explain tree:</a:t>
-            </a:r>
-          </a:p>
-          <a:p>
-            <a:endParaRPr lang="en-US" dirty="0"/>
-          </a:p>
-          <a:p>
-            <a:r>
-              <a:rPr lang="en-US" dirty="0"/>
-              <a:t>Confusion Matrix:</a:t>
-            </a:r>
-          </a:p>
-          <a:p>
-            <a:r>
-              <a:rPr lang="en-US" dirty="0"/>
-              <a:t>The high area under ROC curve, sensitivity, and specificity values indicate a favorable ROC curve and a favorable model. </a:t>
-            </a:r>
-          </a:p>
-          <a:p>
-            <a:r>
-              <a:rPr lang="en-US" dirty="0"/>
-              <a:t>Based on the Kappa statistic of 0.93 we would evaluate this classifier as almost perfect agreement.</a:t>
-            </a:r>
-          </a:p>
-          <a:p>
-            <a:endParaRPr lang="en-US" dirty="0"/>
-          </a:p>
-          <a:p>
-            <a:endParaRPr lang="en-US" dirty="0"/>
-          </a:p>
-          <a:p>
             <a:endParaRPr lang="en-US" dirty="0"/>
           </a:p>
         </p:txBody>
@@ -1217,7 +1182,7 @@
           <a:p>
             <a:fld id="{6B053770-FD16-42CB-98BB-967786CBD56A}" type="slidenum">
               <a:rPr lang="en-US" smtClean="0"/>
-              <a:t>24</a:t>
+              <a:t>22</a:t>
             </a:fld>
             <a:endParaRPr lang="en-US"/>
           </a:p>
@@ -1226,7 +1191,7 @@
     </p:spTree>
     <p:extLst>
       <p:ext uri="{BB962C8B-B14F-4D97-AF65-F5344CB8AC3E}">
-        <p14:creationId xmlns:p14="http://schemas.microsoft.com/office/powerpoint/2010/main" val="2295492974"/>
+        <p14:creationId xmlns:p14="http://schemas.microsoft.com/office/powerpoint/2010/main" val="2245145525"/>
       </p:ext>
     </p:extLst>
   </p:cSld>
@@ -1289,21 +1254,32 @@
             <a:endParaRPr lang="en-US" dirty="0"/>
           </a:p>
           <a:p>
-            <a:endParaRPr lang="en-US" dirty="0"/>
-          </a:p>
-          <a:p>
             <a:r>
               <a:rPr lang="en-US" dirty="0"/>
               <a:t>Confusion Matrix:</a:t>
             </a:r>
           </a:p>
           <a:p>
+            <a:r>
+              <a:rPr lang="en-US" dirty="0"/>
+              <a:t>The sensitivity value indicates the test can fairly reliably detect loans that meet the credit policy</a:t>
+            </a:r>
+          </a:p>
+          <a:p>
+            <a:r>
+              <a:rPr lang="en-US" dirty="0"/>
+              <a:t>The specificity value indicates the test can fairly reliably detect loans that fail to meet the </a:t>
+            </a:r>
+            <a:r>
+              <a:rPr lang="en-US"/>
+              <a:t>credit policy</a:t>
+            </a:r>
             <a:endParaRPr lang="en-US" dirty="0"/>
           </a:p>
           <a:p>
             <a:r>
               <a:rPr lang="en-US" dirty="0"/>
-              <a:t>Low area under ROC curve indicates the model has little to no ability to discriminate between Paid and Unpaid classes.</a:t>
+              <a:t>These high values, as well as the high area under the ROC curve value, indicate a favorable ROC curve and a favorable model. The very high kappa value of .926 suggests there is a high degree of agreement between the predicted values and the actual values. </a:t>
             </a:r>
           </a:p>
           <a:p>
@@ -1313,13 +1289,59 @@
             <a:endParaRPr lang="en-US" dirty="0"/>
           </a:p>
           <a:p>
-            <a:r>
-              <a:rPr lang="en-US" dirty="0"/>
-              <a:t>Based on the extremely low Kappa statistic of .019, there is nearly no agreement between the predictive model and the actual data. </a:t>
-            </a:r>
-          </a:p>
-          <a:p>
             <a:endParaRPr lang="en-US" dirty="0"/>
+          </a:p>
+          <a:p>
+            <a:pPr algn="l">
+              <a:buFont typeface="Arial" panose="020B0604020202020204" pitchFamily="34" charset="0"/>
+              <a:buChar char="•"/>
+            </a:pPr>
+            <a:r>
+              <a:rPr lang="en-US" b="1" i="0" dirty="0">
+                <a:solidFill>
+                  <a:srgbClr val="202122"/>
+                </a:solidFill>
+                <a:effectLst/>
+                <a:latin typeface="Arial" panose="020B0604020202020204" pitchFamily="34" charset="0"/>
+              </a:rPr>
+              <a:t>Sensitivity</a:t>
+            </a:r>
+            <a:r>
+              <a:rPr lang="en-US" b="0" i="0" dirty="0">
+                <a:solidFill>
+                  <a:srgbClr val="202122"/>
+                </a:solidFill>
+                <a:effectLst/>
+                <a:latin typeface="Arial" panose="020B0604020202020204" pitchFamily="34" charset="0"/>
+              </a:rPr>
+              <a:t> (true positive rate) refers to the probability of a positive test, conditioned on truly being positive.</a:t>
+            </a:r>
+          </a:p>
+          <a:p>
+            <a:pPr algn="l">
+              <a:buFont typeface="Arial" panose="020B0604020202020204" pitchFamily="34" charset="0"/>
+              <a:buChar char="•"/>
+            </a:pPr>
+            <a:r>
+              <a:rPr lang="en-US" b="1" i="0" dirty="0">
+                <a:solidFill>
+                  <a:srgbClr val="202122"/>
+                </a:solidFill>
+                <a:effectLst/>
+                <a:latin typeface="Arial" panose="020B0604020202020204" pitchFamily="34" charset="0"/>
+              </a:rPr>
+              <a:t>Specificity</a:t>
+            </a:r>
+            <a:r>
+              <a:rPr lang="en-US" b="0" i="0" dirty="0">
+                <a:solidFill>
+                  <a:srgbClr val="202122"/>
+                </a:solidFill>
+                <a:effectLst/>
+                <a:latin typeface="Arial" panose="020B0604020202020204" pitchFamily="34" charset="0"/>
+              </a:rPr>
+              <a:t> (true negative rate) refers to the probability of a negative test, conditioned on truly being negative.</a:t>
+            </a:r>
           </a:p>
           <a:p>
             <a:endParaRPr lang="en-US" dirty="0"/>
@@ -1349,7 +1371,7 @@
           <a:p>
             <a:fld id="{6B053770-FD16-42CB-98BB-967786CBD56A}" type="slidenum">
               <a:rPr lang="en-US" smtClean="0"/>
-              <a:t>25</a:t>
+              <a:t>24</a:t>
             </a:fld>
             <a:endParaRPr lang="en-US"/>
           </a:p>
@@ -1358,7 +1380,7 @@
     </p:spTree>
     <p:extLst>
       <p:ext uri="{BB962C8B-B14F-4D97-AF65-F5344CB8AC3E}">
-        <p14:creationId xmlns:p14="http://schemas.microsoft.com/office/powerpoint/2010/main" val="2468590306"/>
+        <p14:creationId xmlns:p14="http://schemas.microsoft.com/office/powerpoint/2010/main" val="2295492974"/>
       </p:ext>
     </p:extLst>
   </p:cSld>
@@ -1412,6 +1434,113 @@
           <a:bodyPr/>
           <a:lstStyle/>
           <a:p>
+            <a:r>
+              <a:rPr lang="en-US" dirty="0"/>
+              <a:t>Explain tree:</a:t>
+            </a:r>
+          </a:p>
+          <a:p>
+            <a:r>
+              <a:rPr lang="en-US" dirty="0"/>
+              <a:t>Our initial classification tree revealed in no chosen variables and only the single root node, a kappa value of 0, and a ROC curve that fit directly on the random classifier line. We interpreted this as a strong indicator that a classification tree would not be useful for the `</a:t>
+            </a:r>
+            <a:r>
+              <a:rPr lang="en-US" dirty="0" err="1"/>
+              <a:t>not.fully.paid</a:t>
+            </a:r>
+            <a:r>
+              <a:rPr lang="en-US" dirty="0"/>
+              <a:t>` variable. To confirm this indication, we overrode the default complexity parameter in the </a:t>
+            </a:r>
+            <a:r>
+              <a:rPr lang="en-US" dirty="0" err="1"/>
+              <a:t>rPart</a:t>
+            </a:r>
+            <a:r>
+              <a:rPr lang="en-US" dirty="0"/>
+              <a:t> function and set it from .01 to .001. By reducing that value in R, we reduce the minimum improvement threshold required at each node for the tree to be built; i.e., essentially lowering the restrictions on how and when the tree is constructed. </a:t>
+            </a:r>
+          </a:p>
+          <a:p>
+            <a:endParaRPr lang="en-US" dirty="0"/>
+          </a:p>
+          <a:p>
+            <a:r>
+              <a:rPr lang="en-US" dirty="0"/>
+              <a:t>This led to the classification tree using the variables `</a:t>
+            </a:r>
+            <a:r>
+              <a:rPr lang="en-US" dirty="0" err="1"/>
+              <a:t>credit.policy</a:t>
+            </a:r>
+            <a:r>
+              <a:rPr lang="en-US" dirty="0"/>
+              <a:t>`, `inq.last.6mths`, `</a:t>
+            </a:r>
+            <a:r>
+              <a:rPr lang="en-US" dirty="0" err="1"/>
+              <a:t>int.rate</a:t>
+            </a:r>
+            <a:r>
+              <a:rPr lang="en-US" dirty="0"/>
+              <a:t>`, and `purpose` in building the tree. Looking at it though, and with our initially suspicion regarding the usefulness of the tree, we can see that it is not very informative. We can see that the majority of loans that met the </a:t>
+            </a:r>
+            <a:r>
+              <a:rPr lang="en-US" dirty="0" err="1"/>
+              <a:t>credit.policy</a:t>
+            </a:r>
+            <a:r>
+              <a:rPr lang="en-US" dirty="0"/>
+              <a:t>, paid the loan, which we would generally expect. We can also see that that those loans that did not meet the credit policy, had higher a number of inquiries in the last 6 months, and higher interest rates, would probably more susceptible of going Unpaid; this is also what we would generally expect to see. </a:t>
+            </a:r>
+          </a:p>
+          <a:p>
+            <a:pPr marL="171450" indent="-171450">
+              <a:buFont typeface="Arial" panose="020B0604020202020204" pitchFamily="34" charset="0"/>
+              <a:buChar char="•"/>
+            </a:pPr>
+            <a:r>
+              <a:rPr lang="en-US" dirty="0"/>
+              <a:t>IF ASKED: we do not consider the distinction between loan purpose to be meaningful because of the number of Unpaid values among other leaf nodes and their proportion to the Paid values.</a:t>
+            </a:r>
+          </a:p>
+          <a:p>
+            <a:endParaRPr lang="en-US" dirty="0"/>
+          </a:p>
+          <a:p>
+            <a:endParaRPr lang="en-US" dirty="0"/>
+          </a:p>
+          <a:p>
+            <a:r>
+              <a:rPr lang="en-US" dirty="0"/>
+              <a:t>Confusion Matrix:</a:t>
+            </a:r>
+          </a:p>
+          <a:p>
+            <a:r>
+              <a:rPr lang="en-US" dirty="0"/>
+              <a:t>Low area under ROC curve indicates the model has little to no ability to discriminate between Paid and Unpaid classes.</a:t>
+            </a:r>
+          </a:p>
+          <a:p>
+            <a:endParaRPr lang="en-US" dirty="0"/>
+          </a:p>
+          <a:p>
+            <a:r>
+              <a:rPr lang="en-US" dirty="0"/>
+              <a:t>Based on the extremely low Kappa statistic of .019, there is nearly no agreement between the predictive model and the actual data. </a:t>
+            </a:r>
+          </a:p>
+          <a:p>
+            <a:endParaRPr lang="en-US" dirty="0"/>
+          </a:p>
+          <a:p>
+            <a:endParaRPr lang="en-US" dirty="0"/>
+          </a:p>
+          <a:p>
+            <a:endParaRPr lang="en-US" dirty="0"/>
+          </a:p>
+          <a:p>
             <a:endParaRPr lang="en-US" dirty="0"/>
           </a:p>
         </p:txBody>
@@ -1433,7 +1562,7 @@
           <a:p>
             <a:fld id="{6B053770-FD16-42CB-98BB-967786CBD56A}" type="slidenum">
               <a:rPr lang="en-US" smtClean="0"/>
-              <a:t>26</a:t>
+              <a:t>25</a:t>
             </a:fld>
             <a:endParaRPr lang="en-US"/>
           </a:p>
@@ -1442,7 +1571,7 @@
     </p:spTree>
     <p:extLst>
       <p:ext uri="{BB962C8B-B14F-4D97-AF65-F5344CB8AC3E}">
-        <p14:creationId xmlns:p14="http://schemas.microsoft.com/office/powerpoint/2010/main" val="2076041582"/>
+        <p14:creationId xmlns:p14="http://schemas.microsoft.com/office/powerpoint/2010/main" val="2468590306"/>
       </p:ext>
     </p:extLst>
   </p:cSld>
@@ -1496,7 +1625,19 @@
           <a:bodyPr/>
           <a:lstStyle/>
           <a:p>
+            <a:r>
+              <a:rPr lang="en-US" dirty="0"/>
+              <a:t>From this we can see that about 13.2% of borrowers who met the credit underwriting criteria did not fully pay, while for the borrowers who did not meet the credit underwriting criteria about 27.8% did not fully pay.</a:t>
+            </a:r>
+          </a:p>
+          <a:p>
             <a:endParaRPr lang="en-US" dirty="0"/>
+          </a:p>
+          <a:p>
+            <a:r>
+              <a:rPr lang="en-US" dirty="0"/>
+              <a:t>This indicates borrowers who did not meet the credit underwriting criteria were almost twice as likely to be default on their loans than those who did meet the criteria. For comparison, default rates on loans from commercial banks for the same period as our dataset averaged 4.48%, with a maximum default rate of 7.49% default rate towards the end of 2009, according to the St. Louis Federal Reserve Bank.</a:t>
+            </a:r>
           </a:p>
         </p:txBody>
       </p:sp>
@@ -1517,103 +1658,7 @@
           <a:p>
             <a:fld id="{6B053770-FD16-42CB-98BB-967786CBD56A}" type="slidenum">
               <a:rPr lang="en-US" smtClean="0"/>
-              <a:t>27</a:t>
-            </a:fld>
-            <a:endParaRPr lang="en-US"/>
-          </a:p>
-        </p:txBody>
-      </p:sp>
-    </p:spTree>
-    <p:extLst>
-      <p:ext uri="{BB962C8B-B14F-4D97-AF65-F5344CB8AC3E}">
-        <p14:creationId xmlns:p14="http://schemas.microsoft.com/office/powerpoint/2010/main" val="2940614858"/>
-      </p:ext>
-    </p:extLst>
-  </p:cSld>
-  <p:clrMapOvr>
-    <a:masterClrMapping/>
-  </p:clrMapOvr>
-</p:notes>
-</file>
-
-<file path=ppt/notesSlides/notesSlide9.xml><?xml version="1.0" encoding="utf-8"?>
-<p:notes xmlns:a="http://schemas.openxmlformats.org/drawingml/2006/main" xmlns:r="http://schemas.openxmlformats.org/officeDocument/2006/relationships" xmlns:p="http://schemas.openxmlformats.org/presentationml/2006/main">
-  <p:cSld>
-    <p:spTree>
-      <p:nvGrpSpPr>
-        <p:cNvPr id="1" name=""/>
-        <p:cNvGrpSpPr/>
-        <p:nvPr/>
-      </p:nvGrpSpPr>
-      <p:grpSpPr>
-        <a:xfrm>
-          <a:off x="0" y="0"/>
-          <a:ext cx="0" cy="0"/>
-          <a:chOff x="0" y="0"/>
-          <a:chExt cx="0" cy="0"/>
-        </a:xfrm>
-      </p:grpSpPr>
-      <p:sp>
-        <p:nvSpPr>
-          <p:cNvPr id="2" name="Slide Image Placeholder 1"/>
-          <p:cNvSpPr>
-            <a:spLocks noGrp="1" noRot="1" noChangeAspect="1"/>
-          </p:cNvSpPr>
-          <p:nvPr>
-            <p:ph type="sldImg"/>
-          </p:nvPr>
-        </p:nvSpPr>
-        <p:spPr/>
-      </p:sp>
-      <p:sp>
-        <p:nvSpPr>
-          <p:cNvPr id="3" name="Notes Placeholder 2"/>
-          <p:cNvSpPr>
-            <a:spLocks noGrp="1"/>
-          </p:cNvSpPr>
-          <p:nvPr>
-            <p:ph type="body" idx="1"/>
-          </p:nvPr>
-        </p:nvSpPr>
-        <p:spPr/>
-        <p:txBody>
-          <a:bodyPr/>
-          <a:lstStyle/>
-          <a:p>
-            <a:r>
-              <a:rPr lang="en-US" dirty="0"/>
-              <a:t>From this we can see that about 13.2% of borrowers who met the credit underwriting criteria did not fully pay, while for the borrowers who did not meet the credit underwriting criteria about 27.8% did not fully pay.</a:t>
-            </a:r>
-          </a:p>
-          <a:p>
-            <a:endParaRPr lang="en-US" dirty="0"/>
-          </a:p>
-          <a:p>
-            <a:r>
-              <a:rPr lang="en-US" dirty="0"/>
-              <a:t>This indicates borrowers who did not meet the credit underwriting criteria were almost twice as likely to be default on their loans than those who did meet the criteria. For comparison, default rates on loans from commercial banks for the same period as our dataset averaged 4.48%, with a maximum default rate of 7.49% default rate towards the end of 2009, according to the St. Louis Federal Reserve Bank.</a:t>
-            </a:r>
-          </a:p>
-        </p:txBody>
-      </p:sp>
-      <p:sp>
-        <p:nvSpPr>
-          <p:cNvPr id="4" name="Slide Number Placeholder 3"/>
-          <p:cNvSpPr>
-            <a:spLocks noGrp="1"/>
-          </p:cNvSpPr>
-          <p:nvPr>
-            <p:ph type="sldNum" sz="quarter" idx="5"/>
-          </p:nvPr>
-        </p:nvSpPr>
-        <p:spPr/>
-        <p:txBody>
-          <a:bodyPr/>
-          <a:lstStyle/>
-          <a:p>
-            <a:fld id="{6B053770-FD16-42CB-98BB-967786CBD56A}" type="slidenum">
-              <a:rPr lang="en-US" smtClean="0"/>
-              <a:t>28</a:t>
+              <a:t>26</a:t>
             </a:fld>
             <a:endParaRPr lang="en-US"/>
           </a:p>
@@ -6298,6 +6343,49 @@
           </a:prstGeom>
         </p:spPr>
       </p:pic>
+      <p:pic>
+        <p:nvPicPr>
+          <p:cNvPr id="2" name="Picture 1">
+            <a:extLst>
+              <a:ext uri="{FF2B5EF4-FFF2-40B4-BE49-F238E27FC236}">
+                <a16:creationId xmlns:a16="http://schemas.microsoft.com/office/drawing/2014/main" id="{4097EB18-EA0B-CFAF-F91B-BAD8E68624EC}"/>
+              </a:ext>
+            </a:extLst>
+          </p:cNvPr>
+          <p:cNvPicPr>
+            <a:picLocks noChangeAspect="1"/>
+          </p:cNvPicPr>
+          <p:nvPr/>
+        </p:nvPicPr>
+        <p:blipFill>
+          <a:blip r:embed="rId4">
+            <a:alphaModFix amt="5000"/>
+            <a:extLst>
+              <a:ext uri="{BEBA8EAE-BF5A-486C-A8C5-ECC9F3942E4B}">
+                <a14:imgProps xmlns:a14="http://schemas.microsoft.com/office/drawing/2010/main">
+                  <a14:imgLayer r:embed="rId5">
+                    <a14:imgEffect>
+                      <a14:saturation sat="0"/>
+                    </a14:imgEffect>
+                  </a14:imgLayer>
+                </a14:imgProps>
+              </a:ext>
+            </a:extLst>
+          </a:blip>
+          <a:stretch>
+            <a:fillRect/>
+          </a:stretch>
+        </p:blipFill>
+        <p:spPr>
+          <a:xfrm>
+            <a:off x="11346306" y="543903"/>
+            <a:ext cx="845693" cy="772083"/>
+          </a:xfrm>
+          <a:prstGeom prst="rect">
+            <a:avLst/>
+          </a:prstGeom>
+        </p:spPr>
+      </p:pic>
     </p:spTree>
     <p:extLst>
       <p:ext uri="{BB962C8B-B14F-4D97-AF65-F5344CB8AC3E}">
@@ -6507,6 +6595,49 @@
           <a:xfrm>
             <a:off x="2886868" y="1815708"/>
             <a:ext cx="6400847" cy="4572033"/>
+          </a:xfrm>
+          <a:prstGeom prst="rect">
+            <a:avLst/>
+          </a:prstGeom>
+        </p:spPr>
+      </p:pic>
+      <p:pic>
+        <p:nvPicPr>
+          <p:cNvPr id="2" name="Picture 1">
+            <a:extLst>
+              <a:ext uri="{FF2B5EF4-FFF2-40B4-BE49-F238E27FC236}">
+                <a16:creationId xmlns:a16="http://schemas.microsoft.com/office/drawing/2014/main" id="{5047AC45-F79E-E5C4-E636-87EE511DE21E}"/>
+              </a:ext>
+            </a:extLst>
+          </p:cNvPr>
+          <p:cNvPicPr>
+            <a:picLocks noChangeAspect="1"/>
+          </p:cNvPicPr>
+          <p:nvPr/>
+        </p:nvPicPr>
+        <p:blipFill>
+          <a:blip r:embed="rId4">
+            <a:alphaModFix amt="5000"/>
+            <a:extLst>
+              <a:ext uri="{BEBA8EAE-BF5A-486C-A8C5-ECC9F3942E4B}">
+                <a14:imgProps xmlns:a14="http://schemas.microsoft.com/office/drawing/2010/main">
+                  <a14:imgLayer r:embed="rId5">
+                    <a14:imgEffect>
+                      <a14:saturation sat="0"/>
+                    </a14:imgEffect>
+                  </a14:imgLayer>
+                </a14:imgProps>
+              </a:ext>
+            </a:extLst>
+          </a:blip>
+          <a:stretch>
+            <a:fillRect/>
+          </a:stretch>
+        </p:blipFill>
+        <p:spPr>
+          <a:xfrm>
+            <a:off x="11346306" y="543903"/>
+            <a:ext cx="845693" cy="772083"/>
           </a:xfrm>
           <a:prstGeom prst="rect">
             <a:avLst/>
@@ -6728,6 +6859,49 @@
           </a:prstGeom>
         </p:spPr>
       </p:pic>
+      <p:pic>
+        <p:nvPicPr>
+          <p:cNvPr id="2" name="Picture 1">
+            <a:extLst>
+              <a:ext uri="{FF2B5EF4-FFF2-40B4-BE49-F238E27FC236}">
+                <a16:creationId xmlns:a16="http://schemas.microsoft.com/office/drawing/2014/main" id="{87223F74-ECB6-7C61-3EFC-F20EF269B013}"/>
+              </a:ext>
+            </a:extLst>
+          </p:cNvPr>
+          <p:cNvPicPr>
+            <a:picLocks noChangeAspect="1"/>
+          </p:cNvPicPr>
+          <p:nvPr/>
+        </p:nvPicPr>
+        <p:blipFill>
+          <a:blip r:embed="rId4">
+            <a:alphaModFix amt="5000"/>
+            <a:extLst>
+              <a:ext uri="{BEBA8EAE-BF5A-486C-A8C5-ECC9F3942E4B}">
+                <a14:imgProps xmlns:a14="http://schemas.microsoft.com/office/drawing/2010/main">
+                  <a14:imgLayer r:embed="rId5">
+                    <a14:imgEffect>
+                      <a14:saturation sat="0"/>
+                    </a14:imgEffect>
+                  </a14:imgLayer>
+                </a14:imgProps>
+              </a:ext>
+            </a:extLst>
+          </a:blip>
+          <a:stretch>
+            <a:fillRect/>
+          </a:stretch>
+        </p:blipFill>
+        <p:spPr>
+          <a:xfrm>
+            <a:off x="11346306" y="543903"/>
+            <a:ext cx="845693" cy="772083"/>
+          </a:xfrm>
+          <a:prstGeom prst="rect">
+            <a:avLst/>
+          </a:prstGeom>
+        </p:spPr>
+      </p:pic>
     </p:spTree>
     <p:extLst>
       <p:ext uri="{BB962C8B-B14F-4D97-AF65-F5344CB8AC3E}">
@@ -6937,6 +7111,49 @@
           <a:xfrm>
             <a:off x="2886868" y="1815708"/>
             <a:ext cx="6400847" cy="4572033"/>
+          </a:xfrm>
+          <a:prstGeom prst="rect">
+            <a:avLst/>
+          </a:prstGeom>
+        </p:spPr>
+      </p:pic>
+      <p:pic>
+        <p:nvPicPr>
+          <p:cNvPr id="2" name="Picture 1">
+            <a:extLst>
+              <a:ext uri="{FF2B5EF4-FFF2-40B4-BE49-F238E27FC236}">
+                <a16:creationId xmlns:a16="http://schemas.microsoft.com/office/drawing/2014/main" id="{895E08C5-A3B4-07CE-8922-285BBC8780DF}"/>
+              </a:ext>
+            </a:extLst>
+          </p:cNvPr>
+          <p:cNvPicPr>
+            <a:picLocks noChangeAspect="1"/>
+          </p:cNvPicPr>
+          <p:nvPr/>
+        </p:nvPicPr>
+        <p:blipFill>
+          <a:blip r:embed="rId4">
+            <a:alphaModFix amt="5000"/>
+            <a:extLst>
+              <a:ext uri="{BEBA8EAE-BF5A-486C-A8C5-ECC9F3942E4B}">
+                <a14:imgProps xmlns:a14="http://schemas.microsoft.com/office/drawing/2010/main">
+                  <a14:imgLayer r:embed="rId5">
+                    <a14:imgEffect>
+                      <a14:saturation sat="0"/>
+                    </a14:imgEffect>
+                  </a14:imgLayer>
+                </a14:imgProps>
+              </a:ext>
+            </a:extLst>
+          </a:blip>
+          <a:stretch>
+            <a:fillRect/>
+          </a:stretch>
+        </p:blipFill>
+        <p:spPr>
+          <a:xfrm>
+            <a:off x="11346306" y="543903"/>
+            <a:ext cx="845693" cy="772083"/>
           </a:xfrm>
           <a:prstGeom prst="rect">
             <a:avLst/>
@@ -7194,6 +7411,49 @@
           </a:prstGeom>
         </p:spPr>
       </p:pic>
+      <p:pic>
+        <p:nvPicPr>
+          <p:cNvPr id="2" name="Picture 1">
+            <a:extLst>
+              <a:ext uri="{FF2B5EF4-FFF2-40B4-BE49-F238E27FC236}">
+                <a16:creationId xmlns:a16="http://schemas.microsoft.com/office/drawing/2014/main" id="{8467A83E-EF5D-4AF9-C9D1-B034802166A7}"/>
+              </a:ext>
+            </a:extLst>
+          </p:cNvPr>
+          <p:cNvPicPr>
+            <a:picLocks noChangeAspect="1"/>
+          </p:cNvPicPr>
+          <p:nvPr/>
+        </p:nvPicPr>
+        <p:blipFill>
+          <a:blip r:embed="rId5">
+            <a:alphaModFix amt="5000"/>
+            <a:extLst>
+              <a:ext uri="{BEBA8EAE-BF5A-486C-A8C5-ECC9F3942E4B}">
+                <a14:imgProps xmlns:a14="http://schemas.microsoft.com/office/drawing/2010/main">
+                  <a14:imgLayer r:embed="rId6">
+                    <a14:imgEffect>
+                      <a14:saturation sat="0"/>
+                    </a14:imgEffect>
+                  </a14:imgLayer>
+                </a14:imgProps>
+              </a:ext>
+            </a:extLst>
+          </a:blip>
+          <a:stretch>
+            <a:fillRect/>
+          </a:stretch>
+        </p:blipFill>
+        <p:spPr>
+          <a:xfrm>
+            <a:off x="11346306" y="543903"/>
+            <a:ext cx="845693" cy="772083"/>
+          </a:xfrm>
+          <a:prstGeom prst="rect">
+            <a:avLst/>
+          </a:prstGeom>
+        </p:spPr>
+      </p:pic>
     </p:spTree>
     <p:extLst>
       <p:ext uri="{BB962C8B-B14F-4D97-AF65-F5344CB8AC3E}">
@@ -7403,6 +7663,49 @@
           <a:xfrm>
             <a:off x="2886868" y="1687866"/>
             <a:ext cx="6400847" cy="4572033"/>
+          </a:xfrm>
+          <a:prstGeom prst="rect">
+            <a:avLst/>
+          </a:prstGeom>
+        </p:spPr>
+      </p:pic>
+      <p:pic>
+        <p:nvPicPr>
+          <p:cNvPr id="2" name="Picture 1">
+            <a:extLst>
+              <a:ext uri="{FF2B5EF4-FFF2-40B4-BE49-F238E27FC236}">
+                <a16:creationId xmlns:a16="http://schemas.microsoft.com/office/drawing/2014/main" id="{4CDFD8A5-1D31-9DE8-890B-C53C7BA6963E}"/>
+              </a:ext>
+            </a:extLst>
+          </p:cNvPr>
+          <p:cNvPicPr>
+            <a:picLocks noChangeAspect="1"/>
+          </p:cNvPicPr>
+          <p:nvPr/>
+        </p:nvPicPr>
+        <p:blipFill>
+          <a:blip r:embed="rId4">
+            <a:alphaModFix amt="5000"/>
+            <a:extLst>
+              <a:ext uri="{BEBA8EAE-BF5A-486C-A8C5-ECC9F3942E4B}">
+                <a14:imgProps xmlns:a14="http://schemas.microsoft.com/office/drawing/2010/main">
+                  <a14:imgLayer r:embed="rId5">
+                    <a14:imgEffect>
+                      <a14:saturation sat="0"/>
+                    </a14:imgEffect>
+                  </a14:imgLayer>
+                </a14:imgProps>
+              </a:ext>
+            </a:extLst>
+          </a:blip>
+          <a:stretch>
+            <a:fillRect/>
+          </a:stretch>
+        </p:blipFill>
+        <p:spPr>
+          <a:xfrm>
+            <a:off x="11346306" y="543903"/>
+            <a:ext cx="845693" cy="772083"/>
           </a:xfrm>
           <a:prstGeom prst="rect">
             <a:avLst/>
@@ -7618,6 +7921,49 @@
           </a:prstGeom>
         </p:spPr>
       </p:pic>
+      <p:pic>
+        <p:nvPicPr>
+          <p:cNvPr id="2" name="Picture 1">
+            <a:extLst>
+              <a:ext uri="{FF2B5EF4-FFF2-40B4-BE49-F238E27FC236}">
+                <a16:creationId xmlns:a16="http://schemas.microsoft.com/office/drawing/2014/main" id="{658A2BB4-5A21-050A-0C3D-4A1E1E98286A}"/>
+              </a:ext>
+            </a:extLst>
+          </p:cNvPr>
+          <p:cNvPicPr>
+            <a:picLocks noChangeAspect="1"/>
+          </p:cNvPicPr>
+          <p:nvPr/>
+        </p:nvPicPr>
+        <p:blipFill>
+          <a:blip r:embed="rId4">
+            <a:alphaModFix amt="5000"/>
+            <a:extLst>
+              <a:ext uri="{BEBA8EAE-BF5A-486C-A8C5-ECC9F3942E4B}">
+                <a14:imgProps xmlns:a14="http://schemas.microsoft.com/office/drawing/2010/main">
+                  <a14:imgLayer r:embed="rId5">
+                    <a14:imgEffect>
+                      <a14:saturation sat="0"/>
+                    </a14:imgEffect>
+                  </a14:imgLayer>
+                </a14:imgProps>
+              </a:ext>
+            </a:extLst>
+          </a:blip>
+          <a:stretch>
+            <a:fillRect/>
+          </a:stretch>
+        </p:blipFill>
+        <p:spPr>
+          <a:xfrm>
+            <a:off x="11346306" y="543903"/>
+            <a:ext cx="845693" cy="772083"/>
+          </a:xfrm>
+          <a:prstGeom prst="rect">
+            <a:avLst/>
+          </a:prstGeom>
+        </p:spPr>
+      </p:pic>
     </p:spTree>
     <p:extLst>
       <p:ext uri="{BB962C8B-B14F-4D97-AF65-F5344CB8AC3E}">
@@ -7821,6 +8167,49 @@
           <a:xfrm>
             <a:off x="4082946" y="2870464"/>
             <a:ext cx="4026107" cy="1530429"/>
+          </a:xfrm>
+          <a:prstGeom prst="rect">
+            <a:avLst/>
+          </a:prstGeom>
+        </p:spPr>
+      </p:pic>
+      <p:pic>
+        <p:nvPicPr>
+          <p:cNvPr id="2" name="Picture 1">
+            <a:extLst>
+              <a:ext uri="{FF2B5EF4-FFF2-40B4-BE49-F238E27FC236}">
+                <a16:creationId xmlns:a16="http://schemas.microsoft.com/office/drawing/2014/main" id="{A2AD466F-D5C0-9B79-A015-C5B328B5F793}"/>
+              </a:ext>
+            </a:extLst>
+          </p:cNvPr>
+          <p:cNvPicPr>
+            <a:picLocks noChangeAspect="1"/>
+          </p:cNvPicPr>
+          <p:nvPr/>
+        </p:nvPicPr>
+        <p:blipFill>
+          <a:blip r:embed="rId4">
+            <a:alphaModFix amt="5000"/>
+            <a:extLst>
+              <a:ext uri="{BEBA8EAE-BF5A-486C-A8C5-ECC9F3942E4B}">
+                <a14:imgProps xmlns:a14="http://schemas.microsoft.com/office/drawing/2010/main">
+                  <a14:imgLayer r:embed="rId5">
+                    <a14:imgEffect>
+                      <a14:saturation sat="0"/>
+                    </a14:imgEffect>
+                  </a14:imgLayer>
+                </a14:imgProps>
+              </a:ext>
+            </a:extLst>
+          </a:blip>
+          <a:stretch>
+            <a:fillRect/>
+          </a:stretch>
+        </p:blipFill>
+        <p:spPr>
+          <a:xfrm>
+            <a:off x="11346306" y="543903"/>
+            <a:ext cx="845693" cy="772083"/>
           </a:xfrm>
           <a:prstGeom prst="rect">
             <a:avLst/>
@@ -8042,6 +8431,49 @@
           </a:prstGeom>
         </p:spPr>
       </p:pic>
+      <p:pic>
+        <p:nvPicPr>
+          <p:cNvPr id="2" name="Picture 1">
+            <a:extLst>
+              <a:ext uri="{FF2B5EF4-FFF2-40B4-BE49-F238E27FC236}">
+                <a16:creationId xmlns:a16="http://schemas.microsoft.com/office/drawing/2014/main" id="{2FC2B9EF-E9D6-18A8-94A2-E1294A24C8DF}"/>
+              </a:ext>
+            </a:extLst>
+          </p:cNvPr>
+          <p:cNvPicPr>
+            <a:picLocks noChangeAspect="1"/>
+          </p:cNvPicPr>
+          <p:nvPr/>
+        </p:nvPicPr>
+        <p:blipFill>
+          <a:blip r:embed="rId4">
+            <a:alphaModFix amt="5000"/>
+            <a:extLst>
+              <a:ext uri="{BEBA8EAE-BF5A-486C-A8C5-ECC9F3942E4B}">
+                <a14:imgProps xmlns:a14="http://schemas.microsoft.com/office/drawing/2010/main">
+                  <a14:imgLayer r:embed="rId5">
+                    <a14:imgEffect>
+                      <a14:saturation sat="0"/>
+                    </a14:imgEffect>
+                  </a14:imgLayer>
+                </a14:imgProps>
+              </a:ext>
+            </a:extLst>
+          </a:blip>
+          <a:stretch>
+            <a:fillRect/>
+          </a:stretch>
+        </p:blipFill>
+        <p:spPr>
+          <a:xfrm>
+            <a:off x="11346306" y="543903"/>
+            <a:ext cx="845693" cy="772083"/>
+          </a:xfrm>
+          <a:prstGeom prst="rect">
+            <a:avLst/>
+          </a:prstGeom>
+        </p:spPr>
+      </p:pic>
     </p:spTree>
     <p:extLst>
       <p:ext uri="{BB962C8B-B14F-4D97-AF65-F5344CB8AC3E}">
@@ -8251,6 +8683,49 @@
           <a:xfrm>
             <a:off x="2886868" y="1675339"/>
             <a:ext cx="6400847" cy="4572033"/>
+          </a:xfrm>
+          <a:prstGeom prst="rect">
+            <a:avLst/>
+          </a:prstGeom>
+        </p:spPr>
+      </p:pic>
+      <p:pic>
+        <p:nvPicPr>
+          <p:cNvPr id="2" name="Picture 1">
+            <a:extLst>
+              <a:ext uri="{FF2B5EF4-FFF2-40B4-BE49-F238E27FC236}">
+                <a16:creationId xmlns:a16="http://schemas.microsoft.com/office/drawing/2014/main" id="{023A899E-E927-9527-7EFB-CD142FB4921E}"/>
+              </a:ext>
+            </a:extLst>
+          </p:cNvPr>
+          <p:cNvPicPr>
+            <a:picLocks noChangeAspect="1"/>
+          </p:cNvPicPr>
+          <p:nvPr/>
+        </p:nvPicPr>
+        <p:blipFill>
+          <a:blip r:embed="rId4">
+            <a:alphaModFix amt="5000"/>
+            <a:extLst>
+              <a:ext uri="{BEBA8EAE-BF5A-486C-A8C5-ECC9F3942E4B}">
+                <a14:imgProps xmlns:a14="http://schemas.microsoft.com/office/drawing/2010/main">
+                  <a14:imgLayer r:embed="rId5">
+                    <a14:imgEffect>
+                      <a14:saturation sat="0"/>
+                    </a14:imgEffect>
+                  </a14:imgLayer>
+                </a14:imgProps>
+              </a:ext>
+            </a:extLst>
+          </a:blip>
+          <a:stretch>
+            <a:fillRect/>
+          </a:stretch>
+        </p:blipFill>
+        <p:spPr>
+          <a:xfrm>
+            <a:off x="11346306" y="543903"/>
+            <a:ext cx="845693" cy="772083"/>
           </a:xfrm>
           <a:prstGeom prst="rect">
             <a:avLst/>
@@ -8512,6 +8987,49 @@
           </a:prstGeom>
         </p:spPr>
       </p:pic>
+      <p:pic>
+        <p:nvPicPr>
+          <p:cNvPr id="3" name="Picture 2">
+            <a:extLst>
+              <a:ext uri="{FF2B5EF4-FFF2-40B4-BE49-F238E27FC236}">
+                <a16:creationId xmlns:a16="http://schemas.microsoft.com/office/drawing/2014/main" id="{0AA81C91-156D-926F-1FD5-4DEEC07DDDBC}"/>
+              </a:ext>
+            </a:extLst>
+          </p:cNvPr>
+          <p:cNvPicPr>
+            <a:picLocks noChangeAspect="1"/>
+          </p:cNvPicPr>
+          <p:nvPr/>
+        </p:nvPicPr>
+        <p:blipFill>
+          <a:blip r:embed="rId5">
+            <a:alphaModFix amt="5000"/>
+            <a:extLst>
+              <a:ext uri="{BEBA8EAE-BF5A-486C-A8C5-ECC9F3942E4B}">
+                <a14:imgProps xmlns:a14="http://schemas.microsoft.com/office/drawing/2010/main">
+                  <a14:imgLayer r:embed="rId6">
+                    <a14:imgEffect>
+                      <a14:saturation sat="0"/>
+                    </a14:imgEffect>
+                  </a14:imgLayer>
+                </a14:imgProps>
+              </a:ext>
+            </a:extLst>
+          </a:blip>
+          <a:stretch>
+            <a:fillRect/>
+          </a:stretch>
+        </p:blipFill>
+        <p:spPr>
+          <a:xfrm>
+            <a:off x="11346306" y="543903"/>
+            <a:ext cx="845693" cy="772083"/>
+          </a:xfrm>
+          <a:prstGeom prst="rect">
+            <a:avLst/>
+          </a:prstGeom>
+        </p:spPr>
+      </p:pic>
     </p:spTree>
     <p:extLst>
       <p:ext uri="{BB962C8B-B14F-4D97-AF65-F5344CB8AC3E}">
@@ -8715,6 +9233,49 @@
           <a:xfrm>
             <a:off x="4176747" y="0"/>
             <a:ext cx="3838506" cy="6858000"/>
+          </a:xfrm>
+          <a:prstGeom prst="rect">
+            <a:avLst/>
+          </a:prstGeom>
+        </p:spPr>
+      </p:pic>
+      <p:pic>
+        <p:nvPicPr>
+          <p:cNvPr id="2" name="Picture 1">
+            <a:extLst>
+              <a:ext uri="{FF2B5EF4-FFF2-40B4-BE49-F238E27FC236}">
+                <a16:creationId xmlns:a16="http://schemas.microsoft.com/office/drawing/2014/main" id="{B6CB5E6C-F811-992E-988E-E7960D0903ED}"/>
+              </a:ext>
+            </a:extLst>
+          </p:cNvPr>
+          <p:cNvPicPr>
+            <a:picLocks noChangeAspect="1"/>
+          </p:cNvPicPr>
+          <p:nvPr/>
+        </p:nvPicPr>
+        <p:blipFill>
+          <a:blip r:embed="rId4">
+            <a:alphaModFix amt="5000"/>
+            <a:extLst>
+              <a:ext uri="{BEBA8EAE-BF5A-486C-A8C5-ECC9F3942E4B}">
+                <a14:imgProps xmlns:a14="http://schemas.microsoft.com/office/drawing/2010/main">
+                  <a14:imgLayer r:embed="rId5">
+                    <a14:imgEffect>
+                      <a14:saturation sat="0"/>
+                    </a14:imgEffect>
+                  </a14:imgLayer>
+                </a14:imgProps>
+              </a:ext>
+            </a:extLst>
+          </a:blip>
+          <a:stretch>
+            <a:fillRect/>
+          </a:stretch>
+        </p:blipFill>
+        <p:spPr>
+          <a:xfrm>
+            <a:off x="11346306" y="543903"/>
+            <a:ext cx="845693" cy="772083"/>
           </a:xfrm>
           <a:prstGeom prst="rect">
             <a:avLst/>
@@ -8930,6 +9491,49 @@
           </a:prstGeom>
         </p:spPr>
       </p:pic>
+      <p:pic>
+        <p:nvPicPr>
+          <p:cNvPr id="2" name="Picture 1">
+            <a:extLst>
+              <a:ext uri="{FF2B5EF4-FFF2-40B4-BE49-F238E27FC236}">
+                <a16:creationId xmlns:a16="http://schemas.microsoft.com/office/drawing/2014/main" id="{14AF11B4-A6BF-84F4-79AF-FCA35587A181}"/>
+              </a:ext>
+            </a:extLst>
+          </p:cNvPr>
+          <p:cNvPicPr>
+            <a:picLocks noChangeAspect="1"/>
+          </p:cNvPicPr>
+          <p:nvPr/>
+        </p:nvPicPr>
+        <p:blipFill>
+          <a:blip r:embed="rId4">
+            <a:alphaModFix amt="5000"/>
+            <a:extLst>
+              <a:ext uri="{BEBA8EAE-BF5A-486C-A8C5-ECC9F3942E4B}">
+                <a14:imgProps xmlns:a14="http://schemas.microsoft.com/office/drawing/2010/main">
+                  <a14:imgLayer r:embed="rId5">
+                    <a14:imgEffect>
+                      <a14:saturation sat="0"/>
+                    </a14:imgEffect>
+                  </a14:imgLayer>
+                </a14:imgProps>
+              </a:ext>
+            </a:extLst>
+          </a:blip>
+          <a:stretch>
+            <a:fillRect/>
+          </a:stretch>
+        </p:blipFill>
+        <p:spPr>
+          <a:xfrm>
+            <a:off x="11346306" y="543903"/>
+            <a:ext cx="845693" cy="772083"/>
+          </a:xfrm>
+          <a:prstGeom prst="rect">
+            <a:avLst/>
+          </a:prstGeom>
+        </p:spPr>
+      </p:pic>
     </p:spTree>
     <p:extLst>
       <p:ext uri="{BB962C8B-B14F-4D97-AF65-F5344CB8AC3E}">
@@ -8975,7 +9579,7 @@
           <p:nvPr/>
         </p:nvPicPr>
         <p:blipFill rotWithShape="1">
-          <a:blip r:embed="rId2"/>
+          <a:blip r:embed="rId3"/>
           <a:srcRect t="10770" r="84371" b="20000"/>
           <a:stretch/>
         </p:blipFill>
@@ -9004,7 +9608,7 @@
           <p:nvPr/>
         </p:nvPicPr>
         <p:blipFill rotWithShape="1">
-          <a:blip r:embed="rId2"/>
+          <a:blip r:embed="rId3"/>
           <a:srcRect l="15172"/>
           <a:stretch/>
         </p:blipFill>
@@ -9124,7 +9728,7 @@
           <p:nvPr/>
         </p:nvPicPr>
         <p:blipFill>
-          <a:blip r:embed="rId3">
+          <a:blip r:embed="rId4">
             <a:extLst>
               <a:ext uri="{28A0092B-C50C-407E-A947-70E740481C1C}">
                 <a14:useLocalDpi xmlns:a14="http://schemas.microsoft.com/office/drawing/2010/main" val="0"/>
@@ -9139,6 +9743,49 @@
           <a:xfrm>
             <a:off x="2895576" y="1488410"/>
             <a:ext cx="6400847" cy="4572033"/>
+          </a:xfrm>
+          <a:prstGeom prst="rect">
+            <a:avLst/>
+          </a:prstGeom>
+        </p:spPr>
+      </p:pic>
+      <p:pic>
+        <p:nvPicPr>
+          <p:cNvPr id="2" name="Picture 1">
+            <a:extLst>
+              <a:ext uri="{FF2B5EF4-FFF2-40B4-BE49-F238E27FC236}">
+                <a16:creationId xmlns:a16="http://schemas.microsoft.com/office/drawing/2014/main" id="{AE14D38D-7A17-5BEC-058F-4E888FA04465}"/>
+              </a:ext>
+            </a:extLst>
+          </p:cNvPr>
+          <p:cNvPicPr>
+            <a:picLocks noChangeAspect="1"/>
+          </p:cNvPicPr>
+          <p:nvPr/>
+        </p:nvPicPr>
+        <p:blipFill>
+          <a:blip r:embed="rId5">
+            <a:alphaModFix amt="5000"/>
+            <a:extLst>
+              <a:ext uri="{BEBA8EAE-BF5A-486C-A8C5-ECC9F3942E4B}">
+                <a14:imgProps xmlns:a14="http://schemas.microsoft.com/office/drawing/2010/main">
+                  <a14:imgLayer r:embed="rId6">
+                    <a14:imgEffect>
+                      <a14:saturation sat="0"/>
+                    </a14:imgEffect>
+                  </a14:imgLayer>
+                </a14:imgProps>
+              </a:ext>
+            </a:extLst>
+          </a:blip>
+          <a:stretch>
+            <a:fillRect/>
+          </a:stretch>
+        </p:blipFill>
+        <p:spPr>
+          <a:xfrm>
+            <a:off x="11346306" y="543903"/>
+            <a:ext cx="845693" cy="772083"/>
           </a:xfrm>
           <a:prstGeom prst="rect">
             <a:avLst/>
@@ -9324,6 +9971,49 @@
           </a:fontRef>
         </p:style>
       </p:cxnSp>
+      <p:pic>
+        <p:nvPicPr>
+          <p:cNvPr id="2" name="Picture 1">
+            <a:extLst>
+              <a:ext uri="{FF2B5EF4-FFF2-40B4-BE49-F238E27FC236}">
+                <a16:creationId xmlns:a16="http://schemas.microsoft.com/office/drawing/2014/main" id="{7BE29EA1-7637-65C2-B01E-4050393F592E}"/>
+              </a:ext>
+            </a:extLst>
+          </p:cNvPr>
+          <p:cNvPicPr>
+            <a:picLocks noChangeAspect="1"/>
+          </p:cNvPicPr>
+          <p:nvPr/>
+        </p:nvPicPr>
+        <p:blipFill>
+          <a:blip r:embed="rId3">
+            <a:alphaModFix amt="5000"/>
+            <a:extLst>
+              <a:ext uri="{BEBA8EAE-BF5A-486C-A8C5-ECC9F3942E4B}">
+                <a14:imgProps xmlns:a14="http://schemas.microsoft.com/office/drawing/2010/main">
+                  <a14:imgLayer r:embed="rId4">
+                    <a14:imgEffect>
+                      <a14:saturation sat="0"/>
+                    </a14:imgEffect>
+                  </a14:imgLayer>
+                </a14:imgProps>
+              </a:ext>
+            </a:extLst>
+          </a:blip>
+          <a:stretch>
+            <a:fillRect/>
+          </a:stretch>
+        </p:blipFill>
+        <p:spPr>
+          <a:xfrm>
+            <a:off x="11346306" y="543903"/>
+            <a:ext cx="845693" cy="772083"/>
+          </a:xfrm>
+          <a:prstGeom prst="rect">
+            <a:avLst/>
+          </a:prstGeom>
+        </p:spPr>
+      </p:pic>
     </p:spTree>
     <p:extLst>
       <p:ext uri="{BB962C8B-B14F-4D97-AF65-F5344CB8AC3E}">
@@ -9612,7 +10302,7 @@
             </a:pPr>
             <a:r>
               <a:rPr lang="en-US" sz="1900" dirty="0"/>
-              <a:t>Kappa: 0.926</a:t>
+              <a:t>Sensitivity: 0.899</a:t>
             </a:r>
           </a:p>
           <a:p>
@@ -9622,7 +10312,7 @@
             </a:pPr>
             <a:r>
               <a:rPr lang="en-US" sz="1900" dirty="0"/>
-              <a:t>Sensitivity: 0.899</a:t>
+              <a:t>Specificity: 0.997</a:t>
             </a:r>
           </a:p>
           <a:p>
@@ -9632,7 +10322,7 @@
             </a:pPr>
             <a:r>
               <a:rPr lang="en-US" sz="1900" dirty="0"/>
-              <a:t>Specificity: 0.997</a:t>
+              <a:t>AUC: 0.953</a:t>
             </a:r>
           </a:p>
           <a:p>
@@ -9642,7 +10332,7 @@
             </a:pPr>
             <a:r>
               <a:rPr lang="en-US" sz="1900" dirty="0"/>
-              <a:t>AUC: 0.953</a:t>
+              <a:t>Kappa: 0.926</a:t>
             </a:r>
           </a:p>
           <a:p>
@@ -9754,6 +10444,130 @@
             <a:r>
               <a:rPr lang="en-US" dirty="0"/>
               <a:t>The kappa coefficient measures the agreement between classification and truth values. A kappa value of 1 represents perfect agreement, while a value of 0 represents no agreement.</a:t>
+            </a:r>
+          </a:p>
+        </p:txBody>
+      </p:sp>
+      <p:pic>
+        <p:nvPicPr>
+          <p:cNvPr id="16" name="Picture 15">
+            <a:extLst>
+              <a:ext uri="{FF2B5EF4-FFF2-40B4-BE49-F238E27FC236}">
+                <a16:creationId xmlns:a16="http://schemas.microsoft.com/office/drawing/2014/main" id="{50F56C6D-7226-6C71-0754-0D4DD2D2A85D}"/>
+              </a:ext>
+            </a:extLst>
+          </p:cNvPr>
+          <p:cNvPicPr>
+            <a:picLocks noChangeAspect="1"/>
+          </p:cNvPicPr>
+          <p:nvPr/>
+        </p:nvPicPr>
+        <p:blipFill>
+          <a:blip r:embed="rId6">
+            <a:alphaModFix amt="5000"/>
+            <a:extLst>
+              <a:ext uri="{BEBA8EAE-BF5A-486C-A8C5-ECC9F3942E4B}">
+                <a14:imgProps xmlns:a14="http://schemas.microsoft.com/office/drawing/2010/main">
+                  <a14:imgLayer r:embed="rId7">
+                    <a14:imgEffect>
+                      <a14:saturation sat="0"/>
+                    </a14:imgEffect>
+                  </a14:imgLayer>
+                </a14:imgProps>
+              </a:ext>
+            </a:extLst>
+          </a:blip>
+          <a:stretch>
+            <a:fillRect/>
+          </a:stretch>
+        </p:blipFill>
+        <p:spPr>
+          <a:xfrm>
+            <a:off x="11346306" y="543903"/>
+            <a:ext cx="845693" cy="772083"/>
+          </a:xfrm>
+          <a:prstGeom prst="rect">
+            <a:avLst/>
+          </a:prstGeom>
+        </p:spPr>
+      </p:pic>
+      <p:sp>
+        <p:nvSpPr>
+          <p:cNvPr id="18" name="TextBox 17">
+            <a:extLst>
+              <a:ext uri="{FF2B5EF4-FFF2-40B4-BE49-F238E27FC236}">
+                <a16:creationId xmlns:a16="http://schemas.microsoft.com/office/drawing/2014/main" id="{E2A39A4A-A627-3E1D-916F-871B9977FD82}"/>
+              </a:ext>
+            </a:extLst>
+          </p:cNvPr>
+          <p:cNvSpPr txBox="1"/>
+          <p:nvPr/>
+        </p:nvSpPr>
+        <p:spPr>
+          <a:xfrm>
+            <a:off x="-1554805" y="6884893"/>
+            <a:ext cx="6715956" cy="1200329"/>
+          </a:xfrm>
+          <a:prstGeom prst="rect">
+            <a:avLst/>
+          </a:prstGeom>
+          <a:noFill/>
+        </p:spPr>
+        <p:txBody>
+          <a:bodyPr wrap="square">
+            <a:spAutoFit/>
+          </a:bodyPr>
+          <a:lstStyle/>
+          <a:p>
+            <a:pPr algn="l">
+              <a:buFont typeface="Arial" panose="020B0604020202020204" pitchFamily="34" charset="0"/>
+              <a:buChar char="•"/>
+            </a:pPr>
+            <a:r>
+              <a:rPr lang="en-US" b="1" i="0" dirty="0">
+                <a:solidFill>
+                  <a:srgbClr val="202122"/>
+                </a:solidFill>
+                <a:effectLst/>
+                <a:latin typeface="Arial" panose="020B0604020202020204" pitchFamily="34" charset="0"/>
+              </a:rPr>
+              <a:t>Sensitivity</a:t>
+            </a:r>
+            <a:r>
+              <a:rPr lang="en-US" b="0" i="0" dirty="0">
+                <a:solidFill>
+                  <a:srgbClr val="202122"/>
+                </a:solidFill>
+                <a:effectLst/>
+                <a:latin typeface="Arial" panose="020B0604020202020204" pitchFamily="34" charset="0"/>
+              </a:rPr>
+              <a:t> (true positive rate) refers to the probability of a positive test, conditioned on truly being positive.</a:t>
+            </a:r>
+          </a:p>
+          <a:p>
+            <a:pPr algn="l">
+              <a:buFont typeface="Arial" panose="020B0604020202020204" pitchFamily="34" charset="0"/>
+              <a:buChar char="•"/>
+            </a:pPr>
+            <a:r>
+              <a:rPr lang="en-US" b="1" i="0" dirty="0">
+                <a:solidFill>
+                  <a:srgbClr val="202122"/>
+                </a:solidFill>
+                <a:effectLst/>
+                <a:latin typeface="Arial" panose="020B0604020202020204" pitchFamily="34" charset="0"/>
+              </a:rPr>
+              <a:t>Specificity</a:t>
+            </a:r>
+            <a:r>
+              <a:rPr lang="en-US" b="0" i="0" dirty="0">
+                <a:solidFill>
+                  <a:srgbClr val="202122"/>
+                </a:solidFill>
+                <a:effectLst/>
+                <a:latin typeface="Arial" panose="020B0604020202020204" pitchFamily="34" charset="0"/>
+              </a:rPr>
+              <a:t> (true negative rate) refers to the probability of a negative test, conditioned on truly being negative.</a:t>
             </a:r>
           </a:p>
         </p:txBody>
@@ -10113,7 +10927,7 @@
             </a:pPr>
             <a:r>
               <a:rPr lang="en-US" sz="1900" dirty="0"/>
-              <a:t>1677/1868 true negatives (Fails)</a:t>
+              <a:t>8034/8045 true negatives (Paid)</a:t>
             </a:r>
           </a:p>
           <a:p>
@@ -10123,7 +10937,7 @@
             </a:pPr>
             <a:r>
               <a:rPr lang="en-US" sz="1900" dirty="0"/>
-              <a:t>7686/7710 true positives (Meets)</a:t>
+              <a:t>20/1533 true positives (Unpaid)</a:t>
             </a:r>
           </a:p>
           <a:p>
@@ -10196,6 +11010,49 @@
           <a:xfrm>
             <a:off x="4845661" y="1497882"/>
             <a:ext cx="7346339" cy="5247384"/>
+          </a:xfrm>
+          <a:prstGeom prst="rect">
+            <a:avLst/>
+          </a:prstGeom>
+        </p:spPr>
+      </p:pic>
+      <p:pic>
+        <p:nvPicPr>
+          <p:cNvPr id="11" name="Picture 10">
+            <a:extLst>
+              <a:ext uri="{FF2B5EF4-FFF2-40B4-BE49-F238E27FC236}">
+                <a16:creationId xmlns:a16="http://schemas.microsoft.com/office/drawing/2014/main" id="{08F5CF5F-5984-211C-8358-E124353CD140}"/>
+              </a:ext>
+            </a:extLst>
+          </p:cNvPr>
+          <p:cNvPicPr>
+            <a:picLocks noChangeAspect="1"/>
+          </p:cNvPicPr>
+          <p:nvPr/>
+        </p:nvPicPr>
+        <p:blipFill>
+          <a:blip r:embed="rId6">
+            <a:alphaModFix amt="5000"/>
+            <a:extLst>
+              <a:ext uri="{BEBA8EAE-BF5A-486C-A8C5-ECC9F3942E4B}">
+                <a14:imgProps xmlns:a14="http://schemas.microsoft.com/office/drawing/2010/main">
+                  <a14:imgLayer r:embed="rId7">
+                    <a14:imgEffect>
+                      <a14:saturation sat="0"/>
+                    </a14:imgEffect>
+                  </a14:imgLayer>
+                </a14:imgProps>
+              </a:ext>
+            </a:extLst>
+          </a:blip>
+          <a:stretch>
+            <a:fillRect/>
+          </a:stretch>
+        </p:blipFill>
+        <p:spPr>
+          <a:xfrm>
+            <a:off x="11346306" y="543903"/>
+            <a:ext cx="845693" cy="772083"/>
           </a:xfrm>
           <a:prstGeom prst="rect">
             <a:avLst/>
@@ -10216,449 +11073,6 @@
 </file>
 
 <file path=ppt/slides/slide26.xml><?xml version="1.0" encoding="utf-8"?>
-<p:sld xmlns:a="http://schemas.openxmlformats.org/drawingml/2006/main" xmlns:r="http://schemas.openxmlformats.org/officeDocument/2006/relationships" xmlns:p="http://schemas.openxmlformats.org/presentationml/2006/main">
-  <p:cSld>
-    <p:spTree>
-      <p:nvGrpSpPr>
-        <p:cNvPr id="1" name=""/>
-        <p:cNvGrpSpPr/>
-        <p:nvPr/>
-      </p:nvGrpSpPr>
-      <p:grpSpPr>
-        <a:xfrm>
-          <a:off x="0" y="0"/>
-          <a:ext cx="0" cy="0"/>
-          <a:chOff x="0" y="0"/>
-          <a:chExt cx="0" cy="0"/>
-        </a:xfrm>
-      </p:grpSpPr>
-      <p:pic>
-        <p:nvPicPr>
-          <p:cNvPr id="5" name="Picture 4">
-            <a:extLst>
-              <a:ext uri="{FF2B5EF4-FFF2-40B4-BE49-F238E27FC236}">
-                <a16:creationId xmlns:a16="http://schemas.microsoft.com/office/drawing/2014/main" id="{558453F9-F3C1-EDA3-6D83-43170A158A07}"/>
-              </a:ext>
-            </a:extLst>
-          </p:cNvPr>
-          <p:cNvPicPr>
-            <a:picLocks noChangeAspect="1"/>
-          </p:cNvPicPr>
-          <p:nvPr/>
-        </p:nvPicPr>
-        <p:blipFill rotWithShape="1">
-          <a:blip r:embed="rId3"/>
-          <a:srcRect t="10770" r="84371" b="20000"/>
-          <a:stretch/>
-        </p:blipFill>
-        <p:spPr>
-          <a:xfrm>
-            <a:off x="0" y="0"/>
-            <a:ext cx="1073997" cy="1175657"/>
-          </a:xfrm>
-          <a:prstGeom prst="rect">
-            <a:avLst/>
-          </a:prstGeom>
-        </p:spPr>
-      </p:pic>
-      <p:pic>
-        <p:nvPicPr>
-          <p:cNvPr id="6" name="Picture 5">
-            <a:extLst>
-              <a:ext uri="{FF2B5EF4-FFF2-40B4-BE49-F238E27FC236}">
-                <a16:creationId xmlns:a16="http://schemas.microsoft.com/office/drawing/2014/main" id="{CE1484BB-74DC-9E65-B32D-BE5FE2E385CD}"/>
-              </a:ext>
-            </a:extLst>
-          </p:cNvPr>
-          <p:cNvPicPr>
-            <a:picLocks noChangeAspect="1"/>
-          </p:cNvPicPr>
-          <p:nvPr/>
-        </p:nvPicPr>
-        <p:blipFill rotWithShape="1">
-          <a:blip r:embed="rId3"/>
-          <a:srcRect l="15172"/>
-          <a:stretch/>
-        </p:blipFill>
-        <p:spPr>
-          <a:xfrm>
-            <a:off x="9949987" y="0"/>
-            <a:ext cx="2242014" cy="653143"/>
-          </a:xfrm>
-          <a:prstGeom prst="rect">
-            <a:avLst/>
-          </a:prstGeom>
-        </p:spPr>
-      </p:pic>
-      <p:sp>
-        <p:nvSpPr>
-          <p:cNvPr id="7" name="TextBox 6">
-            <a:extLst>
-              <a:ext uri="{FF2B5EF4-FFF2-40B4-BE49-F238E27FC236}">
-                <a16:creationId xmlns:a16="http://schemas.microsoft.com/office/drawing/2014/main" id="{9EECCCD9-8AD5-9916-BC29-771066C9EE70}"/>
-              </a:ext>
-            </a:extLst>
-          </p:cNvPr>
-          <p:cNvSpPr txBox="1"/>
-          <p:nvPr/>
-        </p:nvSpPr>
-        <p:spPr>
-          <a:xfrm>
-            <a:off x="1" y="470259"/>
-            <a:ext cx="12192000" cy="861774"/>
-          </a:xfrm>
-          <a:prstGeom prst="rect">
-            <a:avLst/>
-          </a:prstGeom>
-          <a:noFill/>
-        </p:spPr>
-        <p:txBody>
-          <a:bodyPr wrap="square" rtlCol="0">
-            <a:spAutoFit/>
-          </a:bodyPr>
-          <a:lstStyle/>
-          <a:p>
-            <a:pPr algn="ctr"/>
-            <a:r>
-              <a:rPr lang="en-US" sz="5000" b="1" dirty="0">
-                <a:solidFill>
-                  <a:srgbClr val="002060"/>
-                </a:solidFill>
-              </a:rPr>
-              <a:t>Classification Tree – Confusion Matrix</a:t>
-            </a:r>
-          </a:p>
-        </p:txBody>
-      </p:sp>
-      <p:cxnSp>
-        <p:nvCxnSpPr>
-          <p:cNvPr id="9" name="Straight Connector 8">
-            <a:extLst>
-              <a:ext uri="{FF2B5EF4-FFF2-40B4-BE49-F238E27FC236}">
-                <a16:creationId xmlns:a16="http://schemas.microsoft.com/office/drawing/2014/main" id="{450EE6D2-7381-B11A-A20A-0D5D0904DD35}"/>
-              </a:ext>
-            </a:extLst>
-          </p:cNvPr>
-          <p:cNvCxnSpPr>
-            <a:cxnSpLocks/>
-          </p:cNvCxnSpPr>
-          <p:nvPr/>
-        </p:nvCxnSpPr>
-        <p:spPr>
-          <a:xfrm>
-            <a:off x="757647" y="1332033"/>
-            <a:ext cx="10659291" cy="0"/>
-          </a:xfrm>
-          <a:prstGeom prst="line">
-            <a:avLst/>
-          </a:prstGeom>
-          <a:ln w="57150">
-            <a:solidFill>
-              <a:srgbClr val="002060"/>
-            </a:solidFill>
-          </a:ln>
-        </p:spPr>
-        <p:style>
-          <a:lnRef idx="1">
-            <a:schemeClr val="accent1"/>
-          </a:lnRef>
-          <a:fillRef idx="0">
-            <a:schemeClr val="accent1"/>
-          </a:fillRef>
-          <a:effectRef idx="0">
-            <a:schemeClr val="accent1"/>
-          </a:effectRef>
-          <a:fontRef idx="minor">
-            <a:schemeClr val="tx1"/>
-          </a:fontRef>
-        </p:style>
-      </p:cxnSp>
-      <p:pic>
-        <p:nvPicPr>
-          <p:cNvPr id="3" name="Picture 2">
-            <a:extLst>
-              <a:ext uri="{FF2B5EF4-FFF2-40B4-BE49-F238E27FC236}">
-                <a16:creationId xmlns:a16="http://schemas.microsoft.com/office/drawing/2014/main" id="{53197530-2E14-923C-E337-E1922138DA0D}"/>
-              </a:ext>
-            </a:extLst>
-          </p:cNvPr>
-          <p:cNvPicPr>
-            <a:picLocks noChangeAspect="1"/>
-          </p:cNvPicPr>
-          <p:nvPr/>
-        </p:nvPicPr>
-        <p:blipFill>
-          <a:blip r:embed="rId4"/>
-          <a:stretch>
-            <a:fillRect/>
-          </a:stretch>
-        </p:blipFill>
-        <p:spPr>
-          <a:xfrm>
-            <a:off x="4216303" y="1488409"/>
-            <a:ext cx="3759393" cy="5340624"/>
-          </a:xfrm>
-          <a:prstGeom prst="rect">
-            <a:avLst/>
-          </a:prstGeom>
-        </p:spPr>
-      </p:pic>
-    </p:spTree>
-    <p:extLst>
-      <p:ext uri="{BB962C8B-B14F-4D97-AF65-F5344CB8AC3E}">
-        <p14:creationId xmlns:p14="http://schemas.microsoft.com/office/powerpoint/2010/main" val="1751695005"/>
-      </p:ext>
-    </p:extLst>
-  </p:cSld>
-  <p:clrMapOvr>
-    <a:masterClrMapping/>
-  </p:clrMapOvr>
-</p:sld>
-</file>
-
-<file path=ppt/slides/slide27.xml><?xml version="1.0" encoding="utf-8"?>
-<p:sld xmlns:a="http://schemas.openxmlformats.org/drawingml/2006/main" xmlns:r="http://schemas.openxmlformats.org/officeDocument/2006/relationships" xmlns:p="http://schemas.openxmlformats.org/presentationml/2006/main">
-  <p:cSld>
-    <p:spTree>
-      <p:nvGrpSpPr>
-        <p:cNvPr id="1" name=""/>
-        <p:cNvGrpSpPr/>
-        <p:nvPr/>
-      </p:nvGrpSpPr>
-      <p:grpSpPr>
-        <a:xfrm>
-          <a:off x="0" y="0"/>
-          <a:ext cx="0" cy="0"/>
-          <a:chOff x="0" y="0"/>
-          <a:chExt cx="0" cy="0"/>
-        </a:xfrm>
-      </p:grpSpPr>
-      <p:pic>
-        <p:nvPicPr>
-          <p:cNvPr id="5" name="Picture 4">
-            <a:extLst>
-              <a:ext uri="{FF2B5EF4-FFF2-40B4-BE49-F238E27FC236}">
-                <a16:creationId xmlns:a16="http://schemas.microsoft.com/office/drawing/2014/main" id="{558453F9-F3C1-EDA3-6D83-43170A158A07}"/>
-              </a:ext>
-            </a:extLst>
-          </p:cNvPr>
-          <p:cNvPicPr>
-            <a:picLocks noChangeAspect="1"/>
-          </p:cNvPicPr>
-          <p:nvPr/>
-        </p:nvPicPr>
-        <p:blipFill rotWithShape="1">
-          <a:blip r:embed="rId3"/>
-          <a:srcRect t="10770" r="84371" b="20000"/>
-          <a:stretch/>
-        </p:blipFill>
-        <p:spPr>
-          <a:xfrm>
-            <a:off x="0" y="0"/>
-            <a:ext cx="1073997" cy="1175657"/>
-          </a:xfrm>
-          <a:prstGeom prst="rect">
-            <a:avLst/>
-          </a:prstGeom>
-        </p:spPr>
-      </p:pic>
-      <p:pic>
-        <p:nvPicPr>
-          <p:cNvPr id="6" name="Picture 5">
-            <a:extLst>
-              <a:ext uri="{FF2B5EF4-FFF2-40B4-BE49-F238E27FC236}">
-                <a16:creationId xmlns:a16="http://schemas.microsoft.com/office/drawing/2014/main" id="{CE1484BB-74DC-9E65-B32D-BE5FE2E385CD}"/>
-              </a:ext>
-            </a:extLst>
-          </p:cNvPr>
-          <p:cNvPicPr>
-            <a:picLocks noChangeAspect="1"/>
-          </p:cNvPicPr>
-          <p:nvPr/>
-        </p:nvPicPr>
-        <p:blipFill rotWithShape="1">
-          <a:blip r:embed="rId3"/>
-          <a:srcRect l="15172"/>
-          <a:stretch/>
-        </p:blipFill>
-        <p:spPr>
-          <a:xfrm>
-            <a:off x="9949987" y="0"/>
-            <a:ext cx="2242014" cy="653143"/>
-          </a:xfrm>
-          <a:prstGeom prst="rect">
-            <a:avLst/>
-          </a:prstGeom>
-        </p:spPr>
-      </p:pic>
-      <p:sp>
-        <p:nvSpPr>
-          <p:cNvPr id="7" name="TextBox 6">
-            <a:extLst>
-              <a:ext uri="{FF2B5EF4-FFF2-40B4-BE49-F238E27FC236}">
-                <a16:creationId xmlns:a16="http://schemas.microsoft.com/office/drawing/2014/main" id="{9EECCCD9-8AD5-9916-BC29-771066C9EE70}"/>
-              </a:ext>
-            </a:extLst>
-          </p:cNvPr>
-          <p:cNvSpPr txBox="1"/>
-          <p:nvPr/>
-        </p:nvSpPr>
-        <p:spPr>
-          <a:xfrm>
-            <a:off x="1" y="470259"/>
-            <a:ext cx="12192000" cy="861774"/>
-          </a:xfrm>
-          <a:prstGeom prst="rect">
-            <a:avLst/>
-          </a:prstGeom>
-          <a:noFill/>
-        </p:spPr>
-        <p:txBody>
-          <a:bodyPr wrap="square" rtlCol="0">
-            <a:spAutoFit/>
-          </a:bodyPr>
-          <a:lstStyle/>
-          <a:p>
-            <a:pPr algn="ctr"/>
-            <a:r>
-              <a:rPr lang="en-US" sz="5000" b="1" dirty="0">
-                <a:solidFill>
-                  <a:srgbClr val="002060"/>
-                </a:solidFill>
-              </a:rPr>
-              <a:t>Classification Tree – ROC Curve</a:t>
-            </a:r>
-          </a:p>
-        </p:txBody>
-      </p:sp>
-      <p:cxnSp>
-        <p:nvCxnSpPr>
-          <p:cNvPr id="9" name="Straight Connector 8">
-            <a:extLst>
-              <a:ext uri="{FF2B5EF4-FFF2-40B4-BE49-F238E27FC236}">
-                <a16:creationId xmlns:a16="http://schemas.microsoft.com/office/drawing/2014/main" id="{450EE6D2-7381-B11A-A20A-0D5D0904DD35}"/>
-              </a:ext>
-            </a:extLst>
-          </p:cNvPr>
-          <p:cNvCxnSpPr>
-            <a:cxnSpLocks/>
-          </p:cNvCxnSpPr>
-          <p:nvPr/>
-        </p:nvCxnSpPr>
-        <p:spPr>
-          <a:xfrm>
-            <a:off x="757647" y="1332033"/>
-            <a:ext cx="10659291" cy="0"/>
-          </a:xfrm>
-          <a:prstGeom prst="line">
-            <a:avLst/>
-          </a:prstGeom>
-          <a:ln w="57150">
-            <a:solidFill>
-              <a:srgbClr val="002060"/>
-            </a:solidFill>
-          </a:ln>
-        </p:spPr>
-        <p:style>
-          <a:lnRef idx="1">
-            <a:schemeClr val="accent1"/>
-          </a:lnRef>
-          <a:fillRef idx="0">
-            <a:schemeClr val="accent1"/>
-          </a:fillRef>
-          <a:effectRef idx="0">
-            <a:schemeClr val="accent1"/>
-          </a:effectRef>
-          <a:fontRef idx="minor">
-            <a:schemeClr val="tx1"/>
-          </a:fontRef>
-        </p:style>
-      </p:cxnSp>
-      <p:pic>
-        <p:nvPicPr>
-          <p:cNvPr id="4" name="Picture 3" descr="A picture containing chart&#10;&#10;Description automatically generated">
-            <a:extLst>
-              <a:ext uri="{FF2B5EF4-FFF2-40B4-BE49-F238E27FC236}">
-                <a16:creationId xmlns:a16="http://schemas.microsoft.com/office/drawing/2014/main" id="{42D988EC-5A0B-5693-5FAE-64380A8B7603}"/>
-              </a:ext>
-            </a:extLst>
-          </p:cNvPr>
-          <p:cNvPicPr>
-            <a:picLocks noChangeAspect="1"/>
-          </p:cNvPicPr>
-          <p:nvPr/>
-        </p:nvPicPr>
-        <p:blipFill>
-          <a:blip r:embed="rId4">
-            <a:extLst>
-              <a:ext uri="{28A0092B-C50C-407E-A947-70E740481C1C}">
-                <a14:useLocalDpi xmlns:a14="http://schemas.microsoft.com/office/drawing/2010/main" val="0"/>
-              </a:ext>
-            </a:extLst>
-          </a:blip>
-          <a:stretch>
-            <a:fillRect/>
-          </a:stretch>
-        </p:blipFill>
-        <p:spPr>
-          <a:xfrm>
-            <a:off x="2738999" y="1520901"/>
-            <a:ext cx="6400847" cy="4572033"/>
-          </a:xfrm>
-          <a:prstGeom prst="rect">
-            <a:avLst/>
-          </a:prstGeom>
-        </p:spPr>
-      </p:pic>
-      <p:sp>
-        <p:nvSpPr>
-          <p:cNvPr id="8" name="TextBox 7">
-            <a:extLst>
-              <a:ext uri="{FF2B5EF4-FFF2-40B4-BE49-F238E27FC236}">
-                <a16:creationId xmlns:a16="http://schemas.microsoft.com/office/drawing/2014/main" id="{2DBF58F3-7E65-6D50-C337-8940DA3DC74A}"/>
-              </a:ext>
-            </a:extLst>
-          </p:cNvPr>
-          <p:cNvSpPr txBox="1"/>
-          <p:nvPr/>
-        </p:nvSpPr>
-        <p:spPr>
-          <a:xfrm>
-            <a:off x="5215828" y="6281803"/>
-            <a:ext cx="1447191" cy="369332"/>
-          </a:xfrm>
-          <a:prstGeom prst="rect">
-            <a:avLst/>
-          </a:prstGeom>
-          <a:noFill/>
-        </p:spPr>
-        <p:txBody>
-          <a:bodyPr wrap="none" rtlCol="0">
-            <a:spAutoFit/>
-          </a:bodyPr>
-          <a:lstStyle/>
-          <a:p>
-            <a:r>
-              <a:rPr lang="en-US" dirty="0"/>
-              <a:t>ROC = 0.8774</a:t>
-            </a:r>
-          </a:p>
-        </p:txBody>
-      </p:sp>
-    </p:spTree>
-    <p:extLst>
-      <p:ext uri="{BB962C8B-B14F-4D97-AF65-F5344CB8AC3E}">
-        <p14:creationId xmlns:p14="http://schemas.microsoft.com/office/powerpoint/2010/main" val="1277009581"/>
-      </p:ext>
-    </p:extLst>
-  </p:cSld>
-  <p:clrMapOvr>
-    <a:masterClrMapping/>
-  </p:clrMapOvr>
-</p:sld>
-</file>
-
-<file path=ppt/slides/slide28.xml><?xml version="1.0" encoding="utf-8"?>
 <p:sld xmlns:a="http://schemas.openxmlformats.org/drawingml/2006/main" xmlns:r="http://schemas.openxmlformats.org/officeDocument/2006/relationships" xmlns:p="http://schemas.openxmlformats.org/presentationml/2006/main">
   <p:cSld>
     <p:spTree>
@@ -11386,6 +11800,49 @@
           </a:p>
         </p:txBody>
       </p:sp>
+      <p:pic>
+        <p:nvPicPr>
+          <p:cNvPr id="12" name="Picture 11">
+            <a:extLst>
+              <a:ext uri="{FF2B5EF4-FFF2-40B4-BE49-F238E27FC236}">
+                <a16:creationId xmlns:a16="http://schemas.microsoft.com/office/drawing/2014/main" id="{68138AA1-8ADF-AB97-780A-883203F211FC}"/>
+              </a:ext>
+            </a:extLst>
+          </p:cNvPr>
+          <p:cNvPicPr>
+            <a:picLocks noChangeAspect="1"/>
+          </p:cNvPicPr>
+          <p:nvPr/>
+        </p:nvPicPr>
+        <p:blipFill>
+          <a:blip r:embed="rId4">
+            <a:alphaModFix amt="5000"/>
+            <a:extLst>
+              <a:ext uri="{BEBA8EAE-BF5A-486C-A8C5-ECC9F3942E4B}">
+                <a14:imgProps xmlns:a14="http://schemas.microsoft.com/office/drawing/2010/main">
+                  <a14:imgLayer r:embed="rId5">
+                    <a14:imgEffect>
+                      <a14:saturation sat="0"/>
+                    </a14:imgEffect>
+                  </a14:imgLayer>
+                </a14:imgProps>
+              </a:ext>
+            </a:extLst>
+          </a:blip>
+          <a:stretch>
+            <a:fillRect/>
+          </a:stretch>
+        </p:blipFill>
+        <p:spPr>
+          <a:xfrm>
+            <a:off x="11346306" y="543903"/>
+            <a:ext cx="845693" cy="772083"/>
+          </a:xfrm>
+          <a:prstGeom prst="rect">
+            <a:avLst/>
+          </a:prstGeom>
+        </p:spPr>
+      </p:pic>
     </p:spTree>
     <p:extLst>
       <p:ext uri="{BB962C8B-B14F-4D97-AF65-F5344CB8AC3E}">
@@ -11399,7 +11856,7 @@
 </p:sld>
 </file>
 
-<file path=ppt/slides/slide29.xml><?xml version="1.0" encoding="utf-8"?>
+<file path=ppt/slides/slide27.xml><?xml version="1.0" encoding="utf-8"?>
 <p:sld xmlns:a="http://schemas.openxmlformats.org/drawingml/2006/main" xmlns:r="http://schemas.openxmlformats.org/officeDocument/2006/relationships" xmlns:p="http://schemas.openxmlformats.org/presentationml/2006/main">
   <p:cSld>
     <p:bg>
@@ -12157,6 +12614,49 @@
           </p:txBody>
         </p:sp>
       </p:grpSp>
+      <p:pic>
+        <p:nvPicPr>
+          <p:cNvPr id="4" name="Picture 3">
+            <a:extLst>
+              <a:ext uri="{FF2B5EF4-FFF2-40B4-BE49-F238E27FC236}">
+                <a16:creationId xmlns:a16="http://schemas.microsoft.com/office/drawing/2014/main" id="{2B1D08FC-4CE8-0AAC-2E9E-50B8A5959AAF}"/>
+              </a:ext>
+            </a:extLst>
+          </p:cNvPr>
+          <p:cNvPicPr>
+            <a:picLocks noChangeAspect="1"/>
+          </p:cNvPicPr>
+          <p:nvPr/>
+        </p:nvPicPr>
+        <p:blipFill>
+          <a:blip r:embed="rId5">
+            <a:alphaModFix amt="5000"/>
+            <a:extLst>
+              <a:ext uri="{BEBA8EAE-BF5A-486C-A8C5-ECC9F3942E4B}">
+                <a14:imgProps xmlns:a14="http://schemas.microsoft.com/office/drawing/2010/main">
+                  <a14:imgLayer r:embed="rId6">
+                    <a14:imgEffect>
+                      <a14:saturation sat="0"/>
+                    </a14:imgEffect>
+                  </a14:imgLayer>
+                </a14:imgProps>
+              </a:ext>
+            </a:extLst>
+          </a:blip>
+          <a:stretch>
+            <a:fillRect/>
+          </a:stretch>
+        </p:blipFill>
+        <p:spPr>
+          <a:xfrm>
+            <a:off x="11346306" y="543903"/>
+            <a:ext cx="845693" cy="772083"/>
+          </a:xfrm>
+          <a:prstGeom prst="rect">
+            <a:avLst/>
+          </a:prstGeom>
+        </p:spPr>
+      </p:pic>
     </p:spTree>
     <p:extLst>
       <p:ext uri="{BB962C8B-B14F-4D97-AF65-F5344CB8AC3E}">
@@ -12685,6 +13185,49 @@
           </a:p>
         </p:txBody>
       </p:sp>
+      <p:pic>
+        <p:nvPicPr>
+          <p:cNvPr id="4" name="Picture 3">
+            <a:extLst>
+              <a:ext uri="{FF2B5EF4-FFF2-40B4-BE49-F238E27FC236}">
+                <a16:creationId xmlns:a16="http://schemas.microsoft.com/office/drawing/2014/main" id="{90E612DB-D1B0-B419-761F-5700B054BFBB}"/>
+              </a:ext>
+            </a:extLst>
+          </p:cNvPr>
+          <p:cNvPicPr>
+            <a:picLocks noChangeAspect="1"/>
+          </p:cNvPicPr>
+          <p:nvPr/>
+        </p:nvPicPr>
+        <p:blipFill>
+          <a:blip r:embed="rId4">
+            <a:alphaModFix amt="5000"/>
+            <a:extLst>
+              <a:ext uri="{BEBA8EAE-BF5A-486C-A8C5-ECC9F3942E4B}">
+                <a14:imgProps xmlns:a14="http://schemas.microsoft.com/office/drawing/2010/main">
+                  <a14:imgLayer r:embed="rId5">
+                    <a14:imgEffect>
+                      <a14:saturation sat="0"/>
+                    </a14:imgEffect>
+                  </a14:imgLayer>
+                </a14:imgProps>
+              </a:ext>
+            </a:extLst>
+          </a:blip>
+          <a:stretch>
+            <a:fillRect/>
+          </a:stretch>
+        </p:blipFill>
+        <p:spPr>
+          <a:xfrm>
+            <a:off x="11346306" y="543903"/>
+            <a:ext cx="845693" cy="772083"/>
+          </a:xfrm>
+          <a:prstGeom prst="rect">
+            <a:avLst/>
+          </a:prstGeom>
+        </p:spPr>
+      </p:pic>
     </p:spTree>
     <p:extLst>
       <p:ext uri="{BB962C8B-B14F-4D97-AF65-F5344CB8AC3E}">
@@ -12922,6 +13465,49 @@
           <a:xfrm>
             <a:off x="6377813" y="1938386"/>
             <a:ext cx="5504688" cy="3931920"/>
+          </a:xfrm>
+          <a:prstGeom prst="rect">
+            <a:avLst/>
+          </a:prstGeom>
+        </p:spPr>
+      </p:pic>
+      <p:pic>
+        <p:nvPicPr>
+          <p:cNvPr id="2" name="Picture 1">
+            <a:extLst>
+              <a:ext uri="{FF2B5EF4-FFF2-40B4-BE49-F238E27FC236}">
+                <a16:creationId xmlns:a16="http://schemas.microsoft.com/office/drawing/2014/main" id="{4F0ECA33-F4E5-56FE-FA78-CDD59D29DB10}"/>
+              </a:ext>
+            </a:extLst>
+          </p:cNvPr>
+          <p:cNvPicPr>
+            <a:picLocks noChangeAspect="1"/>
+          </p:cNvPicPr>
+          <p:nvPr/>
+        </p:nvPicPr>
+        <p:blipFill>
+          <a:blip r:embed="rId5">
+            <a:alphaModFix amt="5000"/>
+            <a:extLst>
+              <a:ext uri="{BEBA8EAE-BF5A-486C-A8C5-ECC9F3942E4B}">
+                <a14:imgProps xmlns:a14="http://schemas.microsoft.com/office/drawing/2010/main">
+                  <a14:imgLayer r:embed="rId6">
+                    <a14:imgEffect>
+                      <a14:saturation sat="0"/>
+                    </a14:imgEffect>
+                  </a14:imgLayer>
+                </a14:imgProps>
+              </a:ext>
+            </a:extLst>
+          </a:blip>
+          <a:stretch>
+            <a:fillRect/>
+          </a:stretch>
+        </p:blipFill>
+        <p:spPr>
+          <a:xfrm>
+            <a:off x="11346306" y="543903"/>
+            <a:ext cx="845693" cy="772083"/>
           </a:xfrm>
           <a:prstGeom prst="rect">
             <a:avLst/>
@@ -13135,6 +13721,49 @@
           </a:prstGeom>
         </p:spPr>
       </p:pic>
+      <p:pic>
+        <p:nvPicPr>
+          <p:cNvPr id="2" name="Picture 1">
+            <a:extLst>
+              <a:ext uri="{FF2B5EF4-FFF2-40B4-BE49-F238E27FC236}">
+                <a16:creationId xmlns:a16="http://schemas.microsoft.com/office/drawing/2014/main" id="{94026F78-E3E8-756B-332A-96B0118A80CA}"/>
+              </a:ext>
+            </a:extLst>
+          </p:cNvPr>
+          <p:cNvPicPr>
+            <a:picLocks noChangeAspect="1"/>
+          </p:cNvPicPr>
+          <p:nvPr/>
+        </p:nvPicPr>
+        <p:blipFill>
+          <a:blip r:embed="rId4">
+            <a:alphaModFix amt="5000"/>
+            <a:extLst>
+              <a:ext uri="{BEBA8EAE-BF5A-486C-A8C5-ECC9F3942E4B}">
+                <a14:imgProps xmlns:a14="http://schemas.microsoft.com/office/drawing/2010/main">
+                  <a14:imgLayer r:embed="rId5">
+                    <a14:imgEffect>
+                      <a14:saturation sat="0"/>
+                    </a14:imgEffect>
+                  </a14:imgLayer>
+                </a14:imgProps>
+              </a:ext>
+            </a:extLst>
+          </a:blip>
+          <a:stretch>
+            <a:fillRect/>
+          </a:stretch>
+        </p:blipFill>
+        <p:spPr>
+          <a:xfrm>
+            <a:off x="11346306" y="543903"/>
+            <a:ext cx="845693" cy="772083"/>
+          </a:xfrm>
+          <a:prstGeom prst="rect">
+            <a:avLst/>
+          </a:prstGeom>
+        </p:spPr>
+      </p:pic>
     </p:spTree>
     <p:extLst>
       <p:ext uri="{BB962C8B-B14F-4D97-AF65-F5344CB8AC3E}">
@@ -13359,6 +13988,49 @@
           </a:p>
         </p:txBody>
       </p:sp>
+      <p:pic>
+        <p:nvPicPr>
+          <p:cNvPr id="2" name="Picture 1">
+            <a:extLst>
+              <a:ext uri="{FF2B5EF4-FFF2-40B4-BE49-F238E27FC236}">
+                <a16:creationId xmlns:a16="http://schemas.microsoft.com/office/drawing/2014/main" id="{F7550000-0BDD-38D4-61D0-AFD748C494FF}"/>
+              </a:ext>
+            </a:extLst>
+          </p:cNvPr>
+          <p:cNvPicPr>
+            <a:picLocks noChangeAspect="1"/>
+          </p:cNvPicPr>
+          <p:nvPr/>
+        </p:nvPicPr>
+        <p:blipFill>
+          <a:blip r:embed="rId3">
+            <a:alphaModFix amt="5000"/>
+            <a:extLst>
+              <a:ext uri="{BEBA8EAE-BF5A-486C-A8C5-ECC9F3942E4B}">
+                <a14:imgProps xmlns:a14="http://schemas.microsoft.com/office/drawing/2010/main">
+                  <a14:imgLayer r:embed="rId4">
+                    <a14:imgEffect>
+                      <a14:saturation sat="0"/>
+                    </a14:imgEffect>
+                  </a14:imgLayer>
+                </a14:imgProps>
+              </a:ext>
+            </a:extLst>
+          </a:blip>
+          <a:stretch>
+            <a:fillRect/>
+          </a:stretch>
+        </p:blipFill>
+        <p:spPr>
+          <a:xfrm>
+            <a:off x="11346306" y="543903"/>
+            <a:ext cx="845693" cy="772083"/>
+          </a:xfrm>
+          <a:prstGeom prst="rect">
+            <a:avLst/>
+          </a:prstGeom>
+        </p:spPr>
+      </p:pic>
     </p:spTree>
     <p:extLst>
       <p:ext uri="{BB962C8B-B14F-4D97-AF65-F5344CB8AC3E}">
@@ -13787,6 +14459,49 @@
           </a:p>
         </p:txBody>
       </p:sp>
+      <p:pic>
+        <p:nvPicPr>
+          <p:cNvPr id="4" name="Picture 3">
+            <a:extLst>
+              <a:ext uri="{FF2B5EF4-FFF2-40B4-BE49-F238E27FC236}">
+                <a16:creationId xmlns:a16="http://schemas.microsoft.com/office/drawing/2014/main" id="{038427B9-FFB6-78B0-3A5C-EBE12640E9AA}"/>
+              </a:ext>
+            </a:extLst>
+          </p:cNvPr>
+          <p:cNvPicPr>
+            <a:picLocks noChangeAspect="1"/>
+          </p:cNvPicPr>
+          <p:nvPr/>
+        </p:nvPicPr>
+        <p:blipFill>
+          <a:blip r:embed="rId4">
+            <a:alphaModFix amt="5000"/>
+            <a:extLst>
+              <a:ext uri="{BEBA8EAE-BF5A-486C-A8C5-ECC9F3942E4B}">
+                <a14:imgProps xmlns:a14="http://schemas.microsoft.com/office/drawing/2010/main">
+                  <a14:imgLayer r:embed="rId5">
+                    <a14:imgEffect>
+                      <a14:saturation sat="0"/>
+                    </a14:imgEffect>
+                  </a14:imgLayer>
+                </a14:imgProps>
+              </a:ext>
+            </a:extLst>
+          </a:blip>
+          <a:stretch>
+            <a:fillRect/>
+          </a:stretch>
+        </p:blipFill>
+        <p:spPr>
+          <a:xfrm>
+            <a:off x="11346306" y="543903"/>
+            <a:ext cx="845693" cy="772083"/>
+          </a:xfrm>
+          <a:prstGeom prst="rect">
+            <a:avLst/>
+          </a:prstGeom>
+        </p:spPr>
+      </p:pic>
     </p:spTree>
     <p:extLst>
       <p:ext uri="{BB962C8B-B14F-4D97-AF65-F5344CB8AC3E}">
@@ -13988,6 +14703,49 @@
           <a:xfrm>
             <a:off x="2895576" y="1631498"/>
             <a:ext cx="6400847" cy="4572033"/>
+          </a:xfrm>
+          <a:prstGeom prst="rect">
+            <a:avLst/>
+          </a:prstGeom>
+        </p:spPr>
+      </p:pic>
+      <p:pic>
+        <p:nvPicPr>
+          <p:cNvPr id="2" name="Picture 1">
+            <a:extLst>
+              <a:ext uri="{FF2B5EF4-FFF2-40B4-BE49-F238E27FC236}">
+                <a16:creationId xmlns:a16="http://schemas.microsoft.com/office/drawing/2014/main" id="{DB512CF3-DE71-1E74-672C-26BA3DA07D94}"/>
+              </a:ext>
+            </a:extLst>
+          </p:cNvPr>
+          <p:cNvPicPr>
+            <a:picLocks noChangeAspect="1"/>
+          </p:cNvPicPr>
+          <p:nvPr/>
+        </p:nvPicPr>
+        <p:blipFill>
+          <a:blip r:embed="rId4">
+            <a:alphaModFix amt="5000"/>
+            <a:extLst>
+              <a:ext uri="{BEBA8EAE-BF5A-486C-A8C5-ECC9F3942E4B}">
+                <a14:imgProps xmlns:a14="http://schemas.microsoft.com/office/drawing/2010/main">
+                  <a14:imgLayer r:embed="rId5">
+                    <a14:imgEffect>
+                      <a14:saturation sat="0"/>
+                    </a14:imgEffect>
+                  </a14:imgLayer>
+                </a14:imgProps>
+              </a:ext>
+            </a:extLst>
+          </a:blip>
+          <a:stretch>
+            <a:fillRect/>
+          </a:stretch>
+        </p:blipFill>
+        <p:spPr>
+          <a:xfrm>
+            <a:off x="11346306" y="543903"/>
+            <a:ext cx="845693" cy="772083"/>
           </a:xfrm>
           <a:prstGeom prst="rect">
             <a:avLst/>

--- a/Project2/EDA_LendingClub_Slides - Project 2.pptx
+++ b/Project2/EDA_LendingClub_Slides - Project 2.pptx
@@ -5,7 +5,7 @@
     <p:sldMasterId id="2147483648" r:id="rId1"/>
   </p:sldMasterIdLst>
   <p:notesMasterIdLst>
-    <p:notesMasterId r:id="rId29"/>
+    <p:notesMasterId r:id="rId28"/>
   </p:notesMasterIdLst>
   <p:sldIdLst>
     <p:sldId id="257" r:id="rId2"/>
@@ -15,26 +15,25 @@
     <p:sldId id="277" r:id="rId6"/>
     <p:sldId id="272" r:id="rId7"/>
     <p:sldId id="310" r:id="rId8"/>
-    <p:sldId id="314" r:id="rId9"/>
-    <p:sldId id="273" r:id="rId10"/>
-    <p:sldId id="274" r:id="rId11"/>
-    <p:sldId id="275" r:id="rId12"/>
-    <p:sldId id="281" r:id="rId13"/>
-    <p:sldId id="300" r:id="rId14"/>
-    <p:sldId id="312" r:id="rId15"/>
-    <p:sldId id="299" r:id="rId16"/>
-    <p:sldId id="303" r:id="rId17"/>
-    <p:sldId id="304" r:id="rId18"/>
-    <p:sldId id="305" r:id="rId19"/>
-    <p:sldId id="306" r:id="rId20"/>
-    <p:sldId id="307" r:id="rId21"/>
-    <p:sldId id="308" r:id="rId22"/>
-    <p:sldId id="309" r:id="rId23"/>
-    <p:sldId id="301" r:id="rId24"/>
-    <p:sldId id="297" r:id="rId25"/>
-    <p:sldId id="315" r:id="rId26"/>
-    <p:sldId id="268" r:id="rId27"/>
-    <p:sldId id="263" r:id="rId28"/>
+    <p:sldId id="273" r:id="rId9"/>
+    <p:sldId id="274" r:id="rId10"/>
+    <p:sldId id="275" r:id="rId11"/>
+    <p:sldId id="281" r:id="rId12"/>
+    <p:sldId id="300" r:id="rId13"/>
+    <p:sldId id="312" r:id="rId14"/>
+    <p:sldId id="299" r:id="rId15"/>
+    <p:sldId id="303" r:id="rId16"/>
+    <p:sldId id="304" r:id="rId17"/>
+    <p:sldId id="305" r:id="rId18"/>
+    <p:sldId id="306" r:id="rId19"/>
+    <p:sldId id="307" r:id="rId20"/>
+    <p:sldId id="308" r:id="rId21"/>
+    <p:sldId id="309" r:id="rId22"/>
+    <p:sldId id="301" r:id="rId23"/>
+    <p:sldId id="297" r:id="rId24"/>
+    <p:sldId id="315" r:id="rId25"/>
+    <p:sldId id="268" r:id="rId26"/>
+    <p:sldId id="263" r:id="rId27"/>
   </p:sldIdLst>
   <p:sldSz cx="12192000" cy="6858000"/>
   <p:notesSz cx="6858000" cy="9144000"/>
@@ -973,50 +972,6 @@
           <a:bodyPr/>
           <a:lstStyle/>
           <a:p>
-            <a:pPr marL="0" marR="0" lvl="0" indent="0" algn="l" defTabSz="914400" rtl="0" eaLnBrk="1" fontAlgn="auto" latinLnBrk="0" hangingPunct="1">
-              <a:lnSpc>
-                <a:spcPct val="100000"/>
-              </a:lnSpc>
-              <a:spcBef>
-                <a:spcPts val="0"/>
-              </a:spcBef>
-              <a:spcAft>
-                <a:spcPts val="0"/>
-              </a:spcAft>
-              <a:buClrTx/>
-              <a:buSzTx/>
-              <a:buFontTx/>
-              <a:buNone/>
-              <a:tabLst/>
-              <a:defRPr/>
-            </a:pPr>
-            <a:r>
-              <a:rPr lang="en-US" dirty="0"/>
-              <a:t>Our dataset contains over 9,500 observations of loan data from </a:t>
-            </a:r>
-            <a:r>
-              <a:rPr lang="en-US" dirty="0" err="1"/>
-              <a:t>LendingClub</a:t>
-            </a:r>
-            <a:r>
-              <a:rPr lang="en-US" dirty="0"/>
-              <a:t>, the largest online platform for direct P2P lending.</a:t>
-            </a:r>
-            <a:r>
-              <a:rPr lang="en-US" baseline="30000" dirty="0">
-                <a:hlinkClick r:id="rId3"/>
-              </a:rPr>
-              <a:t>1</a:t>
-            </a:r>
-            <a:r>
-              <a:rPr lang="en-US" dirty="0"/>
-              <a:t> We believe that the timeframe of 2007 to 2015 provides the most relevant data for prospective individual investors today, particularly because it is unlikely to include a significant number of large institutional lenders.</a:t>
-            </a:r>
-          </a:p>
-          <a:p>
-            <a:endParaRPr lang="en-US" dirty="0"/>
-          </a:p>
-          <a:p>
             <a:endParaRPr lang="en-US" dirty="0"/>
           </a:p>
         </p:txBody>
@@ -1036,78 +991,18 @@
           <a:bodyPr/>
           <a:lstStyle/>
           <a:p>
-            <a:pPr marL="0" marR="0" lvl="0" indent="0" algn="r" defTabSz="914400" rtl="0" eaLnBrk="1" fontAlgn="auto" latinLnBrk="0" hangingPunct="1">
-              <a:lnSpc>
-                <a:spcPct val="100000"/>
-              </a:lnSpc>
-              <a:spcBef>
-                <a:spcPts val="0"/>
-              </a:spcBef>
-              <a:spcAft>
-                <a:spcPts val="0"/>
-              </a:spcAft>
-              <a:buClrTx/>
-              <a:buSzTx/>
-              <a:buFontTx/>
-              <a:buNone/>
-              <a:tabLst/>
-              <a:defRPr/>
-            </a:pPr>
-            <a:fld id="{AC8048E5-81EE-4AB3-8E5D-5B542F46B961}" type="slidenum">
-              <a:rPr kumimoji="0" lang="en-US" sz="1200" b="0" i="0" u="none" strike="noStrike" kern="1200" cap="none" spc="0" normalizeH="0" baseline="0" noProof="0" smtClean="0">
-                <a:ln>
-                  <a:noFill/>
-                </a:ln>
-                <a:solidFill>
-                  <a:prstClr val="black"/>
-                </a:solidFill>
-                <a:effectLst/>
-                <a:uLnTx/>
-                <a:uFillTx/>
-                <a:latin typeface="Calibri" panose="020F0502020204030204"/>
-                <a:ea typeface="+mn-ea"/>
-                <a:cs typeface="+mn-cs"/>
-              </a:rPr>
-              <a:pPr marL="0" marR="0" lvl="0" indent="0" algn="r" defTabSz="914400" rtl="0" eaLnBrk="1" fontAlgn="auto" latinLnBrk="0" hangingPunct="1">
-                <a:lnSpc>
-                  <a:spcPct val="100000"/>
-                </a:lnSpc>
-                <a:spcBef>
-                  <a:spcPts val="0"/>
-                </a:spcBef>
-                <a:spcAft>
-                  <a:spcPts val="0"/>
-                </a:spcAft>
-                <a:buClrTx/>
-                <a:buSzTx/>
-                <a:buFontTx/>
-                <a:buNone/>
-                <a:tabLst/>
-                <a:defRPr/>
-              </a:pPr>
-              <a:t>8</a:t>
+            <a:fld id="{6B053770-FD16-42CB-98BB-967786CBD56A}" type="slidenum">
+              <a:rPr lang="en-US" smtClean="0"/>
+              <a:t>21</a:t>
             </a:fld>
-            <a:endParaRPr kumimoji="0" lang="en-US" sz="1200" b="0" i="0" u="none" strike="noStrike" kern="1200" cap="none" spc="0" normalizeH="0" baseline="0" noProof="0">
-              <a:ln>
-                <a:noFill/>
-              </a:ln>
-              <a:solidFill>
-                <a:prstClr val="black"/>
-              </a:solidFill>
-              <a:effectLst/>
-              <a:uLnTx/>
-              <a:uFillTx/>
-              <a:latin typeface="Calibri" panose="020F0502020204030204"/>
-              <a:ea typeface="+mn-ea"/>
-              <a:cs typeface="+mn-cs"/>
-            </a:endParaRPr>
+            <a:endParaRPr lang="en-US"/>
           </a:p>
         </p:txBody>
       </p:sp>
     </p:spTree>
     <p:extLst>
       <p:ext uri="{BB962C8B-B14F-4D97-AF65-F5344CB8AC3E}">
-        <p14:creationId xmlns:p14="http://schemas.microsoft.com/office/powerpoint/2010/main" val="3664429295"/>
+        <p14:creationId xmlns:p14="http://schemas.microsoft.com/office/powerpoint/2010/main" val="2245145525"/>
       </p:ext>
     </p:extLst>
   </p:cSld>
@@ -1161,6 +1056,111 @@
           <a:bodyPr/>
           <a:lstStyle/>
           <a:p>
+            <a:r>
+              <a:rPr lang="en-US" dirty="0"/>
+              <a:t>Explain tree:</a:t>
+            </a:r>
+          </a:p>
+          <a:p>
+            <a:endParaRPr lang="en-US" dirty="0"/>
+          </a:p>
+          <a:p>
+            <a:r>
+              <a:rPr lang="en-US" dirty="0"/>
+              <a:t>Confusion Matrix:</a:t>
+            </a:r>
+          </a:p>
+          <a:p>
+            <a:r>
+              <a:rPr lang="en-US" dirty="0"/>
+              <a:t>The sensitivity value indicates the test can fairly reliably detect loans that meet the credit policy</a:t>
+            </a:r>
+          </a:p>
+          <a:p>
+            <a:r>
+              <a:rPr lang="en-US" dirty="0"/>
+              <a:t>The specificity value indicates the test can fairly reliably detect loans that fail to meet the </a:t>
+            </a:r>
+            <a:r>
+              <a:rPr lang="en-US"/>
+              <a:t>credit policy</a:t>
+            </a:r>
+            <a:endParaRPr lang="en-US" dirty="0"/>
+          </a:p>
+          <a:p>
+            <a:r>
+              <a:rPr lang="en-US" dirty="0"/>
+              <a:t>These high values, as well as the high area under the ROC curve value, indicate a favorable ROC curve and a favorable model. The very high kappa value of .926 suggests there is a high degree of agreement between the predicted values and the actual values. </a:t>
+            </a:r>
+          </a:p>
+          <a:p>
+            <a:endParaRPr lang="en-US" dirty="0"/>
+          </a:p>
+          <a:p>
+            <a:endParaRPr lang="en-US" dirty="0"/>
+          </a:p>
+          <a:p>
+            <a:endParaRPr lang="en-US" dirty="0"/>
+          </a:p>
+          <a:p>
+            <a:pPr algn="l">
+              <a:buFont typeface="Arial" panose="020B0604020202020204" pitchFamily="34" charset="0"/>
+              <a:buChar char="•"/>
+            </a:pPr>
+            <a:r>
+              <a:rPr lang="en-US" b="1" i="0" dirty="0">
+                <a:solidFill>
+                  <a:srgbClr val="202122"/>
+                </a:solidFill>
+                <a:effectLst/>
+                <a:latin typeface="Arial" panose="020B0604020202020204" pitchFamily="34" charset="0"/>
+              </a:rPr>
+              <a:t>Sensitivity</a:t>
+            </a:r>
+            <a:r>
+              <a:rPr lang="en-US" b="0" i="0" dirty="0">
+                <a:solidFill>
+                  <a:srgbClr val="202122"/>
+                </a:solidFill>
+                <a:effectLst/>
+                <a:latin typeface="Arial" panose="020B0604020202020204" pitchFamily="34" charset="0"/>
+              </a:rPr>
+              <a:t> (true positive rate) refers to the probability of a positive test, conditioned on truly being positive.</a:t>
+            </a:r>
+          </a:p>
+          <a:p>
+            <a:pPr algn="l">
+              <a:buFont typeface="Arial" panose="020B0604020202020204" pitchFamily="34" charset="0"/>
+              <a:buChar char="•"/>
+            </a:pPr>
+            <a:r>
+              <a:rPr lang="en-US" b="1" i="0" dirty="0">
+                <a:solidFill>
+                  <a:srgbClr val="202122"/>
+                </a:solidFill>
+                <a:effectLst/>
+                <a:latin typeface="Arial" panose="020B0604020202020204" pitchFamily="34" charset="0"/>
+              </a:rPr>
+              <a:t>Specificity</a:t>
+            </a:r>
+            <a:r>
+              <a:rPr lang="en-US" b="0" i="0" dirty="0">
+                <a:solidFill>
+                  <a:srgbClr val="202122"/>
+                </a:solidFill>
+                <a:effectLst/>
+                <a:latin typeface="Arial" panose="020B0604020202020204" pitchFamily="34" charset="0"/>
+              </a:rPr>
+              <a:t> (true negative rate) refers to the probability of a negative test, conditioned on truly being negative.</a:t>
+            </a:r>
+          </a:p>
+          <a:p>
+            <a:endParaRPr lang="en-US" dirty="0"/>
+          </a:p>
+          <a:p>
+            <a:endParaRPr lang="en-US" dirty="0"/>
+          </a:p>
+          <a:p>
             <a:endParaRPr lang="en-US" dirty="0"/>
           </a:p>
         </p:txBody>
@@ -1182,7 +1182,7 @@
           <a:p>
             <a:fld id="{6B053770-FD16-42CB-98BB-967786CBD56A}" type="slidenum">
               <a:rPr lang="en-US" smtClean="0"/>
-              <a:t>22</a:t>
+              <a:t>23</a:t>
             </a:fld>
             <a:endParaRPr lang="en-US"/>
           </a:p>
@@ -1191,7 +1191,7 @@
     </p:spTree>
     <p:extLst>
       <p:ext uri="{BB962C8B-B14F-4D97-AF65-F5344CB8AC3E}">
-        <p14:creationId xmlns:p14="http://schemas.microsoft.com/office/powerpoint/2010/main" val="2245145525"/>
+        <p14:creationId xmlns:p14="http://schemas.microsoft.com/office/powerpoint/2010/main" val="2295492974"/>
       </p:ext>
     </p:extLst>
   </p:cSld>
@@ -1251,97 +1251,99 @@
             </a:r>
           </a:p>
           <a:p>
+            <a:r>
+              <a:rPr lang="en-US" dirty="0"/>
+              <a:t>Our initial classification tree revealed in no chosen variables and only the single root node, a kappa value of 0, and a ROC curve that fit directly on the random classifier line. We interpreted this as a strong indicator that a classification tree would not be useful for the `</a:t>
+            </a:r>
+            <a:r>
+              <a:rPr lang="en-US" dirty="0" err="1"/>
+              <a:t>not.fully.paid</a:t>
+            </a:r>
+            <a:r>
+              <a:rPr lang="en-US" dirty="0"/>
+              <a:t>` variable. To confirm this indication, we overrode the default complexity parameter in the </a:t>
+            </a:r>
+            <a:r>
+              <a:rPr lang="en-US" dirty="0" err="1"/>
+              <a:t>rPart</a:t>
+            </a:r>
+            <a:r>
+              <a:rPr lang="en-US" dirty="0"/>
+              <a:t> function and set it from .01 to .001. By reducing that value in R, we reduce the minimum improvement threshold required at each node for the tree to be built; i.e., essentially lowering the restrictions on how and when the tree is constructed. </a:t>
+            </a:r>
+          </a:p>
+          <a:p>
             <a:endParaRPr lang="en-US" dirty="0"/>
           </a:p>
           <a:p>
             <a:r>
               <a:rPr lang="en-US" dirty="0"/>
-              <a:t>Confusion Matrix:</a:t>
-            </a:r>
-          </a:p>
-          <a:p>
+              <a:t>This led to the classification tree using the variables `</a:t>
+            </a:r>
+            <a:r>
+              <a:rPr lang="en-US" dirty="0" err="1"/>
+              <a:t>credit.policy</a:t>
+            </a:r>
             <a:r>
               <a:rPr lang="en-US" dirty="0"/>
-              <a:t>The sensitivity value indicates the test can fairly reliably detect loans that meet the credit policy</a:t>
-            </a:r>
-          </a:p>
-          <a:p>
+              <a:t>`, `inq.last.6mths`, `</a:t>
+            </a:r>
+            <a:r>
+              <a:rPr lang="en-US" dirty="0" err="1"/>
+              <a:t>int.rate</a:t>
+            </a:r>
             <a:r>
               <a:rPr lang="en-US" dirty="0"/>
-              <a:t>The specificity value indicates the test can fairly reliably detect loans that fail to meet the </a:t>
-            </a:r>
-            <a:r>
-              <a:rPr lang="en-US"/>
-              <a:t>credit policy</a:t>
-            </a:r>
-            <a:endParaRPr lang="en-US" dirty="0"/>
-          </a:p>
-          <a:p>
+              <a:t>`, and `purpose` in building the tree. Looking at it though, and with our initially suspicion regarding the usefulness of the tree, we can see that it is not very informative. We can see that the majority of loans that met the </a:t>
+            </a:r>
+            <a:r>
+              <a:rPr lang="en-US" dirty="0" err="1"/>
+              <a:t>credit.policy</a:t>
+            </a:r>
             <a:r>
               <a:rPr lang="en-US" dirty="0"/>
-              <a:t>These high values, as well as the high area under the ROC curve value, indicate a favorable ROC curve and a favorable model. The very high kappa value of .926 suggests there is a high degree of agreement between the predicted values and the actual values. </a:t>
-            </a:r>
-          </a:p>
-          <a:p>
-            <a:endParaRPr lang="en-US" dirty="0"/>
-          </a:p>
-          <a:p>
-            <a:endParaRPr lang="en-US" dirty="0"/>
-          </a:p>
-          <a:p>
-            <a:endParaRPr lang="en-US" dirty="0"/>
-          </a:p>
-          <a:p>
-            <a:pPr algn="l">
+              <a:t>, paid the loan, which we would generally expect. We can also see that that those loans that did not meet the credit policy, had higher a number of inquiries in the last 6 months, and higher interest rates, would probably more susceptible of going Unpaid; this is also what we would generally expect to see. </a:t>
+            </a:r>
+          </a:p>
+          <a:p>
+            <a:pPr marL="171450" indent="-171450">
               <a:buFont typeface="Arial" panose="020B0604020202020204" pitchFamily="34" charset="0"/>
               <a:buChar char="•"/>
             </a:pPr>
             <a:r>
-              <a:rPr lang="en-US" b="1" i="0" dirty="0">
-                <a:solidFill>
-                  <a:srgbClr val="202122"/>
-                </a:solidFill>
-                <a:effectLst/>
-                <a:latin typeface="Arial" panose="020B0604020202020204" pitchFamily="34" charset="0"/>
-              </a:rPr>
-              <a:t>Sensitivity</a:t>
-            </a:r>
-            <a:r>
-              <a:rPr lang="en-US" b="0" i="0" dirty="0">
-                <a:solidFill>
-                  <a:srgbClr val="202122"/>
-                </a:solidFill>
-                <a:effectLst/>
-                <a:latin typeface="Arial" panose="020B0604020202020204" pitchFamily="34" charset="0"/>
-              </a:rPr>
-              <a:t> (true positive rate) refers to the probability of a positive test, conditioned on truly being positive.</a:t>
-            </a:r>
-          </a:p>
-          <a:p>
-            <a:pPr algn="l">
-              <a:buFont typeface="Arial" panose="020B0604020202020204" pitchFamily="34" charset="0"/>
-              <a:buChar char="•"/>
-            </a:pPr>
-            <a:r>
-              <a:rPr lang="en-US" b="1" i="0" dirty="0">
-                <a:solidFill>
-                  <a:srgbClr val="202122"/>
-                </a:solidFill>
-                <a:effectLst/>
-                <a:latin typeface="Arial" panose="020B0604020202020204" pitchFamily="34" charset="0"/>
-              </a:rPr>
-              <a:t>Specificity</a:t>
-            </a:r>
-            <a:r>
-              <a:rPr lang="en-US" b="0" i="0" dirty="0">
-                <a:solidFill>
-                  <a:srgbClr val="202122"/>
-                </a:solidFill>
-                <a:effectLst/>
-                <a:latin typeface="Arial" panose="020B0604020202020204" pitchFamily="34" charset="0"/>
-              </a:rPr>
-              <a:t> (true negative rate) refers to the probability of a negative test, conditioned on truly being negative.</a:t>
-            </a:r>
+              <a:rPr lang="en-US" dirty="0"/>
+              <a:t>IF ASKED: we do not consider the distinction between loan purpose to be meaningful because of the number of Unpaid values among other leaf nodes and their proportion to the Paid values.</a:t>
+            </a:r>
+          </a:p>
+          <a:p>
+            <a:endParaRPr lang="en-US" dirty="0"/>
+          </a:p>
+          <a:p>
+            <a:endParaRPr lang="en-US" dirty="0"/>
+          </a:p>
+          <a:p>
+            <a:r>
+              <a:rPr lang="en-US" dirty="0"/>
+              <a:t>Confusion Matrix:</a:t>
+            </a:r>
+          </a:p>
+          <a:p>
+            <a:r>
+              <a:rPr lang="en-US" dirty="0"/>
+              <a:t>Low area under ROC curve indicates the model has little to no ability to discriminate between Paid and Unpaid classes.</a:t>
+            </a:r>
+          </a:p>
+          <a:p>
+            <a:endParaRPr lang="en-US" dirty="0"/>
+          </a:p>
+          <a:p>
+            <a:r>
+              <a:rPr lang="en-US" dirty="0"/>
+              <a:t>Based on the extremely low Kappa statistic of .019, there is nearly no agreement between the predictive model and the actual data. </a:t>
+            </a:r>
+          </a:p>
+          <a:p>
+            <a:endParaRPr lang="en-US" dirty="0"/>
           </a:p>
           <a:p>
             <a:endParaRPr lang="en-US" dirty="0"/>
@@ -1380,7 +1382,7 @@
     </p:spTree>
     <p:extLst>
       <p:ext uri="{BB962C8B-B14F-4D97-AF65-F5344CB8AC3E}">
-        <p14:creationId xmlns:p14="http://schemas.microsoft.com/office/powerpoint/2010/main" val="2295492974"/>
+        <p14:creationId xmlns:p14="http://schemas.microsoft.com/office/powerpoint/2010/main" val="2468590306"/>
       </p:ext>
     </p:extLst>
   </p:cSld>
@@ -1436,112 +1438,17 @@
           <a:p>
             <a:r>
               <a:rPr lang="en-US" dirty="0"/>
-              <a:t>Explain tree:</a:t>
-            </a:r>
+              <a:t>From this we can see that about 13.2% of borrowers who met the credit underwriting criteria did not fully pay, while for the borrowers who did not meet the credit underwriting criteria about 27.8% did not fully pay.</a:t>
+            </a:r>
+          </a:p>
+          <a:p>
+            <a:endParaRPr lang="en-US" dirty="0"/>
           </a:p>
           <a:p>
             <a:r>
               <a:rPr lang="en-US" dirty="0"/>
-              <a:t>Our initial classification tree revealed in no chosen variables and only the single root node, a kappa value of 0, and a ROC curve that fit directly on the random classifier line. We interpreted this as a strong indicator that a classification tree would not be useful for the `</a:t>
-            </a:r>
-            <a:r>
-              <a:rPr lang="en-US" dirty="0" err="1"/>
-              <a:t>not.fully.paid</a:t>
-            </a:r>
-            <a:r>
-              <a:rPr lang="en-US" dirty="0"/>
-              <a:t>` variable. To confirm this indication, we overrode the default complexity parameter in the </a:t>
-            </a:r>
-            <a:r>
-              <a:rPr lang="en-US" dirty="0" err="1"/>
-              <a:t>rPart</a:t>
-            </a:r>
-            <a:r>
-              <a:rPr lang="en-US" dirty="0"/>
-              <a:t> function and set it from .01 to .001. By reducing that value in R, we reduce the minimum improvement threshold required at each node for the tree to be built; i.e., essentially lowering the restrictions on how and when the tree is constructed. </a:t>
-            </a:r>
-          </a:p>
-          <a:p>
-            <a:endParaRPr lang="en-US" dirty="0"/>
-          </a:p>
-          <a:p>
-            <a:r>
-              <a:rPr lang="en-US" dirty="0"/>
-              <a:t>This led to the classification tree using the variables `</a:t>
-            </a:r>
-            <a:r>
-              <a:rPr lang="en-US" dirty="0" err="1"/>
-              <a:t>credit.policy</a:t>
-            </a:r>
-            <a:r>
-              <a:rPr lang="en-US" dirty="0"/>
-              <a:t>`, `inq.last.6mths`, `</a:t>
-            </a:r>
-            <a:r>
-              <a:rPr lang="en-US" dirty="0" err="1"/>
-              <a:t>int.rate</a:t>
-            </a:r>
-            <a:r>
-              <a:rPr lang="en-US" dirty="0"/>
-              <a:t>`, and `purpose` in building the tree. Looking at it though, and with our initially suspicion regarding the usefulness of the tree, we can see that it is not very informative. We can see that the majority of loans that met the </a:t>
-            </a:r>
-            <a:r>
-              <a:rPr lang="en-US" dirty="0" err="1"/>
-              <a:t>credit.policy</a:t>
-            </a:r>
-            <a:r>
-              <a:rPr lang="en-US" dirty="0"/>
-              <a:t>, paid the loan, which we would generally expect. We can also see that that those loans that did not meet the credit policy, had higher a number of inquiries in the last 6 months, and higher interest rates, would probably more susceptible of going Unpaid; this is also what we would generally expect to see. </a:t>
-            </a:r>
-          </a:p>
-          <a:p>
-            <a:pPr marL="171450" indent="-171450">
-              <a:buFont typeface="Arial" panose="020B0604020202020204" pitchFamily="34" charset="0"/>
-              <a:buChar char="•"/>
-            </a:pPr>
-            <a:r>
-              <a:rPr lang="en-US" dirty="0"/>
-              <a:t>IF ASKED: we do not consider the distinction between loan purpose to be meaningful because of the number of Unpaid values among other leaf nodes and their proportion to the Paid values.</a:t>
-            </a:r>
-          </a:p>
-          <a:p>
-            <a:endParaRPr lang="en-US" dirty="0"/>
-          </a:p>
-          <a:p>
-            <a:endParaRPr lang="en-US" dirty="0"/>
-          </a:p>
-          <a:p>
-            <a:r>
-              <a:rPr lang="en-US" dirty="0"/>
-              <a:t>Confusion Matrix:</a:t>
-            </a:r>
-          </a:p>
-          <a:p>
-            <a:r>
-              <a:rPr lang="en-US" dirty="0"/>
-              <a:t>Low area under ROC curve indicates the model has little to no ability to discriminate between Paid and Unpaid classes.</a:t>
-            </a:r>
-          </a:p>
-          <a:p>
-            <a:endParaRPr lang="en-US" dirty="0"/>
-          </a:p>
-          <a:p>
-            <a:r>
-              <a:rPr lang="en-US" dirty="0"/>
-              <a:t>Based on the extremely low Kappa statistic of .019, there is nearly no agreement between the predictive model and the actual data. </a:t>
-            </a:r>
-          </a:p>
-          <a:p>
-            <a:endParaRPr lang="en-US" dirty="0"/>
-          </a:p>
-          <a:p>
-            <a:endParaRPr lang="en-US" dirty="0"/>
-          </a:p>
-          <a:p>
-            <a:endParaRPr lang="en-US" dirty="0"/>
-          </a:p>
-          <a:p>
-            <a:endParaRPr lang="en-US" dirty="0"/>
+              <a:t>This indicates borrowers who did not meet the credit underwriting criteria were almost twice as likely to be default on their loans than those who did meet the criteria. For comparison, default rates on loans from commercial banks for the same period as our dataset averaged 4.48%, with a maximum default rate of 7.49% default rate towards the end of 2009, according to the St. Louis Federal Reserve Bank.</a:t>
+            </a:r>
           </a:p>
         </p:txBody>
       </p:sp>
@@ -1563,102 +1470,6 @@
             <a:fld id="{6B053770-FD16-42CB-98BB-967786CBD56A}" type="slidenum">
               <a:rPr lang="en-US" smtClean="0"/>
               <a:t>25</a:t>
-            </a:fld>
-            <a:endParaRPr lang="en-US"/>
-          </a:p>
-        </p:txBody>
-      </p:sp>
-    </p:spTree>
-    <p:extLst>
-      <p:ext uri="{BB962C8B-B14F-4D97-AF65-F5344CB8AC3E}">
-        <p14:creationId xmlns:p14="http://schemas.microsoft.com/office/powerpoint/2010/main" val="2468590306"/>
-      </p:ext>
-    </p:extLst>
-  </p:cSld>
-  <p:clrMapOvr>
-    <a:masterClrMapping/>
-  </p:clrMapOvr>
-</p:notes>
-</file>
-
-<file path=ppt/notesSlides/notesSlide8.xml><?xml version="1.0" encoding="utf-8"?>
-<p:notes xmlns:a="http://schemas.openxmlformats.org/drawingml/2006/main" xmlns:r="http://schemas.openxmlformats.org/officeDocument/2006/relationships" xmlns:p="http://schemas.openxmlformats.org/presentationml/2006/main">
-  <p:cSld>
-    <p:spTree>
-      <p:nvGrpSpPr>
-        <p:cNvPr id="1" name=""/>
-        <p:cNvGrpSpPr/>
-        <p:nvPr/>
-      </p:nvGrpSpPr>
-      <p:grpSpPr>
-        <a:xfrm>
-          <a:off x="0" y="0"/>
-          <a:ext cx="0" cy="0"/>
-          <a:chOff x="0" y="0"/>
-          <a:chExt cx="0" cy="0"/>
-        </a:xfrm>
-      </p:grpSpPr>
-      <p:sp>
-        <p:nvSpPr>
-          <p:cNvPr id="2" name="Slide Image Placeholder 1"/>
-          <p:cNvSpPr>
-            <a:spLocks noGrp="1" noRot="1" noChangeAspect="1"/>
-          </p:cNvSpPr>
-          <p:nvPr>
-            <p:ph type="sldImg"/>
-          </p:nvPr>
-        </p:nvSpPr>
-        <p:spPr/>
-      </p:sp>
-      <p:sp>
-        <p:nvSpPr>
-          <p:cNvPr id="3" name="Notes Placeholder 2"/>
-          <p:cNvSpPr>
-            <a:spLocks noGrp="1"/>
-          </p:cNvSpPr>
-          <p:nvPr>
-            <p:ph type="body" idx="1"/>
-          </p:nvPr>
-        </p:nvSpPr>
-        <p:spPr/>
-        <p:txBody>
-          <a:bodyPr/>
-          <a:lstStyle/>
-          <a:p>
-            <a:r>
-              <a:rPr lang="en-US" dirty="0"/>
-              <a:t>From this we can see that about 13.2% of borrowers who met the credit underwriting criteria did not fully pay, while for the borrowers who did not meet the credit underwriting criteria about 27.8% did not fully pay.</a:t>
-            </a:r>
-          </a:p>
-          <a:p>
-            <a:endParaRPr lang="en-US" dirty="0"/>
-          </a:p>
-          <a:p>
-            <a:r>
-              <a:rPr lang="en-US" dirty="0"/>
-              <a:t>This indicates borrowers who did not meet the credit underwriting criteria were almost twice as likely to be default on their loans than those who did meet the criteria. For comparison, default rates on loans from commercial banks for the same period as our dataset averaged 4.48%, with a maximum default rate of 7.49% default rate towards the end of 2009, according to the St. Louis Federal Reserve Bank.</a:t>
-            </a:r>
-          </a:p>
-        </p:txBody>
-      </p:sp>
-      <p:sp>
-        <p:nvSpPr>
-          <p:cNvPr id="4" name="Slide Number Placeholder 3"/>
-          <p:cNvSpPr>
-            <a:spLocks noGrp="1"/>
-          </p:cNvSpPr>
-          <p:nvPr>
-            <p:ph type="sldNum" sz="quarter" idx="5"/>
-          </p:nvPr>
-        </p:nvSpPr>
-        <p:spPr/>
-        <p:txBody>
-          <a:bodyPr/>
-          <a:lstStyle/>
-          <a:p>
-            <a:fld id="{6B053770-FD16-42CB-98BB-967786CBD56A}" type="slidenum">
-              <a:rPr lang="en-US" smtClean="0"/>
-              <a:t>26</a:t>
             </a:fld>
             <a:endParaRPr lang="en-US"/>
           </a:p>
@@ -6251,7 +6062,7 @@
                   <a:srgbClr val="002060"/>
                 </a:solidFill>
               </a:rPr>
-              <a:t>Simple Linear Regression – 2 of 4</a:t>
+              <a:t>Simple Linear Regression – 3 of 4</a:t>
             </a:r>
           </a:p>
           <a:p>
@@ -6309,10 +6120,10 @@
       </p:cxnSp>
       <p:pic>
         <p:nvPicPr>
-          <p:cNvPr id="4" name="Picture 3" descr="Chart&#10;&#10;Description automatically generated">
-            <a:extLst>
-              <a:ext uri="{FF2B5EF4-FFF2-40B4-BE49-F238E27FC236}">
-                <a16:creationId xmlns:a16="http://schemas.microsoft.com/office/drawing/2014/main" id="{5A3932E9-DD2F-078D-9A68-45C09A76AC7A}"/>
+          <p:cNvPr id="3" name="Picture 2" descr="Chart, scatter chart&#10;&#10;Description automatically generated">
+            <a:extLst>
+              <a:ext uri="{FF2B5EF4-FFF2-40B4-BE49-F238E27FC236}">
+                <a16:creationId xmlns:a16="http://schemas.microsoft.com/office/drawing/2014/main" id="{7317D386-6C38-EFF7-DF24-BD7C25BBE381}"/>
               </a:ext>
             </a:extLst>
           </p:cNvPr>
@@ -6335,7 +6146,7 @@
         </p:blipFill>
         <p:spPr>
           <a:xfrm>
-            <a:off x="2895576" y="1575131"/>
+            <a:off x="2886868" y="1815708"/>
             <a:ext cx="6400847" cy="4572033"/>
           </a:xfrm>
           <a:prstGeom prst="rect">
@@ -6348,7 +6159,7 @@
           <p:cNvPr id="2" name="Picture 1">
             <a:extLst>
               <a:ext uri="{FF2B5EF4-FFF2-40B4-BE49-F238E27FC236}">
-                <a16:creationId xmlns:a16="http://schemas.microsoft.com/office/drawing/2014/main" id="{4097EB18-EA0B-CFAF-F91B-BAD8E68624EC}"/>
+                <a16:creationId xmlns:a16="http://schemas.microsoft.com/office/drawing/2014/main" id="{5047AC45-F79E-E5C4-E636-87EE511DE21E}"/>
               </a:ext>
             </a:extLst>
           </p:cNvPr>
@@ -6389,7 +6200,7 @@
     </p:spTree>
     <p:extLst>
       <p:ext uri="{BB962C8B-B14F-4D97-AF65-F5344CB8AC3E}">
-        <p14:creationId xmlns:p14="http://schemas.microsoft.com/office/powerpoint/2010/main" val="2315470928"/>
+        <p14:creationId xmlns:p14="http://schemas.microsoft.com/office/powerpoint/2010/main" val="3135211236"/>
       </p:ext>
     </p:extLst>
   </p:cSld>
@@ -6509,12 +6320,12 @@
                   <a:srgbClr val="002060"/>
                 </a:solidFill>
               </a:rPr>
-              <a:t>Simple Linear Regression – 3 of 4</a:t>
+              <a:t>Simple Linear Regression – 4 of 4</a:t>
             </a:r>
           </a:p>
           <a:p>
             <a:pPr algn="ctr"/>
-            <a:endParaRPr lang="en-US" sz="5000" b="1" dirty="0">
+            <a:endParaRPr lang="en-US" sz="5000" dirty="0">
               <a:solidFill>
                 <a:srgbClr val="002060"/>
               </a:solidFill>
@@ -6567,10 +6378,10 @@
       </p:cxnSp>
       <p:pic>
         <p:nvPicPr>
-          <p:cNvPr id="3" name="Picture 2" descr="Chart, scatter chart&#10;&#10;Description automatically generated">
-            <a:extLst>
-              <a:ext uri="{FF2B5EF4-FFF2-40B4-BE49-F238E27FC236}">
-                <a16:creationId xmlns:a16="http://schemas.microsoft.com/office/drawing/2014/main" id="{7317D386-6C38-EFF7-DF24-BD7C25BBE381}"/>
+          <p:cNvPr id="4" name="Picture 3" descr="Chart&#10;&#10;Description automatically generated">
+            <a:extLst>
+              <a:ext uri="{FF2B5EF4-FFF2-40B4-BE49-F238E27FC236}">
+                <a16:creationId xmlns:a16="http://schemas.microsoft.com/office/drawing/2014/main" id="{E53D5306-5BA2-B775-84A4-9AC0440B1EA7}"/>
               </a:ext>
             </a:extLst>
           </p:cNvPr>
@@ -6606,7 +6417,7 @@
           <p:cNvPr id="2" name="Picture 1">
             <a:extLst>
               <a:ext uri="{FF2B5EF4-FFF2-40B4-BE49-F238E27FC236}">
-                <a16:creationId xmlns:a16="http://schemas.microsoft.com/office/drawing/2014/main" id="{5047AC45-F79E-E5C4-E636-87EE511DE21E}"/>
+                <a16:creationId xmlns:a16="http://schemas.microsoft.com/office/drawing/2014/main" id="{87223F74-ECB6-7C61-3EFC-F20EF269B013}"/>
               </a:ext>
             </a:extLst>
           </p:cNvPr>
@@ -6647,7 +6458,7 @@
     </p:spTree>
     <p:extLst>
       <p:ext uri="{BB962C8B-B14F-4D97-AF65-F5344CB8AC3E}">
-        <p14:creationId xmlns:p14="http://schemas.microsoft.com/office/powerpoint/2010/main" val="3135211236"/>
+        <p14:creationId xmlns:p14="http://schemas.microsoft.com/office/powerpoint/2010/main" val="1087057766"/>
       </p:ext>
     </p:extLst>
   </p:cSld>
@@ -6767,7 +6578,7 @@
                   <a:srgbClr val="002060"/>
                 </a:solidFill>
               </a:rPr>
-              <a:t>Simple Linear Regression – 4 of 4</a:t>
+              <a:t>Multiple Linear Regression – Int Rate</a:t>
             </a:r>
           </a:p>
           <a:p>
@@ -6825,10 +6636,10 @@
       </p:cxnSp>
       <p:pic>
         <p:nvPicPr>
-          <p:cNvPr id="4" name="Picture 3" descr="Chart&#10;&#10;Description automatically generated">
-            <a:extLst>
-              <a:ext uri="{FF2B5EF4-FFF2-40B4-BE49-F238E27FC236}">
-                <a16:creationId xmlns:a16="http://schemas.microsoft.com/office/drawing/2014/main" id="{E53D5306-5BA2-B775-84A4-9AC0440B1EA7}"/>
+          <p:cNvPr id="3" name="Picture 2" descr="Chart&#10;&#10;Description automatically generated">
+            <a:extLst>
+              <a:ext uri="{FF2B5EF4-FFF2-40B4-BE49-F238E27FC236}">
+                <a16:creationId xmlns:a16="http://schemas.microsoft.com/office/drawing/2014/main" id="{F6CDB253-CAA7-EBD8-94BF-8A7215DCCAA1}"/>
               </a:ext>
             </a:extLst>
           </p:cNvPr>
@@ -6864,7 +6675,7 @@
           <p:cNvPr id="2" name="Picture 1">
             <a:extLst>
               <a:ext uri="{FF2B5EF4-FFF2-40B4-BE49-F238E27FC236}">
-                <a16:creationId xmlns:a16="http://schemas.microsoft.com/office/drawing/2014/main" id="{87223F74-ECB6-7C61-3EFC-F20EF269B013}"/>
+                <a16:creationId xmlns:a16="http://schemas.microsoft.com/office/drawing/2014/main" id="{895E08C5-A3B4-07CE-8922-285BBC8780DF}"/>
               </a:ext>
             </a:extLst>
           </p:cNvPr>
@@ -6905,7 +6716,7 @@
     </p:spTree>
     <p:extLst>
       <p:ext uri="{BB962C8B-B14F-4D97-AF65-F5344CB8AC3E}">
-        <p14:creationId xmlns:p14="http://schemas.microsoft.com/office/powerpoint/2010/main" val="1087057766"/>
+        <p14:creationId xmlns:p14="http://schemas.microsoft.com/office/powerpoint/2010/main" val="1460743001"/>
       </p:ext>
     </p:extLst>
   </p:cSld>
@@ -7083,10 +6894,10 @@
       </p:cxnSp>
       <p:pic>
         <p:nvPicPr>
-          <p:cNvPr id="3" name="Picture 2" descr="Chart&#10;&#10;Description automatically generated">
-            <a:extLst>
-              <a:ext uri="{FF2B5EF4-FFF2-40B4-BE49-F238E27FC236}">
-                <a16:creationId xmlns:a16="http://schemas.microsoft.com/office/drawing/2014/main" id="{F6CDB253-CAA7-EBD8-94BF-8A7215DCCAA1}"/>
+          <p:cNvPr id="12" name="Picture 11" descr="Graphical user interface, diagram&#10;&#10;Description automatically generated">
+            <a:extLst>
+              <a:ext uri="{FF2B5EF4-FFF2-40B4-BE49-F238E27FC236}">
+                <a16:creationId xmlns:a16="http://schemas.microsoft.com/office/drawing/2014/main" id="{EC2630D3-9E74-B04F-8EE7-BC81D983E0E9}"/>
               </a:ext>
             </a:extLst>
           </p:cNvPr>
@@ -7109,8 +6920,44 @@
         </p:blipFill>
         <p:spPr>
           <a:xfrm>
-            <a:off x="2886868" y="1815708"/>
-            <a:ext cx="6400847" cy="4572033"/>
+            <a:off x="138430" y="1645916"/>
+            <a:ext cx="5760720" cy="4114800"/>
+          </a:xfrm>
+          <a:prstGeom prst="rect">
+            <a:avLst/>
+          </a:prstGeom>
+        </p:spPr>
+      </p:pic>
+      <p:pic>
+        <p:nvPicPr>
+          <p:cNvPr id="14" name="Picture 13" descr="Graphical user interface, diagram&#10;&#10;Description automatically generated">
+            <a:extLst>
+              <a:ext uri="{FF2B5EF4-FFF2-40B4-BE49-F238E27FC236}">
+                <a16:creationId xmlns:a16="http://schemas.microsoft.com/office/drawing/2014/main" id="{A04D6607-55BB-A618-6534-E8044023DD55}"/>
+              </a:ext>
+            </a:extLst>
+          </p:cNvPr>
+          <p:cNvPicPr>
+            <a:picLocks noChangeAspect="1"/>
+          </p:cNvPicPr>
+          <p:nvPr/>
+        </p:nvPicPr>
+        <p:blipFill>
+          <a:blip r:embed="rId4">
+            <a:extLst>
+              <a:ext uri="{28A0092B-C50C-407E-A947-70E740481C1C}">
+                <a14:useLocalDpi xmlns:a14="http://schemas.microsoft.com/office/drawing/2010/main" val="0"/>
+              </a:ext>
+            </a:extLst>
+          </a:blip>
+          <a:stretch>
+            <a:fillRect/>
+          </a:stretch>
+        </p:blipFill>
+        <p:spPr>
+          <a:xfrm>
+            <a:off x="6292850" y="1645916"/>
+            <a:ext cx="5760720" cy="4114800"/>
           </a:xfrm>
           <a:prstGeom prst="rect">
             <a:avLst/>
@@ -7122,7 +6969,7 @@
           <p:cNvPr id="2" name="Picture 1">
             <a:extLst>
               <a:ext uri="{FF2B5EF4-FFF2-40B4-BE49-F238E27FC236}">
-                <a16:creationId xmlns:a16="http://schemas.microsoft.com/office/drawing/2014/main" id="{895E08C5-A3B4-07CE-8922-285BBC8780DF}"/>
+                <a16:creationId xmlns:a16="http://schemas.microsoft.com/office/drawing/2014/main" id="{8467A83E-EF5D-4AF9-C9D1-B034802166A7}"/>
               </a:ext>
             </a:extLst>
           </p:cNvPr>
@@ -7132,12 +6979,12 @@
           <p:nvPr/>
         </p:nvPicPr>
         <p:blipFill>
-          <a:blip r:embed="rId4">
+          <a:blip r:embed="rId5">
             <a:alphaModFix amt="5000"/>
             <a:extLst>
               <a:ext uri="{BEBA8EAE-BF5A-486C-A8C5-ECC9F3942E4B}">
                 <a14:imgProps xmlns:a14="http://schemas.microsoft.com/office/drawing/2010/main">
-                  <a14:imgLayer r:embed="rId5">
+                  <a14:imgLayer r:embed="rId6">
                     <a14:imgEffect>
                       <a14:saturation sat="0"/>
                     </a14:imgEffect>
@@ -7163,7 +7010,7 @@
     </p:spTree>
     <p:extLst>
       <p:ext uri="{BB962C8B-B14F-4D97-AF65-F5344CB8AC3E}">
-        <p14:creationId xmlns:p14="http://schemas.microsoft.com/office/powerpoint/2010/main" val="1460743001"/>
+        <p14:creationId xmlns:p14="http://schemas.microsoft.com/office/powerpoint/2010/main" val="792173886"/>
       </p:ext>
     </p:extLst>
   </p:cSld>
@@ -7283,7 +7130,7 @@
                   <a:srgbClr val="002060"/>
                 </a:solidFill>
               </a:rPr>
-              <a:t>Multiple Linear Regression – Int Rate</a:t>
+              <a:t>Logistic Regression – Credit Policy (fix)</a:t>
             </a:r>
           </a:p>
           <a:p>
@@ -7341,10 +7188,10 @@
       </p:cxnSp>
       <p:pic>
         <p:nvPicPr>
-          <p:cNvPr id="12" name="Picture 11" descr="Graphical user interface, diagram&#10;&#10;Description automatically generated">
-            <a:extLst>
-              <a:ext uri="{FF2B5EF4-FFF2-40B4-BE49-F238E27FC236}">
-                <a16:creationId xmlns:a16="http://schemas.microsoft.com/office/drawing/2014/main" id="{EC2630D3-9E74-B04F-8EE7-BC81D983E0E9}"/>
+          <p:cNvPr id="3" name="Picture 2" descr="Chart&#10;&#10;Description automatically generated">
+            <a:extLst>
+              <a:ext uri="{FF2B5EF4-FFF2-40B4-BE49-F238E27FC236}">
+                <a16:creationId xmlns:a16="http://schemas.microsoft.com/office/drawing/2014/main" id="{8B33217A-198E-C50A-6DDE-8BD6434B97BC}"/>
               </a:ext>
             </a:extLst>
           </p:cNvPr>
@@ -7367,8 +7214,8 @@
         </p:blipFill>
         <p:spPr>
           <a:xfrm>
-            <a:off x="138430" y="1645916"/>
-            <a:ext cx="5760720" cy="4114800"/>
+            <a:off x="2886868" y="1687866"/>
+            <a:ext cx="6400847" cy="4572033"/>
           </a:xfrm>
           <a:prstGeom prst="rect">
             <a:avLst/>
@@ -7377,10 +7224,10 @@
       </p:pic>
       <p:pic>
         <p:nvPicPr>
-          <p:cNvPr id="14" name="Picture 13" descr="Graphical user interface, diagram&#10;&#10;Description automatically generated">
-            <a:extLst>
-              <a:ext uri="{FF2B5EF4-FFF2-40B4-BE49-F238E27FC236}">
-                <a16:creationId xmlns:a16="http://schemas.microsoft.com/office/drawing/2014/main" id="{A04D6607-55BB-A618-6534-E8044023DD55}"/>
+          <p:cNvPr id="2" name="Picture 1">
+            <a:extLst>
+              <a:ext uri="{FF2B5EF4-FFF2-40B4-BE49-F238E27FC236}">
+                <a16:creationId xmlns:a16="http://schemas.microsoft.com/office/drawing/2014/main" id="{4CDFD8A5-1D31-9DE8-890B-C53C7BA6963E}"/>
               </a:ext>
             </a:extLst>
           </p:cNvPr>
@@ -7391,9 +7238,16 @@
         </p:nvPicPr>
         <p:blipFill>
           <a:blip r:embed="rId4">
-            <a:extLst>
-              <a:ext uri="{28A0092B-C50C-407E-A947-70E740481C1C}">
-                <a14:useLocalDpi xmlns:a14="http://schemas.microsoft.com/office/drawing/2010/main" val="0"/>
+            <a:alphaModFix amt="5000"/>
+            <a:extLst>
+              <a:ext uri="{BEBA8EAE-BF5A-486C-A8C5-ECC9F3942E4B}">
+                <a14:imgProps xmlns:a14="http://schemas.microsoft.com/office/drawing/2010/main">
+                  <a14:imgLayer r:embed="rId5">
+                    <a14:imgEffect>
+                      <a14:saturation sat="0"/>
+                    </a14:imgEffect>
+                  </a14:imgLayer>
+                </a14:imgProps>
               </a:ext>
             </a:extLst>
           </a:blip>
@@ -7403,49 +7257,6 @@
         </p:blipFill>
         <p:spPr>
           <a:xfrm>
-            <a:off x="6292850" y="1645916"/>
-            <a:ext cx="5760720" cy="4114800"/>
-          </a:xfrm>
-          <a:prstGeom prst="rect">
-            <a:avLst/>
-          </a:prstGeom>
-        </p:spPr>
-      </p:pic>
-      <p:pic>
-        <p:nvPicPr>
-          <p:cNvPr id="2" name="Picture 1">
-            <a:extLst>
-              <a:ext uri="{FF2B5EF4-FFF2-40B4-BE49-F238E27FC236}">
-                <a16:creationId xmlns:a16="http://schemas.microsoft.com/office/drawing/2014/main" id="{8467A83E-EF5D-4AF9-C9D1-B034802166A7}"/>
-              </a:ext>
-            </a:extLst>
-          </p:cNvPr>
-          <p:cNvPicPr>
-            <a:picLocks noChangeAspect="1"/>
-          </p:cNvPicPr>
-          <p:nvPr/>
-        </p:nvPicPr>
-        <p:blipFill>
-          <a:blip r:embed="rId5">
-            <a:alphaModFix amt="5000"/>
-            <a:extLst>
-              <a:ext uri="{BEBA8EAE-BF5A-486C-A8C5-ECC9F3942E4B}">
-                <a14:imgProps xmlns:a14="http://schemas.microsoft.com/office/drawing/2010/main">
-                  <a14:imgLayer r:embed="rId6">
-                    <a14:imgEffect>
-                      <a14:saturation sat="0"/>
-                    </a14:imgEffect>
-                  </a14:imgLayer>
-                </a14:imgProps>
-              </a:ext>
-            </a:extLst>
-          </a:blip>
-          <a:stretch>
-            <a:fillRect/>
-          </a:stretch>
-        </p:blipFill>
-        <p:spPr>
-          <a:xfrm>
             <a:off x="11346306" y="543903"/>
             <a:ext cx="845693" cy="772083"/>
           </a:xfrm>
@@ -7457,7 +7268,7 @@
     </p:spTree>
     <p:extLst>
       <p:ext uri="{BB962C8B-B14F-4D97-AF65-F5344CB8AC3E}">
-        <p14:creationId xmlns:p14="http://schemas.microsoft.com/office/powerpoint/2010/main" val="792173886"/>
+        <p14:creationId xmlns:p14="http://schemas.microsoft.com/office/powerpoint/2010/main" val="4029267829"/>
       </p:ext>
     </p:extLst>
   </p:cSld>
@@ -7635,10 +7446,10 @@
       </p:cxnSp>
       <p:pic>
         <p:nvPicPr>
-          <p:cNvPr id="3" name="Picture 2" descr="Chart&#10;&#10;Description automatically generated">
-            <a:extLst>
-              <a:ext uri="{FF2B5EF4-FFF2-40B4-BE49-F238E27FC236}">
-                <a16:creationId xmlns:a16="http://schemas.microsoft.com/office/drawing/2014/main" id="{8B33217A-198E-C50A-6DDE-8BD6434B97BC}"/>
+          <p:cNvPr id="4" name="Picture 3">
+            <a:extLst>
+              <a:ext uri="{FF2B5EF4-FFF2-40B4-BE49-F238E27FC236}">
+                <a16:creationId xmlns:a16="http://schemas.microsoft.com/office/drawing/2014/main" id="{A19AD511-4FD6-9E60-078C-B38E84FA4D7F}"/>
               </a:ext>
             </a:extLst>
           </p:cNvPr>
@@ -7648,21 +7459,15 @@
           <p:nvPr/>
         </p:nvPicPr>
         <p:blipFill>
-          <a:blip r:embed="rId3">
-            <a:extLst>
-              <a:ext uri="{28A0092B-C50C-407E-A947-70E740481C1C}">
-                <a14:useLocalDpi xmlns:a14="http://schemas.microsoft.com/office/drawing/2010/main" val="0"/>
-              </a:ext>
-            </a:extLst>
-          </a:blip>
+          <a:blip r:embed="rId3"/>
           <a:stretch>
             <a:fillRect/>
           </a:stretch>
         </p:blipFill>
         <p:spPr>
           <a:xfrm>
-            <a:off x="2886868" y="1687866"/>
-            <a:ext cx="6400847" cy="4572033"/>
+            <a:off x="3880351" y="0"/>
+            <a:ext cx="4046424" cy="6858000"/>
           </a:xfrm>
           <a:prstGeom prst="rect">
             <a:avLst/>
@@ -7674,7 +7479,7 @@
           <p:cNvPr id="2" name="Picture 1">
             <a:extLst>
               <a:ext uri="{FF2B5EF4-FFF2-40B4-BE49-F238E27FC236}">
-                <a16:creationId xmlns:a16="http://schemas.microsoft.com/office/drawing/2014/main" id="{4CDFD8A5-1D31-9DE8-890B-C53C7BA6963E}"/>
+                <a16:creationId xmlns:a16="http://schemas.microsoft.com/office/drawing/2014/main" id="{658A2BB4-5A21-050A-0C3D-4A1E1E98286A}"/>
               </a:ext>
             </a:extLst>
           </p:cNvPr>
@@ -7715,7 +7520,7 @@
     </p:spTree>
     <p:extLst>
       <p:ext uri="{BB962C8B-B14F-4D97-AF65-F5344CB8AC3E}">
-        <p14:creationId xmlns:p14="http://schemas.microsoft.com/office/powerpoint/2010/main" val="4029267829"/>
+        <p14:creationId xmlns:p14="http://schemas.microsoft.com/office/powerpoint/2010/main" val="697410562"/>
       </p:ext>
     </p:extLst>
   </p:cSld>
@@ -7893,10 +7698,10 @@
       </p:cxnSp>
       <p:pic>
         <p:nvPicPr>
-          <p:cNvPr id="4" name="Picture 3">
-            <a:extLst>
-              <a:ext uri="{FF2B5EF4-FFF2-40B4-BE49-F238E27FC236}">
-                <a16:creationId xmlns:a16="http://schemas.microsoft.com/office/drawing/2014/main" id="{A19AD511-4FD6-9E60-078C-B38E84FA4D7F}"/>
+          <p:cNvPr id="3" name="Picture 2">
+            <a:extLst>
+              <a:ext uri="{FF2B5EF4-FFF2-40B4-BE49-F238E27FC236}">
+                <a16:creationId xmlns:a16="http://schemas.microsoft.com/office/drawing/2014/main" id="{DFA50187-4266-8085-0DA9-50A85EB54D17}"/>
               </a:ext>
             </a:extLst>
           </p:cNvPr>
@@ -7913,8 +7718,8 @@
         </p:blipFill>
         <p:spPr>
           <a:xfrm>
-            <a:off x="3880351" y="0"/>
-            <a:ext cx="4046424" cy="6858000"/>
+            <a:off x="4082946" y="2870464"/>
+            <a:ext cx="4026107" cy="1530429"/>
           </a:xfrm>
           <a:prstGeom prst="rect">
             <a:avLst/>
@@ -7926,7 +7731,7 @@
           <p:cNvPr id="2" name="Picture 1">
             <a:extLst>
               <a:ext uri="{FF2B5EF4-FFF2-40B4-BE49-F238E27FC236}">
-                <a16:creationId xmlns:a16="http://schemas.microsoft.com/office/drawing/2014/main" id="{658A2BB4-5A21-050A-0C3D-4A1E1E98286A}"/>
+                <a16:creationId xmlns:a16="http://schemas.microsoft.com/office/drawing/2014/main" id="{A2AD466F-D5C0-9B79-A015-C5B328B5F793}"/>
               </a:ext>
             </a:extLst>
           </p:cNvPr>
@@ -7967,7 +7772,7 @@
     </p:spTree>
     <p:extLst>
       <p:ext uri="{BB962C8B-B14F-4D97-AF65-F5344CB8AC3E}">
-        <p14:creationId xmlns:p14="http://schemas.microsoft.com/office/powerpoint/2010/main" val="697410562"/>
+        <p14:creationId xmlns:p14="http://schemas.microsoft.com/office/powerpoint/2010/main" val="3046938398"/>
       </p:ext>
     </p:extLst>
   </p:cSld>
@@ -8145,10 +7950,10 @@
       </p:cxnSp>
       <p:pic>
         <p:nvPicPr>
-          <p:cNvPr id="3" name="Picture 2">
-            <a:extLst>
-              <a:ext uri="{FF2B5EF4-FFF2-40B4-BE49-F238E27FC236}">
-                <a16:creationId xmlns:a16="http://schemas.microsoft.com/office/drawing/2014/main" id="{DFA50187-4266-8085-0DA9-50A85EB54D17}"/>
+          <p:cNvPr id="4" name="Picture 3" descr="A picture containing chart&#10;&#10;Description automatically generated">
+            <a:extLst>
+              <a:ext uri="{FF2B5EF4-FFF2-40B4-BE49-F238E27FC236}">
+                <a16:creationId xmlns:a16="http://schemas.microsoft.com/office/drawing/2014/main" id="{EF9E986C-AE26-C3CC-4D6A-0FB74A5C0283}"/>
               </a:ext>
             </a:extLst>
           </p:cNvPr>
@@ -8158,15 +7963,21 @@
           <p:nvPr/>
         </p:nvPicPr>
         <p:blipFill>
-          <a:blip r:embed="rId3"/>
+          <a:blip r:embed="rId3">
+            <a:extLst>
+              <a:ext uri="{28A0092B-C50C-407E-A947-70E740481C1C}">
+                <a14:useLocalDpi xmlns:a14="http://schemas.microsoft.com/office/drawing/2010/main" val="0"/>
+              </a:ext>
+            </a:extLst>
+          </a:blip>
           <a:stretch>
             <a:fillRect/>
           </a:stretch>
         </p:blipFill>
         <p:spPr>
           <a:xfrm>
-            <a:off x="4082946" y="2870464"/>
-            <a:ext cx="4026107" cy="1530429"/>
+            <a:off x="2886868" y="1731706"/>
+            <a:ext cx="6400847" cy="4572033"/>
           </a:xfrm>
           <a:prstGeom prst="rect">
             <a:avLst/>
@@ -8178,7 +7989,7 @@
           <p:cNvPr id="2" name="Picture 1">
             <a:extLst>
               <a:ext uri="{FF2B5EF4-FFF2-40B4-BE49-F238E27FC236}">
-                <a16:creationId xmlns:a16="http://schemas.microsoft.com/office/drawing/2014/main" id="{A2AD466F-D5C0-9B79-A015-C5B328B5F793}"/>
+                <a16:creationId xmlns:a16="http://schemas.microsoft.com/office/drawing/2014/main" id="{2FC2B9EF-E9D6-18A8-94A2-E1294A24C8DF}"/>
               </a:ext>
             </a:extLst>
           </p:cNvPr>
@@ -8219,7 +8030,7 @@
     </p:spTree>
     <p:extLst>
       <p:ext uri="{BB962C8B-B14F-4D97-AF65-F5344CB8AC3E}">
-        <p14:creationId xmlns:p14="http://schemas.microsoft.com/office/powerpoint/2010/main" val="3046938398"/>
+        <p14:creationId xmlns:p14="http://schemas.microsoft.com/office/powerpoint/2010/main" val="4040338310"/>
       </p:ext>
     </p:extLst>
   </p:cSld>
@@ -8339,7 +8150,7 @@
                   <a:srgbClr val="002060"/>
                 </a:solidFill>
               </a:rPr>
-              <a:t>Logistic Regression – Credit Policy (fix)</a:t>
+              <a:t>Logistic Regression – Not Fully Paid</a:t>
             </a:r>
           </a:p>
           <a:p>
@@ -8397,10 +8208,10 @@
       </p:cxnSp>
       <p:pic>
         <p:nvPicPr>
-          <p:cNvPr id="4" name="Picture 3" descr="A picture containing chart&#10;&#10;Description automatically generated">
-            <a:extLst>
-              <a:ext uri="{FF2B5EF4-FFF2-40B4-BE49-F238E27FC236}">
-                <a16:creationId xmlns:a16="http://schemas.microsoft.com/office/drawing/2014/main" id="{EF9E986C-AE26-C3CC-4D6A-0FB74A5C0283}"/>
+          <p:cNvPr id="4" name="Picture 3" descr="Chart&#10;&#10;Description automatically generated">
+            <a:extLst>
+              <a:ext uri="{FF2B5EF4-FFF2-40B4-BE49-F238E27FC236}">
+                <a16:creationId xmlns:a16="http://schemas.microsoft.com/office/drawing/2014/main" id="{3DD92608-18D5-CA21-C822-95D4C9B7F6A7}"/>
               </a:ext>
             </a:extLst>
           </p:cNvPr>
@@ -8423,7 +8234,7 @@
         </p:blipFill>
         <p:spPr>
           <a:xfrm>
-            <a:off x="2886868" y="1731706"/>
+            <a:off x="2886868" y="1675339"/>
             <a:ext cx="6400847" cy="4572033"/>
           </a:xfrm>
           <a:prstGeom prst="rect">
@@ -8436,7 +8247,7 @@
           <p:cNvPr id="2" name="Picture 1">
             <a:extLst>
               <a:ext uri="{FF2B5EF4-FFF2-40B4-BE49-F238E27FC236}">
-                <a16:creationId xmlns:a16="http://schemas.microsoft.com/office/drawing/2014/main" id="{2FC2B9EF-E9D6-18A8-94A2-E1294A24C8DF}"/>
+                <a16:creationId xmlns:a16="http://schemas.microsoft.com/office/drawing/2014/main" id="{023A899E-E927-9527-7EFB-CD142FB4921E}"/>
               </a:ext>
             </a:extLst>
           </p:cNvPr>
@@ -8477,7 +8288,7 @@
     </p:spTree>
     <p:extLst>
       <p:ext uri="{BB962C8B-B14F-4D97-AF65-F5344CB8AC3E}">
-        <p14:creationId xmlns:p14="http://schemas.microsoft.com/office/powerpoint/2010/main" val="4040338310"/>
+        <p14:creationId xmlns:p14="http://schemas.microsoft.com/office/powerpoint/2010/main" val="2792606219"/>
       </p:ext>
     </p:extLst>
   </p:cSld>
@@ -8655,10 +8466,10 @@
       </p:cxnSp>
       <p:pic>
         <p:nvPicPr>
-          <p:cNvPr id="4" name="Picture 3" descr="Chart&#10;&#10;Description automatically generated">
-            <a:extLst>
-              <a:ext uri="{FF2B5EF4-FFF2-40B4-BE49-F238E27FC236}">
-                <a16:creationId xmlns:a16="http://schemas.microsoft.com/office/drawing/2014/main" id="{3DD92608-18D5-CA21-C822-95D4C9B7F6A7}"/>
+          <p:cNvPr id="3" name="Picture 2">
+            <a:extLst>
+              <a:ext uri="{FF2B5EF4-FFF2-40B4-BE49-F238E27FC236}">
+                <a16:creationId xmlns:a16="http://schemas.microsoft.com/office/drawing/2014/main" id="{5E04EC06-9E56-D09A-5B08-5A1E2A1021D8}"/>
               </a:ext>
             </a:extLst>
           </p:cNvPr>
@@ -8668,21 +8479,15 @@
           <p:nvPr/>
         </p:nvPicPr>
         <p:blipFill>
-          <a:blip r:embed="rId3">
-            <a:extLst>
-              <a:ext uri="{28A0092B-C50C-407E-A947-70E740481C1C}">
-                <a14:useLocalDpi xmlns:a14="http://schemas.microsoft.com/office/drawing/2010/main" val="0"/>
-              </a:ext>
-            </a:extLst>
-          </a:blip>
+          <a:blip r:embed="rId3"/>
           <a:stretch>
             <a:fillRect/>
           </a:stretch>
         </p:blipFill>
         <p:spPr>
           <a:xfrm>
-            <a:off x="2886868" y="1675339"/>
-            <a:ext cx="6400847" cy="4572033"/>
+            <a:off x="4176747" y="0"/>
+            <a:ext cx="3838506" cy="6858000"/>
           </a:xfrm>
           <a:prstGeom prst="rect">
             <a:avLst/>
@@ -8694,7 +8499,7 @@
           <p:cNvPr id="2" name="Picture 1">
             <a:extLst>
               <a:ext uri="{FF2B5EF4-FFF2-40B4-BE49-F238E27FC236}">
-                <a16:creationId xmlns:a16="http://schemas.microsoft.com/office/drawing/2014/main" id="{023A899E-E927-9527-7EFB-CD142FB4921E}"/>
+                <a16:creationId xmlns:a16="http://schemas.microsoft.com/office/drawing/2014/main" id="{B6CB5E6C-F811-992E-988E-E7960D0903ED}"/>
               </a:ext>
             </a:extLst>
           </p:cNvPr>
@@ -8735,7 +8540,7 @@
     </p:spTree>
     <p:extLst>
       <p:ext uri="{BB962C8B-B14F-4D97-AF65-F5344CB8AC3E}">
-        <p14:creationId xmlns:p14="http://schemas.microsoft.com/office/powerpoint/2010/main" val="2792606219"/>
+        <p14:creationId xmlns:p14="http://schemas.microsoft.com/office/powerpoint/2010/main" val="2538059948"/>
       </p:ext>
     </p:extLst>
   </p:cSld>
@@ -9211,10 +9016,10 @@
       </p:cxnSp>
       <p:pic>
         <p:nvPicPr>
-          <p:cNvPr id="3" name="Picture 2">
-            <a:extLst>
-              <a:ext uri="{FF2B5EF4-FFF2-40B4-BE49-F238E27FC236}">
-                <a16:creationId xmlns:a16="http://schemas.microsoft.com/office/drawing/2014/main" id="{5E04EC06-9E56-D09A-5B08-5A1E2A1021D8}"/>
+          <p:cNvPr id="4" name="Picture 3">
+            <a:extLst>
+              <a:ext uri="{FF2B5EF4-FFF2-40B4-BE49-F238E27FC236}">
+                <a16:creationId xmlns:a16="http://schemas.microsoft.com/office/drawing/2014/main" id="{9C3A0CD7-3E13-B5E8-39AC-7218AE83F9A2}"/>
               </a:ext>
             </a:extLst>
           </p:cNvPr>
@@ -9231,8 +9036,8 @@
         </p:blipFill>
         <p:spPr>
           <a:xfrm>
-            <a:off x="4176747" y="0"/>
-            <a:ext cx="3838506" cy="6858000"/>
+            <a:off x="4083764" y="2571734"/>
+            <a:ext cx="4007056" cy="1663786"/>
           </a:xfrm>
           <a:prstGeom prst="rect">
             <a:avLst/>
@@ -9244,7 +9049,7 @@
           <p:cNvPr id="2" name="Picture 1">
             <a:extLst>
               <a:ext uri="{FF2B5EF4-FFF2-40B4-BE49-F238E27FC236}">
-                <a16:creationId xmlns:a16="http://schemas.microsoft.com/office/drawing/2014/main" id="{B6CB5E6C-F811-992E-988E-E7960D0903ED}"/>
+                <a16:creationId xmlns:a16="http://schemas.microsoft.com/office/drawing/2014/main" id="{14AF11B4-A6BF-84F4-79AF-FCA35587A181}"/>
               </a:ext>
             </a:extLst>
           </p:cNvPr>
@@ -9285,7 +9090,7 @@
     </p:spTree>
     <p:extLst>
       <p:ext uri="{BB962C8B-B14F-4D97-AF65-F5344CB8AC3E}">
-        <p14:creationId xmlns:p14="http://schemas.microsoft.com/office/powerpoint/2010/main" val="2538059948"/>
+        <p14:creationId xmlns:p14="http://schemas.microsoft.com/office/powerpoint/2010/main" val="538577802"/>
       </p:ext>
     </p:extLst>
   </p:cSld>
@@ -9327,7 +9132,7 @@
           <p:nvPr/>
         </p:nvPicPr>
         <p:blipFill rotWithShape="1">
-          <a:blip r:embed="rId2"/>
+          <a:blip r:embed="rId3"/>
           <a:srcRect t="10770" r="84371" b="20000"/>
           <a:stretch/>
         </p:blipFill>
@@ -9356,7 +9161,7 @@
           <p:nvPr/>
         </p:nvPicPr>
         <p:blipFill rotWithShape="1">
-          <a:blip r:embed="rId2"/>
+          <a:blip r:embed="rId3"/>
           <a:srcRect l="15172"/>
           <a:stretch/>
         </p:blipFill>
@@ -9463,10 +9268,10 @@
       </p:cxnSp>
       <p:pic>
         <p:nvPicPr>
-          <p:cNvPr id="4" name="Picture 3">
-            <a:extLst>
-              <a:ext uri="{FF2B5EF4-FFF2-40B4-BE49-F238E27FC236}">
-                <a16:creationId xmlns:a16="http://schemas.microsoft.com/office/drawing/2014/main" id="{9C3A0CD7-3E13-B5E8-39AC-7218AE83F9A2}"/>
+          <p:cNvPr id="3" name="Picture 2" descr="Chart&#10;&#10;Description automatically generated">
+            <a:extLst>
+              <a:ext uri="{FF2B5EF4-FFF2-40B4-BE49-F238E27FC236}">
+                <a16:creationId xmlns:a16="http://schemas.microsoft.com/office/drawing/2014/main" id="{F8CE4281-B37D-08C2-3C7F-6F74C9EBFC21}"/>
               </a:ext>
             </a:extLst>
           </p:cNvPr>
@@ -9476,15 +9281,21 @@
           <p:nvPr/>
         </p:nvPicPr>
         <p:blipFill>
-          <a:blip r:embed="rId3"/>
+          <a:blip r:embed="rId4">
+            <a:extLst>
+              <a:ext uri="{28A0092B-C50C-407E-A947-70E740481C1C}">
+                <a14:useLocalDpi xmlns:a14="http://schemas.microsoft.com/office/drawing/2010/main" val="0"/>
+              </a:ext>
+            </a:extLst>
+          </a:blip>
           <a:stretch>
             <a:fillRect/>
           </a:stretch>
         </p:blipFill>
         <p:spPr>
           <a:xfrm>
-            <a:off x="4083764" y="2571734"/>
-            <a:ext cx="4007056" cy="1663786"/>
+            <a:off x="2895576" y="1488410"/>
+            <a:ext cx="6400847" cy="4572033"/>
           </a:xfrm>
           <a:prstGeom prst="rect">
             <a:avLst/>
@@ -9496,7 +9307,7 @@
           <p:cNvPr id="2" name="Picture 1">
             <a:extLst>
               <a:ext uri="{FF2B5EF4-FFF2-40B4-BE49-F238E27FC236}">
-                <a16:creationId xmlns:a16="http://schemas.microsoft.com/office/drawing/2014/main" id="{14AF11B4-A6BF-84F4-79AF-FCA35587A181}"/>
+                <a16:creationId xmlns:a16="http://schemas.microsoft.com/office/drawing/2014/main" id="{AE14D38D-7A17-5BEC-058F-4E888FA04465}"/>
               </a:ext>
             </a:extLst>
           </p:cNvPr>
@@ -9506,12 +9317,12 @@
           <p:nvPr/>
         </p:nvPicPr>
         <p:blipFill>
-          <a:blip r:embed="rId4">
+          <a:blip r:embed="rId5">
             <a:alphaModFix amt="5000"/>
             <a:extLst>
               <a:ext uri="{BEBA8EAE-BF5A-486C-A8C5-ECC9F3942E4B}">
                 <a14:imgProps xmlns:a14="http://schemas.microsoft.com/office/drawing/2010/main">
-                  <a14:imgLayer r:embed="rId5">
+                  <a14:imgLayer r:embed="rId6">
                     <a14:imgEffect>
                       <a14:saturation sat="0"/>
                     </a14:imgEffect>
@@ -9537,7 +9348,7 @@
     </p:spTree>
     <p:extLst>
       <p:ext uri="{BB962C8B-B14F-4D97-AF65-F5344CB8AC3E}">
-        <p14:creationId xmlns:p14="http://schemas.microsoft.com/office/powerpoint/2010/main" val="538577802"/>
+        <p14:creationId xmlns:p14="http://schemas.microsoft.com/office/powerpoint/2010/main" val="961642784"/>
       </p:ext>
     </p:extLst>
   </p:cSld>
@@ -9579,7 +9390,7 @@
           <p:nvPr/>
         </p:nvPicPr>
         <p:blipFill rotWithShape="1">
-          <a:blip r:embed="rId3"/>
+          <a:blip r:embed="rId2"/>
           <a:srcRect t="10770" r="84371" b="20000"/>
           <a:stretch/>
         </p:blipFill>
@@ -9608,7 +9419,7 @@
           <p:nvPr/>
         </p:nvPicPr>
         <p:blipFill rotWithShape="1">
-          <a:blip r:embed="rId3"/>
+          <a:blip r:embed="rId2"/>
           <a:srcRect l="15172"/>
           <a:stretch/>
         </p:blipFill>
@@ -9657,7 +9468,7 @@
                   <a:srgbClr val="002060"/>
                 </a:solidFill>
               </a:rPr>
-              <a:t>Logistic Regression – Not Fully Paid</a:t>
+              <a:t>Lasso Regression</a:t>
             </a:r>
           </a:p>
           <a:p>
@@ -9715,10 +9526,10 @@
       </p:cxnSp>
       <p:pic>
         <p:nvPicPr>
-          <p:cNvPr id="3" name="Picture 2" descr="Chart&#10;&#10;Description automatically generated">
-            <a:extLst>
-              <a:ext uri="{FF2B5EF4-FFF2-40B4-BE49-F238E27FC236}">
-                <a16:creationId xmlns:a16="http://schemas.microsoft.com/office/drawing/2014/main" id="{F8CE4281-B37D-08C2-3C7F-6F74C9EBFC21}"/>
+          <p:cNvPr id="2" name="Picture 1">
+            <a:extLst>
+              <a:ext uri="{FF2B5EF4-FFF2-40B4-BE49-F238E27FC236}">
+                <a16:creationId xmlns:a16="http://schemas.microsoft.com/office/drawing/2014/main" id="{7BE29EA1-7637-65C2-B01E-4050393F592E}"/>
               </a:ext>
             </a:extLst>
           </p:cNvPr>
@@ -9728,10 +9539,17 @@
           <p:nvPr/>
         </p:nvPicPr>
         <p:blipFill>
-          <a:blip r:embed="rId4">
-            <a:extLst>
-              <a:ext uri="{28A0092B-C50C-407E-A947-70E740481C1C}">
-                <a14:useLocalDpi xmlns:a14="http://schemas.microsoft.com/office/drawing/2010/main" val="0"/>
+          <a:blip r:embed="rId3">
+            <a:alphaModFix amt="5000"/>
+            <a:extLst>
+              <a:ext uri="{BEBA8EAE-BF5A-486C-A8C5-ECC9F3942E4B}">
+                <a14:imgProps xmlns:a14="http://schemas.microsoft.com/office/drawing/2010/main">
+                  <a14:imgLayer r:embed="rId4">
+                    <a14:imgEffect>
+                      <a14:saturation sat="0"/>
+                    </a14:imgEffect>
+                  </a14:imgLayer>
+                </a14:imgProps>
               </a:ext>
             </a:extLst>
           </a:blip>
@@ -9741,49 +9559,6 @@
         </p:blipFill>
         <p:spPr>
           <a:xfrm>
-            <a:off x="2895576" y="1488410"/>
-            <a:ext cx="6400847" cy="4572033"/>
-          </a:xfrm>
-          <a:prstGeom prst="rect">
-            <a:avLst/>
-          </a:prstGeom>
-        </p:spPr>
-      </p:pic>
-      <p:pic>
-        <p:nvPicPr>
-          <p:cNvPr id="2" name="Picture 1">
-            <a:extLst>
-              <a:ext uri="{FF2B5EF4-FFF2-40B4-BE49-F238E27FC236}">
-                <a16:creationId xmlns:a16="http://schemas.microsoft.com/office/drawing/2014/main" id="{AE14D38D-7A17-5BEC-058F-4E888FA04465}"/>
-              </a:ext>
-            </a:extLst>
-          </p:cNvPr>
-          <p:cNvPicPr>
-            <a:picLocks noChangeAspect="1"/>
-          </p:cNvPicPr>
-          <p:nvPr/>
-        </p:nvPicPr>
-        <p:blipFill>
-          <a:blip r:embed="rId5">
-            <a:alphaModFix amt="5000"/>
-            <a:extLst>
-              <a:ext uri="{BEBA8EAE-BF5A-486C-A8C5-ECC9F3942E4B}">
-                <a14:imgProps xmlns:a14="http://schemas.microsoft.com/office/drawing/2010/main">
-                  <a14:imgLayer r:embed="rId6">
-                    <a14:imgEffect>
-                      <a14:saturation sat="0"/>
-                    </a14:imgEffect>
-                  </a14:imgLayer>
-                </a14:imgProps>
-              </a:ext>
-            </a:extLst>
-          </a:blip>
-          <a:stretch>
-            <a:fillRect/>
-          </a:stretch>
-        </p:blipFill>
-        <p:spPr>
-          <a:xfrm>
             <a:off x="11346306" y="543903"/>
             <a:ext cx="845693" cy="772083"/>
           </a:xfrm>
@@ -9795,7 +9570,7 @@
     </p:spTree>
     <p:extLst>
       <p:ext uri="{BB962C8B-B14F-4D97-AF65-F5344CB8AC3E}">
-        <p14:creationId xmlns:p14="http://schemas.microsoft.com/office/powerpoint/2010/main" val="961642784"/>
+        <p14:creationId xmlns:p14="http://schemas.microsoft.com/office/powerpoint/2010/main" val="1893722804"/>
       </p:ext>
     </p:extLst>
   </p:cSld>
@@ -9837,7 +9612,7 @@
           <p:nvPr/>
         </p:nvPicPr>
         <p:blipFill rotWithShape="1">
-          <a:blip r:embed="rId2"/>
+          <a:blip r:embed="rId3"/>
           <a:srcRect t="10770" r="84371" b="20000"/>
           <a:stretch/>
         </p:blipFill>
@@ -9866,7 +9641,7 @@
           <p:nvPr/>
         </p:nvPicPr>
         <p:blipFill rotWithShape="1">
-          <a:blip r:embed="rId2"/>
+          <a:blip r:embed="rId3"/>
           <a:srcRect l="15172"/>
           <a:stretch/>
         </p:blipFill>
@@ -9895,7 +9670,7 @@
         <p:spPr>
           <a:xfrm>
             <a:off x="1" y="470259"/>
-            <a:ext cx="12192000" cy="1631216"/>
+            <a:ext cx="12192000" cy="861774"/>
           </a:xfrm>
           <a:prstGeom prst="rect">
             <a:avLst/>
@@ -9915,16 +9690,8 @@
                   <a:srgbClr val="002060"/>
                 </a:solidFill>
               </a:rPr>
-              <a:t>Lasso Regression</a:t>
-            </a:r>
-          </a:p>
-          <a:p>
-            <a:pPr algn="ctr"/>
-            <a:endParaRPr lang="en-US" sz="5000" dirty="0">
-              <a:solidFill>
-                <a:srgbClr val="002060"/>
-              </a:solidFill>
-            </a:endParaRPr>
+              <a:t>Classification Tree – Credit Policy</a:t>
+            </a:r>
           </a:p>
         </p:txBody>
       </p:sp>
@@ -9973,10 +9740,10 @@
       </p:cxnSp>
       <p:pic>
         <p:nvPicPr>
-          <p:cNvPr id="2" name="Picture 1">
-            <a:extLst>
-              <a:ext uri="{FF2B5EF4-FFF2-40B4-BE49-F238E27FC236}">
-                <a16:creationId xmlns:a16="http://schemas.microsoft.com/office/drawing/2014/main" id="{7BE29EA1-7637-65C2-B01E-4050393F592E}"/>
+          <p:cNvPr id="3" name="Picture 2" descr="Diagram&#10;&#10;Description automatically generated">
+            <a:extLst>
+              <a:ext uri="{FF2B5EF4-FFF2-40B4-BE49-F238E27FC236}">
+                <a16:creationId xmlns:a16="http://schemas.microsoft.com/office/drawing/2014/main" id="{01B57A88-251B-9A39-CD97-C0909F551BD7}"/>
               </a:ext>
             </a:extLst>
           </p:cNvPr>
@@ -9986,12 +9753,275 @@
           <p:nvPr/>
         </p:nvPicPr>
         <p:blipFill>
-          <a:blip r:embed="rId3">
+          <a:blip r:embed="rId4">
+            <a:extLst>
+              <a:ext uri="{28A0092B-C50C-407E-A947-70E740481C1C}">
+                <a14:useLocalDpi xmlns:a14="http://schemas.microsoft.com/office/drawing/2010/main" val="0"/>
+              </a:ext>
+            </a:extLst>
+          </a:blip>
+          <a:stretch>
+            <a:fillRect/>
+          </a:stretch>
+        </p:blipFill>
+        <p:spPr>
+          <a:xfrm>
+            <a:off x="-1239696" y="7641434"/>
+            <a:ext cx="6400847" cy="4572033"/>
+          </a:xfrm>
+          <a:prstGeom prst="rect">
+            <a:avLst/>
+          </a:prstGeom>
+        </p:spPr>
+      </p:pic>
+      <p:sp>
+        <p:nvSpPr>
+          <p:cNvPr id="2" name="TextBox 1">
+            <a:extLst>
+              <a:ext uri="{FF2B5EF4-FFF2-40B4-BE49-F238E27FC236}">
+                <a16:creationId xmlns:a16="http://schemas.microsoft.com/office/drawing/2014/main" id="{769B97F2-949C-6AED-5947-79C707840323}"/>
+              </a:ext>
+            </a:extLst>
+          </p:cNvPr>
+          <p:cNvSpPr txBox="1"/>
+          <p:nvPr/>
+        </p:nvSpPr>
+        <p:spPr>
+          <a:xfrm>
+            <a:off x="256606" y="2187743"/>
+            <a:ext cx="4465049" cy="4185761"/>
+          </a:xfrm>
+          <a:prstGeom prst="rect">
+            <a:avLst/>
+          </a:prstGeom>
+          <a:noFill/>
+        </p:spPr>
+        <p:txBody>
+          <a:bodyPr wrap="square" rtlCol="0">
+            <a:spAutoFit/>
+          </a:bodyPr>
+          <a:lstStyle/>
+          <a:p>
+            <a:pPr marL="285750" indent="-285750">
+              <a:buFont typeface="Arial" panose="020B0604020202020204" pitchFamily="34" charset="0"/>
+              <a:buChar char="•"/>
+            </a:pPr>
+            <a:r>
+              <a:rPr lang="en-US" sz="1900" b="1" dirty="0"/>
+              <a:t>Tree</a:t>
+            </a:r>
+          </a:p>
+          <a:p>
+            <a:pPr marL="742950" lvl="1" indent="-285750">
+              <a:buFont typeface="Arial" panose="020B0604020202020204" pitchFamily="34" charset="0"/>
+              <a:buChar char="•"/>
+            </a:pPr>
+            <a:r>
+              <a:rPr lang="en-US" sz="1900" dirty="0"/>
+              <a:t>Four variables</a:t>
+            </a:r>
+          </a:p>
+          <a:p>
+            <a:pPr marL="742950" lvl="1" indent="-285750">
+              <a:buFont typeface="Arial" panose="020B0604020202020204" pitchFamily="34" charset="0"/>
+              <a:buChar char="•"/>
+            </a:pPr>
+            <a:r>
+              <a:rPr lang="en-US" sz="1900" dirty="0"/>
+              <a:t>5 splits</a:t>
+            </a:r>
+          </a:p>
+          <a:p>
+            <a:pPr marL="742950" lvl="1" indent="-285750">
+              <a:buFont typeface="Arial" panose="020B0604020202020204" pitchFamily="34" charset="0"/>
+              <a:buChar char="•"/>
+            </a:pPr>
+            <a:endParaRPr lang="en-US" sz="1900" dirty="0"/>
+          </a:p>
+          <a:p>
+            <a:pPr marL="285750" indent="-285750">
+              <a:buFont typeface="Arial" panose="020B0604020202020204" pitchFamily="34" charset="0"/>
+              <a:buChar char="•"/>
+            </a:pPr>
+            <a:r>
+              <a:rPr lang="en-US" sz="1900" b="1" dirty="0"/>
+              <a:t>Confusion Matrix</a:t>
+            </a:r>
+          </a:p>
+          <a:p>
+            <a:pPr marL="742950" lvl="1" indent="-285750">
+              <a:buFont typeface="Arial" panose="020B0604020202020204" pitchFamily="34" charset="0"/>
+              <a:buChar char="•"/>
+            </a:pPr>
+            <a:r>
+              <a:rPr lang="en-US" sz="1900" dirty="0"/>
+              <a:t>Sensitivity: 0.899</a:t>
+            </a:r>
+          </a:p>
+          <a:p>
+            <a:pPr marL="742950" lvl="1" indent="-285750">
+              <a:buFont typeface="Arial" panose="020B0604020202020204" pitchFamily="34" charset="0"/>
+              <a:buChar char="•"/>
+            </a:pPr>
+            <a:r>
+              <a:rPr lang="en-US" sz="1900" dirty="0"/>
+              <a:t>Specificity: 0.997</a:t>
+            </a:r>
+          </a:p>
+          <a:p>
+            <a:pPr marL="742950" lvl="1" indent="-285750">
+              <a:buFont typeface="Arial" panose="020B0604020202020204" pitchFamily="34" charset="0"/>
+              <a:buChar char="•"/>
+            </a:pPr>
+            <a:r>
+              <a:rPr lang="en-US" sz="1900" dirty="0"/>
+              <a:t>AUC: 0.953</a:t>
+            </a:r>
+          </a:p>
+          <a:p>
+            <a:pPr marL="742950" lvl="1" indent="-285750">
+              <a:buFont typeface="Arial" panose="020B0604020202020204" pitchFamily="34" charset="0"/>
+              <a:buChar char="•"/>
+            </a:pPr>
+            <a:r>
+              <a:rPr lang="en-US" sz="1900" dirty="0"/>
+              <a:t>Kappa: 0.926</a:t>
+            </a:r>
+          </a:p>
+          <a:p>
+            <a:pPr marL="285750" indent="-285750">
+              <a:buFont typeface="Arial" panose="020B0604020202020204" pitchFamily="34" charset="0"/>
+              <a:buChar char="•"/>
+            </a:pPr>
+            <a:endParaRPr lang="en-US" sz="1900" dirty="0"/>
+          </a:p>
+          <a:p>
+            <a:pPr marL="285750" indent="-285750">
+              <a:buFont typeface="Arial" panose="020B0604020202020204" pitchFamily="34" charset="0"/>
+              <a:buChar char="•"/>
+            </a:pPr>
+            <a:r>
+              <a:rPr lang="en-US" sz="1900" b="1" dirty="0"/>
+              <a:t>Predictions vs Actual</a:t>
+            </a:r>
+          </a:p>
+          <a:p>
+            <a:pPr marL="742950" lvl="1" indent="-285750">
+              <a:buFont typeface="Arial" panose="020B0604020202020204" pitchFamily="34" charset="0"/>
+              <a:buChar char="•"/>
+            </a:pPr>
+            <a:r>
+              <a:rPr lang="en-US" sz="1900" dirty="0"/>
+              <a:t>1677/1868 true negatives (Fails)</a:t>
+            </a:r>
+          </a:p>
+          <a:p>
+            <a:pPr marL="742950" lvl="1" indent="-285750">
+              <a:buFont typeface="Arial" panose="020B0604020202020204" pitchFamily="34" charset="0"/>
+              <a:buChar char="•"/>
+            </a:pPr>
+            <a:r>
+              <a:rPr lang="en-US" sz="1900" dirty="0"/>
+              <a:t>7686/7710 true positives (Meets)</a:t>
+            </a:r>
+          </a:p>
+          <a:p>
+            <a:endParaRPr lang="en-US" sz="1900" dirty="0"/>
+          </a:p>
+        </p:txBody>
+      </p:sp>
+      <p:pic>
+        <p:nvPicPr>
+          <p:cNvPr id="8" name="Picture 7" descr="Diagram&#10;&#10;Description automatically generated with medium confidence">
+            <a:extLst>
+              <a:ext uri="{FF2B5EF4-FFF2-40B4-BE49-F238E27FC236}">
+                <a16:creationId xmlns:a16="http://schemas.microsoft.com/office/drawing/2014/main" id="{62EEE40D-1127-949A-7E32-45025E7A8021}"/>
+              </a:ext>
+            </a:extLst>
+          </p:cNvPr>
+          <p:cNvPicPr>
+            <a:picLocks noChangeAspect="1"/>
+          </p:cNvPicPr>
+          <p:nvPr/>
+        </p:nvPicPr>
+        <p:blipFill>
+          <a:blip r:embed="rId5">
+            <a:extLst>
+              <a:ext uri="{28A0092B-C50C-407E-A947-70E740481C1C}">
+                <a14:useLocalDpi xmlns:a14="http://schemas.microsoft.com/office/drawing/2010/main" val="0"/>
+              </a:ext>
+            </a:extLst>
+          </a:blip>
+          <a:stretch>
+            <a:fillRect/>
+          </a:stretch>
+        </p:blipFill>
+        <p:spPr>
+          <a:xfrm>
+            <a:off x="4421031" y="1391408"/>
+            <a:ext cx="7583080" cy="5416485"/>
+          </a:xfrm>
+          <a:prstGeom prst="rect">
+            <a:avLst/>
+          </a:prstGeom>
+        </p:spPr>
+      </p:pic>
+      <p:sp>
+        <p:nvSpPr>
+          <p:cNvPr id="13" name="TextBox 12">
+            <a:extLst>
+              <a:ext uri="{FF2B5EF4-FFF2-40B4-BE49-F238E27FC236}">
+                <a16:creationId xmlns:a16="http://schemas.microsoft.com/office/drawing/2014/main" id="{49BAB6AF-47C0-476A-3F2B-9D5A37330C88}"/>
+              </a:ext>
+            </a:extLst>
+          </p:cNvPr>
+          <p:cNvSpPr txBox="1"/>
+          <p:nvPr/>
+        </p:nvSpPr>
+        <p:spPr>
+          <a:xfrm>
+            <a:off x="5680881" y="7827328"/>
+            <a:ext cx="6093724" cy="1200329"/>
+          </a:xfrm>
+          <a:prstGeom prst="rect">
+            <a:avLst/>
+          </a:prstGeom>
+          <a:noFill/>
+        </p:spPr>
+        <p:txBody>
+          <a:bodyPr wrap="square">
+            <a:spAutoFit/>
+          </a:bodyPr>
+          <a:lstStyle/>
+          <a:p>
+            <a:r>
+              <a:rPr lang="en-US" dirty="0"/>
+              <a:t>The kappa coefficient measures the agreement between classification and truth values. A kappa value of 1 represents perfect agreement, while a value of 0 represents no agreement.</a:t>
+            </a:r>
+          </a:p>
+        </p:txBody>
+      </p:sp>
+      <p:pic>
+        <p:nvPicPr>
+          <p:cNvPr id="16" name="Picture 15">
+            <a:extLst>
+              <a:ext uri="{FF2B5EF4-FFF2-40B4-BE49-F238E27FC236}">
+                <a16:creationId xmlns:a16="http://schemas.microsoft.com/office/drawing/2014/main" id="{50F56C6D-7226-6C71-0754-0D4DD2D2A85D}"/>
+              </a:ext>
+            </a:extLst>
+          </p:cNvPr>
+          <p:cNvPicPr>
+            <a:picLocks noChangeAspect="1"/>
+          </p:cNvPicPr>
+          <p:nvPr/>
+        </p:nvPicPr>
+        <p:blipFill>
+          <a:blip r:embed="rId6">
             <a:alphaModFix amt="5000"/>
             <a:extLst>
               <a:ext uri="{BEBA8EAE-BF5A-486C-A8C5-ECC9F3942E4B}">
                 <a14:imgProps xmlns:a14="http://schemas.microsoft.com/office/drawing/2010/main">
-                  <a14:imgLayer r:embed="rId4">
+                  <a14:imgLayer r:embed="rId7">
                     <a14:imgEffect>
                       <a14:saturation sat="0"/>
                     </a14:imgEffect>
@@ -10014,10 +10044,91 @@
           </a:prstGeom>
         </p:spPr>
       </p:pic>
+      <p:sp>
+        <p:nvSpPr>
+          <p:cNvPr id="18" name="TextBox 17">
+            <a:extLst>
+              <a:ext uri="{FF2B5EF4-FFF2-40B4-BE49-F238E27FC236}">
+                <a16:creationId xmlns:a16="http://schemas.microsoft.com/office/drawing/2014/main" id="{E2A39A4A-A627-3E1D-916F-871B9977FD82}"/>
+              </a:ext>
+            </a:extLst>
+          </p:cNvPr>
+          <p:cNvSpPr txBox="1"/>
+          <p:nvPr/>
+        </p:nvSpPr>
+        <p:spPr>
+          <a:xfrm>
+            <a:off x="-1554805" y="6884893"/>
+            <a:ext cx="6715956" cy="1200329"/>
+          </a:xfrm>
+          <a:prstGeom prst="rect">
+            <a:avLst/>
+          </a:prstGeom>
+          <a:noFill/>
+        </p:spPr>
+        <p:txBody>
+          <a:bodyPr wrap="square">
+            <a:spAutoFit/>
+          </a:bodyPr>
+          <a:lstStyle/>
+          <a:p>
+            <a:pPr algn="l">
+              <a:buFont typeface="Arial" panose="020B0604020202020204" pitchFamily="34" charset="0"/>
+              <a:buChar char="•"/>
+            </a:pPr>
+            <a:r>
+              <a:rPr lang="en-US" b="1" i="0" dirty="0">
+                <a:solidFill>
+                  <a:srgbClr val="202122"/>
+                </a:solidFill>
+                <a:effectLst/>
+                <a:latin typeface="Arial" panose="020B0604020202020204" pitchFamily="34" charset="0"/>
+              </a:rPr>
+              <a:t>Sensitivity</a:t>
+            </a:r>
+            <a:r>
+              <a:rPr lang="en-US" b="0" i="0" dirty="0">
+                <a:solidFill>
+                  <a:srgbClr val="202122"/>
+                </a:solidFill>
+                <a:effectLst/>
+                <a:latin typeface="Arial" panose="020B0604020202020204" pitchFamily="34" charset="0"/>
+              </a:rPr>
+              <a:t> (true positive rate) refers to the probability of a positive test, conditioned on truly being positive.</a:t>
+            </a:r>
+          </a:p>
+          <a:p>
+            <a:pPr algn="l">
+              <a:buFont typeface="Arial" panose="020B0604020202020204" pitchFamily="34" charset="0"/>
+              <a:buChar char="•"/>
+            </a:pPr>
+            <a:r>
+              <a:rPr lang="en-US" b="1" i="0" dirty="0">
+                <a:solidFill>
+                  <a:srgbClr val="202122"/>
+                </a:solidFill>
+                <a:effectLst/>
+                <a:latin typeface="Arial" panose="020B0604020202020204" pitchFamily="34" charset="0"/>
+              </a:rPr>
+              <a:t>Specificity</a:t>
+            </a:r>
+            <a:r>
+              <a:rPr lang="en-US" b="0" i="0" dirty="0">
+                <a:solidFill>
+                  <a:srgbClr val="202122"/>
+                </a:solidFill>
+                <a:effectLst/>
+                <a:latin typeface="Arial" panose="020B0604020202020204" pitchFamily="34" charset="0"/>
+              </a:rPr>
+              <a:t> (true negative rate) refers to the probability of a negative test, conditioned on truly being negative.</a:t>
+            </a:r>
+          </a:p>
+        </p:txBody>
+      </p:sp>
     </p:spTree>
     <p:extLst>
       <p:ext uri="{BB962C8B-B14F-4D97-AF65-F5344CB8AC3E}">
-        <p14:creationId xmlns:p14="http://schemas.microsoft.com/office/powerpoint/2010/main" val="1893722804"/>
+        <p14:creationId xmlns:p14="http://schemas.microsoft.com/office/powerpoint/2010/main" val="562720074"/>
       </p:ext>
     </p:extLst>
   </p:cSld>
@@ -10137,7 +10248,7 @@
                   <a:srgbClr val="002060"/>
                 </a:solidFill>
               </a:rPr>
-              <a:t>Classification Tree – Credit Policy</a:t>
+              <a:t>Classification Tree – Not Fully Paid</a:t>
             </a:r>
           </a:p>
         </p:txBody>
@@ -10236,564 +10347,6 @@
         <p:spPr>
           <a:xfrm>
             <a:off x="256606" y="2187743"/>
-            <a:ext cx="4465049" cy="4185761"/>
-          </a:xfrm>
-          <a:prstGeom prst="rect">
-            <a:avLst/>
-          </a:prstGeom>
-          <a:noFill/>
-        </p:spPr>
-        <p:txBody>
-          <a:bodyPr wrap="square" rtlCol="0">
-            <a:spAutoFit/>
-          </a:bodyPr>
-          <a:lstStyle/>
-          <a:p>
-            <a:pPr marL="285750" indent="-285750">
-              <a:buFont typeface="Arial" panose="020B0604020202020204" pitchFamily="34" charset="0"/>
-              <a:buChar char="•"/>
-            </a:pPr>
-            <a:r>
-              <a:rPr lang="en-US" sz="1900" b="1" dirty="0"/>
-              <a:t>Tree</a:t>
-            </a:r>
-          </a:p>
-          <a:p>
-            <a:pPr marL="742950" lvl="1" indent="-285750">
-              <a:buFont typeface="Arial" panose="020B0604020202020204" pitchFamily="34" charset="0"/>
-              <a:buChar char="•"/>
-            </a:pPr>
-            <a:r>
-              <a:rPr lang="en-US" sz="1900" dirty="0"/>
-              <a:t>Four variables</a:t>
-            </a:r>
-          </a:p>
-          <a:p>
-            <a:pPr marL="742950" lvl="1" indent="-285750">
-              <a:buFont typeface="Arial" panose="020B0604020202020204" pitchFamily="34" charset="0"/>
-              <a:buChar char="•"/>
-            </a:pPr>
-            <a:r>
-              <a:rPr lang="en-US" sz="1900" dirty="0"/>
-              <a:t>5 splits</a:t>
-            </a:r>
-          </a:p>
-          <a:p>
-            <a:pPr marL="742950" lvl="1" indent="-285750">
-              <a:buFont typeface="Arial" panose="020B0604020202020204" pitchFamily="34" charset="0"/>
-              <a:buChar char="•"/>
-            </a:pPr>
-            <a:endParaRPr lang="en-US" sz="1900" dirty="0"/>
-          </a:p>
-          <a:p>
-            <a:pPr marL="285750" indent="-285750">
-              <a:buFont typeface="Arial" panose="020B0604020202020204" pitchFamily="34" charset="0"/>
-              <a:buChar char="•"/>
-            </a:pPr>
-            <a:r>
-              <a:rPr lang="en-US" sz="1900" b="1" dirty="0"/>
-              <a:t>Confusion Matrix</a:t>
-            </a:r>
-          </a:p>
-          <a:p>
-            <a:pPr marL="742950" lvl="1" indent="-285750">
-              <a:buFont typeface="Arial" panose="020B0604020202020204" pitchFamily="34" charset="0"/>
-              <a:buChar char="•"/>
-            </a:pPr>
-            <a:r>
-              <a:rPr lang="en-US" sz="1900" dirty="0"/>
-              <a:t>Sensitivity: 0.899</a:t>
-            </a:r>
-          </a:p>
-          <a:p>
-            <a:pPr marL="742950" lvl="1" indent="-285750">
-              <a:buFont typeface="Arial" panose="020B0604020202020204" pitchFamily="34" charset="0"/>
-              <a:buChar char="•"/>
-            </a:pPr>
-            <a:r>
-              <a:rPr lang="en-US" sz="1900" dirty="0"/>
-              <a:t>Specificity: 0.997</a:t>
-            </a:r>
-          </a:p>
-          <a:p>
-            <a:pPr marL="742950" lvl="1" indent="-285750">
-              <a:buFont typeface="Arial" panose="020B0604020202020204" pitchFamily="34" charset="0"/>
-              <a:buChar char="•"/>
-            </a:pPr>
-            <a:r>
-              <a:rPr lang="en-US" sz="1900" dirty="0"/>
-              <a:t>AUC: 0.953</a:t>
-            </a:r>
-          </a:p>
-          <a:p>
-            <a:pPr marL="742950" lvl="1" indent="-285750">
-              <a:buFont typeface="Arial" panose="020B0604020202020204" pitchFamily="34" charset="0"/>
-              <a:buChar char="•"/>
-            </a:pPr>
-            <a:r>
-              <a:rPr lang="en-US" sz="1900" dirty="0"/>
-              <a:t>Kappa: 0.926</a:t>
-            </a:r>
-          </a:p>
-          <a:p>
-            <a:pPr marL="285750" indent="-285750">
-              <a:buFont typeface="Arial" panose="020B0604020202020204" pitchFamily="34" charset="0"/>
-              <a:buChar char="•"/>
-            </a:pPr>
-            <a:endParaRPr lang="en-US" sz="1900" dirty="0"/>
-          </a:p>
-          <a:p>
-            <a:pPr marL="285750" indent="-285750">
-              <a:buFont typeface="Arial" panose="020B0604020202020204" pitchFamily="34" charset="0"/>
-              <a:buChar char="•"/>
-            </a:pPr>
-            <a:r>
-              <a:rPr lang="en-US" sz="1900" b="1" dirty="0"/>
-              <a:t>Predictions vs Actual</a:t>
-            </a:r>
-          </a:p>
-          <a:p>
-            <a:pPr marL="742950" lvl="1" indent="-285750">
-              <a:buFont typeface="Arial" panose="020B0604020202020204" pitchFamily="34" charset="0"/>
-              <a:buChar char="•"/>
-            </a:pPr>
-            <a:r>
-              <a:rPr lang="en-US" sz="1900" dirty="0"/>
-              <a:t>1677/1868 true negatives (Fails)</a:t>
-            </a:r>
-          </a:p>
-          <a:p>
-            <a:pPr marL="742950" lvl="1" indent="-285750">
-              <a:buFont typeface="Arial" panose="020B0604020202020204" pitchFamily="34" charset="0"/>
-              <a:buChar char="•"/>
-            </a:pPr>
-            <a:r>
-              <a:rPr lang="en-US" sz="1900" dirty="0"/>
-              <a:t>7686/7710 true positives (Meets)</a:t>
-            </a:r>
-          </a:p>
-          <a:p>
-            <a:endParaRPr lang="en-US" sz="1900" dirty="0"/>
-          </a:p>
-        </p:txBody>
-      </p:sp>
-      <p:pic>
-        <p:nvPicPr>
-          <p:cNvPr id="8" name="Picture 7" descr="Diagram&#10;&#10;Description automatically generated with medium confidence">
-            <a:extLst>
-              <a:ext uri="{FF2B5EF4-FFF2-40B4-BE49-F238E27FC236}">
-                <a16:creationId xmlns:a16="http://schemas.microsoft.com/office/drawing/2014/main" id="{62EEE40D-1127-949A-7E32-45025E7A8021}"/>
-              </a:ext>
-            </a:extLst>
-          </p:cNvPr>
-          <p:cNvPicPr>
-            <a:picLocks noChangeAspect="1"/>
-          </p:cNvPicPr>
-          <p:nvPr/>
-        </p:nvPicPr>
-        <p:blipFill>
-          <a:blip r:embed="rId5">
-            <a:extLst>
-              <a:ext uri="{28A0092B-C50C-407E-A947-70E740481C1C}">
-                <a14:useLocalDpi xmlns:a14="http://schemas.microsoft.com/office/drawing/2010/main" val="0"/>
-              </a:ext>
-            </a:extLst>
-          </a:blip>
-          <a:stretch>
-            <a:fillRect/>
-          </a:stretch>
-        </p:blipFill>
-        <p:spPr>
-          <a:xfrm>
-            <a:off x="4421031" y="1391408"/>
-            <a:ext cx="7583080" cy="5416485"/>
-          </a:xfrm>
-          <a:prstGeom prst="rect">
-            <a:avLst/>
-          </a:prstGeom>
-        </p:spPr>
-      </p:pic>
-      <p:sp>
-        <p:nvSpPr>
-          <p:cNvPr id="13" name="TextBox 12">
-            <a:extLst>
-              <a:ext uri="{FF2B5EF4-FFF2-40B4-BE49-F238E27FC236}">
-                <a16:creationId xmlns:a16="http://schemas.microsoft.com/office/drawing/2014/main" id="{49BAB6AF-47C0-476A-3F2B-9D5A37330C88}"/>
-              </a:ext>
-            </a:extLst>
-          </p:cNvPr>
-          <p:cNvSpPr txBox="1"/>
-          <p:nvPr/>
-        </p:nvSpPr>
-        <p:spPr>
-          <a:xfrm>
-            <a:off x="5680881" y="7827328"/>
-            <a:ext cx="6093724" cy="1200329"/>
-          </a:xfrm>
-          <a:prstGeom prst="rect">
-            <a:avLst/>
-          </a:prstGeom>
-          <a:noFill/>
-        </p:spPr>
-        <p:txBody>
-          <a:bodyPr wrap="square">
-            <a:spAutoFit/>
-          </a:bodyPr>
-          <a:lstStyle/>
-          <a:p>
-            <a:r>
-              <a:rPr lang="en-US" dirty="0"/>
-              <a:t>The kappa coefficient measures the agreement between classification and truth values. A kappa value of 1 represents perfect agreement, while a value of 0 represents no agreement.</a:t>
-            </a:r>
-          </a:p>
-        </p:txBody>
-      </p:sp>
-      <p:pic>
-        <p:nvPicPr>
-          <p:cNvPr id="16" name="Picture 15">
-            <a:extLst>
-              <a:ext uri="{FF2B5EF4-FFF2-40B4-BE49-F238E27FC236}">
-                <a16:creationId xmlns:a16="http://schemas.microsoft.com/office/drawing/2014/main" id="{50F56C6D-7226-6C71-0754-0D4DD2D2A85D}"/>
-              </a:ext>
-            </a:extLst>
-          </p:cNvPr>
-          <p:cNvPicPr>
-            <a:picLocks noChangeAspect="1"/>
-          </p:cNvPicPr>
-          <p:nvPr/>
-        </p:nvPicPr>
-        <p:blipFill>
-          <a:blip r:embed="rId6">
-            <a:alphaModFix amt="5000"/>
-            <a:extLst>
-              <a:ext uri="{BEBA8EAE-BF5A-486C-A8C5-ECC9F3942E4B}">
-                <a14:imgProps xmlns:a14="http://schemas.microsoft.com/office/drawing/2010/main">
-                  <a14:imgLayer r:embed="rId7">
-                    <a14:imgEffect>
-                      <a14:saturation sat="0"/>
-                    </a14:imgEffect>
-                  </a14:imgLayer>
-                </a14:imgProps>
-              </a:ext>
-            </a:extLst>
-          </a:blip>
-          <a:stretch>
-            <a:fillRect/>
-          </a:stretch>
-        </p:blipFill>
-        <p:spPr>
-          <a:xfrm>
-            <a:off x="11346306" y="543903"/>
-            <a:ext cx="845693" cy="772083"/>
-          </a:xfrm>
-          <a:prstGeom prst="rect">
-            <a:avLst/>
-          </a:prstGeom>
-        </p:spPr>
-      </p:pic>
-      <p:sp>
-        <p:nvSpPr>
-          <p:cNvPr id="18" name="TextBox 17">
-            <a:extLst>
-              <a:ext uri="{FF2B5EF4-FFF2-40B4-BE49-F238E27FC236}">
-                <a16:creationId xmlns:a16="http://schemas.microsoft.com/office/drawing/2014/main" id="{E2A39A4A-A627-3E1D-916F-871B9977FD82}"/>
-              </a:ext>
-            </a:extLst>
-          </p:cNvPr>
-          <p:cNvSpPr txBox="1"/>
-          <p:nvPr/>
-        </p:nvSpPr>
-        <p:spPr>
-          <a:xfrm>
-            <a:off x="-1554805" y="6884893"/>
-            <a:ext cx="6715956" cy="1200329"/>
-          </a:xfrm>
-          <a:prstGeom prst="rect">
-            <a:avLst/>
-          </a:prstGeom>
-          <a:noFill/>
-        </p:spPr>
-        <p:txBody>
-          <a:bodyPr wrap="square">
-            <a:spAutoFit/>
-          </a:bodyPr>
-          <a:lstStyle/>
-          <a:p>
-            <a:pPr algn="l">
-              <a:buFont typeface="Arial" panose="020B0604020202020204" pitchFamily="34" charset="0"/>
-              <a:buChar char="•"/>
-            </a:pPr>
-            <a:r>
-              <a:rPr lang="en-US" b="1" i="0" dirty="0">
-                <a:solidFill>
-                  <a:srgbClr val="202122"/>
-                </a:solidFill>
-                <a:effectLst/>
-                <a:latin typeface="Arial" panose="020B0604020202020204" pitchFamily="34" charset="0"/>
-              </a:rPr>
-              <a:t>Sensitivity</a:t>
-            </a:r>
-            <a:r>
-              <a:rPr lang="en-US" b="0" i="0" dirty="0">
-                <a:solidFill>
-                  <a:srgbClr val="202122"/>
-                </a:solidFill>
-                <a:effectLst/>
-                <a:latin typeface="Arial" panose="020B0604020202020204" pitchFamily="34" charset="0"/>
-              </a:rPr>
-              <a:t> (true positive rate) refers to the probability of a positive test, conditioned on truly being positive.</a:t>
-            </a:r>
-          </a:p>
-          <a:p>
-            <a:pPr algn="l">
-              <a:buFont typeface="Arial" panose="020B0604020202020204" pitchFamily="34" charset="0"/>
-              <a:buChar char="•"/>
-            </a:pPr>
-            <a:r>
-              <a:rPr lang="en-US" b="1" i="0" dirty="0">
-                <a:solidFill>
-                  <a:srgbClr val="202122"/>
-                </a:solidFill>
-                <a:effectLst/>
-                <a:latin typeface="Arial" panose="020B0604020202020204" pitchFamily="34" charset="0"/>
-              </a:rPr>
-              <a:t>Specificity</a:t>
-            </a:r>
-            <a:r>
-              <a:rPr lang="en-US" b="0" i="0" dirty="0">
-                <a:solidFill>
-                  <a:srgbClr val="202122"/>
-                </a:solidFill>
-                <a:effectLst/>
-                <a:latin typeface="Arial" panose="020B0604020202020204" pitchFamily="34" charset="0"/>
-              </a:rPr>
-              <a:t> (true negative rate) refers to the probability of a negative test, conditioned on truly being negative.</a:t>
-            </a:r>
-          </a:p>
-        </p:txBody>
-      </p:sp>
-    </p:spTree>
-    <p:extLst>
-      <p:ext uri="{BB962C8B-B14F-4D97-AF65-F5344CB8AC3E}">
-        <p14:creationId xmlns:p14="http://schemas.microsoft.com/office/powerpoint/2010/main" val="562720074"/>
-      </p:ext>
-    </p:extLst>
-  </p:cSld>
-  <p:clrMapOvr>
-    <a:masterClrMapping/>
-  </p:clrMapOvr>
-</p:sld>
-</file>
-
-<file path=ppt/slides/slide25.xml><?xml version="1.0" encoding="utf-8"?>
-<p:sld xmlns:a="http://schemas.openxmlformats.org/drawingml/2006/main" xmlns:r="http://schemas.openxmlformats.org/officeDocument/2006/relationships" xmlns:p="http://schemas.openxmlformats.org/presentationml/2006/main">
-  <p:cSld>
-    <p:spTree>
-      <p:nvGrpSpPr>
-        <p:cNvPr id="1" name=""/>
-        <p:cNvGrpSpPr/>
-        <p:nvPr/>
-      </p:nvGrpSpPr>
-      <p:grpSpPr>
-        <a:xfrm>
-          <a:off x="0" y="0"/>
-          <a:ext cx="0" cy="0"/>
-          <a:chOff x="0" y="0"/>
-          <a:chExt cx="0" cy="0"/>
-        </a:xfrm>
-      </p:grpSpPr>
-      <p:pic>
-        <p:nvPicPr>
-          <p:cNvPr id="5" name="Picture 4">
-            <a:extLst>
-              <a:ext uri="{FF2B5EF4-FFF2-40B4-BE49-F238E27FC236}">
-                <a16:creationId xmlns:a16="http://schemas.microsoft.com/office/drawing/2014/main" id="{558453F9-F3C1-EDA3-6D83-43170A158A07}"/>
-              </a:ext>
-            </a:extLst>
-          </p:cNvPr>
-          <p:cNvPicPr>
-            <a:picLocks noChangeAspect="1"/>
-          </p:cNvPicPr>
-          <p:nvPr/>
-        </p:nvPicPr>
-        <p:blipFill rotWithShape="1">
-          <a:blip r:embed="rId3"/>
-          <a:srcRect t="10770" r="84371" b="20000"/>
-          <a:stretch/>
-        </p:blipFill>
-        <p:spPr>
-          <a:xfrm>
-            <a:off x="0" y="0"/>
-            <a:ext cx="1073997" cy="1175657"/>
-          </a:xfrm>
-          <a:prstGeom prst="rect">
-            <a:avLst/>
-          </a:prstGeom>
-        </p:spPr>
-      </p:pic>
-      <p:pic>
-        <p:nvPicPr>
-          <p:cNvPr id="6" name="Picture 5">
-            <a:extLst>
-              <a:ext uri="{FF2B5EF4-FFF2-40B4-BE49-F238E27FC236}">
-                <a16:creationId xmlns:a16="http://schemas.microsoft.com/office/drawing/2014/main" id="{CE1484BB-74DC-9E65-B32D-BE5FE2E385CD}"/>
-              </a:ext>
-            </a:extLst>
-          </p:cNvPr>
-          <p:cNvPicPr>
-            <a:picLocks noChangeAspect="1"/>
-          </p:cNvPicPr>
-          <p:nvPr/>
-        </p:nvPicPr>
-        <p:blipFill rotWithShape="1">
-          <a:blip r:embed="rId3"/>
-          <a:srcRect l="15172"/>
-          <a:stretch/>
-        </p:blipFill>
-        <p:spPr>
-          <a:xfrm>
-            <a:off x="9949987" y="0"/>
-            <a:ext cx="2242014" cy="653143"/>
-          </a:xfrm>
-          <a:prstGeom prst="rect">
-            <a:avLst/>
-          </a:prstGeom>
-        </p:spPr>
-      </p:pic>
-      <p:sp>
-        <p:nvSpPr>
-          <p:cNvPr id="7" name="TextBox 6">
-            <a:extLst>
-              <a:ext uri="{FF2B5EF4-FFF2-40B4-BE49-F238E27FC236}">
-                <a16:creationId xmlns:a16="http://schemas.microsoft.com/office/drawing/2014/main" id="{9EECCCD9-8AD5-9916-BC29-771066C9EE70}"/>
-              </a:ext>
-            </a:extLst>
-          </p:cNvPr>
-          <p:cNvSpPr txBox="1"/>
-          <p:nvPr/>
-        </p:nvSpPr>
-        <p:spPr>
-          <a:xfrm>
-            <a:off x="1" y="470259"/>
-            <a:ext cx="12192000" cy="861774"/>
-          </a:xfrm>
-          <a:prstGeom prst="rect">
-            <a:avLst/>
-          </a:prstGeom>
-          <a:noFill/>
-        </p:spPr>
-        <p:txBody>
-          <a:bodyPr wrap="square" rtlCol="0">
-            <a:spAutoFit/>
-          </a:bodyPr>
-          <a:lstStyle/>
-          <a:p>
-            <a:pPr algn="ctr"/>
-            <a:r>
-              <a:rPr lang="en-US" sz="5000" b="1" dirty="0">
-                <a:solidFill>
-                  <a:srgbClr val="002060"/>
-                </a:solidFill>
-              </a:rPr>
-              <a:t>Classification Tree – Not Fully Paid</a:t>
-            </a:r>
-          </a:p>
-        </p:txBody>
-      </p:sp>
-      <p:cxnSp>
-        <p:nvCxnSpPr>
-          <p:cNvPr id="9" name="Straight Connector 8">
-            <a:extLst>
-              <a:ext uri="{FF2B5EF4-FFF2-40B4-BE49-F238E27FC236}">
-                <a16:creationId xmlns:a16="http://schemas.microsoft.com/office/drawing/2014/main" id="{450EE6D2-7381-B11A-A20A-0D5D0904DD35}"/>
-              </a:ext>
-            </a:extLst>
-          </p:cNvPr>
-          <p:cNvCxnSpPr>
-            <a:cxnSpLocks/>
-          </p:cNvCxnSpPr>
-          <p:nvPr/>
-        </p:nvCxnSpPr>
-        <p:spPr>
-          <a:xfrm>
-            <a:off x="757647" y="1332033"/>
-            <a:ext cx="10659291" cy="0"/>
-          </a:xfrm>
-          <a:prstGeom prst="line">
-            <a:avLst/>
-          </a:prstGeom>
-          <a:ln w="57150">
-            <a:solidFill>
-              <a:srgbClr val="002060"/>
-            </a:solidFill>
-          </a:ln>
-        </p:spPr>
-        <p:style>
-          <a:lnRef idx="1">
-            <a:schemeClr val="accent1"/>
-          </a:lnRef>
-          <a:fillRef idx="0">
-            <a:schemeClr val="accent1"/>
-          </a:fillRef>
-          <a:effectRef idx="0">
-            <a:schemeClr val="accent1"/>
-          </a:effectRef>
-          <a:fontRef idx="minor">
-            <a:schemeClr val="tx1"/>
-          </a:fontRef>
-        </p:style>
-      </p:cxnSp>
-      <p:pic>
-        <p:nvPicPr>
-          <p:cNvPr id="3" name="Picture 2" descr="Diagram&#10;&#10;Description automatically generated">
-            <a:extLst>
-              <a:ext uri="{FF2B5EF4-FFF2-40B4-BE49-F238E27FC236}">
-                <a16:creationId xmlns:a16="http://schemas.microsoft.com/office/drawing/2014/main" id="{01B57A88-251B-9A39-CD97-C0909F551BD7}"/>
-              </a:ext>
-            </a:extLst>
-          </p:cNvPr>
-          <p:cNvPicPr>
-            <a:picLocks noChangeAspect="1"/>
-          </p:cNvPicPr>
-          <p:nvPr/>
-        </p:nvPicPr>
-        <p:blipFill>
-          <a:blip r:embed="rId4">
-            <a:extLst>
-              <a:ext uri="{28A0092B-C50C-407E-A947-70E740481C1C}">
-                <a14:useLocalDpi xmlns:a14="http://schemas.microsoft.com/office/drawing/2010/main" val="0"/>
-              </a:ext>
-            </a:extLst>
-          </a:blip>
-          <a:stretch>
-            <a:fillRect/>
-          </a:stretch>
-        </p:blipFill>
-        <p:spPr>
-          <a:xfrm>
-            <a:off x="-1239696" y="7641434"/>
-            <a:ext cx="6400847" cy="4572033"/>
-          </a:xfrm>
-          <a:prstGeom prst="rect">
-            <a:avLst/>
-          </a:prstGeom>
-        </p:spPr>
-      </p:pic>
-      <p:sp>
-        <p:nvSpPr>
-          <p:cNvPr id="2" name="TextBox 1">
-            <a:extLst>
-              <a:ext uri="{FF2B5EF4-FFF2-40B4-BE49-F238E27FC236}">
-                <a16:creationId xmlns:a16="http://schemas.microsoft.com/office/drawing/2014/main" id="{769B97F2-949C-6AED-5947-79C707840323}"/>
-              </a:ext>
-            </a:extLst>
-          </p:cNvPr>
-          <p:cNvSpPr txBox="1"/>
-          <p:nvPr/>
-        </p:nvSpPr>
-        <p:spPr>
-          <a:xfrm>
-            <a:off x="256606" y="2187743"/>
             <a:ext cx="4465049" cy="4478149"/>
           </a:xfrm>
           <a:prstGeom prst="rect">
@@ -11072,7 +10625,7 @@
 </p:sld>
 </file>
 
-<file path=ppt/slides/slide26.xml><?xml version="1.0" encoding="utf-8"?>
+<file path=ppt/slides/slide25.xml><?xml version="1.0" encoding="utf-8"?>
 <p:sld xmlns:a="http://schemas.openxmlformats.org/drawingml/2006/main" xmlns:r="http://schemas.openxmlformats.org/officeDocument/2006/relationships" xmlns:p="http://schemas.openxmlformats.org/presentationml/2006/main">
   <p:cSld>
     <p:spTree>
@@ -11856,7 +11409,7 @@
 </p:sld>
 </file>
 
-<file path=ppt/slides/slide27.xml><?xml version="1.0" encoding="utf-8"?>
+<file path=ppt/slides/slide26.xml><?xml version="1.0" encoding="utf-8"?>
 <p:sld xmlns:a="http://schemas.openxmlformats.org/drawingml/2006/main" xmlns:r="http://schemas.openxmlformats.org/officeDocument/2006/relationships" xmlns:p="http://schemas.openxmlformats.org/presentationml/2006/main">
   <p:cSld>
     <p:bg>
@@ -12986,7 +12539,7 @@
                 <a:ea typeface="+mn-ea"/>
                 <a:cs typeface="+mn-cs"/>
               </a:rPr>
-              <a:t>Natural log of revolving balance(</a:t>
+              <a:t>Natural log of revolving balance (</a:t>
             </a:r>
             <a:r>
               <a:rPr kumimoji="0" lang="en-US" sz="2000" b="0" i="0" u="none" strike="noStrike" kern="1200" cap="none" spc="0" normalizeH="0" baseline="0" noProof="0" dirty="0" err="1">
@@ -13048,7 +12601,25 @@
                 </a:solidFill>
                 <a:latin typeface="Calibri" panose="020F0502020204030204"/>
               </a:rPr>
-              <a:t>Logical based on if annual income is greater than 0 (</a:t>
+              <a:t>Logical based on if </a:t>
+            </a:r>
+            <a:r>
+              <a:rPr lang="en-US" sz="2000" dirty="0" err="1">
+                <a:solidFill>
+                  <a:srgbClr val="002060"/>
+                </a:solidFill>
+                <a:latin typeface="Calibri" panose="020F0502020204030204"/>
+              </a:rPr>
+              <a:t>revol.bal</a:t>
+            </a:r>
+            <a:r>
+              <a:rPr lang="en-US" sz="2000" dirty="0">
+                <a:solidFill>
+                  <a:srgbClr val="002060"/>
+                </a:solidFill>
+                <a:latin typeface="Calibri" panose="020F0502020204030204"/>
+              </a:rPr>
+              <a:t> is greater than 0 (</a:t>
             </a:r>
             <a:r>
               <a:rPr lang="en-US" sz="2000" dirty="0" err="1">
@@ -13887,7 +13458,7 @@
                   <a:srgbClr val="002060"/>
                 </a:solidFill>
               </a:rPr>
-              <a:t>SMART Question</a:t>
+              <a:t>SMART Question &amp; Models Chosen</a:t>
             </a:r>
           </a:p>
         </p:txBody>
@@ -13935,59 +13506,6 @@
           </a:fontRef>
         </p:style>
       </p:cxnSp>
-      <p:sp>
-        <p:nvSpPr>
-          <p:cNvPr id="3" name="TextBox 2">
-            <a:extLst>
-              <a:ext uri="{FF2B5EF4-FFF2-40B4-BE49-F238E27FC236}">
-                <a16:creationId xmlns:a16="http://schemas.microsoft.com/office/drawing/2014/main" id="{7776F67F-6D4D-70B9-1B6A-E8AAA1E2E294}"/>
-              </a:ext>
-            </a:extLst>
-          </p:cNvPr>
-          <p:cNvSpPr txBox="1"/>
-          <p:nvPr/>
-        </p:nvSpPr>
-        <p:spPr>
-          <a:xfrm>
-            <a:off x="3048522" y="2274838"/>
-            <a:ext cx="6097044" cy="2585323"/>
-          </a:xfrm>
-          <a:prstGeom prst="rect">
-            <a:avLst/>
-          </a:prstGeom>
-          <a:noFill/>
-        </p:spPr>
-        <p:txBody>
-          <a:bodyPr wrap="square">
-            <a:spAutoFit/>
-          </a:bodyPr>
-          <a:lstStyle/>
-          <a:p>
-            <a:r>
-              <a:rPr lang="en-US" dirty="0"/>
-              <a:t>1. What variable or variables, if any, have an impact on if the person meets the credit underwriting criteria?</a:t>
-            </a:r>
-          </a:p>
-          <a:p>
-            <a:endParaRPr lang="en-US" dirty="0"/>
-          </a:p>
-          <a:p>
-            <a:r>
-              <a:rPr lang="en-US" dirty="0"/>
-              <a:t>2. What variable or variables, if any, have an impact on if the person fully repays the loan?</a:t>
-            </a:r>
-          </a:p>
-          <a:p>
-            <a:endParaRPr lang="en-US" dirty="0"/>
-          </a:p>
-          <a:p>
-            <a:r>
-              <a:rPr lang="en-US" dirty="0"/>
-              <a:t>3. Do borrowers who meet the credit underwriting criteria have a lower chance of not fully repaying the loan? If so, how big is the difference?</a:t>
-            </a:r>
-          </a:p>
-        </p:txBody>
-      </p:sp>
       <p:pic>
         <p:nvPicPr>
           <p:cNvPr id="2" name="Picture 1">
@@ -14031,6 +13549,470 @@
           </a:prstGeom>
         </p:spPr>
       </p:pic>
+      <p:sp>
+        <p:nvSpPr>
+          <p:cNvPr id="8" name="TextBox 7">
+            <a:extLst>
+              <a:ext uri="{FF2B5EF4-FFF2-40B4-BE49-F238E27FC236}">
+                <a16:creationId xmlns:a16="http://schemas.microsoft.com/office/drawing/2014/main" id="{E361474D-EF5F-9481-2D3A-9FDB6BF5813B}"/>
+              </a:ext>
+            </a:extLst>
+          </p:cNvPr>
+          <p:cNvSpPr txBox="1"/>
+          <p:nvPr/>
+        </p:nvSpPr>
+        <p:spPr>
+          <a:xfrm>
+            <a:off x="3040011" y="1793037"/>
+            <a:ext cx="6094562" cy="3139321"/>
+          </a:xfrm>
+          <a:prstGeom prst="rect">
+            <a:avLst/>
+          </a:prstGeom>
+          <a:noFill/>
+        </p:spPr>
+        <p:txBody>
+          <a:bodyPr wrap="square">
+            <a:spAutoFit/>
+          </a:bodyPr>
+          <a:lstStyle/>
+          <a:p>
+            <a:pPr marR="0" lvl="0" algn="ctr" defTabSz="914400" rtl="0" eaLnBrk="1" fontAlgn="auto" latinLnBrk="0" hangingPunct="1">
+              <a:lnSpc>
+                <a:spcPct val="100000"/>
+              </a:lnSpc>
+              <a:spcBef>
+                <a:spcPts val="0"/>
+              </a:spcBef>
+              <a:spcAft>
+                <a:spcPts val="0"/>
+              </a:spcAft>
+              <a:buClrTx/>
+              <a:buSzTx/>
+              <a:tabLst/>
+              <a:defRPr/>
+            </a:pPr>
+            <a:r>
+              <a:rPr lang="en-US" u="sng" dirty="0">
+                <a:solidFill>
+                  <a:srgbClr val="002060"/>
+                </a:solidFill>
+                <a:latin typeface="Calibri" panose="020F0502020204030204"/>
+              </a:rPr>
+              <a:t>SMART Questions</a:t>
+            </a:r>
+          </a:p>
+          <a:p>
+            <a:pPr marL="342900" marR="0" lvl="0" indent="-342900" algn="l" defTabSz="914400" rtl="0" eaLnBrk="1" fontAlgn="auto" latinLnBrk="0" hangingPunct="1">
+              <a:lnSpc>
+                <a:spcPct val="100000"/>
+              </a:lnSpc>
+              <a:spcBef>
+                <a:spcPts val="0"/>
+              </a:spcBef>
+              <a:spcAft>
+                <a:spcPts val="0"/>
+              </a:spcAft>
+              <a:buClrTx/>
+              <a:buSzTx/>
+              <a:buFont typeface="+mj-lt"/>
+              <a:buAutoNum type="arabicPeriod"/>
+              <a:tabLst/>
+              <a:defRPr/>
+            </a:pPr>
+            <a:r>
+              <a:rPr kumimoji="0" lang="en-US" sz="1800" b="0" i="0" u="none" strike="noStrike" kern="1200" cap="none" spc="0" normalizeH="0" baseline="0" noProof="0" dirty="0">
+                <a:ln>
+                  <a:noFill/>
+                </a:ln>
+                <a:solidFill>
+                  <a:srgbClr val="002060"/>
+                </a:solidFill>
+                <a:effectLst/>
+                <a:uLnTx/>
+                <a:uFillTx/>
+                <a:latin typeface="Calibri" panose="020F0502020204030204"/>
+                <a:ea typeface="+mn-ea"/>
+                <a:cs typeface="+mn-cs"/>
+              </a:rPr>
+              <a:t>What variable or variables, if any, have an impact on if the person meets the credit underwriting criteria?</a:t>
+            </a:r>
+          </a:p>
+          <a:p>
+            <a:pPr marL="342900" marR="0" lvl="0" indent="-342900" algn="l" defTabSz="914400" rtl="0" eaLnBrk="1" fontAlgn="auto" latinLnBrk="0" hangingPunct="1">
+              <a:lnSpc>
+                <a:spcPct val="100000"/>
+              </a:lnSpc>
+              <a:spcBef>
+                <a:spcPts val="0"/>
+              </a:spcBef>
+              <a:spcAft>
+                <a:spcPts val="0"/>
+              </a:spcAft>
+              <a:buClrTx/>
+              <a:buSzTx/>
+              <a:buFont typeface="+mj-lt"/>
+              <a:buAutoNum type="arabicPeriod"/>
+              <a:tabLst/>
+              <a:defRPr/>
+            </a:pPr>
+            <a:endParaRPr kumimoji="0" lang="en-US" sz="1800" b="0" i="0" u="none" strike="noStrike" kern="1200" cap="none" spc="0" normalizeH="0" baseline="0" noProof="0" dirty="0">
+              <a:ln>
+                <a:noFill/>
+              </a:ln>
+              <a:solidFill>
+                <a:srgbClr val="002060"/>
+              </a:solidFill>
+              <a:effectLst/>
+              <a:uLnTx/>
+              <a:uFillTx/>
+              <a:latin typeface="Calibri" panose="020F0502020204030204"/>
+              <a:ea typeface="+mn-ea"/>
+              <a:cs typeface="+mn-cs"/>
+            </a:endParaRPr>
+          </a:p>
+          <a:p>
+            <a:pPr marL="342900" marR="0" lvl="0" indent="-342900" algn="l" defTabSz="914400" rtl="0" eaLnBrk="1" fontAlgn="auto" latinLnBrk="0" hangingPunct="1">
+              <a:lnSpc>
+                <a:spcPct val="100000"/>
+              </a:lnSpc>
+              <a:spcBef>
+                <a:spcPts val="0"/>
+              </a:spcBef>
+              <a:spcAft>
+                <a:spcPts val="0"/>
+              </a:spcAft>
+              <a:buClrTx/>
+              <a:buSzTx/>
+              <a:buFont typeface="+mj-lt"/>
+              <a:buAutoNum type="arabicPeriod"/>
+              <a:tabLst/>
+              <a:defRPr/>
+            </a:pPr>
+            <a:r>
+              <a:rPr kumimoji="0" lang="en-US" sz="1800" b="0" i="0" u="none" strike="noStrike" kern="1200" cap="none" spc="0" normalizeH="0" baseline="0" noProof="0" dirty="0">
+                <a:ln>
+                  <a:noFill/>
+                </a:ln>
+                <a:solidFill>
+                  <a:srgbClr val="002060"/>
+                </a:solidFill>
+                <a:effectLst/>
+                <a:uLnTx/>
+                <a:uFillTx/>
+                <a:latin typeface="Calibri" panose="020F0502020204030204"/>
+                <a:ea typeface="+mn-ea"/>
+                <a:cs typeface="+mn-cs"/>
+              </a:rPr>
+              <a:t>What variable or variables, if any, have an impact on if the person fully repays the loan?</a:t>
+            </a:r>
+          </a:p>
+          <a:p>
+            <a:pPr marL="342900" marR="0" lvl="0" indent="-342900" algn="l" defTabSz="914400" rtl="0" eaLnBrk="1" fontAlgn="auto" latinLnBrk="0" hangingPunct="1">
+              <a:lnSpc>
+                <a:spcPct val="100000"/>
+              </a:lnSpc>
+              <a:spcBef>
+                <a:spcPts val="0"/>
+              </a:spcBef>
+              <a:spcAft>
+                <a:spcPts val="0"/>
+              </a:spcAft>
+              <a:buClrTx/>
+              <a:buSzTx/>
+              <a:buFont typeface="+mj-lt"/>
+              <a:buAutoNum type="arabicPeriod"/>
+              <a:tabLst/>
+              <a:defRPr/>
+            </a:pPr>
+            <a:endParaRPr kumimoji="0" lang="en-US" sz="1800" b="0" i="0" u="none" strike="noStrike" kern="1200" cap="none" spc="0" normalizeH="0" baseline="0" noProof="0" dirty="0">
+              <a:ln>
+                <a:noFill/>
+              </a:ln>
+              <a:solidFill>
+                <a:srgbClr val="002060"/>
+              </a:solidFill>
+              <a:effectLst/>
+              <a:uLnTx/>
+              <a:uFillTx/>
+              <a:latin typeface="Calibri" panose="020F0502020204030204"/>
+              <a:ea typeface="+mn-ea"/>
+              <a:cs typeface="+mn-cs"/>
+            </a:endParaRPr>
+          </a:p>
+          <a:p>
+            <a:pPr marL="342900" marR="0" lvl="0" indent="-342900" algn="l" defTabSz="914400" rtl="0" eaLnBrk="1" fontAlgn="auto" latinLnBrk="0" hangingPunct="1">
+              <a:lnSpc>
+                <a:spcPct val="100000"/>
+              </a:lnSpc>
+              <a:spcBef>
+                <a:spcPts val="0"/>
+              </a:spcBef>
+              <a:spcAft>
+                <a:spcPts val="0"/>
+              </a:spcAft>
+              <a:buClrTx/>
+              <a:buSzTx/>
+              <a:buFont typeface="+mj-lt"/>
+              <a:buAutoNum type="arabicPeriod"/>
+              <a:tabLst/>
+              <a:defRPr/>
+            </a:pPr>
+            <a:r>
+              <a:rPr kumimoji="0" lang="en-US" sz="1800" b="0" i="0" u="none" strike="noStrike" kern="1200" cap="none" spc="0" normalizeH="0" baseline="0" noProof="0" dirty="0">
+                <a:ln>
+                  <a:noFill/>
+                </a:ln>
+                <a:solidFill>
+                  <a:srgbClr val="002060"/>
+                </a:solidFill>
+                <a:effectLst/>
+                <a:uLnTx/>
+                <a:uFillTx/>
+                <a:latin typeface="Calibri" panose="020F0502020204030204"/>
+                <a:ea typeface="+mn-ea"/>
+                <a:cs typeface="+mn-cs"/>
+              </a:rPr>
+              <a:t>Do borrowers who meet the credit underwriting criteria have a lower chance of not fully repaying the loan? If so, how big is the difference?</a:t>
+            </a:r>
+          </a:p>
+          <a:p>
+            <a:pPr marL="342900" marR="0" lvl="0" indent="-342900" algn="l" defTabSz="914400" rtl="0" eaLnBrk="1" fontAlgn="auto" latinLnBrk="0" hangingPunct="1">
+              <a:lnSpc>
+                <a:spcPct val="100000"/>
+              </a:lnSpc>
+              <a:spcBef>
+                <a:spcPts val="0"/>
+              </a:spcBef>
+              <a:spcAft>
+                <a:spcPts val="0"/>
+              </a:spcAft>
+              <a:buClrTx/>
+              <a:buSzTx/>
+              <a:buFont typeface="Arial" panose="020B0604020202020204" pitchFamily="34" charset="0"/>
+              <a:buChar char="•"/>
+              <a:tabLst/>
+              <a:defRPr/>
+            </a:pPr>
+            <a:endParaRPr kumimoji="0" lang="en-US" sz="1800" b="0" i="0" u="none" strike="noStrike" kern="1200" cap="none" spc="0" normalizeH="0" baseline="0" noProof="0" dirty="0">
+              <a:ln>
+                <a:noFill/>
+              </a:ln>
+              <a:solidFill>
+                <a:srgbClr val="002060"/>
+              </a:solidFill>
+              <a:effectLst/>
+              <a:uLnTx/>
+              <a:uFillTx/>
+              <a:latin typeface="Calibri" panose="020F0502020204030204"/>
+              <a:ea typeface="+mn-ea"/>
+              <a:cs typeface="+mn-cs"/>
+            </a:endParaRPr>
+          </a:p>
+        </p:txBody>
+      </p:sp>
+      <p:sp>
+        <p:nvSpPr>
+          <p:cNvPr id="11" name="TextBox 10">
+            <a:extLst>
+              <a:ext uri="{FF2B5EF4-FFF2-40B4-BE49-F238E27FC236}">
+                <a16:creationId xmlns:a16="http://schemas.microsoft.com/office/drawing/2014/main" id="{4BAC0612-3434-B873-6E67-65603B18FCB4}"/>
+              </a:ext>
+            </a:extLst>
+          </p:cNvPr>
+          <p:cNvSpPr txBox="1"/>
+          <p:nvPr/>
+        </p:nvSpPr>
+        <p:spPr>
+          <a:xfrm>
+            <a:off x="4390180" y="4816910"/>
+            <a:ext cx="3411640" cy="1938992"/>
+          </a:xfrm>
+          <a:prstGeom prst="rect">
+            <a:avLst/>
+          </a:prstGeom>
+          <a:noFill/>
+        </p:spPr>
+        <p:txBody>
+          <a:bodyPr wrap="none" rtlCol="0">
+            <a:spAutoFit/>
+          </a:bodyPr>
+          <a:lstStyle/>
+          <a:p>
+            <a:pPr marR="0" lvl="0" algn="ctr" defTabSz="914400" rtl="0" eaLnBrk="1" fontAlgn="auto" latinLnBrk="0" hangingPunct="1">
+              <a:lnSpc>
+                <a:spcPct val="100000"/>
+              </a:lnSpc>
+              <a:spcBef>
+                <a:spcPts val="0"/>
+              </a:spcBef>
+              <a:spcAft>
+                <a:spcPts val="0"/>
+              </a:spcAft>
+              <a:buClrTx/>
+              <a:buSzTx/>
+              <a:tabLst/>
+              <a:defRPr/>
+            </a:pPr>
+            <a:r>
+              <a:rPr kumimoji="0" lang="en-US" sz="2000" b="0" i="0" u="sng" strike="noStrike" kern="1200" cap="none" spc="0" normalizeH="0" baseline="0" noProof="0" dirty="0">
+                <a:ln>
+                  <a:noFill/>
+                </a:ln>
+                <a:solidFill>
+                  <a:srgbClr val="002060"/>
+                </a:solidFill>
+                <a:effectLst/>
+                <a:uLnTx/>
+                <a:uFillTx/>
+                <a:latin typeface="Calibri" panose="020F0502020204030204"/>
+                <a:ea typeface="+mn-ea"/>
+                <a:cs typeface="+mn-cs"/>
+              </a:rPr>
+              <a:t>Models</a:t>
+            </a:r>
+          </a:p>
+          <a:p>
+            <a:pPr marL="342900" marR="0" lvl="0" indent="-342900" algn="l" defTabSz="914400" rtl="0" eaLnBrk="1" fontAlgn="auto" latinLnBrk="0" hangingPunct="1">
+              <a:lnSpc>
+                <a:spcPct val="100000"/>
+              </a:lnSpc>
+              <a:spcBef>
+                <a:spcPts val="0"/>
+              </a:spcBef>
+              <a:spcAft>
+                <a:spcPts val="0"/>
+              </a:spcAft>
+              <a:buClrTx/>
+              <a:buSzTx/>
+              <a:buFont typeface="Arial" panose="020B0604020202020204" pitchFamily="34" charset="0"/>
+              <a:buChar char="•"/>
+              <a:tabLst/>
+              <a:defRPr/>
+            </a:pPr>
+            <a:r>
+              <a:rPr kumimoji="0" lang="en-US" sz="2000" b="0" i="0" u="none" strike="noStrike" kern="1200" cap="none" spc="0" normalizeH="0" baseline="0" noProof="0" dirty="0">
+                <a:ln>
+                  <a:noFill/>
+                </a:ln>
+                <a:solidFill>
+                  <a:srgbClr val="002060"/>
+                </a:solidFill>
+                <a:effectLst/>
+                <a:uLnTx/>
+                <a:uFillTx/>
+                <a:latin typeface="Calibri" panose="020F0502020204030204"/>
+                <a:ea typeface="+mn-ea"/>
+                <a:cs typeface="+mn-cs"/>
+              </a:rPr>
+              <a:t>4 Simple Linear Regressions</a:t>
+            </a:r>
+          </a:p>
+          <a:p>
+            <a:pPr marL="342900" marR="0" lvl="0" indent="-342900" algn="l" defTabSz="914400" rtl="0" eaLnBrk="1" fontAlgn="auto" latinLnBrk="0" hangingPunct="1">
+              <a:lnSpc>
+                <a:spcPct val="100000"/>
+              </a:lnSpc>
+              <a:spcBef>
+                <a:spcPts val="0"/>
+              </a:spcBef>
+              <a:spcAft>
+                <a:spcPts val="0"/>
+              </a:spcAft>
+              <a:buClrTx/>
+              <a:buSzTx/>
+              <a:buFont typeface="Arial" panose="020B0604020202020204" pitchFamily="34" charset="0"/>
+              <a:buChar char="•"/>
+              <a:tabLst/>
+              <a:defRPr/>
+            </a:pPr>
+            <a:r>
+              <a:rPr lang="en-US" sz="2000" dirty="0">
+                <a:solidFill>
+                  <a:srgbClr val="002060"/>
+                </a:solidFill>
+                <a:latin typeface="Calibri" panose="020F0502020204030204"/>
+              </a:rPr>
+              <a:t>1 Multiple Regression</a:t>
+            </a:r>
+          </a:p>
+          <a:p>
+            <a:pPr marL="342900" marR="0" lvl="0" indent="-342900" algn="l" defTabSz="914400" rtl="0" eaLnBrk="1" fontAlgn="auto" latinLnBrk="0" hangingPunct="1">
+              <a:lnSpc>
+                <a:spcPct val="100000"/>
+              </a:lnSpc>
+              <a:spcBef>
+                <a:spcPts val="0"/>
+              </a:spcBef>
+              <a:spcAft>
+                <a:spcPts val="0"/>
+              </a:spcAft>
+              <a:buClrTx/>
+              <a:buSzTx/>
+              <a:buFont typeface="Arial" panose="020B0604020202020204" pitchFamily="34" charset="0"/>
+              <a:buChar char="•"/>
+              <a:tabLst/>
+              <a:defRPr/>
+            </a:pPr>
+            <a:r>
+              <a:rPr kumimoji="0" lang="en-US" sz="2000" b="0" i="0" u="none" strike="noStrike" kern="1200" cap="none" spc="0" normalizeH="0" baseline="0" noProof="0" dirty="0">
+                <a:ln>
+                  <a:noFill/>
+                </a:ln>
+                <a:solidFill>
+                  <a:srgbClr val="002060"/>
+                </a:solidFill>
+                <a:effectLst/>
+                <a:uLnTx/>
+                <a:uFillTx/>
+                <a:latin typeface="Calibri" panose="020F0502020204030204"/>
+                <a:ea typeface="+mn-ea"/>
+                <a:cs typeface="+mn-cs"/>
+              </a:rPr>
+              <a:t>2 Logistic Regressions</a:t>
+            </a:r>
+          </a:p>
+          <a:p>
+            <a:pPr marL="342900" marR="0" lvl="0" indent="-342900" algn="l" defTabSz="914400" rtl="0" eaLnBrk="1" fontAlgn="auto" latinLnBrk="0" hangingPunct="1">
+              <a:lnSpc>
+                <a:spcPct val="100000"/>
+              </a:lnSpc>
+              <a:spcBef>
+                <a:spcPts val="0"/>
+              </a:spcBef>
+              <a:spcAft>
+                <a:spcPts val="0"/>
+              </a:spcAft>
+              <a:buClrTx/>
+              <a:buSzTx/>
+              <a:buFont typeface="Arial" panose="020B0604020202020204" pitchFamily="34" charset="0"/>
+              <a:buChar char="•"/>
+              <a:tabLst/>
+              <a:defRPr/>
+            </a:pPr>
+            <a:r>
+              <a:rPr kumimoji="0" lang="en-US" sz="2000" b="0" i="0" u="none" strike="noStrike" kern="1200" cap="none" spc="0" normalizeH="0" baseline="0" noProof="0" dirty="0">
+                <a:ln>
+                  <a:noFill/>
+                </a:ln>
+                <a:solidFill>
+                  <a:srgbClr val="002060"/>
+                </a:solidFill>
+                <a:effectLst/>
+                <a:uLnTx/>
+                <a:uFillTx/>
+                <a:latin typeface="Calibri" panose="020F0502020204030204"/>
+                <a:ea typeface="+mn-ea"/>
+                <a:cs typeface="+mn-cs"/>
+              </a:rPr>
+              <a:t>1 or 2 Classification Trees</a:t>
+            </a:r>
+          </a:p>
+          <a:p>
+            <a:endParaRPr lang="en-US" sz="2000" dirty="0"/>
+          </a:p>
+        </p:txBody>
+      </p:sp>
     </p:spTree>
     <p:extLst>
       <p:ext uri="{BB962C8B-B14F-4D97-AF65-F5344CB8AC3E}">
@@ -14076,7 +14058,7 @@
           <p:nvPr/>
         </p:nvPicPr>
         <p:blipFill rotWithShape="1">
-          <a:blip r:embed="rId3"/>
+          <a:blip r:embed="rId2"/>
           <a:srcRect t="10770" r="84371" b="20000"/>
           <a:stretch/>
         </p:blipFill>
@@ -14105,7 +14087,7 @@
           <p:nvPr/>
         </p:nvPicPr>
         <p:blipFill rotWithShape="1">
-          <a:blip r:embed="rId3"/>
+          <a:blip r:embed="rId2"/>
           <a:srcRect l="15172"/>
           <a:stretch/>
         </p:blipFill>
@@ -14147,39 +14129,14 @@
           </a:bodyPr>
           <a:lstStyle/>
           <a:p>
-            <a:pPr marL="0" marR="0" lvl="0" indent="0" algn="ctr" defTabSz="914400" rtl="0" eaLnBrk="1" fontAlgn="auto" latinLnBrk="0" hangingPunct="1">
-              <a:lnSpc>
-                <a:spcPct val="100000"/>
-              </a:lnSpc>
-              <a:spcBef>
-                <a:spcPts val="0"/>
-              </a:spcBef>
-              <a:spcAft>
-                <a:spcPts val="0"/>
-              </a:spcAft>
-              <a:buClrTx/>
-              <a:buSzTx/>
-              <a:buFontTx/>
-              <a:buNone/>
-              <a:tabLst/>
-              <a:defRPr/>
-            </a:pPr>
-            <a:r>
-              <a:rPr kumimoji="0" lang="en-US" sz="5000" b="1" i="0" u="none" strike="noStrike" kern="1200" cap="none" spc="0" normalizeH="0" baseline="0" noProof="0" dirty="0">
-                <a:ln>
-                  <a:noFill/>
-                </a:ln>
+            <a:pPr algn="ctr"/>
+            <a:r>
+              <a:rPr lang="en-US" sz="5000" b="1" dirty="0">
                 <a:solidFill>
                   <a:srgbClr val="002060"/>
                 </a:solidFill>
-                <a:effectLst/>
-                <a:uLnTx/>
-                <a:uFillTx/>
-                <a:latin typeface="Calibri" panose="020F0502020204030204"/>
-                <a:ea typeface="+mn-ea"/>
-                <a:cs typeface="+mn-cs"/>
               </a:rPr>
-              <a:t>Models Chosen</a:t>
+              <a:t>Simple Linear Regression – 1 of 4</a:t>
             </a:r>
           </a:p>
         </p:txBody>
@@ -14227,244 +14184,48 @@
           </a:fontRef>
         </p:style>
       </p:cxnSp>
-      <p:sp>
-        <p:nvSpPr>
-          <p:cNvPr id="2" name="TextBox 1">
-            <a:extLst>
-              <a:ext uri="{FF2B5EF4-FFF2-40B4-BE49-F238E27FC236}">
-                <a16:creationId xmlns:a16="http://schemas.microsoft.com/office/drawing/2014/main" id="{66452FBB-413E-BDEB-AB1D-F1B7DD15BB39}"/>
-              </a:ext>
-            </a:extLst>
-          </p:cNvPr>
-          <p:cNvSpPr txBox="1"/>
-          <p:nvPr/>
-        </p:nvSpPr>
-        <p:spPr>
-          <a:xfrm>
-            <a:off x="0" y="6627168"/>
-            <a:ext cx="5910146" cy="230832"/>
-          </a:xfrm>
-          <a:prstGeom prst="rect">
-            <a:avLst/>
-          </a:prstGeom>
-          <a:noFill/>
-        </p:spPr>
-        <p:txBody>
-          <a:bodyPr wrap="square" rtlCol="0">
-            <a:spAutoFit/>
-          </a:bodyPr>
-          <a:lstStyle/>
-          <a:p>
-            <a:pPr marL="0" marR="0" lvl="0" indent="0" algn="l" defTabSz="914400" rtl="0" eaLnBrk="1" fontAlgn="auto" latinLnBrk="0" hangingPunct="1">
-              <a:lnSpc>
-                <a:spcPct val="100000"/>
-              </a:lnSpc>
-              <a:spcBef>
-                <a:spcPts val="0"/>
-              </a:spcBef>
-              <a:spcAft>
-                <a:spcPts val="0"/>
-              </a:spcAft>
-              <a:buClrTx/>
-              <a:buSzTx/>
-              <a:buFontTx/>
-              <a:buNone/>
-              <a:tabLst/>
-              <a:defRPr/>
-            </a:pPr>
-            <a:r>
-              <a:rPr kumimoji="0" lang="en-US" sz="900" b="0" i="0" u="none" strike="noStrike" kern="1200" cap="none" spc="0" normalizeH="0" baseline="0" noProof="0" dirty="0">
-                <a:ln>
-                  <a:noFill/>
-                </a:ln>
-                <a:solidFill>
-                  <a:prstClr val="white">
-                    <a:lumMod val="65000"/>
-                  </a:prstClr>
-                </a:solidFill>
-                <a:effectLst/>
-                <a:uLnTx/>
-                <a:uFillTx/>
-                <a:latin typeface="Calibri" panose="020F0502020204030204"/>
-                <a:ea typeface="+mn-ea"/>
-                <a:cs typeface="+mn-cs"/>
-              </a:rPr>
-              <a:t>https://www.kaggle.com/datasets/urstrulyvikas/lending-club-loan-data-analysis</a:t>
-            </a:r>
-          </a:p>
-        </p:txBody>
-      </p:sp>
-      <p:sp>
-        <p:nvSpPr>
-          <p:cNvPr id="3" name="TextBox 2">
-            <a:extLst>
-              <a:ext uri="{FF2B5EF4-FFF2-40B4-BE49-F238E27FC236}">
-                <a16:creationId xmlns:a16="http://schemas.microsoft.com/office/drawing/2014/main" id="{0DED20CC-E2E0-A93D-05C3-502D3C7DA89F}"/>
-              </a:ext>
-            </a:extLst>
-          </p:cNvPr>
-          <p:cNvSpPr txBox="1"/>
-          <p:nvPr/>
-        </p:nvSpPr>
-        <p:spPr>
-          <a:xfrm>
-            <a:off x="441781" y="1645920"/>
-            <a:ext cx="12192000" cy="1323439"/>
-          </a:xfrm>
-          <a:prstGeom prst="rect">
-            <a:avLst/>
-          </a:prstGeom>
-          <a:noFill/>
-        </p:spPr>
-        <p:txBody>
-          <a:bodyPr wrap="square" rtlCol="0">
-            <a:spAutoFit/>
-          </a:bodyPr>
-          <a:lstStyle/>
-          <a:p>
-            <a:pPr marL="342900" marR="0" lvl="0" indent="-342900" algn="l" defTabSz="914400" rtl="0" eaLnBrk="1" fontAlgn="auto" latinLnBrk="0" hangingPunct="1">
-              <a:lnSpc>
-                <a:spcPct val="100000"/>
-              </a:lnSpc>
-              <a:spcBef>
-                <a:spcPts val="0"/>
-              </a:spcBef>
-              <a:spcAft>
-                <a:spcPts val="0"/>
-              </a:spcAft>
-              <a:buClrTx/>
-              <a:buSzTx/>
-              <a:buFont typeface="Arial" panose="020B0604020202020204" pitchFamily="34" charset="0"/>
-              <a:buChar char="•"/>
-              <a:tabLst/>
-              <a:defRPr/>
-            </a:pPr>
-            <a:r>
-              <a:rPr kumimoji="0" lang="en-US" sz="2000" b="0" i="0" u="none" strike="noStrike" kern="1200" cap="none" spc="0" normalizeH="0" baseline="0" noProof="0" dirty="0">
-                <a:ln>
-                  <a:noFill/>
-                </a:ln>
-                <a:solidFill>
-                  <a:srgbClr val="002060"/>
-                </a:solidFill>
-                <a:effectLst/>
-                <a:uLnTx/>
-                <a:uFillTx/>
-                <a:latin typeface="Calibri" panose="020F0502020204030204"/>
-                <a:ea typeface="+mn-ea"/>
-                <a:cs typeface="+mn-cs"/>
-              </a:rPr>
-              <a:t>4 Simple Linear Regression</a:t>
-            </a:r>
-          </a:p>
-          <a:p>
-            <a:pPr marL="342900" marR="0" lvl="0" indent="-342900" algn="l" defTabSz="914400" rtl="0" eaLnBrk="1" fontAlgn="auto" latinLnBrk="0" hangingPunct="1">
-              <a:lnSpc>
-                <a:spcPct val="100000"/>
-              </a:lnSpc>
-              <a:spcBef>
-                <a:spcPts val="0"/>
-              </a:spcBef>
-              <a:spcAft>
-                <a:spcPts val="0"/>
-              </a:spcAft>
-              <a:buClrTx/>
-              <a:buSzTx/>
-              <a:buFont typeface="Arial" panose="020B0604020202020204" pitchFamily="34" charset="0"/>
-              <a:buChar char="•"/>
-              <a:tabLst/>
-              <a:defRPr/>
-            </a:pPr>
-            <a:r>
-              <a:rPr lang="en-US" sz="2000" dirty="0">
-                <a:solidFill>
-                  <a:srgbClr val="002060"/>
-                </a:solidFill>
-                <a:latin typeface="Calibri" panose="020F0502020204030204"/>
-              </a:rPr>
-              <a:t>1 Multiple Regression</a:t>
-            </a:r>
-          </a:p>
-          <a:p>
-            <a:pPr marL="342900" marR="0" lvl="0" indent="-342900" algn="l" defTabSz="914400" rtl="0" eaLnBrk="1" fontAlgn="auto" latinLnBrk="0" hangingPunct="1">
-              <a:lnSpc>
-                <a:spcPct val="100000"/>
-              </a:lnSpc>
-              <a:spcBef>
-                <a:spcPts val="0"/>
-              </a:spcBef>
-              <a:spcAft>
-                <a:spcPts val="0"/>
-              </a:spcAft>
-              <a:buClrTx/>
-              <a:buSzTx/>
-              <a:buFont typeface="Arial" panose="020B0604020202020204" pitchFamily="34" charset="0"/>
-              <a:buChar char="•"/>
-              <a:tabLst/>
-              <a:defRPr/>
-            </a:pPr>
-            <a:r>
-              <a:rPr kumimoji="0" lang="en-US" sz="2000" b="0" i="0" u="none" strike="noStrike" kern="1200" cap="none" spc="0" normalizeH="0" baseline="0" noProof="0" dirty="0">
-                <a:ln>
-                  <a:noFill/>
-                </a:ln>
-                <a:solidFill>
-                  <a:srgbClr val="002060"/>
-                </a:solidFill>
-                <a:effectLst/>
-                <a:uLnTx/>
-                <a:uFillTx/>
-                <a:latin typeface="Calibri" panose="020F0502020204030204"/>
-                <a:ea typeface="+mn-ea"/>
-                <a:cs typeface="+mn-cs"/>
-              </a:rPr>
-              <a:t>2 Logistic Regression</a:t>
-            </a:r>
-          </a:p>
-          <a:p>
-            <a:pPr marL="342900" marR="0" lvl="0" indent="-342900" algn="l" defTabSz="914400" rtl="0" eaLnBrk="1" fontAlgn="auto" latinLnBrk="0" hangingPunct="1">
-              <a:lnSpc>
-                <a:spcPct val="100000"/>
-              </a:lnSpc>
-              <a:spcBef>
-                <a:spcPts val="0"/>
-              </a:spcBef>
-              <a:spcAft>
-                <a:spcPts val="0"/>
-              </a:spcAft>
-              <a:buClrTx/>
-              <a:buSzTx/>
-              <a:buFont typeface="Arial" panose="020B0604020202020204" pitchFamily="34" charset="0"/>
-              <a:buChar char="•"/>
-              <a:tabLst/>
-              <a:defRPr/>
-            </a:pPr>
-            <a:r>
-              <a:rPr kumimoji="0" lang="en-US" sz="2000" b="0" i="0" u="none" strike="noStrike" kern="1200" cap="none" spc="0" normalizeH="0" baseline="0" noProof="0" dirty="0">
-                <a:ln>
-                  <a:noFill/>
-                </a:ln>
-                <a:solidFill>
-                  <a:srgbClr val="002060"/>
-                </a:solidFill>
-                <a:effectLst/>
-                <a:uLnTx/>
-                <a:uFillTx/>
-                <a:latin typeface="Calibri" panose="020F0502020204030204"/>
-                <a:ea typeface="+mn-ea"/>
-                <a:cs typeface="+mn-cs"/>
-              </a:rPr>
-              <a:t>1 or 2 Classification Trees</a:t>
-            </a:r>
-          </a:p>
-        </p:txBody>
-      </p:sp>
       <p:pic>
         <p:nvPicPr>
-          <p:cNvPr id="4" name="Picture 3">
-            <a:extLst>
-              <a:ext uri="{FF2B5EF4-FFF2-40B4-BE49-F238E27FC236}">
-                <a16:creationId xmlns:a16="http://schemas.microsoft.com/office/drawing/2014/main" id="{038427B9-FFB6-78B0-3A5C-EBE12640E9AA}"/>
+          <p:cNvPr id="4" name="Picture 3" descr="Chart&#10;&#10;Description automatically generated">
+            <a:extLst>
+              <a:ext uri="{FF2B5EF4-FFF2-40B4-BE49-F238E27FC236}">
+                <a16:creationId xmlns:a16="http://schemas.microsoft.com/office/drawing/2014/main" id="{336BB0A6-4E7B-92E8-12B8-999E4E319221}"/>
+              </a:ext>
+            </a:extLst>
+          </p:cNvPr>
+          <p:cNvPicPr>
+            <a:picLocks noChangeAspect="1"/>
+          </p:cNvPicPr>
+          <p:nvPr/>
+        </p:nvPicPr>
+        <p:blipFill>
+          <a:blip r:embed="rId3">
+            <a:extLst>
+              <a:ext uri="{28A0092B-C50C-407E-A947-70E740481C1C}">
+                <a14:useLocalDpi xmlns:a14="http://schemas.microsoft.com/office/drawing/2010/main" val="0"/>
+              </a:ext>
+            </a:extLst>
+          </a:blip>
+          <a:stretch>
+            <a:fillRect/>
+          </a:stretch>
+        </p:blipFill>
+        <p:spPr>
+          <a:xfrm>
+            <a:off x="2895576" y="1631498"/>
+            <a:ext cx="6400847" cy="4572033"/>
+          </a:xfrm>
+          <a:prstGeom prst="rect">
+            <a:avLst/>
+          </a:prstGeom>
+        </p:spPr>
+      </p:pic>
+      <p:pic>
+        <p:nvPicPr>
+          <p:cNvPr id="2" name="Picture 1">
+            <a:extLst>
+              <a:ext uri="{FF2B5EF4-FFF2-40B4-BE49-F238E27FC236}">
+                <a16:creationId xmlns:a16="http://schemas.microsoft.com/office/drawing/2014/main" id="{DB512CF3-DE71-1E74-672C-26BA3DA07D94}"/>
               </a:ext>
             </a:extLst>
           </p:cNvPr>
@@ -14505,7 +14266,7 @@
     </p:spTree>
     <p:extLst>
       <p:ext uri="{BB962C8B-B14F-4D97-AF65-F5344CB8AC3E}">
-        <p14:creationId xmlns:p14="http://schemas.microsoft.com/office/powerpoint/2010/main" val="1544217905"/>
+        <p14:creationId xmlns:p14="http://schemas.microsoft.com/office/powerpoint/2010/main" val="3440039680"/>
       </p:ext>
     </p:extLst>
   </p:cSld>
@@ -14605,7 +14366,7 @@
         <p:spPr>
           <a:xfrm>
             <a:off x="1" y="470259"/>
-            <a:ext cx="12192000" cy="861774"/>
+            <a:ext cx="12192000" cy="1631216"/>
           </a:xfrm>
           <a:prstGeom prst="rect">
             <a:avLst/>
@@ -14625,8 +14386,16 @@
                   <a:srgbClr val="002060"/>
                 </a:solidFill>
               </a:rPr>
-              <a:t>Simple Linear Regression – 1 of 4</a:t>
-            </a:r>
+              <a:t>Simple Linear Regression – 2 of 4</a:t>
+            </a:r>
+          </a:p>
+          <a:p>
+            <a:pPr algn="ctr"/>
+            <a:endParaRPr lang="en-US" sz="5000" b="1" dirty="0">
+              <a:solidFill>
+                <a:srgbClr val="002060"/>
+              </a:solidFill>
+            </a:endParaRPr>
           </a:p>
         </p:txBody>
       </p:sp>
@@ -14678,7 +14447,7 @@
           <p:cNvPr id="4" name="Picture 3" descr="Chart&#10;&#10;Description automatically generated">
             <a:extLst>
               <a:ext uri="{FF2B5EF4-FFF2-40B4-BE49-F238E27FC236}">
-                <a16:creationId xmlns:a16="http://schemas.microsoft.com/office/drawing/2014/main" id="{336BB0A6-4E7B-92E8-12B8-999E4E319221}"/>
+                <a16:creationId xmlns:a16="http://schemas.microsoft.com/office/drawing/2014/main" id="{5A3932E9-DD2F-078D-9A68-45C09A76AC7A}"/>
               </a:ext>
             </a:extLst>
           </p:cNvPr>
@@ -14701,7 +14470,7 @@
         </p:blipFill>
         <p:spPr>
           <a:xfrm>
-            <a:off x="2895576" y="1631498"/>
+            <a:off x="2895576" y="1575131"/>
             <a:ext cx="6400847" cy="4572033"/>
           </a:xfrm>
           <a:prstGeom prst="rect">
@@ -14714,7 +14483,7 @@
           <p:cNvPr id="2" name="Picture 1">
             <a:extLst>
               <a:ext uri="{FF2B5EF4-FFF2-40B4-BE49-F238E27FC236}">
-                <a16:creationId xmlns:a16="http://schemas.microsoft.com/office/drawing/2014/main" id="{DB512CF3-DE71-1E74-672C-26BA3DA07D94}"/>
+                <a16:creationId xmlns:a16="http://schemas.microsoft.com/office/drawing/2014/main" id="{4097EB18-EA0B-CFAF-F91B-BAD8E68624EC}"/>
               </a:ext>
             </a:extLst>
           </p:cNvPr>
@@ -14755,7 +14524,7 @@
     </p:spTree>
     <p:extLst>
       <p:ext uri="{BB962C8B-B14F-4D97-AF65-F5344CB8AC3E}">
-        <p14:creationId xmlns:p14="http://schemas.microsoft.com/office/powerpoint/2010/main" val="3440039680"/>
+        <p14:creationId xmlns:p14="http://schemas.microsoft.com/office/powerpoint/2010/main" val="2315470928"/>
       </p:ext>
     </p:extLst>
   </p:cSld>

--- a/Project2/EDA_LendingClub_Slides - Project 2.pptx
+++ b/Project2/EDA_LendingClub_Slides - Project 2.pptx
@@ -993,7 +993,7 @@
           <a:p>
             <a:fld id="{6B053770-FD16-42CB-98BB-967786CBD56A}" type="slidenum">
               <a:rPr lang="en-US" smtClean="0"/>
-              <a:t>21</a:t>
+              <a:t>8</a:t>
             </a:fld>
             <a:endParaRPr lang="en-US"/>
           </a:p>
@@ -1002,7 +1002,7 @@
     </p:spTree>
     <p:extLst>
       <p:ext uri="{BB962C8B-B14F-4D97-AF65-F5344CB8AC3E}">
-        <p14:creationId xmlns:p14="http://schemas.microsoft.com/office/powerpoint/2010/main" val="2245145525"/>
+        <p14:creationId xmlns:p14="http://schemas.microsoft.com/office/powerpoint/2010/main" val="1247605119"/>
       </p:ext>
     </p:extLst>
   </p:cSld>
@@ -1056,111 +1056,6 @@
           <a:bodyPr/>
           <a:lstStyle/>
           <a:p>
-            <a:r>
-              <a:rPr lang="en-US" dirty="0"/>
-              <a:t>Explain tree:</a:t>
-            </a:r>
-          </a:p>
-          <a:p>
-            <a:endParaRPr lang="en-US" dirty="0"/>
-          </a:p>
-          <a:p>
-            <a:r>
-              <a:rPr lang="en-US" dirty="0"/>
-              <a:t>Confusion Matrix:</a:t>
-            </a:r>
-          </a:p>
-          <a:p>
-            <a:r>
-              <a:rPr lang="en-US" dirty="0"/>
-              <a:t>The sensitivity value indicates the test can fairly reliably detect loans that meet the credit policy</a:t>
-            </a:r>
-          </a:p>
-          <a:p>
-            <a:r>
-              <a:rPr lang="en-US" dirty="0"/>
-              <a:t>The specificity value indicates the test can fairly reliably detect loans that fail to meet the </a:t>
-            </a:r>
-            <a:r>
-              <a:rPr lang="en-US"/>
-              <a:t>credit policy</a:t>
-            </a:r>
-            <a:endParaRPr lang="en-US" dirty="0"/>
-          </a:p>
-          <a:p>
-            <a:r>
-              <a:rPr lang="en-US" dirty="0"/>
-              <a:t>These high values, as well as the high area under the ROC curve value, indicate a favorable ROC curve and a favorable model. The very high kappa value of .926 suggests there is a high degree of agreement between the predicted values and the actual values. </a:t>
-            </a:r>
-          </a:p>
-          <a:p>
-            <a:endParaRPr lang="en-US" dirty="0"/>
-          </a:p>
-          <a:p>
-            <a:endParaRPr lang="en-US" dirty="0"/>
-          </a:p>
-          <a:p>
-            <a:endParaRPr lang="en-US" dirty="0"/>
-          </a:p>
-          <a:p>
-            <a:pPr algn="l">
-              <a:buFont typeface="Arial" panose="020B0604020202020204" pitchFamily="34" charset="0"/>
-              <a:buChar char="•"/>
-            </a:pPr>
-            <a:r>
-              <a:rPr lang="en-US" b="1" i="0" dirty="0">
-                <a:solidFill>
-                  <a:srgbClr val="202122"/>
-                </a:solidFill>
-                <a:effectLst/>
-                <a:latin typeface="Arial" panose="020B0604020202020204" pitchFamily="34" charset="0"/>
-              </a:rPr>
-              <a:t>Sensitivity</a:t>
-            </a:r>
-            <a:r>
-              <a:rPr lang="en-US" b="0" i="0" dirty="0">
-                <a:solidFill>
-                  <a:srgbClr val="202122"/>
-                </a:solidFill>
-                <a:effectLst/>
-                <a:latin typeface="Arial" panose="020B0604020202020204" pitchFamily="34" charset="0"/>
-              </a:rPr>
-              <a:t> (true positive rate) refers to the probability of a positive test, conditioned on truly being positive.</a:t>
-            </a:r>
-          </a:p>
-          <a:p>
-            <a:pPr algn="l">
-              <a:buFont typeface="Arial" panose="020B0604020202020204" pitchFamily="34" charset="0"/>
-              <a:buChar char="•"/>
-            </a:pPr>
-            <a:r>
-              <a:rPr lang="en-US" b="1" i="0" dirty="0">
-                <a:solidFill>
-                  <a:srgbClr val="202122"/>
-                </a:solidFill>
-                <a:effectLst/>
-                <a:latin typeface="Arial" panose="020B0604020202020204" pitchFamily="34" charset="0"/>
-              </a:rPr>
-              <a:t>Specificity</a:t>
-            </a:r>
-            <a:r>
-              <a:rPr lang="en-US" b="0" i="0" dirty="0">
-                <a:solidFill>
-                  <a:srgbClr val="202122"/>
-                </a:solidFill>
-                <a:effectLst/>
-                <a:latin typeface="Arial" panose="020B0604020202020204" pitchFamily="34" charset="0"/>
-              </a:rPr>
-              <a:t> (true negative rate) refers to the probability of a negative test, conditioned on truly being negative.</a:t>
-            </a:r>
-          </a:p>
-          <a:p>
-            <a:endParaRPr lang="en-US" dirty="0"/>
-          </a:p>
-          <a:p>
-            <a:endParaRPr lang="en-US" dirty="0"/>
-          </a:p>
-          <a:p>
             <a:endParaRPr lang="en-US" dirty="0"/>
           </a:p>
         </p:txBody>
@@ -1182,7 +1077,7 @@
           <a:p>
             <a:fld id="{6B053770-FD16-42CB-98BB-967786CBD56A}" type="slidenum">
               <a:rPr lang="en-US" smtClean="0"/>
-              <a:t>23</a:t>
+              <a:t>11</a:t>
             </a:fld>
             <a:endParaRPr lang="en-US"/>
           </a:p>
@@ -1191,7 +1086,7 @@
     </p:spTree>
     <p:extLst>
       <p:ext uri="{BB962C8B-B14F-4D97-AF65-F5344CB8AC3E}">
-        <p14:creationId xmlns:p14="http://schemas.microsoft.com/office/powerpoint/2010/main" val="2295492974"/>
+        <p14:creationId xmlns:p14="http://schemas.microsoft.com/office/powerpoint/2010/main" val="4002019563"/>
       </p:ext>
     </p:extLst>
   </p:cSld>
@@ -1245,113 +1140,6 @@
           <a:bodyPr/>
           <a:lstStyle/>
           <a:p>
-            <a:r>
-              <a:rPr lang="en-US" dirty="0"/>
-              <a:t>Explain tree:</a:t>
-            </a:r>
-          </a:p>
-          <a:p>
-            <a:r>
-              <a:rPr lang="en-US" dirty="0"/>
-              <a:t>Our initial classification tree revealed in no chosen variables and only the single root node, a kappa value of 0, and a ROC curve that fit directly on the random classifier line. We interpreted this as a strong indicator that a classification tree would not be useful for the `</a:t>
-            </a:r>
-            <a:r>
-              <a:rPr lang="en-US" dirty="0" err="1"/>
-              <a:t>not.fully.paid</a:t>
-            </a:r>
-            <a:r>
-              <a:rPr lang="en-US" dirty="0"/>
-              <a:t>` variable. To confirm this indication, we overrode the default complexity parameter in the </a:t>
-            </a:r>
-            <a:r>
-              <a:rPr lang="en-US" dirty="0" err="1"/>
-              <a:t>rPart</a:t>
-            </a:r>
-            <a:r>
-              <a:rPr lang="en-US" dirty="0"/>
-              <a:t> function and set it from .01 to .001. By reducing that value in R, we reduce the minimum improvement threshold required at each node for the tree to be built; i.e., essentially lowering the restrictions on how and when the tree is constructed. </a:t>
-            </a:r>
-          </a:p>
-          <a:p>
-            <a:endParaRPr lang="en-US" dirty="0"/>
-          </a:p>
-          <a:p>
-            <a:r>
-              <a:rPr lang="en-US" dirty="0"/>
-              <a:t>This led to the classification tree using the variables `</a:t>
-            </a:r>
-            <a:r>
-              <a:rPr lang="en-US" dirty="0" err="1"/>
-              <a:t>credit.policy</a:t>
-            </a:r>
-            <a:r>
-              <a:rPr lang="en-US" dirty="0"/>
-              <a:t>`, `inq.last.6mths`, `</a:t>
-            </a:r>
-            <a:r>
-              <a:rPr lang="en-US" dirty="0" err="1"/>
-              <a:t>int.rate</a:t>
-            </a:r>
-            <a:r>
-              <a:rPr lang="en-US" dirty="0"/>
-              <a:t>`, and `purpose` in building the tree. Looking at it though, and with our initially suspicion regarding the usefulness of the tree, we can see that it is not very informative. We can see that the majority of loans that met the </a:t>
-            </a:r>
-            <a:r>
-              <a:rPr lang="en-US" dirty="0" err="1"/>
-              <a:t>credit.policy</a:t>
-            </a:r>
-            <a:r>
-              <a:rPr lang="en-US" dirty="0"/>
-              <a:t>, paid the loan, which we would generally expect. We can also see that that those loans that did not meet the credit policy, had higher a number of inquiries in the last 6 months, and higher interest rates, would probably more susceptible of going Unpaid; this is also what we would generally expect to see. </a:t>
-            </a:r>
-          </a:p>
-          <a:p>
-            <a:pPr marL="171450" indent="-171450">
-              <a:buFont typeface="Arial" panose="020B0604020202020204" pitchFamily="34" charset="0"/>
-              <a:buChar char="•"/>
-            </a:pPr>
-            <a:r>
-              <a:rPr lang="en-US" dirty="0"/>
-              <a:t>IF ASKED: we do not consider the distinction between loan purpose to be meaningful because of the number of Unpaid values among other leaf nodes and their proportion to the Paid values.</a:t>
-            </a:r>
-          </a:p>
-          <a:p>
-            <a:endParaRPr lang="en-US" dirty="0"/>
-          </a:p>
-          <a:p>
-            <a:endParaRPr lang="en-US" dirty="0"/>
-          </a:p>
-          <a:p>
-            <a:r>
-              <a:rPr lang="en-US" dirty="0"/>
-              <a:t>Confusion Matrix:</a:t>
-            </a:r>
-          </a:p>
-          <a:p>
-            <a:r>
-              <a:rPr lang="en-US" dirty="0"/>
-              <a:t>Low area under ROC curve indicates the model has little to no ability to discriminate between Paid and Unpaid classes.</a:t>
-            </a:r>
-          </a:p>
-          <a:p>
-            <a:endParaRPr lang="en-US" dirty="0"/>
-          </a:p>
-          <a:p>
-            <a:r>
-              <a:rPr lang="en-US" dirty="0"/>
-              <a:t>Based on the extremely low Kappa statistic of .019, there is nearly no agreement between the predictive model and the actual data. </a:t>
-            </a:r>
-          </a:p>
-          <a:p>
-            <a:endParaRPr lang="en-US" dirty="0"/>
-          </a:p>
-          <a:p>
-            <a:endParaRPr lang="en-US" dirty="0"/>
-          </a:p>
-          <a:p>
-            <a:endParaRPr lang="en-US" dirty="0"/>
-          </a:p>
-          <a:p>
             <a:endParaRPr lang="en-US" dirty="0"/>
           </a:p>
         </p:txBody>
@@ -1373,6 +1161,386 @@
           <a:p>
             <a:fld id="{6B053770-FD16-42CB-98BB-967786CBD56A}" type="slidenum">
               <a:rPr lang="en-US" smtClean="0"/>
+              <a:t>21</a:t>
+            </a:fld>
+            <a:endParaRPr lang="en-US"/>
+          </a:p>
+        </p:txBody>
+      </p:sp>
+    </p:spTree>
+    <p:extLst>
+      <p:ext uri="{BB962C8B-B14F-4D97-AF65-F5344CB8AC3E}">
+        <p14:creationId xmlns:p14="http://schemas.microsoft.com/office/powerpoint/2010/main" val="2245145525"/>
+      </p:ext>
+    </p:extLst>
+  </p:cSld>
+  <p:clrMapOvr>
+    <a:masterClrMapping/>
+  </p:clrMapOvr>
+</p:notes>
+</file>
+
+<file path=ppt/notesSlides/notesSlide7.xml><?xml version="1.0" encoding="utf-8"?>
+<p:notes xmlns:a="http://schemas.openxmlformats.org/drawingml/2006/main" xmlns:r="http://schemas.openxmlformats.org/officeDocument/2006/relationships" xmlns:p="http://schemas.openxmlformats.org/presentationml/2006/main">
+  <p:cSld>
+    <p:spTree>
+      <p:nvGrpSpPr>
+        <p:cNvPr id="1" name=""/>
+        <p:cNvGrpSpPr/>
+        <p:nvPr/>
+      </p:nvGrpSpPr>
+      <p:grpSpPr>
+        <a:xfrm>
+          <a:off x="0" y="0"/>
+          <a:ext cx="0" cy="0"/>
+          <a:chOff x="0" y="0"/>
+          <a:chExt cx="0" cy="0"/>
+        </a:xfrm>
+      </p:grpSpPr>
+      <p:sp>
+        <p:nvSpPr>
+          <p:cNvPr id="2" name="Slide Image Placeholder 1"/>
+          <p:cNvSpPr>
+            <a:spLocks noGrp="1" noRot="1" noChangeAspect="1"/>
+          </p:cNvSpPr>
+          <p:nvPr>
+            <p:ph type="sldImg"/>
+          </p:nvPr>
+        </p:nvSpPr>
+        <p:spPr/>
+      </p:sp>
+      <p:sp>
+        <p:nvSpPr>
+          <p:cNvPr id="3" name="Notes Placeholder 2"/>
+          <p:cNvSpPr>
+            <a:spLocks noGrp="1"/>
+          </p:cNvSpPr>
+          <p:nvPr>
+            <p:ph type="body" idx="1"/>
+          </p:nvPr>
+        </p:nvSpPr>
+        <p:spPr/>
+        <p:txBody>
+          <a:bodyPr/>
+          <a:lstStyle/>
+          <a:p>
+            <a:r>
+              <a:rPr lang="en-US" dirty="0"/>
+              <a:t>Explain tree:</a:t>
+            </a:r>
+          </a:p>
+          <a:p>
+            <a:endParaRPr lang="en-US" dirty="0"/>
+          </a:p>
+          <a:p>
+            <a:r>
+              <a:rPr lang="en-US" dirty="0"/>
+              <a:t>Confusion Matrix:</a:t>
+            </a:r>
+          </a:p>
+          <a:p>
+            <a:r>
+              <a:rPr lang="en-US" dirty="0"/>
+              <a:t>The sensitivity value indicates the test can fairly reliably detect loans that meet the credit policy</a:t>
+            </a:r>
+          </a:p>
+          <a:p>
+            <a:r>
+              <a:rPr lang="en-US" dirty="0"/>
+              <a:t>The specificity value indicates the test can fairly reliably detect loans that fail to meet the </a:t>
+            </a:r>
+            <a:r>
+              <a:rPr lang="en-US"/>
+              <a:t>credit policy</a:t>
+            </a:r>
+            <a:endParaRPr lang="en-US" dirty="0"/>
+          </a:p>
+          <a:p>
+            <a:r>
+              <a:rPr lang="en-US" dirty="0"/>
+              <a:t>These high values, as well as the high area under the ROC curve value, indicate a favorable ROC curve and a favorable model. The very high kappa value of .926 suggests there is a high degree of agreement between the predicted values and the actual values. </a:t>
+            </a:r>
+          </a:p>
+          <a:p>
+            <a:endParaRPr lang="en-US" dirty="0"/>
+          </a:p>
+          <a:p>
+            <a:endParaRPr lang="en-US" dirty="0"/>
+          </a:p>
+          <a:p>
+            <a:endParaRPr lang="en-US" dirty="0"/>
+          </a:p>
+          <a:p>
+            <a:pPr algn="l">
+              <a:buFont typeface="Arial" panose="020B0604020202020204" pitchFamily="34" charset="0"/>
+              <a:buChar char="•"/>
+            </a:pPr>
+            <a:r>
+              <a:rPr lang="en-US" b="1" i="0" dirty="0">
+                <a:solidFill>
+                  <a:srgbClr val="202122"/>
+                </a:solidFill>
+                <a:effectLst/>
+                <a:latin typeface="Arial" panose="020B0604020202020204" pitchFamily="34" charset="0"/>
+              </a:rPr>
+              <a:t>Sensitivity</a:t>
+            </a:r>
+            <a:r>
+              <a:rPr lang="en-US" b="0" i="0" dirty="0">
+                <a:solidFill>
+                  <a:srgbClr val="202122"/>
+                </a:solidFill>
+                <a:effectLst/>
+                <a:latin typeface="Arial" panose="020B0604020202020204" pitchFamily="34" charset="0"/>
+              </a:rPr>
+              <a:t> (true positive rate) refers to the probability of a positive test, conditioned on truly being positive.</a:t>
+            </a:r>
+          </a:p>
+          <a:p>
+            <a:pPr algn="l">
+              <a:buFont typeface="Arial" panose="020B0604020202020204" pitchFamily="34" charset="0"/>
+              <a:buChar char="•"/>
+            </a:pPr>
+            <a:r>
+              <a:rPr lang="en-US" b="1" i="0" dirty="0">
+                <a:solidFill>
+                  <a:srgbClr val="202122"/>
+                </a:solidFill>
+                <a:effectLst/>
+                <a:latin typeface="Arial" panose="020B0604020202020204" pitchFamily="34" charset="0"/>
+              </a:rPr>
+              <a:t>Specificity</a:t>
+            </a:r>
+            <a:r>
+              <a:rPr lang="en-US" b="0" i="0" dirty="0">
+                <a:solidFill>
+                  <a:srgbClr val="202122"/>
+                </a:solidFill>
+                <a:effectLst/>
+                <a:latin typeface="Arial" panose="020B0604020202020204" pitchFamily="34" charset="0"/>
+              </a:rPr>
+              <a:t> (true negative rate) refers to the probability of a negative test, conditioned on truly being negative.</a:t>
+            </a:r>
+          </a:p>
+          <a:p>
+            <a:endParaRPr lang="en-US" dirty="0"/>
+          </a:p>
+          <a:p>
+            <a:endParaRPr lang="en-US" dirty="0"/>
+          </a:p>
+          <a:p>
+            <a:endParaRPr lang="en-US" dirty="0"/>
+          </a:p>
+        </p:txBody>
+      </p:sp>
+      <p:sp>
+        <p:nvSpPr>
+          <p:cNvPr id="4" name="Slide Number Placeholder 3"/>
+          <p:cNvSpPr>
+            <a:spLocks noGrp="1"/>
+          </p:cNvSpPr>
+          <p:nvPr>
+            <p:ph type="sldNum" sz="quarter" idx="5"/>
+          </p:nvPr>
+        </p:nvSpPr>
+        <p:spPr/>
+        <p:txBody>
+          <a:bodyPr/>
+          <a:lstStyle/>
+          <a:p>
+            <a:fld id="{6B053770-FD16-42CB-98BB-967786CBD56A}" type="slidenum">
+              <a:rPr lang="en-US" smtClean="0"/>
+              <a:t>23</a:t>
+            </a:fld>
+            <a:endParaRPr lang="en-US"/>
+          </a:p>
+        </p:txBody>
+      </p:sp>
+    </p:spTree>
+    <p:extLst>
+      <p:ext uri="{BB962C8B-B14F-4D97-AF65-F5344CB8AC3E}">
+        <p14:creationId xmlns:p14="http://schemas.microsoft.com/office/powerpoint/2010/main" val="2295492974"/>
+      </p:ext>
+    </p:extLst>
+  </p:cSld>
+  <p:clrMapOvr>
+    <a:masterClrMapping/>
+  </p:clrMapOvr>
+</p:notes>
+</file>
+
+<file path=ppt/notesSlides/notesSlide8.xml><?xml version="1.0" encoding="utf-8"?>
+<p:notes xmlns:a="http://schemas.openxmlformats.org/drawingml/2006/main" xmlns:r="http://schemas.openxmlformats.org/officeDocument/2006/relationships" xmlns:p="http://schemas.openxmlformats.org/presentationml/2006/main">
+  <p:cSld>
+    <p:spTree>
+      <p:nvGrpSpPr>
+        <p:cNvPr id="1" name=""/>
+        <p:cNvGrpSpPr/>
+        <p:nvPr/>
+      </p:nvGrpSpPr>
+      <p:grpSpPr>
+        <a:xfrm>
+          <a:off x="0" y="0"/>
+          <a:ext cx="0" cy="0"/>
+          <a:chOff x="0" y="0"/>
+          <a:chExt cx="0" cy="0"/>
+        </a:xfrm>
+      </p:grpSpPr>
+      <p:sp>
+        <p:nvSpPr>
+          <p:cNvPr id="2" name="Slide Image Placeholder 1"/>
+          <p:cNvSpPr>
+            <a:spLocks noGrp="1" noRot="1" noChangeAspect="1"/>
+          </p:cNvSpPr>
+          <p:nvPr>
+            <p:ph type="sldImg"/>
+          </p:nvPr>
+        </p:nvSpPr>
+        <p:spPr/>
+      </p:sp>
+      <p:sp>
+        <p:nvSpPr>
+          <p:cNvPr id="3" name="Notes Placeholder 2"/>
+          <p:cNvSpPr>
+            <a:spLocks noGrp="1"/>
+          </p:cNvSpPr>
+          <p:nvPr>
+            <p:ph type="body" idx="1"/>
+          </p:nvPr>
+        </p:nvSpPr>
+        <p:spPr/>
+        <p:txBody>
+          <a:bodyPr/>
+          <a:lstStyle/>
+          <a:p>
+            <a:r>
+              <a:rPr lang="en-US" dirty="0"/>
+              <a:t>Explain tree:</a:t>
+            </a:r>
+          </a:p>
+          <a:p>
+            <a:r>
+              <a:rPr lang="en-US" dirty="0"/>
+              <a:t>Our initial classification tree revealed in no chosen variables and only the single root node, a kappa value of 0, and a ROC curve that fit directly on the random classifier line. We interpreted this as a strong indicator that a classification tree would not be useful for the `</a:t>
+            </a:r>
+            <a:r>
+              <a:rPr lang="en-US" dirty="0" err="1"/>
+              <a:t>not.fully.paid</a:t>
+            </a:r>
+            <a:r>
+              <a:rPr lang="en-US" dirty="0"/>
+              <a:t>` variable. To confirm this indication, we overrode the default complexity parameter in the </a:t>
+            </a:r>
+            <a:r>
+              <a:rPr lang="en-US" dirty="0" err="1"/>
+              <a:t>rPart</a:t>
+            </a:r>
+            <a:r>
+              <a:rPr lang="en-US" dirty="0"/>
+              <a:t> function and set it from .01 to .001. By reducing that value in R, we reduce the minimum improvement threshold required at each node for the tree to be built; i.e., essentially lowering the restrictions on how and when the tree is constructed. </a:t>
+            </a:r>
+          </a:p>
+          <a:p>
+            <a:endParaRPr lang="en-US" dirty="0"/>
+          </a:p>
+          <a:p>
+            <a:r>
+              <a:rPr lang="en-US" dirty="0"/>
+              <a:t>This led to the classification tree using the variables `</a:t>
+            </a:r>
+            <a:r>
+              <a:rPr lang="en-US" dirty="0" err="1"/>
+              <a:t>credit.policy</a:t>
+            </a:r>
+            <a:r>
+              <a:rPr lang="en-US" dirty="0"/>
+              <a:t>`, `inq.last.6mths`, `</a:t>
+            </a:r>
+            <a:r>
+              <a:rPr lang="en-US" dirty="0" err="1"/>
+              <a:t>int.rate</a:t>
+            </a:r>
+            <a:r>
+              <a:rPr lang="en-US" dirty="0"/>
+              <a:t>`, and `purpose` in building the tree. Looking at it though, and with our initially suspicion regarding the usefulness of the tree, we can see that it is not very informative. We can see that the majority of loans that met the </a:t>
+            </a:r>
+            <a:r>
+              <a:rPr lang="en-US" dirty="0" err="1"/>
+              <a:t>credit.policy</a:t>
+            </a:r>
+            <a:r>
+              <a:rPr lang="en-US" dirty="0"/>
+              <a:t>, paid the loan, which we would generally expect. We can also see that that those loans that did not meet the credit policy, had higher a number of inquiries in the last 6 months, and higher interest rates, would probably more susceptible of going Unpaid; this is also what we would generally expect to see. </a:t>
+            </a:r>
+          </a:p>
+          <a:p>
+            <a:pPr marL="171450" indent="-171450">
+              <a:buFont typeface="Arial" panose="020B0604020202020204" pitchFamily="34" charset="0"/>
+              <a:buChar char="•"/>
+            </a:pPr>
+            <a:r>
+              <a:rPr lang="en-US" dirty="0"/>
+              <a:t>IF ASKED: we do not consider the distinction between loan purpose to be meaningful because of the number of Unpaid values among other leaf nodes and their proportion to the Paid values.</a:t>
+            </a:r>
+          </a:p>
+          <a:p>
+            <a:endParaRPr lang="en-US" dirty="0"/>
+          </a:p>
+          <a:p>
+            <a:endParaRPr lang="en-US" dirty="0"/>
+          </a:p>
+          <a:p>
+            <a:r>
+              <a:rPr lang="en-US" dirty="0"/>
+              <a:t>Confusion Matrix:</a:t>
+            </a:r>
+          </a:p>
+          <a:p>
+            <a:r>
+              <a:rPr lang="en-US" dirty="0"/>
+              <a:t>Low area under ROC curve indicates the model has little to no ability to discriminate between Paid and Unpaid classes.</a:t>
+            </a:r>
+          </a:p>
+          <a:p>
+            <a:endParaRPr lang="en-US" dirty="0"/>
+          </a:p>
+          <a:p>
+            <a:r>
+              <a:rPr lang="en-US" dirty="0"/>
+              <a:t>Based on the extremely low Kappa statistic of .019, there is nearly no agreement between the predictive model and the actual data. </a:t>
+            </a:r>
+          </a:p>
+          <a:p>
+            <a:endParaRPr lang="en-US" dirty="0"/>
+          </a:p>
+          <a:p>
+            <a:endParaRPr lang="en-US" dirty="0"/>
+          </a:p>
+          <a:p>
+            <a:endParaRPr lang="en-US" dirty="0"/>
+          </a:p>
+          <a:p>
+            <a:endParaRPr lang="en-US" dirty="0"/>
+          </a:p>
+        </p:txBody>
+      </p:sp>
+      <p:sp>
+        <p:nvSpPr>
+          <p:cNvPr id="4" name="Slide Number Placeholder 3"/>
+          <p:cNvSpPr>
+            <a:spLocks noGrp="1"/>
+          </p:cNvSpPr>
+          <p:nvPr>
+            <p:ph type="sldNum" sz="quarter" idx="5"/>
+          </p:nvPr>
+        </p:nvSpPr>
+        <p:spPr/>
+        <p:txBody>
+          <a:bodyPr/>
+          <a:lstStyle/>
+          <a:p>
+            <a:fld id="{6B053770-FD16-42CB-98BB-967786CBD56A}" type="slidenum">
+              <a:rPr lang="en-US" smtClean="0"/>
               <a:t>24</a:t>
             </a:fld>
             <a:endParaRPr lang="en-US"/>
@@ -1392,7 +1560,7 @@
 </p:notes>
 </file>
 
-<file path=ppt/notesSlides/notesSlide7.xml><?xml version="1.0" encoding="utf-8"?>
+<file path=ppt/notesSlides/notesSlide9.xml><?xml version="1.0" encoding="utf-8"?>
 <p:notes xmlns:a="http://schemas.openxmlformats.org/drawingml/2006/main" xmlns:r="http://schemas.openxmlformats.org/officeDocument/2006/relationships" xmlns:p="http://schemas.openxmlformats.org/presentationml/2006/main">
   <p:cSld>
     <p:spTree>
@@ -6120,10 +6288,10 @@
       </p:cxnSp>
       <p:pic>
         <p:nvPicPr>
-          <p:cNvPr id="3" name="Picture 2" descr="Chart, scatter chart&#10;&#10;Description automatically generated">
-            <a:extLst>
-              <a:ext uri="{FF2B5EF4-FFF2-40B4-BE49-F238E27FC236}">
-                <a16:creationId xmlns:a16="http://schemas.microsoft.com/office/drawing/2014/main" id="{7317D386-6C38-EFF7-DF24-BD7C25BBE381}"/>
+          <p:cNvPr id="2" name="Picture 1">
+            <a:extLst>
+              <a:ext uri="{FF2B5EF4-FFF2-40B4-BE49-F238E27FC236}">
+                <a16:creationId xmlns:a16="http://schemas.microsoft.com/office/drawing/2014/main" id="{5047AC45-F79E-E5C4-E636-87EE511DE21E}"/>
               </a:ext>
             </a:extLst>
           </p:cNvPr>
@@ -6134,9 +6302,16 @@
         </p:nvPicPr>
         <p:blipFill>
           <a:blip r:embed="rId3">
-            <a:extLst>
-              <a:ext uri="{28A0092B-C50C-407E-A947-70E740481C1C}">
-                <a14:useLocalDpi xmlns:a14="http://schemas.microsoft.com/office/drawing/2010/main" val="0"/>
+            <a:alphaModFix amt="5000"/>
+            <a:extLst>
+              <a:ext uri="{BEBA8EAE-BF5A-486C-A8C5-ECC9F3942E4B}">
+                <a14:imgProps xmlns:a14="http://schemas.microsoft.com/office/drawing/2010/main">
+                  <a14:imgLayer r:embed="rId4">
+                    <a14:imgEffect>
+                      <a14:saturation sat="0"/>
+                    </a14:imgEffect>
+                  </a14:imgLayer>
+                </a14:imgProps>
               </a:ext>
             </a:extLst>
           </a:blip>
@@ -6146,8 +6321,8 @@
         </p:blipFill>
         <p:spPr>
           <a:xfrm>
-            <a:off x="2886868" y="1815708"/>
-            <a:ext cx="6400847" cy="4572033"/>
+            <a:off x="11346306" y="543903"/>
+            <a:ext cx="845693" cy="772083"/>
           </a:xfrm>
           <a:prstGeom prst="rect">
             <a:avLst/>
@@ -6156,10 +6331,10 @@
       </p:pic>
       <p:pic>
         <p:nvPicPr>
-          <p:cNvPr id="2" name="Picture 1">
-            <a:extLst>
-              <a:ext uri="{FF2B5EF4-FFF2-40B4-BE49-F238E27FC236}">
-                <a16:creationId xmlns:a16="http://schemas.microsoft.com/office/drawing/2014/main" id="{5047AC45-F79E-E5C4-E636-87EE511DE21E}"/>
+          <p:cNvPr id="8" name="Picture 7" descr="Chart, scatter chart&#10;&#10;Description automatically generated">
+            <a:extLst>
+              <a:ext uri="{FF2B5EF4-FFF2-40B4-BE49-F238E27FC236}">
+                <a16:creationId xmlns:a16="http://schemas.microsoft.com/office/drawing/2014/main" id="{B8801312-64FD-C7B7-01D9-39552176E528}"/>
               </a:ext>
             </a:extLst>
           </p:cNvPr>
@@ -6169,17 +6344,10 @@
           <p:nvPr/>
         </p:nvPicPr>
         <p:blipFill>
-          <a:blip r:embed="rId4">
-            <a:alphaModFix amt="5000"/>
-            <a:extLst>
-              <a:ext uri="{BEBA8EAE-BF5A-486C-A8C5-ECC9F3942E4B}">
-                <a14:imgProps xmlns:a14="http://schemas.microsoft.com/office/drawing/2010/main">
-                  <a14:imgLayer r:embed="rId5">
-                    <a14:imgEffect>
-                      <a14:saturation sat="0"/>
-                    </a14:imgEffect>
-                  </a14:imgLayer>
-                </a14:imgProps>
+          <a:blip r:embed="rId5">
+            <a:extLst>
+              <a:ext uri="{28A0092B-C50C-407E-A947-70E740481C1C}">
+                <a14:useLocalDpi xmlns:a14="http://schemas.microsoft.com/office/drawing/2010/main" val="0"/>
               </a:ext>
             </a:extLst>
           </a:blip>
@@ -6189,14 +6357,162 @@
         </p:blipFill>
         <p:spPr>
           <a:xfrm>
-            <a:off x="11346306" y="543903"/>
-            <a:ext cx="845693" cy="772083"/>
+            <a:off x="2895576" y="1815708"/>
+            <a:ext cx="6400847" cy="4572033"/>
           </a:xfrm>
           <a:prstGeom prst="rect">
             <a:avLst/>
           </a:prstGeom>
         </p:spPr>
       </p:pic>
+      <p:sp>
+        <p:nvSpPr>
+          <p:cNvPr id="10" name="TextBox 9">
+            <a:extLst>
+              <a:ext uri="{FF2B5EF4-FFF2-40B4-BE49-F238E27FC236}">
+                <a16:creationId xmlns:a16="http://schemas.microsoft.com/office/drawing/2014/main" id="{DCD204A7-20D6-DBD0-49FB-759F1BA2526A}"/>
+              </a:ext>
+            </a:extLst>
+          </p:cNvPr>
+          <p:cNvSpPr txBox="1"/>
+          <p:nvPr/>
+        </p:nvSpPr>
+        <p:spPr>
+          <a:xfrm>
+            <a:off x="9949987" y="3455393"/>
+            <a:ext cx="1217044" cy="646331"/>
+          </a:xfrm>
+          <a:prstGeom prst="rect">
+            <a:avLst/>
+          </a:prstGeom>
+          <a:noFill/>
+        </p:spPr>
+        <p:txBody>
+          <a:bodyPr wrap="square">
+            <a:spAutoFit/>
+          </a:bodyPr>
+          <a:lstStyle/>
+          <a:p>
+            <a:pPr marR="0" lvl="0" defTabSz="914400" rtl="0" eaLnBrk="1" fontAlgn="auto" latinLnBrk="0" hangingPunct="1">
+              <a:lnSpc>
+                <a:spcPct val="100000"/>
+              </a:lnSpc>
+              <a:spcBef>
+                <a:spcPts val="0"/>
+              </a:spcBef>
+              <a:spcAft>
+                <a:spcPts val="0"/>
+              </a:spcAft>
+              <a:buClrTx/>
+              <a:buSzTx/>
+              <a:tabLst/>
+              <a:defRPr/>
+            </a:pPr>
+            <a:r>
+              <a:rPr kumimoji="0" lang="en-US" sz="1800" b="0" i="0" u="none" strike="noStrike" kern="1200" cap="none" spc="0" normalizeH="0" baseline="0" noProof="0" dirty="0">
+                <a:ln>
+                  <a:noFill/>
+                </a:ln>
+                <a:solidFill>
+                  <a:srgbClr val="002060"/>
+                </a:solidFill>
+                <a:effectLst/>
+                <a:uLnTx/>
+                <a:uFillTx/>
+                <a:latin typeface="Calibri" panose="020F0502020204030204"/>
+                <a:ea typeface="+mn-ea"/>
+                <a:cs typeface="+mn-cs"/>
+              </a:rPr>
+              <a:t>R</a:t>
+            </a:r>
+            <a:r>
+              <a:rPr kumimoji="0" lang="en-US" sz="1800" b="0" i="0" u="none" strike="noStrike" kern="1200" cap="none" spc="0" normalizeH="0" baseline="30000" noProof="0" dirty="0">
+                <a:ln>
+                  <a:noFill/>
+                </a:ln>
+                <a:solidFill>
+                  <a:srgbClr val="002060"/>
+                </a:solidFill>
+                <a:effectLst/>
+                <a:uLnTx/>
+                <a:uFillTx/>
+                <a:latin typeface="Calibri" panose="020F0502020204030204"/>
+                <a:ea typeface="+mn-ea"/>
+                <a:cs typeface="+mn-cs"/>
+              </a:rPr>
+              <a:t>2</a:t>
+            </a:r>
+            <a:r>
+              <a:rPr kumimoji="0" lang="en-US" sz="1800" b="0" i="0" u="none" strike="noStrike" kern="1200" cap="none" spc="0" normalizeH="0" baseline="0" noProof="0" dirty="0">
+                <a:ln>
+                  <a:noFill/>
+                </a:ln>
+                <a:solidFill>
+                  <a:srgbClr val="002060"/>
+                </a:solidFill>
+                <a:effectLst/>
+                <a:uLnTx/>
+                <a:uFillTx/>
+                <a:latin typeface="Calibri" panose="020F0502020204030204"/>
+                <a:ea typeface="+mn-ea"/>
+                <a:cs typeface="+mn-cs"/>
+              </a:rPr>
+              <a:t> = 0.20</a:t>
+            </a:r>
+          </a:p>
+          <a:p>
+            <a:pPr marR="0" lvl="0" algn="l" defTabSz="914400" rtl="0" eaLnBrk="1" fontAlgn="auto" latinLnBrk="0" hangingPunct="1">
+              <a:lnSpc>
+                <a:spcPct val="100000"/>
+              </a:lnSpc>
+              <a:spcBef>
+                <a:spcPts val="0"/>
+              </a:spcBef>
+              <a:spcAft>
+                <a:spcPts val="0"/>
+              </a:spcAft>
+              <a:buClrTx/>
+              <a:buSzTx/>
+              <a:tabLst/>
+              <a:defRPr/>
+            </a:pPr>
+            <a:r>
+              <a:rPr kumimoji="0" lang="en-US" sz="1800" b="0" i="0" u="none" strike="noStrike" kern="1200" cap="none" spc="0" normalizeH="0" baseline="0" noProof="0" dirty="0" err="1">
+                <a:ln>
+                  <a:noFill/>
+                </a:ln>
+                <a:solidFill>
+                  <a:srgbClr val="002060"/>
+                </a:solidFill>
+                <a:effectLst/>
+                <a:uLnTx/>
+                <a:uFillTx/>
+                <a:latin typeface="Calibri" panose="020F0502020204030204"/>
+                <a:ea typeface="+mn-ea"/>
+                <a:cs typeface="+mn-cs"/>
+              </a:rPr>
+              <a:t>Pr</a:t>
+            </a:r>
+            <a:r>
+              <a:rPr kumimoji="0" lang="en-US" sz="1800" b="0" i="0" u="none" strike="noStrike" kern="1200" cap="none" spc="0" normalizeH="0" baseline="0" noProof="0" dirty="0">
+                <a:ln>
+                  <a:noFill/>
+                </a:ln>
+                <a:solidFill>
+                  <a:srgbClr val="002060"/>
+                </a:solidFill>
+                <a:effectLst/>
+                <a:uLnTx/>
+                <a:uFillTx/>
+                <a:latin typeface="Calibri" panose="020F0502020204030204"/>
+                <a:ea typeface="+mn-ea"/>
+                <a:cs typeface="+mn-cs"/>
+              </a:rPr>
+              <a:t>  &lt; 2e-16</a:t>
+            </a:r>
+          </a:p>
+        </p:txBody>
+      </p:sp>
     </p:spTree>
     <p:extLst>
       <p:ext uri="{BB962C8B-B14F-4D97-AF65-F5344CB8AC3E}">
@@ -6242,7 +6558,7 @@
           <p:nvPr/>
         </p:nvPicPr>
         <p:blipFill rotWithShape="1">
-          <a:blip r:embed="rId2"/>
+          <a:blip r:embed="rId3"/>
           <a:srcRect t="10770" r="84371" b="20000"/>
           <a:stretch/>
         </p:blipFill>
@@ -6271,7 +6587,7 @@
           <p:nvPr/>
         </p:nvPicPr>
         <p:blipFill rotWithShape="1">
-          <a:blip r:embed="rId2"/>
+          <a:blip r:embed="rId3"/>
           <a:srcRect l="15172"/>
           <a:stretch/>
         </p:blipFill>
@@ -6378,42 +6694,6 @@
       </p:cxnSp>
       <p:pic>
         <p:nvPicPr>
-          <p:cNvPr id="4" name="Picture 3" descr="Chart&#10;&#10;Description automatically generated">
-            <a:extLst>
-              <a:ext uri="{FF2B5EF4-FFF2-40B4-BE49-F238E27FC236}">
-                <a16:creationId xmlns:a16="http://schemas.microsoft.com/office/drawing/2014/main" id="{E53D5306-5BA2-B775-84A4-9AC0440B1EA7}"/>
-              </a:ext>
-            </a:extLst>
-          </p:cNvPr>
-          <p:cNvPicPr>
-            <a:picLocks noChangeAspect="1"/>
-          </p:cNvPicPr>
-          <p:nvPr/>
-        </p:nvPicPr>
-        <p:blipFill>
-          <a:blip r:embed="rId3">
-            <a:extLst>
-              <a:ext uri="{28A0092B-C50C-407E-A947-70E740481C1C}">
-                <a14:useLocalDpi xmlns:a14="http://schemas.microsoft.com/office/drawing/2010/main" val="0"/>
-              </a:ext>
-            </a:extLst>
-          </a:blip>
-          <a:stretch>
-            <a:fillRect/>
-          </a:stretch>
-        </p:blipFill>
-        <p:spPr>
-          <a:xfrm>
-            <a:off x="2886868" y="1815708"/>
-            <a:ext cx="6400847" cy="4572033"/>
-          </a:xfrm>
-          <a:prstGeom prst="rect">
-            <a:avLst/>
-          </a:prstGeom>
-        </p:spPr>
-      </p:pic>
-      <p:pic>
-        <p:nvPicPr>
           <p:cNvPr id="2" name="Picture 1">
             <a:extLst>
               <a:ext uri="{FF2B5EF4-FFF2-40B4-BE49-F238E27FC236}">
@@ -6455,6 +6735,190 @@
           </a:prstGeom>
         </p:spPr>
       </p:pic>
+      <p:pic>
+        <p:nvPicPr>
+          <p:cNvPr id="8" name="Picture 7" descr="Chart, histogram&#10;&#10;Description automatically generated">
+            <a:extLst>
+              <a:ext uri="{FF2B5EF4-FFF2-40B4-BE49-F238E27FC236}">
+                <a16:creationId xmlns:a16="http://schemas.microsoft.com/office/drawing/2014/main" id="{9D1E01B4-4415-8FE8-9A51-C4DE7D15C75B}"/>
+              </a:ext>
+            </a:extLst>
+          </p:cNvPr>
+          <p:cNvPicPr>
+            <a:picLocks noChangeAspect="1"/>
+          </p:cNvPicPr>
+          <p:nvPr/>
+        </p:nvPicPr>
+        <p:blipFill>
+          <a:blip r:embed="rId6">
+            <a:extLst>
+              <a:ext uri="{28A0092B-C50C-407E-A947-70E740481C1C}">
+                <a14:useLocalDpi xmlns:a14="http://schemas.microsoft.com/office/drawing/2010/main" val="0"/>
+              </a:ext>
+            </a:extLst>
+          </a:blip>
+          <a:stretch>
+            <a:fillRect/>
+          </a:stretch>
+        </p:blipFill>
+        <p:spPr>
+          <a:xfrm>
+            <a:off x="2886868" y="1815708"/>
+            <a:ext cx="6400847" cy="4572033"/>
+          </a:xfrm>
+          <a:prstGeom prst="rect">
+            <a:avLst/>
+          </a:prstGeom>
+        </p:spPr>
+      </p:pic>
+      <p:sp>
+        <p:nvSpPr>
+          <p:cNvPr id="10" name="TextBox 9">
+            <a:extLst>
+              <a:ext uri="{FF2B5EF4-FFF2-40B4-BE49-F238E27FC236}">
+                <a16:creationId xmlns:a16="http://schemas.microsoft.com/office/drawing/2014/main" id="{C57EA837-7916-CFD6-EA72-277ECAD3D9D4}"/>
+              </a:ext>
+            </a:extLst>
+          </p:cNvPr>
+          <p:cNvSpPr txBox="1"/>
+          <p:nvPr/>
+        </p:nvSpPr>
+        <p:spPr>
+          <a:xfrm>
+            <a:off x="9949987" y="3455393"/>
+            <a:ext cx="1217044" cy="646331"/>
+          </a:xfrm>
+          <a:prstGeom prst="rect">
+            <a:avLst/>
+          </a:prstGeom>
+          <a:noFill/>
+        </p:spPr>
+        <p:txBody>
+          <a:bodyPr wrap="square">
+            <a:spAutoFit/>
+          </a:bodyPr>
+          <a:lstStyle/>
+          <a:p>
+            <a:pPr marR="0" lvl="0" defTabSz="914400" rtl="0" eaLnBrk="1" fontAlgn="auto" latinLnBrk="0" hangingPunct="1">
+              <a:lnSpc>
+                <a:spcPct val="100000"/>
+              </a:lnSpc>
+              <a:spcBef>
+                <a:spcPts val="0"/>
+              </a:spcBef>
+              <a:spcAft>
+                <a:spcPts val="0"/>
+              </a:spcAft>
+              <a:buClrTx/>
+              <a:buSzTx/>
+              <a:tabLst/>
+              <a:defRPr/>
+            </a:pPr>
+            <a:r>
+              <a:rPr kumimoji="0" lang="en-US" sz="1800" b="0" i="0" u="none" strike="noStrike" kern="1200" cap="none" spc="0" normalizeH="0" baseline="0" noProof="0" dirty="0">
+                <a:ln>
+                  <a:noFill/>
+                </a:ln>
+                <a:solidFill>
+                  <a:srgbClr val="002060"/>
+                </a:solidFill>
+                <a:effectLst/>
+                <a:uLnTx/>
+                <a:uFillTx/>
+                <a:latin typeface="Calibri" panose="020F0502020204030204"/>
+                <a:ea typeface="+mn-ea"/>
+                <a:cs typeface="+mn-cs"/>
+              </a:rPr>
+              <a:t>R</a:t>
+            </a:r>
+            <a:r>
+              <a:rPr kumimoji="0" lang="en-US" sz="1800" b="0" i="0" u="none" strike="noStrike" kern="1200" cap="none" spc="0" normalizeH="0" baseline="30000" noProof="0" dirty="0">
+                <a:ln>
+                  <a:noFill/>
+                </a:ln>
+                <a:solidFill>
+                  <a:srgbClr val="002060"/>
+                </a:solidFill>
+                <a:effectLst/>
+                <a:uLnTx/>
+                <a:uFillTx/>
+                <a:latin typeface="Calibri" panose="020F0502020204030204"/>
+                <a:ea typeface="+mn-ea"/>
+                <a:cs typeface="+mn-cs"/>
+              </a:rPr>
+              <a:t>2</a:t>
+            </a:r>
+            <a:r>
+              <a:rPr kumimoji="0" lang="en-US" sz="1800" b="0" i="0" u="none" strike="noStrike" kern="1200" cap="none" spc="0" normalizeH="0" baseline="0" noProof="0" dirty="0">
+                <a:ln>
+                  <a:noFill/>
+                </a:ln>
+                <a:solidFill>
+                  <a:srgbClr val="002060"/>
+                </a:solidFill>
+                <a:effectLst/>
+                <a:uLnTx/>
+                <a:uFillTx/>
+                <a:latin typeface="Calibri" panose="020F0502020204030204"/>
+                <a:ea typeface="+mn-ea"/>
+                <a:cs typeface="+mn-cs"/>
+              </a:rPr>
+              <a:t> = 0.29</a:t>
+            </a:r>
+          </a:p>
+          <a:p>
+            <a:pPr marR="0" lvl="0" algn="l" defTabSz="914400" rtl="0" eaLnBrk="1" fontAlgn="auto" latinLnBrk="0" hangingPunct="1">
+              <a:lnSpc>
+                <a:spcPct val="100000"/>
+              </a:lnSpc>
+              <a:spcBef>
+                <a:spcPts val="0"/>
+              </a:spcBef>
+              <a:spcAft>
+                <a:spcPts val="0"/>
+              </a:spcAft>
+              <a:buClrTx/>
+              <a:buSzTx/>
+              <a:tabLst/>
+              <a:defRPr/>
+            </a:pPr>
+            <a:r>
+              <a:rPr kumimoji="0" lang="en-US" sz="1800" b="0" i="0" u="none" strike="noStrike" kern="1200" cap="none" spc="0" normalizeH="0" baseline="0" noProof="0" dirty="0" err="1">
+                <a:ln>
+                  <a:noFill/>
+                </a:ln>
+                <a:solidFill>
+                  <a:srgbClr val="002060"/>
+                </a:solidFill>
+                <a:effectLst/>
+                <a:uLnTx/>
+                <a:uFillTx/>
+                <a:latin typeface="Calibri" panose="020F0502020204030204"/>
+                <a:ea typeface="+mn-ea"/>
+                <a:cs typeface="+mn-cs"/>
+              </a:rPr>
+              <a:t>Pr</a:t>
+            </a:r>
+            <a:r>
+              <a:rPr kumimoji="0" lang="en-US" sz="1800" b="0" i="0" u="none" strike="noStrike" kern="1200" cap="none" spc="0" normalizeH="0" baseline="0" noProof="0" dirty="0">
+                <a:ln>
+                  <a:noFill/>
+                </a:ln>
+                <a:solidFill>
+                  <a:srgbClr val="002060"/>
+                </a:solidFill>
+                <a:effectLst/>
+                <a:uLnTx/>
+                <a:uFillTx/>
+                <a:latin typeface="Calibri" panose="020F0502020204030204"/>
+                <a:ea typeface="+mn-ea"/>
+                <a:cs typeface="+mn-cs"/>
+              </a:rPr>
+              <a:t>  &lt; 2e-16</a:t>
+            </a:r>
+          </a:p>
+        </p:txBody>
+      </p:sp>
     </p:spTree>
     <p:extLst>
       <p:ext uri="{BB962C8B-B14F-4D97-AF65-F5344CB8AC3E}">
@@ -14058,7 +14522,7 @@
           <p:nvPr/>
         </p:nvPicPr>
         <p:blipFill rotWithShape="1">
-          <a:blip r:embed="rId2"/>
+          <a:blip r:embed="rId3"/>
           <a:srcRect t="10770" r="84371" b="20000"/>
           <a:stretch/>
         </p:blipFill>
@@ -14087,7 +14551,7 @@
           <p:nvPr/>
         </p:nvPicPr>
         <p:blipFill rotWithShape="1">
-          <a:blip r:embed="rId2"/>
+          <a:blip r:embed="rId3"/>
           <a:srcRect l="15172"/>
           <a:stretch/>
         </p:blipFill>
@@ -14186,42 +14650,6 @@
       </p:cxnSp>
       <p:pic>
         <p:nvPicPr>
-          <p:cNvPr id="4" name="Picture 3" descr="Chart&#10;&#10;Description automatically generated">
-            <a:extLst>
-              <a:ext uri="{FF2B5EF4-FFF2-40B4-BE49-F238E27FC236}">
-                <a16:creationId xmlns:a16="http://schemas.microsoft.com/office/drawing/2014/main" id="{336BB0A6-4E7B-92E8-12B8-999E4E319221}"/>
-              </a:ext>
-            </a:extLst>
-          </p:cNvPr>
-          <p:cNvPicPr>
-            <a:picLocks noChangeAspect="1"/>
-          </p:cNvPicPr>
-          <p:nvPr/>
-        </p:nvPicPr>
-        <p:blipFill>
-          <a:blip r:embed="rId3">
-            <a:extLst>
-              <a:ext uri="{28A0092B-C50C-407E-A947-70E740481C1C}">
-                <a14:useLocalDpi xmlns:a14="http://schemas.microsoft.com/office/drawing/2010/main" val="0"/>
-              </a:ext>
-            </a:extLst>
-          </a:blip>
-          <a:stretch>
-            <a:fillRect/>
-          </a:stretch>
-        </p:blipFill>
-        <p:spPr>
-          <a:xfrm>
-            <a:off x="2895576" y="1631498"/>
-            <a:ext cx="6400847" cy="4572033"/>
-          </a:xfrm>
-          <a:prstGeom prst="rect">
-            <a:avLst/>
-          </a:prstGeom>
-        </p:spPr>
-      </p:pic>
-      <p:pic>
-        <p:nvPicPr>
           <p:cNvPr id="2" name="Picture 1">
             <a:extLst>
               <a:ext uri="{FF2B5EF4-FFF2-40B4-BE49-F238E27FC236}">
@@ -14263,6 +14691,190 @@
           </a:prstGeom>
         </p:spPr>
       </p:pic>
+      <p:pic>
+        <p:nvPicPr>
+          <p:cNvPr id="8" name="Picture 7" descr="Chart, histogram&#10;&#10;Description automatically generated">
+            <a:extLst>
+              <a:ext uri="{FF2B5EF4-FFF2-40B4-BE49-F238E27FC236}">
+                <a16:creationId xmlns:a16="http://schemas.microsoft.com/office/drawing/2014/main" id="{7258FE4A-B97B-1F5D-C93E-140FB8117FF7}"/>
+              </a:ext>
+            </a:extLst>
+          </p:cNvPr>
+          <p:cNvPicPr>
+            <a:picLocks noChangeAspect="1"/>
+          </p:cNvPicPr>
+          <p:nvPr/>
+        </p:nvPicPr>
+        <p:blipFill>
+          <a:blip r:embed="rId6">
+            <a:extLst>
+              <a:ext uri="{28A0092B-C50C-407E-A947-70E740481C1C}">
+                <a14:useLocalDpi xmlns:a14="http://schemas.microsoft.com/office/drawing/2010/main" val="0"/>
+              </a:ext>
+            </a:extLst>
+          </a:blip>
+          <a:stretch>
+            <a:fillRect/>
+          </a:stretch>
+        </p:blipFill>
+        <p:spPr>
+          <a:xfrm>
+            <a:off x="2895576" y="1815708"/>
+            <a:ext cx="6400847" cy="4572033"/>
+          </a:xfrm>
+          <a:prstGeom prst="rect">
+            <a:avLst/>
+          </a:prstGeom>
+        </p:spPr>
+      </p:pic>
+      <p:sp>
+        <p:nvSpPr>
+          <p:cNvPr id="11" name="TextBox 10">
+            <a:extLst>
+              <a:ext uri="{FF2B5EF4-FFF2-40B4-BE49-F238E27FC236}">
+                <a16:creationId xmlns:a16="http://schemas.microsoft.com/office/drawing/2014/main" id="{805D0DBD-7928-6534-EC1D-DEC7C3E13D91}"/>
+              </a:ext>
+            </a:extLst>
+          </p:cNvPr>
+          <p:cNvSpPr txBox="1"/>
+          <p:nvPr/>
+        </p:nvSpPr>
+        <p:spPr>
+          <a:xfrm>
+            <a:off x="9949987" y="3455393"/>
+            <a:ext cx="1217044" cy="646331"/>
+          </a:xfrm>
+          <a:prstGeom prst="rect">
+            <a:avLst/>
+          </a:prstGeom>
+          <a:noFill/>
+        </p:spPr>
+        <p:txBody>
+          <a:bodyPr wrap="square">
+            <a:spAutoFit/>
+          </a:bodyPr>
+          <a:lstStyle/>
+          <a:p>
+            <a:pPr marR="0" lvl="0" defTabSz="914400" rtl="0" eaLnBrk="1" fontAlgn="auto" latinLnBrk="0" hangingPunct="1">
+              <a:lnSpc>
+                <a:spcPct val="100000"/>
+              </a:lnSpc>
+              <a:spcBef>
+                <a:spcPts val="0"/>
+              </a:spcBef>
+              <a:spcAft>
+                <a:spcPts val="0"/>
+              </a:spcAft>
+              <a:buClrTx/>
+              <a:buSzTx/>
+              <a:tabLst/>
+              <a:defRPr/>
+            </a:pPr>
+            <a:r>
+              <a:rPr kumimoji="0" lang="en-US" sz="1800" b="0" i="0" u="none" strike="noStrike" kern="1200" cap="none" spc="0" normalizeH="0" baseline="0" noProof="0" dirty="0">
+                <a:ln>
+                  <a:noFill/>
+                </a:ln>
+                <a:solidFill>
+                  <a:srgbClr val="002060"/>
+                </a:solidFill>
+                <a:effectLst/>
+                <a:uLnTx/>
+                <a:uFillTx/>
+                <a:latin typeface="Calibri" panose="020F0502020204030204"/>
+                <a:ea typeface="+mn-ea"/>
+                <a:cs typeface="+mn-cs"/>
+              </a:rPr>
+              <a:t>R</a:t>
+            </a:r>
+            <a:r>
+              <a:rPr kumimoji="0" lang="en-US" sz="1800" b="0" i="0" u="none" strike="noStrike" kern="1200" cap="none" spc="0" normalizeH="0" baseline="30000" noProof="0" dirty="0">
+                <a:ln>
+                  <a:noFill/>
+                </a:ln>
+                <a:solidFill>
+                  <a:srgbClr val="002060"/>
+                </a:solidFill>
+                <a:effectLst/>
+                <a:uLnTx/>
+                <a:uFillTx/>
+                <a:latin typeface="Calibri" panose="020F0502020204030204"/>
+                <a:ea typeface="+mn-ea"/>
+                <a:cs typeface="+mn-cs"/>
+              </a:rPr>
+              <a:t>2</a:t>
+            </a:r>
+            <a:r>
+              <a:rPr kumimoji="0" lang="en-US" sz="1800" b="0" i="0" u="none" strike="noStrike" kern="1200" cap="none" spc="0" normalizeH="0" baseline="0" noProof="0" dirty="0">
+                <a:ln>
+                  <a:noFill/>
+                </a:ln>
+                <a:solidFill>
+                  <a:srgbClr val="002060"/>
+                </a:solidFill>
+                <a:effectLst/>
+                <a:uLnTx/>
+                <a:uFillTx/>
+                <a:latin typeface="Calibri" panose="020F0502020204030204"/>
+                <a:ea typeface="+mn-ea"/>
+                <a:cs typeface="+mn-cs"/>
+              </a:rPr>
+              <a:t> = 0.51</a:t>
+            </a:r>
+          </a:p>
+          <a:p>
+            <a:pPr marR="0" lvl="0" algn="l" defTabSz="914400" rtl="0" eaLnBrk="1" fontAlgn="auto" latinLnBrk="0" hangingPunct="1">
+              <a:lnSpc>
+                <a:spcPct val="100000"/>
+              </a:lnSpc>
+              <a:spcBef>
+                <a:spcPts val="0"/>
+              </a:spcBef>
+              <a:spcAft>
+                <a:spcPts val="0"/>
+              </a:spcAft>
+              <a:buClrTx/>
+              <a:buSzTx/>
+              <a:tabLst/>
+              <a:defRPr/>
+            </a:pPr>
+            <a:r>
+              <a:rPr kumimoji="0" lang="en-US" sz="1800" b="0" i="0" u="none" strike="noStrike" kern="1200" cap="none" spc="0" normalizeH="0" baseline="0" noProof="0" dirty="0" err="1">
+                <a:ln>
+                  <a:noFill/>
+                </a:ln>
+                <a:solidFill>
+                  <a:srgbClr val="002060"/>
+                </a:solidFill>
+                <a:effectLst/>
+                <a:uLnTx/>
+                <a:uFillTx/>
+                <a:latin typeface="Calibri" panose="020F0502020204030204"/>
+                <a:ea typeface="+mn-ea"/>
+                <a:cs typeface="+mn-cs"/>
+              </a:rPr>
+              <a:t>Pr</a:t>
+            </a:r>
+            <a:r>
+              <a:rPr kumimoji="0" lang="en-US" sz="1800" b="0" i="0" u="none" strike="noStrike" kern="1200" cap="none" spc="0" normalizeH="0" baseline="0" noProof="0" dirty="0">
+                <a:ln>
+                  <a:noFill/>
+                </a:ln>
+                <a:solidFill>
+                  <a:srgbClr val="002060"/>
+                </a:solidFill>
+                <a:effectLst/>
+                <a:uLnTx/>
+                <a:uFillTx/>
+                <a:latin typeface="Calibri" panose="020F0502020204030204"/>
+                <a:ea typeface="+mn-ea"/>
+                <a:cs typeface="+mn-cs"/>
+              </a:rPr>
+              <a:t>  &lt; 2e-16</a:t>
+            </a:r>
+          </a:p>
+        </p:txBody>
+      </p:sp>
     </p:spTree>
     <p:extLst>
       <p:ext uri="{BB962C8B-B14F-4D97-AF65-F5344CB8AC3E}">
@@ -14444,10 +15056,10 @@
       </p:cxnSp>
       <p:pic>
         <p:nvPicPr>
-          <p:cNvPr id="4" name="Picture 3" descr="Chart&#10;&#10;Description automatically generated">
-            <a:extLst>
-              <a:ext uri="{FF2B5EF4-FFF2-40B4-BE49-F238E27FC236}">
-                <a16:creationId xmlns:a16="http://schemas.microsoft.com/office/drawing/2014/main" id="{5A3932E9-DD2F-078D-9A68-45C09A76AC7A}"/>
+          <p:cNvPr id="2" name="Picture 1">
+            <a:extLst>
+              <a:ext uri="{FF2B5EF4-FFF2-40B4-BE49-F238E27FC236}">
+                <a16:creationId xmlns:a16="http://schemas.microsoft.com/office/drawing/2014/main" id="{4097EB18-EA0B-CFAF-F91B-BAD8E68624EC}"/>
               </a:ext>
             </a:extLst>
           </p:cNvPr>
@@ -14458,9 +15070,16 @@
         </p:nvPicPr>
         <p:blipFill>
           <a:blip r:embed="rId3">
-            <a:extLst>
-              <a:ext uri="{28A0092B-C50C-407E-A947-70E740481C1C}">
-                <a14:useLocalDpi xmlns:a14="http://schemas.microsoft.com/office/drawing/2010/main" val="0"/>
+            <a:alphaModFix amt="5000"/>
+            <a:extLst>
+              <a:ext uri="{BEBA8EAE-BF5A-486C-A8C5-ECC9F3942E4B}">
+                <a14:imgProps xmlns:a14="http://schemas.microsoft.com/office/drawing/2010/main">
+                  <a14:imgLayer r:embed="rId4">
+                    <a14:imgEffect>
+                      <a14:saturation sat="0"/>
+                    </a14:imgEffect>
+                  </a14:imgLayer>
+                </a14:imgProps>
               </a:ext>
             </a:extLst>
           </a:blip>
@@ -14470,8 +15089,8 @@
         </p:blipFill>
         <p:spPr>
           <a:xfrm>
-            <a:off x="2895576" y="1575131"/>
-            <a:ext cx="6400847" cy="4572033"/>
+            <a:off x="11346306" y="543903"/>
+            <a:ext cx="845693" cy="772083"/>
           </a:xfrm>
           <a:prstGeom prst="rect">
             <a:avLst/>
@@ -14480,10 +15099,10 @@
       </p:pic>
       <p:pic>
         <p:nvPicPr>
-          <p:cNvPr id="2" name="Picture 1">
-            <a:extLst>
-              <a:ext uri="{FF2B5EF4-FFF2-40B4-BE49-F238E27FC236}">
-                <a16:creationId xmlns:a16="http://schemas.microsoft.com/office/drawing/2014/main" id="{4097EB18-EA0B-CFAF-F91B-BAD8E68624EC}"/>
+          <p:cNvPr id="8" name="Picture 7" descr="Chart, scatter chart&#10;&#10;Description automatically generated">
+            <a:extLst>
+              <a:ext uri="{FF2B5EF4-FFF2-40B4-BE49-F238E27FC236}">
+                <a16:creationId xmlns:a16="http://schemas.microsoft.com/office/drawing/2014/main" id="{B80C855C-0AE8-65A1-8B3E-8375B7E49140}"/>
               </a:ext>
             </a:extLst>
           </p:cNvPr>
@@ -14493,17 +15112,10 @@
           <p:nvPr/>
         </p:nvPicPr>
         <p:blipFill>
-          <a:blip r:embed="rId4">
-            <a:alphaModFix amt="5000"/>
-            <a:extLst>
-              <a:ext uri="{BEBA8EAE-BF5A-486C-A8C5-ECC9F3942E4B}">
-                <a14:imgProps xmlns:a14="http://schemas.microsoft.com/office/drawing/2010/main">
-                  <a14:imgLayer r:embed="rId5">
-                    <a14:imgEffect>
-                      <a14:saturation sat="0"/>
-                    </a14:imgEffect>
-                  </a14:imgLayer>
-                </a14:imgProps>
+          <a:blip r:embed="rId5">
+            <a:extLst>
+              <a:ext uri="{28A0092B-C50C-407E-A947-70E740481C1C}">
+                <a14:useLocalDpi xmlns:a14="http://schemas.microsoft.com/office/drawing/2010/main" val="0"/>
               </a:ext>
             </a:extLst>
           </a:blip>
@@ -14513,14 +15125,162 @@
         </p:blipFill>
         <p:spPr>
           <a:xfrm>
-            <a:off x="11346306" y="543903"/>
-            <a:ext cx="845693" cy="772083"/>
+            <a:off x="2895576" y="1815708"/>
+            <a:ext cx="6400847" cy="4572033"/>
           </a:xfrm>
           <a:prstGeom prst="rect">
             <a:avLst/>
           </a:prstGeom>
         </p:spPr>
       </p:pic>
+      <p:sp>
+        <p:nvSpPr>
+          <p:cNvPr id="10" name="TextBox 9">
+            <a:extLst>
+              <a:ext uri="{FF2B5EF4-FFF2-40B4-BE49-F238E27FC236}">
+                <a16:creationId xmlns:a16="http://schemas.microsoft.com/office/drawing/2014/main" id="{F614A2E9-88C9-CFBE-AC38-3FEF362D3D89}"/>
+              </a:ext>
+            </a:extLst>
+          </p:cNvPr>
+          <p:cNvSpPr txBox="1"/>
+          <p:nvPr/>
+        </p:nvSpPr>
+        <p:spPr>
+          <a:xfrm>
+            <a:off x="9949987" y="3455393"/>
+            <a:ext cx="1217044" cy="646331"/>
+          </a:xfrm>
+          <a:prstGeom prst="rect">
+            <a:avLst/>
+          </a:prstGeom>
+          <a:noFill/>
+        </p:spPr>
+        <p:txBody>
+          <a:bodyPr wrap="square">
+            <a:spAutoFit/>
+          </a:bodyPr>
+          <a:lstStyle/>
+          <a:p>
+            <a:pPr marR="0" lvl="0" defTabSz="914400" rtl="0" eaLnBrk="1" fontAlgn="auto" latinLnBrk="0" hangingPunct="1">
+              <a:lnSpc>
+                <a:spcPct val="100000"/>
+              </a:lnSpc>
+              <a:spcBef>
+                <a:spcPts val="0"/>
+              </a:spcBef>
+              <a:spcAft>
+                <a:spcPts val="0"/>
+              </a:spcAft>
+              <a:buClrTx/>
+              <a:buSzTx/>
+              <a:tabLst/>
+              <a:defRPr/>
+            </a:pPr>
+            <a:r>
+              <a:rPr kumimoji="0" lang="en-US" sz="1800" b="0" i="0" u="none" strike="noStrike" kern="1200" cap="none" spc="0" normalizeH="0" baseline="0" noProof="0" dirty="0">
+                <a:ln>
+                  <a:noFill/>
+                </a:ln>
+                <a:solidFill>
+                  <a:srgbClr val="002060"/>
+                </a:solidFill>
+                <a:effectLst/>
+                <a:uLnTx/>
+                <a:uFillTx/>
+                <a:latin typeface="Calibri" panose="020F0502020204030204"/>
+                <a:ea typeface="+mn-ea"/>
+                <a:cs typeface="+mn-cs"/>
+              </a:rPr>
+              <a:t>R</a:t>
+            </a:r>
+            <a:r>
+              <a:rPr kumimoji="0" lang="en-US" sz="1800" b="0" i="0" u="none" strike="noStrike" kern="1200" cap="none" spc="0" normalizeH="0" baseline="30000" noProof="0" dirty="0">
+                <a:ln>
+                  <a:noFill/>
+                </a:ln>
+                <a:solidFill>
+                  <a:srgbClr val="002060"/>
+                </a:solidFill>
+                <a:effectLst/>
+                <a:uLnTx/>
+                <a:uFillTx/>
+                <a:latin typeface="Calibri" panose="020F0502020204030204"/>
+                <a:ea typeface="+mn-ea"/>
+                <a:cs typeface="+mn-cs"/>
+              </a:rPr>
+              <a:t>2</a:t>
+            </a:r>
+            <a:r>
+              <a:rPr kumimoji="0" lang="en-US" sz="1800" b="0" i="0" u="none" strike="noStrike" kern="1200" cap="none" spc="0" normalizeH="0" baseline="0" noProof="0" dirty="0">
+                <a:ln>
+                  <a:noFill/>
+                </a:ln>
+                <a:solidFill>
+                  <a:srgbClr val="002060"/>
+                </a:solidFill>
+                <a:effectLst/>
+                <a:uLnTx/>
+                <a:uFillTx/>
+                <a:latin typeface="Calibri" panose="020F0502020204030204"/>
+                <a:ea typeface="+mn-ea"/>
+                <a:cs typeface="+mn-cs"/>
+              </a:rPr>
+              <a:t> = 0.22</a:t>
+            </a:r>
+          </a:p>
+          <a:p>
+            <a:pPr marR="0" lvl="0" algn="l" defTabSz="914400" rtl="0" eaLnBrk="1" fontAlgn="auto" latinLnBrk="0" hangingPunct="1">
+              <a:lnSpc>
+                <a:spcPct val="100000"/>
+              </a:lnSpc>
+              <a:spcBef>
+                <a:spcPts val="0"/>
+              </a:spcBef>
+              <a:spcAft>
+                <a:spcPts val="0"/>
+              </a:spcAft>
+              <a:buClrTx/>
+              <a:buSzTx/>
+              <a:tabLst/>
+              <a:defRPr/>
+            </a:pPr>
+            <a:r>
+              <a:rPr kumimoji="0" lang="en-US" sz="1800" b="0" i="0" u="none" strike="noStrike" kern="1200" cap="none" spc="0" normalizeH="0" baseline="0" noProof="0" dirty="0" err="1">
+                <a:ln>
+                  <a:noFill/>
+                </a:ln>
+                <a:solidFill>
+                  <a:srgbClr val="002060"/>
+                </a:solidFill>
+                <a:effectLst/>
+                <a:uLnTx/>
+                <a:uFillTx/>
+                <a:latin typeface="Calibri" panose="020F0502020204030204"/>
+                <a:ea typeface="+mn-ea"/>
+                <a:cs typeface="+mn-cs"/>
+              </a:rPr>
+              <a:t>Pr</a:t>
+            </a:r>
+            <a:r>
+              <a:rPr kumimoji="0" lang="en-US" sz="1800" b="0" i="0" u="none" strike="noStrike" kern="1200" cap="none" spc="0" normalizeH="0" baseline="0" noProof="0" dirty="0">
+                <a:ln>
+                  <a:noFill/>
+                </a:ln>
+                <a:solidFill>
+                  <a:srgbClr val="002060"/>
+                </a:solidFill>
+                <a:effectLst/>
+                <a:uLnTx/>
+                <a:uFillTx/>
+                <a:latin typeface="Calibri" panose="020F0502020204030204"/>
+                <a:ea typeface="+mn-ea"/>
+                <a:cs typeface="+mn-cs"/>
+              </a:rPr>
+              <a:t>  &lt; 2e-16</a:t>
+            </a:r>
+          </a:p>
+        </p:txBody>
+      </p:sp>
     </p:spTree>
     <p:extLst>
       <p:ext uri="{BB962C8B-B14F-4D97-AF65-F5344CB8AC3E}">

--- a/Project2/EDA_LendingClub_Slides - Project 2.pptx
+++ b/Project2/EDA_LendingClub_Slides - Project 2.pptx
@@ -5,7 +5,7 @@
     <p:sldMasterId id="2147483648" r:id="rId1"/>
   </p:sldMasterIdLst>
   <p:notesMasterIdLst>
-    <p:notesMasterId r:id="rId28"/>
+    <p:notesMasterId r:id="rId29"/>
   </p:notesMasterIdLst>
   <p:sldIdLst>
     <p:sldId id="257" r:id="rId2"/>
@@ -19,21 +19,22 @@
     <p:sldId id="274" r:id="rId10"/>
     <p:sldId id="275" r:id="rId11"/>
     <p:sldId id="281" r:id="rId12"/>
-    <p:sldId id="300" r:id="rId13"/>
-    <p:sldId id="312" r:id="rId14"/>
-    <p:sldId id="299" r:id="rId15"/>
-    <p:sldId id="303" r:id="rId16"/>
-    <p:sldId id="304" r:id="rId17"/>
-    <p:sldId id="305" r:id="rId18"/>
-    <p:sldId id="306" r:id="rId19"/>
-    <p:sldId id="307" r:id="rId20"/>
-    <p:sldId id="308" r:id="rId21"/>
-    <p:sldId id="309" r:id="rId22"/>
-    <p:sldId id="301" r:id="rId23"/>
-    <p:sldId id="297" r:id="rId24"/>
-    <p:sldId id="315" r:id="rId25"/>
-    <p:sldId id="268" r:id="rId26"/>
-    <p:sldId id="263" r:id="rId27"/>
+    <p:sldId id="317" r:id="rId13"/>
+    <p:sldId id="300" r:id="rId14"/>
+    <p:sldId id="312" r:id="rId15"/>
+    <p:sldId id="299" r:id="rId16"/>
+    <p:sldId id="303" r:id="rId17"/>
+    <p:sldId id="304" r:id="rId18"/>
+    <p:sldId id="305" r:id="rId19"/>
+    <p:sldId id="306" r:id="rId20"/>
+    <p:sldId id="307" r:id="rId21"/>
+    <p:sldId id="308" r:id="rId22"/>
+    <p:sldId id="309" r:id="rId23"/>
+    <p:sldId id="301" r:id="rId24"/>
+    <p:sldId id="297" r:id="rId25"/>
+    <p:sldId id="315" r:id="rId26"/>
+    <p:sldId id="268" r:id="rId27"/>
+    <p:sldId id="263" r:id="rId28"/>
   </p:sldIdLst>
   <p:sldSz cx="12192000" cy="6858000"/>
   <p:notesSz cx="6858000" cy="9144000"/>
@@ -222,7 +223,7 @@
           <a:p>
             <a:fld id="{48CCDE1B-485C-4B2F-BE21-3D867E8608CA}" type="datetimeFigureOut">
               <a:rPr lang="en-US" smtClean="0"/>
-              <a:t>12/11/2022</a:t>
+              <a:t>12/11/22</a:t>
             </a:fld>
             <a:endParaRPr lang="en-US"/>
           </a:p>
@@ -593,6 +594,102 @@
 </p:notes>
 </file>
 
+<file path=ppt/notesSlides/notesSlide10.xml><?xml version="1.0" encoding="utf-8"?>
+<p:notes xmlns:a="http://schemas.openxmlformats.org/drawingml/2006/main" xmlns:r="http://schemas.openxmlformats.org/officeDocument/2006/relationships" xmlns:p="http://schemas.openxmlformats.org/presentationml/2006/main">
+  <p:cSld>
+    <p:spTree>
+      <p:nvGrpSpPr>
+        <p:cNvPr id="1" name=""/>
+        <p:cNvGrpSpPr/>
+        <p:nvPr/>
+      </p:nvGrpSpPr>
+      <p:grpSpPr>
+        <a:xfrm>
+          <a:off x="0" y="0"/>
+          <a:ext cx="0" cy="0"/>
+          <a:chOff x="0" y="0"/>
+          <a:chExt cx="0" cy="0"/>
+        </a:xfrm>
+      </p:grpSpPr>
+      <p:sp>
+        <p:nvSpPr>
+          <p:cNvPr id="2" name="Slide Image Placeholder 1"/>
+          <p:cNvSpPr>
+            <a:spLocks noGrp="1" noRot="1" noChangeAspect="1"/>
+          </p:cNvSpPr>
+          <p:nvPr>
+            <p:ph type="sldImg"/>
+          </p:nvPr>
+        </p:nvSpPr>
+        <p:spPr/>
+      </p:sp>
+      <p:sp>
+        <p:nvSpPr>
+          <p:cNvPr id="3" name="Notes Placeholder 2"/>
+          <p:cNvSpPr>
+            <a:spLocks noGrp="1"/>
+          </p:cNvSpPr>
+          <p:nvPr>
+            <p:ph type="body" idx="1"/>
+          </p:nvPr>
+        </p:nvSpPr>
+        <p:spPr/>
+        <p:txBody>
+          <a:bodyPr/>
+          <a:lstStyle/>
+          <a:p>
+            <a:r>
+              <a:rPr lang="en-US" dirty="0"/>
+              <a:t>From this we can see that about 13.2% of borrowers who met the credit underwriting criteria did not fully pay, while for the borrowers who did not meet the credit underwriting criteria about 27.8% did not fully pay.</a:t>
+            </a:r>
+          </a:p>
+          <a:p>
+            <a:endParaRPr lang="en-US" dirty="0"/>
+          </a:p>
+          <a:p>
+            <a:r>
+              <a:rPr lang="en-US" dirty="0"/>
+              <a:t>This indicates borrowers who did not meet the credit underwriting criteria were almost twice as likely to be default on their loans than those who did meet the criteria. For comparison, default rates on loans from commercial banks for the same period as our dataset averaged 4.48%, with a maximum default rate of 7.49% default rate towards the end of 2009, according to the St. Louis Federal Reserve Bank.</a:t>
+            </a:r>
+          </a:p>
+        </p:txBody>
+      </p:sp>
+      <p:sp>
+        <p:nvSpPr>
+          <p:cNvPr id="4" name="Slide Number Placeholder 3"/>
+          <p:cNvSpPr>
+            <a:spLocks noGrp="1"/>
+          </p:cNvSpPr>
+          <p:nvPr>
+            <p:ph type="sldNum" sz="quarter" idx="5"/>
+          </p:nvPr>
+        </p:nvSpPr>
+        <p:spPr/>
+        <p:txBody>
+          <a:bodyPr/>
+          <a:lstStyle/>
+          <a:p>
+            <a:fld id="{6B053770-FD16-42CB-98BB-967786CBD56A}" type="slidenum">
+              <a:rPr lang="en-US" smtClean="0"/>
+              <a:t>26</a:t>
+            </a:fld>
+            <a:endParaRPr lang="en-US"/>
+          </a:p>
+        </p:txBody>
+      </p:sp>
+    </p:spTree>
+    <p:extLst>
+      <p:ext uri="{BB962C8B-B14F-4D97-AF65-F5344CB8AC3E}">
+        <p14:creationId xmlns:p14="http://schemas.microsoft.com/office/powerpoint/2010/main" val="3612862909"/>
+      </p:ext>
+    </p:extLst>
+  </p:cSld>
+  <p:clrMapOvr>
+    <a:masterClrMapping/>
+  </p:clrMapOvr>
+</p:notes>
+</file>
+
 <file path=ppt/notesSlides/notesSlide2.xml><?xml version="1.0" encoding="utf-8"?>
 <p:notes xmlns:a="http://schemas.openxmlformats.org/drawingml/2006/main" xmlns:r="http://schemas.openxmlformats.org/officeDocument/2006/relationships" xmlns:p="http://schemas.openxmlformats.org/presentationml/2006/main">
   <p:cSld>
@@ -1161,7 +1258,7 @@
           <a:p>
             <a:fld id="{6B053770-FD16-42CB-98BB-967786CBD56A}" type="slidenum">
               <a:rPr lang="en-US" smtClean="0"/>
-              <a:t>21</a:t>
+              <a:t>12</a:t>
             </a:fld>
             <a:endParaRPr lang="en-US"/>
           </a:p>
@@ -1170,7 +1267,7 @@
     </p:spTree>
     <p:extLst>
       <p:ext uri="{BB962C8B-B14F-4D97-AF65-F5344CB8AC3E}">
-        <p14:creationId xmlns:p14="http://schemas.microsoft.com/office/powerpoint/2010/main" val="2245145525"/>
+        <p14:creationId xmlns:p14="http://schemas.microsoft.com/office/powerpoint/2010/main" val="3084716743"/>
       </p:ext>
     </p:extLst>
   </p:cSld>
@@ -1224,111 +1321,6 @@
           <a:bodyPr/>
           <a:lstStyle/>
           <a:p>
-            <a:r>
-              <a:rPr lang="en-US" dirty="0"/>
-              <a:t>Explain tree:</a:t>
-            </a:r>
-          </a:p>
-          <a:p>
-            <a:endParaRPr lang="en-US" dirty="0"/>
-          </a:p>
-          <a:p>
-            <a:r>
-              <a:rPr lang="en-US" dirty="0"/>
-              <a:t>Confusion Matrix:</a:t>
-            </a:r>
-          </a:p>
-          <a:p>
-            <a:r>
-              <a:rPr lang="en-US" dirty="0"/>
-              <a:t>The sensitivity value indicates the test can fairly reliably detect loans that meet the credit policy</a:t>
-            </a:r>
-          </a:p>
-          <a:p>
-            <a:r>
-              <a:rPr lang="en-US" dirty="0"/>
-              <a:t>The specificity value indicates the test can fairly reliably detect loans that fail to meet the </a:t>
-            </a:r>
-            <a:r>
-              <a:rPr lang="en-US"/>
-              <a:t>credit policy</a:t>
-            </a:r>
-            <a:endParaRPr lang="en-US" dirty="0"/>
-          </a:p>
-          <a:p>
-            <a:r>
-              <a:rPr lang="en-US" dirty="0"/>
-              <a:t>These high values, as well as the high area under the ROC curve value, indicate a favorable ROC curve and a favorable model. The very high kappa value of .926 suggests there is a high degree of agreement between the predicted values and the actual values. </a:t>
-            </a:r>
-          </a:p>
-          <a:p>
-            <a:endParaRPr lang="en-US" dirty="0"/>
-          </a:p>
-          <a:p>
-            <a:endParaRPr lang="en-US" dirty="0"/>
-          </a:p>
-          <a:p>
-            <a:endParaRPr lang="en-US" dirty="0"/>
-          </a:p>
-          <a:p>
-            <a:pPr algn="l">
-              <a:buFont typeface="Arial" panose="020B0604020202020204" pitchFamily="34" charset="0"/>
-              <a:buChar char="•"/>
-            </a:pPr>
-            <a:r>
-              <a:rPr lang="en-US" b="1" i="0" dirty="0">
-                <a:solidFill>
-                  <a:srgbClr val="202122"/>
-                </a:solidFill>
-                <a:effectLst/>
-                <a:latin typeface="Arial" panose="020B0604020202020204" pitchFamily="34" charset="0"/>
-              </a:rPr>
-              <a:t>Sensitivity</a:t>
-            </a:r>
-            <a:r>
-              <a:rPr lang="en-US" b="0" i="0" dirty="0">
-                <a:solidFill>
-                  <a:srgbClr val="202122"/>
-                </a:solidFill>
-                <a:effectLst/>
-                <a:latin typeface="Arial" panose="020B0604020202020204" pitchFamily="34" charset="0"/>
-              </a:rPr>
-              <a:t> (true positive rate) refers to the probability of a positive test, conditioned on truly being positive.</a:t>
-            </a:r>
-          </a:p>
-          <a:p>
-            <a:pPr algn="l">
-              <a:buFont typeface="Arial" panose="020B0604020202020204" pitchFamily="34" charset="0"/>
-              <a:buChar char="•"/>
-            </a:pPr>
-            <a:r>
-              <a:rPr lang="en-US" b="1" i="0" dirty="0">
-                <a:solidFill>
-                  <a:srgbClr val="202122"/>
-                </a:solidFill>
-                <a:effectLst/>
-                <a:latin typeface="Arial" panose="020B0604020202020204" pitchFamily="34" charset="0"/>
-              </a:rPr>
-              <a:t>Specificity</a:t>
-            </a:r>
-            <a:r>
-              <a:rPr lang="en-US" b="0" i="0" dirty="0">
-                <a:solidFill>
-                  <a:srgbClr val="202122"/>
-                </a:solidFill>
-                <a:effectLst/>
-                <a:latin typeface="Arial" panose="020B0604020202020204" pitchFamily="34" charset="0"/>
-              </a:rPr>
-              <a:t> (true negative rate) refers to the probability of a negative test, conditioned on truly being negative.</a:t>
-            </a:r>
-          </a:p>
-          <a:p>
-            <a:endParaRPr lang="en-US" dirty="0"/>
-          </a:p>
-          <a:p>
-            <a:endParaRPr lang="en-US" dirty="0"/>
-          </a:p>
-          <a:p>
             <a:endParaRPr lang="en-US" dirty="0"/>
           </a:p>
         </p:txBody>
@@ -1350,7 +1342,7 @@
           <a:p>
             <a:fld id="{6B053770-FD16-42CB-98BB-967786CBD56A}" type="slidenum">
               <a:rPr lang="en-US" smtClean="0"/>
-              <a:t>23</a:t>
+              <a:t>22</a:t>
             </a:fld>
             <a:endParaRPr lang="en-US"/>
           </a:p>
@@ -1359,7 +1351,7 @@
     </p:spTree>
     <p:extLst>
       <p:ext uri="{BB962C8B-B14F-4D97-AF65-F5344CB8AC3E}">
-        <p14:creationId xmlns:p14="http://schemas.microsoft.com/office/powerpoint/2010/main" val="2295492974"/>
+        <p14:creationId xmlns:p14="http://schemas.microsoft.com/office/powerpoint/2010/main" val="2245145525"/>
       </p:ext>
     </p:extLst>
   </p:cSld>
@@ -1419,99 +1411,97 @@
             </a:r>
           </a:p>
           <a:p>
+            <a:endParaRPr lang="en-US" dirty="0"/>
+          </a:p>
+          <a:p>
             <a:r>
               <a:rPr lang="en-US" dirty="0"/>
-              <a:t>Our initial classification tree revealed in no chosen variables and only the single root node, a kappa value of 0, and a ROC curve that fit directly on the random classifier line. We interpreted this as a strong indicator that a classification tree would not be useful for the `</a:t>
-            </a:r>
-            <a:r>
-              <a:rPr lang="en-US" dirty="0" err="1"/>
-              <a:t>not.fully.paid</a:t>
-            </a:r>
+              <a:t>Confusion Matrix:</a:t>
+            </a:r>
+          </a:p>
+          <a:p>
             <a:r>
               <a:rPr lang="en-US" dirty="0"/>
-              <a:t>` variable. To confirm this indication, we overrode the default complexity parameter in the </a:t>
-            </a:r>
-            <a:r>
-              <a:rPr lang="en-US" dirty="0" err="1"/>
-              <a:t>rPart</a:t>
-            </a:r>
+              <a:t>The sensitivity value indicates the test can fairly reliably detect loans that meet the credit policy</a:t>
+            </a:r>
+          </a:p>
+          <a:p>
             <a:r>
               <a:rPr lang="en-US" dirty="0"/>
-              <a:t> function and set it from .01 to .001. By reducing that value in R, we reduce the minimum improvement threshold required at each node for the tree to be built; i.e., essentially lowering the restrictions on how and when the tree is constructed. </a:t>
-            </a:r>
-          </a:p>
-          <a:p>
+              <a:t>The specificity value indicates the test can fairly reliably detect loans that fail to meet the </a:t>
+            </a:r>
+            <a:r>
+              <a:rPr lang="en-US"/>
+              <a:t>credit policy</a:t>
+            </a:r>
             <a:endParaRPr lang="en-US" dirty="0"/>
           </a:p>
           <a:p>
             <a:r>
               <a:rPr lang="en-US" dirty="0"/>
-              <a:t>This led to the classification tree using the variables `</a:t>
-            </a:r>
-            <a:r>
-              <a:rPr lang="en-US" dirty="0" err="1"/>
-              <a:t>credit.policy</a:t>
-            </a:r>
-            <a:r>
-              <a:rPr lang="en-US" dirty="0"/>
-              <a:t>`, `inq.last.6mths`, `</a:t>
-            </a:r>
-            <a:r>
-              <a:rPr lang="en-US" dirty="0" err="1"/>
-              <a:t>int.rate</a:t>
-            </a:r>
-            <a:r>
-              <a:rPr lang="en-US" dirty="0"/>
-              <a:t>`, and `purpose` in building the tree. Looking at it though, and with our initially suspicion regarding the usefulness of the tree, we can see that it is not very informative. We can see that the majority of loans that met the </a:t>
-            </a:r>
-            <a:r>
-              <a:rPr lang="en-US" dirty="0" err="1"/>
-              <a:t>credit.policy</a:t>
-            </a:r>
-            <a:r>
-              <a:rPr lang="en-US" dirty="0"/>
-              <a:t>, paid the loan, which we would generally expect. We can also see that that those loans that did not meet the credit policy, had higher a number of inquiries in the last 6 months, and higher interest rates, would probably more susceptible of going Unpaid; this is also what we would generally expect to see. </a:t>
-            </a:r>
-          </a:p>
-          <a:p>
-            <a:pPr marL="171450" indent="-171450">
+              <a:t>These high values, as well as the high area under the ROC curve value, indicate a favorable ROC curve and a favorable model. The very high kappa value of .926 suggests there is a high degree of agreement between the predicted values and the actual values. </a:t>
+            </a:r>
+          </a:p>
+          <a:p>
+            <a:endParaRPr lang="en-US" dirty="0"/>
+          </a:p>
+          <a:p>
+            <a:endParaRPr lang="en-US" dirty="0"/>
+          </a:p>
+          <a:p>
+            <a:endParaRPr lang="en-US" dirty="0"/>
+          </a:p>
+          <a:p>
+            <a:pPr algn="l">
               <a:buFont typeface="Arial" panose="020B0604020202020204" pitchFamily="34" charset="0"/>
               <a:buChar char="•"/>
             </a:pPr>
             <a:r>
-              <a:rPr lang="en-US" dirty="0"/>
-              <a:t>IF ASKED: we do not consider the distinction between loan purpose to be meaningful because of the number of Unpaid values among other leaf nodes and their proportion to the Paid values.</a:t>
-            </a:r>
-          </a:p>
-          <a:p>
-            <a:endParaRPr lang="en-US" dirty="0"/>
-          </a:p>
-          <a:p>
-            <a:endParaRPr lang="en-US" dirty="0"/>
-          </a:p>
-          <a:p>
-            <a:r>
-              <a:rPr lang="en-US" dirty="0"/>
-              <a:t>Confusion Matrix:</a:t>
-            </a:r>
-          </a:p>
-          <a:p>
-            <a:r>
-              <a:rPr lang="en-US" dirty="0"/>
-              <a:t>Low area under ROC curve indicates the model has little to no ability to discriminate between Paid and Unpaid classes.</a:t>
-            </a:r>
-          </a:p>
-          <a:p>
-            <a:endParaRPr lang="en-US" dirty="0"/>
-          </a:p>
-          <a:p>
-            <a:r>
-              <a:rPr lang="en-US" dirty="0"/>
-              <a:t>Based on the extremely low Kappa statistic of .019, there is nearly no agreement between the predictive model and the actual data. </a:t>
-            </a:r>
-          </a:p>
-          <a:p>
-            <a:endParaRPr lang="en-US" dirty="0"/>
+              <a:rPr lang="en-US" b="1" i="0" dirty="0">
+                <a:solidFill>
+                  <a:srgbClr val="202122"/>
+                </a:solidFill>
+                <a:effectLst/>
+                <a:latin typeface="Arial" panose="020B0604020202020204" pitchFamily="34" charset="0"/>
+              </a:rPr>
+              <a:t>Sensitivity</a:t>
+            </a:r>
+            <a:r>
+              <a:rPr lang="en-US" b="0" i="0" dirty="0">
+                <a:solidFill>
+                  <a:srgbClr val="202122"/>
+                </a:solidFill>
+                <a:effectLst/>
+                <a:latin typeface="Arial" panose="020B0604020202020204" pitchFamily="34" charset="0"/>
+              </a:rPr>
+              <a:t> (true positive rate) refers to the probability of a positive test, conditioned on truly being positive.</a:t>
+            </a:r>
+          </a:p>
+          <a:p>
+            <a:pPr algn="l">
+              <a:buFont typeface="Arial" panose="020B0604020202020204" pitchFamily="34" charset="0"/>
+              <a:buChar char="•"/>
+            </a:pPr>
+            <a:r>
+              <a:rPr lang="en-US" b="1" i="0" dirty="0">
+                <a:solidFill>
+                  <a:srgbClr val="202122"/>
+                </a:solidFill>
+                <a:effectLst/>
+                <a:latin typeface="Arial" panose="020B0604020202020204" pitchFamily="34" charset="0"/>
+              </a:rPr>
+              <a:t>Specificity</a:t>
+            </a:r>
+            <a:r>
+              <a:rPr lang="en-US" b="0" i="0" dirty="0">
+                <a:solidFill>
+                  <a:srgbClr val="202122"/>
+                </a:solidFill>
+                <a:effectLst/>
+                <a:latin typeface="Arial" panose="020B0604020202020204" pitchFamily="34" charset="0"/>
+              </a:rPr>
+              <a:t> (true negative rate) refers to the probability of a negative test, conditioned on truly being negative.</a:t>
+            </a:r>
           </a:p>
           <a:p>
             <a:endParaRPr lang="en-US" dirty="0"/>
@@ -1550,7 +1540,7 @@
     </p:spTree>
     <p:extLst>
       <p:ext uri="{BB962C8B-B14F-4D97-AF65-F5344CB8AC3E}">
-        <p14:creationId xmlns:p14="http://schemas.microsoft.com/office/powerpoint/2010/main" val="2468590306"/>
+        <p14:creationId xmlns:p14="http://schemas.microsoft.com/office/powerpoint/2010/main" val="2295492974"/>
       </p:ext>
     </p:extLst>
   </p:cSld>
@@ -1606,7 +1596,29 @@
           <a:p>
             <a:r>
               <a:rPr lang="en-US" dirty="0"/>
-              <a:t>From this we can see that about 13.2% of borrowers who met the credit underwriting criteria did not fully pay, while for the borrowers who did not meet the credit underwriting criteria about 27.8% did not fully pay.</a:t>
+              <a:t>Explain tree:</a:t>
+            </a:r>
+          </a:p>
+          <a:p>
+            <a:r>
+              <a:rPr lang="en-US" dirty="0"/>
+              <a:t>Our initial classification tree revealed in no chosen variables and only the single root node, a kappa value of 0, and a ROC curve that fit directly on the random classifier line. We interpreted this as a strong indicator that a classification tree would not be useful for the `</a:t>
+            </a:r>
+            <a:r>
+              <a:rPr lang="en-US" dirty="0" err="1"/>
+              <a:t>not.fully.paid</a:t>
+            </a:r>
+            <a:r>
+              <a:rPr lang="en-US" dirty="0"/>
+              <a:t>` variable. To confirm this indication, we overrode the default complexity parameter in the </a:t>
+            </a:r>
+            <a:r>
+              <a:rPr lang="en-US" dirty="0" err="1"/>
+              <a:t>rPart</a:t>
+            </a:r>
+            <a:r>
+              <a:rPr lang="en-US" dirty="0"/>
+              <a:t> function and set it from .01 to .001. By reducing that value in R, we reduce the minimum improvement threshold required at each node for the tree to be built; i.e., essentially lowering the restrictions on how and when the tree is constructed. </a:t>
             </a:r>
           </a:p>
           <a:p>
@@ -1615,8 +1627,81 @@
           <a:p>
             <a:r>
               <a:rPr lang="en-US" dirty="0"/>
-              <a:t>This indicates borrowers who did not meet the credit underwriting criteria were almost twice as likely to be default on their loans than those who did meet the criteria. For comparison, default rates on loans from commercial banks for the same period as our dataset averaged 4.48%, with a maximum default rate of 7.49% default rate towards the end of 2009, according to the St. Louis Federal Reserve Bank.</a:t>
-            </a:r>
+              <a:t>This led to the classification tree using the variables `</a:t>
+            </a:r>
+            <a:r>
+              <a:rPr lang="en-US" dirty="0" err="1"/>
+              <a:t>credit.policy</a:t>
+            </a:r>
+            <a:r>
+              <a:rPr lang="en-US" dirty="0"/>
+              <a:t>`, `inq.last.6mths`, `</a:t>
+            </a:r>
+            <a:r>
+              <a:rPr lang="en-US" dirty="0" err="1"/>
+              <a:t>int.rate</a:t>
+            </a:r>
+            <a:r>
+              <a:rPr lang="en-US" dirty="0"/>
+              <a:t>`, and `purpose` in building the tree. Looking at it though, and with our initially suspicion regarding the usefulness of the tree, we can see that it is not very informative. We can see that the majority of loans that met the </a:t>
+            </a:r>
+            <a:r>
+              <a:rPr lang="en-US" dirty="0" err="1"/>
+              <a:t>credit.policy</a:t>
+            </a:r>
+            <a:r>
+              <a:rPr lang="en-US" dirty="0"/>
+              <a:t>, paid the loan, which we would generally expect. We can also see that that those loans that did not meet the credit policy, had higher a number of inquiries in the last 6 months, and higher interest rates, would probably more susceptible of going Unpaid; this is also what we would generally expect to see. </a:t>
+            </a:r>
+          </a:p>
+          <a:p>
+            <a:pPr marL="171450" indent="-171450">
+              <a:buFont typeface="Arial" panose="020B0604020202020204" pitchFamily="34" charset="0"/>
+              <a:buChar char="•"/>
+            </a:pPr>
+            <a:r>
+              <a:rPr lang="en-US" dirty="0"/>
+              <a:t>IF ASKED: we do not consider the distinction between loan purpose to be meaningful because of the number of Unpaid values among other leaf nodes and their proportion to the Paid values.</a:t>
+            </a:r>
+          </a:p>
+          <a:p>
+            <a:endParaRPr lang="en-US" dirty="0"/>
+          </a:p>
+          <a:p>
+            <a:endParaRPr lang="en-US" dirty="0"/>
+          </a:p>
+          <a:p>
+            <a:r>
+              <a:rPr lang="en-US" dirty="0"/>
+              <a:t>Confusion Matrix:</a:t>
+            </a:r>
+          </a:p>
+          <a:p>
+            <a:r>
+              <a:rPr lang="en-US" dirty="0"/>
+              <a:t>Low area under ROC curve indicates the model has little to no ability to discriminate between Paid and Unpaid classes.</a:t>
+            </a:r>
+          </a:p>
+          <a:p>
+            <a:endParaRPr lang="en-US" dirty="0"/>
+          </a:p>
+          <a:p>
+            <a:r>
+              <a:rPr lang="en-US" dirty="0"/>
+              <a:t>Based on the extremely low Kappa statistic of .019, there is nearly no agreement between the predictive model and the actual data. </a:t>
+            </a:r>
+          </a:p>
+          <a:p>
+            <a:endParaRPr lang="en-US" dirty="0"/>
+          </a:p>
+          <a:p>
+            <a:endParaRPr lang="en-US" dirty="0"/>
+          </a:p>
+          <a:p>
+            <a:endParaRPr lang="en-US" dirty="0"/>
+          </a:p>
+          <a:p>
+            <a:endParaRPr lang="en-US" dirty="0"/>
           </a:p>
         </p:txBody>
       </p:sp>
@@ -1646,7 +1731,7 @@
     </p:spTree>
     <p:extLst>
       <p:ext uri="{BB962C8B-B14F-4D97-AF65-F5344CB8AC3E}">
-        <p14:creationId xmlns:p14="http://schemas.microsoft.com/office/powerpoint/2010/main" val="3612862909"/>
+        <p14:creationId xmlns:p14="http://schemas.microsoft.com/office/powerpoint/2010/main" val="2468590306"/>
       </p:ext>
     </p:extLst>
   </p:cSld>
@@ -1803,7 +1888,7 @@
           <a:p>
             <a:fld id="{995EAC03-283E-463E-BE2A-0031DB3AD91B}" type="datetimeFigureOut">
               <a:rPr lang="en-US" smtClean="0"/>
-              <a:t>12/11/2022</a:t>
+              <a:t>12/11/22</a:t>
             </a:fld>
             <a:endParaRPr lang="en-US"/>
           </a:p>
@@ -2001,7 +2086,7 @@
           <a:p>
             <a:fld id="{995EAC03-283E-463E-BE2A-0031DB3AD91B}" type="datetimeFigureOut">
               <a:rPr lang="en-US" smtClean="0"/>
-              <a:t>12/11/2022</a:t>
+              <a:t>12/11/22</a:t>
             </a:fld>
             <a:endParaRPr lang="en-US"/>
           </a:p>
@@ -2209,7 +2294,7 @@
           <a:p>
             <a:fld id="{995EAC03-283E-463E-BE2A-0031DB3AD91B}" type="datetimeFigureOut">
               <a:rPr lang="en-US" smtClean="0"/>
-              <a:t>12/11/2022</a:t>
+              <a:t>12/11/22</a:t>
             </a:fld>
             <a:endParaRPr lang="en-US"/>
           </a:p>
@@ -2407,7 +2492,7 @@
           <a:p>
             <a:fld id="{995EAC03-283E-463E-BE2A-0031DB3AD91B}" type="datetimeFigureOut">
               <a:rPr lang="en-US" smtClean="0"/>
-              <a:t>12/11/2022</a:t>
+              <a:t>12/11/22</a:t>
             </a:fld>
             <a:endParaRPr lang="en-US"/>
           </a:p>
@@ -2682,7 +2767,7 @@
           <a:p>
             <a:fld id="{995EAC03-283E-463E-BE2A-0031DB3AD91B}" type="datetimeFigureOut">
               <a:rPr lang="en-US" smtClean="0"/>
-              <a:t>12/11/2022</a:t>
+              <a:t>12/11/22</a:t>
             </a:fld>
             <a:endParaRPr lang="en-US"/>
           </a:p>
@@ -2947,7 +3032,7 @@
           <a:p>
             <a:fld id="{995EAC03-283E-463E-BE2A-0031DB3AD91B}" type="datetimeFigureOut">
               <a:rPr lang="en-US" smtClean="0"/>
-              <a:t>12/11/2022</a:t>
+              <a:t>12/11/22</a:t>
             </a:fld>
             <a:endParaRPr lang="en-US"/>
           </a:p>
@@ -3359,7 +3444,7 @@
           <a:p>
             <a:fld id="{995EAC03-283E-463E-BE2A-0031DB3AD91B}" type="datetimeFigureOut">
               <a:rPr lang="en-US" smtClean="0"/>
-              <a:t>12/11/2022</a:t>
+              <a:t>12/11/22</a:t>
             </a:fld>
             <a:endParaRPr lang="en-US"/>
           </a:p>
@@ -3500,7 +3585,7 @@
           <a:p>
             <a:fld id="{995EAC03-283E-463E-BE2A-0031DB3AD91B}" type="datetimeFigureOut">
               <a:rPr lang="en-US" smtClean="0"/>
-              <a:t>12/11/2022</a:t>
+              <a:t>12/11/22</a:t>
             </a:fld>
             <a:endParaRPr lang="en-US"/>
           </a:p>
@@ -3613,7 +3698,7 @@
           <a:p>
             <a:fld id="{995EAC03-283E-463E-BE2A-0031DB3AD91B}" type="datetimeFigureOut">
               <a:rPr lang="en-US" smtClean="0"/>
-              <a:t>12/11/2022</a:t>
+              <a:t>12/11/22</a:t>
             </a:fld>
             <a:endParaRPr lang="en-US"/>
           </a:p>
@@ -3924,7 +4009,7 @@
           <a:p>
             <a:fld id="{995EAC03-283E-463E-BE2A-0031DB3AD91B}" type="datetimeFigureOut">
               <a:rPr lang="en-US" smtClean="0"/>
-              <a:t>12/11/2022</a:t>
+              <a:t>12/11/22</a:t>
             </a:fld>
             <a:endParaRPr lang="en-US"/>
           </a:p>
@@ -4212,7 +4297,7 @@
           <a:p>
             <a:fld id="{995EAC03-283E-463E-BE2A-0031DB3AD91B}" type="datetimeFigureOut">
               <a:rPr lang="en-US" smtClean="0"/>
-              <a:t>12/11/2022</a:t>
+              <a:t>12/11/22</a:t>
             </a:fld>
             <a:endParaRPr lang="en-US"/>
           </a:p>
@@ -4453,7 +4538,7 @@
           <a:p>
             <a:fld id="{995EAC03-283E-463E-BE2A-0031DB3AD91B}" type="datetimeFigureOut">
               <a:rPr lang="en-US" smtClean="0"/>
-              <a:t>12/11/2022</a:t>
+              <a:t>12/11/22</a:t>
             </a:fld>
             <a:endParaRPr lang="en-US"/>
           </a:p>
@@ -6230,7 +6315,7 @@
                   <a:srgbClr val="002060"/>
                 </a:solidFill>
               </a:rPr>
-              <a:t>Simple Linear Regression – 3 of 4</a:t>
+              <a:t>Simple Linear Regression – 3 of 5</a:t>
             </a:r>
           </a:p>
           <a:p>
@@ -6636,7 +6721,7 @@
                   <a:srgbClr val="002060"/>
                 </a:solidFill>
               </a:rPr>
-              <a:t>Simple Linear Regression – 4 of 4</a:t>
+              <a:t>Simple Linear Regression – 4 of 5</a:t>
             </a:r>
           </a:p>
           <a:p>
@@ -6964,7 +7049,7 @@
           <p:nvPr/>
         </p:nvPicPr>
         <p:blipFill rotWithShape="1">
-          <a:blip r:embed="rId2"/>
+          <a:blip r:embed="rId3"/>
           <a:srcRect t="10770" r="84371" b="20000"/>
           <a:stretch/>
         </p:blipFill>
@@ -6993,7 +7078,7 @@
           <p:nvPr/>
         </p:nvPicPr>
         <p:blipFill rotWithShape="1">
-          <a:blip r:embed="rId2"/>
+          <a:blip r:embed="rId3"/>
           <a:srcRect l="15172"/>
           <a:stretch/>
         </p:blipFill>
@@ -7042,7 +7127,7 @@
                   <a:srgbClr val="002060"/>
                 </a:solidFill>
               </a:rPr>
-              <a:t>Multiple Linear Regression – Int Rate</a:t>
+              <a:t>Simple Linear Regression – 5 of 5</a:t>
             </a:r>
           </a:p>
           <a:p>
@@ -7100,46 +7185,10 @@
       </p:cxnSp>
       <p:pic>
         <p:nvPicPr>
-          <p:cNvPr id="3" name="Picture 2" descr="Chart&#10;&#10;Description automatically generated">
-            <a:extLst>
-              <a:ext uri="{FF2B5EF4-FFF2-40B4-BE49-F238E27FC236}">
-                <a16:creationId xmlns:a16="http://schemas.microsoft.com/office/drawing/2014/main" id="{F6CDB253-CAA7-EBD8-94BF-8A7215DCCAA1}"/>
-              </a:ext>
-            </a:extLst>
-          </p:cNvPr>
-          <p:cNvPicPr>
-            <a:picLocks noChangeAspect="1"/>
-          </p:cNvPicPr>
-          <p:nvPr/>
-        </p:nvPicPr>
-        <p:blipFill>
-          <a:blip r:embed="rId3">
-            <a:extLst>
-              <a:ext uri="{28A0092B-C50C-407E-A947-70E740481C1C}">
-                <a14:useLocalDpi xmlns:a14="http://schemas.microsoft.com/office/drawing/2010/main" val="0"/>
-              </a:ext>
-            </a:extLst>
-          </a:blip>
-          <a:stretch>
-            <a:fillRect/>
-          </a:stretch>
-        </p:blipFill>
-        <p:spPr>
-          <a:xfrm>
-            <a:off x="2886868" y="1815708"/>
-            <a:ext cx="6400847" cy="4572033"/>
-          </a:xfrm>
-          <a:prstGeom prst="rect">
-            <a:avLst/>
-          </a:prstGeom>
-        </p:spPr>
-      </p:pic>
-      <p:pic>
-        <p:nvPicPr>
           <p:cNvPr id="2" name="Picture 1">
             <a:extLst>
               <a:ext uri="{FF2B5EF4-FFF2-40B4-BE49-F238E27FC236}">
-                <a16:creationId xmlns:a16="http://schemas.microsoft.com/office/drawing/2014/main" id="{895E08C5-A3B4-07CE-8922-285BBC8780DF}"/>
+                <a16:creationId xmlns:a16="http://schemas.microsoft.com/office/drawing/2014/main" id="{87223F74-ECB6-7C61-3EFC-F20EF269B013}"/>
               </a:ext>
             </a:extLst>
           </p:cNvPr>
@@ -7177,10 +7226,233 @@
           </a:prstGeom>
         </p:spPr>
       </p:pic>
+      <p:sp>
+        <p:nvSpPr>
+          <p:cNvPr id="10" name="TextBox 9">
+            <a:extLst>
+              <a:ext uri="{FF2B5EF4-FFF2-40B4-BE49-F238E27FC236}">
+                <a16:creationId xmlns:a16="http://schemas.microsoft.com/office/drawing/2014/main" id="{C57EA837-7916-CFD6-EA72-277ECAD3D9D4}"/>
+              </a:ext>
+            </a:extLst>
+          </p:cNvPr>
+          <p:cNvSpPr txBox="1"/>
+          <p:nvPr/>
+        </p:nvSpPr>
+        <p:spPr>
+          <a:xfrm>
+            <a:off x="9949987" y="3455393"/>
+            <a:ext cx="1217044" cy="646331"/>
+          </a:xfrm>
+          <a:prstGeom prst="rect">
+            <a:avLst/>
+          </a:prstGeom>
+          <a:noFill/>
+        </p:spPr>
+        <p:txBody>
+          <a:bodyPr wrap="square">
+            <a:spAutoFit/>
+          </a:bodyPr>
+          <a:lstStyle/>
+          <a:p>
+            <a:pPr marR="0" lvl="0" defTabSz="914400" rtl="0" eaLnBrk="1" fontAlgn="auto" latinLnBrk="0" hangingPunct="1">
+              <a:lnSpc>
+                <a:spcPct val="100000"/>
+              </a:lnSpc>
+              <a:spcBef>
+                <a:spcPts val="0"/>
+              </a:spcBef>
+              <a:spcAft>
+                <a:spcPts val="0"/>
+              </a:spcAft>
+              <a:buClrTx/>
+              <a:buSzTx/>
+              <a:tabLst/>
+              <a:defRPr/>
+            </a:pPr>
+            <a:r>
+              <a:rPr kumimoji="0" lang="en-US" sz="1800" b="0" i="0" u="none" strike="noStrike" kern="1200" cap="none" spc="0" normalizeH="0" baseline="0" noProof="0" dirty="0">
+                <a:ln>
+                  <a:noFill/>
+                </a:ln>
+                <a:solidFill>
+                  <a:srgbClr val="002060"/>
+                </a:solidFill>
+                <a:effectLst/>
+                <a:uLnTx/>
+                <a:uFillTx/>
+                <a:latin typeface="Calibri" panose="020F0502020204030204"/>
+                <a:ea typeface="+mn-ea"/>
+                <a:cs typeface="+mn-cs"/>
+              </a:rPr>
+              <a:t>R</a:t>
+            </a:r>
+            <a:r>
+              <a:rPr kumimoji="0" lang="en-US" sz="1800" b="0" i="0" u="none" strike="noStrike" kern="1200" cap="none" spc="0" normalizeH="0" baseline="30000" noProof="0" dirty="0">
+                <a:ln>
+                  <a:noFill/>
+                </a:ln>
+                <a:solidFill>
+                  <a:srgbClr val="002060"/>
+                </a:solidFill>
+                <a:effectLst/>
+                <a:uLnTx/>
+                <a:uFillTx/>
+                <a:latin typeface="Calibri" panose="020F0502020204030204"/>
+                <a:ea typeface="+mn-ea"/>
+                <a:cs typeface="+mn-cs"/>
+              </a:rPr>
+              <a:t>2</a:t>
+            </a:r>
+            <a:r>
+              <a:rPr kumimoji="0" lang="en-US" sz="1800" b="0" i="0" u="none" strike="noStrike" kern="1200" cap="none" spc="0" normalizeH="0" baseline="0" noProof="0" dirty="0">
+                <a:ln>
+                  <a:noFill/>
+                </a:ln>
+                <a:solidFill>
+                  <a:srgbClr val="002060"/>
+                </a:solidFill>
+                <a:effectLst/>
+                <a:uLnTx/>
+                <a:uFillTx/>
+                <a:latin typeface="Calibri" panose="020F0502020204030204"/>
+                <a:ea typeface="+mn-ea"/>
+                <a:cs typeface="+mn-cs"/>
+              </a:rPr>
+              <a:t> = 0.25</a:t>
+            </a:r>
+          </a:p>
+          <a:p>
+            <a:pPr marR="0" lvl="0" algn="l" defTabSz="914400" rtl="0" eaLnBrk="1" fontAlgn="auto" latinLnBrk="0" hangingPunct="1">
+              <a:lnSpc>
+                <a:spcPct val="100000"/>
+              </a:lnSpc>
+              <a:spcBef>
+                <a:spcPts val="0"/>
+              </a:spcBef>
+              <a:spcAft>
+                <a:spcPts val="0"/>
+              </a:spcAft>
+              <a:buClrTx/>
+              <a:buSzTx/>
+              <a:tabLst/>
+              <a:defRPr/>
+            </a:pPr>
+            <a:r>
+              <a:rPr kumimoji="0" lang="en-US" sz="1800" b="0" i="0" u="none" strike="noStrike" kern="1200" cap="none" spc="0" normalizeH="0" baseline="0" noProof="0" dirty="0" err="1">
+                <a:ln>
+                  <a:noFill/>
+                </a:ln>
+                <a:solidFill>
+                  <a:srgbClr val="002060"/>
+                </a:solidFill>
+                <a:effectLst/>
+                <a:uLnTx/>
+                <a:uFillTx/>
+                <a:latin typeface="Calibri" panose="020F0502020204030204"/>
+                <a:ea typeface="+mn-ea"/>
+                <a:cs typeface="+mn-cs"/>
+              </a:rPr>
+              <a:t>Pr</a:t>
+            </a:r>
+            <a:r>
+              <a:rPr kumimoji="0" lang="en-US" sz="1800" b="0" i="0" u="none" strike="noStrike" kern="1200" cap="none" spc="0" normalizeH="0" baseline="0" noProof="0" dirty="0">
+                <a:ln>
+                  <a:noFill/>
+                </a:ln>
+                <a:solidFill>
+                  <a:srgbClr val="002060"/>
+                </a:solidFill>
+                <a:effectLst/>
+                <a:uLnTx/>
+                <a:uFillTx/>
+                <a:latin typeface="Calibri" panose="020F0502020204030204"/>
+                <a:ea typeface="+mn-ea"/>
+                <a:cs typeface="+mn-cs"/>
+              </a:rPr>
+              <a:t>  &lt; 2e-16</a:t>
+            </a:r>
+          </a:p>
+        </p:txBody>
+      </p:sp>
+      <p:sp>
+        <p:nvSpPr>
+          <p:cNvPr id="3" name="AutoShape 2">
+            <a:extLst>
+              <a:ext uri="{FF2B5EF4-FFF2-40B4-BE49-F238E27FC236}">
+                <a16:creationId xmlns:a16="http://schemas.microsoft.com/office/drawing/2014/main" id="{CDC020D3-92A6-DD25-CFB9-E8C60C7C9A8D}"/>
+              </a:ext>
+            </a:extLst>
+          </p:cNvPr>
+          <p:cNvSpPr>
+            <a:spLocks noChangeAspect="1" noChangeArrowheads="1"/>
+          </p:cNvSpPr>
+          <p:nvPr/>
+        </p:nvSpPr>
+        <p:spPr bwMode="auto">
+          <a:xfrm>
+            <a:off x="5943600" y="3276600"/>
+            <a:ext cx="304800" cy="304800"/>
+          </a:xfrm>
+          <a:prstGeom prst="rect">
+            <a:avLst/>
+          </a:prstGeom>
+          <a:noFill/>
+          <a:extLst>
+            <a:ext uri="{909E8E84-426E-40DD-AFC4-6F175D3DCCD1}">
+              <a14:hiddenFill xmlns:a14="http://schemas.microsoft.com/office/drawing/2010/main">
+                <a:solidFill>
+                  <a:srgbClr val="FFFFFF"/>
+                </a:solidFill>
+              </a14:hiddenFill>
+            </a:ext>
+          </a:extLst>
+        </p:spPr>
+        <p:txBody>
+          <a:bodyPr vert="horz" wrap="square" lIns="91440" tIns="45720" rIns="91440" bIns="45720" numCol="1" anchor="t" anchorCtr="0" compatLnSpc="1">
+            <a:prstTxWarp prst="textNoShape">
+              <a:avLst/>
+            </a:prstTxWarp>
+          </a:bodyPr>
+          <a:lstStyle/>
+          <a:p>
+            <a:endParaRPr lang="en-US"/>
+          </a:p>
+        </p:txBody>
+      </p:sp>
+      <p:pic>
+        <p:nvPicPr>
+          <p:cNvPr id="4" name="Picture 3">
+            <a:extLst>
+              <a:ext uri="{FF2B5EF4-FFF2-40B4-BE49-F238E27FC236}">
+                <a16:creationId xmlns:a16="http://schemas.microsoft.com/office/drawing/2014/main" id="{050CA9C3-B089-6351-2813-6F21E9F579F7}"/>
+              </a:ext>
+            </a:extLst>
+          </p:cNvPr>
+          <p:cNvPicPr>
+            <a:picLocks noChangeAspect="1"/>
+          </p:cNvPicPr>
+          <p:nvPr/>
+        </p:nvPicPr>
+        <p:blipFill>
+          <a:blip r:embed="rId6"/>
+          <a:stretch>
+            <a:fillRect/>
+          </a:stretch>
+        </p:blipFill>
+        <p:spPr>
+          <a:xfrm>
+            <a:off x="2057400" y="1380217"/>
+            <a:ext cx="7772400" cy="4796681"/>
+          </a:xfrm>
+          <a:prstGeom prst="rect">
+            <a:avLst/>
+          </a:prstGeom>
+        </p:spPr>
+      </p:pic>
     </p:spTree>
     <p:extLst>
       <p:ext uri="{BB962C8B-B14F-4D97-AF65-F5344CB8AC3E}">
-        <p14:creationId xmlns:p14="http://schemas.microsoft.com/office/powerpoint/2010/main" val="1460743001"/>
+        <p14:creationId xmlns:p14="http://schemas.microsoft.com/office/powerpoint/2010/main" val="2292542637"/>
       </p:ext>
     </p:extLst>
   </p:cSld>
@@ -7358,10 +7630,10 @@
       </p:cxnSp>
       <p:pic>
         <p:nvPicPr>
-          <p:cNvPr id="12" name="Picture 11" descr="Graphical user interface, diagram&#10;&#10;Description automatically generated">
-            <a:extLst>
-              <a:ext uri="{FF2B5EF4-FFF2-40B4-BE49-F238E27FC236}">
-                <a16:creationId xmlns:a16="http://schemas.microsoft.com/office/drawing/2014/main" id="{EC2630D3-9E74-B04F-8EE7-BC81D983E0E9}"/>
+          <p:cNvPr id="3" name="Picture 2" descr="Chart&#10;&#10;Description automatically generated">
+            <a:extLst>
+              <a:ext uri="{FF2B5EF4-FFF2-40B4-BE49-F238E27FC236}">
+                <a16:creationId xmlns:a16="http://schemas.microsoft.com/office/drawing/2014/main" id="{F6CDB253-CAA7-EBD8-94BF-8A7215DCCAA1}"/>
               </a:ext>
             </a:extLst>
           </p:cNvPr>
@@ -7384,8 +7656,8 @@
         </p:blipFill>
         <p:spPr>
           <a:xfrm>
-            <a:off x="138430" y="1645916"/>
-            <a:ext cx="5760720" cy="4114800"/>
+            <a:off x="2886868" y="1815708"/>
+            <a:ext cx="6400847" cy="4572033"/>
           </a:xfrm>
           <a:prstGeom prst="rect">
             <a:avLst/>
@@ -7394,10 +7666,10 @@
       </p:pic>
       <p:pic>
         <p:nvPicPr>
-          <p:cNvPr id="14" name="Picture 13" descr="Graphical user interface, diagram&#10;&#10;Description automatically generated">
-            <a:extLst>
-              <a:ext uri="{FF2B5EF4-FFF2-40B4-BE49-F238E27FC236}">
-                <a16:creationId xmlns:a16="http://schemas.microsoft.com/office/drawing/2014/main" id="{A04D6607-55BB-A618-6534-E8044023DD55}"/>
+          <p:cNvPr id="2" name="Picture 1">
+            <a:extLst>
+              <a:ext uri="{FF2B5EF4-FFF2-40B4-BE49-F238E27FC236}">
+                <a16:creationId xmlns:a16="http://schemas.microsoft.com/office/drawing/2014/main" id="{895E08C5-A3B4-07CE-8922-285BBC8780DF}"/>
               </a:ext>
             </a:extLst>
           </p:cNvPr>
@@ -7408,9 +7680,16 @@
         </p:nvPicPr>
         <p:blipFill>
           <a:blip r:embed="rId4">
-            <a:extLst>
-              <a:ext uri="{28A0092B-C50C-407E-A947-70E740481C1C}">
-                <a14:useLocalDpi xmlns:a14="http://schemas.microsoft.com/office/drawing/2010/main" val="0"/>
+            <a:alphaModFix amt="5000"/>
+            <a:extLst>
+              <a:ext uri="{BEBA8EAE-BF5A-486C-A8C5-ECC9F3942E4B}">
+                <a14:imgProps xmlns:a14="http://schemas.microsoft.com/office/drawing/2010/main">
+                  <a14:imgLayer r:embed="rId5">
+                    <a14:imgEffect>
+                      <a14:saturation sat="0"/>
+                    </a14:imgEffect>
+                  </a14:imgLayer>
+                </a14:imgProps>
               </a:ext>
             </a:extLst>
           </a:blip>
@@ -7420,49 +7699,6 @@
         </p:blipFill>
         <p:spPr>
           <a:xfrm>
-            <a:off x="6292850" y="1645916"/>
-            <a:ext cx="5760720" cy="4114800"/>
-          </a:xfrm>
-          <a:prstGeom prst="rect">
-            <a:avLst/>
-          </a:prstGeom>
-        </p:spPr>
-      </p:pic>
-      <p:pic>
-        <p:nvPicPr>
-          <p:cNvPr id="2" name="Picture 1">
-            <a:extLst>
-              <a:ext uri="{FF2B5EF4-FFF2-40B4-BE49-F238E27FC236}">
-                <a16:creationId xmlns:a16="http://schemas.microsoft.com/office/drawing/2014/main" id="{8467A83E-EF5D-4AF9-C9D1-B034802166A7}"/>
-              </a:ext>
-            </a:extLst>
-          </p:cNvPr>
-          <p:cNvPicPr>
-            <a:picLocks noChangeAspect="1"/>
-          </p:cNvPicPr>
-          <p:nvPr/>
-        </p:nvPicPr>
-        <p:blipFill>
-          <a:blip r:embed="rId5">
-            <a:alphaModFix amt="5000"/>
-            <a:extLst>
-              <a:ext uri="{BEBA8EAE-BF5A-486C-A8C5-ECC9F3942E4B}">
-                <a14:imgProps xmlns:a14="http://schemas.microsoft.com/office/drawing/2010/main">
-                  <a14:imgLayer r:embed="rId6">
-                    <a14:imgEffect>
-                      <a14:saturation sat="0"/>
-                    </a14:imgEffect>
-                  </a14:imgLayer>
-                </a14:imgProps>
-              </a:ext>
-            </a:extLst>
-          </a:blip>
-          <a:stretch>
-            <a:fillRect/>
-          </a:stretch>
-        </p:blipFill>
-        <p:spPr>
-          <a:xfrm>
             <a:off x="11346306" y="543903"/>
             <a:ext cx="845693" cy="772083"/>
           </a:xfrm>
@@ -7474,7 +7710,7 @@
     </p:spTree>
     <p:extLst>
       <p:ext uri="{BB962C8B-B14F-4D97-AF65-F5344CB8AC3E}">
-        <p14:creationId xmlns:p14="http://schemas.microsoft.com/office/powerpoint/2010/main" val="792173886"/>
+        <p14:creationId xmlns:p14="http://schemas.microsoft.com/office/powerpoint/2010/main" val="1460743001"/>
       </p:ext>
     </p:extLst>
   </p:cSld>
@@ -7594,7 +7830,7 @@
                   <a:srgbClr val="002060"/>
                 </a:solidFill>
               </a:rPr>
-              <a:t>Logistic Regression – Credit Policy (fix)</a:t>
+              <a:t>Multiple Linear Regression – Int Rate</a:t>
             </a:r>
           </a:p>
           <a:p>
@@ -7652,10 +7888,10 @@
       </p:cxnSp>
       <p:pic>
         <p:nvPicPr>
-          <p:cNvPr id="3" name="Picture 2" descr="Chart&#10;&#10;Description automatically generated">
-            <a:extLst>
-              <a:ext uri="{FF2B5EF4-FFF2-40B4-BE49-F238E27FC236}">
-                <a16:creationId xmlns:a16="http://schemas.microsoft.com/office/drawing/2014/main" id="{8B33217A-198E-C50A-6DDE-8BD6434B97BC}"/>
+          <p:cNvPr id="12" name="Picture 11" descr="Graphical user interface, diagram&#10;&#10;Description automatically generated">
+            <a:extLst>
+              <a:ext uri="{FF2B5EF4-FFF2-40B4-BE49-F238E27FC236}">
+                <a16:creationId xmlns:a16="http://schemas.microsoft.com/office/drawing/2014/main" id="{EC2630D3-9E74-B04F-8EE7-BC81D983E0E9}"/>
               </a:ext>
             </a:extLst>
           </p:cNvPr>
@@ -7678,8 +7914,8 @@
         </p:blipFill>
         <p:spPr>
           <a:xfrm>
-            <a:off x="2886868" y="1687866"/>
-            <a:ext cx="6400847" cy="4572033"/>
+            <a:off x="138430" y="1645916"/>
+            <a:ext cx="5760720" cy="4114800"/>
           </a:xfrm>
           <a:prstGeom prst="rect">
             <a:avLst/>
@@ -7691,7 +7927,7 @@
           <p:cNvPr id="2" name="Picture 1">
             <a:extLst>
               <a:ext uri="{FF2B5EF4-FFF2-40B4-BE49-F238E27FC236}">
-                <a16:creationId xmlns:a16="http://schemas.microsoft.com/office/drawing/2014/main" id="{4CDFD8A5-1D31-9DE8-890B-C53C7BA6963E}"/>
+                <a16:creationId xmlns:a16="http://schemas.microsoft.com/office/drawing/2014/main" id="{8467A83E-EF5D-4AF9-C9D1-B034802166A7}"/>
               </a:ext>
             </a:extLst>
           </p:cNvPr>
@@ -7729,10 +7965,40 @@
           </a:prstGeom>
         </p:spPr>
       </p:pic>
+      <p:pic>
+        <p:nvPicPr>
+          <p:cNvPr id="3" name="Picture 2">
+            <a:extLst>
+              <a:ext uri="{FF2B5EF4-FFF2-40B4-BE49-F238E27FC236}">
+                <a16:creationId xmlns:a16="http://schemas.microsoft.com/office/drawing/2014/main" id="{0FCA9111-D39D-C7A9-0A47-EC3AF76A2041}"/>
+              </a:ext>
+            </a:extLst>
+          </p:cNvPr>
+          <p:cNvPicPr>
+            <a:picLocks noChangeAspect="1"/>
+          </p:cNvPicPr>
+          <p:nvPr/>
+        </p:nvPicPr>
+        <p:blipFill>
+          <a:blip r:embed="rId6"/>
+          <a:stretch>
+            <a:fillRect/>
+          </a:stretch>
+        </p:blipFill>
+        <p:spPr>
+          <a:xfrm>
+            <a:off x="6292852" y="1645917"/>
+            <a:ext cx="5899147" cy="4450084"/>
+          </a:xfrm>
+          <a:prstGeom prst="rect">
+            <a:avLst/>
+          </a:prstGeom>
+        </p:spPr>
+      </p:pic>
     </p:spTree>
     <p:extLst>
       <p:ext uri="{BB962C8B-B14F-4D97-AF65-F5344CB8AC3E}">
-        <p14:creationId xmlns:p14="http://schemas.microsoft.com/office/powerpoint/2010/main" val="4029267829"/>
+        <p14:creationId xmlns:p14="http://schemas.microsoft.com/office/powerpoint/2010/main" val="792173886"/>
       </p:ext>
     </p:extLst>
   </p:cSld>
@@ -7910,10 +8176,10 @@
       </p:cxnSp>
       <p:pic>
         <p:nvPicPr>
-          <p:cNvPr id="4" name="Picture 3">
-            <a:extLst>
-              <a:ext uri="{FF2B5EF4-FFF2-40B4-BE49-F238E27FC236}">
-                <a16:creationId xmlns:a16="http://schemas.microsoft.com/office/drawing/2014/main" id="{A19AD511-4FD6-9E60-078C-B38E84FA4D7F}"/>
+          <p:cNvPr id="3" name="Picture 2" descr="Chart&#10;&#10;Description automatically generated">
+            <a:extLst>
+              <a:ext uri="{FF2B5EF4-FFF2-40B4-BE49-F238E27FC236}">
+                <a16:creationId xmlns:a16="http://schemas.microsoft.com/office/drawing/2014/main" id="{8B33217A-198E-C50A-6DDE-8BD6434B97BC}"/>
               </a:ext>
             </a:extLst>
           </p:cNvPr>
@@ -7923,15 +8189,21 @@
           <p:nvPr/>
         </p:nvPicPr>
         <p:blipFill>
-          <a:blip r:embed="rId3"/>
+          <a:blip r:embed="rId3">
+            <a:extLst>
+              <a:ext uri="{28A0092B-C50C-407E-A947-70E740481C1C}">
+                <a14:useLocalDpi xmlns:a14="http://schemas.microsoft.com/office/drawing/2010/main" val="0"/>
+              </a:ext>
+            </a:extLst>
+          </a:blip>
           <a:stretch>
             <a:fillRect/>
           </a:stretch>
         </p:blipFill>
         <p:spPr>
           <a:xfrm>
-            <a:off x="3880351" y="0"/>
-            <a:ext cx="4046424" cy="6858000"/>
+            <a:off x="2886868" y="1687866"/>
+            <a:ext cx="6400847" cy="4572033"/>
           </a:xfrm>
           <a:prstGeom prst="rect">
             <a:avLst/>
@@ -7943,7 +8215,7 @@
           <p:cNvPr id="2" name="Picture 1">
             <a:extLst>
               <a:ext uri="{FF2B5EF4-FFF2-40B4-BE49-F238E27FC236}">
-                <a16:creationId xmlns:a16="http://schemas.microsoft.com/office/drawing/2014/main" id="{658A2BB4-5A21-050A-0C3D-4A1E1E98286A}"/>
+                <a16:creationId xmlns:a16="http://schemas.microsoft.com/office/drawing/2014/main" id="{4CDFD8A5-1D31-9DE8-890B-C53C7BA6963E}"/>
               </a:ext>
             </a:extLst>
           </p:cNvPr>
@@ -7984,7 +8256,7 @@
     </p:spTree>
     <p:extLst>
       <p:ext uri="{BB962C8B-B14F-4D97-AF65-F5344CB8AC3E}">
-        <p14:creationId xmlns:p14="http://schemas.microsoft.com/office/powerpoint/2010/main" val="697410562"/>
+        <p14:creationId xmlns:p14="http://schemas.microsoft.com/office/powerpoint/2010/main" val="4029267829"/>
       </p:ext>
     </p:extLst>
   </p:cSld>
@@ -8162,10 +8434,10 @@
       </p:cxnSp>
       <p:pic>
         <p:nvPicPr>
-          <p:cNvPr id="3" name="Picture 2">
-            <a:extLst>
-              <a:ext uri="{FF2B5EF4-FFF2-40B4-BE49-F238E27FC236}">
-                <a16:creationId xmlns:a16="http://schemas.microsoft.com/office/drawing/2014/main" id="{DFA50187-4266-8085-0DA9-50A85EB54D17}"/>
+          <p:cNvPr id="4" name="Picture 3">
+            <a:extLst>
+              <a:ext uri="{FF2B5EF4-FFF2-40B4-BE49-F238E27FC236}">
+                <a16:creationId xmlns:a16="http://schemas.microsoft.com/office/drawing/2014/main" id="{A19AD511-4FD6-9E60-078C-B38E84FA4D7F}"/>
               </a:ext>
             </a:extLst>
           </p:cNvPr>
@@ -8182,8 +8454,8 @@
         </p:blipFill>
         <p:spPr>
           <a:xfrm>
-            <a:off x="4082946" y="2870464"/>
-            <a:ext cx="4026107" cy="1530429"/>
+            <a:off x="3880351" y="0"/>
+            <a:ext cx="4046424" cy="6858000"/>
           </a:xfrm>
           <a:prstGeom prst="rect">
             <a:avLst/>
@@ -8195,7 +8467,7 @@
           <p:cNvPr id="2" name="Picture 1">
             <a:extLst>
               <a:ext uri="{FF2B5EF4-FFF2-40B4-BE49-F238E27FC236}">
-                <a16:creationId xmlns:a16="http://schemas.microsoft.com/office/drawing/2014/main" id="{A2AD466F-D5C0-9B79-A015-C5B328B5F793}"/>
+                <a16:creationId xmlns:a16="http://schemas.microsoft.com/office/drawing/2014/main" id="{658A2BB4-5A21-050A-0C3D-4A1E1E98286A}"/>
               </a:ext>
             </a:extLst>
           </p:cNvPr>
@@ -8236,7 +8508,7 @@
     </p:spTree>
     <p:extLst>
       <p:ext uri="{BB962C8B-B14F-4D97-AF65-F5344CB8AC3E}">
-        <p14:creationId xmlns:p14="http://schemas.microsoft.com/office/powerpoint/2010/main" val="3046938398"/>
+        <p14:creationId xmlns:p14="http://schemas.microsoft.com/office/powerpoint/2010/main" val="697410562"/>
       </p:ext>
     </p:extLst>
   </p:cSld>
@@ -8414,10 +8686,10 @@
       </p:cxnSp>
       <p:pic>
         <p:nvPicPr>
-          <p:cNvPr id="4" name="Picture 3" descr="A picture containing chart&#10;&#10;Description automatically generated">
-            <a:extLst>
-              <a:ext uri="{FF2B5EF4-FFF2-40B4-BE49-F238E27FC236}">
-                <a16:creationId xmlns:a16="http://schemas.microsoft.com/office/drawing/2014/main" id="{EF9E986C-AE26-C3CC-4D6A-0FB74A5C0283}"/>
+          <p:cNvPr id="3" name="Picture 2">
+            <a:extLst>
+              <a:ext uri="{FF2B5EF4-FFF2-40B4-BE49-F238E27FC236}">
+                <a16:creationId xmlns:a16="http://schemas.microsoft.com/office/drawing/2014/main" id="{DFA50187-4266-8085-0DA9-50A85EB54D17}"/>
               </a:ext>
             </a:extLst>
           </p:cNvPr>
@@ -8427,21 +8699,15 @@
           <p:nvPr/>
         </p:nvPicPr>
         <p:blipFill>
-          <a:blip r:embed="rId3">
-            <a:extLst>
-              <a:ext uri="{28A0092B-C50C-407E-A947-70E740481C1C}">
-                <a14:useLocalDpi xmlns:a14="http://schemas.microsoft.com/office/drawing/2010/main" val="0"/>
-              </a:ext>
-            </a:extLst>
-          </a:blip>
+          <a:blip r:embed="rId3"/>
           <a:stretch>
             <a:fillRect/>
           </a:stretch>
         </p:blipFill>
         <p:spPr>
           <a:xfrm>
-            <a:off x="2886868" y="1731706"/>
-            <a:ext cx="6400847" cy="4572033"/>
+            <a:off x="4082946" y="2870464"/>
+            <a:ext cx="4026107" cy="1530429"/>
           </a:xfrm>
           <a:prstGeom prst="rect">
             <a:avLst/>
@@ -8453,7 +8719,7 @@
           <p:cNvPr id="2" name="Picture 1">
             <a:extLst>
               <a:ext uri="{FF2B5EF4-FFF2-40B4-BE49-F238E27FC236}">
-                <a16:creationId xmlns:a16="http://schemas.microsoft.com/office/drawing/2014/main" id="{2FC2B9EF-E9D6-18A8-94A2-E1294A24C8DF}"/>
+                <a16:creationId xmlns:a16="http://schemas.microsoft.com/office/drawing/2014/main" id="{A2AD466F-D5C0-9B79-A015-C5B328B5F793}"/>
               </a:ext>
             </a:extLst>
           </p:cNvPr>
@@ -8494,7 +8760,7 @@
     </p:spTree>
     <p:extLst>
       <p:ext uri="{BB962C8B-B14F-4D97-AF65-F5344CB8AC3E}">
-        <p14:creationId xmlns:p14="http://schemas.microsoft.com/office/powerpoint/2010/main" val="4040338310"/>
+        <p14:creationId xmlns:p14="http://schemas.microsoft.com/office/powerpoint/2010/main" val="3046938398"/>
       </p:ext>
     </p:extLst>
   </p:cSld>
@@ -8614,7 +8880,7 @@
                   <a:srgbClr val="002060"/>
                 </a:solidFill>
               </a:rPr>
-              <a:t>Logistic Regression – Not Fully Paid</a:t>
+              <a:t>Logistic Regression – Credit Policy (fix)</a:t>
             </a:r>
           </a:p>
           <a:p>
@@ -8672,10 +8938,10 @@
       </p:cxnSp>
       <p:pic>
         <p:nvPicPr>
-          <p:cNvPr id="4" name="Picture 3" descr="Chart&#10;&#10;Description automatically generated">
-            <a:extLst>
-              <a:ext uri="{FF2B5EF4-FFF2-40B4-BE49-F238E27FC236}">
-                <a16:creationId xmlns:a16="http://schemas.microsoft.com/office/drawing/2014/main" id="{3DD92608-18D5-CA21-C822-95D4C9B7F6A7}"/>
+          <p:cNvPr id="4" name="Picture 3" descr="A picture containing chart&#10;&#10;Description automatically generated">
+            <a:extLst>
+              <a:ext uri="{FF2B5EF4-FFF2-40B4-BE49-F238E27FC236}">
+                <a16:creationId xmlns:a16="http://schemas.microsoft.com/office/drawing/2014/main" id="{EF9E986C-AE26-C3CC-4D6A-0FB74A5C0283}"/>
               </a:ext>
             </a:extLst>
           </p:cNvPr>
@@ -8698,7 +8964,7 @@
         </p:blipFill>
         <p:spPr>
           <a:xfrm>
-            <a:off x="2886868" y="1675339"/>
+            <a:off x="2886868" y="1731706"/>
             <a:ext cx="6400847" cy="4572033"/>
           </a:xfrm>
           <a:prstGeom prst="rect">
@@ -8711,7 +8977,7 @@
           <p:cNvPr id="2" name="Picture 1">
             <a:extLst>
               <a:ext uri="{FF2B5EF4-FFF2-40B4-BE49-F238E27FC236}">
-                <a16:creationId xmlns:a16="http://schemas.microsoft.com/office/drawing/2014/main" id="{023A899E-E927-9527-7EFB-CD142FB4921E}"/>
+                <a16:creationId xmlns:a16="http://schemas.microsoft.com/office/drawing/2014/main" id="{2FC2B9EF-E9D6-18A8-94A2-E1294A24C8DF}"/>
               </a:ext>
             </a:extLst>
           </p:cNvPr>
@@ -8752,7 +9018,7 @@
     </p:spTree>
     <p:extLst>
       <p:ext uri="{BB962C8B-B14F-4D97-AF65-F5344CB8AC3E}">
-        <p14:creationId xmlns:p14="http://schemas.microsoft.com/office/powerpoint/2010/main" val="2792606219"/>
+        <p14:creationId xmlns:p14="http://schemas.microsoft.com/office/powerpoint/2010/main" val="4040338310"/>
       </p:ext>
     </p:extLst>
   </p:cSld>
@@ -8930,10 +9196,10 @@
       </p:cxnSp>
       <p:pic>
         <p:nvPicPr>
-          <p:cNvPr id="3" name="Picture 2">
-            <a:extLst>
-              <a:ext uri="{FF2B5EF4-FFF2-40B4-BE49-F238E27FC236}">
-                <a16:creationId xmlns:a16="http://schemas.microsoft.com/office/drawing/2014/main" id="{5E04EC06-9E56-D09A-5B08-5A1E2A1021D8}"/>
+          <p:cNvPr id="4" name="Picture 3" descr="Chart&#10;&#10;Description automatically generated">
+            <a:extLst>
+              <a:ext uri="{FF2B5EF4-FFF2-40B4-BE49-F238E27FC236}">
+                <a16:creationId xmlns:a16="http://schemas.microsoft.com/office/drawing/2014/main" id="{3DD92608-18D5-CA21-C822-95D4C9B7F6A7}"/>
               </a:ext>
             </a:extLst>
           </p:cNvPr>
@@ -8943,15 +9209,21 @@
           <p:nvPr/>
         </p:nvPicPr>
         <p:blipFill>
-          <a:blip r:embed="rId3"/>
+          <a:blip r:embed="rId3">
+            <a:extLst>
+              <a:ext uri="{28A0092B-C50C-407E-A947-70E740481C1C}">
+                <a14:useLocalDpi xmlns:a14="http://schemas.microsoft.com/office/drawing/2010/main" val="0"/>
+              </a:ext>
+            </a:extLst>
+          </a:blip>
           <a:stretch>
             <a:fillRect/>
           </a:stretch>
         </p:blipFill>
         <p:spPr>
           <a:xfrm>
-            <a:off x="4176747" y="0"/>
-            <a:ext cx="3838506" cy="6858000"/>
+            <a:off x="2886868" y="1675339"/>
+            <a:ext cx="6400847" cy="4572033"/>
           </a:xfrm>
           <a:prstGeom prst="rect">
             <a:avLst/>
@@ -8963,7 +9235,7 @@
           <p:cNvPr id="2" name="Picture 1">
             <a:extLst>
               <a:ext uri="{FF2B5EF4-FFF2-40B4-BE49-F238E27FC236}">
-                <a16:creationId xmlns:a16="http://schemas.microsoft.com/office/drawing/2014/main" id="{B6CB5E6C-F811-992E-988E-E7960D0903ED}"/>
+                <a16:creationId xmlns:a16="http://schemas.microsoft.com/office/drawing/2014/main" id="{023A899E-E927-9527-7EFB-CD142FB4921E}"/>
               </a:ext>
             </a:extLst>
           </p:cNvPr>
@@ -9004,7 +9276,7 @@
     </p:spTree>
     <p:extLst>
       <p:ext uri="{BB962C8B-B14F-4D97-AF65-F5344CB8AC3E}">
-        <p14:creationId xmlns:p14="http://schemas.microsoft.com/office/powerpoint/2010/main" val="2538059948"/>
+        <p14:creationId xmlns:p14="http://schemas.microsoft.com/office/powerpoint/2010/main" val="2792606219"/>
       </p:ext>
     </p:extLst>
   </p:cSld>
@@ -9480,10 +9752,10 @@
       </p:cxnSp>
       <p:pic>
         <p:nvPicPr>
-          <p:cNvPr id="4" name="Picture 3">
-            <a:extLst>
-              <a:ext uri="{FF2B5EF4-FFF2-40B4-BE49-F238E27FC236}">
-                <a16:creationId xmlns:a16="http://schemas.microsoft.com/office/drawing/2014/main" id="{9C3A0CD7-3E13-B5E8-39AC-7218AE83F9A2}"/>
+          <p:cNvPr id="3" name="Picture 2">
+            <a:extLst>
+              <a:ext uri="{FF2B5EF4-FFF2-40B4-BE49-F238E27FC236}">
+                <a16:creationId xmlns:a16="http://schemas.microsoft.com/office/drawing/2014/main" id="{5E04EC06-9E56-D09A-5B08-5A1E2A1021D8}"/>
               </a:ext>
             </a:extLst>
           </p:cNvPr>
@@ -9500,8 +9772,8 @@
         </p:blipFill>
         <p:spPr>
           <a:xfrm>
-            <a:off x="4083764" y="2571734"/>
-            <a:ext cx="4007056" cy="1663786"/>
+            <a:off x="4176747" y="0"/>
+            <a:ext cx="3838506" cy="6858000"/>
           </a:xfrm>
           <a:prstGeom prst="rect">
             <a:avLst/>
@@ -9513,7 +9785,7 @@
           <p:cNvPr id="2" name="Picture 1">
             <a:extLst>
               <a:ext uri="{FF2B5EF4-FFF2-40B4-BE49-F238E27FC236}">
-                <a16:creationId xmlns:a16="http://schemas.microsoft.com/office/drawing/2014/main" id="{14AF11B4-A6BF-84F4-79AF-FCA35587A181}"/>
+                <a16:creationId xmlns:a16="http://schemas.microsoft.com/office/drawing/2014/main" id="{B6CB5E6C-F811-992E-988E-E7960D0903ED}"/>
               </a:ext>
             </a:extLst>
           </p:cNvPr>
@@ -9554,7 +9826,7 @@
     </p:spTree>
     <p:extLst>
       <p:ext uri="{BB962C8B-B14F-4D97-AF65-F5344CB8AC3E}">
-        <p14:creationId xmlns:p14="http://schemas.microsoft.com/office/powerpoint/2010/main" val="538577802"/>
+        <p14:creationId xmlns:p14="http://schemas.microsoft.com/office/powerpoint/2010/main" val="2538059948"/>
       </p:ext>
     </p:extLst>
   </p:cSld>
@@ -9596,7 +9868,7 @@
           <p:nvPr/>
         </p:nvPicPr>
         <p:blipFill rotWithShape="1">
-          <a:blip r:embed="rId3"/>
+          <a:blip r:embed="rId2"/>
           <a:srcRect t="10770" r="84371" b="20000"/>
           <a:stretch/>
         </p:blipFill>
@@ -9625,7 +9897,7 @@
           <p:nvPr/>
         </p:nvPicPr>
         <p:blipFill rotWithShape="1">
-          <a:blip r:embed="rId3"/>
+          <a:blip r:embed="rId2"/>
           <a:srcRect l="15172"/>
           <a:stretch/>
         </p:blipFill>
@@ -9732,10 +10004,10 @@
       </p:cxnSp>
       <p:pic>
         <p:nvPicPr>
-          <p:cNvPr id="3" name="Picture 2" descr="Chart&#10;&#10;Description automatically generated">
-            <a:extLst>
-              <a:ext uri="{FF2B5EF4-FFF2-40B4-BE49-F238E27FC236}">
-                <a16:creationId xmlns:a16="http://schemas.microsoft.com/office/drawing/2014/main" id="{F8CE4281-B37D-08C2-3C7F-6F74C9EBFC21}"/>
+          <p:cNvPr id="4" name="Picture 3">
+            <a:extLst>
+              <a:ext uri="{FF2B5EF4-FFF2-40B4-BE49-F238E27FC236}">
+                <a16:creationId xmlns:a16="http://schemas.microsoft.com/office/drawing/2014/main" id="{9C3A0CD7-3E13-B5E8-39AC-7218AE83F9A2}"/>
               </a:ext>
             </a:extLst>
           </p:cNvPr>
@@ -9745,10 +10017,47 @@
           <p:nvPr/>
         </p:nvPicPr>
         <p:blipFill>
+          <a:blip r:embed="rId3"/>
+          <a:stretch>
+            <a:fillRect/>
+          </a:stretch>
+        </p:blipFill>
+        <p:spPr>
+          <a:xfrm>
+            <a:off x="4083764" y="2571734"/>
+            <a:ext cx="4007056" cy="1663786"/>
+          </a:xfrm>
+          <a:prstGeom prst="rect">
+            <a:avLst/>
+          </a:prstGeom>
+        </p:spPr>
+      </p:pic>
+      <p:pic>
+        <p:nvPicPr>
+          <p:cNvPr id="2" name="Picture 1">
+            <a:extLst>
+              <a:ext uri="{FF2B5EF4-FFF2-40B4-BE49-F238E27FC236}">
+                <a16:creationId xmlns:a16="http://schemas.microsoft.com/office/drawing/2014/main" id="{14AF11B4-A6BF-84F4-79AF-FCA35587A181}"/>
+              </a:ext>
+            </a:extLst>
+          </p:cNvPr>
+          <p:cNvPicPr>
+            <a:picLocks noChangeAspect="1"/>
+          </p:cNvPicPr>
+          <p:nvPr/>
+        </p:nvPicPr>
+        <p:blipFill>
           <a:blip r:embed="rId4">
-            <a:extLst>
-              <a:ext uri="{28A0092B-C50C-407E-A947-70E740481C1C}">
-                <a14:useLocalDpi xmlns:a14="http://schemas.microsoft.com/office/drawing/2010/main" val="0"/>
+            <a:alphaModFix amt="5000"/>
+            <a:extLst>
+              <a:ext uri="{BEBA8EAE-BF5A-486C-A8C5-ECC9F3942E4B}">
+                <a14:imgProps xmlns:a14="http://schemas.microsoft.com/office/drawing/2010/main">
+                  <a14:imgLayer r:embed="rId5">
+                    <a14:imgEffect>
+                      <a14:saturation sat="0"/>
+                    </a14:imgEffect>
+                  </a14:imgLayer>
+                </a14:imgProps>
               </a:ext>
             </a:extLst>
           </a:blip>
@@ -9758,49 +10067,6 @@
         </p:blipFill>
         <p:spPr>
           <a:xfrm>
-            <a:off x="2895576" y="1488410"/>
-            <a:ext cx="6400847" cy="4572033"/>
-          </a:xfrm>
-          <a:prstGeom prst="rect">
-            <a:avLst/>
-          </a:prstGeom>
-        </p:spPr>
-      </p:pic>
-      <p:pic>
-        <p:nvPicPr>
-          <p:cNvPr id="2" name="Picture 1">
-            <a:extLst>
-              <a:ext uri="{FF2B5EF4-FFF2-40B4-BE49-F238E27FC236}">
-                <a16:creationId xmlns:a16="http://schemas.microsoft.com/office/drawing/2014/main" id="{AE14D38D-7A17-5BEC-058F-4E888FA04465}"/>
-              </a:ext>
-            </a:extLst>
-          </p:cNvPr>
-          <p:cNvPicPr>
-            <a:picLocks noChangeAspect="1"/>
-          </p:cNvPicPr>
-          <p:nvPr/>
-        </p:nvPicPr>
-        <p:blipFill>
-          <a:blip r:embed="rId5">
-            <a:alphaModFix amt="5000"/>
-            <a:extLst>
-              <a:ext uri="{BEBA8EAE-BF5A-486C-A8C5-ECC9F3942E4B}">
-                <a14:imgProps xmlns:a14="http://schemas.microsoft.com/office/drawing/2010/main">
-                  <a14:imgLayer r:embed="rId6">
-                    <a14:imgEffect>
-                      <a14:saturation sat="0"/>
-                    </a14:imgEffect>
-                  </a14:imgLayer>
-                </a14:imgProps>
-              </a:ext>
-            </a:extLst>
-          </a:blip>
-          <a:stretch>
-            <a:fillRect/>
-          </a:stretch>
-        </p:blipFill>
-        <p:spPr>
-          <a:xfrm>
             <a:off x="11346306" y="543903"/>
             <a:ext cx="845693" cy="772083"/>
           </a:xfrm>
@@ -9812,7 +10078,7 @@
     </p:spTree>
     <p:extLst>
       <p:ext uri="{BB962C8B-B14F-4D97-AF65-F5344CB8AC3E}">
-        <p14:creationId xmlns:p14="http://schemas.microsoft.com/office/powerpoint/2010/main" val="961642784"/>
+        <p14:creationId xmlns:p14="http://schemas.microsoft.com/office/powerpoint/2010/main" val="538577802"/>
       </p:ext>
     </p:extLst>
   </p:cSld>
@@ -9854,7 +10120,7 @@
           <p:nvPr/>
         </p:nvPicPr>
         <p:blipFill rotWithShape="1">
-          <a:blip r:embed="rId2"/>
+          <a:blip r:embed="rId3"/>
           <a:srcRect t="10770" r="84371" b="20000"/>
           <a:stretch/>
         </p:blipFill>
@@ -9883,7 +10149,7 @@
           <p:nvPr/>
         </p:nvPicPr>
         <p:blipFill rotWithShape="1">
-          <a:blip r:embed="rId2"/>
+          <a:blip r:embed="rId3"/>
           <a:srcRect l="15172"/>
           <a:stretch/>
         </p:blipFill>
@@ -9932,7 +10198,7 @@
                   <a:srgbClr val="002060"/>
                 </a:solidFill>
               </a:rPr>
-              <a:t>Lasso Regression</a:t>
+              <a:t>Logistic Regression – Not Fully Paid</a:t>
             </a:r>
           </a:p>
           <a:p>
@@ -9990,10 +10256,10 @@
       </p:cxnSp>
       <p:pic>
         <p:nvPicPr>
-          <p:cNvPr id="2" name="Picture 1">
-            <a:extLst>
-              <a:ext uri="{FF2B5EF4-FFF2-40B4-BE49-F238E27FC236}">
-                <a16:creationId xmlns:a16="http://schemas.microsoft.com/office/drawing/2014/main" id="{7BE29EA1-7637-65C2-B01E-4050393F592E}"/>
+          <p:cNvPr id="3" name="Picture 2" descr="Chart&#10;&#10;Description automatically generated">
+            <a:extLst>
+              <a:ext uri="{FF2B5EF4-FFF2-40B4-BE49-F238E27FC236}">
+                <a16:creationId xmlns:a16="http://schemas.microsoft.com/office/drawing/2014/main" id="{F8CE4281-B37D-08C2-3C7F-6F74C9EBFC21}"/>
               </a:ext>
             </a:extLst>
           </p:cNvPr>
@@ -10003,12 +10269,48 @@
           <p:nvPr/>
         </p:nvPicPr>
         <p:blipFill>
-          <a:blip r:embed="rId3">
+          <a:blip r:embed="rId4">
+            <a:extLst>
+              <a:ext uri="{28A0092B-C50C-407E-A947-70E740481C1C}">
+                <a14:useLocalDpi xmlns:a14="http://schemas.microsoft.com/office/drawing/2010/main" val="0"/>
+              </a:ext>
+            </a:extLst>
+          </a:blip>
+          <a:stretch>
+            <a:fillRect/>
+          </a:stretch>
+        </p:blipFill>
+        <p:spPr>
+          <a:xfrm>
+            <a:off x="2895576" y="1488410"/>
+            <a:ext cx="6400847" cy="4572033"/>
+          </a:xfrm>
+          <a:prstGeom prst="rect">
+            <a:avLst/>
+          </a:prstGeom>
+        </p:spPr>
+      </p:pic>
+      <p:pic>
+        <p:nvPicPr>
+          <p:cNvPr id="2" name="Picture 1">
+            <a:extLst>
+              <a:ext uri="{FF2B5EF4-FFF2-40B4-BE49-F238E27FC236}">
+                <a16:creationId xmlns:a16="http://schemas.microsoft.com/office/drawing/2014/main" id="{AE14D38D-7A17-5BEC-058F-4E888FA04465}"/>
+              </a:ext>
+            </a:extLst>
+          </p:cNvPr>
+          <p:cNvPicPr>
+            <a:picLocks noChangeAspect="1"/>
+          </p:cNvPicPr>
+          <p:nvPr/>
+        </p:nvPicPr>
+        <p:blipFill>
+          <a:blip r:embed="rId5">
             <a:alphaModFix amt="5000"/>
             <a:extLst>
               <a:ext uri="{BEBA8EAE-BF5A-486C-A8C5-ECC9F3942E4B}">
                 <a14:imgProps xmlns:a14="http://schemas.microsoft.com/office/drawing/2010/main">
-                  <a14:imgLayer r:embed="rId4">
+                  <a14:imgLayer r:embed="rId6">
                     <a14:imgEffect>
                       <a14:saturation sat="0"/>
                     </a14:imgEffect>
@@ -10034,7 +10336,7 @@
     </p:spTree>
     <p:extLst>
       <p:ext uri="{BB962C8B-B14F-4D97-AF65-F5344CB8AC3E}">
-        <p14:creationId xmlns:p14="http://schemas.microsoft.com/office/powerpoint/2010/main" val="1893722804"/>
+        <p14:creationId xmlns:p14="http://schemas.microsoft.com/office/powerpoint/2010/main" val="961642784"/>
       </p:ext>
     </p:extLst>
   </p:cSld>
@@ -10076,7 +10378,7 @@
           <p:nvPr/>
         </p:nvPicPr>
         <p:blipFill rotWithShape="1">
-          <a:blip r:embed="rId3"/>
+          <a:blip r:embed="rId2"/>
           <a:srcRect t="10770" r="84371" b="20000"/>
           <a:stretch/>
         </p:blipFill>
@@ -10105,7 +10407,7 @@
           <p:nvPr/>
         </p:nvPicPr>
         <p:blipFill rotWithShape="1">
-          <a:blip r:embed="rId3"/>
+          <a:blip r:embed="rId2"/>
           <a:srcRect l="15172"/>
           <a:stretch/>
         </p:blipFill>
@@ -10134,7 +10436,7 @@
         <p:spPr>
           <a:xfrm>
             <a:off x="1" y="470259"/>
-            <a:ext cx="12192000" cy="861774"/>
+            <a:ext cx="12192000" cy="1631216"/>
           </a:xfrm>
           <a:prstGeom prst="rect">
             <a:avLst/>
@@ -10154,8 +10456,16 @@
                   <a:srgbClr val="002060"/>
                 </a:solidFill>
               </a:rPr>
-              <a:t>Classification Tree – Credit Policy</a:t>
-            </a:r>
+              <a:t>Lasso Regression</a:t>
+            </a:r>
+          </a:p>
+          <a:p>
+            <a:pPr algn="ctr"/>
+            <a:endParaRPr lang="en-US" sz="5000" dirty="0">
+              <a:solidFill>
+                <a:srgbClr val="002060"/>
+              </a:solidFill>
+            </a:endParaRPr>
           </a:p>
         </p:txBody>
       </p:sp>
@@ -10204,10 +10514,10 @@
       </p:cxnSp>
       <p:pic>
         <p:nvPicPr>
-          <p:cNvPr id="3" name="Picture 2" descr="Diagram&#10;&#10;Description automatically generated">
-            <a:extLst>
-              <a:ext uri="{FF2B5EF4-FFF2-40B4-BE49-F238E27FC236}">
-                <a16:creationId xmlns:a16="http://schemas.microsoft.com/office/drawing/2014/main" id="{01B57A88-251B-9A39-CD97-C0909F551BD7}"/>
+          <p:cNvPr id="2" name="Picture 1">
+            <a:extLst>
+              <a:ext uri="{FF2B5EF4-FFF2-40B4-BE49-F238E27FC236}">
+                <a16:creationId xmlns:a16="http://schemas.microsoft.com/office/drawing/2014/main" id="{7BE29EA1-7637-65C2-B01E-4050393F592E}"/>
               </a:ext>
             </a:extLst>
           </p:cNvPr>
@@ -10217,10 +10527,17 @@
           <p:nvPr/>
         </p:nvPicPr>
         <p:blipFill>
-          <a:blip r:embed="rId4">
-            <a:extLst>
-              <a:ext uri="{28A0092B-C50C-407E-A947-70E740481C1C}">
-                <a14:useLocalDpi xmlns:a14="http://schemas.microsoft.com/office/drawing/2010/main" val="0"/>
+          <a:blip r:embed="rId3">
+            <a:alphaModFix amt="5000"/>
+            <a:extLst>
+              <a:ext uri="{BEBA8EAE-BF5A-486C-A8C5-ECC9F3942E4B}">
+                <a14:imgProps xmlns:a14="http://schemas.microsoft.com/office/drawing/2010/main">
+                  <a14:imgLayer r:embed="rId4">
+                    <a14:imgEffect>
+                      <a14:saturation sat="0"/>
+                    </a14:imgEffect>
+                  </a14:imgLayer>
+                </a14:imgProps>
               </a:ext>
             </a:extLst>
           </a:blip>
@@ -10230,276 +10547,6 @@
         </p:blipFill>
         <p:spPr>
           <a:xfrm>
-            <a:off x="-1239696" y="7641434"/>
-            <a:ext cx="6400847" cy="4572033"/>
-          </a:xfrm>
-          <a:prstGeom prst="rect">
-            <a:avLst/>
-          </a:prstGeom>
-        </p:spPr>
-      </p:pic>
-      <p:sp>
-        <p:nvSpPr>
-          <p:cNvPr id="2" name="TextBox 1">
-            <a:extLst>
-              <a:ext uri="{FF2B5EF4-FFF2-40B4-BE49-F238E27FC236}">
-                <a16:creationId xmlns:a16="http://schemas.microsoft.com/office/drawing/2014/main" id="{769B97F2-949C-6AED-5947-79C707840323}"/>
-              </a:ext>
-            </a:extLst>
-          </p:cNvPr>
-          <p:cNvSpPr txBox="1"/>
-          <p:nvPr/>
-        </p:nvSpPr>
-        <p:spPr>
-          <a:xfrm>
-            <a:off x="256606" y="2187743"/>
-            <a:ext cx="4465049" cy="4185761"/>
-          </a:xfrm>
-          <a:prstGeom prst="rect">
-            <a:avLst/>
-          </a:prstGeom>
-          <a:noFill/>
-        </p:spPr>
-        <p:txBody>
-          <a:bodyPr wrap="square" rtlCol="0">
-            <a:spAutoFit/>
-          </a:bodyPr>
-          <a:lstStyle/>
-          <a:p>
-            <a:pPr marL="285750" indent="-285750">
-              <a:buFont typeface="Arial" panose="020B0604020202020204" pitchFamily="34" charset="0"/>
-              <a:buChar char="•"/>
-            </a:pPr>
-            <a:r>
-              <a:rPr lang="en-US" sz="1900" b="1" dirty="0"/>
-              <a:t>Tree</a:t>
-            </a:r>
-          </a:p>
-          <a:p>
-            <a:pPr marL="742950" lvl="1" indent="-285750">
-              <a:buFont typeface="Arial" panose="020B0604020202020204" pitchFamily="34" charset="0"/>
-              <a:buChar char="•"/>
-            </a:pPr>
-            <a:r>
-              <a:rPr lang="en-US" sz="1900" dirty="0"/>
-              <a:t>Four variables</a:t>
-            </a:r>
-          </a:p>
-          <a:p>
-            <a:pPr marL="742950" lvl="1" indent="-285750">
-              <a:buFont typeface="Arial" panose="020B0604020202020204" pitchFamily="34" charset="0"/>
-              <a:buChar char="•"/>
-            </a:pPr>
-            <a:r>
-              <a:rPr lang="en-US" sz="1900" dirty="0"/>
-              <a:t>5 splits</a:t>
-            </a:r>
-          </a:p>
-          <a:p>
-            <a:pPr marL="742950" lvl="1" indent="-285750">
-              <a:buFont typeface="Arial" panose="020B0604020202020204" pitchFamily="34" charset="0"/>
-              <a:buChar char="•"/>
-            </a:pPr>
-            <a:endParaRPr lang="en-US" sz="1900" dirty="0"/>
-          </a:p>
-          <a:p>
-            <a:pPr marL="285750" indent="-285750">
-              <a:buFont typeface="Arial" panose="020B0604020202020204" pitchFamily="34" charset="0"/>
-              <a:buChar char="•"/>
-            </a:pPr>
-            <a:r>
-              <a:rPr lang="en-US" sz="1900" b="1" dirty="0"/>
-              <a:t>Confusion Matrix</a:t>
-            </a:r>
-          </a:p>
-          <a:p>
-            <a:pPr marL="742950" lvl="1" indent="-285750">
-              <a:buFont typeface="Arial" panose="020B0604020202020204" pitchFamily="34" charset="0"/>
-              <a:buChar char="•"/>
-            </a:pPr>
-            <a:r>
-              <a:rPr lang="en-US" sz="1900" dirty="0"/>
-              <a:t>Sensitivity: 0.899</a:t>
-            </a:r>
-          </a:p>
-          <a:p>
-            <a:pPr marL="742950" lvl="1" indent="-285750">
-              <a:buFont typeface="Arial" panose="020B0604020202020204" pitchFamily="34" charset="0"/>
-              <a:buChar char="•"/>
-            </a:pPr>
-            <a:r>
-              <a:rPr lang="en-US" sz="1900" dirty="0"/>
-              <a:t>Specificity: 0.997</a:t>
-            </a:r>
-          </a:p>
-          <a:p>
-            <a:pPr marL="742950" lvl="1" indent="-285750">
-              <a:buFont typeface="Arial" panose="020B0604020202020204" pitchFamily="34" charset="0"/>
-              <a:buChar char="•"/>
-            </a:pPr>
-            <a:r>
-              <a:rPr lang="en-US" sz="1900" dirty="0"/>
-              <a:t>AUC: 0.953</a:t>
-            </a:r>
-          </a:p>
-          <a:p>
-            <a:pPr marL="742950" lvl="1" indent="-285750">
-              <a:buFont typeface="Arial" panose="020B0604020202020204" pitchFamily="34" charset="0"/>
-              <a:buChar char="•"/>
-            </a:pPr>
-            <a:r>
-              <a:rPr lang="en-US" sz="1900" dirty="0"/>
-              <a:t>Kappa: 0.926</a:t>
-            </a:r>
-          </a:p>
-          <a:p>
-            <a:pPr marL="285750" indent="-285750">
-              <a:buFont typeface="Arial" panose="020B0604020202020204" pitchFamily="34" charset="0"/>
-              <a:buChar char="•"/>
-            </a:pPr>
-            <a:endParaRPr lang="en-US" sz="1900" dirty="0"/>
-          </a:p>
-          <a:p>
-            <a:pPr marL="285750" indent="-285750">
-              <a:buFont typeface="Arial" panose="020B0604020202020204" pitchFamily="34" charset="0"/>
-              <a:buChar char="•"/>
-            </a:pPr>
-            <a:r>
-              <a:rPr lang="en-US" sz="1900" b="1" dirty="0"/>
-              <a:t>Predictions vs Actual</a:t>
-            </a:r>
-          </a:p>
-          <a:p>
-            <a:pPr marL="742950" lvl="1" indent="-285750">
-              <a:buFont typeface="Arial" panose="020B0604020202020204" pitchFamily="34" charset="0"/>
-              <a:buChar char="•"/>
-            </a:pPr>
-            <a:r>
-              <a:rPr lang="en-US" sz="1900" dirty="0"/>
-              <a:t>1677/1868 true negatives (Fails)</a:t>
-            </a:r>
-          </a:p>
-          <a:p>
-            <a:pPr marL="742950" lvl="1" indent="-285750">
-              <a:buFont typeface="Arial" panose="020B0604020202020204" pitchFamily="34" charset="0"/>
-              <a:buChar char="•"/>
-            </a:pPr>
-            <a:r>
-              <a:rPr lang="en-US" sz="1900" dirty="0"/>
-              <a:t>7686/7710 true positives (Meets)</a:t>
-            </a:r>
-          </a:p>
-          <a:p>
-            <a:endParaRPr lang="en-US" sz="1900" dirty="0"/>
-          </a:p>
-        </p:txBody>
-      </p:sp>
-      <p:pic>
-        <p:nvPicPr>
-          <p:cNvPr id="8" name="Picture 7" descr="Diagram&#10;&#10;Description automatically generated with medium confidence">
-            <a:extLst>
-              <a:ext uri="{FF2B5EF4-FFF2-40B4-BE49-F238E27FC236}">
-                <a16:creationId xmlns:a16="http://schemas.microsoft.com/office/drawing/2014/main" id="{62EEE40D-1127-949A-7E32-45025E7A8021}"/>
-              </a:ext>
-            </a:extLst>
-          </p:cNvPr>
-          <p:cNvPicPr>
-            <a:picLocks noChangeAspect="1"/>
-          </p:cNvPicPr>
-          <p:nvPr/>
-        </p:nvPicPr>
-        <p:blipFill>
-          <a:blip r:embed="rId5">
-            <a:extLst>
-              <a:ext uri="{28A0092B-C50C-407E-A947-70E740481C1C}">
-                <a14:useLocalDpi xmlns:a14="http://schemas.microsoft.com/office/drawing/2010/main" val="0"/>
-              </a:ext>
-            </a:extLst>
-          </a:blip>
-          <a:stretch>
-            <a:fillRect/>
-          </a:stretch>
-        </p:blipFill>
-        <p:spPr>
-          <a:xfrm>
-            <a:off x="4421031" y="1391408"/>
-            <a:ext cx="7583080" cy="5416485"/>
-          </a:xfrm>
-          <a:prstGeom prst="rect">
-            <a:avLst/>
-          </a:prstGeom>
-        </p:spPr>
-      </p:pic>
-      <p:sp>
-        <p:nvSpPr>
-          <p:cNvPr id="13" name="TextBox 12">
-            <a:extLst>
-              <a:ext uri="{FF2B5EF4-FFF2-40B4-BE49-F238E27FC236}">
-                <a16:creationId xmlns:a16="http://schemas.microsoft.com/office/drawing/2014/main" id="{49BAB6AF-47C0-476A-3F2B-9D5A37330C88}"/>
-              </a:ext>
-            </a:extLst>
-          </p:cNvPr>
-          <p:cNvSpPr txBox="1"/>
-          <p:nvPr/>
-        </p:nvSpPr>
-        <p:spPr>
-          <a:xfrm>
-            <a:off x="5680881" y="7827328"/>
-            <a:ext cx="6093724" cy="1200329"/>
-          </a:xfrm>
-          <a:prstGeom prst="rect">
-            <a:avLst/>
-          </a:prstGeom>
-          <a:noFill/>
-        </p:spPr>
-        <p:txBody>
-          <a:bodyPr wrap="square">
-            <a:spAutoFit/>
-          </a:bodyPr>
-          <a:lstStyle/>
-          <a:p>
-            <a:r>
-              <a:rPr lang="en-US" dirty="0"/>
-              <a:t>The kappa coefficient measures the agreement between classification and truth values. A kappa value of 1 represents perfect agreement, while a value of 0 represents no agreement.</a:t>
-            </a:r>
-          </a:p>
-        </p:txBody>
-      </p:sp>
-      <p:pic>
-        <p:nvPicPr>
-          <p:cNvPr id="16" name="Picture 15">
-            <a:extLst>
-              <a:ext uri="{FF2B5EF4-FFF2-40B4-BE49-F238E27FC236}">
-                <a16:creationId xmlns:a16="http://schemas.microsoft.com/office/drawing/2014/main" id="{50F56C6D-7226-6C71-0754-0D4DD2D2A85D}"/>
-              </a:ext>
-            </a:extLst>
-          </p:cNvPr>
-          <p:cNvPicPr>
-            <a:picLocks noChangeAspect="1"/>
-          </p:cNvPicPr>
-          <p:nvPr/>
-        </p:nvPicPr>
-        <p:blipFill>
-          <a:blip r:embed="rId6">
-            <a:alphaModFix amt="5000"/>
-            <a:extLst>
-              <a:ext uri="{BEBA8EAE-BF5A-486C-A8C5-ECC9F3942E4B}">
-                <a14:imgProps xmlns:a14="http://schemas.microsoft.com/office/drawing/2010/main">
-                  <a14:imgLayer r:embed="rId7">
-                    <a14:imgEffect>
-                      <a14:saturation sat="0"/>
-                    </a14:imgEffect>
-                  </a14:imgLayer>
-                </a14:imgProps>
-              </a:ext>
-            </a:extLst>
-          </a:blip>
-          <a:stretch>
-            <a:fillRect/>
-          </a:stretch>
-        </p:blipFill>
-        <p:spPr>
-          <a:xfrm>
             <a:off x="11346306" y="543903"/>
             <a:ext cx="845693" cy="772083"/>
           </a:xfrm>
@@ -10508,91 +10555,10 @@
           </a:prstGeom>
         </p:spPr>
       </p:pic>
-      <p:sp>
-        <p:nvSpPr>
-          <p:cNvPr id="18" name="TextBox 17">
-            <a:extLst>
-              <a:ext uri="{FF2B5EF4-FFF2-40B4-BE49-F238E27FC236}">
-                <a16:creationId xmlns:a16="http://schemas.microsoft.com/office/drawing/2014/main" id="{E2A39A4A-A627-3E1D-916F-871B9977FD82}"/>
-              </a:ext>
-            </a:extLst>
-          </p:cNvPr>
-          <p:cNvSpPr txBox="1"/>
-          <p:nvPr/>
-        </p:nvSpPr>
-        <p:spPr>
-          <a:xfrm>
-            <a:off x="-1554805" y="6884893"/>
-            <a:ext cx="6715956" cy="1200329"/>
-          </a:xfrm>
-          <a:prstGeom prst="rect">
-            <a:avLst/>
-          </a:prstGeom>
-          <a:noFill/>
-        </p:spPr>
-        <p:txBody>
-          <a:bodyPr wrap="square">
-            <a:spAutoFit/>
-          </a:bodyPr>
-          <a:lstStyle/>
-          <a:p>
-            <a:pPr algn="l">
-              <a:buFont typeface="Arial" panose="020B0604020202020204" pitchFamily="34" charset="0"/>
-              <a:buChar char="•"/>
-            </a:pPr>
-            <a:r>
-              <a:rPr lang="en-US" b="1" i="0" dirty="0">
-                <a:solidFill>
-                  <a:srgbClr val="202122"/>
-                </a:solidFill>
-                <a:effectLst/>
-                <a:latin typeface="Arial" panose="020B0604020202020204" pitchFamily="34" charset="0"/>
-              </a:rPr>
-              <a:t>Sensitivity</a:t>
-            </a:r>
-            <a:r>
-              <a:rPr lang="en-US" b="0" i="0" dirty="0">
-                <a:solidFill>
-                  <a:srgbClr val="202122"/>
-                </a:solidFill>
-                <a:effectLst/>
-                <a:latin typeface="Arial" panose="020B0604020202020204" pitchFamily="34" charset="0"/>
-              </a:rPr>
-              <a:t> (true positive rate) refers to the probability of a positive test, conditioned on truly being positive.</a:t>
-            </a:r>
-          </a:p>
-          <a:p>
-            <a:pPr algn="l">
-              <a:buFont typeface="Arial" panose="020B0604020202020204" pitchFamily="34" charset="0"/>
-              <a:buChar char="•"/>
-            </a:pPr>
-            <a:r>
-              <a:rPr lang="en-US" b="1" i="0" dirty="0">
-                <a:solidFill>
-                  <a:srgbClr val="202122"/>
-                </a:solidFill>
-                <a:effectLst/>
-                <a:latin typeface="Arial" panose="020B0604020202020204" pitchFamily="34" charset="0"/>
-              </a:rPr>
-              <a:t>Specificity</a:t>
-            </a:r>
-            <a:r>
-              <a:rPr lang="en-US" b="0" i="0" dirty="0">
-                <a:solidFill>
-                  <a:srgbClr val="202122"/>
-                </a:solidFill>
-                <a:effectLst/>
-                <a:latin typeface="Arial" panose="020B0604020202020204" pitchFamily="34" charset="0"/>
-              </a:rPr>
-              <a:t> (true negative rate) refers to the probability of a negative test, conditioned on truly being negative.</a:t>
-            </a:r>
-          </a:p>
-        </p:txBody>
-      </p:sp>
     </p:spTree>
     <p:extLst>
       <p:ext uri="{BB962C8B-B14F-4D97-AF65-F5344CB8AC3E}">
-        <p14:creationId xmlns:p14="http://schemas.microsoft.com/office/powerpoint/2010/main" val="562720074"/>
+        <p14:creationId xmlns:p14="http://schemas.microsoft.com/office/powerpoint/2010/main" val="1893722804"/>
       </p:ext>
     </p:extLst>
   </p:cSld>
@@ -10712,7 +10678,7 @@
                   <a:srgbClr val="002060"/>
                 </a:solidFill>
               </a:rPr>
-              <a:t>Classification Tree – Not Fully Paid</a:t>
+              <a:t>Classification Tree – Credit Policy</a:t>
             </a:r>
           </a:p>
         </p:txBody>
@@ -10811,6 +10777,564 @@
         <p:spPr>
           <a:xfrm>
             <a:off x="256606" y="2187743"/>
+            <a:ext cx="4465049" cy="4185761"/>
+          </a:xfrm>
+          <a:prstGeom prst="rect">
+            <a:avLst/>
+          </a:prstGeom>
+          <a:noFill/>
+        </p:spPr>
+        <p:txBody>
+          <a:bodyPr wrap="square" rtlCol="0">
+            <a:spAutoFit/>
+          </a:bodyPr>
+          <a:lstStyle/>
+          <a:p>
+            <a:pPr marL="285750" indent="-285750">
+              <a:buFont typeface="Arial" panose="020B0604020202020204" pitchFamily="34" charset="0"/>
+              <a:buChar char="•"/>
+            </a:pPr>
+            <a:r>
+              <a:rPr lang="en-US" sz="1900" b="1" dirty="0"/>
+              <a:t>Tree</a:t>
+            </a:r>
+          </a:p>
+          <a:p>
+            <a:pPr marL="742950" lvl="1" indent="-285750">
+              <a:buFont typeface="Arial" panose="020B0604020202020204" pitchFamily="34" charset="0"/>
+              <a:buChar char="•"/>
+            </a:pPr>
+            <a:r>
+              <a:rPr lang="en-US" sz="1900" dirty="0"/>
+              <a:t>Four variables</a:t>
+            </a:r>
+          </a:p>
+          <a:p>
+            <a:pPr marL="742950" lvl="1" indent="-285750">
+              <a:buFont typeface="Arial" panose="020B0604020202020204" pitchFamily="34" charset="0"/>
+              <a:buChar char="•"/>
+            </a:pPr>
+            <a:r>
+              <a:rPr lang="en-US" sz="1900" dirty="0"/>
+              <a:t>5 splits</a:t>
+            </a:r>
+          </a:p>
+          <a:p>
+            <a:pPr marL="742950" lvl="1" indent="-285750">
+              <a:buFont typeface="Arial" panose="020B0604020202020204" pitchFamily="34" charset="0"/>
+              <a:buChar char="•"/>
+            </a:pPr>
+            <a:endParaRPr lang="en-US" sz="1900" dirty="0"/>
+          </a:p>
+          <a:p>
+            <a:pPr marL="285750" indent="-285750">
+              <a:buFont typeface="Arial" panose="020B0604020202020204" pitchFamily="34" charset="0"/>
+              <a:buChar char="•"/>
+            </a:pPr>
+            <a:r>
+              <a:rPr lang="en-US" sz="1900" b="1" dirty="0"/>
+              <a:t>Confusion Matrix</a:t>
+            </a:r>
+          </a:p>
+          <a:p>
+            <a:pPr marL="742950" lvl="1" indent="-285750">
+              <a:buFont typeface="Arial" panose="020B0604020202020204" pitchFamily="34" charset="0"/>
+              <a:buChar char="•"/>
+            </a:pPr>
+            <a:r>
+              <a:rPr lang="en-US" sz="1900" dirty="0"/>
+              <a:t>Sensitivity: 0.899</a:t>
+            </a:r>
+          </a:p>
+          <a:p>
+            <a:pPr marL="742950" lvl="1" indent="-285750">
+              <a:buFont typeface="Arial" panose="020B0604020202020204" pitchFamily="34" charset="0"/>
+              <a:buChar char="•"/>
+            </a:pPr>
+            <a:r>
+              <a:rPr lang="en-US" sz="1900" dirty="0"/>
+              <a:t>Specificity: 0.997</a:t>
+            </a:r>
+          </a:p>
+          <a:p>
+            <a:pPr marL="742950" lvl="1" indent="-285750">
+              <a:buFont typeface="Arial" panose="020B0604020202020204" pitchFamily="34" charset="0"/>
+              <a:buChar char="•"/>
+            </a:pPr>
+            <a:r>
+              <a:rPr lang="en-US" sz="1900" dirty="0"/>
+              <a:t>AUC: 0.953</a:t>
+            </a:r>
+          </a:p>
+          <a:p>
+            <a:pPr marL="742950" lvl="1" indent="-285750">
+              <a:buFont typeface="Arial" panose="020B0604020202020204" pitchFamily="34" charset="0"/>
+              <a:buChar char="•"/>
+            </a:pPr>
+            <a:r>
+              <a:rPr lang="en-US" sz="1900" dirty="0"/>
+              <a:t>Kappa: 0.926</a:t>
+            </a:r>
+          </a:p>
+          <a:p>
+            <a:pPr marL="285750" indent="-285750">
+              <a:buFont typeface="Arial" panose="020B0604020202020204" pitchFamily="34" charset="0"/>
+              <a:buChar char="•"/>
+            </a:pPr>
+            <a:endParaRPr lang="en-US" sz="1900" dirty="0"/>
+          </a:p>
+          <a:p>
+            <a:pPr marL="285750" indent="-285750">
+              <a:buFont typeface="Arial" panose="020B0604020202020204" pitchFamily="34" charset="0"/>
+              <a:buChar char="•"/>
+            </a:pPr>
+            <a:r>
+              <a:rPr lang="en-US" sz="1900" b="1" dirty="0"/>
+              <a:t>Predictions vs Actual</a:t>
+            </a:r>
+          </a:p>
+          <a:p>
+            <a:pPr marL="742950" lvl="1" indent="-285750">
+              <a:buFont typeface="Arial" panose="020B0604020202020204" pitchFamily="34" charset="0"/>
+              <a:buChar char="•"/>
+            </a:pPr>
+            <a:r>
+              <a:rPr lang="en-US" sz="1900" dirty="0"/>
+              <a:t>1677/1868 true negatives (Fails)</a:t>
+            </a:r>
+          </a:p>
+          <a:p>
+            <a:pPr marL="742950" lvl="1" indent="-285750">
+              <a:buFont typeface="Arial" panose="020B0604020202020204" pitchFamily="34" charset="0"/>
+              <a:buChar char="•"/>
+            </a:pPr>
+            <a:r>
+              <a:rPr lang="en-US" sz="1900" dirty="0"/>
+              <a:t>7686/7710 true positives (Meets)</a:t>
+            </a:r>
+          </a:p>
+          <a:p>
+            <a:endParaRPr lang="en-US" sz="1900" dirty="0"/>
+          </a:p>
+        </p:txBody>
+      </p:sp>
+      <p:pic>
+        <p:nvPicPr>
+          <p:cNvPr id="8" name="Picture 7" descr="Diagram&#10;&#10;Description automatically generated with medium confidence">
+            <a:extLst>
+              <a:ext uri="{FF2B5EF4-FFF2-40B4-BE49-F238E27FC236}">
+                <a16:creationId xmlns:a16="http://schemas.microsoft.com/office/drawing/2014/main" id="{62EEE40D-1127-949A-7E32-45025E7A8021}"/>
+              </a:ext>
+            </a:extLst>
+          </p:cNvPr>
+          <p:cNvPicPr>
+            <a:picLocks noChangeAspect="1"/>
+          </p:cNvPicPr>
+          <p:nvPr/>
+        </p:nvPicPr>
+        <p:blipFill>
+          <a:blip r:embed="rId5">
+            <a:extLst>
+              <a:ext uri="{28A0092B-C50C-407E-A947-70E740481C1C}">
+                <a14:useLocalDpi xmlns:a14="http://schemas.microsoft.com/office/drawing/2010/main" val="0"/>
+              </a:ext>
+            </a:extLst>
+          </a:blip>
+          <a:stretch>
+            <a:fillRect/>
+          </a:stretch>
+        </p:blipFill>
+        <p:spPr>
+          <a:xfrm>
+            <a:off x="4421031" y="1391408"/>
+            <a:ext cx="7583080" cy="5416485"/>
+          </a:xfrm>
+          <a:prstGeom prst="rect">
+            <a:avLst/>
+          </a:prstGeom>
+        </p:spPr>
+      </p:pic>
+      <p:sp>
+        <p:nvSpPr>
+          <p:cNvPr id="13" name="TextBox 12">
+            <a:extLst>
+              <a:ext uri="{FF2B5EF4-FFF2-40B4-BE49-F238E27FC236}">
+                <a16:creationId xmlns:a16="http://schemas.microsoft.com/office/drawing/2014/main" id="{49BAB6AF-47C0-476A-3F2B-9D5A37330C88}"/>
+              </a:ext>
+            </a:extLst>
+          </p:cNvPr>
+          <p:cNvSpPr txBox="1"/>
+          <p:nvPr/>
+        </p:nvSpPr>
+        <p:spPr>
+          <a:xfrm>
+            <a:off x="5680881" y="7827328"/>
+            <a:ext cx="6093724" cy="1200329"/>
+          </a:xfrm>
+          <a:prstGeom prst="rect">
+            <a:avLst/>
+          </a:prstGeom>
+          <a:noFill/>
+        </p:spPr>
+        <p:txBody>
+          <a:bodyPr wrap="square">
+            <a:spAutoFit/>
+          </a:bodyPr>
+          <a:lstStyle/>
+          <a:p>
+            <a:r>
+              <a:rPr lang="en-US" dirty="0"/>
+              <a:t>The kappa coefficient measures the agreement between classification and truth values. A kappa value of 1 represents perfect agreement, while a value of 0 represents no agreement.</a:t>
+            </a:r>
+          </a:p>
+        </p:txBody>
+      </p:sp>
+      <p:pic>
+        <p:nvPicPr>
+          <p:cNvPr id="16" name="Picture 15">
+            <a:extLst>
+              <a:ext uri="{FF2B5EF4-FFF2-40B4-BE49-F238E27FC236}">
+                <a16:creationId xmlns:a16="http://schemas.microsoft.com/office/drawing/2014/main" id="{50F56C6D-7226-6C71-0754-0D4DD2D2A85D}"/>
+              </a:ext>
+            </a:extLst>
+          </p:cNvPr>
+          <p:cNvPicPr>
+            <a:picLocks noChangeAspect="1"/>
+          </p:cNvPicPr>
+          <p:nvPr/>
+        </p:nvPicPr>
+        <p:blipFill>
+          <a:blip r:embed="rId6">
+            <a:alphaModFix amt="5000"/>
+            <a:extLst>
+              <a:ext uri="{BEBA8EAE-BF5A-486C-A8C5-ECC9F3942E4B}">
+                <a14:imgProps xmlns:a14="http://schemas.microsoft.com/office/drawing/2010/main">
+                  <a14:imgLayer r:embed="rId7">
+                    <a14:imgEffect>
+                      <a14:saturation sat="0"/>
+                    </a14:imgEffect>
+                  </a14:imgLayer>
+                </a14:imgProps>
+              </a:ext>
+            </a:extLst>
+          </a:blip>
+          <a:stretch>
+            <a:fillRect/>
+          </a:stretch>
+        </p:blipFill>
+        <p:spPr>
+          <a:xfrm>
+            <a:off x="11346306" y="543903"/>
+            <a:ext cx="845693" cy="772083"/>
+          </a:xfrm>
+          <a:prstGeom prst="rect">
+            <a:avLst/>
+          </a:prstGeom>
+        </p:spPr>
+      </p:pic>
+      <p:sp>
+        <p:nvSpPr>
+          <p:cNvPr id="18" name="TextBox 17">
+            <a:extLst>
+              <a:ext uri="{FF2B5EF4-FFF2-40B4-BE49-F238E27FC236}">
+                <a16:creationId xmlns:a16="http://schemas.microsoft.com/office/drawing/2014/main" id="{E2A39A4A-A627-3E1D-916F-871B9977FD82}"/>
+              </a:ext>
+            </a:extLst>
+          </p:cNvPr>
+          <p:cNvSpPr txBox="1"/>
+          <p:nvPr/>
+        </p:nvSpPr>
+        <p:spPr>
+          <a:xfrm>
+            <a:off x="-1554805" y="6884893"/>
+            <a:ext cx="6715956" cy="1200329"/>
+          </a:xfrm>
+          <a:prstGeom prst="rect">
+            <a:avLst/>
+          </a:prstGeom>
+          <a:noFill/>
+        </p:spPr>
+        <p:txBody>
+          <a:bodyPr wrap="square">
+            <a:spAutoFit/>
+          </a:bodyPr>
+          <a:lstStyle/>
+          <a:p>
+            <a:pPr algn="l">
+              <a:buFont typeface="Arial" panose="020B0604020202020204" pitchFamily="34" charset="0"/>
+              <a:buChar char="•"/>
+            </a:pPr>
+            <a:r>
+              <a:rPr lang="en-US" b="1" i="0" dirty="0">
+                <a:solidFill>
+                  <a:srgbClr val="202122"/>
+                </a:solidFill>
+                <a:effectLst/>
+                <a:latin typeface="Arial" panose="020B0604020202020204" pitchFamily="34" charset="0"/>
+              </a:rPr>
+              <a:t>Sensitivity</a:t>
+            </a:r>
+            <a:r>
+              <a:rPr lang="en-US" b="0" i="0" dirty="0">
+                <a:solidFill>
+                  <a:srgbClr val="202122"/>
+                </a:solidFill>
+                <a:effectLst/>
+                <a:latin typeface="Arial" panose="020B0604020202020204" pitchFamily="34" charset="0"/>
+              </a:rPr>
+              <a:t> (true positive rate) refers to the probability of a positive test, conditioned on truly being positive.</a:t>
+            </a:r>
+          </a:p>
+          <a:p>
+            <a:pPr algn="l">
+              <a:buFont typeface="Arial" panose="020B0604020202020204" pitchFamily="34" charset="0"/>
+              <a:buChar char="•"/>
+            </a:pPr>
+            <a:r>
+              <a:rPr lang="en-US" b="1" i="0" dirty="0">
+                <a:solidFill>
+                  <a:srgbClr val="202122"/>
+                </a:solidFill>
+                <a:effectLst/>
+                <a:latin typeface="Arial" panose="020B0604020202020204" pitchFamily="34" charset="0"/>
+              </a:rPr>
+              <a:t>Specificity</a:t>
+            </a:r>
+            <a:r>
+              <a:rPr lang="en-US" b="0" i="0" dirty="0">
+                <a:solidFill>
+                  <a:srgbClr val="202122"/>
+                </a:solidFill>
+                <a:effectLst/>
+                <a:latin typeface="Arial" panose="020B0604020202020204" pitchFamily="34" charset="0"/>
+              </a:rPr>
+              <a:t> (true negative rate) refers to the probability of a negative test, conditioned on truly being negative.</a:t>
+            </a:r>
+          </a:p>
+        </p:txBody>
+      </p:sp>
+    </p:spTree>
+    <p:extLst>
+      <p:ext uri="{BB962C8B-B14F-4D97-AF65-F5344CB8AC3E}">
+        <p14:creationId xmlns:p14="http://schemas.microsoft.com/office/powerpoint/2010/main" val="562720074"/>
+      </p:ext>
+    </p:extLst>
+  </p:cSld>
+  <p:clrMapOvr>
+    <a:masterClrMapping/>
+  </p:clrMapOvr>
+</p:sld>
+</file>
+
+<file path=ppt/slides/slide25.xml><?xml version="1.0" encoding="utf-8"?>
+<p:sld xmlns:a="http://schemas.openxmlformats.org/drawingml/2006/main" xmlns:r="http://schemas.openxmlformats.org/officeDocument/2006/relationships" xmlns:p="http://schemas.openxmlformats.org/presentationml/2006/main">
+  <p:cSld>
+    <p:spTree>
+      <p:nvGrpSpPr>
+        <p:cNvPr id="1" name=""/>
+        <p:cNvGrpSpPr/>
+        <p:nvPr/>
+      </p:nvGrpSpPr>
+      <p:grpSpPr>
+        <a:xfrm>
+          <a:off x="0" y="0"/>
+          <a:ext cx="0" cy="0"/>
+          <a:chOff x="0" y="0"/>
+          <a:chExt cx="0" cy="0"/>
+        </a:xfrm>
+      </p:grpSpPr>
+      <p:pic>
+        <p:nvPicPr>
+          <p:cNvPr id="5" name="Picture 4">
+            <a:extLst>
+              <a:ext uri="{FF2B5EF4-FFF2-40B4-BE49-F238E27FC236}">
+                <a16:creationId xmlns:a16="http://schemas.microsoft.com/office/drawing/2014/main" id="{558453F9-F3C1-EDA3-6D83-43170A158A07}"/>
+              </a:ext>
+            </a:extLst>
+          </p:cNvPr>
+          <p:cNvPicPr>
+            <a:picLocks noChangeAspect="1"/>
+          </p:cNvPicPr>
+          <p:nvPr/>
+        </p:nvPicPr>
+        <p:blipFill rotWithShape="1">
+          <a:blip r:embed="rId3"/>
+          <a:srcRect t="10770" r="84371" b="20000"/>
+          <a:stretch/>
+        </p:blipFill>
+        <p:spPr>
+          <a:xfrm>
+            <a:off x="0" y="0"/>
+            <a:ext cx="1073997" cy="1175657"/>
+          </a:xfrm>
+          <a:prstGeom prst="rect">
+            <a:avLst/>
+          </a:prstGeom>
+        </p:spPr>
+      </p:pic>
+      <p:pic>
+        <p:nvPicPr>
+          <p:cNvPr id="6" name="Picture 5">
+            <a:extLst>
+              <a:ext uri="{FF2B5EF4-FFF2-40B4-BE49-F238E27FC236}">
+                <a16:creationId xmlns:a16="http://schemas.microsoft.com/office/drawing/2014/main" id="{CE1484BB-74DC-9E65-B32D-BE5FE2E385CD}"/>
+              </a:ext>
+            </a:extLst>
+          </p:cNvPr>
+          <p:cNvPicPr>
+            <a:picLocks noChangeAspect="1"/>
+          </p:cNvPicPr>
+          <p:nvPr/>
+        </p:nvPicPr>
+        <p:blipFill rotWithShape="1">
+          <a:blip r:embed="rId3"/>
+          <a:srcRect l="15172"/>
+          <a:stretch/>
+        </p:blipFill>
+        <p:spPr>
+          <a:xfrm>
+            <a:off x="9949987" y="0"/>
+            <a:ext cx="2242014" cy="653143"/>
+          </a:xfrm>
+          <a:prstGeom prst="rect">
+            <a:avLst/>
+          </a:prstGeom>
+        </p:spPr>
+      </p:pic>
+      <p:sp>
+        <p:nvSpPr>
+          <p:cNvPr id="7" name="TextBox 6">
+            <a:extLst>
+              <a:ext uri="{FF2B5EF4-FFF2-40B4-BE49-F238E27FC236}">
+                <a16:creationId xmlns:a16="http://schemas.microsoft.com/office/drawing/2014/main" id="{9EECCCD9-8AD5-9916-BC29-771066C9EE70}"/>
+              </a:ext>
+            </a:extLst>
+          </p:cNvPr>
+          <p:cNvSpPr txBox="1"/>
+          <p:nvPr/>
+        </p:nvSpPr>
+        <p:spPr>
+          <a:xfrm>
+            <a:off x="1" y="470259"/>
+            <a:ext cx="12192000" cy="861774"/>
+          </a:xfrm>
+          <a:prstGeom prst="rect">
+            <a:avLst/>
+          </a:prstGeom>
+          <a:noFill/>
+        </p:spPr>
+        <p:txBody>
+          <a:bodyPr wrap="square" rtlCol="0">
+            <a:spAutoFit/>
+          </a:bodyPr>
+          <a:lstStyle/>
+          <a:p>
+            <a:pPr algn="ctr"/>
+            <a:r>
+              <a:rPr lang="en-US" sz="5000" b="1" dirty="0">
+                <a:solidFill>
+                  <a:srgbClr val="002060"/>
+                </a:solidFill>
+              </a:rPr>
+              <a:t>Classification Tree – Not Fully Paid</a:t>
+            </a:r>
+          </a:p>
+        </p:txBody>
+      </p:sp>
+      <p:cxnSp>
+        <p:nvCxnSpPr>
+          <p:cNvPr id="9" name="Straight Connector 8">
+            <a:extLst>
+              <a:ext uri="{FF2B5EF4-FFF2-40B4-BE49-F238E27FC236}">
+                <a16:creationId xmlns:a16="http://schemas.microsoft.com/office/drawing/2014/main" id="{450EE6D2-7381-B11A-A20A-0D5D0904DD35}"/>
+              </a:ext>
+            </a:extLst>
+          </p:cNvPr>
+          <p:cNvCxnSpPr>
+            <a:cxnSpLocks/>
+          </p:cNvCxnSpPr>
+          <p:nvPr/>
+        </p:nvCxnSpPr>
+        <p:spPr>
+          <a:xfrm>
+            <a:off x="757647" y="1332033"/>
+            <a:ext cx="10659291" cy="0"/>
+          </a:xfrm>
+          <a:prstGeom prst="line">
+            <a:avLst/>
+          </a:prstGeom>
+          <a:ln w="57150">
+            <a:solidFill>
+              <a:srgbClr val="002060"/>
+            </a:solidFill>
+          </a:ln>
+        </p:spPr>
+        <p:style>
+          <a:lnRef idx="1">
+            <a:schemeClr val="accent1"/>
+          </a:lnRef>
+          <a:fillRef idx="0">
+            <a:schemeClr val="accent1"/>
+          </a:fillRef>
+          <a:effectRef idx="0">
+            <a:schemeClr val="accent1"/>
+          </a:effectRef>
+          <a:fontRef idx="minor">
+            <a:schemeClr val="tx1"/>
+          </a:fontRef>
+        </p:style>
+      </p:cxnSp>
+      <p:pic>
+        <p:nvPicPr>
+          <p:cNvPr id="3" name="Picture 2" descr="Diagram&#10;&#10;Description automatically generated">
+            <a:extLst>
+              <a:ext uri="{FF2B5EF4-FFF2-40B4-BE49-F238E27FC236}">
+                <a16:creationId xmlns:a16="http://schemas.microsoft.com/office/drawing/2014/main" id="{01B57A88-251B-9A39-CD97-C0909F551BD7}"/>
+              </a:ext>
+            </a:extLst>
+          </p:cNvPr>
+          <p:cNvPicPr>
+            <a:picLocks noChangeAspect="1"/>
+          </p:cNvPicPr>
+          <p:nvPr/>
+        </p:nvPicPr>
+        <p:blipFill>
+          <a:blip r:embed="rId4">
+            <a:extLst>
+              <a:ext uri="{28A0092B-C50C-407E-A947-70E740481C1C}">
+                <a14:useLocalDpi xmlns:a14="http://schemas.microsoft.com/office/drawing/2010/main" val="0"/>
+              </a:ext>
+            </a:extLst>
+          </a:blip>
+          <a:stretch>
+            <a:fillRect/>
+          </a:stretch>
+        </p:blipFill>
+        <p:spPr>
+          <a:xfrm>
+            <a:off x="-1239696" y="7641434"/>
+            <a:ext cx="6400847" cy="4572033"/>
+          </a:xfrm>
+          <a:prstGeom prst="rect">
+            <a:avLst/>
+          </a:prstGeom>
+        </p:spPr>
+      </p:pic>
+      <p:sp>
+        <p:nvSpPr>
+          <p:cNvPr id="2" name="TextBox 1">
+            <a:extLst>
+              <a:ext uri="{FF2B5EF4-FFF2-40B4-BE49-F238E27FC236}">
+                <a16:creationId xmlns:a16="http://schemas.microsoft.com/office/drawing/2014/main" id="{769B97F2-949C-6AED-5947-79C707840323}"/>
+              </a:ext>
+            </a:extLst>
+          </p:cNvPr>
+          <p:cNvSpPr txBox="1"/>
+          <p:nvPr/>
+        </p:nvSpPr>
+        <p:spPr>
+          <a:xfrm>
+            <a:off x="256606" y="2187743"/>
             <a:ext cx="4465049" cy="4478149"/>
           </a:xfrm>
           <a:prstGeom prst="rect">
@@ -11089,7 +11613,7 @@
 </p:sld>
 </file>
 
-<file path=ppt/slides/slide25.xml><?xml version="1.0" encoding="utf-8"?>
+<file path=ppt/slides/slide26.xml><?xml version="1.0" encoding="utf-8"?>
 <p:sld xmlns:a="http://schemas.openxmlformats.org/drawingml/2006/main" xmlns:r="http://schemas.openxmlformats.org/officeDocument/2006/relationships" xmlns:p="http://schemas.openxmlformats.org/presentationml/2006/main">
   <p:cSld>
     <p:spTree>
@@ -11873,7 +12397,7 @@
 </p:sld>
 </file>
 
-<file path=ppt/slides/slide26.xml><?xml version="1.0" encoding="utf-8"?>
+<file path=ppt/slides/slide27.xml><?xml version="1.0" encoding="utf-8"?>
 <p:sld xmlns:a="http://schemas.openxmlformats.org/drawingml/2006/main" xmlns:r="http://schemas.openxmlformats.org/officeDocument/2006/relationships" xmlns:p="http://schemas.openxmlformats.org/presentationml/2006/main">
   <p:cSld>
     <p:bg>
@@ -14600,7 +15124,7 @@
                   <a:srgbClr val="002060"/>
                 </a:solidFill>
               </a:rPr>
-              <a:t>Simple Linear Regression – 1 of 4</a:t>
+              <a:t>Simple Linear Regression – 1 of 5</a:t>
             </a:r>
           </a:p>
         </p:txBody>
@@ -14998,7 +15522,7 @@
                   <a:srgbClr val="002060"/>
                 </a:solidFill>
               </a:rPr>
-              <a:t>Simple Linear Regression – 2 of 4</a:t>
+              <a:t>Simple Linear Regression – 2 of 5</a:t>
             </a:r>
           </a:p>
           <a:p>

--- a/Project2/EDA_LendingClub_Slides - Project 2.pptx
+++ b/Project2/EDA_LendingClub_Slides - Project 2.pptx
@@ -10202,12 +10202,168 @@
           </a:fontRef>
         </p:style>
       </p:cxnSp>
+      <p:sp>
+        <p:nvSpPr>
+          <p:cNvPr id="2" name="TextBox 1">
+            <a:extLst>
+              <a:ext uri="{FF2B5EF4-FFF2-40B4-BE49-F238E27FC236}">
+                <a16:creationId xmlns:a16="http://schemas.microsoft.com/office/drawing/2014/main" id="{769B97F2-949C-6AED-5947-79C707840323}"/>
+              </a:ext>
+            </a:extLst>
+          </p:cNvPr>
+          <p:cNvSpPr txBox="1"/>
+          <p:nvPr/>
+        </p:nvSpPr>
+        <p:spPr>
+          <a:xfrm>
+            <a:off x="256606" y="2187743"/>
+            <a:ext cx="4465049" cy="4185761"/>
+          </a:xfrm>
+          <a:prstGeom prst="rect">
+            <a:avLst/>
+          </a:prstGeom>
+          <a:noFill/>
+        </p:spPr>
+        <p:txBody>
+          <a:bodyPr wrap="square" rtlCol="0">
+            <a:spAutoFit/>
+          </a:bodyPr>
+          <a:lstStyle/>
+          <a:p>
+            <a:pPr marL="285750" indent="-285750">
+              <a:buFont typeface="Arial" panose="020B0604020202020204" pitchFamily="34" charset="0"/>
+              <a:buChar char="•"/>
+            </a:pPr>
+            <a:r>
+              <a:rPr lang="en-US" sz="1900" b="1" dirty="0"/>
+              <a:t>Tree</a:t>
+            </a:r>
+          </a:p>
+          <a:p>
+            <a:pPr marL="742950" lvl="1" indent="-285750">
+              <a:buFont typeface="Arial" panose="020B0604020202020204" pitchFamily="34" charset="0"/>
+              <a:buChar char="•"/>
+            </a:pPr>
+            <a:r>
+              <a:rPr lang="en-US" sz="1900" dirty="0"/>
+              <a:t>Three variables</a:t>
+            </a:r>
+          </a:p>
+          <a:p>
+            <a:pPr marL="742950" lvl="1" indent="-285750">
+              <a:buFont typeface="Arial" panose="020B0604020202020204" pitchFamily="34" charset="0"/>
+              <a:buChar char="•"/>
+            </a:pPr>
+            <a:r>
+              <a:rPr lang="en-US" sz="1900" dirty="0"/>
+              <a:t>4 splits</a:t>
+            </a:r>
+          </a:p>
+          <a:p>
+            <a:pPr marL="742950" lvl="1" indent="-285750">
+              <a:buFont typeface="Arial" panose="020B0604020202020204" pitchFamily="34" charset="0"/>
+              <a:buChar char="•"/>
+            </a:pPr>
+            <a:endParaRPr lang="en-US" sz="1900" dirty="0"/>
+          </a:p>
+          <a:p>
+            <a:pPr marL="285750" indent="-285750">
+              <a:buFont typeface="Arial" panose="020B0604020202020204" pitchFamily="34" charset="0"/>
+              <a:buChar char="•"/>
+            </a:pPr>
+            <a:r>
+              <a:rPr lang="en-US" sz="1900" b="1" dirty="0"/>
+              <a:t>Confusion Matrix</a:t>
+            </a:r>
+          </a:p>
+          <a:p>
+            <a:pPr marL="742950" lvl="1" indent="-285750">
+              <a:buFont typeface="Arial" panose="020B0604020202020204" pitchFamily="34" charset="0"/>
+              <a:buChar char="•"/>
+            </a:pPr>
+            <a:r>
+              <a:rPr lang="en-US" sz="1900" dirty="0"/>
+              <a:t>Sensitivity: 0.999</a:t>
+            </a:r>
+          </a:p>
+          <a:p>
+            <a:pPr marL="742950" lvl="1" indent="-285750">
+              <a:buFont typeface="Arial" panose="020B0604020202020204" pitchFamily="34" charset="0"/>
+              <a:buChar char="•"/>
+            </a:pPr>
+            <a:r>
+              <a:rPr lang="en-US" sz="1900" dirty="0"/>
+              <a:t>Specificity: 0.794</a:t>
+            </a:r>
+          </a:p>
+          <a:p>
+            <a:pPr marL="742950" lvl="1" indent="-285750">
+              <a:buFont typeface="Arial" panose="020B0604020202020204" pitchFamily="34" charset="0"/>
+              <a:buChar char="•"/>
+            </a:pPr>
+            <a:r>
+              <a:rPr lang="en-US" sz="1900" dirty="0"/>
+              <a:t>AUC: 0.900</a:t>
+            </a:r>
+          </a:p>
+          <a:p>
+            <a:pPr marL="742950" lvl="1" indent="-285750">
+              <a:buFont typeface="Arial" panose="020B0604020202020204" pitchFamily="34" charset="0"/>
+              <a:buChar char="•"/>
+            </a:pPr>
+            <a:r>
+              <a:rPr lang="en-US" sz="1900" dirty="0"/>
+              <a:t>Kappa: 0.859</a:t>
+            </a:r>
+          </a:p>
+          <a:p>
+            <a:pPr marL="285750" indent="-285750">
+              <a:buFont typeface="Arial" panose="020B0604020202020204" pitchFamily="34" charset="0"/>
+              <a:buChar char="•"/>
+            </a:pPr>
+            <a:endParaRPr lang="en-US" sz="1900" dirty="0"/>
+          </a:p>
+          <a:p>
+            <a:pPr marL="285750" indent="-285750">
+              <a:buFont typeface="Arial" panose="020B0604020202020204" pitchFamily="34" charset="0"/>
+              <a:buChar char="•"/>
+            </a:pPr>
+            <a:r>
+              <a:rPr lang="en-US" sz="1900" b="1" dirty="0"/>
+              <a:t>Predictions vs Actual</a:t>
+            </a:r>
+          </a:p>
+          <a:p>
+            <a:pPr marL="742950" lvl="1" indent="-285750">
+              <a:buFont typeface="Arial" panose="020B0604020202020204" pitchFamily="34" charset="0"/>
+              <a:buChar char="•"/>
+            </a:pPr>
+            <a:r>
+              <a:rPr lang="en-US" sz="1900" dirty="0"/>
+              <a:t>1483/1868 true negatives (Fails)</a:t>
+            </a:r>
+          </a:p>
+          <a:p>
+            <a:pPr marL="742950" lvl="1" indent="-285750">
+              <a:buFont typeface="Arial" panose="020B0604020202020204" pitchFamily="34" charset="0"/>
+              <a:buChar char="•"/>
+            </a:pPr>
+            <a:r>
+              <a:rPr lang="en-US" sz="1900" dirty="0"/>
+              <a:t>7704/7710 true positives (Meets)</a:t>
+            </a:r>
+          </a:p>
+          <a:p>
+            <a:endParaRPr lang="en-US" sz="1900" dirty="0"/>
+          </a:p>
+        </p:txBody>
+      </p:sp>
       <p:pic>
         <p:nvPicPr>
-          <p:cNvPr id="3" name="Picture 2" descr="Diagram&#10;&#10;Description automatically generated">
-            <a:extLst>
-              <a:ext uri="{FF2B5EF4-FFF2-40B4-BE49-F238E27FC236}">
-                <a16:creationId xmlns:a16="http://schemas.microsoft.com/office/drawing/2014/main" id="{01B57A88-251B-9A39-CD97-C0909F551BD7}"/>
+          <p:cNvPr id="16" name="Picture 15">
+            <a:extLst>
+              <a:ext uri="{FF2B5EF4-FFF2-40B4-BE49-F238E27FC236}">
+                <a16:creationId xmlns:a16="http://schemas.microsoft.com/office/drawing/2014/main" id="{50F56C6D-7226-6C71-0754-0D4DD2D2A85D}"/>
               </a:ext>
             </a:extLst>
           </p:cNvPr>
@@ -10218,9 +10374,16 @@
         </p:nvPicPr>
         <p:blipFill>
           <a:blip r:embed="rId4">
-            <a:extLst>
-              <a:ext uri="{28A0092B-C50C-407E-A947-70E740481C1C}">
-                <a14:useLocalDpi xmlns:a14="http://schemas.microsoft.com/office/drawing/2010/main" val="0"/>
+            <a:alphaModFix amt="5000"/>
+            <a:extLst>
+              <a:ext uri="{BEBA8EAE-BF5A-486C-A8C5-ECC9F3942E4B}">
+                <a14:imgProps xmlns:a14="http://schemas.microsoft.com/office/drawing/2010/main">
+                  <a14:imgLayer r:embed="rId5">
+                    <a14:imgEffect>
+                      <a14:saturation sat="0"/>
+                    </a14:imgEffect>
+                  </a14:imgLayer>
+                </a14:imgProps>
               </a:ext>
             </a:extLst>
           </a:blip>
@@ -10230,176 +10393,20 @@
         </p:blipFill>
         <p:spPr>
           <a:xfrm>
-            <a:off x="-1239696" y="7641434"/>
-            <a:ext cx="6400847" cy="4572033"/>
+            <a:off x="11346306" y="543903"/>
+            <a:ext cx="845693" cy="772083"/>
           </a:xfrm>
           <a:prstGeom prst="rect">
             <a:avLst/>
           </a:prstGeom>
         </p:spPr>
       </p:pic>
-      <p:sp>
-        <p:nvSpPr>
-          <p:cNvPr id="2" name="TextBox 1">
-            <a:extLst>
-              <a:ext uri="{FF2B5EF4-FFF2-40B4-BE49-F238E27FC236}">
-                <a16:creationId xmlns:a16="http://schemas.microsoft.com/office/drawing/2014/main" id="{769B97F2-949C-6AED-5947-79C707840323}"/>
-              </a:ext>
-            </a:extLst>
-          </p:cNvPr>
-          <p:cNvSpPr txBox="1"/>
-          <p:nvPr/>
-        </p:nvSpPr>
-        <p:spPr>
-          <a:xfrm>
-            <a:off x="256606" y="2187743"/>
-            <a:ext cx="4465049" cy="4185761"/>
-          </a:xfrm>
-          <a:prstGeom prst="rect">
-            <a:avLst/>
-          </a:prstGeom>
-          <a:noFill/>
-        </p:spPr>
-        <p:txBody>
-          <a:bodyPr wrap="square" rtlCol="0">
-            <a:spAutoFit/>
-          </a:bodyPr>
-          <a:lstStyle/>
-          <a:p>
-            <a:pPr marL="285750" indent="-285750">
-              <a:buFont typeface="Arial" panose="020B0604020202020204" pitchFamily="34" charset="0"/>
-              <a:buChar char="•"/>
-            </a:pPr>
-            <a:r>
-              <a:rPr lang="en-US" sz="1900" b="1" dirty="0"/>
-              <a:t>Tree</a:t>
-            </a:r>
-          </a:p>
-          <a:p>
-            <a:pPr marL="742950" lvl="1" indent="-285750">
-              <a:buFont typeface="Arial" panose="020B0604020202020204" pitchFamily="34" charset="0"/>
-              <a:buChar char="•"/>
-            </a:pPr>
-            <a:r>
-              <a:rPr lang="en-US" sz="1900" dirty="0"/>
-              <a:t>Four variables</a:t>
-            </a:r>
-          </a:p>
-          <a:p>
-            <a:pPr marL="742950" lvl="1" indent="-285750">
-              <a:buFont typeface="Arial" panose="020B0604020202020204" pitchFamily="34" charset="0"/>
-              <a:buChar char="•"/>
-            </a:pPr>
-            <a:r>
-              <a:rPr lang="en-US" sz="1900" dirty="0"/>
-              <a:t>5 splits</a:t>
-            </a:r>
-          </a:p>
-          <a:p>
-            <a:pPr marL="742950" lvl="1" indent="-285750">
-              <a:buFont typeface="Arial" panose="020B0604020202020204" pitchFamily="34" charset="0"/>
-              <a:buChar char="•"/>
-            </a:pPr>
-            <a:endParaRPr lang="en-US" sz="1900" dirty="0"/>
-          </a:p>
-          <a:p>
-            <a:pPr marL="285750" indent="-285750">
-              <a:buFont typeface="Arial" panose="020B0604020202020204" pitchFamily="34" charset="0"/>
-              <a:buChar char="•"/>
-            </a:pPr>
-            <a:r>
-              <a:rPr lang="en-US" sz="1900" b="1" dirty="0"/>
-              <a:t>Confusion Matrix</a:t>
-            </a:r>
-          </a:p>
-          <a:p>
-            <a:pPr marL="742950" lvl="1" indent="-285750">
-              <a:buFont typeface="Arial" panose="020B0604020202020204" pitchFamily="34" charset="0"/>
-              <a:buChar char="•"/>
-            </a:pPr>
-            <a:r>
-              <a:rPr lang="en-US" sz="1900" dirty="0"/>
-              <a:t>Sensitivity: 0.899</a:t>
-            </a:r>
-          </a:p>
-          <a:p>
-            <a:pPr marL="742950" lvl="1" indent="-285750">
-              <a:buFont typeface="Arial" panose="020B0604020202020204" pitchFamily="34" charset="0"/>
-              <a:buChar char="•"/>
-            </a:pPr>
-            <a:r>
-              <a:rPr lang="en-US" sz="1900" dirty="0"/>
-              <a:t>Specificity: 0.997</a:t>
-            </a:r>
-          </a:p>
-          <a:p>
-            <a:pPr marL="742950" lvl="1" indent="-285750">
-              <a:buFont typeface="Arial" panose="020B0604020202020204" pitchFamily="34" charset="0"/>
-              <a:buChar char="•"/>
-            </a:pPr>
-            <a:r>
-              <a:rPr lang="en-US" sz="1900" dirty="0"/>
-              <a:t>AUC: 0.953</a:t>
-            </a:r>
-          </a:p>
-          <a:p>
-            <a:pPr marL="742950" lvl="1" indent="-285750">
-              <a:buFont typeface="Arial" panose="020B0604020202020204" pitchFamily="34" charset="0"/>
-              <a:buChar char="•"/>
-            </a:pPr>
-            <a:r>
-              <a:rPr lang="en-US" sz="1900" dirty="0"/>
-              <a:t>Kappa: 0.926</a:t>
-            </a:r>
-          </a:p>
-          <a:p>
-            <a:pPr marL="285750" indent="-285750">
-              <a:buFont typeface="Arial" panose="020B0604020202020204" pitchFamily="34" charset="0"/>
-              <a:buChar char="•"/>
-            </a:pPr>
-            <a:endParaRPr lang="en-US" sz="1900" dirty="0"/>
-          </a:p>
-          <a:p>
-            <a:pPr marL="285750" indent="-285750">
-              <a:buFont typeface="Arial" panose="020B0604020202020204" pitchFamily="34" charset="0"/>
-              <a:buChar char="•"/>
-            </a:pPr>
-            <a:r>
-              <a:rPr lang="en-US" sz="1900" b="1" dirty="0"/>
-              <a:t>Predictions vs Actual</a:t>
-            </a:r>
-          </a:p>
-          <a:p>
-            <a:pPr marL="742950" lvl="1" indent="-285750">
-              <a:buFont typeface="Arial" panose="020B0604020202020204" pitchFamily="34" charset="0"/>
-              <a:buChar char="•"/>
-            </a:pPr>
-            <a:r>
-              <a:rPr lang="en-US" sz="1900" dirty="0"/>
-              <a:t>1677/1868 true negatives (Fails)</a:t>
-            </a:r>
-          </a:p>
-          <a:p>
-            <a:pPr marL="742950" lvl="1" indent="-285750">
-              <a:buFont typeface="Arial" panose="020B0604020202020204" pitchFamily="34" charset="0"/>
-              <a:buChar char="•"/>
-            </a:pPr>
-            <a:r>
-              <a:rPr lang="en-US" sz="1900" dirty="0"/>
-              <a:t>7686/7710 true positives (Meets)</a:t>
-            </a:r>
-          </a:p>
-          <a:p>
-            <a:endParaRPr lang="en-US" sz="1900" dirty="0"/>
-          </a:p>
-        </p:txBody>
-      </p:sp>
       <p:pic>
         <p:nvPicPr>
-          <p:cNvPr id="8" name="Picture 7" descr="Diagram&#10;&#10;Description automatically generated with medium confidence">
-            <a:extLst>
-              <a:ext uri="{FF2B5EF4-FFF2-40B4-BE49-F238E27FC236}">
-                <a16:creationId xmlns:a16="http://schemas.microsoft.com/office/drawing/2014/main" id="{62EEE40D-1127-949A-7E32-45025E7A8021}"/>
+          <p:cNvPr id="11" name="Picture 10" descr="Diagram&#10;&#10;Description automatically generated">
+            <a:extLst>
+              <a:ext uri="{FF2B5EF4-FFF2-40B4-BE49-F238E27FC236}">
+                <a16:creationId xmlns:a16="http://schemas.microsoft.com/office/drawing/2014/main" id="{81B2EDFB-BE10-2951-005A-5D89972CDD7E}"/>
               </a:ext>
             </a:extLst>
           </p:cNvPr>
@@ -10409,7 +10416,7 @@
           <p:nvPr/>
         </p:nvPicPr>
         <p:blipFill>
-          <a:blip r:embed="rId5">
+          <a:blip r:embed="rId6">
             <a:extLst>
               <a:ext uri="{28A0092B-C50C-407E-A947-70E740481C1C}">
                 <a14:useLocalDpi xmlns:a14="http://schemas.microsoft.com/office/drawing/2010/main" val="0"/>
@@ -10422,173 +10429,14 @@
         </p:blipFill>
         <p:spPr>
           <a:xfrm>
-            <a:off x="4421031" y="1391408"/>
-            <a:ext cx="7583080" cy="5416485"/>
+            <a:off x="4624552" y="1732161"/>
+            <a:ext cx="7567447" cy="4675602"/>
           </a:xfrm>
           <a:prstGeom prst="rect">
             <a:avLst/>
           </a:prstGeom>
         </p:spPr>
       </p:pic>
-      <p:sp>
-        <p:nvSpPr>
-          <p:cNvPr id="13" name="TextBox 12">
-            <a:extLst>
-              <a:ext uri="{FF2B5EF4-FFF2-40B4-BE49-F238E27FC236}">
-                <a16:creationId xmlns:a16="http://schemas.microsoft.com/office/drawing/2014/main" id="{49BAB6AF-47C0-476A-3F2B-9D5A37330C88}"/>
-              </a:ext>
-            </a:extLst>
-          </p:cNvPr>
-          <p:cNvSpPr txBox="1"/>
-          <p:nvPr/>
-        </p:nvSpPr>
-        <p:spPr>
-          <a:xfrm>
-            <a:off x="5680881" y="7827328"/>
-            <a:ext cx="6093724" cy="1200329"/>
-          </a:xfrm>
-          <a:prstGeom prst="rect">
-            <a:avLst/>
-          </a:prstGeom>
-          <a:noFill/>
-        </p:spPr>
-        <p:txBody>
-          <a:bodyPr wrap="square">
-            <a:spAutoFit/>
-          </a:bodyPr>
-          <a:lstStyle/>
-          <a:p>
-            <a:r>
-              <a:rPr lang="en-US" dirty="0"/>
-              <a:t>The kappa coefficient measures the agreement between classification and truth values. A kappa value of 1 represents perfect agreement, while a value of 0 represents no agreement.</a:t>
-            </a:r>
-          </a:p>
-        </p:txBody>
-      </p:sp>
-      <p:pic>
-        <p:nvPicPr>
-          <p:cNvPr id="16" name="Picture 15">
-            <a:extLst>
-              <a:ext uri="{FF2B5EF4-FFF2-40B4-BE49-F238E27FC236}">
-                <a16:creationId xmlns:a16="http://schemas.microsoft.com/office/drawing/2014/main" id="{50F56C6D-7226-6C71-0754-0D4DD2D2A85D}"/>
-              </a:ext>
-            </a:extLst>
-          </p:cNvPr>
-          <p:cNvPicPr>
-            <a:picLocks noChangeAspect="1"/>
-          </p:cNvPicPr>
-          <p:nvPr/>
-        </p:nvPicPr>
-        <p:blipFill>
-          <a:blip r:embed="rId6">
-            <a:alphaModFix amt="5000"/>
-            <a:extLst>
-              <a:ext uri="{BEBA8EAE-BF5A-486C-A8C5-ECC9F3942E4B}">
-                <a14:imgProps xmlns:a14="http://schemas.microsoft.com/office/drawing/2010/main">
-                  <a14:imgLayer r:embed="rId7">
-                    <a14:imgEffect>
-                      <a14:saturation sat="0"/>
-                    </a14:imgEffect>
-                  </a14:imgLayer>
-                </a14:imgProps>
-              </a:ext>
-            </a:extLst>
-          </a:blip>
-          <a:stretch>
-            <a:fillRect/>
-          </a:stretch>
-        </p:blipFill>
-        <p:spPr>
-          <a:xfrm>
-            <a:off x="11346306" y="543903"/>
-            <a:ext cx="845693" cy="772083"/>
-          </a:xfrm>
-          <a:prstGeom prst="rect">
-            <a:avLst/>
-          </a:prstGeom>
-        </p:spPr>
-      </p:pic>
-      <p:sp>
-        <p:nvSpPr>
-          <p:cNvPr id="18" name="TextBox 17">
-            <a:extLst>
-              <a:ext uri="{FF2B5EF4-FFF2-40B4-BE49-F238E27FC236}">
-                <a16:creationId xmlns:a16="http://schemas.microsoft.com/office/drawing/2014/main" id="{E2A39A4A-A627-3E1D-916F-871B9977FD82}"/>
-              </a:ext>
-            </a:extLst>
-          </p:cNvPr>
-          <p:cNvSpPr txBox="1"/>
-          <p:nvPr/>
-        </p:nvSpPr>
-        <p:spPr>
-          <a:xfrm>
-            <a:off x="-1554805" y="6884893"/>
-            <a:ext cx="6715956" cy="1200329"/>
-          </a:xfrm>
-          <a:prstGeom prst="rect">
-            <a:avLst/>
-          </a:prstGeom>
-          <a:noFill/>
-        </p:spPr>
-        <p:txBody>
-          <a:bodyPr wrap="square">
-            <a:spAutoFit/>
-          </a:bodyPr>
-          <a:lstStyle/>
-          <a:p>
-            <a:pPr algn="l">
-              <a:buFont typeface="Arial" panose="020B0604020202020204" pitchFamily="34" charset="0"/>
-              <a:buChar char="•"/>
-            </a:pPr>
-            <a:r>
-              <a:rPr lang="en-US" b="1" i="0" dirty="0">
-                <a:solidFill>
-                  <a:srgbClr val="202122"/>
-                </a:solidFill>
-                <a:effectLst/>
-                <a:latin typeface="Arial" panose="020B0604020202020204" pitchFamily="34" charset="0"/>
-              </a:rPr>
-              <a:t>Sensitivity</a:t>
-            </a:r>
-            <a:r>
-              <a:rPr lang="en-US" b="0" i="0" dirty="0">
-                <a:solidFill>
-                  <a:srgbClr val="202122"/>
-                </a:solidFill>
-                <a:effectLst/>
-                <a:latin typeface="Arial" panose="020B0604020202020204" pitchFamily="34" charset="0"/>
-              </a:rPr>
-              <a:t> (true positive rate) refers to the probability of a positive test, conditioned on truly being positive.</a:t>
-            </a:r>
-          </a:p>
-          <a:p>
-            <a:pPr algn="l">
-              <a:buFont typeface="Arial" panose="020B0604020202020204" pitchFamily="34" charset="0"/>
-              <a:buChar char="•"/>
-            </a:pPr>
-            <a:r>
-              <a:rPr lang="en-US" b="1" i="0" dirty="0">
-                <a:solidFill>
-                  <a:srgbClr val="202122"/>
-                </a:solidFill>
-                <a:effectLst/>
-                <a:latin typeface="Arial" panose="020B0604020202020204" pitchFamily="34" charset="0"/>
-              </a:rPr>
-              <a:t>Specificity</a:t>
-            </a:r>
-            <a:r>
-              <a:rPr lang="en-US" b="0" i="0" dirty="0">
-                <a:solidFill>
-                  <a:srgbClr val="202122"/>
-                </a:solidFill>
-                <a:effectLst/>
-                <a:latin typeface="Arial" panose="020B0604020202020204" pitchFamily="34" charset="0"/>
-              </a:rPr>
-              <a:t> (true negative rate) refers to the probability of a negative test, conditioned on truly being negative.</a:t>
-            </a:r>
-          </a:p>
-        </p:txBody>
-      </p:sp>
     </p:spTree>
     <p:extLst>
       <p:ext uri="{BB962C8B-B14F-4D97-AF65-F5344CB8AC3E}">
@@ -10760,12 +10608,178 @@
           </a:fontRef>
         </p:style>
       </p:cxnSp>
+      <p:sp>
+        <p:nvSpPr>
+          <p:cNvPr id="2" name="TextBox 1">
+            <a:extLst>
+              <a:ext uri="{FF2B5EF4-FFF2-40B4-BE49-F238E27FC236}">
+                <a16:creationId xmlns:a16="http://schemas.microsoft.com/office/drawing/2014/main" id="{769B97F2-949C-6AED-5947-79C707840323}"/>
+              </a:ext>
+            </a:extLst>
+          </p:cNvPr>
+          <p:cNvSpPr txBox="1"/>
+          <p:nvPr/>
+        </p:nvSpPr>
+        <p:spPr>
+          <a:xfrm>
+            <a:off x="256606" y="2187743"/>
+            <a:ext cx="4465049" cy="4478149"/>
+          </a:xfrm>
+          <a:prstGeom prst="rect">
+            <a:avLst/>
+          </a:prstGeom>
+          <a:noFill/>
+        </p:spPr>
+        <p:txBody>
+          <a:bodyPr wrap="square" rtlCol="0">
+            <a:spAutoFit/>
+          </a:bodyPr>
+          <a:lstStyle/>
+          <a:p>
+            <a:pPr marL="285750" indent="-285750">
+              <a:buFont typeface="Arial" panose="020B0604020202020204" pitchFamily="34" charset="0"/>
+              <a:buChar char="•"/>
+            </a:pPr>
+            <a:r>
+              <a:rPr lang="en-US" sz="1900" b="1" dirty="0"/>
+              <a:t>Tree</a:t>
+            </a:r>
+          </a:p>
+          <a:p>
+            <a:pPr marL="742950" lvl="1" indent="-285750">
+              <a:buFont typeface="Arial" panose="020B0604020202020204" pitchFamily="34" charset="0"/>
+              <a:buChar char="•"/>
+            </a:pPr>
+            <a:r>
+              <a:rPr lang="en-US" sz="1900" dirty="0"/>
+              <a:t>CP forced to .001</a:t>
+            </a:r>
+          </a:p>
+          <a:p>
+            <a:pPr marL="742950" lvl="1" indent="-285750">
+              <a:buFont typeface="Arial" panose="020B0604020202020204" pitchFamily="34" charset="0"/>
+              <a:buChar char="•"/>
+            </a:pPr>
+            <a:r>
+              <a:rPr lang="en-US" sz="1900" dirty="0"/>
+              <a:t>Four variables</a:t>
+            </a:r>
+          </a:p>
+          <a:p>
+            <a:pPr marL="742950" lvl="1" indent="-285750">
+              <a:buFont typeface="Arial" panose="020B0604020202020204" pitchFamily="34" charset="0"/>
+              <a:buChar char="•"/>
+            </a:pPr>
+            <a:r>
+              <a:rPr lang="en-US" sz="1900" dirty="0"/>
+              <a:t>4 splits</a:t>
+            </a:r>
+          </a:p>
+          <a:p>
+            <a:pPr marL="742950" lvl="1" indent="-285750">
+              <a:buFont typeface="Arial" panose="020B0604020202020204" pitchFamily="34" charset="0"/>
+              <a:buChar char="•"/>
+            </a:pPr>
+            <a:endParaRPr lang="en-US" sz="1900" dirty="0"/>
+          </a:p>
+          <a:p>
+            <a:pPr marL="285750" indent="-285750">
+              <a:buFont typeface="Arial" panose="020B0604020202020204" pitchFamily="34" charset="0"/>
+              <a:buChar char="•"/>
+            </a:pPr>
+            <a:r>
+              <a:rPr lang="en-US" sz="1900" b="1" dirty="0"/>
+              <a:t>Confusion Matrix</a:t>
+            </a:r>
+          </a:p>
+          <a:p>
+            <a:pPr marL="742950" lvl="1" indent="-285750">
+              <a:buFont typeface="Arial" panose="020B0604020202020204" pitchFamily="34" charset="0"/>
+              <a:buChar char="•"/>
+            </a:pPr>
+            <a:r>
+              <a:rPr lang="en-US" sz="1900" dirty="0"/>
+              <a:t>Sensitivity: 0.999</a:t>
+            </a:r>
+          </a:p>
+          <a:p>
+            <a:pPr marL="742950" lvl="1" indent="-285750">
+              <a:buFont typeface="Arial" panose="020B0604020202020204" pitchFamily="34" charset="0"/>
+              <a:buChar char="•"/>
+            </a:pPr>
+            <a:r>
+              <a:rPr lang="en-US" sz="1900" dirty="0"/>
+              <a:t>Specificity: 0.013</a:t>
+            </a:r>
+          </a:p>
+          <a:p>
+            <a:pPr marL="742950" lvl="1" indent="-285750">
+              <a:buFont typeface="Arial" panose="020B0604020202020204" pitchFamily="34" charset="0"/>
+              <a:buChar char="•"/>
+            </a:pPr>
+            <a:r>
+              <a:rPr lang="en-US" sz="1900" dirty="0"/>
+              <a:t>AUC: 0.59</a:t>
+            </a:r>
+          </a:p>
+          <a:p>
+            <a:pPr marL="742950" lvl="1" indent="-285750">
+              <a:buFont typeface="Arial" panose="020B0604020202020204" pitchFamily="34" charset="0"/>
+              <a:buChar char="•"/>
+            </a:pPr>
+            <a:r>
+              <a:rPr lang="en-US" sz="1900" dirty="0"/>
+              <a:t>Kappa: 0.019</a:t>
+            </a:r>
+          </a:p>
+          <a:p>
+            <a:pPr marL="285750" indent="-285750">
+              <a:buFont typeface="Arial" panose="020B0604020202020204" pitchFamily="34" charset="0"/>
+              <a:buChar char="•"/>
+            </a:pPr>
+            <a:endParaRPr lang="en-US" sz="1900" dirty="0"/>
+          </a:p>
+          <a:p>
+            <a:pPr marL="285750" indent="-285750">
+              <a:buFont typeface="Arial" panose="020B0604020202020204" pitchFamily="34" charset="0"/>
+              <a:buChar char="•"/>
+            </a:pPr>
+            <a:r>
+              <a:rPr lang="en-US" sz="1900" b="1" dirty="0"/>
+              <a:t>Predictions vs Actual</a:t>
+            </a:r>
+          </a:p>
+          <a:p>
+            <a:pPr marL="742950" lvl="1" indent="-285750">
+              <a:buFont typeface="Arial" panose="020B0604020202020204" pitchFamily="34" charset="0"/>
+              <a:buChar char="•"/>
+            </a:pPr>
+            <a:r>
+              <a:rPr lang="en-US" sz="1900" dirty="0"/>
+              <a:t>8034/8045 true negatives (Paid)</a:t>
+            </a:r>
+          </a:p>
+          <a:p>
+            <a:pPr marL="742950" lvl="1" indent="-285750">
+              <a:buFont typeface="Arial" panose="020B0604020202020204" pitchFamily="34" charset="0"/>
+              <a:buChar char="•"/>
+            </a:pPr>
+            <a:r>
+              <a:rPr lang="en-US" sz="1900" dirty="0"/>
+              <a:t>20/1533 true positives (Unpaid)</a:t>
+            </a:r>
+          </a:p>
+          <a:p>
+            <a:endParaRPr lang="en-US" sz="1900" dirty="0"/>
+          </a:p>
+        </p:txBody>
+      </p:sp>
       <p:pic>
         <p:nvPicPr>
-          <p:cNvPr id="3" name="Picture 2" descr="Diagram&#10;&#10;Description automatically generated">
-            <a:extLst>
-              <a:ext uri="{FF2B5EF4-FFF2-40B4-BE49-F238E27FC236}">
-                <a16:creationId xmlns:a16="http://schemas.microsoft.com/office/drawing/2014/main" id="{01B57A88-251B-9A39-CD97-C0909F551BD7}"/>
+          <p:cNvPr id="10" name="Picture 9" descr="Diagram&#10;&#10;Description automatically generated">
+            <a:extLst>
+              <a:ext uri="{FF2B5EF4-FFF2-40B4-BE49-F238E27FC236}">
+                <a16:creationId xmlns:a16="http://schemas.microsoft.com/office/drawing/2014/main" id="{0283BF2E-A5A2-36CC-3357-79E13565A520}"/>
               </a:ext>
             </a:extLst>
           </p:cNvPr>
@@ -10788,243 +10802,6 @@
         </p:blipFill>
         <p:spPr>
           <a:xfrm>
-            <a:off x="-1239696" y="7641434"/>
-            <a:ext cx="6400847" cy="4572033"/>
-          </a:xfrm>
-          <a:prstGeom prst="rect">
-            <a:avLst/>
-          </a:prstGeom>
-        </p:spPr>
-      </p:pic>
-      <p:sp>
-        <p:nvSpPr>
-          <p:cNvPr id="2" name="TextBox 1">
-            <a:extLst>
-              <a:ext uri="{FF2B5EF4-FFF2-40B4-BE49-F238E27FC236}">
-                <a16:creationId xmlns:a16="http://schemas.microsoft.com/office/drawing/2014/main" id="{769B97F2-949C-6AED-5947-79C707840323}"/>
-              </a:ext>
-            </a:extLst>
-          </p:cNvPr>
-          <p:cNvSpPr txBox="1"/>
-          <p:nvPr/>
-        </p:nvSpPr>
-        <p:spPr>
-          <a:xfrm>
-            <a:off x="256606" y="2187743"/>
-            <a:ext cx="4465049" cy="4478149"/>
-          </a:xfrm>
-          <a:prstGeom prst="rect">
-            <a:avLst/>
-          </a:prstGeom>
-          <a:noFill/>
-        </p:spPr>
-        <p:txBody>
-          <a:bodyPr wrap="square" rtlCol="0">
-            <a:spAutoFit/>
-          </a:bodyPr>
-          <a:lstStyle/>
-          <a:p>
-            <a:pPr marL="285750" indent="-285750">
-              <a:buFont typeface="Arial" panose="020B0604020202020204" pitchFamily="34" charset="0"/>
-              <a:buChar char="•"/>
-            </a:pPr>
-            <a:r>
-              <a:rPr lang="en-US" sz="1900" b="1" dirty="0"/>
-              <a:t>Tree</a:t>
-            </a:r>
-          </a:p>
-          <a:p>
-            <a:pPr marL="742950" lvl="1" indent="-285750">
-              <a:buFont typeface="Arial" panose="020B0604020202020204" pitchFamily="34" charset="0"/>
-              <a:buChar char="•"/>
-            </a:pPr>
-            <a:r>
-              <a:rPr lang="en-US" sz="1900" dirty="0"/>
-              <a:t>CP forced to .001</a:t>
-            </a:r>
-          </a:p>
-          <a:p>
-            <a:pPr marL="742950" lvl="1" indent="-285750">
-              <a:buFont typeface="Arial" panose="020B0604020202020204" pitchFamily="34" charset="0"/>
-              <a:buChar char="•"/>
-            </a:pPr>
-            <a:r>
-              <a:rPr lang="en-US" sz="1900" dirty="0"/>
-              <a:t>Four variables</a:t>
-            </a:r>
-          </a:p>
-          <a:p>
-            <a:pPr marL="742950" lvl="1" indent="-285750">
-              <a:buFont typeface="Arial" panose="020B0604020202020204" pitchFamily="34" charset="0"/>
-              <a:buChar char="•"/>
-            </a:pPr>
-            <a:r>
-              <a:rPr lang="en-US" sz="1900" dirty="0"/>
-              <a:t>4 splits</a:t>
-            </a:r>
-          </a:p>
-          <a:p>
-            <a:pPr marL="742950" lvl="1" indent="-285750">
-              <a:buFont typeface="Arial" panose="020B0604020202020204" pitchFamily="34" charset="0"/>
-              <a:buChar char="•"/>
-            </a:pPr>
-            <a:endParaRPr lang="en-US" sz="1900" dirty="0"/>
-          </a:p>
-          <a:p>
-            <a:pPr marL="285750" indent="-285750">
-              <a:buFont typeface="Arial" panose="020B0604020202020204" pitchFamily="34" charset="0"/>
-              <a:buChar char="•"/>
-            </a:pPr>
-            <a:r>
-              <a:rPr lang="en-US" sz="1900" b="1" dirty="0"/>
-              <a:t>Confusion Matrix</a:t>
-            </a:r>
-          </a:p>
-          <a:p>
-            <a:pPr marL="742950" lvl="1" indent="-285750">
-              <a:buFont typeface="Arial" panose="020B0604020202020204" pitchFamily="34" charset="0"/>
-              <a:buChar char="•"/>
-            </a:pPr>
-            <a:r>
-              <a:rPr lang="en-US" sz="1900" dirty="0"/>
-              <a:t>Sensitivity: 0.999</a:t>
-            </a:r>
-          </a:p>
-          <a:p>
-            <a:pPr marL="742950" lvl="1" indent="-285750">
-              <a:buFont typeface="Arial" panose="020B0604020202020204" pitchFamily="34" charset="0"/>
-              <a:buChar char="•"/>
-            </a:pPr>
-            <a:r>
-              <a:rPr lang="en-US" sz="1900" dirty="0"/>
-              <a:t>Specificity: 0.013</a:t>
-            </a:r>
-          </a:p>
-          <a:p>
-            <a:pPr marL="742950" lvl="1" indent="-285750">
-              <a:buFont typeface="Arial" panose="020B0604020202020204" pitchFamily="34" charset="0"/>
-              <a:buChar char="•"/>
-            </a:pPr>
-            <a:r>
-              <a:rPr lang="en-US" sz="1900" dirty="0"/>
-              <a:t>AUC: 0.59</a:t>
-            </a:r>
-          </a:p>
-          <a:p>
-            <a:pPr marL="742950" lvl="1" indent="-285750">
-              <a:buFont typeface="Arial" panose="020B0604020202020204" pitchFamily="34" charset="0"/>
-              <a:buChar char="•"/>
-            </a:pPr>
-            <a:r>
-              <a:rPr lang="en-US" sz="1900" dirty="0"/>
-              <a:t>Kappa: 0.019</a:t>
-            </a:r>
-          </a:p>
-          <a:p>
-            <a:pPr marL="285750" indent="-285750">
-              <a:buFont typeface="Arial" panose="020B0604020202020204" pitchFamily="34" charset="0"/>
-              <a:buChar char="•"/>
-            </a:pPr>
-            <a:endParaRPr lang="en-US" sz="1900" dirty="0"/>
-          </a:p>
-          <a:p>
-            <a:pPr marL="285750" indent="-285750">
-              <a:buFont typeface="Arial" panose="020B0604020202020204" pitchFamily="34" charset="0"/>
-              <a:buChar char="•"/>
-            </a:pPr>
-            <a:r>
-              <a:rPr lang="en-US" sz="1900" b="1" dirty="0"/>
-              <a:t>Predictions vs Actual</a:t>
-            </a:r>
-          </a:p>
-          <a:p>
-            <a:pPr marL="742950" lvl="1" indent="-285750">
-              <a:buFont typeface="Arial" panose="020B0604020202020204" pitchFamily="34" charset="0"/>
-              <a:buChar char="•"/>
-            </a:pPr>
-            <a:r>
-              <a:rPr lang="en-US" sz="1900" dirty="0"/>
-              <a:t>8034/8045 true negatives (Paid)</a:t>
-            </a:r>
-          </a:p>
-          <a:p>
-            <a:pPr marL="742950" lvl="1" indent="-285750">
-              <a:buFont typeface="Arial" panose="020B0604020202020204" pitchFamily="34" charset="0"/>
-              <a:buChar char="•"/>
-            </a:pPr>
-            <a:r>
-              <a:rPr lang="en-US" sz="1900" dirty="0"/>
-              <a:t>20/1533 true positives (Unpaid)</a:t>
-            </a:r>
-          </a:p>
-          <a:p>
-            <a:endParaRPr lang="en-US" sz="1900" dirty="0"/>
-          </a:p>
-        </p:txBody>
-      </p:sp>
-      <p:sp>
-        <p:nvSpPr>
-          <p:cNvPr id="13" name="TextBox 12">
-            <a:extLst>
-              <a:ext uri="{FF2B5EF4-FFF2-40B4-BE49-F238E27FC236}">
-                <a16:creationId xmlns:a16="http://schemas.microsoft.com/office/drawing/2014/main" id="{49BAB6AF-47C0-476A-3F2B-9D5A37330C88}"/>
-              </a:ext>
-            </a:extLst>
-          </p:cNvPr>
-          <p:cNvSpPr txBox="1"/>
-          <p:nvPr/>
-        </p:nvSpPr>
-        <p:spPr>
-          <a:xfrm>
-            <a:off x="5680881" y="7827328"/>
-            <a:ext cx="6093724" cy="1200329"/>
-          </a:xfrm>
-          <a:prstGeom prst="rect">
-            <a:avLst/>
-          </a:prstGeom>
-          <a:noFill/>
-        </p:spPr>
-        <p:txBody>
-          <a:bodyPr wrap="square">
-            <a:spAutoFit/>
-          </a:bodyPr>
-          <a:lstStyle/>
-          <a:p>
-            <a:r>
-              <a:rPr lang="en-US" dirty="0"/>
-              <a:t>The kappa coefficient measures the agreement between classification and truth values. A kappa value of 1 represents perfect agreement, while a value of 0 represents no agreement.</a:t>
-            </a:r>
-          </a:p>
-        </p:txBody>
-      </p:sp>
-      <p:pic>
-        <p:nvPicPr>
-          <p:cNvPr id="10" name="Picture 9" descr="Diagram&#10;&#10;Description automatically generated">
-            <a:extLst>
-              <a:ext uri="{FF2B5EF4-FFF2-40B4-BE49-F238E27FC236}">
-                <a16:creationId xmlns:a16="http://schemas.microsoft.com/office/drawing/2014/main" id="{0283BF2E-A5A2-36CC-3357-79E13565A520}"/>
-              </a:ext>
-            </a:extLst>
-          </p:cNvPr>
-          <p:cNvPicPr>
-            <a:picLocks noChangeAspect="1"/>
-          </p:cNvPicPr>
-          <p:nvPr/>
-        </p:nvPicPr>
-        <p:blipFill>
-          <a:blip r:embed="rId5">
-            <a:extLst>
-              <a:ext uri="{28A0092B-C50C-407E-A947-70E740481C1C}">
-                <a14:useLocalDpi xmlns:a14="http://schemas.microsoft.com/office/drawing/2010/main" val="0"/>
-              </a:ext>
-            </a:extLst>
-          </a:blip>
-          <a:stretch>
-            <a:fillRect/>
-          </a:stretch>
-        </p:blipFill>
-        <p:spPr>
-          <a:xfrm>
             <a:off x="4845661" y="1497882"/>
             <a:ext cx="7346339" cy="5247384"/>
           </a:xfrm>
@@ -11048,12 +10825,12 @@
           <p:nvPr/>
         </p:nvPicPr>
         <p:blipFill>
-          <a:blip r:embed="rId6">
+          <a:blip r:embed="rId5">
             <a:alphaModFix amt="5000"/>
             <a:extLst>
               <a:ext uri="{BEBA8EAE-BF5A-486C-A8C5-ECC9F3942E4B}">
                 <a14:imgProps xmlns:a14="http://schemas.microsoft.com/office/drawing/2010/main">
-                  <a14:imgLayer r:embed="rId7">
+                  <a14:imgLayer r:embed="rId6">
                     <a14:imgEffect>
                       <a14:saturation sat="0"/>
                     </a14:imgEffect>

--- a/Project2/EDA_LendingClub_Slides - Project 2.pptx
+++ b/Project2/EDA_LendingClub_Slides - Project 2.pptx
@@ -30,8 +30,8 @@
     <p:sldId id="308" r:id="rId21"/>
     <p:sldId id="309" r:id="rId22"/>
     <p:sldId id="301" r:id="rId23"/>
-    <p:sldId id="297" r:id="rId24"/>
-    <p:sldId id="315" r:id="rId25"/>
+    <p:sldId id="316" r:id="rId24"/>
+    <p:sldId id="317" r:id="rId25"/>
     <p:sldId id="268" r:id="rId26"/>
     <p:sldId id="263" r:id="rId27"/>
   </p:sldIdLst>
@@ -1230,6 +1230,30 @@
             </a:r>
           </a:p>
           <a:p>
+            <a:r>
+              <a:rPr lang="en-US" dirty="0"/>
+              <a:t>So you can see that our tree first split the data by number of inquires in the last 6 months, with the threshold here being greater than or equal to 4. Unsurprisingly, loans with four or more inquiries, require a higher FICO score to meet the credit policy. You can see that loans with four or more inquiries AND a FICO score lower than 740 will almost certainly fail to meet the credit policy. </a:t>
+            </a:r>
+          </a:p>
+          <a:p>
+            <a:endParaRPr lang="en-US" dirty="0"/>
+          </a:p>
+          <a:p>
+            <a:r>
+              <a:rPr lang="en-US" dirty="0"/>
+              <a:t>We can see the difference in the requirements for FICO scores when looking at the other side of our tree. A borrower with a FICO score of only 661 or higher will probably meet the credit policy if accompanied by fewer than 4 inquiries in the last 6 months. This also indicates that a FICO score of 660 or lower will almost certainly fail to meet the credit policy regardless of the number of inquiries.</a:t>
+            </a:r>
+          </a:p>
+          <a:p>
+            <a:endParaRPr lang="en-US" dirty="0"/>
+          </a:p>
+          <a:p>
+            <a:r>
+              <a:rPr lang="en-US" dirty="0"/>
+              <a:t>From there, we can see that an established credit history (defined as 1110 days or more here; or about 3 years) is required to meet the credit policy, and that a revolving balance of about $115,000 or lower is more likely to meet the credit policy. </a:t>
+            </a:r>
+          </a:p>
+          <a:p>
             <a:endParaRPr lang="en-US" dirty="0"/>
           </a:p>
           <a:p>
@@ -1241,34 +1265,40 @@
           <a:p>
             <a:r>
               <a:rPr lang="en-US" dirty="0"/>
-              <a:t>The sensitivity value indicates the test can fairly reliably detect loans that meet the credit policy</a:t>
-            </a:r>
-          </a:p>
-          <a:p>
+              <a:t>By examining some of the statistics and the confusion matrix for our classification tree, we can see that this model/test is favorable model to move forward with. </a:t>
+            </a:r>
+          </a:p>
+          <a:p>
+            <a:pPr marL="628650" lvl="1" indent="-171450">
+              <a:buFont typeface="Arial" panose="020B0604020202020204" pitchFamily="34" charset="0"/>
+              <a:buChar char="•"/>
+            </a:pPr>
             <a:r>
               <a:rPr lang="en-US" dirty="0"/>
-              <a:t>The specificity value indicates the test can fairly reliably detect loans that fail to meet the </a:t>
-            </a:r>
-            <a:r>
-              <a:rPr lang="en-US"/>
-              <a:t>credit policy</a:t>
-            </a:r>
+              <a:t>The sensitivity and specificity values indicate the test can fairly reliably detect loans that meet and fail to meet the credit policy. Combined with the high area under the ROC curve value, we can tell that we have a favorable, high arching, ROC curve and model. </a:t>
+            </a:r>
+          </a:p>
+          <a:p>
+            <a:pPr marL="628650" lvl="1" indent="-171450">
+              <a:buFont typeface="Arial" panose="020B0604020202020204" pitchFamily="34" charset="0"/>
+              <a:buChar char="•"/>
+            </a:pPr>
+            <a:r>
+              <a:rPr lang="en-US" dirty="0"/>
+              <a:t>The very high kappa value of .926 suggests there is a high degree of agreement between the predictions and the actual values. </a:t>
+            </a:r>
+          </a:p>
+          <a:p>
             <a:endParaRPr lang="en-US" dirty="0"/>
           </a:p>
           <a:p>
+            <a:endParaRPr lang="en-US" dirty="0"/>
+          </a:p>
+          <a:p>
             <a:r>
               <a:rPr lang="en-US" dirty="0"/>
-              <a:t>These high values, as well as the high area under the ROC curve value, indicate a favorable ROC curve and a favorable model. The very high kappa value of .926 suggests there is a high degree of agreement between the predicted values and the actual values. </a:t>
-            </a:r>
-          </a:p>
-          <a:p>
-            <a:endParaRPr lang="en-US" dirty="0"/>
-          </a:p>
-          <a:p>
-            <a:endParaRPr lang="en-US" dirty="0"/>
-          </a:p>
-          <a:p>
-            <a:endParaRPr lang="en-US" dirty="0"/>
+              <a:t>‘Meets’ is TRUE/POSITIVE, specificity</a:t>
+            </a:r>
           </a:p>
           <a:p>
             <a:pPr algn="l">
@@ -1293,7 +1323,7 @@
                 <a:effectLst/>
                 <a:latin typeface="Arial" panose="020B0604020202020204" pitchFamily="34" charset="0"/>
               </a:rPr>
-              <a:t> (true positive rate) refers to the probability of a positive test, conditioned on truly being positive.</a:t>
+              <a:t> (true positive rate; y-axis) refers to the probability of a positive test, conditioned on truly being positive.</a:t>
             </a:r>
           </a:p>
           <a:p>
@@ -1319,14 +1349,208 @@
                 <a:effectLst/>
                 <a:latin typeface="Arial" panose="020B0604020202020204" pitchFamily="34" charset="0"/>
               </a:rPr>
-              <a:t> (true negative rate) refers to the probability of a negative test, conditioned on truly being negative.</a:t>
-            </a:r>
-          </a:p>
-          <a:p>
-            <a:endParaRPr lang="en-US" dirty="0"/>
-          </a:p>
-          <a:p>
-            <a:endParaRPr lang="en-US" dirty="0"/>
+              <a:t> (true negative rate; x-axis) refers to the probability of a negative test, conditioned on truly being negative.</a:t>
+            </a:r>
+            <a:endParaRPr lang="en-US" b="0" i="0" dirty="0">
+              <a:solidFill>
+                <a:schemeClr val="tx1"/>
+              </a:solidFill>
+              <a:effectLst/>
+              <a:latin typeface="+mn-lt"/>
+            </a:endParaRPr>
+          </a:p>
+          <a:p>
+            <a:pPr algn="l">
+              <a:buFont typeface="Arial" panose="020B0604020202020204" pitchFamily="34" charset="0"/>
+              <a:buChar char="•"/>
+            </a:pPr>
+            <a:r>
+              <a:rPr lang="en-US" b="1" i="0" dirty="0">
+                <a:solidFill>
+                  <a:srgbClr val="202122"/>
+                </a:solidFill>
+                <a:effectLst/>
+                <a:latin typeface="Arial" panose="020B0604020202020204" pitchFamily="34" charset="0"/>
+              </a:rPr>
+              <a:t>Kappa</a:t>
+            </a:r>
+            <a:r>
+              <a:rPr lang="en-US" b="0" i="0" dirty="0">
+                <a:solidFill>
+                  <a:srgbClr val="202122"/>
+                </a:solidFill>
+                <a:effectLst/>
+                <a:latin typeface="Arial" panose="020B0604020202020204" pitchFamily="34" charset="0"/>
+              </a:rPr>
+              <a:t> </a:t>
+            </a:r>
+            <a:r>
+              <a:rPr lang="en-US" dirty="0"/>
+              <a:t>coefficient measures the agreement between classification and truth values. A kappa value of 1 represents perfect agreement, while a value of 0 represents no agreement.</a:t>
+            </a:r>
+          </a:p>
+          <a:p>
+            <a:endParaRPr lang="en-US" b="1" dirty="0"/>
+          </a:p>
+          <a:p>
+            <a:pPr algn="l">
+              <a:buFont typeface="Arial" panose="020B0604020202020204" pitchFamily="34" charset="0"/>
+              <a:buChar char="•"/>
+            </a:pPr>
+            <a:r>
+              <a:rPr lang="en-US" b="1" i="0" dirty="0" err="1">
+                <a:effectLst/>
+                <a:latin typeface="Inter"/>
+              </a:rPr>
+              <a:t>credit.policy</a:t>
+            </a:r>
+            <a:r>
+              <a:rPr lang="en-US" b="1" i="0" dirty="0">
+                <a:effectLst/>
+                <a:latin typeface="Inter"/>
+              </a:rPr>
+              <a:t>: </a:t>
+            </a:r>
+            <a:r>
+              <a:rPr lang="en-US" b="0" i="0" dirty="0">
+                <a:effectLst/>
+                <a:latin typeface="Inter"/>
+              </a:rPr>
+              <a:t>1 if the customer meets the credit underwriting criteria of LendingClub.com, and 0 otherwise.</a:t>
+            </a:r>
+          </a:p>
+          <a:p>
+            <a:pPr marL="0" marR="0" lvl="0" indent="0" algn="l" defTabSz="914400" rtl="0" eaLnBrk="1" fontAlgn="auto" latinLnBrk="0" hangingPunct="1">
+              <a:lnSpc>
+                <a:spcPct val="100000"/>
+              </a:lnSpc>
+              <a:spcBef>
+                <a:spcPts val="0"/>
+              </a:spcBef>
+              <a:spcAft>
+                <a:spcPts val="0"/>
+              </a:spcAft>
+              <a:buClrTx/>
+              <a:buSzTx/>
+              <a:buFont typeface="Arial" panose="020B0604020202020204" pitchFamily="34" charset="0"/>
+              <a:buChar char="•"/>
+              <a:tabLst/>
+              <a:defRPr/>
+            </a:pPr>
+            <a:r>
+              <a:rPr lang="en-US" b="1" i="0" dirty="0">
+                <a:effectLst/>
+                <a:latin typeface="Inter"/>
+              </a:rPr>
+              <a:t>inq.last.6mths:</a:t>
+            </a:r>
+            <a:r>
+              <a:rPr lang="en-US" b="0" i="0" dirty="0">
+                <a:effectLst/>
+                <a:latin typeface="Inter"/>
+              </a:rPr>
+              <a:t> The borrower's number of inquiries by creditors in the last 6 months.</a:t>
+            </a:r>
+          </a:p>
+          <a:p>
+            <a:pPr marL="0" marR="0" lvl="0" indent="0" algn="l" defTabSz="914400" rtl="0" eaLnBrk="1" fontAlgn="auto" latinLnBrk="0" hangingPunct="1">
+              <a:lnSpc>
+                <a:spcPct val="100000"/>
+              </a:lnSpc>
+              <a:spcBef>
+                <a:spcPts val="0"/>
+              </a:spcBef>
+              <a:spcAft>
+                <a:spcPts val="0"/>
+              </a:spcAft>
+              <a:buClrTx/>
+              <a:buSzTx/>
+              <a:buFont typeface="Arial" panose="020B0604020202020204" pitchFamily="34" charset="0"/>
+              <a:buChar char="•"/>
+              <a:tabLst/>
+              <a:defRPr/>
+            </a:pPr>
+            <a:r>
+              <a:rPr lang="en-US" b="1" i="0" dirty="0">
+                <a:effectLst/>
+                <a:latin typeface="Inter"/>
+              </a:rPr>
+              <a:t>fico: </a:t>
+            </a:r>
+            <a:r>
+              <a:rPr lang="en-US" b="0" i="0" dirty="0">
+                <a:effectLst/>
+                <a:latin typeface="Inter"/>
+              </a:rPr>
+              <a:t>The FICO credit score of the borrower.</a:t>
+            </a:r>
+          </a:p>
+          <a:p>
+            <a:pPr marL="0" marR="0" lvl="0" indent="0" algn="l" defTabSz="914400" rtl="0" eaLnBrk="1" fontAlgn="auto" latinLnBrk="0" hangingPunct="1">
+              <a:lnSpc>
+                <a:spcPct val="100000"/>
+              </a:lnSpc>
+              <a:spcBef>
+                <a:spcPts val="0"/>
+              </a:spcBef>
+              <a:spcAft>
+                <a:spcPts val="0"/>
+              </a:spcAft>
+              <a:buClrTx/>
+              <a:buSzTx/>
+              <a:buFont typeface="Arial" panose="020B0604020202020204" pitchFamily="34" charset="0"/>
+              <a:buChar char="•"/>
+              <a:tabLst/>
+              <a:defRPr/>
+            </a:pPr>
+            <a:r>
+              <a:rPr lang="en-US" b="1" i="0" dirty="0" err="1">
+                <a:effectLst/>
+                <a:latin typeface="Inter"/>
+              </a:rPr>
+              <a:t>days.with.cr.line</a:t>
+            </a:r>
+            <a:r>
+              <a:rPr lang="en-US" b="1" i="0" dirty="0">
+                <a:effectLst/>
+                <a:latin typeface="Inter"/>
+              </a:rPr>
+              <a:t>: </a:t>
+            </a:r>
+            <a:r>
+              <a:rPr lang="en-US" b="0" i="0" dirty="0">
+                <a:effectLst/>
+                <a:latin typeface="Inter"/>
+              </a:rPr>
+              <a:t>The number of days the borrower has had a credit line.</a:t>
+            </a:r>
+          </a:p>
+          <a:p>
+            <a:pPr algn="l">
+              <a:buFont typeface="Arial" panose="020B0604020202020204" pitchFamily="34" charset="0"/>
+              <a:buChar char="•"/>
+            </a:pPr>
+            <a:r>
+              <a:rPr lang="en-US" b="1" i="0" dirty="0" err="1">
+                <a:effectLst/>
+                <a:latin typeface="Inter"/>
+              </a:rPr>
+              <a:t>revol.bal</a:t>
+            </a:r>
+            <a:r>
+              <a:rPr lang="en-US" b="1" i="0" dirty="0">
+                <a:effectLst/>
+                <a:latin typeface="Inter"/>
+              </a:rPr>
+              <a:t>:</a:t>
+            </a:r>
+            <a:r>
+              <a:rPr lang="en-US" b="0" i="0" dirty="0">
+                <a:effectLst/>
+                <a:latin typeface="Inter"/>
+              </a:rPr>
+              <a:t> The borrower's revolving balance (amount unpaid at the end of the credit card billing cycle).</a:t>
+            </a:r>
           </a:p>
           <a:p>
             <a:endParaRPr lang="en-US" dirty="0"/>
@@ -1437,7 +1661,7 @@
             </a:r>
             <a:r>
               <a:rPr lang="en-US" dirty="0"/>
-              <a:t> function and set it from .01 to .001. By reducing that value in R, we reduce the minimum improvement threshold required at each node for the tree to be built; i.e., essentially lowering the restrictions on how and when the tree is constructed. </a:t>
+              <a:t> function and set it from .01 to .001. By reducing that value in R, we reduce the minimum improvement amount that is required at each node for a split to occur during the tree’s configuration; i.e., we are essentially lowering the restriction on how and when the tree is constructed. </a:t>
             </a:r>
           </a:p>
           <a:p>
@@ -1517,6 +1741,288 @@
             <a:endParaRPr lang="en-US" dirty="0"/>
           </a:p>
           <a:p>
+            <a:endParaRPr lang="en-US" dirty="0"/>
+          </a:p>
+          <a:p>
+            <a:pPr algn="l">
+              <a:buFont typeface="Arial" panose="020B0604020202020204" pitchFamily="34" charset="0"/>
+              <a:buChar char="•"/>
+            </a:pPr>
+            <a:r>
+              <a:rPr lang="en-US" b="1" i="0" dirty="0">
+                <a:solidFill>
+                  <a:srgbClr val="202122"/>
+                </a:solidFill>
+                <a:effectLst/>
+                <a:latin typeface="Arial" panose="020B0604020202020204" pitchFamily="34" charset="0"/>
+              </a:rPr>
+              <a:t>Sensitivity</a:t>
+            </a:r>
+            <a:r>
+              <a:rPr lang="en-US" b="0" i="0" dirty="0">
+                <a:solidFill>
+                  <a:srgbClr val="202122"/>
+                </a:solidFill>
+                <a:effectLst/>
+                <a:latin typeface="Arial" panose="020B0604020202020204" pitchFamily="34" charset="0"/>
+              </a:rPr>
+              <a:t> (true positive rate; y-axis) refers to the probability of a positive test, conditioned on truly being positive.</a:t>
+            </a:r>
+          </a:p>
+          <a:p>
+            <a:pPr algn="l">
+              <a:buFont typeface="Arial" panose="020B0604020202020204" pitchFamily="34" charset="0"/>
+              <a:buChar char="•"/>
+            </a:pPr>
+            <a:r>
+              <a:rPr lang="en-US" b="1" i="0" dirty="0">
+                <a:solidFill>
+                  <a:srgbClr val="202122"/>
+                </a:solidFill>
+                <a:effectLst/>
+                <a:latin typeface="Arial" panose="020B0604020202020204" pitchFamily="34" charset="0"/>
+              </a:rPr>
+              <a:t>Specificity</a:t>
+            </a:r>
+            <a:r>
+              <a:rPr lang="en-US" b="0" i="0" dirty="0">
+                <a:solidFill>
+                  <a:srgbClr val="202122"/>
+                </a:solidFill>
+                <a:effectLst/>
+                <a:latin typeface="Arial" panose="020B0604020202020204" pitchFamily="34" charset="0"/>
+              </a:rPr>
+              <a:t> (true negative rate; x-axis) refers to the probability of a negative test, conditioned on truly being negative.</a:t>
+            </a:r>
+          </a:p>
+          <a:p>
+            <a:pPr algn="l">
+              <a:buFont typeface="Arial" panose="020B0604020202020204" pitchFamily="34" charset="0"/>
+              <a:buChar char="•"/>
+            </a:pPr>
+            <a:r>
+              <a:rPr lang="en-US" b="1" i="0" dirty="0">
+                <a:solidFill>
+                  <a:srgbClr val="202122"/>
+                </a:solidFill>
+                <a:effectLst/>
+                <a:latin typeface="Arial" panose="020B0604020202020204" pitchFamily="34" charset="0"/>
+              </a:rPr>
+              <a:t>Kappa</a:t>
+            </a:r>
+            <a:r>
+              <a:rPr lang="en-US" b="0" i="0" dirty="0">
+                <a:solidFill>
+                  <a:srgbClr val="202122"/>
+                </a:solidFill>
+                <a:effectLst/>
+                <a:latin typeface="Arial" panose="020B0604020202020204" pitchFamily="34" charset="0"/>
+              </a:rPr>
+              <a:t> </a:t>
+            </a:r>
+            <a:r>
+              <a:rPr lang="en-US" dirty="0"/>
+              <a:t>coefficient measures the agreement between classification and truth values. A kappa value of 1 represents perfect agreement, while a value of 0 represents no agreement.</a:t>
+            </a:r>
+          </a:p>
+          <a:p>
+            <a:endParaRPr lang="en-US" dirty="0"/>
+          </a:p>
+          <a:p>
+            <a:pPr algn="l">
+              <a:buFont typeface="Arial" panose="020B0604020202020204" pitchFamily="34" charset="0"/>
+              <a:buChar char="•"/>
+            </a:pPr>
+            <a:r>
+              <a:rPr lang="en-US" b="1" i="0" dirty="0" err="1">
+                <a:effectLst/>
+                <a:latin typeface="Inter"/>
+              </a:rPr>
+              <a:t>credit.policy</a:t>
+            </a:r>
+            <a:r>
+              <a:rPr lang="en-US" b="1" i="0" dirty="0">
+                <a:effectLst/>
+                <a:latin typeface="Inter"/>
+              </a:rPr>
+              <a:t>: </a:t>
+            </a:r>
+            <a:r>
+              <a:rPr lang="en-US" b="0" i="0" dirty="0">
+                <a:effectLst/>
+                <a:latin typeface="Inter"/>
+              </a:rPr>
+              <a:t>1 if the customer meets the credit underwriting criteria of LendingClub.com, and 0 otherwise.</a:t>
+            </a:r>
+          </a:p>
+          <a:p>
+            <a:pPr marL="0" marR="0" lvl="0" indent="0" algn="l" defTabSz="914400" rtl="0" eaLnBrk="1" fontAlgn="auto" latinLnBrk="0" hangingPunct="1">
+              <a:lnSpc>
+                <a:spcPct val="100000"/>
+              </a:lnSpc>
+              <a:spcBef>
+                <a:spcPts val="0"/>
+              </a:spcBef>
+              <a:spcAft>
+                <a:spcPts val="0"/>
+              </a:spcAft>
+              <a:buClrTx/>
+              <a:buSzTx/>
+              <a:buFont typeface="Arial" panose="020B0604020202020204" pitchFamily="34" charset="0"/>
+              <a:buChar char="•"/>
+              <a:tabLst/>
+              <a:defRPr/>
+            </a:pPr>
+            <a:r>
+              <a:rPr lang="en-US" b="1" i="0" dirty="0">
+                <a:effectLst/>
+                <a:latin typeface="Inter"/>
+              </a:rPr>
+              <a:t>inq.last.6mths: </a:t>
+            </a:r>
+            <a:r>
+              <a:rPr lang="en-US" b="0" i="0" dirty="0">
+                <a:effectLst/>
+                <a:latin typeface="Inter"/>
+              </a:rPr>
+              <a:t>The borrower's number of inquiries by creditors in the last 6 months.</a:t>
+            </a:r>
+          </a:p>
+          <a:p>
+            <a:pPr algn="l">
+              <a:buFont typeface="Arial" panose="020B0604020202020204" pitchFamily="34" charset="0"/>
+              <a:buChar char="•"/>
+            </a:pPr>
+            <a:r>
+              <a:rPr lang="en-US" b="1" i="0" dirty="0">
+                <a:effectLst/>
+                <a:latin typeface="Inter"/>
+              </a:rPr>
+              <a:t>purpose: </a:t>
+            </a:r>
+            <a:r>
+              <a:rPr lang="en-US" b="0" i="0" dirty="0">
+                <a:effectLst/>
+                <a:latin typeface="Inter"/>
+              </a:rPr>
+              <a:t>The purpose of the loan (takes values "</a:t>
+            </a:r>
+            <a:r>
+              <a:rPr lang="en-US" b="0" i="0" dirty="0" err="1">
+                <a:effectLst/>
+                <a:latin typeface="Inter"/>
+              </a:rPr>
+              <a:t>credit_card</a:t>
+            </a:r>
+            <a:r>
+              <a:rPr lang="en-US" b="0" i="0" dirty="0">
+                <a:effectLst/>
+                <a:latin typeface="Inter"/>
+              </a:rPr>
+              <a:t>", "</a:t>
+            </a:r>
+            <a:r>
+              <a:rPr lang="en-US" b="0" i="0" dirty="0" err="1">
+                <a:effectLst/>
+                <a:latin typeface="Inter"/>
+              </a:rPr>
+              <a:t>debt_consolidation</a:t>
+            </a:r>
+            <a:r>
+              <a:rPr lang="en-US" b="0" i="0" dirty="0">
+                <a:effectLst/>
+                <a:latin typeface="Inter"/>
+              </a:rPr>
+              <a:t>", "educational", "</a:t>
+            </a:r>
+            <a:r>
+              <a:rPr lang="en-US" b="0" i="0" dirty="0" err="1">
+                <a:effectLst/>
+                <a:latin typeface="Inter"/>
+              </a:rPr>
+              <a:t>major_purchase</a:t>
+            </a:r>
+            <a:r>
+              <a:rPr lang="en-US" b="0" i="0" dirty="0">
+                <a:effectLst/>
+                <a:latin typeface="Inter"/>
+              </a:rPr>
+              <a:t>", "</a:t>
+            </a:r>
+            <a:r>
+              <a:rPr lang="en-US" b="0" i="0" dirty="0" err="1">
+                <a:effectLst/>
+                <a:latin typeface="Inter"/>
+              </a:rPr>
+              <a:t>small_business</a:t>
+            </a:r>
+            <a:r>
+              <a:rPr lang="en-US" b="0" i="0" dirty="0">
+                <a:effectLst/>
+                <a:latin typeface="Inter"/>
+              </a:rPr>
+              <a:t>", and "</a:t>
+            </a:r>
+            <a:r>
+              <a:rPr lang="en-US" b="0" i="0" dirty="0" err="1">
+                <a:effectLst/>
+                <a:latin typeface="Inter"/>
+              </a:rPr>
+              <a:t>all_other</a:t>
+            </a:r>
+            <a:r>
+              <a:rPr lang="en-US" b="0" i="0" dirty="0">
+                <a:effectLst/>
+                <a:latin typeface="Inter"/>
+              </a:rPr>
+              <a:t>").</a:t>
+            </a:r>
+          </a:p>
+          <a:p>
+            <a:pPr marL="0" marR="0" lvl="0" indent="0" algn="l" defTabSz="914400" rtl="0" eaLnBrk="1" fontAlgn="auto" latinLnBrk="0" hangingPunct="1">
+              <a:lnSpc>
+                <a:spcPct val="100000"/>
+              </a:lnSpc>
+              <a:spcBef>
+                <a:spcPts val="0"/>
+              </a:spcBef>
+              <a:spcAft>
+                <a:spcPts val="0"/>
+              </a:spcAft>
+              <a:buClrTx/>
+              <a:buSzTx/>
+              <a:buFont typeface="Arial" panose="020B0604020202020204" pitchFamily="34" charset="0"/>
+              <a:buChar char="•"/>
+              <a:tabLst/>
+              <a:defRPr/>
+            </a:pPr>
+            <a:r>
+              <a:rPr lang="en-US" b="1" i="0" dirty="0" err="1">
+                <a:effectLst/>
+                <a:latin typeface="Inter"/>
+              </a:rPr>
+              <a:t>int.rate</a:t>
+            </a:r>
+            <a:r>
+              <a:rPr lang="en-US" b="1" i="0" dirty="0">
+                <a:effectLst/>
+                <a:latin typeface="Inter"/>
+              </a:rPr>
+              <a:t>: </a:t>
+            </a:r>
+            <a:r>
+              <a:rPr lang="en-US" b="0" i="0" dirty="0">
+                <a:effectLst/>
+                <a:latin typeface="Inter"/>
+              </a:rPr>
+              <a:t>The interest rate of the loan, as a proportion (a rate of 11% would be stored as 0.11). Borrowers judged by LendingClub.com to be more risky are assigned higher interest rates.</a:t>
+            </a:r>
+          </a:p>
+          <a:p>
+            <a:pPr algn="l">
+              <a:buFont typeface="Arial" panose="020B0604020202020204" pitchFamily="34" charset="0"/>
+              <a:buNone/>
+            </a:pPr>
             <a:endParaRPr lang="en-US" dirty="0"/>
           </a:p>
           <a:p>
@@ -7358,10 +7864,10 @@
       </p:cxnSp>
       <p:pic>
         <p:nvPicPr>
-          <p:cNvPr id="12" name="Picture 11" descr="Graphical user interface, diagram&#10;&#10;Description automatically generated">
-            <a:extLst>
-              <a:ext uri="{FF2B5EF4-FFF2-40B4-BE49-F238E27FC236}">
-                <a16:creationId xmlns:a16="http://schemas.microsoft.com/office/drawing/2014/main" id="{EC2630D3-9E74-B04F-8EE7-BC81D983E0E9}"/>
+          <p:cNvPr id="2" name="Picture 1">
+            <a:extLst>
+              <a:ext uri="{FF2B5EF4-FFF2-40B4-BE49-F238E27FC236}">
+                <a16:creationId xmlns:a16="http://schemas.microsoft.com/office/drawing/2014/main" id="{8467A83E-EF5D-4AF9-C9D1-B034802166A7}"/>
               </a:ext>
             </a:extLst>
           </p:cNvPr>
@@ -7372,9 +7878,16 @@
         </p:nvPicPr>
         <p:blipFill>
           <a:blip r:embed="rId3">
-            <a:extLst>
-              <a:ext uri="{28A0092B-C50C-407E-A947-70E740481C1C}">
-                <a14:useLocalDpi xmlns:a14="http://schemas.microsoft.com/office/drawing/2010/main" val="0"/>
+            <a:alphaModFix amt="5000"/>
+            <a:extLst>
+              <a:ext uri="{BEBA8EAE-BF5A-486C-A8C5-ECC9F3942E4B}">
+                <a14:imgProps xmlns:a14="http://schemas.microsoft.com/office/drawing/2010/main">
+                  <a14:imgLayer r:embed="rId4">
+                    <a14:imgEffect>
+                      <a14:saturation sat="0"/>
+                    </a14:imgEffect>
+                  </a14:imgLayer>
+                </a14:imgProps>
               </a:ext>
             </a:extLst>
           </a:blip>
@@ -7384,8 +7897,8 @@
         </p:blipFill>
         <p:spPr>
           <a:xfrm>
-            <a:off x="138430" y="1645916"/>
-            <a:ext cx="5760720" cy="4114800"/>
+            <a:off x="11346306" y="543903"/>
+            <a:ext cx="845693" cy="772083"/>
           </a:xfrm>
           <a:prstGeom prst="rect">
             <a:avLst/>
@@ -7394,46 +7907,10 @@
       </p:pic>
       <p:pic>
         <p:nvPicPr>
-          <p:cNvPr id="14" name="Picture 13" descr="Graphical user interface, diagram&#10;&#10;Description automatically generated">
-            <a:extLst>
-              <a:ext uri="{FF2B5EF4-FFF2-40B4-BE49-F238E27FC236}">
-                <a16:creationId xmlns:a16="http://schemas.microsoft.com/office/drawing/2014/main" id="{A04D6607-55BB-A618-6534-E8044023DD55}"/>
-              </a:ext>
-            </a:extLst>
-          </p:cNvPr>
-          <p:cNvPicPr>
-            <a:picLocks noChangeAspect="1"/>
-          </p:cNvPicPr>
-          <p:nvPr/>
-        </p:nvPicPr>
-        <p:blipFill>
-          <a:blip r:embed="rId4">
-            <a:extLst>
-              <a:ext uri="{28A0092B-C50C-407E-A947-70E740481C1C}">
-                <a14:useLocalDpi xmlns:a14="http://schemas.microsoft.com/office/drawing/2010/main" val="0"/>
-              </a:ext>
-            </a:extLst>
-          </a:blip>
-          <a:stretch>
-            <a:fillRect/>
-          </a:stretch>
-        </p:blipFill>
-        <p:spPr>
-          <a:xfrm>
-            <a:off x="6292850" y="1645916"/>
-            <a:ext cx="5760720" cy="4114800"/>
-          </a:xfrm>
-          <a:prstGeom prst="rect">
-            <a:avLst/>
-          </a:prstGeom>
-        </p:spPr>
-      </p:pic>
-      <p:pic>
-        <p:nvPicPr>
-          <p:cNvPr id="2" name="Picture 1">
-            <a:extLst>
-              <a:ext uri="{FF2B5EF4-FFF2-40B4-BE49-F238E27FC236}">
-                <a16:creationId xmlns:a16="http://schemas.microsoft.com/office/drawing/2014/main" id="{8467A83E-EF5D-4AF9-C9D1-B034802166A7}"/>
+          <p:cNvPr id="13" name="Picture 12" descr="Diagram&#10;&#10;Description automatically generated">
+            <a:extLst>
+              <a:ext uri="{FF2B5EF4-FFF2-40B4-BE49-F238E27FC236}">
+                <a16:creationId xmlns:a16="http://schemas.microsoft.com/office/drawing/2014/main" id="{B219D0B3-F3AD-65E6-69E4-BEFC92D40F82}"/>
               </a:ext>
             </a:extLst>
           </p:cNvPr>
@@ -7444,16 +7921,9 @@
         </p:nvPicPr>
         <p:blipFill>
           <a:blip r:embed="rId5">
-            <a:alphaModFix amt="5000"/>
-            <a:extLst>
-              <a:ext uri="{BEBA8EAE-BF5A-486C-A8C5-ECC9F3942E4B}">
-                <a14:imgProps xmlns:a14="http://schemas.microsoft.com/office/drawing/2010/main">
-                  <a14:imgLayer r:embed="rId6">
-                    <a14:imgEffect>
-                      <a14:saturation sat="0"/>
-                    </a14:imgEffect>
-                  </a14:imgLayer>
-                </a14:imgProps>
+            <a:extLst>
+              <a:ext uri="{28A0092B-C50C-407E-A947-70E740481C1C}">
+                <a14:useLocalDpi xmlns:a14="http://schemas.microsoft.com/office/drawing/2010/main" val="0"/>
               </a:ext>
             </a:extLst>
           </a:blip>
@@ -7463,8 +7933,44 @@
         </p:blipFill>
         <p:spPr>
           <a:xfrm>
-            <a:off x="11346306" y="543903"/>
-            <a:ext cx="845693" cy="772083"/>
+            <a:off x="79247" y="2037431"/>
+            <a:ext cx="6016753" cy="4297680"/>
+          </a:xfrm>
+          <a:prstGeom prst="rect">
+            <a:avLst/>
+          </a:prstGeom>
+        </p:spPr>
+      </p:pic>
+      <p:pic>
+        <p:nvPicPr>
+          <p:cNvPr id="16" name="Picture 15" descr="Graphical user interface, application&#10;&#10;Description automatically generated">
+            <a:extLst>
+              <a:ext uri="{FF2B5EF4-FFF2-40B4-BE49-F238E27FC236}">
+                <a16:creationId xmlns:a16="http://schemas.microsoft.com/office/drawing/2014/main" id="{75D9DD77-972A-4E43-6F11-061E9A3D4200}"/>
+              </a:ext>
+            </a:extLst>
+          </p:cNvPr>
+          <p:cNvPicPr>
+            <a:picLocks noChangeAspect="1"/>
+          </p:cNvPicPr>
+          <p:nvPr/>
+        </p:nvPicPr>
+        <p:blipFill>
+          <a:blip r:embed="rId6">
+            <a:extLst>
+              <a:ext uri="{28A0092B-C50C-407E-A947-70E740481C1C}">
+                <a14:useLocalDpi xmlns:a14="http://schemas.microsoft.com/office/drawing/2010/main" val="0"/>
+              </a:ext>
+            </a:extLst>
+          </a:blip>
+          <a:stretch>
+            <a:fillRect/>
+          </a:stretch>
+        </p:blipFill>
+        <p:spPr>
+          <a:xfrm>
+            <a:off x="6135624" y="2037431"/>
+            <a:ext cx="6016753" cy="4297680"/>
           </a:xfrm>
           <a:prstGeom prst="rect">
             <a:avLst/>
@@ -7594,7 +8100,7 @@
                   <a:srgbClr val="002060"/>
                 </a:solidFill>
               </a:rPr>
-              <a:t>Logistic Regression – Credit Policy (fix)</a:t>
+              <a:t>Logistic Regression – Credit Policy</a:t>
             </a:r>
           </a:p>
           <a:p>
@@ -7852,7 +8358,7 @@
                   <a:srgbClr val="002060"/>
                 </a:solidFill>
               </a:rPr>
-              <a:t>Logistic Regression – Credit Policy (fix)</a:t>
+              <a:t>Logistic Regression – Credit Policy</a:t>
             </a:r>
           </a:p>
           <a:p>
@@ -7910,10 +8416,10 @@
       </p:cxnSp>
       <p:pic>
         <p:nvPicPr>
-          <p:cNvPr id="4" name="Picture 3">
-            <a:extLst>
-              <a:ext uri="{FF2B5EF4-FFF2-40B4-BE49-F238E27FC236}">
-                <a16:creationId xmlns:a16="http://schemas.microsoft.com/office/drawing/2014/main" id="{A19AD511-4FD6-9E60-078C-B38E84FA4D7F}"/>
+          <p:cNvPr id="2" name="Picture 1">
+            <a:extLst>
+              <a:ext uri="{FF2B5EF4-FFF2-40B4-BE49-F238E27FC236}">
+                <a16:creationId xmlns:a16="http://schemas.microsoft.com/office/drawing/2014/main" id="{658A2BB4-5A21-050A-0C3D-4A1E1E98286A}"/>
               </a:ext>
             </a:extLst>
           </p:cNvPr>
@@ -7923,15 +8429,28 @@
           <p:nvPr/>
         </p:nvPicPr>
         <p:blipFill>
-          <a:blip r:embed="rId3"/>
+          <a:blip r:embed="rId3">
+            <a:alphaModFix amt="5000"/>
+            <a:extLst>
+              <a:ext uri="{BEBA8EAE-BF5A-486C-A8C5-ECC9F3942E4B}">
+                <a14:imgProps xmlns:a14="http://schemas.microsoft.com/office/drawing/2010/main">
+                  <a14:imgLayer r:embed="rId4">
+                    <a14:imgEffect>
+                      <a14:saturation sat="0"/>
+                    </a14:imgEffect>
+                  </a14:imgLayer>
+                </a14:imgProps>
+              </a:ext>
+            </a:extLst>
+          </a:blip>
           <a:stretch>
             <a:fillRect/>
           </a:stretch>
         </p:blipFill>
         <p:spPr>
           <a:xfrm>
-            <a:off x="3880351" y="0"/>
-            <a:ext cx="4046424" cy="6858000"/>
+            <a:off x="11346306" y="543903"/>
+            <a:ext cx="845693" cy="772083"/>
           </a:xfrm>
           <a:prstGeom prst="rect">
             <a:avLst/>
@@ -7940,10 +8459,10 @@
       </p:pic>
       <p:pic>
         <p:nvPicPr>
-          <p:cNvPr id="2" name="Picture 1">
-            <a:extLst>
-              <a:ext uri="{FF2B5EF4-FFF2-40B4-BE49-F238E27FC236}">
-                <a16:creationId xmlns:a16="http://schemas.microsoft.com/office/drawing/2014/main" id="{658A2BB4-5A21-050A-0C3D-4A1E1E98286A}"/>
+          <p:cNvPr id="8" name="Picture 7">
+            <a:extLst>
+              <a:ext uri="{FF2B5EF4-FFF2-40B4-BE49-F238E27FC236}">
+                <a16:creationId xmlns:a16="http://schemas.microsoft.com/office/drawing/2014/main" id="{7A7CA844-FF01-0B9A-9600-1964A7EF0F8D}"/>
               </a:ext>
             </a:extLst>
           </p:cNvPr>
@@ -7953,28 +8472,15 @@
           <p:nvPr/>
         </p:nvPicPr>
         <p:blipFill>
-          <a:blip r:embed="rId4">
-            <a:alphaModFix amt="5000"/>
-            <a:extLst>
-              <a:ext uri="{BEBA8EAE-BF5A-486C-A8C5-ECC9F3942E4B}">
-                <a14:imgProps xmlns:a14="http://schemas.microsoft.com/office/drawing/2010/main">
-                  <a14:imgLayer r:embed="rId5">
-                    <a14:imgEffect>
-                      <a14:saturation sat="0"/>
-                    </a14:imgEffect>
-                  </a14:imgLayer>
-                </a14:imgProps>
-              </a:ext>
-            </a:extLst>
-          </a:blip>
+          <a:blip r:embed="rId5"/>
           <a:stretch>
             <a:fillRect/>
           </a:stretch>
         </p:blipFill>
         <p:spPr>
           <a:xfrm>
-            <a:off x="11346306" y="543903"/>
-            <a:ext cx="845693" cy="772083"/>
+            <a:off x="3640943" y="1664319"/>
+            <a:ext cx="4892697" cy="4937760"/>
           </a:xfrm>
           <a:prstGeom prst="rect">
             <a:avLst/>
@@ -8104,7 +8610,7 @@
                   <a:srgbClr val="002060"/>
                 </a:solidFill>
               </a:rPr>
-              <a:t>Logistic Regression – Credit Policy (fix)</a:t>
+              <a:t>Logistic Regression – Credit Policy</a:t>
             </a:r>
           </a:p>
           <a:p>
@@ -8162,10 +8668,10 @@
       </p:cxnSp>
       <p:pic>
         <p:nvPicPr>
-          <p:cNvPr id="3" name="Picture 2">
-            <a:extLst>
-              <a:ext uri="{FF2B5EF4-FFF2-40B4-BE49-F238E27FC236}">
-                <a16:creationId xmlns:a16="http://schemas.microsoft.com/office/drawing/2014/main" id="{DFA50187-4266-8085-0DA9-50A85EB54D17}"/>
+          <p:cNvPr id="2" name="Picture 1">
+            <a:extLst>
+              <a:ext uri="{FF2B5EF4-FFF2-40B4-BE49-F238E27FC236}">
+                <a16:creationId xmlns:a16="http://schemas.microsoft.com/office/drawing/2014/main" id="{A2AD466F-D5C0-9B79-A015-C5B328B5F793}"/>
               </a:ext>
             </a:extLst>
           </p:cNvPr>
@@ -8175,15 +8681,28 @@
           <p:nvPr/>
         </p:nvPicPr>
         <p:blipFill>
-          <a:blip r:embed="rId3"/>
+          <a:blip r:embed="rId3">
+            <a:alphaModFix amt="5000"/>
+            <a:extLst>
+              <a:ext uri="{BEBA8EAE-BF5A-486C-A8C5-ECC9F3942E4B}">
+                <a14:imgProps xmlns:a14="http://schemas.microsoft.com/office/drawing/2010/main">
+                  <a14:imgLayer r:embed="rId4">
+                    <a14:imgEffect>
+                      <a14:saturation sat="0"/>
+                    </a14:imgEffect>
+                  </a14:imgLayer>
+                </a14:imgProps>
+              </a:ext>
+            </a:extLst>
+          </a:blip>
           <a:stretch>
             <a:fillRect/>
           </a:stretch>
         </p:blipFill>
         <p:spPr>
           <a:xfrm>
-            <a:off x="4082946" y="2870464"/>
-            <a:ext cx="4026107" cy="1530429"/>
+            <a:off x="11346306" y="543903"/>
+            <a:ext cx="845693" cy="772083"/>
           </a:xfrm>
           <a:prstGeom prst="rect">
             <a:avLst/>
@@ -8192,10 +8711,10 @@
       </p:pic>
       <p:pic>
         <p:nvPicPr>
-          <p:cNvPr id="2" name="Picture 1">
-            <a:extLst>
-              <a:ext uri="{FF2B5EF4-FFF2-40B4-BE49-F238E27FC236}">
-                <a16:creationId xmlns:a16="http://schemas.microsoft.com/office/drawing/2014/main" id="{A2AD466F-D5C0-9B79-A015-C5B328B5F793}"/>
+          <p:cNvPr id="8" name="Picture 7">
+            <a:extLst>
+              <a:ext uri="{FF2B5EF4-FFF2-40B4-BE49-F238E27FC236}">
+                <a16:creationId xmlns:a16="http://schemas.microsoft.com/office/drawing/2014/main" id="{C962BE9C-70B9-52E1-121A-346AE8FADC9C}"/>
               </a:ext>
             </a:extLst>
           </p:cNvPr>
@@ -8205,28 +8724,15 @@
           <p:nvPr/>
         </p:nvPicPr>
         <p:blipFill>
-          <a:blip r:embed="rId4">
-            <a:alphaModFix amt="5000"/>
-            <a:extLst>
-              <a:ext uri="{BEBA8EAE-BF5A-486C-A8C5-ECC9F3942E4B}">
-                <a14:imgProps xmlns:a14="http://schemas.microsoft.com/office/drawing/2010/main">
-                  <a14:imgLayer r:embed="rId5">
-                    <a14:imgEffect>
-                      <a14:saturation sat="0"/>
-                    </a14:imgEffect>
-                  </a14:imgLayer>
-                </a14:imgProps>
-              </a:ext>
-            </a:extLst>
-          </a:blip>
+          <a:blip r:embed="rId5"/>
           <a:stretch>
             <a:fillRect/>
           </a:stretch>
         </p:blipFill>
         <p:spPr>
           <a:xfrm>
-            <a:off x="11346306" y="543903"/>
-            <a:ext cx="845693" cy="772083"/>
+            <a:off x="3694404" y="2598348"/>
+            <a:ext cx="4785775" cy="1661304"/>
           </a:xfrm>
           <a:prstGeom prst="rect">
             <a:avLst/>
@@ -8356,7 +8862,7 @@
                   <a:srgbClr val="002060"/>
                 </a:solidFill>
               </a:rPr>
-              <a:t>Logistic Regression – Credit Policy (fix)</a:t>
+              <a:t>Logistic Regression – Credit Policy</a:t>
             </a:r>
           </a:p>
           <a:p>
@@ -8414,10 +8920,10 @@
       </p:cxnSp>
       <p:pic>
         <p:nvPicPr>
-          <p:cNvPr id="4" name="Picture 3" descr="A picture containing chart&#10;&#10;Description automatically generated">
-            <a:extLst>
-              <a:ext uri="{FF2B5EF4-FFF2-40B4-BE49-F238E27FC236}">
-                <a16:creationId xmlns:a16="http://schemas.microsoft.com/office/drawing/2014/main" id="{EF9E986C-AE26-C3CC-4D6A-0FB74A5C0283}"/>
+          <p:cNvPr id="2" name="Picture 1">
+            <a:extLst>
+              <a:ext uri="{FF2B5EF4-FFF2-40B4-BE49-F238E27FC236}">
+                <a16:creationId xmlns:a16="http://schemas.microsoft.com/office/drawing/2014/main" id="{2FC2B9EF-E9D6-18A8-94A2-E1294A24C8DF}"/>
               </a:ext>
             </a:extLst>
           </p:cNvPr>
@@ -8428,9 +8934,16 @@
         </p:nvPicPr>
         <p:blipFill>
           <a:blip r:embed="rId3">
-            <a:extLst>
-              <a:ext uri="{28A0092B-C50C-407E-A947-70E740481C1C}">
-                <a14:useLocalDpi xmlns:a14="http://schemas.microsoft.com/office/drawing/2010/main" val="0"/>
+            <a:alphaModFix amt="5000"/>
+            <a:extLst>
+              <a:ext uri="{BEBA8EAE-BF5A-486C-A8C5-ECC9F3942E4B}">
+                <a14:imgProps xmlns:a14="http://schemas.microsoft.com/office/drawing/2010/main">
+                  <a14:imgLayer r:embed="rId4">
+                    <a14:imgEffect>
+                      <a14:saturation sat="0"/>
+                    </a14:imgEffect>
+                  </a14:imgLayer>
+                </a14:imgProps>
               </a:ext>
             </a:extLst>
           </a:blip>
@@ -8440,8 +8953,8 @@
         </p:blipFill>
         <p:spPr>
           <a:xfrm>
-            <a:off x="2886868" y="1731706"/>
-            <a:ext cx="6400847" cy="4572033"/>
+            <a:off x="11346306" y="543903"/>
+            <a:ext cx="845693" cy="772083"/>
           </a:xfrm>
           <a:prstGeom prst="rect">
             <a:avLst/>
@@ -8450,10 +8963,10 @@
       </p:pic>
       <p:pic>
         <p:nvPicPr>
-          <p:cNvPr id="2" name="Picture 1">
-            <a:extLst>
-              <a:ext uri="{FF2B5EF4-FFF2-40B4-BE49-F238E27FC236}">
-                <a16:creationId xmlns:a16="http://schemas.microsoft.com/office/drawing/2014/main" id="{2FC2B9EF-E9D6-18A8-94A2-E1294A24C8DF}"/>
+          <p:cNvPr id="8" name="Picture 7" descr="A picture containing chart&#10;&#10;Description automatically generated">
+            <a:extLst>
+              <a:ext uri="{FF2B5EF4-FFF2-40B4-BE49-F238E27FC236}">
+                <a16:creationId xmlns:a16="http://schemas.microsoft.com/office/drawing/2014/main" id="{3B48E8EC-8F08-AE07-D1CD-17BADFA8627F}"/>
               </a:ext>
             </a:extLst>
           </p:cNvPr>
@@ -8463,17 +8976,10 @@
           <p:nvPr/>
         </p:nvPicPr>
         <p:blipFill>
-          <a:blip r:embed="rId4">
-            <a:alphaModFix amt="5000"/>
-            <a:extLst>
-              <a:ext uri="{BEBA8EAE-BF5A-486C-A8C5-ECC9F3942E4B}">
-                <a14:imgProps xmlns:a14="http://schemas.microsoft.com/office/drawing/2010/main">
-                  <a14:imgLayer r:embed="rId5">
-                    <a14:imgEffect>
-                      <a14:saturation sat="0"/>
-                    </a14:imgEffect>
-                  </a14:imgLayer>
-                </a14:imgProps>
+          <a:blip r:embed="rId5">
+            <a:extLst>
+              <a:ext uri="{28A0092B-C50C-407E-A947-70E740481C1C}">
+                <a14:useLocalDpi xmlns:a14="http://schemas.microsoft.com/office/drawing/2010/main" val="0"/>
               </a:ext>
             </a:extLst>
           </a:blip>
@@ -8483,8 +8989,8 @@
         </p:blipFill>
         <p:spPr>
           <a:xfrm>
-            <a:off x="11346306" y="543903"/>
-            <a:ext cx="845693" cy="772083"/>
+            <a:off x="2886868" y="1815708"/>
+            <a:ext cx="6400847" cy="4572033"/>
           </a:xfrm>
           <a:prstGeom prst="rect">
             <a:avLst/>
@@ -8672,10 +9178,10 @@
       </p:cxnSp>
       <p:pic>
         <p:nvPicPr>
-          <p:cNvPr id="4" name="Picture 3" descr="Chart&#10;&#10;Description automatically generated">
-            <a:extLst>
-              <a:ext uri="{FF2B5EF4-FFF2-40B4-BE49-F238E27FC236}">
-                <a16:creationId xmlns:a16="http://schemas.microsoft.com/office/drawing/2014/main" id="{3DD92608-18D5-CA21-C822-95D4C9B7F6A7}"/>
+          <p:cNvPr id="2" name="Picture 1">
+            <a:extLst>
+              <a:ext uri="{FF2B5EF4-FFF2-40B4-BE49-F238E27FC236}">
+                <a16:creationId xmlns:a16="http://schemas.microsoft.com/office/drawing/2014/main" id="{023A899E-E927-9527-7EFB-CD142FB4921E}"/>
               </a:ext>
             </a:extLst>
           </p:cNvPr>
@@ -8686,9 +9192,16 @@
         </p:nvPicPr>
         <p:blipFill>
           <a:blip r:embed="rId3">
-            <a:extLst>
-              <a:ext uri="{28A0092B-C50C-407E-A947-70E740481C1C}">
-                <a14:useLocalDpi xmlns:a14="http://schemas.microsoft.com/office/drawing/2010/main" val="0"/>
+            <a:alphaModFix amt="5000"/>
+            <a:extLst>
+              <a:ext uri="{BEBA8EAE-BF5A-486C-A8C5-ECC9F3942E4B}">
+                <a14:imgProps xmlns:a14="http://schemas.microsoft.com/office/drawing/2010/main">
+                  <a14:imgLayer r:embed="rId4">
+                    <a14:imgEffect>
+                      <a14:saturation sat="0"/>
+                    </a14:imgEffect>
+                  </a14:imgLayer>
+                </a14:imgProps>
               </a:ext>
             </a:extLst>
           </a:blip>
@@ -8698,8 +9211,8 @@
         </p:blipFill>
         <p:spPr>
           <a:xfrm>
-            <a:off x="2886868" y="1675339"/>
-            <a:ext cx="6400847" cy="4572033"/>
+            <a:off x="11346306" y="543903"/>
+            <a:ext cx="845693" cy="772083"/>
           </a:xfrm>
           <a:prstGeom prst="rect">
             <a:avLst/>
@@ -8708,10 +9221,10 @@
       </p:pic>
       <p:pic>
         <p:nvPicPr>
-          <p:cNvPr id="2" name="Picture 1">
-            <a:extLst>
-              <a:ext uri="{FF2B5EF4-FFF2-40B4-BE49-F238E27FC236}">
-                <a16:creationId xmlns:a16="http://schemas.microsoft.com/office/drawing/2014/main" id="{023A899E-E927-9527-7EFB-CD142FB4921E}"/>
+          <p:cNvPr id="11" name="Picture 10" descr="Chart&#10;&#10;Description automatically generated">
+            <a:extLst>
+              <a:ext uri="{FF2B5EF4-FFF2-40B4-BE49-F238E27FC236}">
+                <a16:creationId xmlns:a16="http://schemas.microsoft.com/office/drawing/2014/main" id="{3501F370-2DB0-FC78-6B22-3E724F7C8C45}"/>
               </a:ext>
             </a:extLst>
           </p:cNvPr>
@@ -8721,17 +9234,10 @@
           <p:nvPr/>
         </p:nvPicPr>
         <p:blipFill>
-          <a:blip r:embed="rId4">
-            <a:alphaModFix amt="5000"/>
-            <a:extLst>
-              <a:ext uri="{BEBA8EAE-BF5A-486C-A8C5-ECC9F3942E4B}">
-                <a14:imgProps xmlns:a14="http://schemas.microsoft.com/office/drawing/2010/main">
-                  <a14:imgLayer r:embed="rId5">
-                    <a14:imgEffect>
-                      <a14:saturation sat="0"/>
-                    </a14:imgEffect>
-                  </a14:imgLayer>
-                </a14:imgProps>
+          <a:blip r:embed="rId5">
+            <a:extLst>
+              <a:ext uri="{28A0092B-C50C-407E-A947-70E740481C1C}">
+                <a14:useLocalDpi xmlns:a14="http://schemas.microsoft.com/office/drawing/2010/main" val="0"/>
               </a:ext>
             </a:extLst>
           </a:blip>
@@ -8741,8 +9247,8 @@
         </p:blipFill>
         <p:spPr>
           <a:xfrm>
-            <a:off x="11346306" y="543903"/>
-            <a:ext cx="845693" cy="772083"/>
+            <a:off x="2895576" y="1815708"/>
+            <a:ext cx="6400847" cy="4572033"/>
           </a:xfrm>
           <a:prstGeom prst="rect">
             <a:avLst/>
@@ -8851,8 +9357,8 @@
         </p:nvSpPr>
         <p:spPr>
           <a:xfrm>
-            <a:off x="1" y="470259"/>
-            <a:ext cx="12192000" cy="1631216"/>
+            <a:off x="47502" y="2010924"/>
+            <a:ext cx="5947112" cy="2400657"/>
           </a:xfrm>
           <a:prstGeom prst="rect">
             <a:avLst/>
@@ -8901,8 +9407,8 @@
         </p:nvCxnSpPr>
         <p:spPr>
           <a:xfrm>
-            <a:off x="757647" y="1332033"/>
-            <a:ext cx="10659291" cy="0"/>
+            <a:off x="232449" y="2846137"/>
+            <a:ext cx="5577218" cy="0"/>
           </a:xfrm>
           <a:prstGeom prst="line">
             <a:avLst/>
@@ -8930,10 +9436,10 @@
       </p:cxnSp>
       <p:pic>
         <p:nvPicPr>
-          <p:cNvPr id="3" name="Picture 2">
-            <a:extLst>
-              <a:ext uri="{FF2B5EF4-FFF2-40B4-BE49-F238E27FC236}">
-                <a16:creationId xmlns:a16="http://schemas.microsoft.com/office/drawing/2014/main" id="{5E04EC06-9E56-D09A-5B08-5A1E2A1021D8}"/>
+          <p:cNvPr id="2" name="Picture 1">
+            <a:extLst>
+              <a:ext uri="{FF2B5EF4-FFF2-40B4-BE49-F238E27FC236}">
+                <a16:creationId xmlns:a16="http://schemas.microsoft.com/office/drawing/2014/main" id="{B6CB5E6C-F811-992E-988E-E7960D0903ED}"/>
               </a:ext>
             </a:extLst>
           </p:cNvPr>
@@ -8943,15 +9449,28 @@
           <p:nvPr/>
         </p:nvPicPr>
         <p:blipFill>
-          <a:blip r:embed="rId3"/>
+          <a:blip r:embed="rId3">
+            <a:alphaModFix amt="5000"/>
+            <a:extLst>
+              <a:ext uri="{BEBA8EAE-BF5A-486C-A8C5-ECC9F3942E4B}">
+                <a14:imgProps xmlns:a14="http://schemas.microsoft.com/office/drawing/2010/main">
+                  <a14:imgLayer r:embed="rId4">
+                    <a14:imgEffect>
+                      <a14:saturation sat="0"/>
+                    </a14:imgEffect>
+                  </a14:imgLayer>
+                </a14:imgProps>
+              </a:ext>
+            </a:extLst>
+          </a:blip>
           <a:stretch>
             <a:fillRect/>
           </a:stretch>
         </p:blipFill>
         <p:spPr>
           <a:xfrm>
-            <a:off x="4176747" y="0"/>
-            <a:ext cx="3838506" cy="6858000"/>
+            <a:off x="11346306" y="543903"/>
+            <a:ext cx="845693" cy="772083"/>
           </a:xfrm>
           <a:prstGeom prst="rect">
             <a:avLst/>
@@ -8960,10 +9479,10 @@
       </p:pic>
       <p:pic>
         <p:nvPicPr>
-          <p:cNvPr id="2" name="Picture 1">
-            <a:extLst>
-              <a:ext uri="{FF2B5EF4-FFF2-40B4-BE49-F238E27FC236}">
-                <a16:creationId xmlns:a16="http://schemas.microsoft.com/office/drawing/2014/main" id="{B6CB5E6C-F811-992E-988E-E7960D0903ED}"/>
+          <p:cNvPr id="13" name="Picture 12">
+            <a:extLst>
+              <a:ext uri="{FF2B5EF4-FFF2-40B4-BE49-F238E27FC236}">
+                <a16:creationId xmlns:a16="http://schemas.microsoft.com/office/drawing/2014/main" id="{BFAB6128-BD3A-76D8-29C2-EE8F734852C8}"/>
               </a:ext>
             </a:extLst>
           </p:cNvPr>
@@ -8973,28 +9492,15 @@
           <p:nvPr/>
         </p:nvPicPr>
         <p:blipFill>
-          <a:blip r:embed="rId4">
-            <a:alphaModFix amt="5000"/>
-            <a:extLst>
-              <a:ext uri="{BEBA8EAE-BF5A-486C-A8C5-ECC9F3942E4B}">
-                <a14:imgProps xmlns:a14="http://schemas.microsoft.com/office/drawing/2010/main">
-                  <a14:imgLayer r:embed="rId5">
-                    <a14:imgEffect>
-                      <a14:saturation sat="0"/>
-                    </a14:imgEffect>
-                  </a14:imgLayer>
-                </a14:imgProps>
-              </a:ext>
-            </a:extLst>
-          </a:blip>
+          <a:blip r:embed="rId5"/>
           <a:stretch>
             <a:fillRect/>
           </a:stretch>
         </p:blipFill>
         <p:spPr>
           <a:xfrm>
-            <a:off x="11346306" y="543903"/>
-            <a:ext cx="845693" cy="772083"/>
+            <a:off x="6045558" y="0"/>
+            <a:ext cx="3805984" cy="6858000"/>
           </a:xfrm>
           <a:prstGeom prst="rect">
             <a:avLst/>
@@ -9480,10 +9986,10 @@
       </p:cxnSp>
       <p:pic>
         <p:nvPicPr>
-          <p:cNvPr id="4" name="Picture 3">
-            <a:extLst>
-              <a:ext uri="{FF2B5EF4-FFF2-40B4-BE49-F238E27FC236}">
-                <a16:creationId xmlns:a16="http://schemas.microsoft.com/office/drawing/2014/main" id="{9C3A0CD7-3E13-B5E8-39AC-7218AE83F9A2}"/>
+          <p:cNvPr id="2" name="Picture 1">
+            <a:extLst>
+              <a:ext uri="{FF2B5EF4-FFF2-40B4-BE49-F238E27FC236}">
+                <a16:creationId xmlns:a16="http://schemas.microsoft.com/office/drawing/2014/main" id="{14AF11B4-A6BF-84F4-79AF-FCA35587A181}"/>
               </a:ext>
             </a:extLst>
           </p:cNvPr>
@@ -9493,15 +9999,28 @@
           <p:nvPr/>
         </p:nvPicPr>
         <p:blipFill>
-          <a:blip r:embed="rId3"/>
+          <a:blip r:embed="rId3">
+            <a:alphaModFix amt="5000"/>
+            <a:extLst>
+              <a:ext uri="{BEBA8EAE-BF5A-486C-A8C5-ECC9F3942E4B}">
+                <a14:imgProps xmlns:a14="http://schemas.microsoft.com/office/drawing/2010/main">
+                  <a14:imgLayer r:embed="rId4">
+                    <a14:imgEffect>
+                      <a14:saturation sat="0"/>
+                    </a14:imgEffect>
+                  </a14:imgLayer>
+                </a14:imgProps>
+              </a:ext>
+            </a:extLst>
+          </a:blip>
           <a:stretch>
             <a:fillRect/>
           </a:stretch>
         </p:blipFill>
         <p:spPr>
           <a:xfrm>
-            <a:off x="4083764" y="2571734"/>
-            <a:ext cx="4007056" cy="1663786"/>
+            <a:off x="11346306" y="543903"/>
+            <a:ext cx="845693" cy="772083"/>
           </a:xfrm>
           <a:prstGeom prst="rect">
             <a:avLst/>
@@ -9510,10 +10029,10 @@
       </p:pic>
       <p:pic>
         <p:nvPicPr>
-          <p:cNvPr id="2" name="Picture 1">
-            <a:extLst>
-              <a:ext uri="{FF2B5EF4-FFF2-40B4-BE49-F238E27FC236}">
-                <a16:creationId xmlns:a16="http://schemas.microsoft.com/office/drawing/2014/main" id="{14AF11B4-A6BF-84F4-79AF-FCA35587A181}"/>
+          <p:cNvPr id="13" name="Picture 12">
+            <a:extLst>
+              <a:ext uri="{FF2B5EF4-FFF2-40B4-BE49-F238E27FC236}">
+                <a16:creationId xmlns:a16="http://schemas.microsoft.com/office/drawing/2014/main" id="{194F9CB5-B191-A1A6-2241-CFE328643394}"/>
               </a:ext>
             </a:extLst>
           </p:cNvPr>
@@ -9523,28 +10042,15 @@
           <p:nvPr/>
         </p:nvPicPr>
         <p:blipFill>
-          <a:blip r:embed="rId4">
-            <a:alphaModFix amt="5000"/>
-            <a:extLst>
-              <a:ext uri="{BEBA8EAE-BF5A-486C-A8C5-ECC9F3942E4B}">
-                <a14:imgProps xmlns:a14="http://schemas.microsoft.com/office/drawing/2010/main">
-                  <a14:imgLayer r:embed="rId5">
-                    <a14:imgEffect>
-                      <a14:saturation sat="0"/>
-                    </a14:imgEffect>
-                  </a14:imgLayer>
-                </a14:imgProps>
-              </a:ext>
-            </a:extLst>
-          </a:blip>
+          <a:blip r:embed="rId5"/>
           <a:stretch>
             <a:fillRect/>
           </a:stretch>
         </p:blipFill>
         <p:spPr>
           <a:xfrm>
-            <a:off x="11346306" y="543903"/>
-            <a:ext cx="845693" cy="772083"/>
+            <a:off x="3619285" y="2571734"/>
+            <a:ext cx="4953429" cy="1950889"/>
           </a:xfrm>
           <a:prstGeom prst="rect">
             <a:avLst/>
@@ -9732,10 +10238,10 @@
       </p:cxnSp>
       <p:pic>
         <p:nvPicPr>
-          <p:cNvPr id="3" name="Picture 2" descr="Chart&#10;&#10;Description automatically generated">
-            <a:extLst>
-              <a:ext uri="{FF2B5EF4-FFF2-40B4-BE49-F238E27FC236}">
-                <a16:creationId xmlns:a16="http://schemas.microsoft.com/office/drawing/2014/main" id="{F8CE4281-B37D-08C2-3C7F-6F74C9EBFC21}"/>
+          <p:cNvPr id="2" name="Picture 1">
+            <a:extLst>
+              <a:ext uri="{FF2B5EF4-FFF2-40B4-BE49-F238E27FC236}">
+                <a16:creationId xmlns:a16="http://schemas.microsoft.com/office/drawing/2014/main" id="{AE14D38D-7A17-5BEC-058F-4E888FA04465}"/>
               </a:ext>
             </a:extLst>
           </p:cNvPr>
@@ -9746,9 +10252,16 @@
         </p:nvPicPr>
         <p:blipFill>
           <a:blip r:embed="rId4">
-            <a:extLst>
-              <a:ext uri="{28A0092B-C50C-407E-A947-70E740481C1C}">
-                <a14:useLocalDpi xmlns:a14="http://schemas.microsoft.com/office/drawing/2010/main" val="0"/>
+            <a:alphaModFix amt="5000"/>
+            <a:extLst>
+              <a:ext uri="{BEBA8EAE-BF5A-486C-A8C5-ECC9F3942E4B}">
+                <a14:imgProps xmlns:a14="http://schemas.microsoft.com/office/drawing/2010/main">
+                  <a14:imgLayer r:embed="rId5">
+                    <a14:imgEffect>
+                      <a14:saturation sat="0"/>
+                    </a14:imgEffect>
+                  </a14:imgLayer>
+                </a14:imgProps>
               </a:ext>
             </a:extLst>
           </a:blip>
@@ -9758,8 +10271,8 @@
         </p:blipFill>
         <p:spPr>
           <a:xfrm>
-            <a:off x="2895576" y="1488410"/>
-            <a:ext cx="6400847" cy="4572033"/>
+            <a:off x="11346306" y="543903"/>
+            <a:ext cx="845693" cy="772083"/>
           </a:xfrm>
           <a:prstGeom prst="rect">
             <a:avLst/>
@@ -9768,10 +10281,10 @@
       </p:pic>
       <p:pic>
         <p:nvPicPr>
-          <p:cNvPr id="2" name="Picture 1">
-            <a:extLst>
-              <a:ext uri="{FF2B5EF4-FFF2-40B4-BE49-F238E27FC236}">
-                <a16:creationId xmlns:a16="http://schemas.microsoft.com/office/drawing/2014/main" id="{AE14D38D-7A17-5BEC-058F-4E888FA04465}"/>
+          <p:cNvPr id="13" name="Picture 12" descr="Chart&#10;&#10;Description automatically generated">
+            <a:extLst>
+              <a:ext uri="{FF2B5EF4-FFF2-40B4-BE49-F238E27FC236}">
+                <a16:creationId xmlns:a16="http://schemas.microsoft.com/office/drawing/2014/main" id="{9574932B-4FD0-CE84-326F-4C2B181AFF46}"/>
               </a:ext>
             </a:extLst>
           </p:cNvPr>
@@ -9781,17 +10294,10 @@
           <p:nvPr/>
         </p:nvPicPr>
         <p:blipFill>
-          <a:blip r:embed="rId5">
-            <a:alphaModFix amt="5000"/>
-            <a:extLst>
-              <a:ext uri="{BEBA8EAE-BF5A-486C-A8C5-ECC9F3942E4B}">
-                <a14:imgProps xmlns:a14="http://schemas.microsoft.com/office/drawing/2010/main">
-                  <a14:imgLayer r:embed="rId6">
-                    <a14:imgEffect>
-                      <a14:saturation sat="0"/>
-                    </a14:imgEffect>
-                  </a14:imgLayer>
-                </a14:imgProps>
+          <a:blip r:embed="rId6">
+            <a:extLst>
+              <a:ext uri="{28A0092B-C50C-407E-A947-70E740481C1C}">
+                <a14:useLocalDpi xmlns:a14="http://schemas.microsoft.com/office/drawing/2010/main" val="0"/>
               </a:ext>
             </a:extLst>
           </a:blip>
@@ -9801,8 +10307,8 @@
         </p:blipFill>
         <p:spPr>
           <a:xfrm>
-            <a:off x="11346306" y="543903"/>
-            <a:ext cx="845693" cy="772083"/>
+            <a:off x="2895576" y="2101475"/>
+            <a:ext cx="6400847" cy="4572033"/>
           </a:xfrm>
           <a:prstGeom prst="rect">
             <a:avLst/>
@@ -10283,7 +10789,7 @@
             </a:pPr>
             <a:r>
               <a:rPr lang="en-US" sz="1900" dirty="0"/>
-              <a:t>Sensitivity: 0.999</a:t>
+              <a:t>Specificity: 0.794</a:t>
             </a:r>
           </a:p>
           <a:p>
@@ -10293,7 +10799,7 @@
             </a:pPr>
             <a:r>
               <a:rPr lang="en-US" sz="1900" dirty="0"/>
-              <a:t>Specificity: 0.794</a:t>
+              <a:t>Sensitivity: 0.999</a:t>
             </a:r>
           </a:p>
           <a:p>
@@ -10340,7 +10846,7 @@
             </a:pPr>
             <a:r>
               <a:rPr lang="en-US" sz="1900" dirty="0"/>
-              <a:t>1483/1868 true negatives (Fails)</a:t>
+              <a:t>1483/1868 true negatives/fails</a:t>
             </a:r>
           </a:p>
           <a:p>
@@ -10350,7 +10856,7 @@
             </a:pPr>
             <a:r>
               <a:rPr lang="en-US" sz="1900" dirty="0"/>
-              <a:t>7704/7710 true positives (Meets)</a:t>
+              <a:t>7704/7710 true positives/meets</a:t>
             </a:r>
           </a:p>
           <a:p>
@@ -10406,7 +10912,7 @@
           <p:cNvPr id="11" name="Picture 10" descr="Diagram&#10;&#10;Description automatically generated">
             <a:extLst>
               <a:ext uri="{FF2B5EF4-FFF2-40B4-BE49-F238E27FC236}">
-                <a16:creationId xmlns:a16="http://schemas.microsoft.com/office/drawing/2014/main" id="{81B2EDFB-BE10-2951-005A-5D89972CDD7E}"/>
+                <a16:creationId xmlns:a16="http://schemas.microsoft.com/office/drawing/2014/main" id="{3A8A5BFC-E756-F035-8211-36454BF00857}"/>
               </a:ext>
             </a:extLst>
           </p:cNvPr>
@@ -10429,8 +10935,8 @@
         </p:blipFill>
         <p:spPr>
           <a:xfrm>
-            <a:off x="4624552" y="1732161"/>
-            <a:ext cx="7567447" cy="4675602"/>
+            <a:off x="4066279" y="1508852"/>
+            <a:ext cx="8125722" cy="5020536"/>
           </a:xfrm>
           <a:prstGeom prst="rect">
             <a:avLst/>
@@ -10440,7 +10946,7 @@
     </p:spTree>
     <p:extLst>
       <p:ext uri="{BB962C8B-B14F-4D97-AF65-F5344CB8AC3E}">
-        <p14:creationId xmlns:p14="http://schemas.microsoft.com/office/powerpoint/2010/main" val="562720074"/>
+        <p14:creationId xmlns:p14="http://schemas.microsoft.com/office/powerpoint/2010/main" val="1836251204"/>
       </p:ext>
     </p:extLst>
   </p:cSld>
@@ -10699,7 +11205,7 @@
             </a:pPr>
             <a:r>
               <a:rPr lang="en-US" sz="1900" dirty="0"/>
-              <a:t>Sensitivity: 0.999</a:t>
+              <a:t>Specificity: 0.999</a:t>
             </a:r>
           </a:p>
           <a:p>
@@ -10709,7 +11215,7 @@
             </a:pPr>
             <a:r>
               <a:rPr lang="en-US" sz="1900" dirty="0"/>
-              <a:t>Specificity: 0.013</a:t>
+              <a:t>Sensitivity: 0.013</a:t>
             </a:r>
           </a:p>
           <a:p>
@@ -10756,7 +11262,7 @@
             </a:pPr>
             <a:r>
               <a:rPr lang="en-US" sz="1900" dirty="0"/>
-              <a:t>8034/8045 true negatives (Paid)</a:t>
+              <a:t>8034/8045 true negatives/paid</a:t>
             </a:r>
           </a:p>
           <a:p>
@@ -10766,7 +11272,7 @@
             </a:pPr>
             <a:r>
               <a:rPr lang="en-US" sz="1900" dirty="0"/>
-              <a:t>20/1533 true positives (Unpaid)</a:t>
+              <a:t>20/1533 true positives/unpaid</a:t>
             </a:r>
           </a:p>
           <a:p>
@@ -10856,7 +11362,7 @@
     </p:spTree>
     <p:extLst>
       <p:ext uri="{BB962C8B-B14F-4D97-AF65-F5344CB8AC3E}">
-        <p14:creationId xmlns:p14="http://schemas.microsoft.com/office/powerpoint/2010/main" val="3469126214"/>
+        <p14:creationId xmlns:p14="http://schemas.microsoft.com/office/powerpoint/2010/main" val="1307377937"/>
       </p:ext>
     </p:extLst>
   </p:cSld>

--- a/Project2/EDA_LendingClub_Slides - Project 2.pptx
+++ b/Project2/EDA_LendingClub_Slides - Project 2.pptx
@@ -10216,8 +10216,8 @@
         </p:nvSpPr>
         <p:spPr>
           <a:xfrm>
-            <a:off x="256606" y="2187743"/>
-            <a:ext cx="4465049" cy="4185761"/>
+            <a:off x="256606" y="1918800"/>
+            <a:ext cx="4465049" cy="4770537"/>
           </a:xfrm>
           <a:prstGeom prst="rect">
             <a:avLst/>
@@ -10294,6 +10294,26 @@
             <a:r>
               <a:rPr lang="en-US" sz="1900" dirty="0"/>
               <a:t>Specificity: 0.794</a:t>
+            </a:r>
+          </a:p>
+          <a:p>
+            <a:pPr marL="742950" lvl="1" indent="-285750">
+              <a:buFont typeface="Arial" panose="020B0604020202020204" pitchFamily="34" charset="0"/>
+              <a:buChar char="•"/>
+            </a:pPr>
+            <a:r>
+              <a:rPr lang="en-US" sz="1900" dirty="0"/>
+              <a:t>Precision: 0.952</a:t>
+            </a:r>
+          </a:p>
+          <a:p>
+            <a:pPr marL="742950" lvl="1" indent="-285750">
+              <a:buFont typeface="Arial" panose="020B0604020202020204" pitchFamily="34" charset="0"/>
+              <a:buChar char="•"/>
+            </a:pPr>
+            <a:r>
+              <a:rPr lang="en-US" sz="1900" dirty="0"/>
+              <a:t>Recall: 0.999</a:t>
             </a:r>
           </a:p>
           <a:p>
@@ -10622,8 +10642,8 @@
         </p:nvSpPr>
         <p:spPr>
           <a:xfrm>
-            <a:off x="256606" y="2187743"/>
-            <a:ext cx="4465049" cy="4478149"/>
+            <a:off x="256606" y="1730540"/>
+            <a:ext cx="4465049" cy="5062924"/>
           </a:xfrm>
           <a:prstGeom prst="rect">
             <a:avLst/>
@@ -10710,6 +10730,26 @@
             <a:r>
               <a:rPr lang="en-US" sz="1900" dirty="0"/>
               <a:t>Specificity: 0.013</a:t>
+            </a:r>
+          </a:p>
+          <a:p>
+            <a:pPr marL="742950" lvl="1" indent="-285750">
+              <a:buFont typeface="Arial" panose="020B0604020202020204" pitchFamily="34" charset="0"/>
+              <a:buChar char="•"/>
+            </a:pPr>
+            <a:r>
+              <a:rPr lang="en-US" sz="1900" dirty="0"/>
+              <a:t>Precision: 0.645</a:t>
+            </a:r>
+          </a:p>
+          <a:p>
+            <a:pPr marL="742950" lvl="1" indent="-285750">
+              <a:buFont typeface="Arial" panose="020B0604020202020204" pitchFamily="34" charset="0"/>
+              <a:buChar char="•"/>
+            </a:pPr>
+            <a:r>
+              <a:rPr lang="en-US" sz="1900" dirty="0"/>
+              <a:t>Recall: 0.013</a:t>
             </a:r>
           </a:p>
           <a:p>

--- a/Project2/EDA_LendingClub_Slides - Project 2.pptx
+++ b/Project2/EDA_LendingClub_Slides - Project 2.pptx
@@ -11213,8 +11213,8 @@
         </p:nvSpPr>
         <p:spPr>
           <a:xfrm>
-            <a:off x="256606" y="2187743"/>
-            <a:ext cx="4465049" cy="4185761"/>
+            <a:off x="48788" y="2134304"/>
+            <a:ext cx="4465049" cy="4478149"/>
           </a:xfrm>
           <a:prstGeom prst="rect">
             <a:avLst/>
@@ -11280,7 +11280,7 @@
             </a:pPr>
             <a:r>
               <a:rPr lang="en-US" sz="1900" dirty="0"/>
-              <a:t>Specificity: 0.794</a:t>
+              <a:t>Specificity: 0.999</a:t>
             </a:r>
           </a:p>
           <a:p>
@@ -11290,7 +11290,17 @@
             </a:pPr>
             <a:r>
               <a:rPr lang="en-US" sz="1900" dirty="0"/>
-              <a:t>Sensitivity: 0.999</a:t>
+              <a:t>Recall/Sensitivity: 0.794</a:t>
+            </a:r>
+          </a:p>
+          <a:p>
+            <a:pPr marL="742950" lvl="1" indent="-285750">
+              <a:buFont typeface="Arial" panose="020B0604020202020204" pitchFamily="34" charset="0"/>
+              <a:buChar char="•"/>
+            </a:pPr>
+            <a:r>
+              <a:rPr lang="en-US" sz="1900" dirty="0"/>
+              <a:t>Precision: 0.996</a:t>
             </a:r>
           </a:p>
           <a:p>
@@ -11337,7 +11347,7 @@
             </a:pPr>
             <a:r>
               <a:rPr lang="en-US" sz="1900" dirty="0"/>
-              <a:t>1483/1868 true negatives/fails</a:t>
+              <a:t>1483/1868 true positives/fails</a:t>
             </a:r>
           </a:p>
           <a:p>
@@ -11347,7 +11357,7 @@
             </a:pPr>
             <a:r>
               <a:rPr lang="en-US" sz="1900" dirty="0"/>
-              <a:t>7704/7710 true positives/meets</a:t>
+              <a:t>7704/7710 true negatives/meets</a:t>
             </a:r>
           </a:p>
           <a:p>
@@ -11620,7 +11630,7 @@
         <p:spPr>
           <a:xfrm>
             <a:off x="256606" y="2187743"/>
-            <a:ext cx="4465049" cy="4478149"/>
+            <a:ext cx="4465049" cy="4770537"/>
           </a:xfrm>
           <a:prstGeom prst="rect">
             <a:avLst/>
@@ -11696,7 +11706,7 @@
             </a:pPr>
             <a:r>
               <a:rPr lang="en-US" sz="1900" dirty="0"/>
-              <a:t>Specificity: 0.999</a:t>
+              <a:t>Specificity: 0.013</a:t>
             </a:r>
           </a:p>
           <a:p>
@@ -11706,7 +11716,17 @@
             </a:pPr>
             <a:r>
               <a:rPr lang="en-US" sz="1900" dirty="0"/>
-              <a:t>Sensitivity: 0.013</a:t>
+              <a:t>Recall/Sensitivity: 0.999</a:t>
+            </a:r>
+          </a:p>
+          <a:p>
+            <a:pPr marL="742950" lvl="1" indent="-285750">
+              <a:buFont typeface="Arial" panose="020B0604020202020204" pitchFamily="34" charset="0"/>
+              <a:buChar char="•"/>
+            </a:pPr>
+            <a:r>
+              <a:rPr lang="en-US" sz="1900" dirty="0"/>
+              <a:t>Precision: 0.842</a:t>
             </a:r>
           </a:p>
           <a:p>
@@ -12416,13 +12436,13 @@
           <p:nvPr>
             <p:extLst>
               <p:ext uri="{D42A27DB-BD31-4B8C-83A1-F6EECF244321}">
-                <p14:modId xmlns:p14="http://schemas.microsoft.com/office/powerpoint/2010/main" val="2692416318"/>
+                <p14:modId xmlns:p14="http://schemas.microsoft.com/office/powerpoint/2010/main" val="3183587004"/>
               </p:ext>
             </p:extLst>
           </p:nvPr>
         </p:nvGraphicFramePr>
         <p:xfrm>
-          <a:off x="2100536" y="5525967"/>
+          <a:off x="2031998" y="5529906"/>
           <a:ext cx="8128000" cy="1112520"/>
         </p:xfrm>
         <a:graphic>

--- a/Project2/EDA_LendingClub_Slides - Project 2.pptx
+++ b/Project2/EDA_LendingClub_Slides - Project 2.pptx
@@ -5,7 +5,7 @@
     <p:sldMasterId id="2147483648" r:id="rId1"/>
   </p:sldMasterIdLst>
   <p:notesMasterIdLst>
-    <p:notesMasterId r:id="rId29"/>
+    <p:notesMasterId r:id="rId28"/>
   </p:notesMasterIdLst>
   <p:sldIdLst>
     <p:sldId id="257" r:id="rId2"/>
@@ -22,19 +22,18 @@
     <p:sldId id="318" r:id="rId13"/>
     <p:sldId id="300" r:id="rId14"/>
     <p:sldId id="312" r:id="rId15"/>
-    <p:sldId id="301" r:id="rId16"/>
-    <p:sldId id="299" r:id="rId17"/>
-    <p:sldId id="303" r:id="rId18"/>
-    <p:sldId id="304" r:id="rId19"/>
-    <p:sldId id="305" r:id="rId20"/>
-    <p:sldId id="306" r:id="rId21"/>
-    <p:sldId id="307" r:id="rId22"/>
-    <p:sldId id="308" r:id="rId23"/>
-    <p:sldId id="309" r:id="rId24"/>
-    <p:sldId id="316" r:id="rId25"/>
-    <p:sldId id="317" r:id="rId26"/>
-    <p:sldId id="268" r:id="rId27"/>
-    <p:sldId id="263" r:id="rId28"/>
+    <p:sldId id="299" r:id="rId16"/>
+    <p:sldId id="303" r:id="rId17"/>
+    <p:sldId id="304" r:id="rId18"/>
+    <p:sldId id="305" r:id="rId19"/>
+    <p:sldId id="306" r:id="rId20"/>
+    <p:sldId id="307" r:id="rId21"/>
+    <p:sldId id="308" r:id="rId22"/>
+    <p:sldId id="309" r:id="rId23"/>
+    <p:sldId id="316" r:id="rId24"/>
+    <p:sldId id="317" r:id="rId25"/>
+    <p:sldId id="268" r:id="rId26"/>
+    <p:sldId id="263" r:id="rId27"/>
   </p:sldIdLst>
   <p:sldSz cx="12192000" cy="6858000"/>
   <p:notesSz cx="6858000" cy="9144000"/>
@@ -671,7 +670,7 @@
           <a:p>
             <a:fld id="{6B053770-FD16-42CB-98BB-967786CBD56A}" type="slidenum">
               <a:rPr lang="en-US" smtClean="0"/>
-              <a:t>26</a:t>
+              <a:t>25</a:t>
             </a:fld>
             <a:endParaRPr lang="en-US"/>
           </a:p>
@@ -1342,7 +1341,7 @@
           <a:p>
             <a:fld id="{6B053770-FD16-42CB-98BB-967786CBD56A}" type="slidenum">
               <a:rPr lang="en-US" smtClean="0"/>
-              <a:t>23</a:t>
+              <a:t>22</a:t>
             </a:fld>
             <a:endParaRPr lang="en-US"/>
           </a:p>
@@ -1755,7 +1754,7 @@
           <a:p>
             <a:fld id="{6B053770-FD16-42CB-98BB-967786CBD56A}" type="slidenum">
               <a:rPr lang="en-US" smtClean="0"/>
-              <a:t>24</a:t>
+              <a:t>23</a:t>
             </a:fld>
             <a:endParaRPr lang="en-US"/>
           </a:p>
@@ -2228,7 +2227,7 @@
           <a:p>
             <a:fld id="{6B053770-FD16-42CB-98BB-967786CBD56A}" type="slidenum">
               <a:rPr lang="en-US" smtClean="0"/>
-              <a:t>25</a:t>
+              <a:t>24</a:t>
             </a:fld>
             <a:endParaRPr lang="en-US"/>
           </a:p>
@@ -8591,7 +8590,7 @@
                   <a:srgbClr val="002060"/>
                 </a:solidFill>
               </a:rPr>
-              <a:t>Lasso Regression – Int Rate</a:t>
+              <a:t>Logistic Regression – Credit Policy</a:t>
             </a:r>
           </a:p>
           <a:p>
@@ -8649,10 +8648,10 @@
       </p:cxnSp>
       <p:pic>
         <p:nvPicPr>
-          <p:cNvPr id="2" name="Picture 1">
-            <a:extLst>
-              <a:ext uri="{FF2B5EF4-FFF2-40B4-BE49-F238E27FC236}">
-                <a16:creationId xmlns:a16="http://schemas.microsoft.com/office/drawing/2014/main" id="{7BE29EA1-7637-65C2-B01E-4050393F592E}"/>
+          <p:cNvPr id="3" name="Picture 2" descr="Chart&#10;&#10;Description automatically generated">
+            <a:extLst>
+              <a:ext uri="{FF2B5EF4-FFF2-40B4-BE49-F238E27FC236}">
+                <a16:creationId xmlns:a16="http://schemas.microsoft.com/office/drawing/2014/main" id="{8B33217A-198E-C50A-6DDE-8BD6434B97BC}"/>
               </a:ext>
             </a:extLst>
           </p:cNvPr>
@@ -8663,11 +8662,47 @@
         </p:nvPicPr>
         <p:blipFill>
           <a:blip r:embed="rId3">
+            <a:extLst>
+              <a:ext uri="{28A0092B-C50C-407E-A947-70E740481C1C}">
+                <a14:useLocalDpi xmlns:a14="http://schemas.microsoft.com/office/drawing/2010/main" val="0"/>
+              </a:ext>
+            </a:extLst>
+          </a:blip>
+          <a:stretch>
+            <a:fillRect/>
+          </a:stretch>
+        </p:blipFill>
+        <p:spPr>
+          <a:xfrm>
+            <a:off x="2886868" y="1687866"/>
+            <a:ext cx="6400847" cy="4572033"/>
+          </a:xfrm>
+          <a:prstGeom prst="rect">
+            <a:avLst/>
+          </a:prstGeom>
+        </p:spPr>
+      </p:pic>
+      <p:pic>
+        <p:nvPicPr>
+          <p:cNvPr id="2" name="Picture 1">
+            <a:extLst>
+              <a:ext uri="{FF2B5EF4-FFF2-40B4-BE49-F238E27FC236}">
+                <a16:creationId xmlns:a16="http://schemas.microsoft.com/office/drawing/2014/main" id="{4CDFD8A5-1D31-9DE8-890B-C53C7BA6963E}"/>
+              </a:ext>
+            </a:extLst>
+          </p:cNvPr>
+          <p:cNvPicPr>
+            <a:picLocks noChangeAspect="1"/>
+          </p:cNvPicPr>
+          <p:nvPr/>
+        </p:nvPicPr>
+        <p:blipFill>
+          <a:blip r:embed="rId4">
             <a:alphaModFix amt="5000"/>
             <a:extLst>
               <a:ext uri="{BEBA8EAE-BF5A-486C-A8C5-ECC9F3942E4B}">
                 <a14:imgProps xmlns:a14="http://schemas.microsoft.com/office/drawing/2010/main">
-                  <a14:imgLayer r:embed="rId4">
+                  <a14:imgLayer r:embed="rId5">
                     <a14:imgEffect>
                       <a14:saturation sat="0"/>
                     </a14:imgEffect>
@@ -8693,7 +8728,7 @@
     </p:spTree>
     <p:extLst>
       <p:ext uri="{BB962C8B-B14F-4D97-AF65-F5344CB8AC3E}">
-        <p14:creationId xmlns:p14="http://schemas.microsoft.com/office/powerpoint/2010/main" val="1893722804"/>
+        <p14:creationId xmlns:p14="http://schemas.microsoft.com/office/powerpoint/2010/main" val="4029267829"/>
       </p:ext>
     </p:extLst>
   </p:cSld>
@@ -8871,10 +8906,10 @@
       </p:cxnSp>
       <p:pic>
         <p:nvPicPr>
-          <p:cNvPr id="3" name="Picture 2" descr="Chart&#10;&#10;Description automatically generated">
-            <a:extLst>
-              <a:ext uri="{FF2B5EF4-FFF2-40B4-BE49-F238E27FC236}">
-                <a16:creationId xmlns:a16="http://schemas.microsoft.com/office/drawing/2014/main" id="{8B33217A-198E-C50A-6DDE-8BD6434B97BC}"/>
+          <p:cNvPr id="2" name="Picture 1">
+            <a:extLst>
+              <a:ext uri="{FF2B5EF4-FFF2-40B4-BE49-F238E27FC236}">
+                <a16:creationId xmlns:a16="http://schemas.microsoft.com/office/drawing/2014/main" id="{658A2BB4-5A21-050A-0C3D-4A1E1E98286A}"/>
               </a:ext>
             </a:extLst>
           </p:cNvPr>
@@ -8885,9 +8920,16 @@
         </p:nvPicPr>
         <p:blipFill>
           <a:blip r:embed="rId3">
-            <a:extLst>
-              <a:ext uri="{28A0092B-C50C-407E-A947-70E740481C1C}">
-                <a14:useLocalDpi xmlns:a14="http://schemas.microsoft.com/office/drawing/2010/main" val="0"/>
+            <a:alphaModFix amt="5000"/>
+            <a:extLst>
+              <a:ext uri="{BEBA8EAE-BF5A-486C-A8C5-ECC9F3942E4B}">
+                <a14:imgProps xmlns:a14="http://schemas.microsoft.com/office/drawing/2010/main">
+                  <a14:imgLayer r:embed="rId4">
+                    <a14:imgEffect>
+                      <a14:saturation sat="0"/>
+                    </a14:imgEffect>
+                  </a14:imgLayer>
+                </a14:imgProps>
               </a:ext>
             </a:extLst>
           </a:blip>
@@ -8897,8 +8939,8 @@
         </p:blipFill>
         <p:spPr>
           <a:xfrm>
-            <a:off x="2886868" y="1687866"/>
-            <a:ext cx="6400847" cy="4572033"/>
+            <a:off x="11346306" y="543903"/>
+            <a:ext cx="845693" cy="772083"/>
           </a:xfrm>
           <a:prstGeom prst="rect">
             <a:avLst/>
@@ -8907,10 +8949,10 @@
       </p:pic>
       <p:pic>
         <p:nvPicPr>
-          <p:cNvPr id="2" name="Picture 1">
-            <a:extLst>
-              <a:ext uri="{FF2B5EF4-FFF2-40B4-BE49-F238E27FC236}">
-                <a16:creationId xmlns:a16="http://schemas.microsoft.com/office/drawing/2014/main" id="{4CDFD8A5-1D31-9DE8-890B-C53C7BA6963E}"/>
+          <p:cNvPr id="8" name="Picture 7">
+            <a:extLst>
+              <a:ext uri="{FF2B5EF4-FFF2-40B4-BE49-F238E27FC236}">
+                <a16:creationId xmlns:a16="http://schemas.microsoft.com/office/drawing/2014/main" id="{7A7CA844-FF01-0B9A-9600-1964A7EF0F8D}"/>
               </a:ext>
             </a:extLst>
           </p:cNvPr>
@@ -8920,28 +8962,15 @@
           <p:nvPr/>
         </p:nvPicPr>
         <p:blipFill>
-          <a:blip r:embed="rId4">
-            <a:alphaModFix amt="5000"/>
-            <a:extLst>
-              <a:ext uri="{BEBA8EAE-BF5A-486C-A8C5-ECC9F3942E4B}">
-                <a14:imgProps xmlns:a14="http://schemas.microsoft.com/office/drawing/2010/main">
-                  <a14:imgLayer r:embed="rId5">
-                    <a14:imgEffect>
-                      <a14:saturation sat="0"/>
-                    </a14:imgEffect>
-                  </a14:imgLayer>
-                </a14:imgProps>
-              </a:ext>
-            </a:extLst>
-          </a:blip>
+          <a:blip r:embed="rId5"/>
           <a:stretch>
             <a:fillRect/>
           </a:stretch>
         </p:blipFill>
         <p:spPr>
           <a:xfrm>
-            <a:off x="11346306" y="543903"/>
-            <a:ext cx="845693" cy="772083"/>
+            <a:off x="3640943" y="1664319"/>
+            <a:ext cx="4892697" cy="4937760"/>
           </a:xfrm>
           <a:prstGeom prst="rect">
             <a:avLst/>
@@ -8951,7 +8980,7 @@
     </p:spTree>
     <p:extLst>
       <p:ext uri="{BB962C8B-B14F-4D97-AF65-F5344CB8AC3E}">
-        <p14:creationId xmlns:p14="http://schemas.microsoft.com/office/powerpoint/2010/main" val="4029267829"/>
+        <p14:creationId xmlns:p14="http://schemas.microsoft.com/office/powerpoint/2010/main" val="697410562"/>
       </p:ext>
     </p:extLst>
   </p:cSld>
@@ -9132,7 +9161,7 @@
           <p:cNvPr id="2" name="Picture 1">
             <a:extLst>
               <a:ext uri="{FF2B5EF4-FFF2-40B4-BE49-F238E27FC236}">
-                <a16:creationId xmlns:a16="http://schemas.microsoft.com/office/drawing/2014/main" id="{658A2BB4-5A21-050A-0C3D-4A1E1E98286A}"/>
+                <a16:creationId xmlns:a16="http://schemas.microsoft.com/office/drawing/2014/main" id="{A2AD466F-D5C0-9B79-A015-C5B328B5F793}"/>
               </a:ext>
             </a:extLst>
           </p:cNvPr>
@@ -9175,7 +9204,7 @@
           <p:cNvPr id="8" name="Picture 7">
             <a:extLst>
               <a:ext uri="{FF2B5EF4-FFF2-40B4-BE49-F238E27FC236}">
-                <a16:creationId xmlns:a16="http://schemas.microsoft.com/office/drawing/2014/main" id="{7A7CA844-FF01-0B9A-9600-1964A7EF0F8D}"/>
+                <a16:creationId xmlns:a16="http://schemas.microsoft.com/office/drawing/2014/main" id="{C962BE9C-70B9-52E1-121A-346AE8FADC9C}"/>
               </a:ext>
             </a:extLst>
           </p:cNvPr>
@@ -9192,8 +9221,8 @@
         </p:blipFill>
         <p:spPr>
           <a:xfrm>
-            <a:off x="3640943" y="1664319"/>
-            <a:ext cx="4892697" cy="4937760"/>
+            <a:off x="3694404" y="2598348"/>
+            <a:ext cx="4785775" cy="1661304"/>
           </a:xfrm>
           <a:prstGeom prst="rect">
             <a:avLst/>
@@ -9203,7 +9232,7 @@
     </p:spTree>
     <p:extLst>
       <p:ext uri="{BB962C8B-B14F-4D97-AF65-F5344CB8AC3E}">
-        <p14:creationId xmlns:p14="http://schemas.microsoft.com/office/powerpoint/2010/main" val="697410562"/>
+        <p14:creationId xmlns:p14="http://schemas.microsoft.com/office/powerpoint/2010/main" val="3046938398"/>
       </p:ext>
     </p:extLst>
   </p:cSld>
@@ -9384,7 +9413,7 @@
           <p:cNvPr id="2" name="Picture 1">
             <a:extLst>
               <a:ext uri="{FF2B5EF4-FFF2-40B4-BE49-F238E27FC236}">
-                <a16:creationId xmlns:a16="http://schemas.microsoft.com/office/drawing/2014/main" id="{A2AD466F-D5C0-9B79-A015-C5B328B5F793}"/>
+                <a16:creationId xmlns:a16="http://schemas.microsoft.com/office/drawing/2014/main" id="{2FC2B9EF-E9D6-18A8-94A2-E1294A24C8DF}"/>
               </a:ext>
             </a:extLst>
           </p:cNvPr>
@@ -9424,10 +9453,10 @@
       </p:pic>
       <p:pic>
         <p:nvPicPr>
-          <p:cNvPr id="8" name="Picture 7">
-            <a:extLst>
-              <a:ext uri="{FF2B5EF4-FFF2-40B4-BE49-F238E27FC236}">
-                <a16:creationId xmlns:a16="http://schemas.microsoft.com/office/drawing/2014/main" id="{C962BE9C-70B9-52E1-121A-346AE8FADC9C}"/>
+          <p:cNvPr id="8" name="Picture 7" descr="A picture containing chart&#10;&#10;Description automatically generated">
+            <a:extLst>
+              <a:ext uri="{FF2B5EF4-FFF2-40B4-BE49-F238E27FC236}">
+                <a16:creationId xmlns:a16="http://schemas.microsoft.com/office/drawing/2014/main" id="{3B48E8EC-8F08-AE07-D1CD-17BADFA8627F}"/>
               </a:ext>
             </a:extLst>
           </p:cNvPr>
@@ -9437,15 +9466,21 @@
           <p:nvPr/>
         </p:nvPicPr>
         <p:blipFill>
-          <a:blip r:embed="rId5"/>
+          <a:blip r:embed="rId5">
+            <a:extLst>
+              <a:ext uri="{28A0092B-C50C-407E-A947-70E740481C1C}">
+                <a14:useLocalDpi xmlns:a14="http://schemas.microsoft.com/office/drawing/2010/main" val="0"/>
+              </a:ext>
+            </a:extLst>
+          </a:blip>
           <a:stretch>
             <a:fillRect/>
           </a:stretch>
         </p:blipFill>
         <p:spPr>
           <a:xfrm>
-            <a:off x="3694404" y="2598348"/>
-            <a:ext cx="4785775" cy="1661304"/>
+            <a:off x="2886868" y="1815708"/>
+            <a:ext cx="6400847" cy="4572033"/>
           </a:xfrm>
           <a:prstGeom prst="rect">
             <a:avLst/>
@@ -9455,7 +9490,7 @@
     </p:spTree>
     <p:extLst>
       <p:ext uri="{BB962C8B-B14F-4D97-AF65-F5344CB8AC3E}">
-        <p14:creationId xmlns:p14="http://schemas.microsoft.com/office/powerpoint/2010/main" val="3046938398"/>
+        <p14:creationId xmlns:p14="http://schemas.microsoft.com/office/powerpoint/2010/main" val="4040338310"/>
       </p:ext>
     </p:extLst>
   </p:cSld>
@@ -9575,7 +9610,7 @@
                   <a:srgbClr val="002060"/>
                 </a:solidFill>
               </a:rPr>
-              <a:t>Logistic Regression – Credit Policy</a:t>
+              <a:t>Logistic Regression – Not Fully Paid</a:t>
             </a:r>
           </a:p>
           <a:p>
@@ -9636,7 +9671,7 @@
           <p:cNvPr id="2" name="Picture 1">
             <a:extLst>
               <a:ext uri="{FF2B5EF4-FFF2-40B4-BE49-F238E27FC236}">
-                <a16:creationId xmlns:a16="http://schemas.microsoft.com/office/drawing/2014/main" id="{2FC2B9EF-E9D6-18A8-94A2-E1294A24C8DF}"/>
+                <a16:creationId xmlns:a16="http://schemas.microsoft.com/office/drawing/2014/main" id="{023A899E-E927-9527-7EFB-CD142FB4921E}"/>
               </a:ext>
             </a:extLst>
           </p:cNvPr>
@@ -9676,10 +9711,10 @@
       </p:pic>
       <p:pic>
         <p:nvPicPr>
-          <p:cNvPr id="8" name="Picture 7" descr="A picture containing chart&#10;&#10;Description automatically generated">
-            <a:extLst>
-              <a:ext uri="{FF2B5EF4-FFF2-40B4-BE49-F238E27FC236}">
-                <a16:creationId xmlns:a16="http://schemas.microsoft.com/office/drawing/2014/main" id="{3B48E8EC-8F08-AE07-D1CD-17BADFA8627F}"/>
+          <p:cNvPr id="11" name="Picture 10" descr="Chart&#10;&#10;Description automatically generated">
+            <a:extLst>
+              <a:ext uri="{FF2B5EF4-FFF2-40B4-BE49-F238E27FC236}">
+                <a16:creationId xmlns:a16="http://schemas.microsoft.com/office/drawing/2014/main" id="{3501F370-2DB0-FC78-6B22-3E724F7C8C45}"/>
               </a:ext>
             </a:extLst>
           </p:cNvPr>
@@ -9702,7 +9737,7 @@
         </p:blipFill>
         <p:spPr>
           <a:xfrm>
-            <a:off x="2886868" y="1815708"/>
+            <a:off x="2895576" y="1815708"/>
             <a:ext cx="6400847" cy="4572033"/>
           </a:xfrm>
           <a:prstGeom prst="rect">
@@ -9713,7 +9748,7 @@
     </p:spTree>
     <p:extLst>
       <p:ext uri="{BB962C8B-B14F-4D97-AF65-F5344CB8AC3E}">
-        <p14:creationId xmlns:p14="http://schemas.microsoft.com/office/powerpoint/2010/main" val="4040338310"/>
+        <p14:creationId xmlns:p14="http://schemas.microsoft.com/office/powerpoint/2010/main" val="2792606219"/>
       </p:ext>
     </p:extLst>
   </p:cSld>
@@ -10110,8 +10145,8 @@
         </p:nvSpPr>
         <p:spPr>
           <a:xfrm>
-            <a:off x="1" y="470259"/>
-            <a:ext cx="12192000" cy="1631216"/>
+            <a:off x="47502" y="2010924"/>
+            <a:ext cx="5947112" cy="2400657"/>
           </a:xfrm>
           <a:prstGeom prst="rect">
             <a:avLst/>
@@ -10160,8 +10195,8 @@
         </p:nvCxnSpPr>
         <p:spPr>
           <a:xfrm>
-            <a:off x="757647" y="1332033"/>
-            <a:ext cx="10659291" cy="0"/>
+            <a:off x="232449" y="2846137"/>
+            <a:ext cx="5577218" cy="0"/>
           </a:xfrm>
           <a:prstGeom prst="line">
             <a:avLst/>
@@ -10192,7 +10227,7 @@
           <p:cNvPr id="2" name="Picture 1">
             <a:extLst>
               <a:ext uri="{FF2B5EF4-FFF2-40B4-BE49-F238E27FC236}">
-                <a16:creationId xmlns:a16="http://schemas.microsoft.com/office/drawing/2014/main" id="{023A899E-E927-9527-7EFB-CD142FB4921E}"/>
+                <a16:creationId xmlns:a16="http://schemas.microsoft.com/office/drawing/2014/main" id="{B6CB5E6C-F811-992E-988E-E7960D0903ED}"/>
               </a:ext>
             </a:extLst>
           </p:cNvPr>
@@ -10232,10 +10267,10 @@
       </p:pic>
       <p:pic>
         <p:nvPicPr>
-          <p:cNvPr id="11" name="Picture 10" descr="Chart&#10;&#10;Description automatically generated">
-            <a:extLst>
-              <a:ext uri="{FF2B5EF4-FFF2-40B4-BE49-F238E27FC236}">
-                <a16:creationId xmlns:a16="http://schemas.microsoft.com/office/drawing/2014/main" id="{3501F370-2DB0-FC78-6B22-3E724F7C8C45}"/>
+          <p:cNvPr id="13" name="Picture 12">
+            <a:extLst>
+              <a:ext uri="{FF2B5EF4-FFF2-40B4-BE49-F238E27FC236}">
+                <a16:creationId xmlns:a16="http://schemas.microsoft.com/office/drawing/2014/main" id="{BFAB6128-BD3A-76D8-29C2-EE8F734852C8}"/>
               </a:ext>
             </a:extLst>
           </p:cNvPr>
@@ -10245,21 +10280,15 @@
           <p:nvPr/>
         </p:nvPicPr>
         <p:blipFill>
-          <a:blip r:embed="rId5">
-            <a:extLst>
-              <a:ext uri="{28A0092B-C50C-407E-A947-70E740481C1C}">
-                <a14:useLocalDpi xmlns:a14="http://schemas.microsoft.com/office/drawing/2010/main" val="0"/>
-              </a:ext>
-            </a:extLst>
-          </a:blip>
+          <a:blip r:embed="rId5"/>
           <a:stretch>
             <a:fillRect/>
           </a:stretch>
         </p:blipFill>
         <p:spPr>
           <a:xfrm>
-            <a:off x="2895576" y="1815708"/>
-            <a:ext cx="6400847" cy="4572033"/>
+            <a:off x="6045558" y="0"/>
+            <a:ext cx="3805984" cy="6858000"/>
           </a:xfrm>
           <a:prstGeom prst="rect">
             <a:avLst/>
@@ -10269,7 +10298,7 @@
     </p:spTree>
     <p:extLst>
       <p:ext uri="{BB962C8B-B14F-4D97-AF65-F5344CB8AC3E}">
-        <p14:creationId xmlns:p14="http://schemas.microsoft.com/office/powerpoint/2010/main" val="2792606219"/>
+        <p14:creationId xmlns:p14="http://schemas.microsoft.com/office/powerpoint/2010/main" val="2538059948"/>
       </p:ext>
     </p:extLst>
   </p:cSld>
@@ -10368,8 +10397,8 @@
         </p:nvSpPr>
         <p:spPr>
           <a:xfrm>
-            <a:off x="47502" y="2010924"/>
-            <a:ext cx="5947112" cy="2400657"/>
+            <a:off x="1" y="470259"/>
+            <a:ext cx="12192000" cy="1631216"/>
           </a:xfrm>
           <a:prstGeom prst="rect">
             <a:avLst/>
@@ -10418,8 +10447,8 @@
         </p:nvCxnSpPr>
         <p:spPr>
           <a:xfrm>
-            <a:off x="232449" y="2846137"/>
-            <a:ext cx="5577218" cy="0"/>
+            <a:off x="757647" y="1332033"/>
+            <a:ext cx="10659291" cy="0"/>
           </a:xfrm>
           <a:prstGeom prst="line">
             <a:avLst/>
@@ -10450,7 +10479,7 @@
           <p:cNvPr id="2" name="Picture 1">
             <a:extLst>
               <a:ext uri="{FF2B5EF4-FFF2-40B4-BE49-F238E27FC236}">
-                <a16:creationId xmlns:a16="http://schemas.microsoft.com/office/drawing/2014/main" id="{B6CB5E6C-F811-992E-988E-E7960D0903ED}"/>
+                <a16:creationId xmlns:a16="http://schemas.microsoft.com/office/drawing/2014/main" id="{14AF11B4-A6BF-84F4-79AF-FCA35587A181}"/>
               </a:ext>
             </a:extLst>
           </p:cNvPr>
@@ -10493,7 +10522,7 @@
           <p:cNvPr id="13" name="Picture 12">
             <a:extLst>
               <a:ext uri="{FF2B5EF4-FFF2-40B4-BE49-F238E27FC236}">
-                <a16:creationId xmlns:a16="http://schemas.microsoft.com/office/drawing/2014/main" id="{BFAB6128-BD3A-76D8-29C2-EE8F734852C8}"/>
+                <a16:creationId xmlns:a16="http://schemas.microsoft.com/office/drawing/2014/main" id="{194F9CB5-B191-A1A6-2241-CFE328643394}"/>
               </a:ext>
             </a:extLst>
           </p:cNvPr>
@@ -10510,8 +10539,8 @@
         </p:blipFill>
         <p:spPr>
           <a:xfrm>
-            <a:off x="6045558" y="0"/>
-            <a:ext cx="3805984" cy="6858000"/>
+            <a:off x="3619285" y="2571734"/>
+            <a:ext cx="4953429" cy="1950889"/>
           </a:xfrm>
           <a:prstGeom prst="rect">
             <a:avLst/>
@@ -10521,7 +10550,7 @@
     </p:spTree>
     <p:extLst>
       <p:ext uri="{BB962C8B-B14F-4D97-AF65-F5344CB8AC3E}">
-        <p14:creationId xmlns:p14="http://schemas.microsoft.com/office/powerpoint/2010/main" val="2538059948"/>
+        <p14:creationId xmlns:p14="http://schemas.microsoft.com/office/powerpoint/2010/main" val="538577802"/>
       </p:ext>
     </p:extLst>
   </p:cSld>
@@ -10563,7 +10592,7 @@
           <p:nvPr/>
         </p:nvPicPr>
         <p:blipFill rotWithShape="1">
-          <a:blip r:embed="rId2"/>
+          <a:blip r:embed="rId3"/>
           <a:srcRect t="10770" r="84371" b="20000"/>
           <a:stretch/>
         </p:blipFill>
@@ -10592,7 +10621,7 @@
           <p:nvPr/>
         </p:nvPicPr>
         <p:blipFill rotWithShape="1">
-          <a:blip r:embed="rId2"/>
+          <a:blip r:embed="rId3"/>
           <a:srcRect l="15172"/>
           <a:stretch/>
         </p:blipFill>
@@ -10702,7 +10731,7 @@
           <p:cNvPr id="2" name="Picture 1">
             <a:extLst>
               <a:ext uri="{FF2B5EF4-FFF2-40B4-BE49-F238E27FC236}">
-                <a16:creationId xmlns:a16="http://schemas.microsoft.com/office/drawing/2014/main" id="{14AF11B4-A6BF-84F4-79AF-FCA35587A181}"/>
+                <a16:creationId xmlns:a16="http://schemas.microsoft.com/office/drawing/2014/main" id="{AE14D38D-7A17-5BEC-058F-4E888FA04465}"/>
               </a:ext>
             </a:extLst>
           </p:cNvPr>
@@ -10712,12 +10741,12 @@
           <p:nvPr/>
         </p:nvPicPr>
         <p:blipFill>
-          <a:blip r:embed="rId3">
+          <a:blip r:embed="rId4">
             <a:alphaModFix amt="5000"/>
             <a:extLst>
               <a:ext uri="{BEBA8EAE-BF5A-486C-A8C5-ECC9F3942E4B}">
                 <a14:imgProps xmlns:a14="http://schemas.microsoft.com/office/drawing/2010/main">
-                  <a14:imgLayer r:embed="rId4">
+                  <a14:imgLayer r:embed="rId5">
                     <a14:imgEffect>
                       <a14:saturation sat="0"/>
                     </a14:imgEffect>
@@ -10742,10 +10771,10 @@
       </p:pic>
       <p:pic>
         <p:nvPicPr>
-          <p:cNvPr id="13" name="Picture 12">
-            <a:extLst>
-              <a:ext uri="{FF2B5EF4-FFF2-40B4-BE49-F238E27FC236}">
-                <a16:creationId xmlns:a16="http://schemas.microsoft.com/office/drawing/2014/main" id="{194F9CB5-B191-A1A6-2241-CFE328643394}"/>
+          <p:cNvPr id="13" name="Picture 12" descr="Chart&#10;&#10;Description automatically generated">
+            <a:extLst>
+              <a:ext uri="{FF2B5EF4-FFF2-40B4-BE49-F238E27FC236}">
+                <a16:creationId xmlns:a16="http://schemas.microsoft.com/office/drawing/2014/main" id="{9574932B-4FD0-CE84-326F-4C2B181AFF46}"/>
               </a:ext>
             </a:extLst>
           </p:cNvPr>
@@ -10755,15 +10784,21 @@
           <p:nvPr/>
         </p:nvPicPr>
         <p:blipFill>
-          <a:blip r:embed="rId5"/>
+          <a:blip r:embed="rId6">
+            <a:extLst>
+              <a:ext uri="{28A0092B-C50C-407E-A947-70E740481C1C}">
+                <a14:useLocalDpi xmlns:a14="http://schemas.microsoft.com/office/drawing/2010/main" val="0"/>
+              </a:ext>
+            </a:extLst>
+          </a:blip>
           <a:stretch>
             <a:fillRect/>
           </a:stretch>
         </p:blipFill>
         <p:spPr>
           <a:xfrm>
-            <a:off x="3619285" y="2571734"/>
-            <a:ext cx="4953429" cy="1950889"/>
+            <a:off x="2895576" y="2101475"/>
+            <a:ext cx="6400847" cy="4572033"/>
           </a:xfrm>
           <a:prstGeom prst="rect">
             <a:avLst/>
@@ -10773,7 +10808,7 @@
     </p:spTree>
     <p:extLst>
       <p:ext uri="{BB962C8B-B14F-4D97-AF65-F5344CB8AC3E}">
-        <p14:creationId xmlns:p14="http://schemas.microsoft.com/office/powerpoint/2010/main" val="538577802"/>
+        <p14:creationId xmlns:p14="http://schemas.microsoft.com/office/powerpoint/2010/main" val="961642784"/>
       </p:ext>
     </p:extLst>
   </p:cSld>
@@ -10873,7 +10908,7 @@
         <p:spPr>
           <a:xfrm>
             <a:off x="1" y="470259"/>
-            <a:ext cx="12192000" cy="1631216"/>
+            <a:ext cx="12192000" cy="861774"/>
           </a:xfrm>
           <a:prstGeom prst="rect">
             <a:avLst/>
@@ -10893,16 +10928,8 @@
                   <a:srgbClr val="002060"/>
                 </a:solidFill>
               </a:rPr>
-              <a:t>Logistic Regression – Not Fully Paid</a:t>
-            </a:r>
-          </a:p>
-          <a:p>
-            <a:pPr algn="ctr"/>
-            <a:endParaRPr lang="en-US" sz="5000" dirty="0">
-              <a:solidFill>
-                <a:srgbClr val="002060"/>
-              </a:solidFill>
-            </a:endParaRPr>
+              <a:t>Classification Tree – Credit Policy</a:t>
+            </a:r>
           </a:p>
         </p:txBody>
       </p:sp>
@@ -10949,12 +10976,178 @@
           </a:fontRef>
         </p:style>
       </p:cxnSp>
+      <p:sp>
+        <p:nvSpPr>
+          <p:cNvPr id="2" name="TextBox 1">
+            <a:extLst>
+              <a:ext uri="{FF2B5EF4-FFF2-40B4-BE49-F238E27FC236}">
+                <a16:creationId xmlns:a16="http://schemas.microsoft.com/office/drawing/2014/main" id="{769B97F2-949C-6AED-5947-79C707840323}"/>
+              </a:ext>
+            </a:extLst>
+          </p:cNvPr>
+          <p:cNvSpPr txBox="1"/>
+          <p:nvPr/>
+        </p:nvSpPr>
+        <p:spPr>
+          <a:xfrm>
+            <a:off x="48788" y="2134304"/>
+            <a:ext cx="4465049" cy="4478149"/>
+          </a:xfrm>
+          <a:prstGeom prst="rect">
+            <a:avLst/>
+          </a:prstGeom>
+          <a:noFill/>
+        </p:spPr>
+        <p:txBody>
+          <a:bodyPr wrap="square" rtlCol="0">
+            <a:spAutoFit/>
+          </a:bodyPr>
+          <a:lstStyle/>
+          <a:p>
+            <a:pPr marL="285750" indent="-285750">
+              <a:buFont typeface="Arial" panose="020B0604020202020204" pitchFamily="34" charset="0"/>
+              <a:buChar char="•"/>
+            </a:pPr>
+            <a:r>
+              <a:rPr lang="en-US" sz="1900" b="1" dirty="0"/>
+              <a:t>Tree</a:t>
+            </a:r>
+          </a:p>
+          <a:p>
+            <a:pPr marL="742950" lvl="1" indent="-285750">
+              <a:buFont typeface="Arial" panose="020B0604020202020204" pitchFamily="34" charset="0"/>
+              <a:buChar char="•"/>
+            </a:pPr>
+            <a:r>
+              <a:rPr lang="en-US" sz="1900" dirty="0"/>
+              <a:t>Three variables</a:t>
+            </a:r>
+          </a:p>
+          <a:p>
+            <a:pPr marL="742950" lvl="1" indent="-285750">
+              <a:buFont typeface="Arial" panose="020B0604020202020204" pitchFamily="34" charset="0"/>
+              <a:buChar char="•"/>
+            </a:pPr>
+            <a:r>
+              <a:rPr lang="en-US" sz="1900" dirty="0"/>
+              <a:t>4 splits</a:t>
+            </a:r>
+          </a:p>
+          <a:p>
+            <a:pPr marL="742950" lvl="1" indent="-285750">
+              <a:buFont typeface="Arial" panose="020B0604020202020204" pitchFamily="34" charset="0"/>
+              <a:buChar char="•"/>
+            </a:pPr>
+            <a:endParaRPr lang="en-US" sz="1900" dirty="0"/>
+          </a:p>
+          <a:p>
+            <a:pPr marL="285750" indent="-285750">
+              <a:buFont typeface="Arial" panose="020B0604020202020204" pitchFamily="34" charset="0"/>
+              <a:buChar char="•"/>
+            </a:pPr>
+            <a:r>
+              <a:rPr lang="en-US" sz="1900" b="1" dirty="0"/>
+              <a:t>Confusion Matrix</a:t>
+            </a:r>
+          </a:p>
+          <a:p>
+            <a:pPr marL="742950" lvl="1" indent="-285750">
+              <a:buFont typeface="Arial" panose="020B0604020202020204" pitchFamily="34" charset="0"/>
+              <a:buChar char="•"/>
+            </a:pPr>
+            <a:r>
+              <a:rPr lang="en-US" sz="1900" dirty="0"/>
+              <a:t>Specificity: 0.999</a:t>
+            </a:r>
+          </a:p>
+          <a:p>
+            <a:pPr marL="742950" lvl="1" indent="-285750">
+              <a:buFont typeface="Arial" panose="020B0604020202020204" pitchFamily="34" charset="0"/>
+              <a:buChar char="•"/>
+            </a:pPr>
+            <a:r>
+              <a:rPr lang="en-US" sz="1900" dirty="0"/>
+              <a:t>Recall/Sensitivity: 0.794</a:t>
+            </a:r>
+          </a:p>
+          <a:p>
+            <a:pPr marL="742950" lvl="1" indent="-285750">
+              <a:buFont typeface="Arial" panose="020B0604020202020204" pitchFamily="34" charset="0"/>
+              <a:buChar char="•"/>
+            </a:pPr>
+            <a:r>
+              <a:rPr lang="en-US" sz="1900" dirty="0"/>
+              <a:t>Precision: 0.996</a:t>
+            </a:r>
+          </a:p>
+          <a:p>
+            <a:pPr marL="742950" lvl="1" indent="-285750">
+              <a:buFont typeface="Arial" panose="020B0604020202020204" pitchFamily="34" charset="0"/>
+              <a:buChar char="•"/>
+            </a:pPr>
+            <a:r>
+              <a:rPr lang="en-US" sz="1900" dirty="0"/>
+              <a:t>AUC: 0.900</a:t>
+            </a:r>
+          </a:p>
+          <a:p>
+            <a:pPr marL="742950" lvl="1" indent="-285750">
+              <a:buFont typeface="Arial" panose="020B0604020202020204" pitchFamily="34" charset="0"/>
+              <a:buChar char="•"/>
+            </a:pPr>
+            <a:r>
+              <a:rPr lang="en-US" sz="1900" dirty="0"/>
+              <a:t>Kappa: 0.859</a:t>
+            </a:r>
+          </a:p>
+          <a:p>
+            <a:pPr marL="285750" indent="-285750">
+              <a:buFont typeface="Arial" panose="020B0604020202020204" pitchFamily="34" charset="0"/>
+              <a:buChar char="•"/>
+            </a:pPr>
+            <a:endParaRPr lang="en-US" sz="1900" dirty="0"/>
+          </a:p>
+          <a:p>
+            <a:pPr marL="285750" indent="-285750">
+              <a:buFont typeface="Arial" panose="020B0604020202020204" pitchFamily="34" charset="0"/>
+              <a:buChar char="•"/>
+            </a:pPr>
+            <a:r>
+              <a:rPr lang="en-US" sz="1900" b="1" dirty="0"/>
+              <a:t>Predictions vs Actual</a:t>
+            </a:r>
+          </a:p>
+          <a:p>
+            <a:pPr marL="742950" lvl="1" indent="-285750">
+              <a:buFont typeface="Arial" panose="020B0604020202020204" pitchFamily="34" charset="0"/>
+              <a:buChar char="•"/>
+            </a:pPr>
+            <a:r>
+              <a:rPr lang="en-US" sz="1900" dirty="0"/>
+              <a:t>1483/1868 true positives/fails</a:t>
+            </a:r>
+          </a:p>
+          <a:p>
+            <a:pPr marL="742950" lvl="1" indent="-285750">
+              <a:buFont typeface="Arial" panose="020B0604020202020204" pitchFamily="34" charset="0"/>
+              <a:buChar char="•"/>
+            </a:pPr>
+            <a:r>
+              <a:rPr lang="en-US" sz="1900" dirty="0"/>
+              <a:t>7704/7710 true negatives/meets</a:t>
+            </a:r>
+          </a:p>
+          <a:p>
+            <a:endParaRPr lang="en-US" sz="1900" dirty="0"/>
+          </a:p>
+        </p:txBody>
+      </p:sp>
       <p:pic>
         <p:nvPicPr>
-          <p:cNvPr id="2" name="Picture 1">
-            <a:extLst>
-              <a:ext uri="{FF2B5EF4-FFF2-40B4-BE49-F238E27FC236}">
-                <a16:creationId xmlns:a16="http://schemas.microsoft.com/office/drawing/2014/main" id="{AE14D38D-7A17-5BEC-058F-4E888FA04465}"/>
+          <p:cNvPr id="16" name="Picture 15">
+            <a:extLst>
+              <a:ext uri="{FF2B5EF4-FFF2-40B4-BE49-F238E27FC236}">
+                <a16:creationId xmlns:a16="http://schemas.microsoft.com/office/drawing/2014/main" id="{50F56C6D-7226-6C71-0754-0D4DD2D2A85D}"/>
               </a:ext>
             </a:extLst>
           </p:cNvPr>
@@ -10994,10 +11187,10 @@
       </p:pic>
       <p:pic>
         <p:nvPicPr>
-          <p:cNvPr id="13" name="Picture 12" descr="Chart&#10;&#10;Description automatically generated">
-            <a:extLst>
-              <a:ext uri="{FF2B5EF4-FFF2-40B4-BE49-F238E27FC236}">
-                <a16:creationId xmlns:a16="http://schemas.microsoft.com/office/drawing/2014/main" id="{9574932B-4FD0-CE84-326F-4C2B181AFF46}"/>
+          <p:cNvPr id="11" name="Picture 10" descr="Diagram&#10;&#10;Description automatically generated">
+            <a:extLst>
+              <a:ext uri="{FF2B5EF4-FFF2-40B4-BE49-F238E27FC236}">
+                <a16:creationId xmlns:a16="http://schemas.microsoft.com/office/drawing/2014/main" id="{3A8A5BFC-E756-F035-8211-36454BF00857}"/>
               </a:ext>
             </a:extLst>
           </p:cNvPr>
@@ -11020,8 +11213,8 @@
         </p:blipFill>
         <p:spPr>
           <a:xfrm>
-            <a:off x="2895576" y="2101475"/>
-            <a:ext cx="6400847" cy="4572033"/>
+            <a:off x="4066279" y="1508852"/>
+            <a:ext cx="8125722" cy="5020536"/>
           </a:xfrm>
           <a:prstGeom prst="rect">
             <a:avLst/>
@@ -11031,7 +11224,7 @@
     </p:spTree>
     <p:extLst>
       <p:ext uri="{BB962C8B-B14F-4D97-AF65-F5344CB8AC3E}">
-        <p14:creationId xmlns:p14="http://schemas.microsoft.com/office/powerpoint/2010/main" val="961642784"/>
+        <p14:creationId xmlns:p14="http://schemas.microsoft.com/office/powerpoint/2010/main" val="1836251204"/>
       </p:ext>
     </p:extLst>
   </p:cSld>
@@ -11151,7 +11344,7 @@
                   <a:srgbClr val="002060"/>
                 </a:solidFill>
               </a:rPr>
-              <a:t>Classification Tree – Credit Policy</a:t>
+              <a:t>Classification Tree – Not Fully Paid</a:t>
             </a:r>
           </a:p>
         </p:txBody>
@@ -11213,422 +11406,6 @@
         </p:nvSpPr>
         <p:spPr>
           <a:xfrm>
-            <a:off x="48788" y="2134304"/>
-            <a:ext cx="4465049" cy="4478149"/>
-          </a:xfrm>
-          <a:prstGeom prst="rect">
-            <a:avLst/>
-          </a:prstGeom>
-          <a:noFill/>
-        </p:spPr>
-        <p:txBody>
-          <a:bodyPr wrap="square" rtlCol="0">
-            <a:spAutoFit/>
-          </a:bodyPr>
-          <a:lstStyle/>
-          <a:p>
-            <a:pPr marL="285750" indent="-285750">
-              <a:buFont typeface="Arial" panose="020B0604020202020204" pitchFamily="34" charset="0"/>
-              <a:buChar char="•"/>
-            </a:pPr>
-            <a:r>
-              <a:rPr lang="en-US" sz="1900" b="1" dirty="0"/>
-              <a:t>Tree</a:t>
-            </a:r>
-          </a:p>
-          <a:p>
-            <a:pPr marL="742950" lvl="1" indent="-285750">
-              <a:buFont typeface="Arial" panose="020B0604020202020204" pitchFamily="34" charset="0"/>
-              <a:buChar char="•"/>
-            </a:pPr>
-            <a:r>
-              <a:rPr lang="en-US" sz="1900" dirty="0"/>
-              <a:t>Three variables</a:t>
-            </a:r>
-          </a:p>
-          <a:p>
-            <a:pPr marL="742950" lvl="1" indent="-285750">
-              <a:buFont typeface="Arial" panose="020B0604020202020204" pitchFamily="34" charset="0"/>
-              <a:buChar char="•"/>
-            </a:pPr>
-            <a:r>
-              <a:rPr lang="en-US" sz="1900" dirty="0"/>
-              <a:t>4 splits</a:t>
-            </a:r>
-          </a:p>
-          <a:p>
-            <a:pPr marL="742950" lvl="1" indent="-285750">
-              <a:buFont typeface="Arial" panose="020B0604020202020204" pitchFamily="34" charset="0"/>
-              <a:buChar char="•"/>
-            </a:pPr>
-            <a:endParaRPr lang="en-US" sz="1900" dirty="0"/>
-          </a:p>
-          <a:p>
-            <a:pPr marL="285750" indent="-285750">
-              <a:buFont typeface="Arial" panose="020B0604020202020204" pitchFamily="34" charset="0"/>
-              <a:buChar char="•"/>
-            </a:pPr>
-            <a:r>
-              <a:rPr lang="en-US" sz="1900" b="1" dirty="0"/>
-              <a:t>Confusion Matrix</a:t>
-            </a:r>
-          </a:p>
-          <a:p>
-            <a:pPr marL="742950" lvl="1" indent="-285750">
-              <a:buFont typeface="Arial" panose="020B0604020202020204" pitchFamily="34" charset="0"/>
-              <a:buChar char="•"/>
-            </a:pPr>
-            <a:r>
-              <a:rPr lang="en-US" sz="1900" dirty="0"/>
-              <a:t>Specificity: 0.999</a:t>
-            </a:r>
-          </a:p>
-          <a:p>
-            <a:pPr marL="742950" lvl="1" indent="-285750">
-              <a:buFont typeface="Arial" panose="020B0604020202020204" pitchFamily="34" charset="0"/>
-              <a:buChar char="•"/>
-            </a:pPr>
-            <a:r>
-              <a:rPr lang="en-US" sz="1900" dirty="0"/>
-              <a:t>Recall/Sensitivity: 0.794</a:t>
-            </a:r>
-          </a:p>
-          <a:p>
-            <a:pPr marL="742950" lvl="1" indent="-285750">
-              <a:buFont typeface="Arial" panose="020B0604020202020204" pitchFamily="34" charset="0"/>
-              <a:buChar char="•"/>
-            </a:pPr>
-            <a:r>
-              <a:rPr lang="en-US" sz="1900" dirty="0"/>
-              <a:t>Precision: 0.996</a:t>
-            </a:r>
-          </a:p>
-          <a:p>
-            <a:pPr marL="742950" lvl="1" indent="-285750">
-              <a:buFont typeface="Arial" panose="020B0604020202020204" pitchFamily="34" charset="0"/>
-              <a:buChar char="•"/>
-            </a:pPr>
-            <a:r>
-              <a:rPr lang="en-US" sz="1900" dirty="0"/>
-              <a:t>AUC: 0.900</a:t>
-            </a:r>
-          </a:p>
-          <a:p>
-            <a:pPr marL="742950" lvl="1" indent="-285750">
-              <a:buFont typeface="Arial" panose="020B0604020202020204" pitchFamily="34" charset="0"/>
-              <a:buChar char="•"/>
-            </a:pPr>
-            <a:r>
-              <a:rPr lang="en-US" sz="1900" dirty="0"/>
-              <a:t>Kappa: 0.859</a:t>
-            </a:r>
-          </a:p>
-          <a:p>
-            <a:pPr marL="285750" indent="-285750">
-              <a:buFont typeface="Arial" panose="020B0604020202020204" pitchFamily="34" charset="0"/>
-              <a:buChar char="•"/>
-            </a:pPr>
-            <a:endParaRPr lang="en-US" sz="1900" dirty="0"/>
-          </a:p>
-          <a:p>
-            <a:pPr marL="285750" indent="-285750">
-              <a:buFont typeface="Arial" panose="020B0604020202020204" pitchFamily="34" charset="0"/>
-              <a:buChar char="•"/>
-            </a:pPr>
-            <a:r>
-              <a:rPr lang="en-US" sz="1900" b="1" dirty="0"/>
-              <a:t>Predictions vs Actual</a:t>
-            </a:r>
-          </a:p>
-          <a:p>
-            <a:pPr marL="742950" lvl="1" indent="-285750">
-              <a:buFont typeface="Arial" panose="020B0604020202020204" pitchFamily="34" charset="0"/>
-              <a:buChar char="•"/>
-            </a:pPr>
-            <a:r>
-              <a:rPr lang="en-US" sz="1900" dirty="0"/>
-              <a:t>1483/1868 true positives/fails</a:t>
-            </a:r>
-          </a:p>
-          <a:p>
-            <a:pPr marL="742950" lvl="1" indent="-285750">
-              <a:buFont typeface="Arial" panose="020B0604020202020204" pitchFamily="34" charset="0"/>
-              <a:buChar char="•"/>
-            </a:pPr>
-            <a:r>
-              <a:rPr lang="en-US" sz="1900" dirty="0"/>
-              <a:t>7704/7710 true negatives/meets</a:t>
-            </a:r>
-          </a:p>
-          <a:p>
-            <a:endParaRPr lang="en-US" sz="1900" dirty="0"/>
-          </a:p>
-        </p:txBody>
-      </p:sp>
-      <p:pic>
-        <p:nvPicPr>
-          <p:cNvPr id="16" name="Picture 15">
-            <a:extLst>
-              <a:ext uri="{FF2B5EF4-FFF2-40B4-BE49-F238E27FC236}">
-                <a16:creationId xmlns:a16="http://schemas.microsoft.com/office/drawing/2014/main" id="{50F56C6D-7226-6C71-0754-0D4DD2D2A85D}"/>
-              </a:ext>
-            </a:extLst>
-          </p:cNvPr>
-          <p:cNvPicPr>
-            <a:picLocks noChangeAspect="1"/>
-          </p:cNvPicPr>
-          <p:nvPr/>
-        </p:nvPicPr>
-        <p:blipFill>
-          <a:blip r:embed="rId4">
-            <a:alphaModFix amt="5000"/>
-            <a:extLst>
-              <a:ext uri="{BEBA8EAE-BF5A-486C-A8C5-ECC9F3942E4B}">
-                <a14:imgProps xmlns:a14="http://schemas.microsoft.com/office/drawing/2010/main">
-                  <a14:imgLayer r:embed="rId5">
-                    <a14:imgEffect>
-                      <a14:saturation sat="0"/>
-                    </a14:imgEffect>
-                  </a14:imgLayer>
-                </a14:imgProps>
-              </a:ext>
-            </a:extLst>
-          </a:blip>
-          <a:stretch>
-            <a:fillRect/>
-          </a:stretch>
-        </p:blipFill>
-        <p:spPr>
-          <a:xfrm>
-            <a:off x="11346306" y="543903"/>
-            <a:ext cx="845693" cy="772083"/>
-          </a:xfrm>
-          <a:prstGeom prst="rect">
-            <a:avLst/>
-          </a:prstGeom>
-        </p:spPr>
-      </p:pic>
-      <p:pic>
-        <p:nvPicPr>
-          <p:cNvPr id="11" name="Picture 10" descr="Diagram&#10;&#10;Description automatically generated">
-            <a:extLst>
-              <a:ext uri="{FF2B5EF4-FFF2-40B4-BE49-F238E27FC236}">
-                <a16:creationId xmlns:a16="http://schemas.microsoft.com/office/drawing/2014/main" id="{3A8A5BFC-E756-F035-8211-36454BF00857}"/>
-              </a:ext>
-            </a:extLst>
-          </p:cNvPr>
-          <p:cNvPicPr>
-            <a:picLocks noChangeAspect="1"/>
-          </p:cNvPicPr>
-          <p:nvPr/>
-        </p:nvPicPr>
-        <p:blipFill>
-          <a:blip r:embed="rId6">
-            <a:extLst>
-              <a:ext uri="{28A0092B-C50C-407E-A947-70E740481C1C}">
-                <a14:useLocalDpi xmlns:a14="http://schemas.microsoft.com/office/drawing/2010/main" val="0"/>
-              </a:ext>
-            </a:extLst>
-          </a:blip>
-          <a:stretch>
-            <a:fillRect/>
-          </a:stretch>
-        </p:blipFill>
-        <p:spPr>
-          <a:xfrm>
-            <a:off x="4066279" y="1508852"/>
-            <a:ext cx="8125722" cy="5020536"/>
-          </a:xfrm>
-          <a:prstGeom prst="rect">
-            <a:avLst/>
-          </a:prstGeom>
-        </p:spPr>
-      </p:pic>
-    </p:spTree>
-    <p:extLst>
-      <p:ext uri="{BB962C8B-B14F-4D97-AF65-F5344CB8AC3E}">
-        <p14:creationId xmlns:p14="http://schemas.microsoft.com/office/powerpoint/2010/main" val="1836251204"/>
-      </p:ext>
-    </p:extLst>
-  </p:cSld>
-  <p:clrMapOvr>
-    <a:masterClrMapping/>
-  </p:clrMapOvr>
-</p:sld>
-</file>
-
-<file path=ppt/slides/slide25.xml><?xml version="1.0" encoding="utf-8"?>
-<p:sld xmlns:a="http://schemas.openxmlformats.org/drawingml/2006/main" xmlns:r="http://schemas.openxmlformats.org/officeDocument/2006/relationships" xmlns:p="http://schemas.openxmlformats.org/presentationml/2006/main">
-  <p:cSld>
-    <p:spTree>
-      <p:nvGrpSpPr>
-        <p:cNvPr id="1" name=""/>
-        <p:cNvGrpSpPr/>
-        <p:nvPr/>
-      </p:nvGrpSpPr>
-      <p:grpSpPr>
-        <a:xfrm>
-          <a:off x="0" y="0"/>
-          <a:ext cx="0" cy="0"/>
-          <a:chOff x="0" y="0"/>
-          <a:chExt cx="0" cy="0"/>
-        </a:xfrm>
-      </p:grpSpPr>
-      <p:pic>
-        <p:nvPicPr>
-          <p:cNvPr id="5" name="Picture 4">
-            <a:extLst>
-              <a:ext uri="{FF2B5EF4-FFF2-40B4-BE49-F238E27FC236}">
-                <a16:creationId xmlns:a16="http://schemas.microsoft.com/office/drawing/2014/main" id="{558453F9-F3C1-EDA3-6D83-43170A158A07}"/>
-              </a:ext>
-            </a:extLst>
-          </p:cNvPr>
-          <p:cNvPicPr>
-            <a:picLocks noChangeAspect="1"/>
-          </p:cNvPicPr>
-          <p:nvPr/>
-        </p:nvPicPr>
-        <p:blipFill rotWithShape="1">
-          <a:blip r:embed="rId3"/>
-          <a:srcRect t="10770" r="84371" b="20000"/>
-          <a:stretch/>
-        </p:blipFill>
-        <p:spPr>
-          <a:xfrm>
-            <a:off x="0" y="0"/>
-            <a:ext cx="1073997" cy="1175657"/>
-          </a:xfrm>
-          <a:prstGeom prst="rect">
-            <a:avLst/>
-          </a:prstGeom>
-        </p:spPr>
-      </p:pic>
-      <p:pic>
-        <p:nvPicPr>
-          <p:cNvPr id="6" name="Picture 5">
-            <a:extLst>
-              <a:ext uri="{FF2B5EF4-FFF2-40B4-BE49-F238E27FC236}">
-                <a16:creationId xmlns:a16="http://schemas.microsoft.com/office/drawing/2014/main" id="{CE1484BB-74DC-9E65-B32D-BE5FE2E385CD}"/>
-              </a:ext>
-            </a:extLst>
-          </p:cNvPr>
-          <p:cNvPicPr>
-            <a:picLocks noChangeAspect="1"/>
-          </p:cNvPicPr>
-          <p:nvPr/>
-        </p:nvPicPr>
-        <p:blipFill rotWithShape="1">
-          <a:blip r:embed="rId3"/>
-          <a:srcRect l="15172"/>
-          <a:stretch/>
-        </p:blipFill>
-        <p:spPr>
-          <a:xfrm>
-            <a:off x="9949987" y="0"/>
-            <a:ext cx="2242014" cy="653143"/>
-          </a:xfrm>
-          <a:prstGeom prst="rect">
-            <a:avLst/>
-          </a:prstGeom>
-        </p:spPr>
-      </p:pic>
-      <p:sp>
-        <p:nvSpPr>
-          <p:cNvPr id="7" name="TextBox 6">
-            <a:extLst>
-              <a:ext uri="{FF2B5EF4-FFF2-40B4-BE49-F238E27FC236}">
-                <a16:creationId xmlns:a16="http://schemas.microsoft.com/office/drawing/2014/main" id="{9EECCCD9-8AD5-9916-BC29-771066C9EE70}"/>
-              </a:ext>
-            </a:extLst>
-          </p:cNvPr>
-          <p:cNvSpPr txBox="1"/>
-          <p:nvPr/>
-        </p:nvSpPr>
-        <p:spPr>
-          <a:xfrm>
-            <a:off x="1" y="470259"/>
-            <a:ext cx="12192000" cy="861774"/>
-          </a:xfrm>
-          <a:prstGeom prst="rect">
-            <a:avLst/>
-          </a:prstGeom>
-          <a:noFill/>
-        </p:spPr>
-        <p:txBody>
-          <a:bodyPr wrap="square" rtlCol="0">
-            <a:spAutoFit/>
-          </a:bodyPr>
-          <a:lstStyle/>
-          <a:p>
-            <a:pPr algn="ctr"/>
-            <a:r>
-              <a:rPr lang="en-US" sz="5000" b="1" dirty="0">
-                <a:solidFill>
-                  <a:srgbClr val="002060"/>
-                </a:solidFill>
-              </a:rPr>
-              <a:t>Classification Tree – Not Fully Paid</a:t>
-            </a:r>
-          </a:p>
-        </p:txBody>
-      </p:sp>
-      <p:cxnSp>
-        <p:nvCxnSpPr>
-          <p:cNvPr id="9" name="Straight Connector 8">
-            <a:extLst>
-              <a:ext uri="{FF2B5EF4-FFF2-40B4-BE49-F238E27FC236}">
-                <a16:creationId xmlns:a16="http://schemas.microsoft.com/office/drawing/2014/main" id="{450EE6D2-7381-B11A-A20A-0D5D0904DD35}"/>
-              </a:ext>
-            </a:extLst>
-          </p:cNvPr>
-          <p:cNvCxnSpPr>
-            <a:cxnSpLocks/>
-          </p:cNvCxnSpPr>
-          <p:nvPr/>
-        </p:nvCxnSpPr>
-        <p:spPr>
-          <a:xfrm>
-            <a:off x="757647" y="1332033"/>
-            <a:ext cx="10659291" cy="0"/>
-          </a:xfrm>
-          <a:prstGeom prst="line">
-            <a:avLst/>
-          </a:prstGeom>
-          <a:ln w="57150">
-            <a:solidFill>
-              <a:srgbClr val="002060"/>
-            </a:solidFill>
-          </a:ln>
-        </p:spPr>
-        <p:style>
-          <a:lnRef idx="1">
-            <a:schemeClr val="accent1"/>
-          </a:lnRef>
-          <a:fillRef idx="0">
-            <a:schemeClr val="accent1"/>
-          </a:fillRef>
-          <a:effectRef idx="0">
-            <a:schemeClr val="accent1"/>
-          </a:effectRef>
-          <a:fontRef idx="minor">
-            <a:schemeClr val="tx1"/>
-          </a:fontRef>
-        </p:style>
-      </p:cxnSp>
-      <p:sp>
-        <p:nvSpPr>
-          <p:cNvPr id="2" name="TextBox 1">
-            <a:extLst>
-              <a:ext uri="{FF2B5EF4-FFF2-40B4-BE49-F238E27FC236}">
-                <a16:creationId xmlns:a16="http://schemas.microsoft.com/office/drawing/2014/main" id="{769B97F2-949C-6AED-5947-79C707840323}"/>
-              </a:ext>
-            </a:extLst>
-          </p:cNvPr>
-          <p:cNvSpPr txBox="1"/>
-          <p:nvPr/>
-        </p:nvSpPr>
-        <p:spPr>
-          <a:xfrm>
             <a:off x="256606" y="2187743"/>
             <a:ext cx="4465049" cy="4770537"/>
           </a:xfrm>
@@ -11883,7 +11660,7 @@
 </p:sld>
 </file>
 
-<file path=ppt/slides/slide26.xml><?xml version="1.0" encoding="utf-8"?>
+<file path=ppt/slides/slide25.xml><?xml version="1.0" encoding="utf-8"?>
 <p:sld xmlns:a="http://schemas.openxmlformats.org/drawingml/2006/main" xmlns:r="http://schemas.openxmlformats.org/officeDocument/2006/relationships" xmlns:p="http://schemas.openxmlformats.org/presentationml/2006/main">
   <p:cSld>
     <p:spTree>
@@ -12667,7 +12444,7 @@
 </p:sld>
 </file>
 
-<file path=ppt/slides/slide27.xml><?xml version="1.0" encoding="utf-8"?>
+<file path=ppt/slides/slide26.xml><?xml version="1.0" encoding="utf-8"?>
 <p:sld xmlns:a="http://schemas.openxmlformats.org/drawingml/2006/main" xmlns:r="http://schemas.openxmlformats.org/officeDocument/2006/relationships" xmlns:p="http://schemas.openxmlformats.org/presentationml/2006/main">
   <p:cSld>
     <p:bg>
